--- a/発表準備/7月成果発表会.pptx
+++ b/発表準備/7月成果発表会.pptx
@@ -15,11 +15,11 @@
     <p:sldId id="284" r:id="rId9"/>
     <p:sldId id="285" r:id="rId10"/>
     <p:sldId id="260" r:id="rId11"/>
-    <p:sldId id="272" r:id="rId12"/>
-    <p:sldId id="276" r:id="rId13"/>
-    <p:sldId id="273" r:id="rId14"/>
-    <p:sldId id="274" r:id="rId15"/>
-    <p:sldId id="275" r:id="rId16"/>
+    <p:sldId id="288" r:id="rId12"/>
+    <p:sldId id="290" r:id="rId13"/>
+    <p:sldId id="287" r:id="rId14"/>
+    <p:sldId id="289" r:id="rId15"/>
+    <p:sldId id="291" r:id="rId16"/>
     <p:sldId id="277" r:id="rId17"/>
     <p:sldId id="278" r:id="rId18"/>
   </p:sldIdLst>
@@ -275,7 +275,7 @@
           <a:p>
             <a:fld id="{9CFFAD60-27D9-44AE-82D7-77B581F6BE63}" type="datetimeFigureOut">
               <a:rPr kumimoji="1" lang="ja-JP" altLang="en-US" smtClean="0"/>
-              <a:t>2025/7/17</a:t>
+              <a:t>2025/7/18</a:t>
             </a:fld>
             <a:endParaRPr kumimoji="1" lang="ja-JP" altLang="en-US"/>
           </a:p>
@@ -505,7 +505,7 @@
           <a:p>
             <a:fld id="{9CFFAD60-27D9-44AE-82D7-77B581F6BE63}" type="datetimeFigureOut">
               <a:rPr kumimoji="1" lang="ja-JP" altLang="en-US" smtClean="0"/>
-              <a:t>2025/7/17</a:t>
+              <a:t>2025/7/18</a:t>
             </a:fld>
             <a:endParaRPr kumimoji="1" lang="ja-JP" altLang="en-US"/>
           </a:p>
@@ -745,7 +745,7 @@
           <a:p>
             <a:fld id="{9CFFAD60-27D9-44AE-82D7-77B581F6BE63}" type="datetimeFigureOut">
               <a:rPr kumimoji="1" lang="ja-JP" altLang="en-US" smtClean="0"/>
-              <a:t>2025/7/17</a:t>
+              <a:t>2025/7/18</a:t>
             </a:fld>
             <a:endParaRPr kumimoji="1" lang="ja-JP" altLang="en-US"/>
           </a:p>
@@ -975,7 +975,7 @@
           <a:p>
             <a:fld id="{9CFFAD60-27D9-44AE-82D7-77B581F6BE63}" type="datetimeFigureOut">
               <a:rPr kumimoji="1" lang="ja-JP" altLang="en-US" smtClean="0"/>
-              <a:t>2025/7/17</a:t>
+              <a:t>2025/7/18</a:t>
             </a:fld>
             <a:endParaRPr kumimoji="1" lang="ja-JP" altLang="en-US"/>
           </a:p>
@@ -1250,7 +1250,7 @@
           <a:p>
             <a:fld id="{9CFFAD60-27D9-44AE-82D7-77B581F6BE63}" type="datetimeFigureOut">
               <a:rPr kumimoji="1" lang="ja-JP" altLang="en-US" smtClean="0"/>
-              <a:t>2025/7/17</a:t>
+              <a:t>2025/7/18</a:t>
             </a:fld>
             <a:endParaRPr kumimoji="1" lang="ja-JP" altLang="en-US"/>
           </a:p>
@@ -1579,7 +1579,7 @@
           <a:p>
             <a:fld id="{9CFFAD60-27D9-44AE-82D7-77B581F6BE63}" type="datetimeFigureOut">
               <a:rPr kumimoji="1" lang="ja-JP" altLang="en-US" smtClean="0"/>
-              <a:t>2025/7/17</a:t>
+              <a:t>2025/7/18</a:t>
             </a:fld>
             <a:endParaRPr kumimoji="1" lang="ja-JP" altLang="en-US"/>
           </a:p>
@@ -2055,7 +2055,7 @@
           <a:p>
             <a:fld id="{9CFFAD60-27D9-44AE-82D7-77B581F6BE63}" type="datetimeFigureOut">
               <a:rPr kumimoji="1" lang="ja-JP" altLang="en-US" smtClean="0"/>
-              <a:t>2025/7/17</a:t>
+              <a:t>2025/7/18</a:t>
             </a:fld>
             <a:endParaRPr kumimoji="1" lang="ja-JP" altLang="en-US"/>
           </a:p>
@@ -2196,7 +2196,7 @@
           <a:p>
             <a:fld id="{9CFFAD60-27D9-44AE-82D7-77B581F6BE63}" type="datetimeFigureOut">
               <a:rPr kumimoji="1" lang="ja-JP" altLang="en-US" smtClean="0"/>
-              <a:t>2025/7/17</a:t>
+              <a:t>2025/7/18</a:t>
             </a:fld>
             <a:endParaRPr kumimoji="1" lang="ja-JP" altLang="en-US"/>
           </a:p>
@@ -2309,7 +2309,7 @@
           <a:p>
             <a:fld id="{9CFFAD60-27D9-44AE-82D7-77B581F6BE63}" type="datetimeFigureOut">
               <a:rPr kumimoji="1" lang="ja-JP" altLang="en-US" smtClean="0"/>
-              <a:t>2025/7/17</a:t>
+              <a:t>2025/7/18</a:t>
             </a:fld>
             <a:endParaRPr kumimoji="1" lang="ja-JP" altLang="en-US"/>
           </a:p>
@@ -2652,7 +2652,7 @@
           <a:p>
             <a:fld id="{9CFFAD60-27D9-44AE-82D7-77B581F6BE63}" type="datetimeFigureOut">
               <a:rPr kumimoji="1" lang="ja-JP" altLang="en-US" smtClean="0"/>
-              <a:t>2025/7/17</a:t>
+              <a:t>2025/7/18</a:t>
             </a:fld>
             <a:endParaRPr kumimoji="1" lang="ja-JP" altLang="en-US"/>
           </a:p>
@@ -2940,7 +2940,7 @@
           <a:p>
             <a:fld id="{9CFFAD60-27D9-44AE-82D7-77B581F6BE63}" type="datetimeFigureOut">
               <a:rPr kumimoji="1" lang="ja-JP" altLang="en-US" smtClean="0"/>
-              <a:t>2025/7/17</a:t>
+              <a:t>2025/7/18</a:t>
             </a:fld>
             <a:endParaRPr kumimoji="1" lang="ja-JP" altLang="en-US"/>
           </a:p>
@@ -3213,7 +3213,7 @@
           <a:p>
             <a:fld id="{9CFFAD60-27D9-44AE-82D7-77B581F6BE63}" type="datetimeFigureOut">
               <a:rPr kumimoji="1" lang="ja-JP" altLang="en-US" smtClean="0"/>
-              <a:t>2025/7/17</a:t>
+              <a:t>2025/7/18</a:t>
             </a:fld>
             <a:endParaRPr kumimoji="1" lang="ja-JP" altLang="en-US"/>
           </a:p>
@@ -3930,7 +3930,7 @@
         </p:nvSpPr>
         <p:spPr>
           <a:xfrm>
-            <a:off x="865909" y="428158"/>
+            <a:off x="2973601" y="375404"/>
             <a:ext cx="6494585" cy="1207111"/>
           </a:xfrm>
         </p:spPr>
@@ -3968,8 +3968,8 @@
         </p:nvSpPr>
         <p:spPr>
           <a:xfrm>
-            <a:off x="1093177" y="2019055"/>
-            <a:ext cx="10547838" cy="3731114"/>
+            <a:off x="4844561" y="1960685"/>
+            <a:ext cx="6796453" cy="3789484"/>
           </a:xfrm>
         </p:spPr>
         <p:txBody>
@@ -4132,6 +4132,92 @@
           </a:p>
         </p:txBody>
       </p:sp>
+      <p:sp>
+        <p:nvSpPr>
+          <p:cNvPr id="5" name="楕円 4">
+            <a:extLst>
+              <a:ext uri="{FF2B5EF4-FFF2-40B4-BE49-F238E27FC236}">
+                <a16:creationId xmlns:a16="http://schemas.microsoft.com/office/drawing/2014/main" id="{E0680914-3528-BBD0-23C6-8DAD5B7E50A6}"/>
+              </a:ext>
+            </a:extLst>
+          </p:cNvPr>
+          <p:cNvSpPr/>
+          <p:nvPr/>
+        </p:nvSpPr>
+        <p:spPr>
+          <a:xfrm>
+            <a:off x="2039576" y="1960685"/>
+            <a:ext cx="1221769" cy="1207111"/>
+          </a:xfrm>
+          <a:prstGeom prst="ellipse">
+            <a:avLst/>
+          </a:prstGeom>
+          <a:ln>
+            <a:solidFill>
+              <a:schemeClr val="tx1"/>
+            </a:solidFill>
+          </a:ln>
+        </p:spPr>
+        <p:style>
+          <a:lnRef idx="2">
+            <a:schemeClr val="accent6"/>
+          </a:lnRef>
+          <a:fillRef idx="1">
+            <a:schemeClr val="lt1"/>
+          </a:fillRef>
+          <a:effectRef idx="0">
+            <a:schemeClr val="accent6"/>
+          </a:effectRef>
+          <a:fontRef idx="minor">
+            <a:schemeClr val="dk1"/>
+          </a:fontRef>
+        </p:style>
+        <p:txBody>
+          <a:bodyPr rtlCol="0" anchor="ctr"/>
+          <a:lstStyle/>
+          <a:p>
+            <a:pPr algn="ctr"/>
+            <a:endParaRPr kumimoji="1" lang="ja-JP" altLang="en-US"/>
+          </a:p>
+        </p:txBody>
+      </p:sp>
+      <p:pic>
+        <p:nvPicPr>
+          <p:cNvPr id="6" name="図 5" descr="アイコン&#10;&#10;AI 生成コンテンツは誤りを含む可能性があります。">
+            <a:extLst>
+              <a:ext uri="{FF2B5EF4-FFF2-40B4-BE49-F238E27FC236}">
+                <a16:creationId xmlns:a16="http://schemas.microsoft.com/office/drawing/2014/main" id="{C46BF24F-048E-6290-FE18-F14E884FD3FE}"/>
+              </a:ext>
+            </a:extLst>
+          </p:cNvPr>
+          <p:cNvPicPr>
+            <a:picLocks noChangeAspect="1"/>
+          </p:cNvPicPr>
+          <p:nvPr/>
+        </p:nvPicPr>
+        <p:blipFill>
+          <a:blip r:embed="rId2">
+            <a:extLst>
+              <a:ext uri="{28A0092B-C50C-407E-A947-70E740481C1C}">
+                <a14:useLocalDpi xmlns:a14="http://schemas.microsoft.com/office/drawing/2010/main" val="0"/>
+              </a:ext>
+            </a:extLst>
+          </a:blip>
+          <a:srcRect l="38114" t="37025" r="38114" b="36835"/>
+          <a:stretch>
+            <a:fillRect/>
+          </a:stretch>
+        </p:blipFill>
+        <p:spPr>
+          <a:xfrm>
+            <a:off x="2251529" y="2125552"/>
+            <a:ext cx="797862" cy="877375"/>
+          </a:xfrm>
+          <a:prstGeom prst="rect">
+            <a:avLst/>
+          </a:prstGeom>
+        </p:spPr>
+      </p:pic>
     </p:spTree>
     <p:extLst>
       <p:ext uri="{BB962C8B-B14F-4D97-AF65-F5344CB8AC3E}">
@@ -4153,7 +4239,7 @@
         <p:cNvPr id="1" name="">
           <a:extLst>
             <a:ext uri="{FF2B5EF4-FFF2-40B4-BE49-F238E27FC236}">
-              <a16:creationId xmlns:a16="http://schemas.microsoft.com/office/drawing/2014/main" id="{2D809E74-CFA6-9A99-56CD-FBD8C77139DD}"/>
+              <a16:creationId xmlns:a16="http://schemas.microsoft.com/office/drawing/2014/main" id="{51032046-15FD-7E58-CCDA-58F390B7C696}"/>
             </a:ext>
           </a:extLst>
         </p:cNvPr>
@@ -4173,7 +4259,7 @@
           <p:cNvPr id="2" name="タイトル 1">
             <a:extLst>
               <a:ext uri="{FF2B5EF4-FFF2-40B4-BE49-F238E27FC236}">
-                <a16:creationId xmlns:a16="http://schemas.microsoft.com/office/drawing/2014/main" id="{78FB1C6A-033C-29D9-9835-CEC153CC9089}"/>
+                <a16:creationId xmlns:a16="http://schemas.microsoft.com/office/drawing/2014/main" id="{F233ADBF-7116-676E-3FDB-A2037AE1E4AF}"/>
               </a:ext>
             </a:extLst>
           </p:cNvPr>
@@ -4186,7 +4272,7 @@
         </p:nvSpPr>
         <p:spPr>
           <a:xfrm>
-            <a:off x="865909" y="428158"/>
+            <a:off x="2973601" y="375404"/>
             <a:ext cx="6494585" cy="1207111"/>
           </a:xfrm>
         </p:spPr>
@@ -4211,7 +4297,7 @@
           <p:cNvPr id="3" name="コンテンツ プレースホルダー 2">
             <a:extLst>
               <a:ext uri="{FF2B5EF4-FFF2-40B4-BE49-F238E27FC236}">
-                <a16:creationId xmlns:a16="http://schemas.microsoft.com/office/drawing/2014/main" id="{9557DC84-22DB-3CB1-8586-7AD114B9700D}"/>
+                <a16:creationId xmlns:a16="http://schemas.microsoft.com/office/drawing/2014/main" id="{1FB25327-445A-B0D0-BFC4-F1066EECA976}"/>
               </a:ext>
             </a:extLst>
           </p:cNvPr>
@@ -4224,8 +4310,8 @@
         </p:nvSpPr>
         <p:spPr>
           <a:xfrm>
-            <a:off x="1093177" y="2019055"/>
-            <a:ext cx="10547838" cy="3731114"/>
+            <a:off x="4844561" y="1960685"/>
+            <a:ext cx="6796453" cy="3789484"/>
           </a:xfrm>
         </p:spPr>
         <p:txBody>
@@ -4242,16 +4328,27 @@
                 <a:latin typeface="BIZ UDPゴシック" panose="020B0400000000000000" pitchFamily="50" charset="-128"/>
                 <a:ea typeface="BIZ UDPゴシック" panose="020B0400000000000000" pitchFamily="50" charset="-128"/>
               </a:rPr>
-              <a:t>名前：宮澤</a:t>
-            </a:r>
-          </a:p>
-          <a:p>
+              <a:t>名前：</a:t>
+            </a:r>
+            <a:r>
+              <a:rPr lang="ja-JP" altLang="en-US" sz="2000" dirty="0">
+                <a:latin typeface="BIZ UDPゴシック" panose="020B0400000000000000" pitchFamily="50" charset="-128"/>
+                <a:ea typeface="BIZ UDPゴシック" panose="020B0400000000000000" pitchFamily="50" charset="-128"/>
+              </a:rPr>
+              <a:t>宮澤</a:t>
+            </a:r>
             <a:endParaRPr kumimoji="1" lang="ja-JP" altLang="en-US" sz="2000" dirty="0">
               <a:latin typeface="BIZ UDPゴシック" panose="020B0400000000000000" pitchFamily="50" charset="-128"/>
               <a:ea typeface="BIZ UDPゴシック" panose="020B0400000000000000" pitchFamily="50" charset="-128"/>
             </a:endParaRPr>
           </a:p>
           <a:p>
+            <a:endParaRPr kumimoji="1" lang="ja-JP" altLang="en-US" sz="2000" dirty="0">
+              <a:latin typeface="BIZ UDPゴシック" panose="020B0400000000000000" pitchFamily="50" charset="-128"/>
+              <a:ea typeface="BIZ UDPゴシック" panose="020B0400000000000000" pitchFamily="50" charset="-128"/>
+            </a:endParaRPr>
+          </a:p>
+          <a:p>
             <a:pPr marL="0" indent="0">
               <a:buNone/>
             </a:pPr>
@@ -4260,14 +4357,7 @@
                 <a:latin typeface="BIZ UDPゴシック" panose="020B0400000000000000" pitchFamily="50" charset="-128"/>
                 <a:ea typeface="BIZ UDPゴシック" panose="020B0400000000000000" pitchFamily="50" charset="-128"/>
               </a:rPr>
-              <a:t>役職</a:t>
-            </a:r>
-            <a:r>
-              <a:rPr lang="ja-JP" altLang="en-US" sz="2000" dirty="0">
-                <a:latin typeface="BIZ UDPゴシック" panose="020B0400000000000000" pitchFamily="50" charset="-128"/>
-                <a:ea typeface="BIZ UDPゴシック" panose="020B0400000000000000" pitchFamily="50" charset="-128"/>
-              </a:rPr>
-              <a:t>：</a:t>
+              <a:t>役職：</a:t>
             </a:r>
             <a:r>
               <a:rPr lang="en-US" altLang="ja-JP" sz="2000" dirty="0">
@@ -4308,26 +4398,19 @@
               </a:rPr>
               <a:t>担当箇所：</a:t>
             </a:r>
-          </a:p>
-          <a:p>
+            <a:r>
+              <a:rPr lang="ja-JP" altLang="en-US" sz="2000" dirty="0">
+                <a:latin typeface="BIZ UDPゴシック" panose="020B0400000000000000" pitchFamily="50" charset="-128"/>
+                <a:ea typeface="BIZ UDPゴシック" panose="020B0400000000000000" pitchFamily="50" charset="-128"/>
+              </a:rPr>
+              <a:t>グラフ、キーワード分析</a:t>
+            </a:r>
             <a:endParaRPr kumimoji="1" lang="ja-JP" altLang="en-US" sz="2000" dirty="0">
               <a:latin typeface="BIZ UDPゴシック" panose="020B0400000000000000" pitchFamily="50" charset="-128"/>
               <a:ea typeface="BIZ UDPゴシック" panose="020B0400000000000000" pitchFamily="50" charset="-128"/>
             </a:endParaRPr>
           </a:p>
           <a:p>
-            <a:pPr marL="0" indent="0">
-              <a:buNone/>
-            </a:pPr>
-            <a:r>
-              <a:rPr kumimoji="1" lang="ja-JP" altLang="en-US" sz="2000" dirty="0">
-                <a:latin typeface="BIZ UDPゴシック" panose="020B0400000000000000" pitchFamily="50" charset="-128"/>
-                <a:ea typeface="BIZ UDPゴシック" panose="020B0400000000000000" pitchFamily="50" charset="-128"/>
-              </a:rPr>
-              <a:t>研修前：</a:t>
-            </a:r>
-          </a:p>
-          <a:p>
             <a:endParaRPr kumimoji="1" lang="ja-JP" altLang="en-US" sz="2000" dirty="0">
               <a:latin typeface="BIZ UDPゴシック" panose="020B0400000000000000" pitchFamily="50" charset="-128"/>
               <a:ea typeface="BIZ UDPゴシック" panose="020B0400000000000000" pitchFamily="50" charset="-128"/>
@@ -4342,6 +4425,24 @@
                 <a:latin typeface="BIZ UDPゴシック" panose="020B0400000000000000" pitchFamily="50" charset="-128"/>
                 <a:ea typeface="BIZ UDPゴシック" panose="020B0400000000000000" pitchFamily="50" charset="-128"/>
               </a:rPr>
+              <a:t>研修前：</a:t>
+            </a:r>
+          </a:p>
+          <a:p>
+            <a:endParaRPr kumimoji="1" lang="ja-JP" altLang="en-US" sz="2000" dirty="0">
+              <a:latin typeface="BIZ UDPゴシック" panose="020B0400000000000000" pitchFamily="50" charset="-128"/>
+              <a:ea typeface="BIZ UDPゴシック" panose="020B0400000000000000" pitchFamily="50" charset="-128"/>
+            </a:endParaRPr>
+          </a:p>
+          <a:p>
+            <a:pPr marL="0" indent="0">
+              <a:buNone/>
+            </a:pPr>
+            <a:r>
+              <a:rPr kumimoji="1" lang="ja-JP" altLang="en-US" sz="2000" dirty="0">
+                <a:latin typeface="BIZ UDPゴシック" panose="020B0400000000000000" pitchFamily="50" charset="-128"/>
+                <a:ea typeface="BIZ UDPゴシック" panose="020B0400000000000000" pitchFamily="50" charset="-128"/>
+              </a:rPr>
               <a:t>研修後：</a:t>
             </a:r>
           </a:p>
@@ -4355,7 +4456,7 @@
           <p:cNvPr id="4" name="正方形/長方形 3">
             <a:extLst>
               <a:ext uri="{FF2B5EF4-FFF2-40B4-BE49-F238E27FC236}">
-                <a16:creationId xmlns:a16="http://schemas.microsoft.com/office/drawing/2014/main" id="{C21B1CC2-7687-A9D8-6C23-F4E7F9F46621}"/>
+                <a16:creationId xmlns:a16="http://schemas.microsoft.com/office/drawing/2014/main" id="{F5005512-2E60-EE52-7B1A-B130D616E705}"/>
               </a:ext>
             </a:extLst>
           </p:cNvPr>
@@ -4413,10 +4514,59 @@
           </a:p>
         </p:txBody>
       </p:sp>
+      <p:sp>
+        <p:nvSpPr>
+          <p:cNvPr id="5" name="楕円 4">
+            <a:extLst>
+              <a:ext uri="{FF2B5EF4-FFF2-40B4-BE49-F238E27FC236}">
+                <a16:creationId xmlns:a16="http://schemas.microsoft.com/office/drawing/2014/main" id="{FA17D3A0-1747-7E17-707B-297D26385129}"/>
+              </a:ext>
+            </a:extLst>
+          </p:cNvPr>
+          <p:cNvSpPr/>
+          <p:nvPr/>
+        </p:nvSpPr>
+        <p:spPr>
+          <a:xfrm>
+            <a:off x="2039576" y="1960685"/>
+            <a:ext cx="1221769" cy="1207111"/>
+          </a:xfrm>
+          <a:prstGeom prst="ellipse">
+            <a:avLst/>
+          </a:prstGeom>
+          <a:ln>
+            <a:solidFill>
+              <a:schemeClr val="tx1"/>
+            </a:solidFill>
+          </a:ln>
+        </p:spPr>
+        <p:style>
+          <a:lnRef idx="2">
+            <a:schemeClr val="accent6"/>
+          </a:lnRef>
+          <a:fillRef idx="1">
+            <a:schemeClr val="lt1"/>
+          </a:fillRef>
+          <a:effectRef idx="0">
+            <a:schemeClr val="accent6"/>
+          </a:effectRef>
+          <a:fontRef idx="minor">
+            <a:schemeClr val="dk1"/>
+          </a:fontRef>
+        </p:style>
+        <p:txBody>
+          <a:bodyPr rtlCol="0" anchor="ctr"/>
+          <a:lstStyle/>
+          <a:p>
+            <a:pPr algn="ctr"/>
+            <a:endParaRPr kumimoji="1" lang="ja-JP" altLang="en-US"/>
+          </a:p>
+        </p:txBody>
+      </p:sp>
     </p:spTree>
     <p:extLst>
       <p:ext uri="{BB962C8B-B14F-4D97-AF65-F5344CB8AC3E}">
-        <p14:creationId xmlns:p14="http://schemas.microsoft.com/office/powerpoint/2010/main" val="2543164055"/>
+        <p14:creationId xmlns:p14="http://schemas.microsoft.com/office/powerpoint/2010/main" val="546559674"/>
       </p:ext>
     </p:extLst>
   </p:cSld>
@@ -4434,7 +4584,7 @@
         <p:cNvPr id="1" name="">
           <a:extLst>
             <a:ext uri="{FF2B5EF4-FFF2-40B4-BE49-F238E27FC236}">
-              <a16:creationId xmlns:a16="http://schemas.microsoft.com/office/drawing/2014/main" id="{564C5A7B-2D52-EA84-3BA5-5EFDF6339951}"/>
+              <a16:creationId xmlns:a16="http://schemas.microsoft.com/office/drawing/2014/main" id="{E94EDF4C-3311-A4EE-B3EC-921E7A15BF6D}"/>
             </a:ext>
           </a:extLst>
         </p:cNvPr>
@@ -4454,7 +4604,7 @@
           <p:cNvPr id="2" name="タイトル 1">
             <a:extLst>
               <a:ext uri="{FF2B5EF4-FFF2-40B4-BE49-F238E27FC236}">
-                <a16:creationId xmlns:a16="http://schemas.microsoft.com/office/drawing/2014/main" id="{A95DF25F-DB3F-CDD6-91DF-AE3E8A122265}"/>
+                <a16:creationId xmlns:a16="http://schemas.microsoft.com/office/drawing/2014/main" id="{3B60E6F4-592A-8FB0-D00D-E35DAE661E8D}"/>
               </a:ext>
             </a:extLst>
           </p:cNvPr>
@@ -4467,7 +4617,7 @@
         </p:nvSpPr>
         <p:spPr>
           <a:xfrm>
-            <a:off x="865909" y="428158"/>
+            <a:off x="2973601" y="375404"/>
             <a:ext cx="6494585" cy="1207111"/>
           </a:xfrm>
         </p:spPr>
@@ -4492,7 +4642,7 @@
           <p:cNvPr id="3" name="コンテンツ プレースホルダー 2">
             <a:extLst>
               <a:ext uri="{FF2B5EF4-FFF2-40B4-BE49-F238E27FC236}">
-                <a16:creationId xmlns:a16="http://schemas.microsoft.com/office/drawing/2014/main" id="{3C6E8E2B-7520-5CD0-59D4-92E85EC9C09C}"/>
+                <a16:creationId xmlns:a16="http://schemas.microsoft.com/office/drawing/2014/main" id="{A2AF635B-4948-0866-F17E-4EC05DD1669D}"/>
               </a:ext>
             </a:extLst>
           </p:cNvPr>
@@ -4505,8 +4655,8 @@
         </p:nvSpPr>
         <p:spPr>
           <a:xfrm>
-            <a:off x="1093177" y="2019055"/>
-            <a:ext cx="10547838" cy="3731114"/>
+            <a:off x="4844561" y="1960685"/>
+            <a:ext cx="6796453" cy="3789484"/>
           </a:xfrm>
         </p:spPr>
         <p:txBody>
@@ -4523,16 +4673,27 @@
                 <a:latin typeface="BIZ UDPゴシック" panose="020B0400000000000000" pitchFamily="50" charset="-128"/>
                 <a:ea typeface="BIZ UDPゴシック" panose="020B0400000000000000" pitchFamily="50" charset="-128"/>
               </a:rPr>
-              <a:t>名前：安井</a:t>
-            </a:r>
-          </a:p>
-          <a:p>
+              <a:t>名前：</a:t>
+            </a:r>
+            <a:r>
+              <a:rPr lang="ja-JP" altLang="en-US" sz="2000" dirty="0">
+                <a:latin typeface="BIZ UDPゴシック" panose="020B0400000000000000" pitchFamily="50" charset="-128"/>
+                <a:ea typeface="BIZ UDPゴシック" panose="020B0400000000000000" pitchFamily="50" charset="-128"/>
+              </a:rPr>
+              <a:t>安井</a:t>
+            </a:r>
             <a:endParaRPr kumimoji="1" lang="ja-JP" altLang="en-US" sz="2000" dirty="0">
               <a:latin typeface="BIZ UDPゴシック" panose="020B0400000000000000" pitchFamily="50" charset="-128"/>
               <a:ea typeface="BIZ UDPゴシック" panose="020B0400000000000000" pitchFamily="50" charset="-128"/>
             </a:endParaRPr>
           </a:p>
           <a:p>
+            <a:endParaRPr kumimoji="1" lang="ja-JP" altLang="en-US" sz="2000" dirty="0">
+              <a:latin typeface="BIZ UDPゴシック" panose="020B0400000000000000" pitchFamily="50" charset="-128"/>
+              <a:ea typeface="BIZ UDPゴシック" panose="020B0400000000000000" pitchFamily="50" charset="-128"/>
+            </a:endParaRPr>
+          </a:p>
+          <a:p>
             <a:pPr marL="0" indent="0">
               <a:buNone/>
             </a:pPr>
@@ -4541,8 +4702,19 @@
                 <a:latin typeface="BIZ UDPゴシック" panose="020B0400000000000000" pitchFamily="50" charset="-128"/>
                 <a:ea typeface="BIZ UDPゴシック" panose="020B0400000000000000" pitchFamily="50" charset="-128"/>
               </a:rPr>
-              <a:t>役職：品質管理</a:t>
-            </a:r>
+              <a:t>役職：</a:t>
+            </a:r>
+            <a:r>
+              <a:rPr lang="ja-JP" altLang="en-US" sz="2000" dirty="0">
+                <a:latin typeface="BIZ UDPゴシック" panose="020B0400000000000000" pitchFamily="50" charset="-128"/>
+                <a:ea typeface="BIZ UDPゴシック" panose="020B0400000000000000" pitchFamily="50" charset="-128"/>
+              </a:rPr>
+              <a:t>品質管理</a:t>
+            </a:r>
+            <a:endParaRPr kumimoji="1" lang="ja-JP" altLang="en-US" sz="2000" dirty="0">
+              <a:latin typeface="BIZ UDPゴシック" panose="020B0400000000000000" pitchFamily="50" charset="-128"/>
+              <a:ea typeface="BIZ UDPゴシック" panose="020B0400000000000000" pitchFamily="50" charset="-128"/>
+            </a:endParaRPr>
           </a:p>
           <a:p>
             <a:pPr marL="0" indent="0">
@@ -4562,28 +4734,21 @@
                 <a:latin typeface="BIZ UDPゴシック" panose="020B0400000000000000" pitchFamily="50" charset="-128"/>
                 <a:ea typeface="BIZ UDPゴシック" panose="020B0400000000000000" pitchFamily="50" charset="-128"/>
               </a:rPr>
-              <a:t>担当箇所：</a:t>
-            </a:r>
-          </a:p>
-          <a:p>
+              <a:t>担当箇所：マイページ、</a:t>
+            </a:r>
+            <a:r>
+              <a:rPr lang="ja-JP" altLang="en-US" sz="2000" dirty="0">
+                <a:latin typeface="BIZ UDPゴシック" panose="020B0400000000000000" pitchFamily="50" charset="-128"/>
+                <a:ea typeface="BIZ UDPゴシック" panose="020B0400000000000000" pitchFamily="50" charset="-128"/>
+              </a:rPr>
+              <a:t>ユーザー情報</a:t>
+            </a:r>
             <a:endParaRPr kumimoji="1" lang="ja-JP" altLang="en-US" sz="2000" dirty="0">
               <a:latin typeface="BIZ UDPゴシック" panose="020B0400000000000000" pitchFamily="50" charset="-128"/>
               <a:ea typeface="BIZ UDPゴシック" panose="020B0400000000000000" pitchFamily="50" charset="-128"/>
             </a:endParaRPr>
           </a:p>
           <a:p>
-            <a:pPr marL="0" indent="0">
-              <a:buNone/>
-            </a:pPr>
-            <a:r>
-              <a:rPr kumimoji="1" lang="ja-JP" altLang="en-US" sz="2000" dirty="0">
-                <a:latin typeface="BIZ UDPゴシック" panose="020B0400000000000000" pitchFamily="50" charset="-128"/>
-                <a:ea typeface="BIZ UDPゴシック" panose="020B0400000000000000" pitchFamily="50" charset="-128"/>
-              </a:rPr>
-              <a:t>研修前：</a:t>
-            </a:r>
-          </a:p>
-          <a:p>
             <a:endParaRPr kumimoji="1" lang="ja-JP" altLang="en-US" sz="2000" dirty="0">
               <a:latin typeface="BIZ UDPゴシック" panose="020B0400000000000000" pitchFamily="50" charset="-128"/>
               <a:ea typeface="BIZ UDPゴシック" panose="020B0400000000000000" pitchFamily="50" charset="-128"/>
@@ -4598,6 +4763,24 @@
                 <a:latin typeface="BIZ UDPゴシック" panose="020B0400000000000000" pitchFamily="50" charset="-128"/>
                 <a:ea typeface="BIZ UDPゴシック" panose="020B0400000000000000" pitchFamily="50" charset="-128"/>
               </a:rPr>
+              <a:t>研修前：</a:t>
+            </a:r>
+          </a:p>
+          <a:p>
+            <a:endParaRPr kumimoji="1" lang="ja-JP" altLang="en-US" sz="2000" dirty="0">
+              <a:latin typeface="BIZ UDPゴシック" panose="020B0400000000000000" pitchFamily="50" charset="-128"/>
+              <a:ea typeface="BIZ UDPゴシック" panose="020B0400000000000000" pitchFamily="50" charset="-128"/>
+            </a:endParaRPr>
+          </a:p>
+          <a:p>
+            <a:pPr marL="0" indent="0">
+              <a:buNone/>
+            </a:pPr>
+            <a:r>
+              <a:rPr kumimoji="1" lang="ja-JP" altLang="en-US" sz="2000" dirty="0">
+                <a:latin typeface="BIZ UDPゴシック" panose="020B0400000000000000" pitchFamily="50" charset="-128"/>
+                <a:ea typeface="BIZ UDPゴシック" panose="020B0400000000000000" pitchFamily="50" charset="-128"/>
+              </a:rPr>
               <a:t>研修後：</a:t>
             </a:r>
           </a:p>
@@ -4611,7 +4794,7 @@
           <p:cNvPr id="4" name="正方形/長方形 3">
             <a:extLst>
               <a:ext uri="{FF2B5EF4-FFF2-40B4-BE49-F238E27FC236}">
-                <a16:creationId xmlns:a16="http://schemas.microsoft.com/office/drawing/2014/main" id="{90A0CA69-9565-C33B-1191-C39AF8C5BB69}"/>
+                <a16:creationId xmlns:a16="http://schemas.microsoft.com/office/drawing/2014/main" id="{A77AAB70-EF71-00FD-DA7E-1AE62B1BEE69}"/>
               </a:ext>
             </a:extLst>
           </p:cNvPr>
@@ -4669,10 +4852,59 @@
           </a:p>
         </p:txBody>
       </p:sp>
+      <p:sp>
+        <p:nvSpPr>
+          <p:cNvPr id="5" name="楕円 4">
+            <a:extLst>
+              <a:ext uri="{FF2B5EF4-FFF2-40B4-BE49-F238E27FC236}">
+                <a16:creationId xmlns:a16="http://schemas.microsoft.com/office/drawing/2014/main" id="{F6E0E529-EB78-6B78-5248-4562EC4AD77B}"/>
+              </a:ext>
+            </a:extLst>
+          </p:cNvPr>
+          <p:cNvSpPr/>
+          <p:nvPr/>
+        </p:nvSpPr>
+        <p:spPr>
+          <a:xfrm>
+            <a:off x="2039576" y="1960685"/>
+            <a:ext cx="1221769" cy="1207111"/>
+          </a:xfrm>
+          <a:prstGeom prst="ellipse">
+            <a:avLst/>
+          </a:prstGeom>
+          <a:ln>
+            <a:solidFill>
+              <a:schemeClr val="tx1"/>
+            </a:solidFill>
+          </a:ln>
+        </p:spPr>
+        <p:style>
+          <a:lnRef idx="2">
+            <a:schemeClr val="accent6"/>
+          </a:lnRef>
+          <a:fillRef idx="1">
+            <a:schemeClr val="lt1"/>
+          </a:fillRef>
+          <a:effectRef idx="0">
+            <a:schemeClr val="accent6"/>
+          </a:effectRef>
+          <a:fontRef idx="minor">
+            <a:schemeClr val="dk1"/>
+          </a:fontRef>
+        </p:style>
+        <p:txBody>
+          <a:bodyPr rtlCol="0" anchor="ctr"/>
+          <a:lstStyle/>
+          <a:p>
+            <a:pPr algn="ctr"/>
+            <a:endParaRPr kumimoji="1" lang="ja-JP" altLang="en-US"/>
+          </a:p>
+        </p:txBody>
+      </p:sp>
     </p:spTree>
     <p:extLst>
       <p:ext uri="{BB962C8B-B14F-4D97-AF65-F5344CB8AC3E}">
-        <p14:creationId xmlns:p14="http://schemas.microsoft.com/office/powerpoint/2010/main" val="243748781"/>
+        <p14:creationId xmlns:p14="http://schemas.microsoft.com/office/powerpoint/2010/main" val="3398003747"/>
       </p:ext>
     </p:extLst>
   </p:cSld>
@@ -4690,7 +4922,7 @@
         <p:cNvPr id="1" name="">
           <a:extLst>
             <a:ext uri="{FF2B5EF4-FFF2-40B4-BE49-F238E27FC236}">
-              <a16:creationId xmlns:a16="http://schemas.microsoft.com/office/drawing/2014/main" id="{D5238E68-A7FC-9BE4-5B15-4DD1130A2CD8}"/>
+              <a16:creationId xmlns:a16="http://schemas.microsoft.com/office/drawing/2014/main" id="{E3E691C3-E800-5ECE-B40C-341C959FD96A}"/>
             </a:ext>
           </a:extLst>
         </p:cNvPr>
@@ -4710,7 +4942,7 @@
           <p:cNvPr id="2" name="タイトル 1">
             <a:extLst>
               <a:ext uri="{FF2B5EF4-FFF2-40B4-BE49-F238E27FC236}">
-                <a16:creationId xmlns:a16="http://schemas.microsoft.com/office/drawing/2014/main" id="{2791C902-1B52-E795-0CEA-9ABDD3883493}"/>
+                <a16:creationId xmlns:a16="http://schemas.microsoft.com/office/drawing/2014/main" id="{0375BFB4-9AB7-B75F-1E33-E5DD23C58743}"/>
               </a:ext>
             </a:extLst>
           </p:cNvPr>
@@ -4723,7 +4955,7 @@
         </p:nvSpPr>
         <p:spPr>
           <a:xfrm>
-            <a:off x="865909" y="428158"/>
+            <a:off x="2973601" y="375404"/>
             <a:ext cx="6494585" cy="1207111"/>
           </a:xfrm>
         </p:spPr>
@@ -4748,7 +4980,7 @@
           <p:cNvPr id="3" name="コンテンツ プレースホルダー 2">
             <a:extLst>
               <a:ext uri="{FF2B5EF4-FFF2-40B4-BE49-F238E27FC236}">
-                <a16:creationId xmlns:a16="http://schemas.microsoft.com/office/drawing/2014/main" id="{BFC6DB27-EB02-4DE5-AA85-E3AD288B07E3}"/>
+                <a16:creationId xmlns:a16="http://schemas.microsoft.com/office/drawing/2014/main" id="{0DA3F4FF-D993-9DD9-5148-40BF614191BD}"/>
               </a:ext>
             </a:extLst>
           </p:cNvPr>
@@ -4761,8 +4993,8 @@
         </p:nvSpPr>
         <p:spPr>
           <a:xfrm>
-            <a:off x="1093177" y="2019055"/>
-            <a:ext cx="10547838" cy="3731114"/>
+            <a:off x="4844561" y="1960685"/>
+            <a:ext cx="6796453" cy="3789484"/>
           </a:xfrm>
         </p:spPr>
         <p:txBody>
@@ -4808,19 +5040,8 @@
                 <a:latin typeface="BIZ UDPゴシック" panose="020B0400000000000000" pitchFamily="50" charset="-128"/>
                 <a:ea typeface="BIZ UDPゴシック" panose="020B0400000000000000" pitchFamily="50" charset="-128"/>
               </a:rPr>
-              <a:t>役職：</a:t>
-            </a:r>
-            <a:r>
-              <a:rPr lang="ja-JP" altLang="en-US" sz="2000" dirty="0">
-                <a:latin typeface="BIZ UDPゴシック" panose="020B0400000000000000" pitchFamily="50" charset="-128"/>
-                <a:ea typeface="BIZ UDPゴシック" panose="020B0400000000000000" pitchFamily="50" charset="-128"/>
-              </a:rPr>
-              <a:t>機能担当</a:t>
-            </a:r>
-            <a:endParaRPr kumimoji="1" lang="ja-JP" altLang="en-US" sz="2000" dirty="0">
-              <a:latin typeface="BIZ UDPゴシック" panose="020B0400000000000000" pitchFamily="50" charset="-128"/>
-              <a:ea typeface="BIZ UDPゴシック" panose="020B0400000000000000" pitchFamily="50" charset="-128"/>
-            </a:endParaRPr>
+              <a:t>役職：機能担当</a:t>
+            </a:r>
           </a:p>
           <a:p>
             <a:pPr marL="0" indent="0">
@@ -4840,7 +5061,7 @@
                 <a:latin typeface="BIZ UDPゴシック" panose="020B0400000000000000" pitchFamily="50" charset="-128"/>
                 <a:ea typeface="BIZ UDPゴシック" panose="020B0400000000000000" pitchFamily="50" charset="-128"/>
               </a:rPr>
-              <a:t>担当箇所：</a:t>
+              <a:t>担当箇所：日記検索、タグ検索</a:t>
             </a:r>
           </a:p>
           <a:p>
@@ -4889,7 +5110,7 @@
           <p:cNvPr id="4" name="正方形/長方形 3">
             <a:extLst>
               <a:ext uri="{FF2B5EF4-FFF2-40B4-BE49-F238E27FC236}">
-                <a16:creationId xmlns:a16="http://schemas.microsoft.com/office/drawing/2014/main" id="{B3BC3B08-0845-5A2D-74D7-31A567DC7CD9}"/>
+                <a16:creationId xmlns:a16="http://schemas.microsoft.com/office/drawing/2014/main" id="{5BFBBF54-E02F-98A6-B40E-734CD31EFFD0}"/>
               </a:ext>
             </a:extLst>
           </p:cNvPr>
@@ -4947,10 +5168,59 @@
           </a:p>
         </p:txBody>
       </p:sp>
+      <p:sp>
+        <p:nvSpPr>
+          <p:cNvPr id="5" name="楕円 4">
+            <a:extLst>
+              <a:ext uri="{FF2B5EF4-FFF2-40B4-BE49-F238E27FC236}">
+                <a16:creationId xmlns:a16="http://schemas.microsoft.com/office/drawing/2014/main" id="{860C2834-A7EF-9F0E-7D54-C49880C7E9AA}"/>
+              </a:ext>
+            </a:extLst>
+          </p:cNvPr>
+          <p:cNvSpPr/>
+          <p:nvPr/>
+        </p:nvSpPr>
+        <p:spPr>
+          <a:xfrm>
+            <a:off x="2039576" y="1960685"/>
+            <a:ext cx="1221769" cy="1207111"/>
+          </a:xfrm>
+          <a:prstGeom prst="ellipse">
+            <a:avLst/>
+          </a:prstGeom>
+          <a:ln>
+            <a:solidFill>
+              <a:schemeClr val="tx1"/>
+            </a:solidFill>
+          </a:ln>
+        </p:spPr>
+        <p:style>
+          <a:lnRef idx="2">
+            <a:schemeClr val="accent6"/>
+          </a:lnRef>
+          <a:fillRef idx="1">
+            <a:schemeClr val="lt1"/>
+          </a:fillRef>
+          <a:effectRef idx="0">
+            <a:schemeClr val="accent6"/>
+          </a:effectRef>
+          <a:fontRef idx="minor">
+            <a:schemeClr val="dk1"/>
+          </a:fontRef>
+        </p:style>
+        <p:txBody>
+          <a:bodyPr rtlCol="0" anchor="ctr"/>
+          <a:lstStyle/>
+          <a:p>
+            <a:pPr algn="ctr"/>
+            <a:endParaRPr kumimoji="1" lang="ja-JP" altLang="en-US"/>
+          </a:p>
+        </p:txBody>
+      </p:sp>
     </p:spTree>
     <p:extLst>
       <p:ext uri="{BB962C8B-B14F-4D97-AF65-F5344CB8AC3E}">
-        <p14:creationId xmlns:p14="http://schemas.microsoft.com/office/powerpoint/2010/main" val="3378348241"/>
+        <p14:creationId xmlns:p14="http://schemas.microsoft.com/office/powerpoint/2010/main" val="1259817953"/>
       </p:ext>
     </p:extLst>
   </p:cSld>
@@ -4968,7 +5238,7 @@
         <p:cNvPr id="1" name="">
           <a:extLst>
             <a:ext uri="{FF2B5EF4-FFF2-40B4-BE49-F238E27FC236}">
-              <a16:creationId xmlns:a16="http://schemas.microsoft.com/office/drawing/2014/main" id="{89182623-8672-5E62-FFAA-3822E6A94ABC}"/>
+              <a16:creationId xmlns:a16="http://schemas.microsoft.com/office/drawing/2014/main" id="{CD2A9EDF-5D2A-D7BA-0DB6-8654EE301225}"/>
             </a:ext>
           </a:extLst>
         </p:cNvPr>
@@ -4988,7 +5258,7 @@
           <p:cNvPr id="2" name="タイトル 1">
             <a:extLst>
               <a:ext uri="{FF2B5EF4-FFF2-40B4-BE49-F238E27FC236}">
-                <a16:creationId xmlns:a16="http://schemas.microsoft.com/office/drawing/2014/main" id="{A48095B4-0D55-F869-4941-672E563595C3}"/>
+                <a16:creationId xmlns:a16="http://schemas.microsoft.com/office/drawing/2014/main" id="{160CE525-79BE-3C97-247B-B459FEE33C62}"/>
               </a:ext>
             </a:extLst>
           </p:cNvPr>
@@ -5001,7 +5271,7 @@
         </p:nvSpPr>
         <p:spPr>
           <a:xfrm>
-            <a:off x="865909" y="428158"/>
+            <a:off x="2973601" y="375404"/>
             <a:ext cx="6494585" cy="1207111"/>
           </a:xfrm>
         </p:spPr>
@@ -5026,7 +5296,7 @@
           <p:cNvPr id="3" name="コンテンツ プレースホルダー 2">
             <a:extLst>
               <a:ext uri="{FF2B5EF4-FFF2-40B4-BE49-F238E27FC236}">
-                <a16:creationId xmlns:a16="http://schemas.microsoft.com/office/drawing/2014/main" id="{AF2D14BD-BD92-BFC9-3710-88358DBA7B22}"/>
+                <a16:creationId xmlns:a16="http://schemas.microsoft.com/office/drawing/2014/main" id="{12335A5A-3941-3E0F-DF89-96856D5E1B30}"/>
               </a:ext>
             </a:extLst>
           </p:cNvPr>
@@ -5039,8 +5309,8 @@
         </p:nvSpPr>
         <p:spPr>
           <a:xfrm>
-            <a:off x="1093177" y="2019055"/>
-            <a:ext cx="10547838" cy="3731114"/>
+            <a:off x="4844561" y="1960685"/>
+            <a:ext cx="6796453" cy="3789484"/>
           </a:xfrm>
         </p:spPr>
         <p:txBody>
@@ -5120,26 +5390,19 @@
               </a:rPr>
               <a:t>担当箇所：</a:t>
             </a:r>
-          </a:p>
-          <a:p>
+            <a:r>
+              <a:rPr lang="ja-JP" altLang="en-US" sz="2000" dirty="0">
+                <a:latin typeface="BIZ UDPゴシック" panose="020B0400000000000000" pitchFamily="50" charset="-128"/>
+                <a:ea typeface="BIZ UDPゴシック" panose="020B0400000000000000" pitchFamily="50" charset="-128"/>
+              </a:rPr>
+              <a:t>タイムライン、コメント機能、日記詳細</a:t>
+            </a:r>
             <a:endParaRPr kumimoji="1" lang="ja-JP" altLang="en-US" sz="2000" dirty="0">
               <a:latin typeface="BIZ UDPゴシック" panose="020B0400000000000000" pitchFamily="50" charset="-128"/>
               <a:ea typeface="BIZ UDPゴシック" panose="020B0400000000000000" pitchFamily="50" charset="-128"/>
             </a:endParaRPr>
           </a:p>
           <a:p>
-            <a:pPr marL="0" indent="0">
-              <a:buNone/>
-            </a:pPr>
-            <a:r>
-              <a:rPr kumimoji="1" lang="ja-JP" altLang="en-US" sz="2000" dirty="0">
-                <a:latin typeface="BIZ UDPゴシック" panose="020B0400000000000000" pitchFamily="50" charset="-128"/>
-                <a:ea typeface="BIZ UDPゴシック" panose="020B0400000000000000" pitchFamily="50" charset="-128"/>
-              </a:rPr>
-              <a:t>研修前：</a:t>
-            </a:r>
-          </a:p>
-          <a:p>
             <a:endParaRPr kumimoji="1" lang="ja-JP" altLang="en-US" sz="2000" dirty="0">
               <a:latin typeface="BIZ UDPゴシック" panose="020B0400000000000000" pitchFamily="50" charset="-128"/>
               <a:ea typeface="BIZ UDPゴシック" panose="020B0400000000000000" pitchFamily="50" charset="-128"/>
@@ -5154,6 +5417,24 @@
                 <a:latin typeface="BIZ UDPゴシック" panose="020B0400000000000000" pitchFamily="50" charset="-128"/>
                 <a:ea typeface="BIZ UDPゴシック" panose="020B0400000000000000" pitchFamily="50" charset="-128"/>
               </a:rPr>
+              <a:t>研修前：</a:t>
+            </a:r>
+          </a:p>
+          <a:p>
+            <a:endParaRPr kumimoji="1" lang="ja-JP" altLang="en-US" sz="2000" dirty="0">
+              <a:latin typeface="BIZ UDPゴシック" panose="020B0400000000000000" pitchFamily="50" charset="-128"/>
+              <a:ea typeface="BIZ UDPゴシック" panose="020B0400000000000000" pitchFamily="50" charset="-128"/>
+            </a:endParaRPr>
+          </a:p>
+          <a:p>
+            <a:pPr marL="0" indent="0">
+              <a:buNone/>
+            </a:pPr>
+            <a:r>
+              <a:rPr kumimoji="1" lang="ja-JP" altLang="en-US" sz="2000" dirty="0">
+                <a:latin typeface="BIZ UDPゴシック" panose="020B0400000000000000" pitchFamily="50" charset="-128"/>
+                <a:ea typeface="BIZ UDPゴシック" panose="020B0400000000000000" pitchFamily="50" charset="-128"/>
+              </a:rPr>
               <a:t>研修後：</a:t>
             </a:r>
           </a:p>
@@ -5167,7 +5448,7 @@
           <p:cNvPr id="4" name="正方形/長方形 3">
             <a:extLst>
               <a:ext uri="{FF2B5EF4-FFF2-40B4-BE49-F238E27FC236}">
-                <a16:creationId xmlns:a16="http://schemas.microsoft.com/office/drawing/2014/main" id="{9C64FCE9-17E5-8CF9-619E-AA5009C9ECCC}"/>
+                <a16:creationId xmlns:a16="http://schemas.microsoft.com/office/drawing/2014/main" id="{F1266E84-8E7F-8B43-8587-9E4AE77BA76E}"/>
               </a:ext>
             </a:extLst>
           </p:cNvPr>
@@ -5225,10 +5506,59 @@
           </a:p>
         </p:txBody>
       </p:sp>
+      <p:sp>
+        <p:nvSpPr>
+          <p:cNvPr id="5" name="楕円 4">
+            <a:extLst>
+              <a:ext uri="{FF2B5EF4-FFF2-40B4-BE49-F238E27FC236}">
+                <a16:creationId xmlns:a16="http://schemas.microsoft.com/office/drawing/2014/main" id="{36970359-5224-7131-0F33-78F7F53FAAE8}"/>
+              </a:ext>
+            </a:extLst>
+          </p:cNvPr>
+          <p:cNvSpPr/>
+          <p:nvPr/>
+        </p:nvSpPr>
+        <p:spPr>
+          <a:xfrm>
+            <a:off x="2039576" y="1960685"/>
+            <a:ext cx="1221769" cy="1207111"/>
+          </a:xfrm>
+          <a:prstGeom prst="ellipse">
+            <a:avLst/>
+          </a:prstGeom>
+          <a:ln>
+            <a:solidFill>
+              <a:schemeClr val="tx1"/>
+            </a:solidFill>
+          </a:ln>
+        </p:spPr>
+        <p:style>
+          <a:lnRef idx="2">
+            <a:schemeClr val="accent6"/>
+          </a:lnRef>
+          <a:fillRef idx="1">
+            <a:schemeClr val="lt1"/>
+          </a:fillRef>
+          <a:effectRef idx="0">
+            <a:schemeClr val="accent6"/>
+          </a:effectRef>
+          <a:fontRef idx="minor">
+            <a:schemeClr val="dk1"/>
+          </a:fontRef>
+        </p:style>
+        <p:txBody>
+          <a:bodyPr rtlCol="0" anchor="ctr"/>
+          <a:lstStyle/>
+          <a:p>
+            <a:pPr algn="ctr"/>
+            <a:endParaRPr kumimoji="1" lang="ja-JP" altLang="en-US"/>
+          </a:p>
+        </p:txBody>
+      </p:sp>
     </p:spTree>
     <p:extLst>
       <p:ext uri="{BB962C8B-B14F-4D97-AF65-F5344CB8AC3E}">
-        <p14:creationId xmlns:p14="http://schemas.microsoft.com/office/powerpoint/2010/main" val="1029580770"/>
+        <p14:creationId xmlns:p14="http://schemas.microsoft.com/office/powerpoint/2010/main" val="2378843313"/>
       </p:ext>
     </p:extLst>
   </p:cSld>
@@ -5246,7 +5576,7 @@
         <p:cNvPr id="1" name="">
           <a:extLst>
             <a:ext uri="{FF2B5EF4-FFF2-40B4-BE49-F238E27FC236}">
-              <a16:creationId xmlns:a16="http://schemas.microsoft.com/office/drawing/2014/main" id="{95CF364B-0B19-F9D5-83B0-D511B8A401D7}"/>
+              <a16:creationId xmlns:a16="http://schemas.microsoft.com/office/drawing/2014/main" id="{F962EC79-10A1-986C-4E46-F37AAE90527B}"/>
             </a:ext>
           </a:extLst>
         </p:cNvPr>
@@ -5266,7 +5596,7 @@
           <p:cNvPr id="2" name="タイトル 1">
             <a:extLst>
               <a:ext uri="{FF2B5EF4-FFF2-40B4-BE49-F238E27FC236}">
-                <a16:creationId xmlns:a16="http://schemas.microsoft.com/office/drawing/2014/main" id="{6AE54810-7852-057E-C148-D0A2D590F6EB}"/>
+                <a16:creationId xmlns:a16="http://schemas.microsoft.com/office/drawing/2014/main" id="{B0336C86-BB5E-5C03-CD4A-8EEBC6749D7F}"/>
               </a:ext>
             </a:extLst>
           </p:cNvPr>
@@ -5279,7 +5609,7 @@
         </p:nvSpPr>
         <p:spPr>
           <a:xfrm>
-            <a:off x="865909" y="428158"/>
+            <a:off x="2973601" y="375404"/>
             <a:ext cx="6494585" cy="1207111"/>
           </a:xfrm>
         </p:spPr>
@@ -5304,7 +5634,7 @@
           <p:cNvPr id="3" name="コンテンツ プレースホルダー 2">
             <a:extLst>
               <a:ext uri="{FF2B5EF4-FFF2-40B4-BE49-F238E27FC236}">
-                <a16:creationId xmlns:a16="http://schemas.microsoft.com/office/drawing/2014/main" id="{FC3B8F31-6214-172A-9ABB-DCDD825890B8}"/>
+                <a16:creationId xmlns:a16="http://schemas.microsoft.com/office/drawing/2014/main" id="{C0EF3729-E400-4D2B-8E38-C9015AA1DE3A}"/>
               </a:ext>
             </a:extLst>
           </p:cNvPr>
@@ -5317,8 +5647,8 @@
         </p:nvSpPr>
         <p:spPr>
           <a:xfrm>
-            <a:off x="1093177" y="2019055"/>
-            <a:ext cx="10547838" cy="3731114"/>
+            <a:off x="4844561" y="1960685"/>
+            <a:ext cx="6796453" cy="3789484"/>
           </a:xfrm>
         </p:spPr>
         <p:txBody>
@@ -5396,7 +5726,7 @@
                 <a:latin typeface="BIZ UDPゴシック" panose="020B0400000000000000" pitchFamily="50" charset="-128"/>
                 <a:ea typeface="BIZ UDPゴシック" panose="020B0400000000000000" pitchFamily="50" charset="-128"/>
               </a:rPr>
-              <a:t>担当箇所：</a:t>
+              <a:t>担当箇所：日記登録画面、リアクション機能、投稿機能</a:t>
             </a:r>
           </a:p>
           <a:p>
@@ -5445,7 +5775,7 @@
           <p:cNvPr id="4" name="正方形/長方形 3">
             <a:extLst>
               <a:ext uri="{FF2B5EF4-FFF2-40B4-BE49-F238E27FC236}">
-                <a16:creationId xmlns:a16="http://schemas.microsoft.com/office/drawing/2014/main" id="{1574AE1C-7EE4-7B81-816C-6BADBD3D19C1}"/>
+                <a16:creationId xmlns:a16="http://schemas.microsoft.com/office/drawing/2014/main" id="{925AFEE1-EC8C-1526-12AC-A62083A9A15B}"/>
               </a:ext>
             </a:extLst>
           </p:cNvPr>
@@ -5503,10 +5833,59 @@
           </a:p>
         </p:txBody>
       </p:sp>
+      <p:sp>
+        <p:nvSpPr>
+          <p:cNvPr id="5" name="楕円 4">
+            <a:extLst>
+              <a:ext uri="{FF2B5EF4-FFF2-40B4-BE49-F238E27FC236}">
+                <a16:creationId xmlns:a16="http://schemas.microsoft.com/office/drawing/2014/main" id="{4C51C942-D193-97D3-922A-EBAFED0FEB95}"/>
+              </a:ext>
+            </a:extLst>
+          </p:cNvPr>
+          <p:cNvSpPr/>
+          <p:nvPr/>
+        </p:nvSpPr>
+        <p:spPr>
+          <a:xfrm>
+            <a:off x="2039576" y="1960685"/>
+            <a:ext cx="1221769" cy="1207111"/>
+          </a:xfrm>
+          <a:prstGeom prst="ellipse">
+            <a:avLst/>
+          </a:prstGeom>
+          <a:ln>
+            <a:solidFill>
+              <a:schemeClr val="tx1"/>
+            </a:solidFill>
+          </a:ln>
+        </p:spPr>
+        <p:style>
+          <a:lnRef idx="2">
+            <a:schemeClr val="accent6"/>
+          </a:lnRef>
+          <a:fillRef idx="1">
+            <a:schemeClr val="lt1"/>
+          </a:fillRef>
+          <a:effectRef idx="0">
+            <a:schemeClr val="accent6"/>
+          </a:effectRef>
+          <a:fontRef idx="minor">
+            <a:schemeClr val="dk1"/>
+          </a:fontRef>
+        </p:style>
+        <p:txBody>
+          <a:bodyPr rtlCol="0" anchor="ctr"/>
+          <a:lstStyle/>
+          <a:p>
+            <a:pPr algn="ctr"/>
+            <a:endParaRPr kumimoji="1" lang="ja-JP" altLang="en-US"/>
+          </a:p>
+        </p:txBody>
+      </p:sp>
     </p:spTree>
     <p:extLst>
       <p:ext uri="{BB962C8B-B14F-4D97-AF65-F5344CB8AC3E}">
-        <p14:creationId xmlns:p14="http://schemas.microsoft.com/office/powerpoint/2010/main" val="2717487821"/>
+        <p14:creationId xmlns:p14="http://schemas.microsoft.com/office/powerpoint/2010/main" val="2428015354"/>
       </p:ext>
     </p:extLst>
   </p:cSld>
@@ -5557,7 +5936,7 @@
         </p:nvSpPr>
         <p:spPr>
           <a:xfrm>
-            <a:off x="985982" y="868218"/>
+            <a:off x="5471391" y="753918"/>
             <a:ext cx="1249218" cy="1062614"/>
           </a:xfrm>
         </p:spPr>
@@ -6068,7 +6447,7 @@
         </p:nvSpPr>
         <p:spPr>
           <a:xfrm>
-            <a:off x="838200" y="720436"/>
+            <a:off x="5260730" y="650097"/>
             <a:ext cx="1350818" cy="970252"/>
           </a:xfrm>
         </p:spPr>
@@ -6205,7 +6584,7 @@
         </p:nvSpPr>
         <p:spPr>
           <a:xfrm>
-            <a:off x="1011108" y="530539"/>
+            <a:off x="4467540" y="417125"/>
             <a:ext cx="2933701" cy="970252"/>
           </a:xfrm>
         </p:spPr>
@@ -6239,7 +6618,7 @@
         </p:nvSpPr>
         <p:spPr>
           <a:xfrm>
-            <a:off x="4303471" y="2048182"/>
+            <a:off x="4055855" y="2010151"/>
             <a:ext cx="1954820" cy="597877"/>
           </a:xfrm>
           <a:prstGeom prst="roundRect">
@@ -6303,7 +6682,7 @@
         </p:nvSpPr>
         <p:spPr>
           <a:xfrm>
-            <a:off x="4321978" y="3193451"/>
+            <a:off x="4055855" y="3250522"/>
             <a:ext cx="1954820" cy="597877"/>
           </a:xfrm>
           <a:prstGeom prst="roundRect">
@@ -6377,7 +6756,7 @@
         </p:nvSpPr>
         <p:spPr>
           <a:xfrm>
-            <a:off x="4288271" y="4402534"/>
+            <a:off x="3999492" y="4519050"/>
             <a:ext cx="1954820" cy="597877"/>
           </a:xfrm>
           <a:prstGeom prst="roundRect">
@@ -6441,7 +6820,7 @@
         </p:nvSpPr>
         <p:spPr>
           <a:xfrm>
-            <a:off x="7880834" y="1941298"/>
+            <a:off x="7909345" y="1972022"/>
             <a:ext cx="1954820" cy="597877"/>
           </a:xfrm>
           <a:prstGeom prst="roundRect">
@@ -6505,7 +6884,7 @@
         </p:nvSpPr>
         <p:spPr>
           <a:xfrm>
-            <a:off x="7880834" y="3090050"/>
+            <a:off x="7909345" y="3130061"/>
             <a:ext cx="1954820" cy="597877"/>
           </a:xfrm>
           <a:prstGeom prst="roundRect">
@@ -6569,7 +6948,7 @@
         </p:nvSpPr>
         <p:spPr>
           <a:xfrm>
-            <a:off x="7880834" y="4331884"/>
+            <a:off x="7941576" y="4409736"/>
             <a:ext cx="1954820" cy="597877"/>
           </a:xfrm>
           <a:prstGeom prst="roundRect">
@@ -6633,7 +7012,7 @@
         </p:nvSpPr>
         <p:spPr>
           <a:xfrm>
-            <a:off x="2941049" y="4402534"/>
+            <a:off x="2460206" y="4519050"/>
             <a:ext cx="679194" cy="610936"/>
           </a:xfrm>
           <a:prstGeom prst="ellipse">
@@ -6682,7 +7061,7 @@
         </p:nvSpPr>
         <p:spPr>
           <a:xfrm>
-            <a:off x="2922109" y="1895217"/>
+            <a:off x="2327835" y="1856892"/>
             <a:ext cx="924291" cy="903808"/>
           </a:xfrm>
           <a:prstGeom prst="ellipse">
@@ -6731,7 +7110,7 @@
         </p:nvSpPr>
         <p:spPr>
           <a:xfrm>
-            <a:off x="2941049" y="3193451"/>
+            <a:off x="2460206" y="3195615"/>
             <a:ext cx="679194" cy="610936"/>
           </a:xfrm>
           <a:prstGeom prst="ellipse">
@@ -6780,7 +7159,7 @@
         </p:nvSpPr>
         <p:spPr>
           <a:xfrm>
-            <a:off x="6911120" y="1934769"/>
+            <a:off x="6814405" y="1972022"/>
             <a:ext cx="679194" cy="610936"/>
           </a:xfrm>
           <a:prstGeom prst="ellipse">
@@ -6829,7 +7208,7 @@
         </p:nvSpPr>
         <p:spPr>
           <a:xfrm>
-            <a:off x="6911120" y="3123532"/>
+            <a:off x="6814405" y="3148345"/>
             <a:ext cx="679194" cy="610936"/>
           </a:xfrm>
           <a:prstGeom prst="ellipse">
@@ -6878,7 +7257,7 @@
         </p:nvSpPr>
         <p:spPr>
           <a:xfrm>
-            <a:off x="6904879" y="4389475"/>
+            <a:off x="6814405" y="4409736"/>
             <a:ext cx="679194" cy="610936"/>
           </a:xfrm>
           <a:prstGeom prst="ellipse">
@@ -6942,7 +7321,7 @@
         </p:blipFill>
         <p:spPr>
           <a:xfrm>
-            <a:off x="3026676" y="1934769"/>
+            <a:off x="2440560" y="1893247"/>
             <a:ext cx="698840" cy="768485"/>
           </a:xfrm>
           <a:prstGeom prst="rect">
@@ -7000,13 +7379,13 @@
         </p:nvSpPr>
         <p:spPr>
           <a:xfrm>
-            <a:off x="3581400" y="1134207"/>
-            <a:ext cx="7101254" cy="3042139"/>
+            <a:off x="3689835" y="1563624"/>
+            <a:ext cx="7546733" cy="3061130"/>
           </a:xfrm>
           <a:prstGeom prst="cloudCallout">
             <a:avLst>
-              <a:gd name="adj1" fmla="val -37890"/>
-              <a:gd name="adj2" fmla="val 55529"/>
+              <a:gd name="adj1" fmla="val -39564"/>
+              <a:gd name="adj2" fmla="val 53124"/>
             </a:avLst>
           </a:prstGeom>
           <a:ln>
@@ -7121,8 +7500,8 @@
         </p:nvSpPr>
         <p:spPr>
           <a:xfrm>
-            <a:off x="697522" y="388992"/>
-            <a:ext cx="2588491" cy="970252"/>
+            <a:off x="4964724" y="365896"/>
+            <a:ext cx="2116602" cy="970252"/>
           </a:xfrm>
         </p:spPr>
         <p:txBody>
@@ -7155,7 +7534,7 @@
         </p:nvSpPr>
         <p:spPr>
           <a:xfrm>
-            <a:off x="4208583" y="1879544"/>
+            <a:off x="4497264" y="2241787"/>
             <a:ext cx="6063763" cy="1477328"/>
           </a:xfrm>
           <a:prstGeom prst="rect">
@@ -7273,7 +7652,7 @@
         </p:blipFill>
         <p:spPr>
           <a:xfrm>
-            <a:off x="1509346" y="2857501"/>
+            <a:off x="1300325" y="2691852"/>
             <a:ext cx="2866292" cy="2866292"/>
           </a:xfrm>
           <a:prstGeom prst="rect">
@@ -7398,7 +7777,7 @@
         </p:nvSpPr>
         <p:spPr>
           <a:xfrm>
-            <a:off x="644770" y="343412"/>
+            <a:off x="4556104" y="560371"/>
             <a:ext cx="2662382" cy="970252"/>
           </a:xfrm>
         </p:spPr>
@@ -7689,7 +8068,7 @@
         </p:nvSpPr>
         <p:spPr>
           <a:xfrm>
-            <a:off x="838200" y="646545"/>
+            <a:off x="4834128" y="491097"/>
             <a:ext cx="2182092" cy="1044143"/>
           </a:xfrm>
         </p:spPr>
@@ -7826,7 +8205,7 @@
         </p:nvSpPr>
         <p:spPr>
           <a:xfrm>
-            <a:off x="838200" y="720436"/>
+            <a:off x="4478482" y="553382"/>
             <a:ext cx="3235036" cy="970252"/>
           </a:xfrm>
         </p:spPr>
@@ -7963,8 +8342,8 @@
         </p:nvSpPr>
         <p:spPr>
           <a:xfrm>
-            <a:off x="838200" y="720436"/>
-            <a:ext cx="3179618" cy="970252"/>
+            <a:off x="4451840" y="509420"/>
+            <a:ext cx="2705099" cy="970252"/>
           </a:xfrm>
         </p:spPr>
         <p:txBody>
@@ -8100,7 +8479,7 @@
         </p:nvSpPr>
         <p:spPr>
           <a:xfrm>
-            <a:off x="838200" y="701964"/>
+            <a:off x="4618893" y="552495"/>
             <a:ext cx="2579255" cy="988724"/>
           </a:xfrm>
         </p:spPr>

--- a/発表準備/7月成果発表会.pptx
+++ b/発表準備/7月成果発表会.pptx
@@ -5395,7 +5395,7 @@
                 <a:latin typeface="BIZ UDPゴシック" panose="020B0400000000000000" pitchFamily="50" charset="-128"/>
                 <a:ea typeface="BIZ UDPゴシック" panose="020B0400000000000000" pitchFamily="50" charset="-128"/>
               </a:rPr>
-              <a:t>タイムライン、コメント機能、日記詳細</a:t>
+              <a:t>タイムライン、コメント機能、日記詳細画面</a:t>
             </a:r>
             <a:endParaRPr kumimoji="1" lang="ja-JP" altLang="en-US" sz="2000" dirty="0">
               <a:latin typeface="BIZ UDPゴシック" panose="020B0400000000000000" pitchFamily="50" charset="-128"/>
@@ -7379,13 +7379,13 @@
         </p:nvSpPr>
         <p:spPr>
           <a:xfrm>
-            <a:off x="3689835" y="1563624"/>
-            <a:ext cx="7546733" cy="3061130"/>
+            <a:off x="3698628" y="1652954"/>
+            <a:ext cx="6652381" cy="3068515"/>
           </a:xfrm>
           <a:prstGeom prst="cloudCallout">
             <a:avLst>
-              <a:gd name="adj1" fmla="val -39564"/>
-              <a:gd name="adj2" fmla="val 53124"/>
+              <a:gd name="adj1" fmla="val -46732"/>
+              <a:gd name="adj2" fmla="val 44744"/>
             </a:avLst>
           </a:prstGeom>
           <a:ln>
@@ -7534,7 +7534,7 @@
         </p:nvSpPr>
         <p:spPr>
           <a:xfrm>
-            <a:off x="4497264" y="2241787"/>
+            <a:off x="4287246" y="2347435"/>
             <a:ext cx="6063763" cy="1477328"/>
           </a:xfrm>
           <a:prstGeom prst="rect">
@@ -7554,17 +7554,23 @@
             <a:r>
               <a:rPr lang="ja-JP" altLang="en-US" sz="1800" dirty="0">
                 <a:effectLst/>
+                <a:latin typeface="BIZ UDPゴシック" panose="020B0400000000000000" pitchFamily="50" charset="-128"/>
+                <a:ea typeface="BIZ UDPゴシック" panose="020B0400000000000000" pitchFamily="50" charset="-128"/>
               </a:rPr>
               <a:t>・</a:t>
             </a:r>
             <a:r>
               <a:rPr lang="ja-JP" altLang="en-US" sz="1800" b="1" dirty="0">
                 <a:effectLst/>
+                <a:latin typeface="BIZ UDPゴシック" panose="020B0400000000000000" pitchFamily="50" charset="-128"/>
+                <a:ea typeface="BIZ UDPゴシック" panose="020B0400000000000000" pitchFamily="50" charset="-128"/>
               </a:rPr>
               <a:t>「本音を表に出すのが苦手」</a:t>
             </a:r>
             <a:endParaRPr lang="en-US" altLang="ja-JP" sz="1800" b="1" dirty="0">
               <a:effectLst/>
+              <a:latin typeface="BIZ UDPゴシック" panose="020B0400000000000000" pitchFamily="50" charset="-128"/>
+              <a:ea typeface="BIZ UDPゴシック" panose="020B0400000000000000" pitchFamily="50" charset="-128"/>
             </a:endParaRPr>
           </a:p>
           <a:p>
@@ -7572,17 +7578,24 @@
               <a:buNone/>
             </a:pPr>
             <a:r>
-              <a:rPr lang="ja-JP" altLang="en-US" b="1" dirty="0"/>
+              <a:rPr lang="ja-JP" altLang="en-US" b="1" dirty="0">
+                <a:latin typeface="BIZ UDPゴシック" panose="020B0400000000000000" pitchFamily="50" charset="-128"/>
+                <a:ea typeface="BIZ UDPゴシック" panose="020B0400000000000000" pitchFamily="50" charset="-128"/>
+              </a:rPr>
               <a:t>　　</a:t>
             </a:r>
             <a:r>
               <a:rPr lang="ja-JP" altLang="en-US" sz="1800" dirty="0">
                 <a:effectLst/>
+                <a:latin typeface="BIZ UDPゴシック" panose="020B0400000000000000" pitchFamily="50" charset="-128"/>
+                <a:ea typeface="BIZ UDPゴシック" panose="020B0400000000000000" pitchFamily="50" charset="-128"/>
               </a:rPr>
               <a:t>自分自身の気持ちの言語化、感情を整理する方法</a:t>
             </a:r>
             <a:endParaRPr lang="en-US" altLang="ja-JP" sz="1800" dirty="0">
               <a:effectLst/>
+              <a:latin typeface="BIZ UDPゴシック" panose="020B0400000000000000" pitchFamily="50" charset="-128"/>
+              <a:ea typeface="BIZ UDPゴシック" panose="020B0400000000000000" pitchFamily="50" charset="-128"/>
             </a:endParaRPr>
           </a:p>
           <a:p>
@@ -7591,6 +7604,8 @@
             </a:pPr>
             <a:endParaRPr lang="ja-JP" altLang="en-US" sz="1800" dirty="0">
               <a:effectLst/>
+              <a:latin typeface="BIZ UDPゴシック" panose="020B0400000000000000" pitchFamily="50" charset="-128"/>
+              <a:ea typeface="BIZ UDPゴシック" panose="020B0400000000000000" pitchFamily="50" charset="-128"/>
             </a:endParaRPr>
           </a:p>
           <a:p>
@@ -7598,17 +7613,24 @@
               <a:buNone/>
             </a:pPr>
             <a:r>
-              <a:rPr lang="ja-JP" altLang="en-US" dirty="0"/>
+              <a:rPr lang="ja-JP" altLang="en-US" dirty="0">
+                <a:latin typeface="BIZ UDPゴシック" panose="020B0400000000000000" pitchFamily="50" charset="-128"/>
+                <a:ea typeface="BIZ UDPゴシック" panose="020B0400000000000000" pitchFamily="50" charset="-128"/>
+              </a:rPr>
               <a:t>・</a:t>
             </a:r>
             <a:r>
               <a:rPr lang="ja-JP" altLang="en-US" sz="1800" b="1" dirty="0">
                 <a:effectLst/>
+                <a:latin typeface="BIZ UDPゴシック" panose="020B0400000000000000" pitchFamily="50" charset="-128"/>
+                <a:ea typeface="BIZ UDPゴシック" panose="020B0400000000000000" pitchFamily="50" charset="-128"/>
               </a:rPr>
               <a:t>「同世代との交流の少なさ」</a:t>
             </a:r>
             <a:endParaRPr lang="en-US" altLang="ja-JP" sz="1800" b="1" dirty="0">
               <a:effectLst/>
+              <a:latin typeface="BIZ UDPゴシック" panose="020B0400000000000000" pitchFamily="50" charset="-128"/>
+              <a:ea typeface="BIZ UDPゴシック" panose="020B0400000000000000" pitchFamily="50" charset="-128"/>
             </a:endParaRPr>
           </a:p>
           <a:p>
@@ -7618,6 +7640,8 @@
             <a:r>
               <a:rPr lang="ja-JP" altLang="en-US" sz="1800" dirty="0">
                 <a:effectLst/>
+                <a:latin typeface="BIZ UDPゴシック" panose="020B0400000000000000" pitchFamily="50" charset="-128"/>
+                <a:ea typeface="BIZ UDPゴシック" panose="020B0400000000000000" pitchFamily="50" charset="-128"/>
               </a:rPr>
               <a:t>　　異なる年齢層の従業員が多く、同世代がいない。</a:t>
             </a:r>

--- a/発表準備/7月成果発表会.pptx
+++ b/発表準備/7月成果発表会.pptx
@@ -4403,7 +4403,7 @@
                 <a:latin typeface="BIZ UDPゴシック" panose="020B0400000000000000" pitchFamily="50" charset="-128"/>
                 <a:ea typeface="BIZ UDPゴシック" panose="020B0400000000000000" pitchFamily="50" charset="-128"/>
               </a:rPr>
-              <a:t>グラフ、キーワード分析</a:t>
+              <a:t>グラフ分析、キーワード分析</a:t>
             </a:r>
             <a:endParaRPr kumimoji="1" lang="ja-JP" altLang="en-US" sz="2000" dirty="0">
               <a:latin typeface="BIZ UDPゴシック" panose="020B0400000000000000" pitchFamily="50" charset="-128"/>
@@ -7835,8 +7835,8 @@
         </p:nvSpPr>
         <p:spPr>
           <a:xfrm>
-            <a:off x="3613640" y="2201687"/>
-            <a:ext cx="7209692" cy="2031325"/>
+            <a:off x="2847820" y="1920333"/>
+            <a:ext cx="7209692" cy="2585323"/>
           </a:xfrm>
           <a:prstGeom prst="rect">
             <a:avLst/>
@@ -7858,7 +7858,7 @@
                 <a:latin typeface="BIZ UDPゴシック" panose="020B0400000000000000" pitchFamily="50" charset="-128"/>
                 <a:ea typeface="BIZ UDPゴシック" panose="020B0400000000000000" pitchFamily="50" charset="-128"/>
               </a:rPr>
-              <a:t>・マイページ</a:t>
+              <a:t>・ホーム画面</a:t>
             </a:r>
             <a:endParaRPr lang="en-US" altLang="ja-JP" b="1" dirty="0">
               <a:effectLst/>
@@ -7871,6 +7871,7 @@
               <a:buNone/>
             </a:pPr>
             <a:endParaRPr lang="en-US" altLang="ja-JP" b="1" dirty="0">
+              <a:effectLst/>
               <a:latin typeface="BIZ UDPゴシック" panose="020B0400000000000000" pitchFamily="50" charset="-128"/>
               <a:ea typeface="BIZ UDPゴシック" panose="020B0400000000000000" pitchFamily="50" charset="-128"/>
             </a:endParaRPr>
@@ -7885,22 +7886,7 @@
                 <a:latin typeface="BIZ UDPゴシック" panose="020B0400000000000000" pitchFamily="50" charset="-128"/>
                 <a:ea typeface="BIZ UDPゴシック" panose="020B0400000000000000" pitchFamily="50" charset="-128"/>
               </a:rPr>
-              <a:t>・日記：タグ検索</a:t>
-            </a:r>
-            <a:r>
-              <a:rPr lang="ja-JP" altLang="en-US" b="1" dirty="0">
-                <a:latin typeface="BIZ UDPゴシック" panose="020B0400000000000000" pitchFamily="50" charset="-128"/>
-                <a:ea typeface="BIZ UDPゴシック" panose="020B0400000000000000" pitchFamily="50" charset="-128"/>
-              </a:rPr>
-              <a:t>・</a:t>
-            </a:r>
-            <a:r>
-              <a:rPr lang="ja-JP" altLang="en-US" b="1" dirty="0">
-                <a:effectLst/>
-                <a:latin typeface="BIZ UDPゴシック" panose="020B0400000000000000" pitchFamily="50" charset="-128"/>
-                <a:ea typeface="BIZ UDPゴシック" panose="020B0400000000000000" pitchFamily="50" charset="-128"/>
-              </a:rPr>
-              <a:t>感情スタンプ</a:t>
+              <a:t>・マイページ</a:t>
             </a:r>
             <a:endParaRPr lang="en-US" altLang="ja-JP" b="1" dirty="0">
               <a:effectLst/>
@@ -7927,22 +7913,34 @@
                 <a:latin typeface="BIZ UDPゴシック" panose="020B0400000000000000" pitchFamily="50" charset="-128"/>
                 <a:ea typeface="BIZ UDPゴシック" panose="020B0400000000000000" pitchFamily="50" charset="-128"/>
               </a:rPr>
-              <a:t>・自己分析：グラフ分析</a:t>
-            </a:r>
-            <a:r>
-              <a:rPr lang="ja-JP" altLang="en-US" b="1" dirty="0">
-                <a:latin typeface="BIZ UDPゴシック" panose="020B0400000000000000" pitchFamily="50" charset="-128"/>
-                <a:ea typeface="BIZ UDPゴシック" panose="020B0400000000000000" pitchFamily="50" charset="-128"/>
-              </a:rPr>
-              <a:t>・</a:t>
-            </a:r>
+              <a:t>・日記：日記検索・日記登録、タグ検索、感情スタンプ</a:t>
+            </a:r>
+            <a:endParaRPr lang="en-US" altLang="ja-JP" b="1" dirty="0">
+              <a:effectLst/>
+              <a:latin typeface="BIZ UDPゴシック" panose="020B0400000000000000" pitchFamily="50" charset="-128"/>
+              <a:ea typeface="BIZ UDPゴシック" panose="020B0400000000000000" pitchFamily="50" charset="-128"/>
+            </a:endParaRPr>
+          </a:p>
+          <a:p>
+            <a:pPr>
+              <a:buNone/>
+            </a:pPr>
+            <a:endParaRPr lang="en-US" altLang="ja-JP" b="1" dirty="0">
+              <a:latin typeface="BIZ UDPゴシック" panose="020B0400000000000000" pitchFamily="50" charset="-128"/>
+              <a:ea typeface="BIZ UDPゴシック" panose="020B0400000000000000" pitchFamily="50" charset="-128"/>
+            </a:endParaRPr>
+          </a:p>
+          <a:p>
+            <a:pPr>
+              <a:buNone/>
+            </a:pPr>
             <a:r>
               <a:rPr lang="ja-JP" altLang="en-US" b="1" dirty="0">
                 <a:effectLst/>
                 <a:latin typeface="BIZ UDPゴシック" panose="020B0400000000000000" pitchFamily="50" charset="-128"/>
                 <a:ea typeface="BIZ UDPゴシック" panose="020B0400000000000000" pitchFamily="50" charset="-128"/>
               </a:rPr>
-              <a:t>キーワード分析</a:t>
+              <a:t>・自己分析：グラフ分析、キーワード分析</a:t>
             </a:r>
           </a:p>
           <a:p>

--- a/発表準備/7月成果発表会.pptx
+++ b/発表準備/7月成果発表会.pptx
@@ -275,7 +275,7 @@
           <a:p>
             <a:fld id="{9CFFAD60-27D9-44AE-82D7-77B581F6BE63}" type="datetimeFigureOut">
               <a:rPr kumimoji="1" lang="ja-JP" altLang="en-US" smtClean="0"/>
-              <a:t>2025/7/18</a:t>
+              <a:t>2025/7/19</a:t>
             </a:fld>
             <a:endParaRPr kumimoji="1" lang="ja-JP" altLang="en-US"/>
           </a:p>
@@ -505,7 +505,7 @@
           <a:p>
             <a:fld id="{9CFFAD60-27D9-44AE-82D7-77B581F6BE63}" type="datetimeFigureOut">
               <a:rPr kumimoji="1" lang="ja-JP" altLang="en-US" smtClean="0"/>
-              <a:t>2025/7/18</a:t>
+              <a:t>2025/7/19</a:t>
             </a:fld>
             <a:endParaRPr kumimoji="1" lang="ja-JP" altLang="en-US"/>
           </a:p>
@@ -745,7 +745,7 @@
           <a:p>
             <a:fld id="{9CFFAD60-27D9-44AE-82D7-77B581F6BE63}" type="datetimeFigureOut">
               <a:rPr kumimoji="1" lang="ja-JP" altLang="en-US" smtClean="0"/>
-              <a:t>2025/7/18</a:t>
+              <a:t>2025/7/19</a:t>
             </a:fld>
             <a:endParaRPr kumimoji="1" lang="ja-JP" altLang="en-US"/>
           </a:p>
@@ -975,7 +975,7 @@
           <a:p>
             <a:fld id="{9CFFAD60-27D9-44AE-82D7-77B581F6BE63}" type="datetimeFigureOut">
               <a:rPr kumimoji="1" lang="ja-JP" altLang="en-US" smtClean="0"/>
-              <a:t>2025/7/18</a:t>
+              <a:t>2025/7/19</a:t>
             </a:fld>
             <a:endParaRPr kumimoji="1" lang="ja-JP" altLang="en-US"/>
           </a:p>
@@ -1250,7 +1250,7 @@
           <a:p>
             <a:fld id="{9CFFAD60-27D9-44AE-82D7-77B581F6BE63}" type="datetimeFigureOut">
               <a:rPr kumimoji="1" lang="ja-JP" altLang="en-US" smtClean="0"/>
-              <a:t>2025/7/18</a:t>
+              <a:t>2025/7/19</a:t>
             </a:fld>
             <a:endParaRPr kumimoji="1" lang="ja-JP" altLang="en-US"/>
           </a:p>
@@ -1579,7 +1579,7 @@
           <a:p>
             <a:fld id="{9CFFAD60-27D9-44AE-82D7-77B581F6BE63}" type="datetimeFigureOut">
               <a:rPr kumimoji="1" lang="ja-JP" altLang="en-US" smtClean="0"/>
-              <a:t>2025/7/18</a:t>
+              <a:t>2025/7/19</a:t>
             </a:fld>
             <a:endParaRPr kumimoji="1" lang="ja-JP" altLang="en-US"/>
           </a:p>
@@ -2055,7 +2055,7 @@
           <a:p>
             <a:fld id="{9CFFAD60-27D9-44AE-82D7-77B581F6BE63}" type="datetimeFigureOut">
               <a:rPr kumimoji="1" lang="ja-JP" altLang="en-US" smtClean="0"/>
-              <a:t>2025/7/18</a:t>
+              <a:t>2025/7/19</a:t>
             </a:fld>
             <a:endParaRPr kumimoji="1" lang="ja-JP" altLang="en-US"/>
           </a:p>
@@ -2196,7 +2196,7 @@
           <a:p>
             <a:fld id="{9CFFAD60-27D9-44AE-82D7-77B581F6BE63}" type="datetimeFigureOut">
               <a:rPr kumimoji="1" lang="ja-JP" altLang="en-US" smtClean="0"/>
-              <a:t>2025/7/18</a:t>
+              <a:t>2025/7/19</a:t>
             </a:fld>
             <a:endParaRPr kumimoji="1" lang="ja-JP" altLang="en-US"/>
           </a:p>
@@ -2309,7 +2309,7 @@
           <a:p>
             <a:fld id="{9CFFAD60-27D9-44AE-82D7-77B581F6BE63}" type="datetimeFigureOut">
               <a:rPr kumimoji="1" lang="ja-JP" altLang="en-US" smtClean="0"/>
-              <a:t>2025/7/18</a:t>
+              <a:t>2025/7/19</a:t>
             </a:fld>
             <a:endParaRPr kumimoji="1" lang="ja-JP" altLang="en-US"/>
           </a:p>
@@ -2652,7 +2652,7 @@
           <a:p>
             <a:fld id="{9CFFAD60-27D9-44AE-82D7-77B581F6BE63}" type="datetimeFigureOut">
               <a:rPr kumimoji="1" lang="ja-JP" altLang="en-US" smtClean="0"/>
-              <a:t>2025/7/18</a:t>
+              <a:t>2025/7/19</a:t>
             </a:fld>
             <a:endParaRPr kumimoji="1" lang="ja-JP" altLang="en-US"/>
           </a:p>
@@ -2940,7 +2940,7 @@
           <a:p>
             <a:fld id="{9CFFAD60-27D9-44AE-82D7-77B581F6BE63}" type="datetimeFigureOut">
               <a:rPr kumimoji="1" lang="ja-JP" altLang="en-US" smtClean="0"/>
-              <a:t>2025/7/18</a:t>
+              <a:t>2025/7/19</a:t>
             </a:fld>
             <a:endParaRPr kumimoji="1" lang="ja-JP" altLang="en-US"/>
           </a:p>
@@ -3213,7 +3213,7 @@
           <a:p>
             <a:fld id="{9CFFAD60-27D9-44AE-82D7-77B581F6BE63}" type="datetimeFigureOut">
               <a:rPr kumimoji="1" lang="ja-JP" altLang="en-US" smtClean="0"/>
-              <a:t>2025/7/18</a:t>
+              <a:t>2025/7/19</a:t>
             </a:fld>
             <a:endParaRPr kumimoji="1" lang="ja-JP" altLang="en-US"/>
           </a:p>
@@ -7835,8 +7835,8 @@
         </p:nvSpPr>
         <p:spPr>
           <a:xfrm>
-            <a:off x="2847820" y="1920333"/>
-            <a:ext cx="7209692" cy="2585323"/>
+            <a:off x="2786274" y="1762072"/>
+            <a:ext cx="7209692" cy="3693319"/>
           </a:xfrm>
           <a:prstGeom prst="rect">
             <a:avLst/>
@@ -7880,14 +7880,6 @@
             <a:pPr>
               <a:buNone/>
             </a:pPr>
-            <a:r>
-              <a:rPr lang="ja-JP" altLang="en-US" b="1" dirty="0">
-                <a:effectLst/>
-                <a:latin typeface="BIZ UDPゴシック" panose="020B0400000000000000" pitchFamily="50" charset="-128"/>
-                <a:ea typeface="BIZ UDPゴシック" panose="020B0400000000000000" pitchFamily="50" charset="-128"/>
-              </a:rPr>
-              <a:t>・マイページ</a:t>
-            </a:r>
             <a:endParaRPr lang="en-US" altLang="ja-JP" b="1" dirty="0">
               <a:effectLst/>
               <a:latin typeface="BIZ UDPゴシック" panose="020B0400000000000000" pitchFamily="50" charset="-128"/>
@@ -7898,22 +7890,13 @@
             <a:pPr>
               <a:buNone/>
             </a:pPr>
-            <a:endParaRPr lang="en-US" altLang="ja-JP" b="1" dirty="0">
-              <a:latin typeface="BIZ UDPゴシック" panose="020B0400000000000000" pitchFamily="50" charset="-128"/>
-              <a:ea typeface="BIZ UDPゴシック" panose="020B0400000000000000" pitchFamily="50" charset="-128"/>
-            </a:endParaRPr>
-          </a:p>
-          <a:p>
-            <a:pPr>
-              <a:buNone/>
-            </a:pPr>
             <a:r>
               <a:rPr lang="ja-JP" altLang="en-US" b="1" dirty="0">
                 <a:effectLst/>
                 <a:latin typeface="BIZ UDPゴシック" panose="020B0400000000000000" pitchFamily="50" charset="-128"/>
                 <a:ea typeface="BIZ UDPゴシック" panose="020B0400000000000000" pitchFamily="50" charset="-128"/>
               </a:rPr>
-              <a:t>・日記：日記検索・日記登録、タグ検索、感情スタンプ</a:t>
+              <a:t>・マイページ</a:t>
             </a:r>
             <a:endParaRPr lang="en-US" altLang="ja-JP" b="1" dirty="0">
               <a:effectLst/>
@@ -7926,6 +7909,16 @@
               <a:buNone/>
             </a:pPr>
             <a:endParaRPr lang="en-US" altLang="ja-JP" b="1" dirty="0">
+              <a:effectLst/>
+              <a:latin typeface="BIZ UDPゴシック" panose="020B0400000000000000" pitchFamily="50" charset="-128"/>
+              <a:ea typeface="BIZ UDPゴシック" panose="020B0400000000000000" pitchFamily="50" charset="-128"/>
+            </a:endParaRPr>
+          </a:p>
+          <a:p>
+            <a:pPr>
+              <a:buNone/>
+            </a:pPr>
+            <a:endParaRPr lang="en-US" altLang="ja-JP" b="1" dirty="0">
               <a:latin typeface="BIZ UDPゴシック" panose="020B0400000000000000" pitchFamily="50" charset="-128"/>
               <a:ea typeface="BIZ UDPゴシック" panose="020B0400000000000000" pitchFamily="50" charset="-128"/>
             </a:endParaRPr>
@@ -7940,8 +7933,60 @@
                 <a:latin typeface="BIZ UDPゴシック" panose="020B0400000000000000" pitchFamily="50" charset="-128"/>
                 <a:ea typeface="BIZ UDPゴシック" panose="020B0400000000000000" pitchFamily="50" charset="-128"/>
               </a:rPr>
+              <a:t>・日記：日記検索・日記登録、タグ検索、感情スタンプ</a:t>
+            </a:r>
+            <a:endParaRPr lang="en-US" altLang="ja-JP" b="1" dirty="0">
+              <a:effectLst/>
+              <a:latin typeface="BIZ UDPゴシック" panose="020B0400000000000000" pitchFamily="50" charset="-128"/>
+              <a:ea typeface="BIZ UDPゴシック" panose="020B0400000000000000" pitchFamily="50" charset="-128"/>
+            </a:endParaRPr>
+          </a:p>
+          <a:p>
+            <a:pPr>
+              <a:buNone/>
+            </a:pPr>
+            <a:endParaRPr lang="en-US" altLang="ja-JP" b="1" dirty="0">
+              <a:effectLst/>
+              <a:latin typeface="BIZ UDPゴシック" panose="020B0400000000000000" pitchFamily="50" charset="-128"/>
+              <a:ea typeface="BIZ UDPゴシック" panose="020B0400000000000000" pitchFamily="50" charset="-128"/>
+            </a:endParaRPr>
+          </a:p>
+          <a:p>
+            <a:pPr>
+              <a:buNone/>
+            </a:pPr>
+            <a:endParaRPr lang="en-US" altLang="ja-JP" b="1" dirty="0">
+              <a:latin typeface="BIZ UDPゴシック" panose="020B0400000000000000" pitchFamily="50" charset="-128"/>
+              <a:ea typeface="BIZ UDPゴシック" panose="020B0400000000000000" pitchFamily="50" charset="-128"/>
+            </a:endParaRPr>
+          </a:p>
+          <a:p>
+            <a:pPr>
+              <a:buNone/>
+            </a:pPr>
+            <a:r>
+              <a:rPr lang="ja-JP" altLang="en-US" b="1" dirty="0">
+                <a:effectLst/>
+                <a:latin typeface="BIZ UDPゴシック" panose="020B0400000000000000" pitchFamily="50" charset="-128"/>
+                <a:ea typeface="BIZ UDPゴシック" panose="020B0400000000000000" pitchFamily="50" charset="-128"/>
+              </a:rPr>
               <a:t>・自己分析：グラフ分析、キーワード分析</a:t>
             </a:r>
+            <a:endParaRPr lang="en-US" altLang="ja-JP" b="1" dirty="0">
+              <a:effectLst/>
+              <a:latin typeface="BIZ UDPゴシック" panose="020B0400000000000000" pitchFamily="50" charset="-128"/>
+              <a:ea typeface="BIZ UDPゴシック" panose="020B0400000000000000" pitchFamily="50" charset="-128"/>
+            </a:endParaRPr>
+          </a:p>
+          <a:p>
+            <a:pPr>
+              <a:buNone/>
+            </a:pPr>
+            <a:endParaRPr lang="ja-JP" altLang="en-US" b="1" dirty="0">
+              <a:effectLst/>
+              <a:latin typeface="BIZ UDPゴシック" panose="020B0400000000000000" pitchFamily="50" charset="-128"/>
+              <a:ea typeface="BIZ UDPゴシック" panose="020B0400000000000000" pitchFamily="50" charset="-128"/>
+            </a:endParaRPr>
           </a:p>
           <a:p>
             <a:pPr>

--- a/発表準備/7月成果発表会.pptx
+++ b/発表準備/7月成果発表会.pptx
@@ -275,7 +275,7 @@
           <a:p>
             <a:fld id="{9CFFAD60-27D9-44AE-82D7-77B581F6BE63}" type="datetimeFigureOut">
               <a:rPr kumimoji="1" lang="ja-JP" altLang="en-US" smtClean="0"/>
-              <a:t>2025/7/19</a:t>
+              <a:t>2025/7/21</a:t>
             </a:fld>
             <a:endParaRPr kumimoji="1" lang="ja-JP" altLang="en-US"/>
           </a:p>
@@ -505,7 +505,7 @@
           <a:p>
             <a:fld id="{9CFFAD60-27D9-44AE-82D7-77B581F6BE63}" type="datetimeFigureOut">
               <a:rPr kumimoji="1" lang="ja-JP" altLang="en-US" smtClean="0"/>
-              <a:t>2025/7/19</a:t>
+              <a:t>2025/7/21</a:t>
             </a:fld>
             <a:endParaRPr kumimoji="1" lang="ja-JP" altLang="en-US"/>
           </a:p>
@@ -745,7 +745,7 @@
           <a:p>
             <a:fld id="{9CFFAD60-27D9-44AE-82D7-77B581F6BE63}" type="datetimeFigureOut">
               <a:rPr kumimoji="1" lang="ja-JP" altLang="en-US" smtClean="0"/>
-              <a:t>2025/7/19</a:t>
+              <a:t>2025/7/21</a:t>
             </a:fld>
             <a:endParaRPr kumimoji="1" lang="ja-JP" altLang="en-US"/>
           </a:p>
@@ -975,7 +975,7 @@
           <a:p>
             <a:fld id="{9CFFAD60-27D9-44AE-82D7-77B581F6BE63}" type="datetimeFigureOut">
               <a:rPr kumimoji="1" lang="ja-JP" altLang="en-US" smtClean="0"/>
-              <a:t>2025/7/19</a:t>
+              <a:t>2025/7/21</a:t>
             </a:fld>
             <a:endParaRPr kumimoji="1" lang="ja-JP" altLang="en-US"/>
           </a:p>
@@ -1250,7 +1250,7 @@
           <a:p>
             <a:fld id="{9CFFAD60-27D9-44AE-82D7-77B581F6BE63}" type="datetimeFigureOut">
               <a:rPr kumimoji="1" lang="ja-JP" altLang="en-US" smtClean="0"/>
-              <a:t>2025/7/19</a:t>
+              <a:t>2025/7/21</a:t>
             </a:fld>
             <a:endParaRPr kumimoji="1" lang="ja-JP" altLang="en-US"/>
           </a:p>
@@ -1579,7 +1579,7 @@
           <a:p>
             <a:fld id="{9CFFAD60-27D9-44AE-82D7-77B581F6BE63}" type="datetimeFigureOut">
               <a:rPr kumimoji="1" lang="ja-JP" altLang="en-US" smtClean="0"/>
-              <a:t>2025/7/19</a:t>
+              <a:t>2025/7/21</a:t>
             </a:fld>
             <a:endParaRPr kumimoji="1" lang="ja-JP" altLang="en-US"/>
           </a:p>
@@ -2055,7 +2055,7 @@
           <a:p>
             <a:fld id="{9CFFAD60-27D9-44AE-82D7-77B581F6BE63}" type="datetimeFigureOut">
               <a:rPr kumimoji="1" lang="ja-JP" altLang="en-US" smtClean="0"/>
-              <a:t>2025/7/19</a:t>
+              <a:t>2025/7/21</a:t>
             </a:fld>
             <a:endParaRPr kumimoji="1" lang="ja-JP" altLang="en-US"/>
           </a:p>
@@ -2196,7 +2196,7 @@
           <a:p>
             <a:fld id="{9CFFAD60-27D9-44AE-82D7-77B581F6BE63}" type="datetimeFigureOut">
               <a:rPr kumimoji="1" lang="ja-JP" altLang="en-US" smtClean="0"/>
-              <a:t>2025/7/19</a:t>
+              <a:t>2025/7/21</a:t>
             </a:fld>
             <a:endParaRPr kumimoji="1" lang="ja-JP" altLang="en-US"/>
           </a:p>
@@ -2309,7 +2309,7 @@
           <a:p>
             <a:fld id="{9CFFAD60-27D9-44AE-82D7-77B581F6BE63}" type="datetimeFigureOut">
               <a:rPr kumimoji="1" lang="ja-JP" altLang="en-US" smtClean="0"/>
-              <a:t>2025/7/19</a:t>
+              <a:t>2025/7/21</a:t>
             </a:fld>
             <a:endParaRPr kumimoji="1" lang="ja-JP" altLang="en-US"/>
           </a:p>
@@ -2652,7 +2652,7 @@
           <a:p>
             <a:fld id="{9CFFAD60-27D9-44AE-82D7-77B581F6BE63}" type="datetimeFigureOut">
               <a:rPr kumimoji="1" lang="ja-JP" altLang="en-US" smtClean="0"/>
-              <a:t>2025/7/19</a:t>
+              <a:t>2025/7/21</a:t>
             </a:fld>
             <a:endParaRPr kumimoji="1" lang="ja-JP" altLang="en-US"/>
           </a:p>
@@ -2940,7 +2940,7 @@
           <a:p>
             <a:fld id="{9CFFAD60-27D9-44AE-82D7-77B581F6BE63}" type="datetimeFigureOut">
               <a:rPr kumimoji="1" lang="ja-JP" altLang="en-US" smtClean="0"/>
-              <a:t>2025/7/19</a:t>
+              <a:t>2025/7/21</a:t>
             </a:fld>
             <a:endParaRPr kumimoji="1" lang="ja-JP" altLang="en-US"/>
           </a:p>
@@ -3213,7 +3213,7 @@
           <a:p>
             <a:fld id="{9CFFAD60-27D9-44AE-82D7-77B581F6BE63}" type="datetimeFigureOut">
               <a:rPr kumimoji="1" lang="ja-JP" altLang="en-US" smtClean="0"/>
-              <a:t>2025/7/19</a:t>
+              <a:t>2025/7/21</a:t>
             </a:fld>
             <a:endParaRPr kumimoji="1" lang="ja-JP" altLang="en-US"/>
           </a:p>
@@ -3914,6 +3914,58 @@
       </p:grpSpPr>
       <p:sp>
         <p:nvSpPr>
+          <p:cNvPr id="7" name="正方形/長方形 6">
+            <a:extLst>
+              <a:ext uri="{FF2B5EF4-FFF2-40B4-BE49-F238E27FC236}">
+                <a16:creationId xmlns:a16="http://schemas.microsoft.com/office/drawing/2014/main" id="{AEF6CB4B-A4CC-B93B-870B-76E48E15E04F}"/>
+              </a:ext>
+            </a:extLst>
+          </p:cNvPr>
+          <p:cNvSpPr/>
+          <p:nvPr/>
+        </p:nvSpPr>
+        <p:spPr>
+          <a:xfrm>
+            <a:off x="0" y="0"/>
+            <a:ext cx="12192000" cy="6858000"/>
+          </a:xfrm>
+          <a:prstGeom prst="rect">
+            <a:avLst/>
+          </a:prstGeom>
+          <a:solidFill>
+            <a:srgbClr val="FFFFE0"/>
+          </a:solidFill>
+          <a:ln>
+            <a:noFill/>
+          </a:ln>
+        </p:spPr>
+        <p:style>
+          <a:lnRef idx="2">
+            <a:schemeClr val="accent1">
+              <a:shade val="15000"/>
+            </a:schemeClr>
+          </a:lnRef>
+          <a:fillRef idx="1">
+            <a:schemeClr val="accent1"/>
+          </a:fillRef>
+          <a:effectRef idx="0">
+            <a:schemeClr val="accent1"/>
+          </a:effectRef>
+          <a:fontRef idx="minor">
+            <a:schemeClr val="lt1"/>
+          </a:fontRef>
+        </p:style>
+        <p:txBody>
+          <a:bodyPr rtlCol="0" anchor="ctr"/>
+          <a:lstStyle/>
+          <a:p>
+            <a:pPr algn="ctr"/>
+            <a:endParaRPr kumimoji="1" lang="ja-JP" altLang="en-US"/>
+          </a:p>
+        </p:txBody>
+      </p:sp>
+      <p:sp>
+        <p:nvSpPr>
           <p:cNvPr id="2" name="タイトル 1">
             <a:extLst>
               <a:ext uri="{FF2B5EF4-FFF2-40B4-BE49-F238E27FC236}">
@@ -4089,6 +4141,9 @@
           <a:prstGeom prst="rect">
             <a:avLst/>
           </a:prstGeom>
+          <a:solidFill>
+            <a:srgbClr val="FFFFE0"/>
+          </a:solidFill>
           <a:ln>
             <a:noFill/>
           </a:ln>
@@ -6505,10 +6560,10 @@
       </p:grpSpPr>
       <p:sp>
         <p:nvSpPr>
-          <p:cNvPr id="4" name="正方形/長方形 3">
-            <a:extLst>
-              <a:ext uri="{FF2B5EF4-FFF2-40B4-BE49-F238E27FC236}">
-                <a16:creationId xmlns:a16="http://schemas.microsoft.com/office/drawing/2014/main" id="{C9D7BF1D-1B2C-C63C-0F9B-6316405D9831}"/>
+          <p:cNvPr id="10" name="正方形/長方形 9">
+            <a:extLst>
+              <a:ext uri="{FF2B5EF4-FFF2-40B4-BE49-F238E27FC236}">
+                <a16:creationId xmlns:a16="http://schemas.microsoft.com/office/drawing/2014/main" id="{655FDCDA-5B1F-917F-69E4-4B12270B3332}"/>
               </a:ext>
             </a:extLst>
           </p:cNvPr>
@@ -6517,12 +6572,67 @@
         </p:nvSpPr>
         <p:spPr>
           <a:xfrm>
-            <a:off x="10057512" y="5874328"/>
-            <a:ext cx="2134488" cy="665018"/>
+            <a:off x="0" y="0"/>
+            <a:ext cx="12192000" cy="6858000"/>
           </a:xfrm>
           <a:prstGeom prst="rect">
             <a:avLst/>
           </a:prstGeom>
+          <a:solidFill>
+            <a:srgbClr val="FFFFE0"/>
+          </a:solidFill>
+          <a:ln>
+            <a:noFill/>
+          </a:ln>
+        </p:spPr>
+        <p:style>
+          <a:lnRef idx="2">
+            <a:schemeClr val="accent1">
+              <a:shade val="15000"/>
+            </a:schemeClr>
+          </a:lnRef>
+          <a:fillRef idx="1">
+            <a:schemeClr val="accent1"/>
+          </a:fillRef>
+          <a:effectRef idx="0">
+            <a:schemeClr val="accent1"/>
+          </a:effectRef>
+          <a:fontRef idx="minor">
+            <a:schemeClr val="lt1"/>
+          </a:fontRef>
+        </p:style>
+        <p:txBody>
+          <a:bodyPr rtlCol="0" anchor="ctr"/>
+          <a:lstStyle/>
+          <a:p>
+            <a:pPr algn="ctr"/>
+            <a:endParaRPr kumimoji="1" lang="ja-JP" altLang="en-US"/>
+          </a:p>
+        </p:txBody>
+      </p:sp>
+      <p:sp>
+        <p:nvSpPr>
+          <p:cNvPr id="4" name="正方形/長方形 3">
+            <a:extLst>
+              <a:ext uri="{FF2B5EF4-FFF2-40B4-BE49-F238E27FC236}">
+                <a16:creationId xmlns:a16="http://schemas.microsoft.com/office/drawing/2014/main" id="{C9D7BF1D-1B2C-C63C-0F9B-6316405D9831}"/>
+              </a:ext>
+            </a:extLst>
+          </p:cNvPr>
+          <p:cNvSpPr/>
+          <p:nvPr/>
+        </p:nvSpPr>
+        <p:spPr>
+          <a:xfrm>
+            <a:off x="10057512" y="5874328"/>
+            <a:ext cx="2134488" cy="665018"/>
+          </a:xfrm>
+          <a:prstGeom prst="rect">
+            <a:avLst/>
+          </a:prstGeom>
+          <a:solidFill>
+            <a:srgbClr val="FFFFE0"/>
+          </a:solidFill>
           <a:ln>
             <a:noFill/>
           </a:ln>
@@ -6568,6 +6678,58 @@
       </p:sp>
       <p:sp>
         <p:nvSpPr>
+          <p:cNvPr id="9" name="正方形/長方形 8">
+            <a:extLst>
+              <a:ext uri="{FF2B5EF4-FFF2-40B4-BE49-F238E27FC236}">
+                <a16:creationId xmlns:a16="http://schemas.microsoft.com/office/drawing/2014/main" id="{E49DED0B-25BE-3EFA-6D65-9517675EC8FE}"/>
+              </a:ext>
+            </a:extLst>
+          </p:cNvPr>
+          <p:cNvSpPr/>
+          <p:nvPr/>
+        </p:nvSpPr>
+        <p:spPr>
+          <a:xfrm>
+            <a:off x="983272" y="1296794"/>
+            <a:ext cx="10225455" cy="4577534"/>
+          </a:xfrm>
+          <a:prstGeom prst="rect">
+            <a:avLst/>
+          </a:prstGeom>
+          <a:solidFill>
+            <a:srgbClr val="FFFFE0"/>
+          </a:solidFill>
+          <a:ln>
+            <a:noFill/>
+          </a:ln>
+        </p:spPr>
+        <p:style>
+          <a:lnRef idx="2">
+            <a:schemeClr val="accent1">
+              <a:shade val="15000"/>
+            </a:schemeClr>
+          </a:lnRef>
+          <a:fillRef idx="1">
+            <a:schemeClr val="accent1"/>
+          </a:fillRef>
+          <a:effectRef idx="0">
+            <a:schemeClr val="accent1"/>
+          </a:effectRef>
+          <a:fontRef idx="minor">
+            <a:schemeClr val="lt1"/>
+          </a:fontRef>
+        </p:style>
+        <p:txBody>
+          <a:bodyPr rtlCol="0" anchor="ctr"/>
+          <a:lstStyle/>
+          <a:p>
+            <a:pPr algn="ctr"/>
+            <a:endParaRPr kumimoji="1" lang="ja-JP" altLang="en-US"/>
+          </a:p>
+        </p:txBody>
+      </p:sp>
+      <p:sp>
+        <p:nvSpPr>
           <p:cNvPr id="5" name="タイトル 4">
             <a:extLst>
               <a:ext uri="{FF2B5EF4-FFF2-40B4-BE49-F238E27FC236}">
@@ -6584,7 +6746,7 @@
         </p:nvSpPr>
         <p:spPr>
           <a:xfrm>
-            <a:off x="4467540" y="417125"/>
+            <a:off x="4441163" y="288483"/>
             <a:ext cx="2933701" cy="970252"/>
           </a:xfrm>
         </p:spPr>
@@ -6618,7 +6780,7 @@
         </p:nvSpPr>
         <p:spPr>
           <a:xfrm>
-            <a:off x="4055855" y="2010151"/>
+            <a:off x="3818463" y="2020011"/>
             <a:ext cx="1954820" cy="597877"/>
           </a:xfrm>
           <a:prstGeom prst="roundRect">
@@ -6626,12 +6788,7 @@
           </a:prstGeom>
           <a:noFill/>
           <a:ln>
-            <a:solidFill>
-              <a:schemeClr val="accent3">
-                <a:lumMod val="40000"/>
-                <a:lumOff val="60000"/>
-              </a:schemeClr>
-            </a:solidFill>
+            <a:noFill/>
           </a:ln>
         </p:spPr>
         <p:style>
@@ -6682,7 +6839,7 @@
         </p:nvSpPr>
         <p:spPr>
           <a:xfrm>
-            <a:off x="4055855" y="3250522"/>
+            <a:off x="3818463" y="3278506"/>
             <a:ext cx="1954820" cy="597877"/>
           </a:xfrm>
           <a:prstGeom prst="roundRect">
@@ -6690,12 +6847,7 @@
           </a:prstGeom>
           <a:noFill/>
           <a:ln>
-            <a:solidFill>
-              <a:schemeClr val="accent3">
-                <a:lumMod val="40000"/>
-                <a:lumOff val="60000"/>
-              </a:schemeClr>
-            </a:solidFill>
+            <a:noFill/>
           </a:ln>
         </p:spPr>
         <p:style>
@@ -6756,7 +6908,7 @@
         </p:nvSpPr>
         <p:spPr>
           <a:xfrm>
-            <a:off x="3999492" y="4519050"/>
+            <a:off x="3818463" y="4537001"/>
             <a:ext cx="1954820" cy="597877"/>
           </a:xfrm>
           <a:prstGeom prst="roundRect">
@@ -6764,12 +6916,7 @@
           </a:prstGeom>
           <a:noFill/>
           <a:ln>
-            <a:solidFill>
-              <a:schemeClr val="accent3">
-                <a:lumMod val="40000"/>
-                <a:lumOff val="60000"/>
-              </a:schemeClr>
-            </a:solidFill>
+            <a:noFill/>
           </a:ln>
         </p:spPr>
         <p:style>
@@ -6820,7 +6967,7 @@
         </p:nvSpPr>
         <p:spPr>
           <a:xfrm>
-            <a:off x="7909345" y="1972022"/>
+            <a:off x="7976746" y="2063855"/>
             <a:ext cx="1954820" cy="597877"/>
           </a:xfrm>
           <a:prstGeom prst="roundRect">
@@ -6828,12 +6975,7 @@
           </a:prstGeom>
           <a:noFill/>
           <a:ln>
-            <a:solidFill>
-              <a:schemeClr val="accent3">
-                <a:lumMod val="40000"/>
-                <a:lumOff val="60000"/>
-              </a:schemeClr>
-            </a:solidFill>
+            <a:noFill/>
           </a:ln>
         </p:spPr>
         <p:style>
@@ -6884,7 +7026,7 @@
         </p:nvSpPr>
         <p:spPr>
           <a:xfrm>
-            <a:off x="7909345" y="3130061"/>
+            <a:off x="7976746" y="3253338"/>
             <a:ext cx="1954820" cy="597877"/>
           </a:xfrm>
           <a:prstGeom prst="roundRect">
@@ -6892,12 +7034,7 @@
           </a:prstGeom>
           <a:noFill/>
           <a:ln>
-            <a:solidFill>
-              <a:schemeClr val="accent3">
-                <a:lumMod val="40000"/>
-                <a:lumOff val="60000"/>
-              </a:schemeClr>
-            </a:solidFill>
+            <a:noFill/>
           </a:ln>
         </p:spPr>
         <p:style>
@@ -6948,7 +7085,7 @@
         </p:nvSpPr>
         <p:spPr>
           <a:xfrm>
-            <a:off x="7941576" y="4409736"/>
+            <a:off x="7976746" y="4519049"/>
             <a:ext cx="1954820" cy="597877"/>
           </a:xfrm>
           <a:prstGeom prst="roundRect">
@@ -6956,12 +7093,7 @@
           </a:prstGeom>
           <a:noFill/>
           <a:ln>
-            <a:solidFill>
-              <a:schemeClr val="accent3">
-                <a:lumMod val="40000"/>
-                <a:lumOff val="60000"/>
-              </a:schemeClr>
-            </a:solidFill>
+            <a:noFill/>
           </a:ln>
         </p:spPr>
         <p:style>
@@ -7000,10 +7132,10 @@
       </p:sp>
       <p:sp>
         <p:nvSpPr>
-          <p:cNvPr id="23" name="楕円 22">
-            <a:extLst>
-              <a:ext uri="{FF2B5EF4-FFF2-40B4-BE49-F238E27FC236}">
-                <a16:creationId xmlns:a16="http://schemas.microsoft.com/office/drawing/2014/main" id="{9EFB9BD7-FFF2-F045-9EFE-69B1AED61A33}"/>
+          <p:cNvPr id="24" name="楕円 23">
+            <a:extLst>
+              <a:ext uri="{FF2B5EF4-FFF2-40B4-BE49-F238E27FC236}">
+                <a16:creationId xmlns:a16="http://schemas.microsoft.com/office/drawing/2014/main" id="{C810EF88-BB19-3F8F-B3A6-03FAA24237C6}"/>
               </a:ext>
             </a:extLst>
           </p:cNvPr>
@@ -7012,8 +7144,8 @@
         </p:nvSpPr>
         <p:spPr>
           <a:xfrm>
-            <a:off x="2460206" y="4519050"/>
-            <a:ext cx="679194" cy="610936"/>
+            <a:off x="2327835" y="1856892"/>
+            <a:ext cx="924291" cy="903808"/>
           </a:xfrm>
           <a:prstGeom prst="ellipse">
             <a:avLst/>
@@ -7047,12 +7179,49 @@
           </a:p>
         </p:txBody>
       </p:sp>
-      <p:sp>
-        <p:nvSpPr>
-          <p:cNvPr id="24" name="楕円 23">
-            <a:extLst>
-              <a:ext uri="{FF2B5EF4-FFF2-40B4-BE49-F238E27FC236}">
-                <a16:creationId xmlns:a16="http://schemas.microsoft.com/office/drawing/2014/main" id="{C810EF88-BB19-3F8F-B3A6-03FAA24237C6}"/>
+      <p:pic>
+        <p:nvPicPr>
+          <p:cNvPr id="32" name="図 31" descr="アイコン&#10;&#10;AI 生成コンテンツは誤りを含む可能性があります。">
+            <a:extLst>
+              <a:ext uri="{FF2B5EF4-FFF2-40B4-BE49-F238E27FC236}">
+                <a16:creationId xmlns:a16="http://schemas.microsoft.com/office/drawing/2014/main" id="{967DCEE7-0A7E-2207-4FCD-DE044E5AC64D}"/>
+              </a:ext>
+            </a:extLst>
+          </p:cNvPr>
+          <p:cNvPicPr>
+            <a:picLocks noChangeAspect="1"/>
+          </p:cNvPicPr>
+          <p:nvPr/>
+        </p:nvPicPr>
+        <p:blipFill>
+          <a:blip r:embed="rId2">
+            <a:extLst>
+              <a:ext uri="{28A0092B-C50C-407E-A947-70E740481C1C}">
+                <a14:useLocalDpi xmlns:a14="http://schemas.microsoft.com/office/drawing/2010/main" val="0"/>
+              </a:ext>
+            </a:extLst>
+          </a:blip>
+          <a:srcRect l="38114" t="37025" r="38114" b="36835"/>
+          <a:stretch>
+            <a:fillRect/>
+          </a:stretch>
+        </p:blipFill>
+        <p:spPr>
+          <a:xfrm>
+            <a:off x="2440560" y="1893247"/>
+            <a:ext cx="698840" cy="768485"/>
+          </a:xfrm>
+          <a:prstGeom prst="rect">
+            <a:avLst/>
+          </a:prstGeom>
+        </p:spPr>
+      </p:pic>
+      <p:sp>
+        <p:nvSpPr>
+          <p:cNvPr id="2" name="楕円 1">
+            <a:extLst>
+              <a:ext uri="{FF2B5EF4-FFF2-40B4-BE49-F238E27FC236}">
+                <a16:creationId xmlns:a16="http://schemas.microsoft.com/office/drawing/2014/main" id="{3D3636A1-780A-BE8F-C8B2-6F8F611E7CA7}"/>
               </a:ext>
             </a:extLst>
           </p:cNvPr>
@@ -7061,7 +7230,7 @@
         </p:nvSpPr>
         <p:spPr>
           <a:xfrm>
-            <a:off x="2327835" y="1856892"/>
+            <a:off x="2327834" y="3111488"/>
             <a:ext cx="924291" cy="903808"/>
           </a:xfrm>
           <a:prstGeom prst="ellipse">
@@ -7098,10 +7267,10 @@
       </p:sp>
       <p:sp>
         <p:nvSpPr>
-          <p:cNvPr id="25" name="楕円 24">
-            <a:extLst>
-              <a:ext uri="{FF2B5EF4-FFF2-40B4-BE49-F238E27FC236}">
-                <a16:creationId xmlns:a16="http://schemas.microsoft.com/office/drawing/2014/main" id="{366AD609-D53F-BD89-A686-9E583795550E}"/>
+          <p:cNvPr id="3" name="楕円 2">
+            <a:extLst>
+              <a:ext uri="{FF2B5EF4-FFF2-40B4-BE49-F238E27FC236}">
+                <a16:creationId xmlns:a16="http://schemas.microsoft.com/office/drawing/2014/main" id="{279F2A7D-6FA9-3301-E90A-DFF4EC47CBB7}"/>
               </a:ext>
             </a:extLst>
           </p:cNvPr>
@@ -7110,8 +7279,8 @@
         </p:nvSpPr>
         <p:spPr>
           <a:xfrm>
-            <a:off x="2460206" y="3195615"/>
-            <a:ext cx="679194" cy="610936"/>
+            <a:off x="2327833" y="4366084"/>
+            <a:ext cx="924291" cy="903808"/>
           </a:xfrm>
           <a:prstGeom prst="ellipse">
             <a:avLst/>
@@ -7147,10 +7316,10 @@
       </p:sp>
       <p:sp>
         <p:nvSpPr>
-          <p:cNvPr id="26" name="楕円 25">
-            <a:extLst>
-              <a:ext uri="{FF2B5EF4-FFF2-40B4-BE49-F238E27FC236}">
-                <a16:creationId xmlns:a16="http://schemas.microsoft.com/office/drawing/2014/main" id="{C65C5B9A-8312-5EAE-D438-5265317AF77E}"/>
+          <p:cNvPr id="6" name="楕円 5">
+            <a:extLst>
+              <a:ext uri="{FF2B5EF4-FFF2-40B4-BE49-F238E27FC236}">
+                <a16:creationId xmlns:a16="http://schemas.microsoft.com/office/drawing/2014/main" id="{14E5CA12-359A-3A1B-6252-A174CD886423}"/>
               </a:ext>
             </a:extLst>
           </p:cNvPr>
@@ -7159,8 +7328,8 @@
         </p:nvSpPr>
         <p:spPr>
           <a:xfrm>
-            <a:off x="6814405" y="1972022"/>
-            <a:ext cx="679194" cy="610936"/>
+            <a:off x="6691856" y="1825585"/>
+            <a:ext cx="924291" cy="903808"/>
           </a:xfrm>
           <a:prstGeom prst="ellipse">
             <a:avLst/>
@@ -7196,10 +7365,10 @@
       </p:sp>
       <p:sp>
         <p:nvSpPr>
-          <p:cNvPr id="27" name="楕円 26">
-            <a:extLst>
-              <a:ext uri="{FF2B5EF4-FFF2-40B4-BE49-F238E27FC236}">
-                <a16:creationId xmlns:a16="http://schemas.microsoft.com/office/drawing/2014/main" id="{9C5DEED1-F519-7AAA-D914-1010E5CC482D}"/>
+          <p:cNvPr id="7" name="楕円 6">
+            <a:extLst>
+              <a:ext uri="{FF2B5EF4-FFF2-40B4-BE49-F238E27FC236}">
+                <a16:creationId xmlns:a16="http://schemas.microsoft.com/office/drawing/2014/main" id="{7576F3CC-5A33-A1AC-B3EE-9A6FC1FF5CCC}"/>
               </a:ext>
             </a:extLst>
           </p:cNvPr>
@@ -7208,8 +7377,8 @@
         </p:nvSpPr>
         <p:spPr>
           <a:xfrm>
-            <a:off x="6814405" y="3148345"/>
-            <a:ext cx="679194" cy="610936"/>
+            <a:off x="6691856" y="3067720"/>
+            <a:ext cx="924291" cy="903808"/>
           </a:xfrm>
           <a:prstGeom prst="ellipse">
             <a:avLst/>
@@ -7245,10 +7414,10 @@
       </p:sp>
       <p:sp>
         <p:nvSpPr>
-          <p:cNvPr id="28" name="楕円 27">
-            <a:extLst>
-              <a:ext uri="{FF2B5EF4-FFF2-40B4-BE49-F238E27FC236}">
-                <a16:creationId xmlns:a16="http://schemas.microsoft.com/office/drawing/2014/main" id="{EAA0BA0F-3793-79C5-AB3D-CBB9A93229F3}"/>
+          <p:cNvPr id="8" name="楕円 7">
+            <a:extLst>
+              <a:ext uri="{FF2B5EF4-FFF2-40B4-BE49-F238E27FC236}">
+                <a16:creationId xmlns:a16="http://schemas.microsoft.com/office/drawing/2014/main" id="{8E53BB30-7515-B433-AB35-9BAE6258D41F}"/>
               </a:ext>
             </a:extLst>
           </p:cNvPr>
@@ -7257,8 +7426,8 @@
         </p:nvSpPr>
         <p:spPr>
           <a:xfrm>
-            <a:off x="6814405" y="4409736"/>
-            <a:ext cx="679194" cy="610936"/>
+            <a:off x="6691855" y="4366084"/>
+            <a:ext cx="924291" cy="903808"/>
           </a:xfrm>
           <a:prstGeom prst="ellipse">
             <a:avLst/>
@@ -7292,43 +7461,6 @@
           </a:p>
         </p:txBody>
       </p:sp>
-      <p:pic>
-        <p:nvPicPr>
-          <p:cNvPr id="32" name="図 31" descr="アイコン&#10;&#10;AI 生成コンテンツは誤りを含む可能性があります。">
-            <a:extLst>
-              <a:ext uri="{FF2B5EF4-FFF2-40B4-BE49-F238E27FC236}">
-                <a16:creationId xmlns:a16="http://schemas.microsoft.com/office/drawing/2014/main" id="{967DCEE7-0A7E-2207-4FCD-DE044E5AC64D}"/>
-              </a:ext>
-            </a:extLst>
-          </p:cNvPr>
-          <p:cNvPicPr>
-            <a:picLocks noChangeAspect="1"/>
-          </p:cNvPicPr>
-          <p:nvPr/>
-        </p:nvPicPr>
-        <p:blipFill>
-          <a:blip r:embed="rId2">
-            <a:extLst>
-              <a:ext uri="{28A0092B-C50C-407E-A947-70E740481C1C}">
-                <a14:useLocalDpi xmlns:a14="http://schemas.microsoft.com/office/drawing/2010/main" val="0"/>
-              </a:ext>
-            </a:extLst>
-          </a:blip>
-          <a:srcRect l="38114" t="37025" r="38114" b="36835"/>
-          <a:stretch>
-            <a:fillRect/>
-          </a:stretch>
-        </p:blipFill>
-        <p:spPr>
-          <a:xfrm>
-            <a:off x="2440560" y="1893247"/>
-            <a:ext cx="698840" cy="768485"/>
-          </a:xfrm>
-          <a:prstGeom prst="rect">
-            <a:avLst/>
-          </a:prstGeom>
-        </p:spPr>
-      </p:pic>
     </p:spTree>
     <p:extLst>
       <p:ext uri="{BB962C8B-B14F-4D97-AF65-F5344CB8AC3E}">
@@ -7367,6 +7499,110 @@
       </p:grpSpPr>
       <p:sp>
         <p:nvSpPr>
+          <p:cNvPr id="7" name="正方形/長方形 6">
+            <a:extLst>
+              <a:ext uri="{FF2B5EF4-FFF2-40B4-BE49-F238E27FC236}">
+                <a16:creationId xmlns:a16="http://schemas.microsoft.com/office/drawing/2014/main" id="{49989EB5-821B-20B2-59B0-BC30FA3518B2}"/>
+              </a:ext>
+            </a:extLst>
+          </p:cNvPr>
+          <p:cNvSpPr/>
+          <p:nvPr/>
+        </p:nvSpPr>
+        <p:spPr>
+          <a:xfrm>
+            <a:off x="0" y="0"/>
+            <a:ext cx="12192000" cy="6858000"/>
+          </a:xfrm>
+          <a:prstGeom prst="rect">
+            <a:avLst/>
+          </a:prstGeom>
+          <a:solidFill>
+            <a:srgbClr val="FFFFE0"/>
+          </a:solidFill>
+          <a:ln>
+            <a:noFill/>
+          </a:ln>
+        </p:spPr>
+        <p:style>
+          <a:lnRef idx="2">
+            <a:schemeClr val="accent1">
+              <a:shade val="15000"/>
+            </a:schemeClr>
+          </a:lnRef>
+          <a:fillRef idx="1">
+            <a:schemeClr val="accent1"/>
+          </a:fillRef>
+          <a:effectRef idx="0">
+            <a:schemeClr val="accent1"/>
+          </a:effectRef>
+          <a:fontRef idx="minor">
+            <a:schemeClr val="lt1"/>
+          </a:fontRef>
+        </p:style>
+        <p:txBody>
+          <a:bodyPr rtlCol="0" anchor="ctr"/>
+          <a:lstStyle/>
+          <a:p>
+            <a:pPr algn="ctr"/>
+            <a:endParaRPr kumimoji="1" lang="ja-JP" altLang="en-US"/>
+          </a:p>
+        </p:txBody>
+      </p:sp>
+      <p:sp>
+        <p:nvSpPr>
+          <p:cNvPr id="6" name="正方形/長方形 5">
+            <a:extLst>
+              <a:ext uri="{FF2B5EF4-FFF2-40B4-BE49-F238E27FC236}">
+                <a16:creationId xmlns:a16="http://schemas.microsoft.com/office/drawing/2014/main" id="{58E53105-F282-2E56-E5CE-B6649EF230BF}"/>
+              </a:ext>
+            </a:extLst>
+          </p:cNvPr>
+          <p:cNvSpPr/>
+          <p:nvPr/>
+        </p:nvSpPr>
+        <p:spPr>
+          <a:xfrm>
+            <a:off x="1115156" y="1299856"/>
+            <a:ext cx="10225455" cy="4577534"/>
+          </a:xfrm>
+          <a:prstGeom prst="rect">
+            <a:avLst/>
+          </a:prstGeom>
+          <a:solidFill>
+            <a:srgbClr val="FFFFE0"/>
+          </a:solidFill>
+          <a:ln>
+            <a:noFill/>
+          </a:ln>
+        </p:spPr>
+        <p:style>
+          <a:lnRef idx="2">
+            <a:schemeClr val="accent1">
+              <a:shade val="15000"/>
+            </a:schemeClr>
+          </a:lnRef>
+          <a:fillRef idx="1">
+            <a:schemeClr val="accent1"/>
+          </a:fillRef>
+          <a:effectRef idx="0">
+            <a:schemeClr val="accent1"/>
+          </a:effectRef>
+          <a:fontRef idx="minor">
+            <a:schemeClr val="lt1"/>
+          </a:fontRef>
+        </p:style>
+        <p:txBody>
+          <a:bodyPr rtlCol="0" anchor="ctr"/>
+          <a:lstStyle/>
+          <a:p>
+            <a:pPr algn="ctr"/>
+            <a:endParaRPr kumimoji="1" lang="ja-JP" altLang="en-US"/>
+          </a:p>
+        </p:txBody>
+      </p:sp>
+      <p:sp>
+        <p:nvSpPr>
           <p:cNvPr id="2" name="思考の吹き出し: 雲形 1">
             <a:extLst>
               <a:ext uri="{FF2B5EF4-FFF2-40B4-BE49-F238E27FC236}">
@@ -7439,6 +7675,9 @@
           <a:prstGeom prst="rect">
             <a:avLst/>
           </a:prstGeom>
+          <a:solidFill>
+            <a:srgbClr val="FFFFE0"/>
+          </a:solidFill>
           <a:ln>
             <a:noFill/>
           </a:ln>
@@ -7722,10 +7961,10 @@
       </p:grpSpPr>
       <p:sp>
         <p:nvSpPr>
-          <p:cNvPr id="4" name="正方形/長方形 3">
-            <a:extLst>
-              <a:ext uri="{FF2B5EF4-FFF2-40B4-BE49-F238E27FC236}">
-                <a16:creationId xmlns:a16="http://schemas.microsoft.com/office/drawing/2014/main" id="{205838FC-94B2-E6C7-4385-2EA51857C454}"/>
+          <p:cNvPr id="3" name="正方形/長方形 2">
+            <a:extLst>
+              <a:ext uri="{FF2B5EF4-FFF2-40B4-BE49-F238E27FC236}">
+                <a16:creationId xmlns:a16="http://schemas.microsoft.com/office/drawing/2014/main" id="{4901D51A-4DD2-4A3B-21BD-BF823817F298}"/>
               </a:ext>
             </a:extLst>
           </p:cNvPr>
@@ -7734,12 +7973,67 @@
         </p:nvSpPr>
         <p:spPr>
           <a:xfrm>
-            <a:off x="10057512" y="5874328"/>
-            <a:ext cx="2134488" cy="665018"/>
+            <a:off x="0" y="0"/>
+            <a:ext cx="12192000" cy="6858000"/>
           </a:xfrm>
           <a:prstGeom prst="rect">
             <a:avLst/>
           </a:prstGeom>
+          <a:solidFill>
+            <a:srgbClr val="FFFFE0"/>
+          </a:solidFill>
+          <a:ln>
+            <a:noFill/>
+          </a:ln>
+        </p:spPr>
+        <p:style>
+          <a:lnRef idx="2">
+            <a:schemeClr val="accent1">
+              <a:shade val="15000"/>
+            </a:schemeClr>
+          </a:lnRef>
+          <a:fillRef idx="1">
+            <a:schemeClr val="accent1"/>
+          </a:fillRef>
+          <a:effectRef idx="0">
+            <a:schemeClr val="accent1"/>
+          </a:effectRef>
+          <a:fontRef idx="minor">
+            <a:schemeClr val="lt1"/>
+          </a:fontRef>
+        </p:style>
+        <p:txBody>
+          <a:bodyPr rtlCol="0" anchor="ctr"/>
+          <a:lstStyle/>
+          <a:p>
+            <a:pPr algn="ctr"/>
+            <a:endParaRPr kumimoji="1" lang="ja-JP" altLang="en-US"/>
+          </a:p>
+        </p:txBody>
+      </p:sp>
+      <p:sp>
+        <p:nvSpPr>
+          <p:cNvPr id="4" name="正方形/長方形 3">
+            <a:extLst>
+              <a:ext uri="{FF2B5EF4-FFF2-40B4-BE49-F238E27FC236}">
+                <a16:creationId xmlns:a16="http://schemas.microsoft.com/office/drawing/2014/main" id="{205838FC-94B2-E6C7-4385-2EA51857C454}"/>
+              </a:ext>
+            </a:extLst>
+          </p:cNvPr>
+          <p:cNvSpPr/>
+          <p:nvPr/>
+        </p:nvSpPr>
+        <p:spPr>
+          <a:xfrm>
+            <a:off x="10057512" y="5874328"/>
+            <a:ext cx="2134488" cy="665018"/>
+          </a:xfrm>
+          <a:prstGeom prst="rect">
+            <a:avLst/>
+          </a:prstGeom>
+          <a:solidFill>
+            <a:srgbClr val="FFFFE0"/>
+          </a:solidFill>
           <a:ln>
             <a:noFill/>
           </a:ln>
@@ -8056,10 +8350,10 @@
       </p:grpSpPr>
       <p:sp>
         <p:nvSpPr>
-          <p:cNvPr id="4" name="正方形/長方形 3">
-            <a:extLst>
-              <a:ext uri="{FF2B5EF4-FFF2-40B4-BE49-F238E27FC236}">
-                <a16:creationId xmlns:a16="http://schemas.microsoft.com/office/drawing/2014/main" id="{BAB044F6-595B-A213-8E1C-4BCCD096E6AE}"/>
+          <p:cNvPr id="10" name="正方形/長方形 9">
+            <a:extLst>
+              <a:ext uri="{FF2B5EF4-FFF2-40B4-BE49-F238E27FC236}">
+                <a16:creationId xmlns:a16="http://schemas.microsoft.com/office/drawing/2014/main" id="{B5E5B99F-3FCC-7859-6B1B-4F56598BC681}"/>
               </a:ext>
             </a:extLst>
           </p:cNvPr>
@@ -8068,12 +8362,67 @@
         </p:nvSpPr>
         <p:spPr>
           <a:xfrm>
-            <a:off x="10057512" y="5874328"/>
-            <a:ext cx="2134488" cy="665018"/>
+            <a:off x="0" y="0"/>
+            <a:ext cx="12192000" cy="6858000"/>
           </a:xfrm>
           <a:prstGeom prst="rect">
             <a:avLst/>
           </a:prstGeom>
+          <a:solidFill>
+            <a:srgbClr val="FFFFE0"/>
+          </a:solidFill>
+          <a:ln>
+            <a:noFill/>
+          </a:ln>
+        </p:spPr>
+        <p:style>
+          <a:lnRef idx="2">
+            <a:schemeClr val="accent1">
+              <a:shade val="15000"/>
+            </a:schemeClr>
+          </a:lnRef>
+          <a:fillRef idx="1">
+            <a:schemeClr val="accent1"/>
+          </a:fillRef>
+          <a:effectRef idx="0">
+            <a:schemeClr val="accent1"/>
+          </a:effectRef>
+          <a:fontRef idx="minor">
+            <a:schemeClr val="lt1"/>
+          </a:fontRef>
+        </p:style>
+        <p:txBody>
+          <a:bodyPr rtlCol="0" anchor="ctr"/>
+          <a:lstStyle/>
+          <a:p>
+            <a:pPr algn="ctr"/>
+            <a:endParaRPr kumimoji="1" lang="ja-JP" altLang="en-US"/>
+          </a:p>
+        </p:txBody>
+      </p:sp>
+      <p:sp>
+        <p:nvSpPr>
+          <p:cNvPr id="4" name="正方形/長方形 3">
+            <a:extLst>
+              <a:ext uri="{FF2B5EF4-FFF2-40B4-BE49-F238E27FC236}">
+                <a16:creationId xmlns:a16="http://schemas.microsoft.com/office/drawing/2014/main" id="{BAB044F6-595B-A213-8E1C-4BCCD096E6AE}"/>
+              </a:ext>
+            </a:extLst>
+          </p:cNvPr>
+          <p:cNvSpPr/>
+          <p:nvPr/>
+        </p:nvSpPr>
+        <p:spPr>
+          <a:xfrm>
+            <a:off x="10057512" y="5874328"/>
+            <a:ext cx="2134488" cy="665018"/>
+          </a:xfrm>
+          <a:prstGeom prst="rect">
+            <a:avLst/>
+          </a:prstGeom>
+          <a:solidFill>
+            <a:srgbClr val="FFFFE0"/>
+          </a:solidFill>
           <a:ln>
             <a:noFill/>
           </a:ln>
@@ -8098,7 +8447,7 @@
           <a:p>
             <a:pPr algn="ctr"/>
             <a:r>
-              <a:rPr kumimoji="1" lang="en-US" altLang="ja-JP" dirty="0">
+              <a:rPr kumimoji="1" lang="en-US" altLang="ja-JP">
                 <a:solidFill>
                   <a:schemeClr val="bg1">
                     <a:lumMod val="75000"/>
@@ -8135,7 +8484,7 @@
         </p:nvSpPr>
         <p:spPr>
           <a:xfrm>
-            <a:off x="4834128" y="491097"/>
+            <a:off x="4910622" y="464720"/>
             <a:ext cx="2182092" cy="1044143"/>
           </a:xfrm>
         </p:spPr>
@@ -8152,6 +8501,207 @@
               </a:rPr>
               <a:t>制作過程</a:t>
             </a:r>
+          </a:p>
+        </p:txBody>
+      </p:sp>
+      <p:pic>
+        <p:nvPicPr>
+          <p:cNvPr id="3" name="図 2" descr="ダイアグラム&#10;&#10;AI 生成コンテンツは誤りを含む可能性があります。">
+            <a:extLst>
+              <a:ext uri="{FF2B5EF4-FFF2-40B4-BE49-F238E27FC236}">
+                <a16:creationId xmlns:a16="http://schemas.microsoft.com/office/drawing/2014/main" id="{C22CF34B-3AEC-9F56-28D2-4644747EA914}"/>
+              </a:ext>
+            </a:extLst>
+          </p:cNvPr>
+          <p:cNvPicPr>
+            <a:picLocks noChangeAspect="1"/>
+          </p:cNvPicPr>
+          <p:nvPr/>
+        </p:nvPicPr>
+        <p:blipFill>
+          <a:blip r:embed="rId2">
+            <a:extLst>
+              <a:ext uri="{28A0092B-C50C-407E-A947-70E740481C1C}">
+                <a14:useLocalDpi xmlns:a14="http://schemas.microsoft.com/office/drawing/2010/main" val="0"/>
+              </a:ext>
+            </a:extLst>
+          </a:blip>
+          <a:stretch>
+            <a:fillRect/>
+          </a:stretch>
+        </p:blipFill>
+        <p:spPr>
+          <a:xfrm>
+            <a:off x="6251961" y="2656259"/>
+            <a:ext cx="4884979" cy="2769577"/>
+          </a:xfrm>
+          <a:prstGeom prst="rect">
+            <a:avLst/>
+          </a:prstGeom>
+        </p:spPr>
+      </p:pic>
+      <p:pic>
+        <p:nvPicPr>
+          <p:cNvPr id="7" name="図 6">
+            <a:extLst>
+              <a:ext uri="{FF2B5EF4-FFF2-40B4-BE49-F238E27FC236}">
+                <a16:creationId xmlns:a16="http://schemas.microsoft.com/office/drawing/2014/main" id="{4A10275E-D542-0E4B-8EAB-DBD7BD7BE559}"/>
+              </a:ext>
+            </a:extLst>
+          </p:cNvPr>
+          <p:cNvPicPr>
+            <a:picLocks noChangeAspect="1"/>
+          </p:cNvPicPr>
+          <p:nvPr/>
+        </p:nvPicPr>
+        <p:blipFill>
+          <a:blip r:embed="rId3">
+            <a:extLst>
+              <a:ext uri="{28A0092B-C50C-407E-A947-70E740481C1C}">
+                <a14:useLocalDpi xmlns:a14="http://schemas.microsoft.com/office/drawing/2010/main" val="0"/>
+              </a:ext>
+            </a:extLst>
+          </a:blip>
+          <a:stretch>
+            <a:fillRect/>
+          </a:stretch>
+        </p:blipFill>
+        <p:spPr>
+          <a:xfrm>
+            <a:off x="881548" y="2656259"/>
+            <a:ext cx="5130533" cy="2769577"/>
+          </a:xfrm>
+          <a:prstGeom prst="rect">
+            <a:avLst/>
+          </a:prstGeom>
+        </p:spPr>
+      </p:pic>
+      <p:sp>
+        <p:nvSpPr>
+          <p:cNvPr id="8" name="四角形: 角を丸くする 7">
+            <a:extLst>
+              <a:ext uri="{FF2B5EF4-FFF2-40B4-BE49-F238E27FC236}">
+                <a16:creationId xmlns:a16="http://schemas.microsoft.com/office/drawing/2014/main" id="{EFEB75FE-47EE-60DB-2E8A-36D2A1C7CB82}"/>
+              </a:ext>
+            </a:extLst>
+          </p:cNvPr>
+          <p:cNvSpPr/>
+          <p:nvPr/>
+        </p:nvSpPr>
+        <p:spPr>
+          <a:xfrm>
+            <a:off x="2137011" y="1900036"/>
+            <a:ext cx="2250831" cy="615462"/>
+          </a:xfrm>
+          <a:prstGeom prst="roundRect">
+            <a:avLst/>
+          </a:prstGeom>
+          <a:solidFill>
+            <a:srgbClr val="FFFFE0"/>
+          </a:solidFill>
+          <a:ln>
+            <a:noFill/>
+          </a:ln>
+        </p:spPr>
+        <p:style>
+          <a:lnRef idx="2">
+            <a:schemeClr val="accent1">
+              <a:shade val="15000"/>
+            </a:schemeClr>
+          </a:lnRef>
+          <a:fillRef idx="1">
+            <a:schemeClr val="accent1"/>
+          </a:fillRef>
+          <a:effectRef idx="0">
+            <a:schemeClr val="accent1"/>
+          </a:effectRef>
+          <a:fontRef idx="minor">
+            <a:schemeClr val="lt1"/>
+          </a:fontRef>
+        </p:style>
+        <p:txBody>
+          <a:bodyPr rtlCol="0" anchor="ctr"/>
+          <a:lstStyle/>
+          <a:p>
+            <a:pPr algn="ctr"/>
+            <a:r>
+              <a:rPr kumimoji="1" lang="ja-JP" altLang="en-US" b="1" dirty="0">
+                <a:solidFill>
+                  <a:schemeClr val="tx1"/>
+                </a:solidFill>
+                <a:latin typeface="BIZ UDPゴシック" panose="020B0400000000000000" pitchFamily="50" charset="-128"/>
+                <a:ea typeface="BIZ UDPゴシック" panose="020B0400000000000000" pitchFamily="50" charset="-128"/>
+              </a:rPr>
+              <a:t>スケジュール管理</a:t>
+            </a:r>
+          </a:p>
+        </p:txBody>
+      </p:sp>
+      <p:sp>
+        <p:nvSpPr>
+          <p:cNvPr id="9" name="四角形: 角を丸くする 8">
+            <a:extLst>
+              <a:ext uri="{FF2B5EF4-FFF2-40B4-BE49-F238E27FC236}">
+                <a16:creationId xmlns:a16="http://schemas.microsoft.com/office/drawing/2014/main" id="{66D2B006-F504-8A54-140E-6E1652FB8ADA}"/>
+              </a:ext>
+            </a:extLst>
+          </p:cNvPr>
+          <p:cNvSpPr/>
+          <p:nvPr/>
+        </p:nvSpPr>
+        <p:spPr>
+          <a:xfrm>
+            <a:off x="7464543" y="1900036"/>
+            <a:ext cx="2459813" cy="615462"/>
+          </a:xfrm>
+          <a:prstGeom prst="roundRect">
+            <a:avLst/>
+          </a:prstGeom>
+          <a:solidFill>
+            <a:srgbClr val="FFFFE0"/>
+          </a:solidFill>
+          <a:ln>
+            <a:noFill/>
+          </a:ln>
+        </p:spPr>
+        <p:style>
+          <a:lnRef idx="2">
+            <a:schemeClr val="accent1">
+              <a:shade val="15000"/>
+            </a:schemeClr>
+          </a:lnRef>
+          <a:fillRef idx="1">
+            <a:schemeClr val="accent1"/>
+          </a:fillRef>
+          <a:effectRef idx="0">
+            <a:schemeClr val="accent1"/>
+          </a:effectRef>
+          <a:fontRef idx="minor">
+            <a:schemeClr val="lt1"/>
+          </a:fontRef>
+        </p:style>
+        <p:txBody>
+          <a:bodyPr rtlCol="0" anchor="ctr"/>
+          <a:lstStyle/>
+          <a:p>
+            <a:pPr algn="ctr"/>
+            <a:r>
+              <a:rPr lang="ja-JP" altLang="en-US" b="1" dirty="0">
+                <a:solidFill>
+                  <a:schemeClr val="tx1"/>
+                </a:solidFill>
+                <a:latin typeface="BIZ UDPゴシック" panose="020B0400000000000000" pitchFamily="50" charset="-128"/>
+                <a:ea typeface="BIZ UDPゴシック" panose="020B0400000000000000" pitchFamily="50" charset="-128"/>
+              </a:rPr>
+              <a:t>アプリのイメージ図</a:t>
+            </a:r>
+            <a:endParaRPr kumimoji="1" lang="ja-JP" altLang="en-US" b="1" dirty="0">
+              <a:solidFill>
+                <a:schemeClr val="tx1"/>
+              </a:solidFill>
+              <a:latin typeface="BIZ UDPゴシック" panose="020B0400000000000000" pitchFamily="50" charset="-128"/>
+              <a:ea typeface="BIZ UDPゴシック" panose="020B0400000000000000" pitchFamily="50" charset="-128"/>
+            </a:endParaRPr>
           </a:p>
         </p:txBody>
       </p:sp>

--- a/発表準備/7月成果発表会.pptx
+++ b/発表準備/7月成果発表会.pptx
@@ -5,8 +5,8 @@
     <p:sldMasterId id="2147483648" r:id="rId1"/>
   </p:sldMasterIdLst>
   <p:sldIdLst>
-    <p:sldId id="256" r:id="rId2"/>
-    <p:sldId id="279" r:id="rId3"/>
+    <p:sldId id="279" r:id="rId2"/>
+    <p:sldId id="292" r:id="rId3"/>
     <p:sldId id="286" r:id="rId4"/>
     <p:sldId id="280" r:id="rId5"/>
     <p:sldId id="281" r:id="rId6"/>
@@ -3618,7 +3618,13 @@
   <p:cSld>
     <p:spTree>
       <p:nvGrpSpPr>
-        <p:cNvPr id="1" name=""/>
+        <p:cNvPr id="1" name="">
+          <a:extLst>
+            <a:ext uri="{FF2B5EF4-FFF2-40B4-BE49-F238E27FC236}">
+              <a16:creationId xmlns:a16="http://schemas.microsoft.com/office/drawing/2014/main" id="{9D52490B-6B06-E5F9-7BF5-BC9F08F95103}"/>
+            </a:ext>
+          </a:extLst>
+        </p:cNvPr>
         <p:cNvGrpSpPr/>
         <p:nvPr/>
       </p:nvGrpSpPr>
@@ -3632,104 +3638,10 @@
       </p:grpSpPr>
       <p:sp>
         <p:nvSpPr>
-          <p:cNvPr id="2" name="タイトル 1">
-            <a:extLst>
-              <a:ext uri="{FF2B5EF4-FFF2-40B4-BE49-F238E27FC236}">
-                <a16:creationId xmlns:a16="http://schemas.microsoft.com/office/drawing/2014/main" id="{AD816200-15D8-A571-2EAF-2C0C5214C3E6}"/>
-              </a:ext>
-            </a:extLst>
-          </p:cNvPr>
-          <p:cNvSpPr>
-            <a:spLocks noGrp="1"/>
-          </p:cNvSpPr>
-          <p:nvPr>
-            <p:ph type="ctrTitle"/>
-          </p:nvPr>
-        </p:nvSpPr>
-        <p:spPr>
-          <a:xfrm>
-            <a:off x="2946532" y="1580482"/>
-            <a:ext cx="5659315" cy="766763"/>
-          </a:xfrm>
-        </p:spPr>
-        <p:txBody>
-          <a:bodyPr>
-            <a:normAutofit/>
-          </a:bodyPr>
-          <a:lstStyle/>
-          <a:p>
-            <a:r>
-              <a:rPr kumimoji="1" lang="en-US" altLang="ja-JP" sz="4400" b="1" dirty="0">
-                <a:latin typeface="BIZ UDPゴシック" panose="020B0400000000000000" pitchFamily="50" charset="-128"/>
-                <a:ea typeface="BIZ UDPゴシック" panose="020B0400000000000000" pitchFamily="50" charset="-128"/>
-              </a:rPr>
-              <a:t>7</a:t>
-            </a:r>
-            <a:r>
-              <a:rPr kumimoji="1" lang="ja-JP" altLang="en-US" sz="4400" b="1" dirty="0">
-                <a:latin typeface="BIZ UDPゴシック" panose="020B0400000000000000" pitchFamily="50" charset="-128"/>
-                <a:ea typeface="BIZ UDPゴシック" panose="020B0400000000000000" pitchFamily="50" charset="-128"/>
-              </a:rPr>
-              <a:t>月成果発表会</a:t>
-            </a:r>
-          </a:p>
-        </p:txBody>
-      </p:sp>
-      <p:sp>
-        <p:nvSpPr>
-          <p:cNvPr id="3" name="字幕 2">
-            <a:extLst>
-              <a:ext uri="{FF2B5EF4-FFF2-40B4-BE49-F238E27FC236}">
-                <a16:creationId xmlns:a16="http://schemas.microsoft.com/office/drawing/2014/main" id="{B17D864C-C50A-9EDC-C9C4-38ADDB347D01}"/>
-              </a:ext>
-            </a:extLst>
-          </p:cNvPr>
-          <p:cNvSpPr>
-            <a:spLocks noGrp="1"/>
-          </p:cNvSpPr>
-          <p:nvPr>
-            <p:ph type="subTitle" idx="1"/>
-          </p:nvPr>
-        </p:nvSpPr>
-        <p:spPr>
-          <a:xfrm>
-            <a:off x="6919545" y="2716823"/>
-            <a:ext cx="4240823" cy="545123"/>
-          </a:xfrm>
-        </p:spPr>
-        <p:txBody>
-          <a:bodyPr>
-            <a:normAutofit/>
-          </a:bodyPr>
-          <a:lstStyle/>
-          <a:p>
-            <a:r>
-              <a:rPr kumimoji="1" lang="ja-JP" altLang="en-US" sz="2000" dirty="0">
-                <a:latin typeface="BIZ UDPゴシック" panose="020B0400000000000000" pitchFamily="50" charset="-128"/>
-                <a:ea typeface="BIZ UDPゴシック" panose="020B0400000000000000" pitchFamily="50" charset="-128"/>
-              </a:rPr>
-              <a:t>チーム名：</a:t>
-            </a:r>
-            <a:r>
-              <a:rPr kumimoji="1" lang="en-US" altLang="ja-JP" sz="2000" dirty="0" err="1">
-                <a:latin typeface="BIZ UDPゴシック" panose="020B0400000000000000" pitchFamily="50" charset="-128"/>
-                <a:ea typeface="BIZ UDPゴシック" panose="020B0400000000000000" pitchFamily="50" charset="-128"/>
-              </a:rPr>
-              <a:t>MoguMogu★Mix</a:t>
-            </a:r>
-            <a:endParaRPr kumimoji="1" lang="ja-JP" altLang="en-US" sz="2000" dirty="0">
-              <a:latin typeface="BIZ UDPゴシック" panose="020B0400000000000000" pitchFamily="50" charset="-128"/>
-              <a:ea typeface="BIZ UDPゴシック" panose="020B0400000000000000" pitchFamily="50" charset="-128"/>
-            </a:endParaRPr>
-          </a:p>
-        </p:txBody>
-      </p:sp>
-      <p:sp>
-        <p:nvSpPr>
-          <p:cNvPr id="4" name="正方形/長方形 3">
-            <a:extLst>
-              <a:ext uri="{FF2B5EF4-FFF2-40B4-BE49-F238E27FC236}">
-                <a16:creationId xmlns:a16="http://schemas.microsoft.com/office/drawing/2014/main" id="{516160DF-60B3-465F-C490-D2F374166EDB}"/>
+          <p:cNvPr id="3" name="正方形/長方形 2">
+            <a:extLst>
+              <a:ext uri="{FF2B5EF4-FFF2-40B4-BE49-F238E27FC236}">
+                <a16:creationId xmlns:a16="http://schemas.microsoft.com/office/drawing/2014/main" id="{DFDE4E48-EED5-7C1E-AF32-484F65CFECF6}"/>
               </a:ext>
             </a:extLst>
           </p:cNvPr>
@@ -3738,12 +3650,67 @@
         </p:nvSpPr>
         <p:spPr>
           <a:xfrm>
-            <a:off x="8370276" y="3261946"/>
-            <a:ext cx="2558559" cy="3351701"/>
+            <a:off x="0" y="0"/>
+            <a:ext cx="12192000" cy="6858000"/>
           </a:xfrm>
           <a:prstGeom prst="rect">
             <a:avLst/>
           </a:prstGeom>
+          <a:solidFill>
+            <a:srgbClr val="FFFFE0"/>
+          </a:solidFill>
+          <a:ln>
+            <a:noFill/>
+          </a:ln>
+        </p:spPr>
+        <p:style>
+          <a:lnRef idx="2">
+            <a:schemeClr val="accent1">
+              <a:shade val="15000"/>
+            </a:schemeClr>
+          </a:lnRef>
+          <a:fillRef idx="1">
+            <a:schemeClr val="accent1"/>
+          </a:fillRef>
+          <a:effectRef idx="0">
+            <a:schemeClr val="accent1"/>
+          </a:effectRef>
+          <a:fontRef idx="minor">
+            <a:schemeClr val="lt1"/>
+          </a:fontRef>
+        </p:style>
+        <p:txBody>
+          <a:bodyPr rtlCol="0" anchor="ctr"/>
+          <a:lstStyle/>
+          <a:p>
+            <a:pPr algn="ctr"/>
+            <a:endParaRPr kumimoji="1" lang="ja-JP" altLang="en-US"/>
+          </a:p>
+        </p:txBody>
+      </p:sp>
+      <p:sp>
+        <p:nvSpPr>
+          <p:cNvPr id="4" name="正方形/長方形 3">
+            <a:extLst>
+              <a:ext uri="{FF2B5EF4-FFF2-40B4-BE49-F238E27FC236}">
+                <a16:creationId xmlns:a16="http://schemas.microsoft.com/office/drawing/2014/main" id="{C65774D0-3536-68E2-5354-091F99CF73A5}"/>
+              </a:ext>
+            </a:extLst>
+          </p:cNvPr>
+          <p:cNvSpPr/>
+          <p:nvPr/>
+        </p:nvSpPr>
+        <p:spPr>
+          <a:xfrm>
+            <a:off x="10057512" y="5874328"/>
+            <a:ext cx="2134488" cy="665018"/>
+          </a:xfrm>
+          <a:prstGeom prst="rect">
+            <a:avLst/>
+          </a:prstGeom>
+          <a:solidFill>
+            <a:srgbClr val="FFFFE0"/>
+          </a:solidFill>
           <a:ln>
             <a:noFill/>
           </a:ln>
@@ -3766,6 +3733,334 @@
           <a:bodyPr rtlCol="0" anchor="ctr"/>
           <a:lstStyle/>
           <a:p>
+            <a:pPr algn="ctr"/>
+            <a:r>
+              <a:rPr kumimoji="1" lang="en-US" altLang="ja-JP" dirty="0">
+                <a:solidFill>
+                  <a:schemeClr val="bg1">
+                    <a:lumMod val="75000"/>
+                  </a:schemeClr>
+                </a:solidFill>
+              </a:rPr>
+              <a:t>2025.7.31</a:t>
+            </a:r>
+            <a:endParaRPr kumimoji="1" lang="ja-JP" altLang="en-US" dirty="0">
+              <a:solidFill>
+                <a:schemeClr val="bg1">
+                  <a:lumMod val="75000"/>
+                </a:schemeClr>
+              </a:solidFill>
+            </a:endParaRPr>
+          </a:p>
+        </p:txBody>
+      </p:sp>
+      <p:sp>
+        <p:nvSpPr>
+          <p:cNvPr id="5" name="タイトル 4">
+            <a:extLst>
+              <a:ext uri="{FF2B5EF4-FFF2-40B4-BE49-F238E27FC236}">
+                <a16:creationId xmlns:a16="http://schemas.microsoft.com/office/drawing/2014/main" id="{4F481016-EC6E-341A-1A8F-F03975AC42DE}"/>
+              </a:ext>
+            </a:extLst>
+          </p:cNvPr>
+          <p:cNvSpPr>
+            <a:spLocks noGrp="1"/>
+          </p:cNvSpPr>
+          <p:nvPr>
+            <p:ph type="title"/>
+          </p:nvPr>
+        </p:nvSpPr>
+        <p:spPr>
+          <a:xfrm>
+            <a:off x="3270740" y="1021204"/>
+            <a:ext cx="5099538" cy="1354551"/>
+          </a:xfrm>
+        </p:spPr>
+        <p:txBody>
+          <a:bodyPr>
+            <a:normAutofit/>
+          </a:bodyPr>
+          <a:lstStyle/>
+          <a:p>
+            <a:pPr algn="ctr"/>
+            <a:r>
+              <a:rPr lang="en-US" altLang="ja-JP" sz="3600" b="1" dirty="0">
+                <a:latin typeface="BIZ UDPゴシック" panose="020B0400000000000000" pitchFamily="50" charset="-128"/>
+                <a:ea typeface="BIZ UDPゴシック" panose="020B0400000000000000" pitchFamily="50" charset="-128"/>
+              </a:rPr>
+              <a:t>7</a:t>
+            </a:r>
+            <a:r>
+              <a:rPr lang="ja-JP" altLang="en-US" sz="3600" b="1" dirty="0">
+                <a:latin typeface="BIZ UDPゴシック" panose="020B0400000000000000" pitchFamily="50" charset="-128"/>
+                <a:ea typeface="BIZ UDPゴシック" panose="020B0400000000000000" pitchFamily="50" charset="-128"/>
+              </a:rPr>
+              <a:t>月成果発表会</a:t>
+            </a:r>
+          </a:p>
+        </p:txBody>
+      </p:sp>
+      <p:sp>
+        <p:nvSpPr>
+          <p:cNvPr id="6" name="字幕 2">
+            <a:extLst>
+              <a:ext uri="{FF2B5EF4-FFF2-40B4-BE49-F238E27FC236}">
+                <a16:creationId xmlns:a16="http://schemas.microsoft.com/office/drawing/2014/main" id="{B17D864C-C50A-9EDC-C9C4-38ADDB347D01}"/>
+              </a:ext>
+            </a:extLst>
+          </p:cNvPr>
+          <p:cNvSpPr txBox="1">
+            <a:spLocks/>
+          </p:cNvSpPr>
+          <p:nvPr/>
+        </p:nvSpPr>
+        <p:spPr>
+          <a:xfrm>
+            <a:off x="6945921" y="2375755"/>
+            <a:ext cx="4240823" cy="545123"/>
+          </a:xfrm>
+          <a:prstGeom prst="rect">
+            <a:avLst/>
+          </a:prstGeom>
+        </p:spPr>
+        <p:txBody>
+          <a:bodyPr vert="horz" lIns="91440" tIns="45720" rIns="91440" bIns="45720" rtlCol="0">
+            <a:normAutofit/>
+          </a:bodyPr>
+          <a:lstStyle>
+            <a:lvl1pPr marL="228600" indent="-228600" algn="l" defTabSz="914400" rtl="0" eaLnBrk="1" latinLnBrk="0" hangingPunct="1">
+              <a:lnSpc>
+                <a:spcPct val="90000"/>
+              </a:lnSpc>
+              <a:spcBef>
+                <a:spcPts val="1000"/>
+              </a:spcBef>
+              <a:buFont typeface="Arial" panose="020B0604020202020204" pitchFamily="34" charset="0"/>
+              <a:buChar char="•"/>
+              <a:defRPr kumimoji="1" sz="2800" kern="1200">
+                <a:solidFill>
+                  <a:schemeClr val="tx1"/>
+                </a:solidFill>
+                <a:latin typeface="+mn-lt"/>
+                <a:ea typeface="+mn-ea"/>
+                <a:cs typeface="+mn-cs"/>
+              </a:defRPr>
+            </a:lvl1pPr>
+            <a:lvl2pPr marL="685800" indent="-228600" algn="l" defTabSz="914400" rtl="0" eaLnBrk="1" latinLnBrk="0" hangingPunct="1">
+              <a:lnSpc>
+                <a:spcPct val="90000"/>
+              </a:lnSpc>
+              <a:spcBef>
+                <a:spcPts val="500"/>
+              </a:spcBef>
+              <a:buFont typeface="Arial" panose="020B0604020202020204" pitchFamily="34" charset="0"/>
+              <a:buChar char="•"/>
+              <a:defRPr kumimoji="1" sz="2400" kern="1200">
+                <a:solidFill>
+                  <a:schemeClr val="tx1"/>
+                </a:solidFill>
+                <a:latin typeface="+mn-lt"/>
+                <a:ea typeface="+mn-ea"/>
+                <a:cs typeface="+mn-cs"/>
+              </a:defRPr>
+            </a:lvl2pPr>
+            <a:lvl3pPr marL="1143000" indent="-228600" algn="l" defTabSz="914400" rtl="0" eaLnBrk="1" latinLnBrk="0" hangingPunct="1">
+              <a:lnSpc>
+                <a:spcPct val="90000"/>
+              </a:lnSpc>
+              <a:spcBef>
+                <a:spcPts val="500"/>
+              </a:spcBef>
+              <a:buFont typeface="Arial" panose="020B0604020202020204" pitchFamily="34" charset="0"/>
+              <a:buChar char="•"/>
+              <a:defRPr kumimoji="1" sz="2000" kern="1200">
+                <a:solidFill>
+                  <a:schemeClr val="tx1"/>
+                </a:solidFill>
+                <a:latin typeface="+mn-lt"/>
+                <a:ea typeface="+mn-ea"/>
+                <a:cs typeface="+mn-cs"/>
+              </a:defRPr>
+            </a:lvl3pPr>
+            <a:lvl4pPr marL="1600200" indent="-228600" algn="l" defTabSz="914400" rtl="0" eaLnBrk="1" latinLnBrk="0" hangingPunct="1">
+              <a:lnSpc>
+                <a:spcPct val="90000"/>
+              </a:lnSpc>
+              <a:spcBef>
+                <a:spcPts val="500"/>
+              </a:spcBef>
+              <a:buFont typeface="Arial" panose="020B0604020202020204" pitchFamily="34" charset="0"/>
+              <a:buChar char="•"/>
+              <a:defRPr kumimoji="1" sz="1800" kern="1200">
+                <a:solidFill>
+                  <a:schemeClr val="tx1"/>
+                </a:solidFill>
+                <a:latin typeface="+mn-lt"/>
+                <a:ea typeface="+mn-ea"/>
+                <a:cs typeface="+mn-cs"/>
+              </a:defRPr>
+            </a:lvl4pPr>
+            <a:lvl5pPr marL="2057400" indent="-228600" algn="l" defTabSz="914400" rtl="0" eaLnBrk="1" latinLnBrk="0" hangingPunct="1">
+              <a:lnSpc>
+                <a:spcPct val="90000"/>
+              </a:lnSpc>
+              <a:spcBef>
+                <a:spcPts val="500"/>
+              </a:spcBef>
+              <a:buFont typeface="Arial" panose="020B0604020202020204" pitchFamily="34" charset="0"/>
+              <a:buChar char="•"/>
+              <a:defRPr kumimoji="1" sz="1800" kern="1200">
+                <a:solidFill>
+                  <a:schemeClr val="tx1"/>
+                </a:solidFill>
+                <a:latin typeface="+mn-lt"/>
+                <a:ea typeface="+mn-ea"/>
+                <a:cs typeface="+mn-cs"/>
+              </a:defRPr>
+            </a:lvl5pPr>
+            <a:lvl6pPr marL="2514600" indent="-228600" algn="l" defTabSz="914400" rtl="0" eaLnBrk="1" latinLnBrk="0" hangingPunct="1">
+              <a:lnSpc>
+                <a:spcPct val="90000"/>
+              </a:lnSpc>
+              <a:spcBef>
+                <a:spcPts val="500"/>
+              </a:spcBef>
+              <a:buFont typeface="Arial" panose="020B0604020202020204" pitchFamily="34" charset="0"/>
+              <a:buChar char="•"/>
+              <a:defRPr kumimoji="1" sz="1800" kern="1200">
+                <a:solidFill>
+                  <a:schemeClr val="tx1"/>
+                </a:solidFill>
+                <a:latin typeface="+mn-lt"/>
+                <a:ea typeface="+mn-ea"/>
+                <a:cs typeface="+mn-cs"/>
+              </a:defRPr>
+            </a:lvl6pPr>
+            <a:lvl7pPr marL="2971800" indent="-228600" algn="l" defTabSz="914400" rtl="0" eaLnBrk="1" latinLnBrk="0" hangingPunct="1">
+              <a:lnSpc>
+                <a:spcPct val="90000"/>
+              </a:lnSpc>
+              <a:spcBef>
+                <a:spcPts val="500"/>
+              </a:spcBef>
+              <a:buFont typeface="Arial" panose="020B0604020202020204" pitchFamily="34" charset="0"/>
+              <a:buChar char="•"/>
+              <a:defRPr kumimoji="1" sz="1800" kern="1200">
+                <a:solidFill>
+                  <a:schemeClr val="tx1"/>
+                </a:solidFill>
+                <a:latin typeface="+mn-lt"/>
+                <a:ea typeface="+mn-ea"/>
+                <a:cs typeface="+mn-cs"/>
+              </a:defRPr>
+            </a:lvl7pPr>
+            <a:lvl8pPr marL="3429000" indent="-228600" algn="l" defTabSz="914400" rtl="0" eaLnBrk="1" latinLnBrk="0" hangingPunct="1">
+              <a:lnSpc>
+                <a:spcPct val="90000"/>
+              </a:lnSpc>
+              <a:spcBef>
+                <a:spcPts val="500"/>
+              </a:spcBef>
+              <a:buFont typeface="Arial" panose="020B0604020202020204" pitchFamily="34" charset="0"/>
+              <a:buChar char="•"/>
+              <a:defRPr kumimoji="1" sz="1800" kern="1200">
+                <a:solidFill>
+                  <a:schemeClr val="tx1"/>
+                </a:solidFill>
+                <a:latin typeface="+mn-lt"/>
+                <a:ea typeface="+mn-ea"/>
+                <a:cs typeface="+mn-cs"/>
+              </a:defRPr>
+            </a:lvl8pPr>
+            <a:lvl9pPr marL="3886200" indent="-228600" algn="l" defTabSz="914400" rtl="0" eaLnBrk="1" latinLnBrk="0" hangingPunct="1">
+              <a:lnSpc>
+                <a:spcPct val="90000"/>
+              </a:lnSpc>
+              <a:spcBef>
+                <a:spcPts val="500"/>
+              </a:spcBef>
+              <a:buFont typeface="Arial" panose="020B0604020202020204" pitchFamily="34" charset="0"/>
+              <a:buChar char="•"/>
+              <a:defRPr kumimoji="1" sz="1800" kern="1200">
+                <a:solidFill>
+                  <a:schemeClr val="tx1"/>
+                </a:solidFill>
+                <a:latin typeface="+mn-lt"/>
+                <a:ea typeface="+mn-ea"/>
+                <a:cs typeface="+mn-cs"/>
+              </a:defRPr>
+            </a:lvl9pPr>
+          </a:lstStyle>
+          <a:p>
+            <a:pPr marL="0" indent="0">
+              <a:buNone/>
+            </a:pPr>
+            <a:r>
+              <a:rPr lang="ja-JP" altLang="en-US" sz="2000" dirty="0">
+                <a:latin typeface="BIZ UDPゴシック" panose="020B0400000000000000" pitchFamily="50" charset="-128"/>
+                <a:ea typeface="BIZ UDPゴシック" panose="020B0400000000000000" pitchFamily="50" charset="-128"/>
+              </a:rPr>
+              <a:t>チーム名：</a:t>
+            </a:r>
+            <a:r>
+              <a:rPr lang="en-US" altLang="ja-JP" sz="2000" dirty="0" err="1">
+                <a:latin typeface="BIZ UDPゴシック" panose="020B0400000000000000" pitchFamily="50" charset="-128"/>
+                <a:ea typeface="BIZ UDPゴシック" panose="020B0400000000000000" pitchFamily="50" charset="-128"/>
+              </a:rPr>
+              <a:t>MoguMogu★Mix</a:t>
+            </a:r>
+            <a:endParaRPr lang="ja-JP" altLang="en-US" sz="2000" dirty="0">
+              <a:latin typeface="BIZ UDPゴシック" panose="020B0400000000000000" pitchFamily="50" charset="-128"/>
+              <a:ea typeface="BIZ UDPゴシック" panose="020B0400000000000000" pitchFamily="50" charset="-128"/>
+            </a:endParaRPr>
+          </a:p>
+        </p:txBody>
+      </p:sp>
+      <p:sp>
+        <p:nvSpPr>
+          <p:cNvPr id="7" name="正方形/長方形 6">
+            <a:extLst>
+              <a:ext uri="{FF2B5EF4-FFF2-40B4-BE49-F238E27FC236}">
+                <a16:creationId xmlns:a16="http://schemas.microsoft.com/office/drawing/2014/main" id="{DFFA3D33-2C10-0D25-AAA3-F45FD294193B}"/>
+              </a:ext>
+            </a:extLst>
+          </p:cNvPr>
+          <p:cNvSpPr/>
+          <p:nvPr/>
+        </p:nvSpPr>
+        <p:spPr>
+          <a:xfrm>
+            <a:off x="8062546" y="2882961"/>
+            <a:ext cx="2558559" cy="3351701"/>
+          </a:xfrm>
+          <a:prstGeom prst="rect">
+            <a:avLst/>
+          </a:prstGeom>
+          <a:solidFill>
+            <a:srgbClr val="FFFFE0"/>
+          </a:solidFill>
+          <a:ln>
+            <a:noFill/>
+          </a:ln>
+        </p:spPr>
+        <p:style>
+          <a:lnRef idx="2">
+            <a:schemeClr val="accent6"/>
+          </a:lnRef>
+          <a:fillRef idx="1">
+            <a:schemeClr val="lt1"/>
+          </a:fillRef>
+          <a:effectRef idx="0">
+            <a:schemeClr val="accent6"/>
+          </a:effectRef>
+          <a:fontRef idx="minor">
+            <a:schemeClr val="dk1"/>
+          </a:fontRef>
+        </p:style>
+        <p:txBody>
+          <a:bodyPr rtlCol="0" anchor="ctr"/>
+          <a:lstStyle/>
+          <a:p>
             <a:r>
               <a:rPr kumimoji="1" lang="ja-JP" altLang="en-US" dirty="0">
                 <a:latin typeface="BIZ UDPゴシック" panose="020B0400000000000000" pitchFamily="50" charset="-128"/>
@@ -3885,7 +4180,7 @@
     </p:spTree>
     <p:extLst>
       <p:ext uri="{BB962C8B-B14F-4D97-AF65-F5344CB8AC3E}">
-        <p14:creationId xmlns:p14="http://schemas.microsoft.com/office/powerpoint/2010/main" val="1949204488"/>
+        <p14:creationId xmlns:p14="http://schemas.microsoft.com/office/powerpoint/2010/main" val="11926158"/>
       </p:ext>
     </p:extLst>
   </p:cSld>
@@ -4311,6 +4606,58 @@
       </p:grpSpPr>
       <p:sp>
         <p:nvSpPr>
+          <p:cNvPr id="6" name="正方形/長方形 5">
+            <a:extLst>
+              <a:ext uri="{FF2B5EF4-FFF2-40B4-BE49-F238E27FC236}">
+                <a16:creationId xmlns:a16="http://schemas.microsoft.com/office/drawing/2014/main" id="{DD42687D-DDDC-15C6-3C5D-DC7D99F64E26}"/>
+              </a:ext>
+            </a:extLst>
+          </p:cNvPr>
+          <p:cNvSpPr/>
+          <p:nvPr/>
+        </p:nvSpPr>
+        <p:spPr>
+          <a:xfrm>
+            <a:off x="0" y="0"/>
+            <a:ext cx="12192000" cy="6858000"/>
+          </a:xfrm>
+          <a:prstGeom prst="rect">
+            <a:avLst/>
+          </a:prstGeom>
+          <a:solidFill>
+            <a:srgbClr val="FFFFE0"/>
+          </a:solidFill>
+          <a:ln>
+            <a:noFill/>
+          </a:ln>
+        </p:spPr>
+        <p:style>
+          <a:lnRef idx="2">
+            <a:schemeClr val="accent1">
+              <a:shade val="15000"/>
+            </a:schemeClr>
+          </a:lnRef>
+          <a:fillRef idx="1">
+            <a:schemeClr val="accent1"/>
+          </a:fillRef>
+          <a:effectRef idx="0">
+            <a:schemeClr val="accent1"/>
+          </a:effectRef>
+          <a:fontRef idx="minor">
+            <a:schemeClr val="lt1"/>
+          </a:fontRef>
+        </p:style>
+        <p:txBody>
+          <a:bodyPr rtlCol="0" anchor="ctr"/>
+          <a:lstStyle/>
+          <a:p>
+            <a:pPr algn="ctr"/>
+            <a:endParaRPr kumimoji="1" lang="ja-JP" altLang="en-US"/>
+          </a:p>
+        </p:txBody>
+      </p:sp>
+      <p:sp>
+        <p:nvSpPr>
           <p:cNvPr id="2" name="タイトル 1">
             <a:extLst>
               <a:ext uri="{FF2B5EF4-FFF2-40B4-BE49-F238E27FC236}">
@@ -4526,6 +4873,9 @@
           <a:prstGeom prst="rect">
             <a:avLst/>
           </a:prstGeom>
+          <a:solidFill>
+            <a:srgbClr val="FFFFE0"/>
+          </a:solidFill>
           <a:ln>
             <a:noFill/>
           </a:ln>
@@ -4656,6 +5006,58 @@
       </p:grpSpPr>
       <p:sp>
         <p:nvSpPr>
+          <p:cNvPr id="6" name="正方形/長方形 5">
+            <a:extLst>
+              <a:ext uri="{FF2B5EF4-FFF2-40B4-BE49-F238E27FC236}">
+                <a16:creationId xmlns:a16="http://schemas.microsoft.com/office/drawing/2014/main" id="{44CCD42A-1D81-2004-A346-CF140C461DBB}"/>
+              </a:ext>
+            </a:extLst>
+          </p:cNvPr>
+          <p:cNvSpPr/>
+          <p:nvPr/>
+        </p:nvSpPr>
+        <p:spPr>
+          <a:xfrm>
+            <a:off x="0" y="0"/>
+            <a:ext cx="12192000" cy="6858000"/>
+          </a:xfrm>
+          <a:prstGeom prst="rect">
+            <a:avLst/>
+          </a:prstGeom>
+          <a:solidFill>
+            <a:srgbClr val="FFFFE0"/>
+          </a:solidFill>
+          <a:ln>
+            <a:noFill/>
+          </a:ln>
+        </p:spPr>
+        <p:style>
+          <a:lnRef idx="2">
+            <a:schemeClr val="accent1">
+              <a:shade val="15000"/>
+            </a:schemeClr>
+          </a:lnRef>
+          <a:fillRef idx="1">
+            <a:schemeClr val="accent1"/>
+          </a:fillRef>
+          <a:effectRef idx="0">
+            <a:schemeClr val="accent1"/>
+          </a:effectRef>
+          <a:fontRef idx="minor">
+            <a:schemeClr val="lt1"/>
+          </a:fontRef>
+        </p:style>
+        <p:txBody>
+          <a:bodyPr rtlCol="0" anchor="ctr"/>
+          <a:lstStyle/>
+          <a:p>
+            <a:pPr algn="ctr"/>
+            <a:endParaRPr kumimoji="1" lang="ja-JP" altLang="en-US"/>
+          </a:p>
+        </p:txBody>
+      </p:sp>
+      <p:sp>
+        <p:nvSpPr>
           <p:cNvPr id="2" name="タイトル 1">
             <a:extLst>
               <a:ext uri="{FF2B5EF4-FFF2-40B4-BE49-F238E27FC236}">
@@ -4864,6 +5266,9 @@
           <a:prstGeom prst="rect">
             <a:avLst/>
           </a:prstGeom>
+          <a:solidFill>
+            <a:srgbClr val="FFFFE0"/>
+          </a:solidFill>
           <a:ln>
             <a:noFill/>
           </a:ln>
@@ -4994,6 +5399,58 @@
       </p:grpSpPr>
       <p:sp>
         <p:nvSpPr>
+          <p:cNvPr id="6" name="正方形/長方形 5">
+            <a:extLst>
+              <a:ext uri="{FF2B5EF4-FFF2-40B4-BE49-F238E27FC236}">
+                <a16:creationId xmlns:a16="http://schemas.microsoft.com/office/drawing/2014/main" id="{1A14DD6D-2AAD-3C4F-5DF3-B22134826FEB}"/>
+              </a:ext>
+            </a:extLst>
+          </p:cNvPr>
+          <p:cNvSpPr/>
+          <p:nvPr/>
+        </p:nvSpPr>
+        <p:spPr>
+          <a:xfrm>
+            <a:off x="0" y="0"/>
+            <a:ext cx="12192000" cy="6858000"/>
+          </a:xfrm>
+          <a:prstGeom prst="rect">
+            <a:avLst/>
+          </a:prstGeom>
+          <a:solidFill>
+            <a:srgbClr val="FFFFE0"/>
+          </a:solidFill>
+          <a:ln>
+            <a:noFill/>
+          </a:ln>
+        </p:spPr>
+        <p:style>
+          <a:lnRef idx="2">
+            <a:schemeClr val="accent1">
+              <a:shade val="15000"/>
+            </a:schemeClr>
+          </a:lnRef>
+          <a:fillRef idx="1">
+            <a:schemeClr val="accent1"/>
+          </a:fillRef>
+          <a:effectRef idx="0">
+            <a:schemeClr val="accent1"/>
+          </a:effectRef>
+          <a:fontRef idx="minor">
+            <a:schemeClr val="lt1"/>
+          </a:fontRef>
+        </p:style>
+        <p:txBody>
+          <a:bodyPr rtlCol="0" anchor="ctr"/>
+          <a:lstStyle/>
+          <a:p>
+            <a:pPr algn="ctr"/>
+            <a:endParaRPr kumimoji="1" lang="ja-JP" altLang="en-US"/>
+          </a:p>
+        </p:txBody>
+      </p:sp>
+      <p:sp>
+        <p:nvSpPr>
           <p:cNvPr id="2" name="タイトル 1">
             <a:extLst>
               <a:ext uri="{FF2B5EF4-FFF2-40B4-BE49-F238E27FC236}">
@@ -5180,6 +5637,9 @@
           <a:prstGeom prst="rect">
             <a:avLst/>
           </a:prstGeom>
+          <a:solidFill>
+            <a:srgbClr val="FFFFE0"/>
+          </a:solidFill>
           <a:ln>
             <a:noFill/>
           </a:ln>
@@ -5310,6 +5770,58 @@
       </p:grpSpPr>
       <p:sp>
         <p:nvSpPr>
+          <p:cNvPr id="6" name="正方形/長方形 5">
+            <a:extLst>
+              <a:ext uri="{FF2B5EF4-FFF2-40B4-BE49-F238E27FC236}">
+                <a16:creationId xmlns:a16="http://schemas.microsoft.com/office/drawing/2014/main" id="{4DAEB5AB-F616-7299-B1E7-E4EA717C6C65}"/>
+              </a:ext>
+            </a:extLst>
+          </p:cNvPr>
+          <p:cNvSpPr/>
+          <p:nvPr/>
+        </p:nvSpPr>
+        <p:spPr>
+          <a:xfrm>
+            <a:off x="0" y="0"/>
+            <a:ext cx="12192000" cy="6858000"/>
+          </a:xfrm>
+          <a:prstGeom prst="rect">
+            <a:avLst/>
+          </a:prstGeom>
+          <a:solidFill>
+            <a:srgbClr val="FFFFE0"/>
+          </a:solidFill>
+          <a:ln>
+            <a:noFill/>
+          </a:ln>
+        </p:spPr>
+        <p:style>
+          <a:lnRef idx="2">
+            <a:schemeClr val="accent1">
+              <a:shade val="15000"/>
+            </a:schemeClr>
+          </a:lnRef>
+          <a:fillRef idx="1">
+            <a:schemeClr val="accent1"/>
+          </a:fillRef>
+          <a:effectRef idx="0">
+            <a:schemeClr val="accent1"/>
+          </a:effectRef>
+          <a:fontRef idx="minor">
+            <a:schemeClr val="lt1"/>
+          </a:fontRef>
+        </p:style>
+        <p:txBody>
+          <a:bodyPr rtlCol="0" anchor="ctr"/>
+          <a:lstStyle/>
+          <a:p>
+            <a:pPr algn="ctr"/>
+            <a:endParaRPr kumimoji="1" lang="ja-JP" altLang="en-US"/>
+          </a:p>
+        </p:txBody>
+      </p:sp>
+      <p:sp>
+        <p:nvSpPr>
           <p:cNvPr id="2" name="タイトル 1">
             <a:extLst>
               <a:ext uri="{FF2B5EF4-FFF2-40B4-BE49-F238E27FC236}">
@@ -5518,6 +6030,9 @@
           <a:prstGeom prst="rect">
             <a:avLst/>
           </a:prstGeom>
+          <a:solidFill>
+            <a:srgbClr val="FFFFE0"/>
+          </a:solidFill>
           <a:ln>
             <a:noFill/>
           </a:ln>
@@ -5648,6 +6163,58 @@
       </p:grpSpPr>
       <p:sp>
         <p:nvSpPr>
+          <p:cNvPr id="6" name="正方形/長方形 5">
+            <a:extLst>
+              <a:ext uri="{FF2B5EF4-FFF2-40B4-BE49-F238E27FC236}">
+                <a16:creationId xmlns:a16="http://schemas.microsoft.com/office/drawing/2014/main" id="{3108D6DA-C6DE-9D69-5940-14BD74E8795F}"/>
+              </a:ext>
+            </a:extLst>
+          </p:cNvPr>
+          <p:cNvSpPr/>
+          <p:nvPr/>
+        </p:nvSpPr>
+        <p:spPr>
+          <a:xfrm>
+            <a:off x="0" y="0"/>
+            <a:ext cx="12192000" cy="6858000"/>
+          </a:xfrm>
+          <a:prstGeom prst="rect">
+            <a:avLst/>
+          </a:prstGeom>
+          <a:solidFill>
+            <a:srgbClr val="FFFFE0"/>
+          </a:solidFill>
+          <a:ln>
+            <a:noFill/>
+          </a:ln>
+        </p:spPr>
+        <p:style>
+          <a:lnRef idx="2">
+            <a:schemeClr val="accent1">
+              <a:shade val="15000"/>
+            </a:schemeClr>
+          </a:lnRef>
+          <a:fillRef idx="1">
+            <a:schemeClr val="accent1"/>
+          </a:fillRef>
+          <a:effectRef idx="0">
+            <a:schemeClr val="accent1"/>
+          </a:effectRef>
+          <a:fontRef idx="minor">
+            <a:schemeClr val="lt1"/>
+          </a:fontRef>
+        </p:style>
+        <p:txBody>
+          <a:bodyPr rtlCol="0" anchor="ctr"/>
+          <a:lstStyle/>
+          <a:p>
+            <a:pPr algn="ctr"/>
+            <a:endParaRPr kumimoji="1" lang="ja-JP" altLang="en-US"/>
+          </a:p>
+        </p:txBody>
+      </p:sp>
+      <p:sp>
+        <p:nvSpPr>
           <p:cNvPr id="2" name="タイトル 1">
             <a:extLst>
               <a:ext uri="{FF2B5EF4-FFF2-40B4-BE49-F238E27FC236}">
@@ -5845,6 +6412,9 @@
           <a:prstGeom prst="rect">
             <a:avLst/>
           </a:prstGeom>
+          <a:solidFill>
+            <a:srgbClr val="FFFFE0"/>
+          </a:solidFill>
           <a:ln>
             <a:noFill/>
           </a:ln>
@@ -5975,6 +6545,58 @@
       </p:grpSpPr>
       <p:sp>
         <p:nvSpPr>
+          <p:cNvPr id="3" name="正方形/長方形 2">
+            <a:extLst>
+              <a:ext uri="{FF2B5EF4-FFF2-40B4-BE49-F238E27FC236}">
+                <a16:creationId xmlns:a16="http://schemas.microsoft.com/office/drawing/2014/main" id="{F9306798-2B9B-C90E-F7D4-3A00E9E5A4FA}"/>
+              </a:ext>
+            </a:extLst>
+          </p:cNvPr>
+          <p:cNvSpPr/>
+          <p:nvPr/>
+        </p:nvSpPr>
+        <p:spPr>
+          <a:xfrm>
+            <a:off x="0" y="0"/>
+            <a:ext cx="12192000" cy="6858000"/>
+          </a:xfrm>
+          <a:prstGeom prst="rect">
+            <a:avLst/>
+          </a:prstGeom>
+          <a:solidFill>
+            <a:srgbClr val="FFFFE0"/>
+          </a:solidFill>
+          <a:ln>
+            <a:noFill/>
+          </a:ln>
+        </p:spPr>
+        <p:style>
+          <a:lnRef idx="2">
+            <a:schemeClr val="accent1">
+              <a:shade val="15000"/>
+            </a:schemeClr>
+          </a:lnRef>
+          <a:fillRef idx="1">
+            <a:schemeClr val="accent1"/>
+          </a:fillRef>
+          <a:effectRef idx="0">
+            <a:schemeClr val="accent1"/>
+          </a:effectRef>
+          <a:fontRef idx="minor">
+            <a:schemeClr val="lt1"/>
+          </a:fontRef>
+        </p:style>
+        <p:txBody>
+          <a:bodyPr rtlCol="0" anchor="ctr"/>
+          <a:lstStyle/>
+          <a:p>
+            <a:pPr algn="ctr"/>
+            <a:endParaRPr kumimoji="1" lang="ja-JP" altLang="en-US"/>
+          </a:p>
+        </p:txBody>
+      </p:sp>
+      <p:sp>
+        <p:nvSpPr>
           <p:cNvPr id="2" name="タイトル 1">
             <a:extLst>
               <a:ext uri="{FF2B5EF4-FFF2-40B4-BE49-F238E27FC236}">
@@ -6031,6 +6653,9 @@
           <a:prstGeom prst="rect">
             <a:avLst/>
           </a:prstGeom>
+          <a:solidFill>
+            <a:srgbClr val="FFFFE0"/>
+          </a:solidFill>
           <a:ln>
             <a:noFill/>
           </a:ln>
@@ -6266,10 +6891,10 @@
       </p:grpSpPr>
       <p:sp>
         <p:nvSpPr>
-          <p:cNvPr id="4" name="正方形/長方形 3">
-            <a:extLst>
-              <a:ext uri="{FF2B5EF4-FFF2-40B4-BE49-F238E27FC236}">
-                <a16:creationId xmlns:a16="http://schemas.microsoft.com/office/drawing/2014/main" id="{90711750-0E4B-FA23-3B6E-DC5F8ADC1312}"/>
+          <p:cNvPr id="2" name="正方形/長方形 1">
+            <a:extLst>
+              <a:ext uri="{FF2B5EF4-FFF2-40B4-BE49-F238E27FC236}">
+                <a16:creationId xmlns:a16="http://schemas.microsoft.com/office/drawing/2014/main" id="{4893F8C4-0C39-137F-64F7-34E9F62F5E00}"/>
               </a:ext>
             </a:extLst>
           </p:cNvPr>
@@ -6278,12 +6903,67 @@
         </p:nvSpPr>
         <p:spPr>
           <a:xfrm>
-            <a:off x="10057512" y="5874328"/>
-            <a:ext cx="2134488" cy="665018"/>
+            <a:off x="0" y="0"/>
+            <a:ext cx="12192000" cy="6858000"/>
           </a:xfrm>
           <a:prstGeom prst="rect">
             <a:avLst/>
           </a:prstGeom>
+          <a:solidFill>
+            <a:srgbClr val="FFFFE0"/>
+          </a:solidFill>
+          <a:ln>
+            <a:noFill/>
+          </a:ln>
+        </p:spPr>
+        <p:style>
+          <a:lnRef idx="2">
+            <a:schemeClr val="accent1">
+              <a:shade val="15000"/>
+            </a:schemeClr>
+          </a:lnRef>
+          <a:fillRef idx="1">
+            <a:schemeClr val="accent1"/>
+          </a:fillRef>
+          <a:effectRef idx="0">
+            <a:schemeClr val="accent1"/>
+          </a:effectRef>
+          <a:fontRef idx="minor">
+            <a:schemeClr val="lt1"/>
+          </a:fontRef>
+        </p:style>
+        <p:txBody>
+          <a:bodyPr rtlCol="0" anchor="ctr"/>
+          <a:lstStyle/>
+          <a:p>
+            <a:pPr algn="ctr"/>
+            <a:endParaRPr kumimoji="1" lang="ja-JP" altLang="en-US"/>
+          </a:p>
+        </p:txBody>
+      </p:sp>
+      <p:sp>
+        <p:nvSpPr>
+          <p:cNvPr id="4" name="正方形/長方形 3">
+            <a:extLst>
+              <a:ext uri="{FF2B5EF4-FFF2-40B4-BE49-F238E27FC236}">
+                <a16:creationId xmlns:a16="http://schemas.microsoft.com/office/drawing/2014/main" id="{90711750-0E4B-FA23-3B6E-DC5F8ADC1312}"/>
+              </a:ext>
+            </a:extLst>
+          </p:cNvPr>
+          <p:cNvSpPr/>
+          <p:nvPr/>
+        </p:nvSpPr>
+        <p:spPr>
+          <a:xfrm>
+            <a:off x="10057512" y="5874328"/>
+            <a:ext cx="2134488" cy="665018"/>
+          </a:xfrm>
+          <a:prstGeom prst="rect">
+            <a:avLst/>
+          </a:prstGeom>
+          <a:solidFill>
+            <a:srgbClr val="FFFFE0"/>
+          </a:solidFill>
           <a:ln>
             <a:noFill/>
           </a:ln>
@@ -6406,7 +7086,7 @@
         <p:cNvPr id="1" name="">
           <a:extLst>
             <a:ext uri="{FF2B5EF4-FFF2-40B4-BE49-F238E27FC236}">
-              <a16:creationId xmlns:a16="http://schemas.microsoft.com/office/drawing/2014/main" id="{9D52490B-6B06-E5F9-7BF5-BC9F08F95103}"/>
+              <a16:creationId xmlns:a16="http://schemas.microsoft.com/office/drawing/2014/main" id="{E6400596-373B-3253-1D41-CE2672EA2D2F}"/>
             </a:ext>
           </a:extLst>
         </p:cNvPr>
@@ -6423,10 +7103,10 @@
       </p:grpSpPr>
       <p:sp>
         <p:nvSpPr>
-          <p:cNvPr id="4" name="正方形/長方形 3">
-            <a:extLst>
-              <a:ext uri="{FF2B5EF4-FFF2-40B4-BE49-F238E27FC236}">
-                <a16:creationId xmlns:a16="http://schemas.microsoft.com/office/drawing/2014/main" id="{C65774D0-3536-68E2-5354-091F99CF73A5}"/>
+          <p:cNvPr id="3" name="正方形/長方形 2">
+            <a:extLst>
+              <a:ext uri="{FF2B5EF4-FFF2-40B4-BE49-F238E27FC236}">
+                <a16:creationId xmlns:a16="http://schemas.microsoft.com/office/drawing/2014/main" id="{F5C80DC4-9C17-EEB7-1FC0-A2C6B5BA3B2C}"/>
               </a:ext>
             </a:extLst>
           </p:cNvPr>
@@ -6435,12 +7115,67 @@
         </p:nvSpPr>
         <p:spPr>
           <a:xfrm>
-            <a:off x="10057512" y="5874328"/>
-            <a:ext cx="2134488" cy="665018"/>
+            <a:off x="0" y="0"/>
+            <a:ext cx="12192000" cy="6858000"/>
           </a:xfrm>
           <a:prstGeom prst="rect">
             <a:avLst/>
           </a:prstGeom>
+          <a:solidFill>
+            <a:srgbClr val="FFFFE0"/>
+          </a:solidFill>
+          <a:ln>
+            <a:noFill/>
+          </a:ln>
+        </p:spPr>
+        <p:style>
+          <a:lnRef idx="2">
+            <a:schemeClr val="accent1">
+              <a:shade val="15000"/>
+            </a:schemeClr>
+          </a:lnRef>
+          <a:fillRef idx="1">
+            <a:schemeClr val="accent1"/>
+          </a:fillRef>
+          <a:effectRef idx="0">
+            <a:schemeClr val="accent1"/>
+          </a:effectRef>
+          <a:fontRef idx="minor">
+            <a:schemeClr val="lt1"/>
+          </a:fontRef>
+        </p:style>
+        <p:txBody>
+          <a:bodyPr rtlCol="0" anchor="ctr"/>
+          <a:lstStyle/>
+          <a:p>
+            <a:pPr algn="ctr"/>
+            <a:endParaRPr kumimoji="1" lang="ja-JP" altLang="en-US"/>
+          </a:p>
+        </p:txBody>
+      </p:sp>
+      <p:sp>
+        <p:nvSpPr>
+          <p:cNvPr id="4" name="正方形/長方形 3">
+            <a:extLst>
+              <a:ext uri="{FF2B5EF4-FFF2-40B4-BE49-F238E27FC236}">
+                <a16:creationId xmlns:a16="http://schemas.microsoft.com/office/drawing/2014/main" id="{554DA608-2E8E-053A-F531-95853F493BEF}"/>
+              </a:ext>
+            </a:extLst>
+          </p:cNvPr>
+          <p:cNvSpPr/>
+          <p:nvPr/>
+        </p:nvSpPr>
+        <p:spPr>
+          <a:xfrm>
+            <a:off x="10057512" y="5874328"/>
+            <a:ext cx="2134488" cy="665018"/>
+          </a:xfrm>
+          <a:prstGeom prst="rect">
+            <a:avLst/>
+          </a:prstGeom>
+          <a:solidFill>
+            <a:srgbClr val="FFFFE0"/>
+          </a:solidFill>
           <a:ln>
             <a:noFill/>
           </a:ln>
@@ -6489,7 +7224,7 @@
           <p:cNvPr id="5" name="タイトル 4">
             <a:extLst>
               <a:ext uri="{FF2B5EF4-FFF2-40B4-BE49-F238E27FC236}">
-                <a16:creationId xmlns:a16="http://schemas.microsoft.com/office/drawing/2014/main" id="{4F481016-EC6E-341A-1A8F-F03975AC42DE}"/>
+                <a16:creationId xmlns:a16="http://schemas.microsoft.com/office/drawing/2014/main" id="{6D90C919-CD9C-53D2-E0EC-FB84B889123A}"/>
               </a:ext>
             </a:extLst>
           </p:cNvPr>
@@ -6502,7 +7237,7 @@
         </p:nvSpPr>
         <p:spPr>
           <a:xfrm>
-            <a:off x="5260730" y="650097"/>
+            <a:off x="5420591" y="773188"/>
             <a:ext cx="1350818" cy="970252"/>
           </a:xfrm>
         </p:spPr>
@@ -6525,7 +7260,7 @@
     </p:spTree>
     <p:extLst>
       <p:ext uri="{BB962C8B-B14F-4D97-AF65-F5344CB8AC3E}">
-        <p14:creationId xmlns:p14="http://schemas.microsoft.com/office/powerpoint/2010/main" val="11926158"/>
+        <p14:creationId xmlns:p14="http://schemas.microsoft.com/office/powerpoint/2010/main" val="2616495669"/>
       </p:ext>
     </p:extLst>
   </p:cSld>
@@ -6612,10 +7347,10 @@
       </p:sp>
       <p:sp>
         <p:nvSpPr>
-          <p:cNvPr id="4" name="正方形/長方形 3">
-            <a:extLst>
-              <a:ext uri="{FF2B5EF4-FFF2-40B4-BE49-F238E27FC236}">
-                <a16:creationId xmlns:a16="http://schemas.microsoft.com/office/drawing/2014/main" id="{C9D7BF1D-1B2C-C63C-0F9B-6316405D9831}"/>
+          <p:cNvPr id="9" name="正方形/長方形 8">
+            <a:extLst>
+              <a:ext uri="{FF2B5EF4-FFF2-40B4-BE49-F238E27FC236}">
+                <a16:creationId xmlns:a16="http://schemas.microsoft.com/office/drawing/2014/main" id="{E49DED0B-25BE-3EFA-6D65-9517675EC8FE}"/>
               </a:ext>
             </a:extLst>
           </p:cNvPr>
@@ -6624,73 +7359,7 @@
         </p:nvSpPr>
         <p:spPr>
           <a:xfrm>
-            <a:off x="10057512" y="5874328"/>
-            <a:ext cx="2134488" cy="665018"/>
-          </a:xfrm>
-          <a:prstGeom prst="rect">
-            <a:avLst/>
-          </a:prstGeom>
-          <a:solidFill>
-            <a:srgbClr val="FFFFE0"/>
-          </a:solidFill>
-          <a:ln>
-            <a:noFill/>
-          </a:ln>
-        </p:spPr>
-        <p:style>
-          <a:lnRef idx="2">
-            <a:schemeClr val="accent6"/>
-          </a:lnRef>
-          <a:fillRef idx="1">
-            <a:schemeClr val="lt1"/>
-          </a:fillRef>
-          <a:effectRef idx="0">
-            <a:schemeClr val="accent6"/>
-          </a:effectRef>
-          <a:fontRef idx="minor">
-            <a:schemeClr val="dk1"/>
-          </a:fontRef>
-        </p:style>
-        <p:txBody>
-          <a:bodyPr rtlCol="0" anchor="ctr"/>
-          <a:lstStyle/>
-          <a:p>
-            <a:pPr algn="ctr"/>
-            <a:r>
-              <a:rPr kumimoji="1" lang="en-US" altLang="ja-JP" dirty="0">
-                <a:solidFill>
-                  <a:schemeClr val="bg1">
-                    <a:lumMod val="75000"/>
-                  </a:schemeClr>
-                </a:solidFill>
-              </a:rPr>
-              <a:t>2025.7.31</a:t>
-            </a:r>
-            <a:endParaRPr kumimoji="1" lang="ja-JP" altLang="en-US" dirty="0">
-              <a:solidFill>
-                <a:schemeClr val="bg1">
-                  <a:lumMod val="75000"/>
-                </a:schemeClr>
-              </a:solidFill>
-            </a:endParaRPr>
-          </a:p>
-        </p:txBody>
-      </p:sp>
-      <p:sp>
-        <p:nvSpPr>
-          <p:cNvPr id="9" name="正方形/長方形 8">
-            <a:extLst>
-              <a:ext uri="{FF2B5EF4-FFF2-40B4-BE49-F238E27FC236}">
-                <a16:creationId xmlns:a16="http://schemas.microsoft.com/office/drawing/2014/main" id="{E49DED0B-25BE-3EFA-6D65-9517675EC8FE}"/>
-              </a:ext>
-            </a:extLst>
-          </p:cNvPr>
-          <p:cNvSpPr/>
-          <p:nvPr/>
-        </p:nvSpPr>
-        <p:spPr>
-          <a:xfrm>
-            <a:off x="983272" y="1296794"/>
+            <a:off x="983272" y="1682761"/>
             <a:ext cx="10225455" cy="4577534"/>
           </a:xfrm>
           <a:prstGeom prst="rect">
@@ -6730,6 +7399,72 @@
       </p:sp>
       <p:sp>
         <p:nvSpPr>
+          <p:cNvPr id="4" name="正方形/長方形 3">
+            <a:extLst>
+              <a:ext uri="{FF2B5EF4-FFF2-40B4-BE49-F238E27FC236}">
+                <a16:creationId xmlns:a16="http://schemas.microsoft.com/office/drawing/2014/main" id="{C9D7BF1D-1B2C-C63C-0F9B-6316405D9831}"/>
+              </a:ext>
+            </a:extLst>
+          </p:cNvPr>
+          <p:cNvSpPr/>
+          <p:nvPr/>
+        </p:nvSpPr>
+        <p:spPr>
+          <a:xfrm>
+            <a:off x="10057512" y="5874328"/>
+            <a:ext cx="2134488" cy="665018"/>
+          </a:xfrm>
+          <a:prstGeom prst="rect">
+            <a:avLst/>
+          </a:prstGeom>
+          <a:solidFill>
+            <a:srgbClr val="FFFFE0"/>
+          </a:solidFill>
+          <a:ln>
+            <a:noFill/>
+          </a:ln>
+        </p:spPr>
+        <p:style>
+          <a:lnRef idx="2">
+            <a:schemeClr val="accent6"/>
+          </a:lnRef>
+          <a:fillRef idx="1">
+            <a:schemeClr val="lt1"/>
+          </a:fillRef>
+          <a:effectRef idx="0">
+            <a:schemeClr val="accent6"/>
+          </a:effectRef>
+          <a:fontRef idx="minor">
+            <a:schemeClr val="dk1"/>
+          </a:fontRef>
+        </p:style>
+        <p:txBody>
+          <a:bodyPr rtlCol="0" anchor="ctr"/>
+          <a:lstStyle/>
+          <a:p>
+            <a:pPr algn="ctr"/>
+            <a:r>
+              <a:rPr kumimoji="1" lang="en-US" altLang="ja-JP" dirty="0">
+                <a:solidFill>
+                  <a:schemeClr val="bg1">
+                    <a:lumMod val="75000"/>
+                  </a:schemeClr>
+                </a:solidFill>
+              </a:rPr>
+              <a:t>2025.7.31</a:t>
+            </a:r>
+            <a:endParaRPr kumimoji="1" lang="ja-JP" altLang="en-US" dirty="0">
+              <a:solidFill>
+                <a:schemeClr val="bg1">
+                  <a:lumMod val="75000"/>
+                </a:schemeClr>
+              </a:solidFill>
+            </a:endParaRPr>
+          </a:p>
+        </p:txBody>
+      </p:sp>
+      <p:sp>
+        <p:nvSpPr>
           <p:cNvPr id="5" name="タイトル 4">
             <a:extLst>
               <a:ext uri="{FF2B5EF4-FFF2-40B4-BE49-F238E27FC236}">
@@ -6746,7 +7481,7 @@
         </p:nvSpPr>
         <p:spPr>
           <a:xfrm>
-            <a:off x="4441163" y="288483"/>
+            <a:off x="4432370" y="551213"/>
             <a:ext cx="2933701" cy="970252"/>
           </a:xfrm>
         </p:spPr>
@@ -6780,7 +7515,7 @@
         </p:nvSpPr>
         <p:spPr>
           <a:xfrm>
-            <a:off x="3818463" y="2020011"/>
+            <a:off x="3768681" y="2131516"/>
             <a:ext cx="1954820" cy="597877"/>
           </a:xfrm>
           <a:prstGeom prst="roundRect">
@@ -6839,7 +7574,7 @@
         </p:nvSpPr>
         <p:spPr>
           <a:xfrm>
-            <a:off x="3818463" y="3278506"/>
+            <a:off x="3753763" y="3414997"/>
             <a:ext cx="1954820" cy="597877"/>
           </a:xfrm>
           <a:prstGeom prst="roundRect">
@@ -6908,7 +7643,7 @@
         </p:nvSpPr>
         <p:spPr>
           <a:xfrm>
-            <a:off x="3818463" y="4537001"/>
+            <a:off x="3818463" y="4837646"/>
             <a:ext cx="1954820" cy="597877"/>
           </a:xfrm>
           <a:prstGeom prst="roundRect">
@@ -6967,7 +7702,7 @@
         </p:nvSpPr>
         <p:spPr>
           <a:xfrm>
-            <a:off x="7976746" y="2063855"/>
+            <a:off x="7976746" y="2131515"/>
             <a:ext cx="1954820" cy="597877"/>
           </a:xfrm>
           <a:prstGeom prst="roundRect">
@@ -7026,7 +7761,7 @@
         </p:nvSpPr>
         <p:spPr>
           <a:xfrm>
-            <a:off x="7976746" y="3253338"/>
+            <a:off x="7976746" y="3450429"/>
             <a:ext cx="1954820" cy="597877"/>
           </a:xfrm>
           <a:prstGeom prst="roundRect">
@@ -7085,7 +7820,7 @@
         </p:nvSpPr>
         <p:spPr>
           <a:xfrm>
-            <a:off x="7976746" y="4519049"/>
+            <a:off x="8038292" y="4837645"/>
             <a:ext cx="1954820" cy="597877"/>
           </a:xfrm>
           <a:prstGeom prst="roundRect">
@@ -7144,12 +7879,15 @@
         </p:nvSpPr>
         <p:spPr>
           <a:xfrm>
-            <a:off x="2327835" y="1856892"/>
+            <a:off x="2393961" y="1893246"/>
             <a:ext cx="924291" cy="903808"/>
           </a:xfrm>
           <a:prstGeom prst="ellipse">
             <a:avLst/>
           </a:prstGeom>
+          <a:solidFill>
+            <a:schemeClr val="bg1"/>
+          </a:solidFill>
           <a:ln>
             <a:solidFill>
               <a:schemeClr val="tx1"/>
@@ -7208,7 +7946,7 @@
         </p:blipFill>
         <p:spPr>
           <a:xfrm>
-            <a:off x="2440560" y="1893247"/>
+            <a:off x="2515260" y="1926019"/>
             <a:ext cx="698840" cy="768485"/>
           </a:xfrm>
           <a:prstGeom prst="rect">
@@ -7230,7 +7968,7 @@
         </p:nvSpPr>
         <p:spPr>
           <a:xfrm>
-            <a:off x="2327834" y="3111488"/>
+            <a:off x="2402535" y="3253338"/>
             <a:ext cx="924291" cy="903808"/>
           </a:xfrm>
           <a:prstGeom prst="ellipse">
@@ -7279,7 +8017,7 @@
         </p:nvSpPr>
         <p:spPr>
           <a:xfrm>
-            <a:off x="2327833" y="4366084"/>
+            <a:off x="2402535" y="4639984"/>
             <a:ext cx="924291" cy="903808"/>
           </a:xfrm>
           <a:prstGeom prst="ellipse">
@@ -7328,7 +8066,7 @@
         </p:nvSpPr>
         <p:spPr>
           <a:xfrm>
-            <a:off x="6691856" y="1825585"/>
+            <a:off x="6691853" y="1910889"/>
             <a:ext cx="924291" cy="903808"/>
           </a:xfrm>
           <a:prstGeom prst="ellipse">
@@ -7377,7 +8115,7 @@
         </p:nvSpPr>
         <p:spPr>
           <a:xfrm>
-            <a:off x="6691856" y="3067720"/>
+            <a:off x="6691854" y="3253338"/>
             <a:ext cx="924291" cy="903808"/>
           </a:xfrm>
           <a:prstGeom prst="ellipse">
@@ -7426,7 +8164,7 @@
         </p:nvSpPr>
         <p:spPr>
           <a:xfrm>
-            <a:off x="6691855" y="4366084"/>
+            <a:off x="6691855" y="4639984"/>
             <a:ext cx="924291" cy="903808"/>
           </a:xfrm>
           <a:prstGeom prst="ellipse">
@@ -7615,13 +8353,13 @@
         </p:nvSpPr>
         <p:spPr>
           <a:xfrm>
-            <a:off x="3698628" y="1652954"/>
-            <a:ext cx="6652381" cy="3068515"/>
+            <a:off x="2303585" y="1424354"/>
+            <a:ext cx="7455877" cy="2507265"/>
           </a:xfrm>
           <a:prstGeom prst="cloudCallout">
             <a:avLst>
-              <a:gd name="adj1" fmla="val -46732"/>
-              <a:gd name="adj2" fmla="val 44744"/>
+              <a:gd name="adj1" fmla="val -7704"/>
+              <a:gd name="adj2" fmla="val 68632"/>
             </a:avLst>
           </a:prstGeom>
           <a:ln>
@@ -7739,7 +8477,7 @@
         </p:nvSpPr>
         <p:spPr>
           <a:xfrm>
-            <a:off x="4964724" y="365896"/>
+            <a:off x="4908216" y="544817"/>
             <a:ext cx="2116602" cy="970252"/>
           </a:xfrm>
         </p:spPr>
@@ -7773,7 +8511,7 @@
         </p:nvSpPr>
         <p:spPr>
           <a:xfrm>
-            <a:off x="4287246" y="2347435"/>
+            <a:off x="3203329" y="1804363"/>
             <a:ext cx="6063763" cy="1477328"/>
           </a:xfrm>
           <a:prstGeom prst="rect">
@@ -7915,7 +8653,7 @@
         </p:blipFill>
         <p:spPr>
           <a:xfrm>
-            <a:off x="1300325" y="2691852"/>
+            <a:off x="4478214" y="3931619"/>
             <a:ext cx="2866292" cy="2866292"/>
           </a:xfrm>
           <a:prstGeom prst="rect">
@@ -8095,7 +8833,7 @@
         </p:nvSpPr>
         <p:spPr>
           <a:xfrm>
-            <a:off x="4556104" y="560371"/>
+            <a:off x="4764809" y="577956"/>
             <a:ext cx="2662382" cy="970252"/>
           </a:xfrm>
         </p:spPr>
@@ -8447,7 +9185,7 @@
           <a:p>
             <a:pPr algn="ctr"/>
             <a:r>
-              <a:rPr kumimoji="1" lang="en-US" altLang="ja-JP">
+              <a:rPr kumimoji="1" lang="en-US" altLang="ja-JP" dirty="0">
                 <a:solidFill>
                   <a:schemeClr val="bg1">
                     <a:lumMod val="75000"/>
@@ -8484,7 +9222,7 @@
         </p:nvSpPr>
         <p:spPr>
           <a:xfrm>
-            <a:off x="4910622" y="464720"/>
+            <a:off x="5004954" y="473513"/>
             <a:ext cx="2182092" cy="1044143"/>
           </a:xfrm>
         </p:spPr>
@@ -8743,10 +9481,10 @@
       </p:grpSpPr>
       <p:sp>
         <p:nvSpPr>
-          <p:cNvPr id="4" name="正方形/長方形 3">
-            <a:extLst>
-              <a:ext uri="{FF2B5EF4-FFF2-40B4-BE49-F238E27FC236}">
-                <a16:creationId xmlns:a16="http://schemas.microsoft.com/office/drawing/2014/main" id="{32F74D00-A85C-08C1-AE35-57BF2A9437A6}"/>
+          <p:cNvPr id="3" name="正方形/長方形 2">
+            <a:extLst>
+              <a:ext uri="{FF2B5EF4-FFF2-40B4-BE49-F238E27FC236}">
+                <a16:creationId xmlns:a16="http://schemas.microsoft.com/office/drawing/2014/main" id="{83A4E471-F727-1AFF-5259-294CA8BCD7A7}"/>
               </a:ext>
             </a:extLst>
           </p:cNvPr>
@@ -8755,12 +9493,67 @@
         </p:nvSpPr>
         <p:spPr>
           <a:xfrm>
-            <a:off x="10057512" y="5874328"/>
-            <a:ext cx="2134488" cy="665018"/>
+            <a:off x="0" y="0"/>
+            <a:ext cx="12192000" cy="6858000"/>
           </a:xfrm>
           <a:prstGeom prst="rect">
             <a:avLst/>
           </a:prstGeom>
+          <a:solidFill>
+            <a:srgbClr val="FFFFE0"/>
+          </a:solidFill>
+          <a:ln>
+            <a:noFill/>
+          </a:ln>
+        </p:spPr>
+        <p:style>
+          <a:lnRef idx="2">
+            <a:schemeClr val="accent1">
+              <a:shade val="15000"/>
+            </a:schemeClr>
+          </a:lnRef>
+          <a:fillRef idx="1">
+            <a:schemeClr val="accent1"/>
+          </a:fillRef>
+          <a:effectRef idx="0">
+            <a:schemeClr val="accent1"/>
+          </a:effectRef>
+          <a:fontRef idx="minor">
+            <a:schemeClr val="lt1"/>
+          </a:fontRef>
+        </p:style>
+        <p:txBody>
+          <a:bodyPr rtlCol="0" anchor="ctr"/>
+          <a:lstStyle/>
+          <a:p>
+            <a:pPr algn="ctr"/>
+            <a:endParaRPr kumimoji="1" lang="ja-JP" altLang="en-US"/>
+          </a:p>
+        </p:txBody>
+      </p:sp>
+      <p:sp>
+        <p:nvSpPr>
+          <p:cNvPr id="4" name="正方形/長方形 3">
+            <a:extLst>
+              <a:ext uri="{FF2B5EF4-FFF2-40B4-BE49-F238E27FC236}">
+                <a16:creationId xmlns:a16="http://schemas.microsoft.com/office/drawing/2014/main" id="{32F74D00-A85C-08C1-AE35-57BF2A9437A6}"/>
+              </a:ext>
+            </a:extLst>
+          </p:cNvPr>
+          <p:cNvSpPr/>
+          <p:nvPr/>
+        </p:nvSpPr>
+        <p:spPr>
+          <a:xfrm>
+            <a:off x="10057512" y="5874328"/>
+            <a:ext cx="2134488" cy="665018"/>
+          </a:xfrm>
+          <a:prstGeom prst="rect">
+            <a:avLst/>
+          </a:prstGeom>
+          <a:solidFill>
+            <a:srgbClr val="FFFFE0"/>
+          </a:solidFill>
           <a:ln>
             <a:noFill/>
           </a:ln>
@@ -8822,7 +9615,7 @@
         </p:nvSpPr>
         <p:spPr>
           <a:xfrm>
-            <a:off x="4478482" y="553382"/>
+            <a:off x="4478482" y="773190"/>
             <a:ext cx="3235036" cy="970252"/>
           </a:xfrm>
         </p:spPr>
@@ -8880,10 +9673,10 @@
       </p:grpSpPr>
       <p:sp>
         <p:nvSpPr>
-          <p:cNvPr id="4" name="正方形/長方形 3">
-            <a:extLst>
-              <a:ext uri="{FF2B5EF4-FFF2-40B4-BE49-F238E27FC236}">
-                <a16:creationId xmlns:a16="http://schemas.microsoft.com/office/drawing/2014/main" id="{6153E903-4502-C830-E23B-AF11DA570931}"/>
+          <p:cNvPr id="3" name="正方形/長方形 2">
+            <a:extLst>
+              <a:ext uri="{FF2B5EF4-FFF2-40B4-BE49-F238E27FC236}">
+                <a16:creationId xmlns:a16="http://schemas.microsoft.com/office/drawing/2014/main" id="{B09537F1-DB66-0837-548C-18E5F8F853C9}"/>
               </a:ext>
             </a:extLst>
           </p:cNvPr>
@@ -8892,12 +9685,67 @@
         </p:nvSpPr>
         <p:spPr>
           <a:xfrm>
-            <a:off x="10057512" y="5874328"/>
-            <a:ext cx="2134488" cy="665018"/>
+            <a:off x="0" y="0"/>
+            <a:ext cx="12192000" cy="6858000"/>
           </a:xfrm>
           <a:prstGeom prst="rect">
             <a:avLst/>
           </a:prstGeom>
+          <a:solidFill>
+            <a:srgbClr val="FFFFE0"/>
+          </a:solidFill>
+          <a:ln>
+            <a:noFill/>
+          </a:ln>
+        </p:spPr>
+        <p:style>
+          <a:lnRef idx="2">
+            <a:schemeClr val="accent1">
+              <a:shade val="15000"/>
+            </a:schemeClr>
+          </a:lnRef>
+          <a:fillRef idx="1">
+            <a:schemeClr val="accent1"/>
+          </a:fillRef>
+          <a:effectRef idx="0">
+            <a:schemeClr val="accent1"/>
+          </a:effectRef>
+          <a:fontRef idx="minor">
+            <a:schemeClr val="lt1"/>
+          </a:fontRef>
+        </p:style>
+        <p:txBody>
+          <a:bodyPr rtlCol="0" anchor="ctr"/>
+          <a:lstStyle/>
+          <a:p>
+            <a:pPr algn="ctr"/>
+            <a:endParaRPr kumimoji="1" lang="ja-JP" altLang="en-US"/>
+          </a:p>
+        </p:txBody>
+      </p:sp>
+      <p:sp>
+        <p:nvSpPr>
+          <p:cNvPr id="4" name="正方形/長方形 3">
+            <a:extLst>
+              <a:ext uri="{FF2B5EF4-FFF2-40B4-BE49-F238E27FC236}">
+                <a16:creationId xmlns:a16="http://schemas.microsoft.com/office/drawing/2014/main" id="{6153E903-4502-C830-E23B-AF11DA570931}"/>
+              </a:ext>
+            </a:extLst>
+          </p:cNvPr>
+          <p:cNvSpPr/>
+          <p:nvPr/>
+        </p:nvSpPr>
+        <p:spPr>
+          <a:xfrm>
+            <a:off x="10057512" y="5874328"/>
+            <a:ext cx="2134488" cy="665018"/>
+          </a:xfrm>
+          <a:prstGeom prst="rect">
+            <a:avLst/>
+          </a:prstGeom>
+          <a:solidFill>
+            <a:srgbClr val="FFFFE0"/>
+          </a:solidFill>
           <a:ln>
             <a:noFill/>
           </a:ln>
@@ -8959,7 +9807,7 @@
         </p:nvSpPr>
         <p:spPr>
           <a:xfrm>
-            <a:off x="4451840" y="509420"/>
+            <a:off x="4743450" y="676474"/>
             <a:ext cx="2705099" cy="970252"/>
           </a:xfrm>
         </p:spPr>
@@ -9017,10 +9865,10 @@
       </p:grpSpPr>
       <p:sp>
         <p:nvSpPr>
-          <p:cNvPr id="4" name="正方形/長方形 3">
-            <a:extLst>
-              <a:ext uri="{FF2B5EF4-FFF2-40B4-BE49-F238E27FC236}">
-                <a16:creationId xmlns:a16="http://schemas.microsoft.com/office/drawing/2014/main" id="{5FEE7B1C-E95B-E256-3EA5-22C327D45930}"/>
+          <p:cNvPr id="3" name="正方形/長方形 2">
+            <a:extLst>
+              <a:ext uri="{FF2B5EF4-FFF2-40B4-BE49-F238E27FC236}">
+                <a16:creationId xmlns:a16="http://schemas.microsoft.com/office/drawing/2014/main" id="{64FC8A24-47A0-4847-EF59-9BDB1FF701F9}"/>
               </a:ext>
             </a:extLst>
           </p:cNvPr>
@@ -9029,12 +9877,67 @@
         </p:nvSpPr>
         <p:spPr>
           <a:xfrm>
-            <a:off x="10057512" y="5874328"/>
-            <a:ext cx="2134488" cy="665018"/>
+            <a:off x="0" y="0"/>
+            <a:ext cx="12192000" cy="6858000"/>
           </a:xfrm>
           <a:prstGeom prst="rect">
             <a:avLst/>
           </a:prstGeom>
+          <a:solidFill>
+            <a:srgbClr val="FFFFE0"/>
+          </a:solidFill>
+          <a:ln>
+            <a:noFill/>
+          </a:ln>
+        </p:spPr>
+        <p:style>
+          <a:lnRef idx="2">
+            <a:schemeClr val="accent1">
+              <a:shade val="15000"/>
+            </a:schemeClr>
+          </a:lnRef>
+          <a:fillRef idx="1">
+            <a:schemeClr val="accent1"/>
+          </a:fillRef>
+          <a:effectRef idx="0">
+            <a:schemeClr val="accent1"/>
+          </a:effectRef>
+          <a:fontRef idx="minor">
+            <a:schemeClr val="lt1"/>
+          </a:fontRef>
+        </p:style>
+        <p:txBody>
+          <a:bodyPr rtlCol="0" anchor="ctr"/>
+          <a:lstStyle/>
+          <a:p>
+            <a:pPr algn="ctr"/>
+            <a:endParaRPr kumimoji="1" lang="ja-JP" altLang="en-US"/>
+          </a:p>
+        </p:txBody>
+      </p:sp>
+      <p:sp>
+        <p:nvSpPr>
+          <p:cNvPr id="4" name="正方形/長方形 3">
+            <a:extLst>
+              <a:ext uri="{FF2B5EF4-FFF2-40B4-BE49-F238E27FC236}">
+                <a16:creationId xmlns:a16="http://schemas.microsoft.com/office/drawing/2014/main" id="{5FEE7B1C-E95B-E256-3EA5-22C327D45930}"/>
+              </a:ext>
+            </a:extLst>
+          </p:cNvPr>
+          <p:cNvSpPr/>
+          <p:nvPr/>
+        </p:nvSpPr>
+        <p:spPr>
+          <a:xfrm>
+            <a:off x="10057512" y="5874328"/>
+            <a:ext cx="2134488" cy="665018"/>
+          </a:xfrm>
+          <a:prstGeom prst="rect">
+            <a:avLst/>
+          </a:prstGeom>
+          <a:solidFill>
+            <a:srgbClr val="FFFFE0"/>
+          </a:solidFill>
           <a:ln>
             <a:noFill/>
           </a:ln>
@@ -9096,7 +9999,7 @@
         </p:nvSpPr>
         <p:spPr>
           <a:xfrm>
-            <a:off x="4618893" y="552495"/>
+            <a:off x="4806372" y="596457"/>
             <a:ext cx="2579255" cy="988724"/>
           </a:xfrm>
         </p:spPr>

--- a/発表準備/7月成果発表会.pptx
+++ b/発表準備/7月成果発表会.pptx
@@ -11,17 +11,18 @@
     <p:sldId id="280" r:id="rId5"/>
     <p:sldId id="281" r:id="rId6"/>
     <p:sldId id="282" r:id="rId7"/>
-    <p:sldId id="283" r:id="rId8"/>
-    <p:sldId id="284" r:id="rId9"/>
-    <p:sldId id="285" r:id="rId10"/>
-    <p:sldId id="260" r:id="rId11"/>
-    <p:sldId id="288" r:id="rId12"/>
-    <p:sldId id="290" r:id="rId13"/>
-    <p:sldId id="287" r:id="rId14"/>
-    <p:sldId id="289" r:id="rId15"/>
-    <p:sldId id="291" r:id="rId16"/>
-    <p:sldId id="277" r:id="rId17"/>
-    <p:sldId id="278" r:id="rId18"/>
+    <p:sldId id="293" r:id="rId8"/>
+    <p:sldId id="283" r:id="rId9"/>
+    <p:sldId id="284" r:id="rId10"/>
+    <p:sldId id="285" r:id="rId11"/>
+    <p:sldId id="260" r:id="rId12"/>
+    <p:sldId id="288" r:id="rId13"/>
+    <p:sldId id="290" r:id="rId14"/>
+    <p:sldId id="287" r:id="rId15"/>
+    <p:sldId id="289" r:id="rId16"/>
+    <p:sldId id="291" r:id="rId17"/>
+    <p:sldId id="277" r:id="rId18"/>
+    <p:sldId id="278" r:id="rId19"/>
   </p:sldIdLst>
   <p:sldSz cx="12192000" cy="6858000"/>
   <p:notesSz cx="6858000" cy="9144000"/>
@@ -275,7 +276,7 @@
           <a:p>
             <a:fld id="{9CFFAD60-27D9-44AE-82D7-77B581F6BE63}" type="datetimeFigureOut">
               <a:rPr kumimoji="1" lang="ja-JP" altLang="en-US" smtClean="0"/>
-              <a:t>2025/7/21</a:t>
+              <a:t>2025/7/22</a:t>
             </a:fld>
             <a:endParaRPr kumimoji="1" lang="ja-JP" altLang="en-US"/>
           </a:p>
@@ -505,7 +506,7 @@
           <a:p>
             <a:fld id="{9CFFAD60-27D9-44AE-82D7-77B581F6BE63}" type="datetimeFigureOut">
               <a:rPr kumimoji="1" lang="ja-JP" altLang="en-US" smtClean="0"/>
-              <a:t>2025/7/21</a:t>
+              <a:t>2025/7/22</a:t>
             </a:fld>
             <a:endParaRPr kumimoji="1" lang="ja-JP" altLang="en-US"/>
           </a:p>
@@ -745,7 +746,7 @@
           <a:p>
             <a:fld id="{9CFFAD60-27D9-44AE-82D7-77B581F6BE63}" type="datetimeFigureOut">
               <a:rPr kumimoji="1" lang="ja-JP" altLang="en-US" smtClean="0"/>
-              <a:t>2025/7/21</a:t>
+              <a:t>2025/7/22</a:t>
             </a:fld>
             <a:endParaRPr kumimoji="1" lang="ja-JP" altLang="en-US"/>
           </a:p>
@@ -975,7 +976,7 @@
           <a:p>
             <a:fld id="{9CFFAD60-27D9-44AE-82D7-77B581F6BE63}" type="datetimeFigureOut">
               <a:rPr kumimoji="1" lang="ja-JP" altLang="en-US" smtClean="0"/>
-              <a:t>2025/7/21</a:t>
+              <a:t>2025/7/22</a:t>
             </a:fld>
             <a:endParaRPr kumimoji="1" lang="ja-JP" altLang="en-US"/>
           </a:p>
@@ -1250,7 +1251,7 @@
           <a:p>
             <a:fld id="{9CFFAD60-27D9-44AE-82D7-77B581F6BE63}" type="datetimeFigureOut">
               <a:rPr kumimoji="1" lang="ja-JP" altLang="en-US" smtClean="0"/>
-              <a:t>2025/7/21</a:t>
+              <a:t>2025/7/22</a:t>
             </a:fld>
             <a:endParaRPr kumimoji="1" lang="ja-JP" altLang="en-US"/>
           </a:p>
@@ -1579,7 +1580,7 @@
           <a:p>
             <a:fld id="{9CFFAD60-27D9-44AE-82D7-77B581F6BE63}" type="datetimeFigureOut">
               <a:rPr kumimoji="1" lang="ja-JP" altLang="en-US" smtClean="0"/>
-              <a:t>2025/7/21</a:t>
+              <a:t>2025/7/22</a:t>
             </a:fld>
             <a:endParaRPr kumimoji="1" lang="ja-JP" altLang="en-US"/>
           </a:p>
@@ -2055,7 +2056,7 @@
           <a:p>
             <a:fld id="{9CFFAD60-27D9-44AE-82D7-77B581F6BE63}" type="datetimeFigureOut">
               <a:rPr kumimoji="1" lang="ja-JP" altLang="en-US" smtClean="0"/>
-              <a:t>2025/7/21</a:t>
+              <a:t>2025/7/22</a:t>
             </a:fld>
             <a:endParaRPr kumimoji="1" lang="ja-JP" altLang="en-US"/>
           </a:p>
@@ -2196,7 +2197,7 @@
           <a:p>
             <a:fld id="{9CFFAD60-27D9-44AE-82D7-77B581F6BE63}" type="datetimeFigureOut">
               <a:rPr kumimoji="1" lang="ja-JP" altLang="en-US" smtClean="0"/>
-              <a:t>2025/7/21</a:t>
+              <a:t>2025/7/22</a:t>
             </a:fld>
             <a:endParaRPr kumimoji="1" lang="ja-JP" altLang="en-US"/>
           </a:p>
@@ -2309,7 +2310,7 @@
           <a:p>
             <a:fld id="{9CFFAD60-27D9-44AE-82D7-77B581F6BE63}" type="datetimeFigureOut">
               <a:rPr kumimoji="1" lang="ja-JP" altLang="en-US" smtClean="0"/>
-              <a:t>2025/7/21</a:t>
+              <a:t>2025/7/22</a:t>
             </a:fld>
             <a:endParaRPr kumimoji="1" lang="ja-JP" altLang="en-US"/>
           </a:p>
@@ -2652,7 +2653,7 @@
           <a:p>
             <a:fld id="{9CFFAD60-27D9-44AE-82D7-77B581F6BE63}" type="datetimeFigureOut">
               <a:rPr kumimoji="1" lang="ja-JP" altLang="en-US" smtClean="0"/>
-              <a:t>2025/7/21</a:t>
+              <a:t>2025/7/22</a:t>
             </a:fld>
             <a:endParaRPr kumimoji="1" lang="ja-JP" altLang="en-US"/>
           </a:p>
@@ -2940,7 +2941,7 @@
           <a:p>
             <a:fld id="{9CFFAD60-27D9-44AE-82D7-77B581F6BE63}" type="datetimeFigureOut">
               <a:rPr kumimoji="1" lang="ja-JP" altLang="en-US" smtClean="0"/>
-              <a:t>2025/7/21</a:t>
+              <a:t>2025/7/22</a:t>
             </a:fld>
             <a:endParaRPr kumimoji="1" lang="ja-JP" altLang="en-US"/>
           </a:p>
@@ -3213,7 +3214,7 @@
           <a:p>
             <a:fld id="{9CFFAD60-27D9-44AE-82D7-77B581F6BE63}" type="datetimeFigureOut">
               <a:rPr kumimoji="1" lang="ja-JP" altLang="en-US" smtClean="0"/>
-              <a:t>2025/7/21</a:t>
+              <a:t>2025/7/22</a:t>
             </a:fld>
             <a:endParaRPr kumimoji="1" lang="ja-JP" altLang="en-US"/>
           </a:p>
@@ -4195,7 +4196,13 @@
   <p:cSld>
     <p:spTree>
       <p:nvGrpSpPr>
-        <p:cNvPr id="1" name=""/>
+        <p:cNvPr id="1" name="">
+          <a:extLst>
+            <a:ext uri="{FF2B5EF4-FFF2-40B4-BE49-F238E27FC236}">
+              <a16:creationId xmlns:a16="http://schemas.microsoft.com/office/drawing/2014/main" id="{CB3F45A9-9EA9-2D3E-827F-2727B8FCF5D1}"/>
+            </a:ext>
+          </a:extLst>
+        </p:cNvPr>
         <p:cNvGrpSpPr/>
         <p:nvPr/>
       </p:nvGrpSpPr>
@@ -4209,10 +4216,10 @@
       </p:grpSpPr>
       <p:sp>
         <p:nvSpPr>
-          <p:cNvPr id="7" name="正方形/長方形 6">
-            <a:extLst>
-              <a:ext uri="{FF2B5EF4-FFF2-40B4-BE49-F238E27FC236}">
-                <a16:creationId xmlns:a16="http://schemas.microsoft.com/office/drawing/2014/main" id="{AEF6CB4B-A4CC-B93B-870B-76E48E15E04F}"/>
+          <p:cNvPr id="3" name="正方形/長方形 2">
+            <a:extLst>
+              <a:ext uri="{FF2B5EF4-FFF2-40B4-BE49-F238E27FC236}">
+                <a16:creationId xmlns:a16="http://schemas.microsoft.com/office/drawing/2014/main" id="{64FC8A24-47A0-4847-EF59-9BDB1FF701F9}"/>
               </a:ext>
             </a:extLst>
           </p:cNvPr>
@@ -4261,167 +4268,10 @@
       </p:sp>
       <p:sp>
         <p:nvSpPr>
-          <p:cNvPr id="2" name="タイトル 1">
-            <a:extLst>
-              <a:ext uri="{FF2B5EF4-FFF2-40B4-BE49-F238E27FC236}">
-                <a16:creationId xmlns:a16="http://schemas.microsoft.com/office/drawing/2014/main" id="{8064990F-8CEB-F78B-C614-EBE55706851D}"/>
-              </a:ext>
-            </a:extLst>
-          </p:cNvPr>
-          <p:cNvSpPr>
-            <a:spLocks noGrp="1"/>
-          </p:cNvSpPr>
-          <p:nvPr>
-            <p:ph type="title"/>
-          </p:nvPr>
-        </p:nvSpPr>
-        <p:spPr>
-          <a:xfrm>
-            <a:off x="2973601" y="375404"/>
-            <a:ext cx="6494585" cy="1207111"/>
-          </a:xfrm>
-        </p:spPr>
-        <p:txBody>
-          <a:bodyPr>
-            <a:normAutofit/>
-          </a:bodyPr>
-          <a:lstStyle/>
-          <a:p>
-            <a:r>
-              <a:rPr kumimoji="1" lang="ja-JP" altLang="en-US" sz="3600" b="1" dirty="0">
-                <a:latin typeface="BIZ UDPゴシック" panose="020B0400000000000000" pitchFamily="50" charset="-128"/>
-                <a:ea typeface="BIZ UDPゴシック" panose="020B0400000000000000" pitchFamily="50" charset="-128"/>
-              </a:rPr>
-              <a:t>研修前・研修後で成長したこと</a:t>
-            </a:r>
-          </a:p>
-        </p:txBody>
-      </p:sp>
-      <p:sp>
-        <p:nvSpPr>
-          <p:cNvPr id="3" name="コンテンツ プレースホルダー 2">
-            <a:extLst>
-              <a:ext uri="{FF2B5EF4-FFF2-40B4-BE49-F238E27FC236}">
-                <a16:creationId xmlns:a16="http://schemas.microsoft.com/office/drawing/2014/main" id="{C5CA9E37-89C9-8145-1E5C-98A3F37A452A}"/>
-              </a:ext>
-            </a:extLst>
-          </p:cNvPr>
-          <p:cNvSpPr>
-            <a:spLocks noGrp="1"/>
-          </p:cNvSpPr>
-          <p:nvPr>
-            <p:ph idx="1"/>
-          </p:nvPr>
-        </p:nvSpPr>
-        <p:spPr>
-          <a:xfrm>
-            <a:off x="4844561" y="1960685"/>
-            <a:ext cx="6796453" cy="3789484"/>
-          </a:xfrm>
-        </p:spPr>
-        <p:txBody>
-          <a:bodyPr>
-            <a:normAutofit/>
-          </a:bodyPr>
-          <a:lstStyle/>
-          <a:p>
-            <a:pPr marL="0" indent="0">
-              <a:buNone/>
-            </a:pPr>
-            <a:r>
-              <a:rPr kumimoji="1" lang="ja-JP" altLang="en-US" sz="2000" dirty="0">
-                <a:latin typeface="BIZ UDPゴシック" panose="020B0400000000000000" pitchFamily="50" charset="-128"/>
-                <a:ea typeface="BIZ UDPゴシック" panose="020B0400000000000000" pitchFamily="50" charset="-128"/>
-              </a:rPr>
-              <a:t>名前：川﨑</a:t>
-            </a:r>
-          </a:p>
-          <a:p>
-            <a:endParaRPr kumimoji="1" lang="ja-JP" altLang="en-US" sz="2000" dirty="0">
-              <a:latin typeface="BIZ UDPゴシック" panose="020B0400000000000000" pitchFamily="50" charset="-128"/>
-              <a:ea typeface="BIZ UDPゴシック" panose="020B0400000000000000" pitchFamily="50" charset="-128"/>
-            </a:endParaRPr>
-          </a:p>
-          <a:p>
-            <a:pPr marL="0" indent="0">
-              <a:buNone/>
-            </a:pPr>
-            <a:r>
-              <a:rPr kumimoji="1" lang="ja-JP" altLang="en-US" sz="2000" dirty="0">
-                <a:latin typeface="BIZ UDPゴシック" panose="020B0400000000000000" pitchFamily="50" charset="-128"/>
-                <a:ea typeface="BIZ UDPゴシック" panose="020B0400000000000000" pitchFamily="50" charset="-128"/>
-              </a:rPr>
-              <a:t>役職：リーダー</a:t>
-            </a:r>
-          </a:p>
-          <a:p>
-            <a:pPr marL="0" indent="0">
-              <a:buNone/>
-            </a:pPr>
-            <a:endParaRPr kumimoji="1" lang="ja-JP" altLang="en-US" sz="2000" dirty="0">
-              <a:latin typeface="BIZ UDPゴシック" panose="020B0400000000000000" pitchFamily="50" charset="-128"/>
-              <a:ea typeface="BIZ UDPゴシック" panose="020B0400000000000000" pitchFamily="50" charset="-128"/>
-            </a:endParaRPr>
-          </a:p>
-          <a:p>
-            <a:pPr marL="0" indent="0">
-              <a:buNone/>
-            </a:pPr>
-            <a:r>
-              <a:rPr kumimoji="1" lang="ja-JP" altLang="en-US" sz="2000" dirty="0">
-                <a:latin typeface="BIZ UDPゴシック" panose="020B0400000000000000" pitchFamily="50" charset="-128"/>
-                <a:ea typeface="BIZ UDPゴシック" panose="020B0400000000000000" pitchFamily="50" charset="-128"/>
-              </a:rPr>
-              <a:t>担当箇所：ログイン画面・新規登録画面、ホーム画面</a:t>
-            </a:r>
-          </a:p>
-          <a:p>
-            <a:endParaRPr kumimoji="1" lang="ja-JP" altLang="en-US" sz="2000" dirty="0">
-              <a:latin typeface="BIZ UDPゴシック" panose="020B0400000000000000" pitchFamily="50" charset="-128"/>
-              <a:ea typeface="BIZ UDPゴシック" panose="020B0400000000000000" pitchFamily="50" charset="-128"/>
-            </a:endParaRPr>
-          </a:p>
-          <a:p>
-            <a:pPr marL="0" indent="0">
-              <a:buNone/>
-            </a:pPr>
-            <a:r>
-              <a:rPr kumimoji="1" lang="ja-JP" altLang="en-US" sz="2000" dirty="0">
-                <a:latin typeface="BIZ UDPゴシック" panose="020B0400000000000000" pitchFamily="50" charset="-128"/>
-                <a:ea typeface="BIZ UDPゴシック" panose="020B0400000000000000" pitchFamily="50" charset="-128"/>
-              </a:rPr>
-              <a:t>研修前：</a:t>
-            </a:r>
-          </a:p>
-          <a:p>
-            <a:endParaRPr kumimoji="1" lang="ja-JP" altLang="en-US" sz="2000" dirty="0">
-              <a:latin typeface="BIZ UDPゴシック" panose="020B0400000000000000" pitchFamily="50" charset="-128"/>
-              <a:ea typeface="BIZ UDPゴシック" panose="020B0400000000000000" pitchFamily="50" charset="-128"/>
-            </a:endParaRPr>
-          </a:p>
-          <a:p>
-            <a:pPr marL="0" indent="0">
-              <a:buNone/>
-            </a:pPr>
-            <a:r>
-              <a:rPr kumimoji="1" lang="ja-JP" altLang="en-US" sz="2000" dirty="0">
-                <a:latin typeface="BIZ UDPゴシック" panose="020B0400000000000000" pitchFamily="50" charset="-128"/>
-                <a:ea typeface="BIZ UDPゴシック" panose="020B0400000000000000" pitchFamily="50" charset="-128"/>
-              </a:rPr>
-              <a:t>研修後：</a:t>
-            </a:r>
-          </a:p>
-          <a:p>
-            <a:endParaRPr kumimoji="1" lang="ja-JP" altLang="en-US" dirty="0"/>
-          </a:p>
-        </p:txBody>
-      </p:sp>
-      <p:sp>
-        <p:nvSpPr>
           <p:cNvPr id="4" name="正方形/長方形 3">
             <a:extLst>
               <a:ext uri="{FF2B5EF4-FFF2-40B4-BE49-F238E27FC236}">
-                <a16:creationId xmlns:a16="http://schemas.microsoft.com/office/drawing/2014/main" id="{A856C50C-BAA7-4B6D-AE24-5E7FA0FEF925}"/>
+                <a16:creationId xmlns:a16="http://schemas.microsoft.com/office/drawing/2014/main" id="{5FEE7B1C-E95B-E256-3EA5-22C327D45930}"/>
               </a:ext>
             </a:extLst>
           </p:cNvPr>
@@ -4484,10 +4334,78 @@
       </p:sp>
       <p:sp>
         <p:nvSpPr>
-          <p:cNvPr id="5" name="楕円 4">
-            <a:extLst>
-              <a:ext uri="{FF2B5EF4-FFF2-40B4-BE49-F238E27FC236}">
-                <a16:creationId xmlns:a16="http://schemas.microsoft.com/office/drawing/2014/main" id="{E0680914-3528-BBD0-23C6-8DAD5B7E50A6}"/>
+          <p:cNvPr id="5" name="タイトル 4">
+            <a:extLst>
+              <a:ext uri="{FF2B5EF4-FFF2-40B4-BE49-F238E27FC236}">
+                <a16:creationId xmlns:a16="http://schemas.microsoft.com/office/drawing/2014/main" id="{D206875B-98AF-1BF0-0807-926996960178}"/>
+              </a:ext>
+            </a:extLst>
+          </p:cNvPr>
+          <p:cNvSpPr>
+            <a:spLocks noGrp="1"/>
+          </p:cNvSpPr>
+          <p:nvPr>
+            <p:ph type="title"/>
+          </p:nvPr>
+        </p:nvSpPr>
+        <p:spPr>
+          <a:xfrm>
+            <a:off x="4806372" y="596457"/>
+            <a:ext cx="2579255" cy="988724"/>
+          </a:xfrm>
+        </p:spPr>
+        <p:txBody>
+          <a:bodyPr>
+            <a:normAutofit/>
+          </a:bodyPr>
+          <a:lstStyle/>
+          <a:p>
+            <a:r>
+              <a:rPr lang="ja-JP" altLang="en-US" sz="3600" b="1" dirty="0">
+                <a:latin typeface="BIZ UDPゴシック" panose="020B0400000000000000" pitchFamily="50" charset="-128"/>
+                <a:ea typeface="BIZ UDPゴシック" panose="020B0400000000000000" pitchFamily="50" charset="-128"/>
+              </a:rPr>
+              <a:t>苦労した点</a:t>
+            </a:r>
+          </a:p>
+        </p:txBody>
+      </p:sp>
+    </p:spTree>
+    <p:extLst>
+      <p:ext uri="{BB962C8B-B14F-4D97-AF65-F5344CB8AC3E}">
+        <p14:creationId xmlns:p14="http://schemas.microsoft.com/office/powerpoint/2010/main" val="3210008897"/>
+      </p:ext>
+    </p:extLst>
+  </p:cSld>
+  <p:clrMapOvr>
+    <a:masterClrMapping/>
+  </p:clrMapOvr>
+</p:sld>
+</file>
+
+<file path=ppt/slides/slide11.xml><?xml version="1.0" encoding="utf-8"?>
+<p:sld xmlns:a="http://schemas.openxmlformats.org/drawingml/2006/main" xmlns:r="http://schemas.openxmlformats.org/officeDocument/2006/relationships" xmlns:p="http://schemas.openxmlformats.org/presentationml/2006/main">
+  <p:cSld>
+    <p:spTree>
+      <p:nvGrpSpPr>
+        <p:cNvPr id="1" name=""/>
+        <p:cNvGrpSpPr/>
+        <p:nvPr/>
+      </p:nvGrpSpPr>
+      <p:grpSpPr>
+        <a:xfrm>
+          <a:off x="0" y="0"/>
+          <a:ext cx="0" cy="0"/>
+          <a:chOff x="0" y="0"/>
+          <a:chExt cx="0" cy="0"/>
+        </a:xfrm>
+      </p:grpSpPr>
+      <p:sp>
+        <p:nvSpPr>
+          <p:cNvPr id="7" name="正方形/長方形 6">
+            <a:extLst>
+              <a:ext uri="{FF2B5EF4-FFF2-40B4-BE49-F238E27FC236}">
+                <a16:creationId xmlns:a16="http://schemas.microsoft.com/office/drawing/2014/main" id="{AEF6CB4B-A4CC-B93B-870B-76E48E15E04F}"/>
               </a:ext>
             </a:extLst>
           </p:cNvPr>
@@ -4496,16 +4414,226 @@
         </p:nvSpPr>
         <p:spPr>
           <a:xfrm>
-            <a:off x="2039576" y="1960685"/>
-            <a:ext cx="1221769" cy="1207111"/>
-          </a:xfrm>
-          <a:prstGeom prst="ellipse">
+            <a:off x="0" y="0"/>
+            <a:ext cx="12192000" cy="6858000"/>
+          </a:xfrm>
+          <a:prstGeom prst="rect">
             <a:avLst/>
           </a:prstGeom>
+          <a:solidFill>
+            <a:srgbClr val="FFFFE0"/>
+          </a:solidFill>
           <a:ln>
-            <a:solidFill>
-              <a:schemeClr val="tx1"/>
-            </a:solidFill>
+            <a:noFill/>
+          </a:ln>
+        </p:spPr>
+        <p:style>
+          <a:lnRef idx="2">
+            <a:schemeClr val="accent1">
+              <a:shade val="15000"/>
+            </a:schemeClr>
+          </a:lnRef>
+          <a:fillRef idx="1">
+            <a:schemeClr val="accent1"/>
+          </a:fillRef>
+          <a:effectRef idx="0">
+            <a:schemeClr val="accent1"/>
+          </a:effectRef>
+          <a:fontRef idx="minor">
+            <a:schemeClr val="lt1"/>
+          </a:fontRef>
+        </p:style>
+        <p:txBody>
+          <a:bodyPr rtlCol="0" anchor="ctr"/>
+          <a:lstStyle/>
+          <a:p>
+            <a:pPr algn="ctr"/>
+            <a:endParaRPr kumimoji="1" lang="ja-JP" altLang="en-US"/>
+          </a:p>
+        </p:txBody>
+      </p:sp>
+      <p:sp>
+        <p:nvSpPr>
+          <p:cNvPr id="2" name="タイトル 1">
+            <a:extLst>
+              <a:ext uri="{FF2B5EF4-FFF2-40B4-BE49-F238E27FC236}">
+                <a16:creationId xmlns:a16="http://schemas.microsoft.com/office/drawing/2014/main" id="{8064990F-8CEB-F78B-C614-EBE55706851D}"/>
+              </a:ext>
+            </a:extLst>
+          </p:cNvPr>
+          <p:cNvSpPr>
+            <a:spLocks noGrp="1"/>
+          </p:cNvSpPr>
+          <p:nvPr>
+            <p:ph type="title"/>
+          </p:nvPr>
+        </p:nvSpPr>
+        <p:spPr>
+          <a:xfrm>
+            <a:off x="2973601" y="375404"/>
+            <a:ext cx="6494585" cy="1207111"/>
+          </a:xfrm>
+        </p:spPr>
+        <p:txBody>
+          <a:bodyPr>
+            <a:normAutofit/>
+          </a:bodyPr>
+          <a:lstStyle/>
+          <a:p>
+            <a:r>
+              <a:rPr kumimoji="1" lang="ja-JP" altLang="en-US" sz="3600" b="1" dirty="0">
+                <a:latin typeface="BIZ UDPゴシック" panose="020B0400000000000000" pitchFamily="50" charset="-128"/>
+                <a:ea typeface="BIZ UDPゴシック" panose="020B0400000000000000" pitchFamily="50" charset="-128"/>
+              </a:rPr>
+              <a:t>研修前・研修後で成長したこと</a:t>
+            </a:r>
+          </a:p>
+        </p:txBody>
+      </p:sp>
+      <p:sp>
+        <p:nvSpPr>
+          <p:cNvPr id="3" name="コンテンツ プレースホルダー 2">
+            <a:extLst>
+              <a:ext uri="{FF2B5EF4-FFF2-40B4-BE49-F238E27FC236}">
+                <a16:creationId xmlns:a16="http://schemas.microsoft.com/office/drawing/2014/main" id="{C5CA9E37-89C9-8145-1E5C-98A3F37A452A}"/>
+              </a:ext>
+            </a:extLst>
+          </p:cNvPr>
+          <p:cNvSpPr>
+            <a:spLocks noGrp="1"/>
+          </p:cNvSpPr>
+          <p:nvPr>
+            <p:ph idx="1"/>
+          </p:nvPr>
+        </p:nvSpPr>
+        <p:spPr>
+          <a:xfrm>
+            <a:off x="4844561" y="1960685"/>
+            <a:ext cx="6796453" cy="3789484"/>
+          </a:xfrm>
+        </p:spPr>
+        <p:txBody>
+          <a:bodyPr>
+            <a:normAutofit/>
+          </a:bodyPr>
+          <a:lstStyle/>
+          <a:p>
+            <a:pPr marL="0" indent="0">
+              <a:buNone/>
+            </a:pPr>
+            <a:r>
+              <a:rPr kumimoji="1" lang="ja-JP" altLang="en-US" sz="2000" dirty="0">
+                <a:latin typeface="BIZ UDPゴシック" panose="020B0400000000000000" pitchFamily="50" charset="-128"/>
+                <a:ea typeface="BIZ UDPゴシック" panose="020B0400000000000000" pitchFamily="50" charset="-128"/>
+              </a:rPr>
+              <a:t>名前：川﨑</a:t>
+            </a:r>
+          </a:p>
+          <a:p>
+            <a:endParaRPr kumimoji="1" lang="ja-JP" altLang="en-US" sz="2000" dirty="0">
+              <a:latin typeface="BIZ UDPゴシック" panose="020B0400000000000000" pitchFamily="50" charset="-128"/>
+              <a:ea typeface="BIZ UDPゴシック" panose="020B0400000000000000" pitchFamily="50" charset="-128"/>
+            </a:endParaRPr>
+          </a:p>
+          <a:p>
+            <a:pPr marL="0" indent="0">
+              <a:buNone/>
+            </a:pPr>
+            <a:r>
+              <a:rPr kumimoji="1" lang="ja-JP" altLang="en-US" sz="2000" dirty="0">
+                <a:latin typeface="BIZ UDPゴシック" panose="020B0400000000000000" pitchFamily="50" charset="-128"/>
+                <a:ea typeface="BIZ UDPゴシック" panose="020B0400000000000000" pitchFamily="50" charset="-128"/>
+              </a:rPr>
+              <a:t>役職：リーダー</a:t>
+            </a:r>
+          </a:p>
+          <a:p>
+            <a:pPr marL="0" indent="0">
+              <a:buNone/>
+            </a:pPr>
+            <a:endParaRPr kumimoji="1" lang="ja-JP" altLang="en-US" sz="2000" dirty="0">
+              <a:latin typeface="BIZ UDPゴシック" panose="020B0400000000000000" pitchFamily="50" charset="-128"/>
+              <a:ea typeface="BIZ UDPゴシック" panose="020B0400000000000000" pitchFamily="50" charset="-128"/>
+            </a:endParaRPr>
+          </a:p>
+          <a:p>
+            <a:pPr marL="0" indent="0">
+              <a:buNone/>
+            </a:pPr>
+            <a:r>
+              <a:rPr kumimoji="1" lang="ja-JP" altLang="en-US" sz="2000" dirty="0">
+                <a:latin typeface="BIZ UDPゴシック" panose="020B0400000000000000" pitchFamily="50" charset="-128"/>
+                <a:ea typeface="BIZ UDPゴシック" panose="020B0400000000000000" pitchFamily="50" charset="-128"/>
+              </a:rPr>
+              <a:t>担当箇所：ログイン画面・新規登録画面、ホーム画面</a:t>
+            </a:r>
+          </a:p>
+          <a:p>
+            <a:endParaRPr kumimoji="1" lang="ja-JP" altLang="en-US" sz="2000" dirty="0">
+              <a:latin typeface="BIZ UDPゴシック" panose="020B0400000000000000" pitchFamily="50" charset="-128"/>
+              <a:ea typeface="BIZ UDPゴシック" panose="020B0400000000000000" pitchFamily="50" charset="-128"/>
+            </a:endParaRPr>
+          </a:p>
+          <a:p>
+            <a:pPr marL="0" indent="0">
+              <a:buNone/>
+            </a:pPr>
+            <a:r>
+              <a:rPr kumimoji="1" lang="ja-JP" altLang="en-US" sz="2000" dirty="0">
+                <a:latin typeface="BIZ UDPゴシック" panose="020B0400000000000000" pitchFamily="50" charset="-128"/>
+                <a:ea typeface="BIZ UDPゴシック" panose="020B0400000000000000" pitchFamily="50" charset="-128"/>
+              </a:rPr>
+              <a:t>研修前：</a:t>
+            </a:r>
+          </a:p>
+          <a:p>
+            <a:endParaRPr kumimoji="1" lang="ja-JP" altLang="en-US" sz="2000" dirty="0">
+              <a:latin typeface="BIZ UDPゴシック" panose="020B0400000000000000" pitchFamily="50" charset="-128"/>
+              <a:ea typeface="BIZ UDPゴシック" panose="020B0400000000000000" pitchFamily="50" charset="-128"/>
+            </a:endParaRPr>
+          </a:p>
+          <a:p>
+            <a:pPr marL="0" indent="0">
+              <a:buNone/>
+            </a:pPr>
+            <a:r>
+              <a:rPr kumimoji="1" lang="ja-JP" altLang="en-US" sz="2000" dirty="0">
+                <a:latin typeface="BIZ UDPゴシック" panose="020B0400000000000000" pitchFamily="50" charset="-128"/>
+                <a:ea typeface="BIZ UDPゴシック" panose="020B0400000000000000" pitchFamily="50" charset="-128"/>
+              </a:rPr>
+              <a:t>研修後：</a:t>
+            </a:r>
+          </a:p>
+          <a:p>
+            <a:endParaRPr kumimoji="1" lang="ja-JP" altLang="en-US" dirty="0"/>
+          </a:p>
+        </p:txBody>
+      </p:sp>
+      <p:sp>
+        <p:nvSpPr>
+          <p:cNvPr id="4" name="正方形/長方形 3">
+            <a:extLst>
+              <a:ext uri="{FF2B5EF4-FFF2-40B4-BE49-F238E27FC236}">
+                <a16:creationId xmlns:a16="http://schemas.microsoft.com/office/drawing/2014/main" id="{A856C50C-BAA7-4B6D-AE24-5E7FA0FEF925}"/>
+              </a:ext>
+            </a:extLst>
+          </p:cNvPr>
+          <p:cNvSpPr/>
+          <p:nvPr/>
+        </p:nvSpPr>
+        <p:spPr>
+          <a:xfrm>
+            <a:off x="10057512" y="5874328"/>
+            <a:ext cx="2134488" cy="665018"/>
+          </a:xfrm>
+          <a:prstGeom prst="rect">
+            <a:avLst/>
+          </a:prstGeom>
+          <a:solidFill>
+            <a:srgbClr val="FFFFE0"/>
+          </a:solidFill>
+          <a:ln>
+            <a:noFill/>
           </a:ln>
         </p:spPr>
         <p:style>
@@ -4527,6 +4655,71 @@
           <a:lstStyle/>
           <a:p>
             <a:pPr algn="ctr"/>
+            <a:r>
+              <a:rPr kumimoji="1" lang="en-US" altLang="ja-JP" dirty="0">
+                <a:solidFill>
+                  <a:schemeClr val="bg1">
+                    <a:lumMod val="75000"/>
+                  </a:schemeClr>
+                </a:solidFill>
+              </a:rPr>
+              <a:t>2025.7.31</a:t>
+            </a:r>
+            <a:endParaRPr kumimoji="1" lang="ja-JP" altLang="en-US" dirty="0">
+              <a:solidFill>
+                <a:schemeClr val="bg1">
+                  <a:lumMod val="75000"/>
+                </a:schemeClr>
+              </a:solidFill>
+            </a:endParaRPr>
+          </a:p>
+        </p:txBody>
+      </p:sp>
+      <p:sp>
+        <p:nvSpPr>
+          <p:cNvPr id="5" name="楕円 4">
+            <a:extLst>
+              <a:ext uri="{FF2B5EF4-FFF2-40B4-BE49-F238E27FC236}">
+                <a16:creationId xmlns:a16="http://schemas.microsoft.com/office/drawing/2014/main" id="{E0680914-3528-BBD0-23C6-8DAD5B7E50A6}"/>
+              </a:ext>
+            </a:extLst>
+          </p:cNvPr>
+          <p:cNvSpPr/>
+          <p:nvPr/>
+        </p:nvSpPr>
+        <p:spPr>
+          <a:xfrm>
+            <a:off x="2039576" y="1960685"/>
+            <a:ext cx="1221769" cy="1207111"/>
+          </a:xfrm>
+          <a:prstGeom prst="ellipse">
+            <a:avLst/>
+          </a:prstGeom>
+          <a:ln>
+            <a:solidFill>
+              <a:schemeClr val="tx1"/>
+            </a:solidFill>
+          </a:ln>
+        </p:spPr>
+        <p:style>
+          <a:lnRef idx="2">
+            <a:schemeClr val="accent6"/>
+          </a:lnRef>
+          <a:fillRef idx="1">
+            <a:schemeClr val="lt1"/>
+          </a:fillRef>
+          <a:effectRef idx="0">
+            <a:schemeClr val="accent6"/>
+          </a:effectRef>
+          <a:fontRef idx="minor">
+            <a:schemeClr val="dk1"/>
+          </a:fontRef>
+        </p:style>
+        <p:txBody>
+          <a:bodyPr rtlCol="0" anchor="ctr"/>
+          <a:lstStyle/>
+          <a:p>
+            <a:pPr algn="ctr"/>
             <a:endParaRPr kumimoji="1" lang="ja-JP" altLang="en-US"/>
           </a:p>
         </p:txBody>
@@ -4581,7 +4774,7 @@
 </p:sld>
 </file>
 
-<file path=ppt/slides/slide11.xml><?xml version="1.0" encoding="utf-8"?>
+<file path=ppt/slides/slide12.xml><?xml version="1.0" encoding="utf-8"?>
 <p:sld xmlns:a="http://schemas.openxmlformats.org/drawingml/2006/main" xmlns:r="http://schemas.openxmlformats.org/officeDocument/2006/relationships" xmlns:p="http://schemas.openxmlformats.org/presentationml/2006/main">
   <p:cSld>
     <p:spTree>
@@ -4981,7 +5174,7 @@
 </p:sld>
 </file>
 
-<file path=ppt/slides/slide12.xml><?xml version="1.0" encoding="utf-8"?>
+<file path=ppt/slides/slide13.xml><?xml version="1.0" encoding="utf-8"?>
 <p:sld xmlns:a="http://schemas.openxmlformats.org/drawingml/2006/main" xmlns:r="http://schemas.openxmlformats.org/officeDocument/2006/relationships" xmlns:p="http://schemas.openxmlformats.org/presentationml/2006/main">
   <p:cSld>
     <p:spTree>
@@ -5374,7 +5567,7 @@
 </p:sld>
 </file>
 
-<file path=ppt/slides/slide13.xml><?xml version="1.0" encoding="utf-8"?>
+<file path=ppt/slides/slide14.xml><?xml version="1.0" encoding="utf-8"?>
 <p:sld xmlns:a="http://schemas.openxmlformats.org/drawingml/2006/main" xmlns:r="http://schemas.openxmlformats.org/officeDocument/2006/relationships" xmlns:p="http://schemas.openxmlformats.org/presentationml/2006/main">
   <p:cSld>
     <p:spTree>
@@ -5745,7 +5938,7 @@
 </p:sld>
 </file>
 
-<file path=ppt/slides/slide14.xml><?xml version="1.0" encoding="utf-8"?>
+<file path=ppt/slides/slide15.xml><?xml version="1.0" encoding="utf-8"?>
 <p:sld xmlns:a="http://schemas.openxmlformats.org/drawingml/2006/main" xmlns:r="http://schemas.openxmlformats.org/officeDocument/2006/relationships" xmlns:p="http://schemas.openxmlformats.org/presentationml/2006/main">
   <p:cSld>
     <p:spTree>
@@ -6138,7 +6331,7 @@
 </p:sld>
 </file>
 
-<file path=ppt/slides/slide15.xml><?xml version="1.0" encoding="utf-8"?>
+<file path=ppt/slides/slide16.xml><?xml version="1.0" encoding="utf-8"?>
 <p:sld xmlns:a="http://schemas.openxmlformats.org/drawingml/2006/main" xmlns:r="http://schemas.openxmlformats.org/officeDocument/2006/relationships" xmlns:p="http://schemas.openxmlformats.org/presentationml/2006/main">
   <p:cSld>
     <p:spTree>
@@ -6520,7 +6713,7 @@
 </p:sld>
 </file>
 
-<file path=ppt/slides/slide16.xml><?xml version="1.0" encoding="utf-8"?>
+<file path=ppt/slides/slide17.xml><?xml version="1.0" encoding="utf-8"?>
 <p:sld xmlns:a="http://schemas.openxmlformats.org/drawingml/2006/main" xmlns:r="http://schemas.openxmlformats.org/officeDocument/2006/relationships" xmlns:p="http://schemas.openxmlformats.org/presentationml/2006/main">
   <p:cSld>
     <p:spTree>
@@ -6866,7 +7059,7 @@
 </p:sld>
 </file>
 
-<file path=ppt/slides/slide17.xml><?xml version="1.0" encoding="utf-8"?>
+<file path=ppt/slides/slide18.xml><?xml version="1.0" encoding="utf-8"?>
 <p:sld xmlns:a="http://schemas.openxmlformats.org/drawingml/2006/main" xmlns:r="http://schemas.openxmlformats.org/officeDocument/2006/relationships" xmlns:p="http://schemas.openxmlformats.org/presentationml/2006/main">
   <p:cSld>
     <p:spTree>
@@ -9464,7 +9657,7 @@
         <p:cNvPr id="1" name="">
           <a:extLst>
             <a:ext uri="{FF2B5EF4-FFF2-40B4-BE49-F238E27FC236}">
-              <a16:creationId xmlns:a16="http://schemas.microsoft.com/office/drawing/2014/main" id="{9FA60A8C-EC57-CE58-195D-75F6BD7E55E5}"/>
+              <a16:creationId xmlns:a16="http://schemas.microsoft.com/office/drawing/2014/main" id="{02B84DD7-846C-F327-5DCB-EC43A7D0CD4D}"/>
             </a:ext>
           </a:extLst>
         </p:cNvPr>
@@ -9481,10 +9674,10 @@
       </p:grpSpPr>
       <p:sp>
         <p:nvSpPr>
-          <p:cNvPr id="3" name="正方形/長方形 2">
-            <a:extLst>
-              <a:ext uri="{FF2B5EF4-FFF2-40B4-BE49-F238E27FC236}">
-                <a16:creationId xmlns:a16="http://schemas.microsoft.com/office/drawing/2014/main" id="{83A4E471-F727-1AFF-5259-294CA8BCD7A7}"/>
+          <p:cNvPr id="10" name="正方形/長方形 9">
+            <a:extLst>
+              <a:ext uri="{FF2B5EF4-FFF2-40B4-BE49-F238E27FC236}">
+                <a16:creationId xmlns:a16="http://schemas.microsoft.com/office/drawing/2014/main" id="{EC3E1487-92FD-A23D-B572-2628681007E5}"/>
               </a:ext>
             </a:extLst>
           </p:cNvPr>
@@ -9536,7 +9729,7 @@
           <p:cNvPr id="4" name="正方形/長方形 3">
             <a:extLst>
               <a:ext uri="{FF2B5EF4-FFF2-40B4-BE49-F238E27FC236}">
-                <a16:creationId xmlns:a16="http://schemas.microsoft.com/office/drawing/2014/main" id="{32F74D00-A85C-08C1-AE35-57BF2A9437A6}"/>
+                <a16:creationId xmlns:a16="http://schemas.microsoft.com/office/drawing/2014/main" id="{6BFD2770-5AE7-DCD2-1722-98043CD6A115}"/>
               </a:ext>
             </a:extLst>
           </p:cNvPr>
@@ -9602,6 +9795,198 @@
           <p:cNvPr id="5" name="タイトル 4">
             <a:extLst>
               <a:ext uri="{FF2B5EF4-FFF2-40B4-BE49-F238E27FC236}">
+                <a16:creationId xmlns:a16="http://schemas.microsoft.com/office/drawing/2014/main" id="{C4040132-DADF-8E06-6EE4-903E10B873D1}"/>
+              </a:ext>
+            </a:extLst>
+          </p:cNvPr>
+          <p:cNvSpPr>
+            <a:spLocks noGrp="1"/>
+          </p:cNvSpPr>
+          <p:nvPr>
+            <p:ph type="title"/>
+          </p:nvPr>
+        </p:nvSpPr>
+        <p:spPr>
+          <a:xfrm>
+            <a:off x="5490396" y="702113"/>
+            <a:ext cx="1211208" cy="1044143"/>
+          </a:xfrm>
+        </p:spPr>
+        <p:txBody>
+          <a:bodyPr>
+            <a:normAutofit/>
+          </a:bodyPr>
+          <a:lstStyle/>
+          <a:p>
+            <a:r>
+              <a:rPr lang="ja-JP" altLang="en-US" sz="3600" b="1" dirty="0">
+                <a:latin typeface="BIZ UDPゴシック" panose="020B0400000000000000" pitchFamily="50" charset="-128"/>
+                <a:ea typeface="BIZ UDPゴシック" panose="020B0400000000000000" pitchFamily="50" charset="-128"/>
+              </a:rPr>
+              <a:t>デモ</a:t>
+            </a:r>
+          </a:p>
+        </p:txBody>
+      </p:sp>
+    </p:spTree>
+    <p:extLst>
+      <p:ext uri="{BB962C8B-B14F-4D97-AF65-F5344CB8AC3E}">
+        <p14:creationId xmlns:p14="http://schemas.microsoft.com/office/powerpoint/2010/main" val="122833142"/>
+      </p:ext>
+    </p:extLst>
+  </p:cSld>
+  <p:clrMapOvr>
+    <a:masterClrMapping/>
+  </p:clrMapOvr>
+</p:sld>
+</file>
+
+<file path=ppt/slides/slide8.xml><?xml version="1.0" encoding="utf-8"?>
+<p:sld xmlns:a="http://schemas.openxmlformats.org/drawingml/2006/main" xmlns:r="http://schemas.openxmlformats.org/officeDocument/2006/relationships" xmlns:p="http://schemas.openxmlformats.org/presentationml/2006/main">
+  <p:cSld>
+    <p:spTree>
+      <p:nvGrpSpPr>
+        <p:cNvPr id="1" name="">
+          <a:extLst>
+            <a:ext uri="{FF2B5EF4-FFF2-40B4-BE49-F238E27FC236}">
+              <a16:creationId xmlns:a16="http://schemas.microsoft.com/office/drawing/2014/main" id="{9FA60A8C-EC57-CE58-195D-75F6BD7E55E5}"/>
+            </a:ext>
+          </a:extLst>
+        </p:cNvPr>
+        <p:cNvGrpSpPr/>
+        <p:nvPr/>
+      </p:nvGrpSpPr>
+      <p:grpSpPr>
+        <a:xfrm>
+          <a:off x="0" y="0"/>
+          <a:ext cx="0" cy="0"/>
+          <a:chOff x="0" y="0"/>
+          <a:chExt cx="0" cy="0"/>
+        </a:xfrm>
+      </p:grpSpPr>
+      <p:sp>
+        <p:nvSpPr>
+          <p:cNvPr id="3" name="正方形/長方形 2">
+            <a:extLst>
+              <a:ext uri="{FF2B5EF4-FFF2-40B4-BE49-F238E27FC236}">
+                <a16:creationId xmlns:a16="http://schemas.microsoft.com/office/drawing/2014/main" id="{83A4E471-F727-1AFF-5259-294CA8BCD7A7}"/>
+              </a:ext>
+            </a:extLst>
+          </p:cNvPr>
+          <p:cNvSpPr/>
+          <p:nvPr/>
+        </p:nvSpPr>
+        <p:spPr>
+          <a:xfrm>
+            <a:off x="0" y="0"/>
+            <a:ext cx="12192000" cy="6858000"/>
+          </a:xfrm>
+          <a:prstGeom prst="rect">
+            <a:avLst/>
+          </a:prstGeom>
+          <a:solidFill>
+            <a:srgbClr val="FFFFE0"/>
+          </a:solidFill>
+          <a:ln>
+            <a:noFill/>
+          </a:ln>
+        </p:spPr>
+        <p:style>
+          <a:lnRef idx="2">
+            <a:schemeClr val="accent1">
+              <a:shade val="15000"/>
+            </a:schemeClr>
+          </a:lnRef>
+          <a:fillRef idx="1">
+            <a:schemeClr val="accent1"/>
+          </a:fillRef>
+          <a:effectRef idx="0">
+            <a:schemeClr val="accent1"/>
+          </a:effectRef>
+          <a:fontRef idx="minor">
+            <a:schemeClr val="lt1"/>
+          </a:fontRef>
+        </p:style>
+        <p:txBody>
+          <a:bodyPr rtlCol="0" anchor="ctr"/>
+          <a:lstStyle/>
+          <a:p>
+            <a:pPr algn="ctr"/>
+            <a:endParaRPr kumimoji="1" lang="ja-JP" altLang="en-US"/>
+          </a:p>
+        </p:txBody>
+      </p:sp>
+      <p:sp>
+        <p:nvSpPr>
+          <p:cNvPr id="4" name="正方形/長方形 3">
+            <a:extLst>
+              <a:ext uri="{FF2B5EF4-FFF2-40B4-BE49-F238E27FC236}">
+                <a16:creationId xmlns:a16="http://schemas.microsoft.com/office/drawing/2014/main" id="{32F74D00-A85C-08C1-AE35-57BF2A9437A6}"/>
+              </a:ext>
+            </a:extLst>
+          </p:cNvPr>
+          <p:cNvSpPr/>
+          <p:nvPr/>
+        </p:nvSpPr>
+        <p:spPr>
+          <a:xfrm>
+            <a:off x="10057512" y="5874328"/>
+            <a:ext cx="2134488" cy="665018"/>
+          </a:xfrm>
+          <a:prstGeom prst="rect">
+            <a:avLst/>
+          </a:prstGeom>
+          <a:solidFill>
+            <a:srgbClr val="FFFFE0"/>
+          </a:solidFill>
+          <a:ln>
+            <a:noFill/>
+          </a:ln>
+        </p:spPr>
+        <p:style>
+          <a:lnRef idx="2">
+            <a:schemeClr val="accent6"/>
+          </a:lnRef>
+          <a:fillRef idx="1">
+            <a:schemeClr val="lt1"/>
+          </a:fillRef>
+          <a:effectRef idx="0">
+            <a:schemeClr val="accent6"/>
+          </a:effectRef>
+          <a:fontRef idx="minor">
+            <a:schemeClr val="dk1"/>
+          </a:fontRef>
+        </p:style>
+        <p:txBody>
+          <a:bodyPr rtlCol="0" anchor="ctr"/>
+          <a:lstStyle/>
+          <a:p>
+            <a:pPr algn="ctr"/>
+            <a:r>
+              <a:rPr kumimoji="1" lang="en-US" altLang="ja-JP" dirty="0">
+                <a:solidFill>
+                  <a:schemeClr val="bg1">
+                    <a:lumMod val="75000"/>
+                  </a:schemeClr>
+                </a:solidFill>
+              </a:rPr>
+              <a:t>2025.7.31</a:t>
+            </a:r>
+            <a:endParaRPr kumimoji="1" lang="ja-JP" altLang="en-US" dirty="0">
+              <a:solidFill>
+                <a:schemeClr val="bg1">
+                  <a:lumMod val="75000"/>
+                </a:schemeClr>
+              </a:solidFill>
+            </a:endParaRPr>
+          </a:p>
+        </p:txBody>
+      </p:sp>
+      <p:sp>
+        <p:nvSpPr>
+          <p:cNvPr id="5" name="タイトル 4">
+            <a:extLst>
+              <a:ext uri="{FF2B5EF4-FFF2-40B4-BE49-F238E27FC236}">
                 <a16:creationId xmlns:a16="http://schemas.microsoft.com/office/drawing/2014/main" id="{DCA0C097-7AA4-346B-B7A2-F5CB27419124}"/>
               </a:ext>
             </a:extLst>
@@ -9648,7 +10033,7 @@
 </p:sld>
 </file>
 
-<file path=ppt/slides/slide8.xml><?xml version="1.0" encoding="utf-8"?>
+<file path=ppt/slides/slide9.xml><?xml version="1.0" encoding="utf-8"?>
 <p:sld xmlns:a="http://schemas.openxmlformats.org/drawingml/2006/main" xmlns:r="http://schemas.openxmlformats.org/officeDocument/2006/relationships" xmlns:p="http://schemas.openxmlformats.org/presentationml/2006/main">
   <p:cSld>
     <p:spTree>
@@ -9831,198 +10216,6 @@
     <p:extLst>
       <p:ext uri="{BB962C8B-B14F-4D97-AF65-F5344CB8AC3E}">
         <p14:creationId xmlns:p14="http://schemas.microsoft.com/office/powerpoint/2010/main" val="681833775"/>
-      </p:ext>
-    </p:extLst>
-  </p:cSld>
-  <p:clrMapOvr>
-    <a:masterClrMapping/>
-  </p:clrMapOvr>
-</p:sld>
-</file>
-
-<file path=ppt/slides/slide9.xml><?xml version="1.0" encoding="utf-8"?>
-<p:sld xmlns:a="http://schemas.openxmlformats.org/drawingml/2006/main" xmlns:r="http://schemas.openxmlformats.org/officeDocument/2006/relationships" xmlns:p="http://schemas.openxmlformats.org/presentationml/2006/main">
-  <p:cSld>
-    <p:spTree>
-      <p:nvGrpSpPr>
-        <p:cNvPr id="1" name="">
-          <a:extLst>
-            <a:ext uri="{FF2B5EF4-FFF2-40B4-BE49-F238E27FC236}">
-              <a16:creationId xmlns:a16="http://schemas.microsoft.com/office/drawing/2014/main" id="{CB3F45A9-9EA9-2D3E-827F-2727B8FCF5D1}"/>
-            </a:ext>
-          </a:extLst>
-        </p:cNvPr>
-        <p:cNvGrpSpPr/>
-        <p:nvPr/>
-      </p:nvGrpSpPr>
-      <p:grpSpPr>
-        <a:xfrm>
-          <a:off x="0" y="0"/>
-          <a:ext cx="0" cy="0"/>
-          <a:chOff x="0" y="0"/>
-          <a:chExt cx="0" cy="0"/>
-        </a:xfrm>
-      </p:grpSpPr>
-      <p:sp>
-        <p:nvSpPr>
-          <p:cNvPr id="3" name="正方形/長方形 2">
-            <a:extLst>
-              <a:ext uri="{FF2B5EF4-FFF2-40B4-BE49-F238E27FC236}">
-                <a16:creationId xmlns:a16="http://schemas.microsoft.com/office/drawing/2014/main" id="{64FC8A24-47A0-4847-EF59-9BDB1FF701F9}"/>
-              </a:ext>
-            </a:extLst>
-          </p:cNvPr>
-          <p:cNvSpPr/>
-          <p:nvPr/>
-        </p:nvSpPr>
-        <p:spPr>
-          <a:xfrm>
-            <a:off x="0" y="0"/>
-            <a:ext cx="12192000" cy="6858000"/>
-          </a:xfrm>
-          <a:prstGeom prst="rect">
-            <a:avLst/>
-          </a:prstGeom>
-          <a:solidFill>
-            <a:srgbClr val="FFFFE0"/>
-          </a:solidFill>
-          <a:ln>
-            <a:noFill/>
-          </a:ln>
-        </p:spPr>
-        <p:style>
-          <a:lnRef idx="2">
-            <a:schemeClr val="accent1">
-              <a:shade val="15000"/>
-            </a:schemeClr>
-          </a:lnRef>
-          <a:fillRef idx="1">
-            <a:schemeClr val="accent1"/>
-          </a:fillRef>
-          <a:effectRef idx="0">
-            <a:schemeClr val="accent1"/>
-          </a:effectRef>
-          <a:fontRef idx="minor">
-            <a:schemeClr val="lt1"/>
-          </a:fontRef>
-        </p:style>
-        <p:txBody>
-          <a:bodyPr rtlCol="0" anchor="ctr"/>
-          <a:lstStyle/>
-          <a:p>
-            <a:pPr algn="ctr"/>
-            <a:endParaRPr kumimoji="1" lang="ja-JP" altLang="en-US"/>
-          </a:p>
-        </p:txBody>
-      </p:sp>
-      <p:sp>
-        <p:nvSpPr>
-          <p:cNvPr id="4" name="正方形/長方形 3">
-            <a:extLst>
-              <a:ext uri="{FF2B5EF4-FFF2-40B4-BE49-F238E27FC236}">
-                <a16:creationId xmlns:a16="http://schemas.microsoft.com/office/drawing/2014/main" id="{5FEE7B1C-E95B-E256-3EA5-22C327D45930}"/>
-              </a:ext>
-            </a:extLst>
-          </p:cNvPr>
-          <p:cNvSpPr/>
-          <p:nvPr/>
-        </p:nvSpPr>
-        <p:spPr>
-          <a:xfrm>
-            <a:off x="10057512" y="5874328"/>
-            <a:ext cx="2134488" cy="665018"/>
-          </a:xfrm>
-          <a:prstGeom prst="rect">
-            <a:avLst/>
-          </a:prstGeom>
-          <a:solidFill>
-            <a:srgbClr val="FFFFE0"/>
-          </a:solidFill>
-          <a:ln>
-            <a:noFill/>
-          </a:ln>
-        </p:spPr>
-        <p:style>
-          <a:lnRef idx="2">
-            <a:schemeClr val="accent6"/>
-          </a:lnRef>
-          <a:fillRef idx="1">
-            <a:schemeClr val="lt1"/>
-          </a:fillRef>
-          <a:effectRef idx="0">
-            <a:schemeClr val="accent6"/>
-          </a:effectRef>
-          <a:fontRef idx="minor">
-            <a:schemeClr val="dk1"/>
-          </a:fontRef>
-        </p:style>
-        <p:txBody>
-          <a:bodyPr rtlCol="0" anchor="ctr"/>
-          <a:lstStyle/>
-          <a:p>
-            <a:pPr algn="ctr"/>
-            <a:r>
-              <a:rPr kumimoji="1" lang="en-US" altLang="ja-JP" dirty="0">
-                <a:solidFill>
-                  <a:schemeClr val="bg1">
-                    <a:lumMod val="75000"/>
-                  </a:schemeClr>
-                </a:solidFill>
-              </a:rPr>
-              <a:t>2025.7.31</a:t>
-            </a:r>
-            <a:endParaRPr kumimoji="1" lang="ja-JP" altLang="en-US" dirty="0">
-              <a:solidFill>
-                <a:schemeClr val="bg1">
-                  <a:lumMod val="75000"/>
-                </a:schemeClr>
-              </a:solidFill>
-            </a:endParaRPr>
-          </a:p>
-        </p:txBody>
-      </p:sp>
-      <p:sp>
-        <p:nvSpPr>
-          <p:cNvPr id="5" name="タイトル 4">
-            <a:extLst>
-              <a:ext uri="{FF2B5EF4-FFF2-40B4-BE49-F238E27FC236}">
-                <a16:creationId xmlns:a16="http://schemas.microsoft.com/office/drawing/2014/main" id="{D206875B-98AF-1BF0-0807-926996960178}"/>
-              </a:ext>
-            </a:extLst>
-          </p:cNvPr>
-          <p:cNvSpPr>
-            <a:spLocks noGrp="1"/>
-          </p:cNvSpPr>
-          <p:nvPr>
-            <p:ph type="title"/>
-          </p:nvPr>
-        </p:nvSpPr>
-        <p:spPr>
-          <a:xfrm>
-            <a:off x="4806372" y="596457"/>
-            <a:ext cx="2579255" cy="988724"/>
-          </a:xfrm>
-        </p:spPr>
-        <p:txBody>
-          <a:bodyPr>
-            <a:normAutofit/>
-          </a:bodyPr>
-          <a:lstStyle/>
-          <a:p>
-            <a:r>
-              <a:rPr lang="ja-JP" altLang="en-US" sz="3600" b="1" dirty="0">
-                <a:latin typeface="BIZ UDPゴシック" panose="020B0400000000000000" pitchFamily="50" charset="-128"/>
-                <a:ea typeface="BIZ UDPゴシック" panose="020B0400000000000000" pitchFamily="50" charset="-128"/>
-              </a:rPr>
-              <a:t>苦労した点</a:t>
-            </a:r>
-          </a:p>
-        </p:txBody>
-      </p:sp>
-    </p:spTree>
-    <p:extLst>
-      <p:ext uri="{BB962C8B-B14F-4D97-AF65-F5344CB8AC3E}">
-        <p14:creationId xmlns:p14="http://schemas.microsoft.com/office/powerpoint/2010/main" val="3210008897"/>
       </p:ext>
     </p:extLst>
   </p:cSld>

--- a/発表準備/7月成果発表会.pptx
+++ b/発表準備/7月成果発表会.pptx
@@ -8555,6 +8555,9 @@
               <a:gd name="adj2" fmla="val 68632"/>
             </a:avLst>
           </a:prstGeom>
+          <a:solidFill>
+            <a:srgbClr val="FFFFE5"/>
+          </a:solidFill>
           <a:ln>
             <a:solidFill>
               <a:schemeClr val="bg1">

--- a/発表準備/7月成果発表会.pptx
+++ b/発表準備/7月成果発表会.pptx
@@ -3773,7 +3773,7 @@
         </p:nvSpPr>
         <p:spPr>
           <a:xfrm>
-            <a:off x="3270740" y="1021204"/>
+            <a:off x="3112478" y="1021204"/>
             <a:ext cx="5099538" cy="1354551"/>
           </a:xfrm>
         </p:spPr>

--- a/発表準備/7月成果発表会.pptx
+++ b/発表準備/7月成果発表会.pptx
@@ -16,11 +16,11 @@
     <p:sldId id="284" r:id="rId10"/>
     <p:sldId id="285" r:id="rId11"/>
     <p:sldId id="260" r:id="rId12"/>
-    <p:sldId id="288" r:id="rId13"/>
-    <p:sldId id="290" r:id="rId14"/>
-    <p:sldId id="287" r:id="rId15"/>
-    <p:sldId id="289" r:id="rId16"/>
-    <p:sldId id="291" r:id="rId17"/>
+    <p:sldId id="297" r:id="rId13"/>
+    <p:sldId id="294" r:id="rId14"/>
+    <p:sldId id="295" r:id="rId15"/>
+    <p:sldId id="298" r:id="rId16"/>
+    <p:sldId id="299" r:id="rId17"/>
     <p:sldId id="277" r:id="rId18"/>
     <p:sldId id="278" r:id="rId19"/>
   </p:sldIdLst>
@@ -4350,22 +4350,29 @@
         </p:nvSpPr>
         <p:spPr>
           <a:xfrm>
-            <a:off x="4806372" y="596457"/>
-            <a:ext cx="2579255" cy="988724"/>
+            <a:off x="4440115" y="596457"/>
+            <a:ext cx="3235569" cy="988724"/>
           </a:xfrm>
         </p:spPr>
         <p:txBody>
           <a:bodyPr>
-            <a:normAutofit/>
+            <a:noAutofit/>
           </a:bodyPr>
           <a:lstStyle/>
           <a:p>
+            <a:r>
+              <a:rPr lang="en-US" altLang="ja-JP" sz="3600" b="1" dirty="0">
+                <a:latin typeface="BIZ UDPゴシック" panose="020B0400000000000000" pitchFamily="50" charset="-128"/>
+                <a:ea typeface="BIZ UDPゴシック" panose="020B0400000000000000" pitchFamily="50" charset="-128"/>
+              </a:rPr>
+              <a:t>Ⅷ</a:t>
+            </a:r>
             <a:r>
               <a:rPr lang="ja-JP" altLang="en-US" sz="3600" b="1" dirty="0">
                 <a:latin typeface="BIZ UDPゴシック" panose="020B0400000000000000" pitchFamily="50" charset="-128"/>
                 <a:ea typeface="BIZ UDPゴシック" panose="020B0400000000000000" pitchFamily="50" charset="-128"/>
               </a:rPr>
-              <a:t>苦労した点</a:t>
+              <a:t>．苦労した点</a:t>
             </a:r>
           </a:p>
         </p:txBody>
@@ -4470,8 +4477,8 @@
         </p:nvSpPr>
         <p:spPr>
           <a:xfrm>
-            <a:off x="2973601" y="375404"/>
-            <a:ext cx="6494585" cy="1207111"/>
+            <a:off x="2461847" y="375404"/>
+            <a:ext cx="7006340" cy="1207111"/>
           </a:xfrm>
         </p:spPr>
         <p:txBody>
@@ -4480,6 +4487,20 @@
           </a:bodyPr>
           <a:lstStyle/>
           <a:p>
+            <a:r>
+              <a:rPr kumimoji="1" lang="en-US" altLang="ja-JP" sz="3600" b="1" dirty="0">
+                <a:latin typeface="BIZ UDPゴシック" panose="020B0400000000000000" pitchFamily="50" charset="-128"/>
+                <a:ea typeface="BIZ UDPゴシック" panose="020B0400000000000000" pitchFamily="50" charset="-128"/>
+              </a:rPr>
+              <a:t>Ⅸ</a:t>
+            </a:r>
+            <a:r>
+              <a:rPr lang="ja-JP" altLang="en-US" sz="3600" b="1" dirty="0">
+                <a:latin typeface="BIZ UDPゴシック" panose="020B0400000000000000" pitchFamily="50" charset="-128"/>
+                <a:ea typeface="BIZ UDPゴシック" panose="020B0400000000000000" pitchFamily="50" charset="-128"/>
+              </a:rPr>
+              <a:t>．</a:t>
+            </a:r>
             <a:r>
               <a:rPr kumimoji="1" lang="ja-JP" altLang="en-US" sz="3600" b="1" dirty="0">
                 <a:latin typeface="BIZ UDPゴシック" panose="020B0400000000000000" pitchFamily="50" charset="-128"/>
@@ -4782,7 +4803,7 @@
         <p:cNvPr id="1" name="">
           <a:extLst>
             <a:ext uri="{FF2B5EF4-FFF2-40B4-BE49-F238E27FC236}">
-              <a16:creationId xmlns:a16="http://schemas.microsoft.com/office/drawing/2014/main" id="{51032046-15FD-7E58-CCDA-58F390B7C696}"/>
+              <a16:creationId xmlns:a16="http://schemas.microsoft.com/office/drawing/2014/main" id="{D967E37F-7CF4-CEE7-2DB9-DABF72BF86EC}"/>
             </a:ext>
           </a:extLst>
         </p:cNvPr>
@@ -4799,10 +4820,10 @@
       </p:grpSpPr>
       <p:sp>
         <p:nvSpPr>
-          <p:cNvPr id="6" name="正方形/長方形 5">
-            <a:extLst>
-              <a:ext uri="{FF2B5EF4-FFF2-40B4-BE49-F238E27FC236}">
-                <a16:creationId xmlns:a16="http://schemas.microsoft.com/office/drawing/2014/main" id="{DD42687D-DDDC-15C6-3C5D-DC7D99F64E26}"/>
+          <p:cNvPr id="7" name="正方形/長方形 6">
+            <a:extLst>
+              <a:ext uri="{FF2B5EF4-FFF2-40B4-BE49-F238E27FC236}">
+                <a16:creationId xmlns:a16="http://schemas.microsoft.com/office/drawing/2014/main" id="{47DADA2E-3D71-C752-4F74-2821099C5A7F}"/>
               </a:ext>
             </a:extLst>
           </p:cNvPr>
@@ -4854,7 +4875,7 @@
           <p:cNvPr id="2" name="タイトル 1">
             <a:extLst>
               <a:ext uri="{FF2B5EF4-FFF2-40B4-BE49-F238E27FC236}">
-                <a16:creationId xmlns:a16="http://schemas.microsoft.com/office/drawing/2014/main" id="{F233ADBF-7116-676E-3FDB-A2037AE1E4AF}"/>
+                <a16:creationId xmlns:a16="http://schemas.microsoft.com/office/drawing/2014/main" id="{A1051DFC-F0EB-F541-EB18-6506A7149904}"/>
               </a:ext>
             </a:extLst>
           </p:cNvPr>
@@ -4867,8 +4888,8 @@
         </p:nvSpPr>
         <p:spPr>
           <a:xfrm>
-            <a:off x="2973601" y="375404"/>
-            <a:ext cx="6494585" cy="1207111"/>
+            <a:off x="2461847" y="375404"/>
+            <a:ext cx="7006340" cy="1207111"/>
           </a:xfrm>
         </p:spPr>
         <p:txBody>
@@ -4878,6 +4899,20 @@
           <a:lstStyle/>
           <a:p>
             <a:r>
+              <a:rPr kumimoji="1" lang="en-US" altLang="ja-JP" sz="3600" b="1" dirty="0">
+                <a:latin typeface="BIZ UDPゴシック" panose="020B0400000000000000" pitchFamily="50" charset="-128"/>
+                <a:ea typeface="BIZ UDPゴシック" panose="020B0400000000000000" pitchFamily="50" charset="-128"/>
+              </a:rPr>
+              <a:t>Ⅸ</a:t>
+            </a:r>
+            <a:r>
+              <a:rPr lang="ja-JP" altLang="en-US" sz="3600" b="1" dirty="0">
+                <a:latin typeface="BIZ UDPゴシック" panose="020B0400000000000000" pitchFamily="50" charset="-128"/>
+                <a:ea typeface="BIZ UDPゴシック" panose="020B0400000000000000" pitchFamily="50" charset="-128"/>
+              </a:rPr>
+              <a:t>．</a:t>
+            </a:r>
+            <a:r>
               <a:rPr kumimoji="1" lang="ja-JP" altLang="en-US" sz="3600" b="1" dirty="0">
                 <a:latin typeface="BIZ UDPゴシック" panose="020B0400000000000000" pitchFamily="50" charset="-128"/>
                 <a:ea typeface="BIZ UDPゴシック" panose="020B0400000000000000" pitchFamily="50" charset="-128"/>
@@ -4892,7 +4927,7 @@
           <p:cNvPr id="3" name="コンテンツ プレースホルダー 2">
             <a:extLst>
               <a:ext uri="{FF2B5EF4-FFF2-40B4-BE49-F238E27FC236}">
-                <a16:creationId xmlns:a16="http://schemas.microsoft.com/office/drawing/2014/main" id="{1FB25327-445A-B0D0-BFC4-F1066EECA976}"/>
+                <a16:creationId xmlns:a16="http://schemas.microsoft.com/office/drawing/2014/main" id="{2D3800FC-47D8-74FE-D8B4-0643E36F88C5}"/>
               </a:ext>
             </a:extLst>
           </p:cNvPr>
@@ -4919,26 +4954,50 @@
               <a:buNone/>
             </a:pPr>
             <a:r>
-              <a:rPr kumimoji="1" lang="ja-JP" altLang="en-US" sz="2000" dirty="0">
-                <a:latin typeface="BIZ UDPゴシック" panose="020B0400000000000000" pitchFamily="50" charset="-128"/>
-                <a:ea typeface="BIZ UDPゴシック" panose="020B0400000000000000" pitchFamily="50" charset="-128"/>
-              </a:rPr>
-              <a:t>名前：</a:t>
-            </a:r>
-            <a:r>
               <a:rPr lang="ja-JP" altLang="en-US" sz="2000" dirty="0">
                 <a:latin typeface="BIZ UDPゴシック" panose="020B0400000000000000" pitchFamily="50" charset="-128"/>
                 <a:ea typeface="BIZ UDPゴシック" panose="020B0400000000000000" pitchFamily="50" charset="-128"/>
               </a:rPr>
-              <a:t>宮澤</a:t>
-            </a:r>
-            <a:endParaRPr kumimoji="1" lang="ja-JP" altLang="en-US" sz="2000" dirty="0">
+              <a:t>名前：宮澤</a:t>
+            </a:r>
+          </a:p>
+          <a:p>
+            <a:endParaRPr lang="ja-JP" altLang="en-US" sz="2000" dirty="0">
               <a:latin typeface="BIZ UDPゴシック" panose="020B0400000000000000" pitchFamily="50" charset="-128"/>
               <a:ea typeface="BIZ UDPゴシック" panose="020B0400000000000000" pitchFamily="50" charset="-128"/>
             </a:endParaRPr>
           </a:p>
           <a:p>
-            <a:endParaRPr kumimoji="1" lang="ja-JP" altLang="en-US" sz="2000" dirty="0">
+            <a:pPr marL="0" indent="0">
+              <a:buNone/>
+            </a:pPr>
+            <a:r>
+              <a:rPr lang="ja-JP" altLang="en-US" sz="2000" dirty="0">
+                <a:latin typeface="BIZ UDPゴシック" panose="020B0400000000000000" pitchFamily="50" charset="-128"/>
+                <a:ea typeface="BIZ UDPゴシック" panose="020B0400000000000000" pitchFamily="50" charset="-128"/>
+              </a:rPr>
+              <a:t>役職：</a:t>
+            </a:r>
+            <a:r>
+              <a:rPr lang="en-US" altLang="ja-JP" sz="2000" dirty="0">
+                <a:latin typeface="BIZ UDPゴシック" panose="020B0400000000000000" pitchFamily="50" charset="-128"/>
+                <a:ea typeface="BIZ UDPゴシック" panose="020B0400000000000000" pitchFamily="50" charset="-128"/>
+              </a:rPr>
+              <a:t>DB</a:t>
+            </a:r>
+            <a:r>
+              <a:rPr lang="ja-JP" altLang="en-US" sz="2000" dirty="0">
+                <a:latin typeface="BIZ UDPゴシック" panose="020B0400000000000000" pitchFamily="50" charset="-128"/>
+                <a:ea typeface="BIZ UDPゴシック" panose="020B0400000000000000" pitchFamily="50" charset="-128"/>
+              </a:rPr>
+              <a:t>担当</a:t>
+            </a:r>
+          </a:p>
+          <a:p>
+            <a:pPr marL="0" indent="0">
+              <a:buNone/>
+            </a:pPr>
+            <a:endParaRPr lang="ja-JP" altLang="en-US" sz="2000" dirty="0">
               <a:latin typeface="BIZ UDPゴシック" panose="020B0400000000000000" pitchFamily="50" charset="-128"/>
               <a:ea typeface="BIZ UDPゴシック" panose="020B0400000000000000" pitchFamily="50" charset="-128"/>
             </a:endParaRPr>
@@ -4948,27 +5007,15 @@
               <a:buNone/>
             </a:pPr>
             <a:r>
-              <a:rPr kumimoji="1" lang="ja-JP" altLang="en-US" sz="2000" dirty="0">
-                <a:latin typeface="BIZ UDPゴシック" panose="020B0400000000000000" pitchFamily="50" charset="-128"/>
-                <a:ea typeface="BIZ UDPゴシック" panose="020B0400000000000000" pitchFamily="50" charset="-128"/>
-              </a:rPr>
-              <a:t>役職：</a:t>
-            </a:r>
-            <a:r>
-              <a:rPr lang="en-US" altLang="ja-JP" sz="2000" dirty="0">
-                <a:latin typeface="BIZ UDPゴシック" panose="020B0400000000000000" pitchFamily="50" charset="-128"/>
-                <a:ea typeface="BIZ UDPゴシック" panose="020B0400000000000000" pitchFamily="50" charset="-128"/>
-              </a:rPr>
-              <a:t>DB</a:t>
-            </a:r>
-            <a:r>
               <a:rPr lang="ja-JP" altLang="en-US" sz="2000" dirty="0">
                 <a:latin typeface="BIZ UDPゴシック" panose="020B0400000000000000" pitchFamily="50" charset="-128"/>
                 <a:ea typeface="BIZ UDPゴシック" panose="020B0400000000000000" pitchFamily="50" charset="-128"/>
               </a:rPr>
-              <a:t>担当</a:t>
-            </a:r>
-            <a:endParaRPr kumimoji="1" lang="ja-JP" altLang="en-US" sz="2000" dirty="0">
+              <a:t>担当箇所：グラフ分析、キーワード分析</a:t>
+            </a:r>
+          </a:p>
+          <a:p>
+            <a:endParaRPr lang="ja-JP" altLang="en-US" sz="2000" dirty="0">
               <a:latin typeface="BIZ UDPゴシック" panose="020B0400000000000000" pitchFamily="50" charset="-128"/>
               <a:ea typeface="BIZ UDPゴシック" panose="020B0400000000000000" pitchFamily="50" charset="-128"/>
             </a:endParaRPr>
@@ -4977,7 +5024,16 @@
             <a:pPr marL="0" indent="0">
               <a:buNone/>
             </a:pPr>
-            <a:endParaRPr kumimoji="1" lang="ja-JP" altLang="en-US" sz="2000" dirty="0">
+            <a:r>
+              <a:rPr lang="ja-JP" altLang="en-US" sz="2000" dirty="0">
+                <a:latin typeface="BIZ UDPゴシック" panose="020B0400000000000000" pitchFamily="50" charset="-128"/>
+                <a:ea typeface="BIZ UDPゴシック" panose="020B0400000000000000" pitchFamily="50" charset="-128"/>
+              </a:rPr>
+              <a:t>研修前：</a:t>
+            </a:r>
+          </a:p>
+          <a:p>
+            <a:endParaRPr lang="ja-JP" altLang="en-US" sz="2000" dirty="0">
               <a:latin typeface="BIZ UDPゴシック" panose="020B0400000000000000" pitchFamily="50" charset="-128"/>
               <a:ea typeface="BIZ UDPゴシック" panose="020B0400000000000000" pitchFamily="50" charset="-128"/>
             </a:endParaRPr>
@@ -4987,61 +5043,17 @@
               <a:buNone/>
             </a:pPr>
             <a:r>
-              <a:rPr kumimoji="1" lang="ja-JP" altLang="en-US" sz="2000" dirty="0">
-                <a:latin typeface="BIZ UDPゴシック" panose="020B0400000000000000" pitchFamily="50" charset="-128"/>
-                <a:ea typeface="BIZ UDPゴシック" panose="020B0400000000000000" pitchFamily="50" charset="-128"/>
-              </a:rPr>
-              <a:t>担当箇所：</a:t>
-            </a:r>
-            <a:r>
               <a:rPr lang="ja-JP" altLang="en-US" sz="2000" dirty="0">
                 <a:latin typeface="BIZ UDPゴシック" panose="020B0400000000000000" pitchFamily="50" charset="-128"/>
                 <a:ea typeface="BIZ UDPゴシック" panose="020B0400000000000000" pitchFamily="50" charset="-128"/>
               </a:rPr>
-              <a:t>グラフ分析、キーワード分析</a:t>
-            </a:r>
-            <a:endParaRPr kumimoji="1" lang="ja-JP" altLang="en-US" sz="2000" dirty="0">
-              <a:latin typeface="BIZ UDPゴシック" panose="020B0400000000000000" pitchFamily="50" charset="-128"/>
-              <a:ea typeface="BIZ UDPゴシック" panose="020B0400000000000000" pitchFamily="50" charset="-128"/>
-            </a:endParaRPr>
-          </a:p>
-          <a:p>
-            <a:endParaRPr kumimoji="1" lang="ja-JP" altLang="en-US" sz="2000" dirty="0">
-              <a:latin typeface="BIZ UDPゴシック" panose="020B0400000000000000" pitchFamily="50" charset="-128"/>
-              <a:ea typeface="BIZ UDPゴシック" panose="020B0400000000000000" pitchFamily="50" charset="-128"/>
-            </a:endParaRPr>
+              <a:t>研修後：</a:t>
+            </a:r>
           </a:p>
           <a:p>
             <a:pPr marL="0" indent="0">
               <a:buNone/>
             </a:pPr>
-            <a:r>
-              <a:rPr kumimoji="1" lang="ja-JP" altLang="en-US" sz="2000" dirty="0">
-                <a:latin typeface="BIZ UDPゴシック" panose="020B0400000000000000" pitchFamily="50" charset="-128"/>
-                <a:ea typeface="BIZ UDPゴシック" panose="020B0400000000000000" pitchFamily="50" charset="-128"/>
-              </a:rPr>
-              <a:t>研修前：</a:t>
-            </a:r>
-          </a:p>
-          <a:p>
-            <a:endParaRPr kumimoji="1" lang="ja-JP" altLang="en-US" sz="2000" dirty="0">
-              <a:latin typeface="BIZ UDPゴシック" panose="020B0400000000000000" pitchFamily="50" charset="-128"/>
-              <a:ea typeface="BIZ UDPゴシック" panose="020B0400000000000000" pitchFamily="50" charset="-128"/>
-            </a:endParaRPr>
-          </a:p>
-          <a:p>
-            <a:pPr marL="0" indent="0">
-              <a:buNone/>
-            </a:pPr>
-            <a:r>
-              <a:rPr kumimoji="1" lang="ja-JP" altLang="en-US" sz="2000" dirty="0">
-                <a:latin typeface="BIZ UDPゴシック" panose="020B0400000000000000" pitchFamily="50" charset="-128"/>
-                <a:ea typeface="BIZ UDPゴシック" panose="020B0400000000000000" pitchFamily="50" charset="-128"/>
-              </a:rPr>
-              <a:t>研修後：</a:t>
-            </a:r>
-          </a:p>
-          <a:p>
             <a:endParaRPr kumimoji="1" lang="ja-JP" altLang="en-US" dirty="0"/>
           </a:p>
         </p:txBody>
@@ -5051,7 +5063,7 @@
           <p:cNvPr id="4" name="正方形/長方形 3">
             <a:extLst>
               <a:ext uri="{FF2B5EF4-FFF2-40B4-BE49-F238E27FC236}">
-                <a16:creationId xmlns:a16="http://schemas.microsoft.com/office/drawing/2014/main" id="{F5005512-2E60-EE52-7B1A-B130D616E705}"/>
+                <a16:creationId xmlns:a16="http://schemas.microsoft.com/office/drawing/2014/main" id="{80B546B1-9875-160A-4971-2076E7958D53}"/>
               </a:ext>
             </a:extLst>
           </p:cNvPr>
@@ -5117,7 +5129,7 @@
           <p:cNvPr id="5" name="楕円 4">
             <a:extLst>
               <a:ext uri="{FF2B5EF4-FFF2-40B4-BE49-F238E27FC236}">
-                <a16:creationId xmlns:a16="http://schemas.microsoft.com/office/drawing/2014/main" id="{FA17D3A0-1747-7E17-707B-297D26385129}"/>
+                <a16:creationId xmlns:a16="http://schemas.microsoft.com/office/drawing/2014/main" id="{52637E49-BCB2-2B2D-E6AA-3C17C5E62F9D}"/>
               </a:ext>
             </a:extLst>
           </p:cNvPr>
@@ -5164,7 +5176,7 @@
     </p:spTree>
     <p:extLst>
       <p:ext uri="{BB962C8B-B14F-4D97-AF65-F5344CB8AC3E}">
-        <p14:creationId xmlns:p14="http://schemas.microsoft.com/office/powerpoint/2010/main" val="546559674"/>
+        <p14:creationId xmlns:p14="http://schemas.microsoft.com/office/powerpoint/2010/main" val="574609492"/>
       </p:ext>
     </p:extLst>
   </p:cSld>
@@ -5182,7 +5194,7 @@
         <p:cNvPr id="1" name="">
           <a:extLst>
             <a:ext uri="{FF2B5EF4-FFF2-40B4-BE49-F238E27FC236}">
-              <a16:creationId xmlns:a16="http://schemas.microsoft.com/office/drawing/2014/main" id="{E94EDF4C-3311-A4EE-B3EC-921E7A15BF6D}"/>
+              <a16:creationId xmlns:a16="http://schemas.microsoft.com/office/drawing/2014/main" id="{4C233C79-8AF9-E978-F601-33EFC5C7F5E5}"/>
             </a:ext>
           </a:extLst>
         </p:cNvPr>
@@ -5199,10 +5211,10 @@
       </p:grpSpPr>
       <p:sp>
         <p:nvSpPr>
-          <p:cNvPr id="6" name="正方形/長方形 5">
-            <a:extLst>
-              <a:ext uri="{FF2B5EF4-FFF2-40B4-BE49-F238E27FC236}">
-                <a16:creationId xmlns:a16="http://schemas.microsoft.com/office/drawing/2014/main" id="{44CCD42A-1D81-2004-A346-CF140C461DBB}"/>
+          <p:cNvPr id="7" name="正方形/長方形 6">
+            <a:extLst>
+              <a:ext uri="{FF2B5EF4-FFF2-40B4-BE49-F238E27FC236}">
+                <a16:creationId xmlns:a16="http://schemas.microsoft.com/office/drawing/2014/main" id="{62E14857-F835-4E99-B78A-B74A1B0ADCFF}"/>
               </a:ext>
             </a:extLst>
           </p:cNvPr>
@@ -5254,7 +5266,7 @@
           <p:cNvPr id="2" name="タイトル 1">
             <a:extLst>
               <a:ext uri="{FF2B5EF4-FFF2-40B4-BE49-F238E27FC236}">
-                <a16:creationId xmlns:a16="http://schemas.microsoft.com/office/drawing/2014/main" id="{3B60E6F4-592A-8FB0-D00D-E35DAE661E8D}"/>
+                <a16:creationId xmlns:a16="http://schemas.microsoft.com/office/drawing/2014/main" id="{B1AD4CC8-2B6E-C0DE-D4A3-96644E9CE34B}"/>
               </a:ext>
             </a:extLst>
           </p:cNvPr>
@@ -5267,8 +5279,8 @@
         </p:nvSpPr>
         <p:spPr>
           <a:xfrm>
-            <a:off x="2973601" y="375404"/>
-            <a:ext cx="6494585" cy="1207111"/>
+            <a:off x="2461847" y="375404"/>
+            <a:ext cx="7006340" cy="1207111"/>
           </a:xfrm>
         </p:spPr>
         <p:txBody>
@@ -5278,6 +5290,20 @@
           <a:lstStyle/>
           <a:p>
             <a:r>
+              <a:rPr kumimoji="1" lang="en-US" altLang="ja-JP" sz="3600" b="1" dirty="0">
+                <a:latin typeface="BIZ UDPゴシック" panose="020B0400000000000000" pitchFamily="50" charset="-128"/>
+                <a:ea typeface="BIZ UDPゴシック" panose="020B0400000000000000" pitchFamily="50" charset="-128"/>
+              </a:rPr>
+              <a:t>Ⅸ</a:t>
+            </a:r>
+            <a:r>
+              <a:rPr lang="ja-JP" altLang="en-US" sz="3600" b="1" dirty="0">
+                <a:latin typeface="BIZ UDPゴシック" panose="020B0400000000000000" pitchFamily="50" charset="-128"/>
+                <a:ea typeface="BIZ UDPゴシック" panose="020B0400000000000000" pitchFamily="50" charset="-128"/>
+              </a:rPr>
+              <a:t>．</a:t>
+            </a:r>
+            <a:r>
               <a:rPr kumimoji="1" lang="ja-JP" altLang="en-US" sz="3600" b="1" dirty="0">
                 <a:latin typeface="BIZ UDPゴシック" panose="020B0400000000000000" pitchFamily="50" charset="-128"/>
                 <a:ea typeface="BIZ UDPゴシック" panose="020B0400000000000000" pitchFamily="50" charset="-128"/>
@@ -5292,7 +5318,7 @@
           <p:cNvPr id="3" name="コンテンツ プレースホルダー 2">
             <a:extLst>
               <a:ext uri="{FF2B5EF4-FFF2-40B4-BE49-F238E27FC236}">
-                <a16:creationId xmlns:a16="http://schemas.microsoft.com/office/drawing/2014/main" id="{A2AF635B-4948-0866-F17E-4EC05DD1669D}"/>
+                <a16:creationId xmlns:a16="http://schemas.microsoft.com/office/drawing/2014/main" id="{868F9A1C-D74B-CF3D-FE96-D62483BD95AE}"/>
               </a:ext>
             </a:extLst>
           </p:cNvPr>
@@ -5319,26 +5345,36 @@
               <a:buNone/>
             </a:pPr>
             <a:r>
-              <a:rPr kumimoji="1" lang="ja-JP" altLang="en-US" sz="2000" dirty="0">
-                <a:latin typeface="BIZ UDPゴシック" panose="020B0400000000000000" pitchFamily="50" charset="-128"/>
-                <a:ea typeface="BIZ UDPゴシック" panose="020B0400000000000000" pitchFamily="50" charset="-128"/>
-              </a:rPr>
-              <a:t>名前：</a:t>
-            </a:r>
-            <a:r>
               <a:rPr lang="ja-JP" altLang="en-US" sz="2000" dirty="0">
                 <a:latin typeface="BIZ UDPゴシック" panose="020B0400000000000000" pitchFamily="50" charset="-128"/>
                 <a:ea typeface="BIZ UDPゴシック" panose="020B0400000000000000" pitchFamily="50" charset="-128"/>
               </a:rPr>
-              <a:t>安井</a:t>
-            </a:r>
-            <a:endParaRPr kumimoji="1" lang="ja-JP" altLang="en-US" sz="2000" dirty="0">
+              <a:t>名前：安井</a:t>
+            </a:r>
+          </a:p>
+          <a:p>
+            <a:endParaRPr lang="ja-JP" altLang="en-US" sz="2000" dirty="0">
               <a:latin typeface="BIZ UDPゴシック" panose="020B0400000000000000" pitchFamily="50" charset="-128"/>
               <a:ea typeface="BIZ UDPゴシック" panose="020B0400000000000000" pitchFamily="50" charset="-128"/>
             </a:endParaRPr>
           </a:p>
           <a:p>
-            <a:endParaRPr kumimoji="1" lang="ja-JP" altLang="en-US" sz="2000" dirty="0">
+            <a:pPr marL="0" indent="0">
+              <a:buNone/>
+            </a:pPr>
+            <a:r>
+              <a:rPr lang="ja-JP" altLang="en-US" sz="2000" dirty="0">
+                <a:latin typeface="BIZ UDPゴシック" panose="020B0400000000000000" pitchFamily="50" charset="-128"/>
+                <a:ea typeface="BIZ UDPゴシック" panose="020B0400000000000000" pitchFamily="50" charset="-128"/>
+              </a:rPr>
+              <a:t>役職：品質管理</a:t>
+            </a:r>
+          </a:p>
+          <a:p>
+            <a:pPr marL="0" indent="0">
+              <a:buNone/>
+            </a:pPr>
+            <a:endParaRPr lang="ja-JP" altLang="en-US" sz="2000" dirty="0">
               <a:latin typeface="BIZ UDPゴシック" panose="020B0400000000000000" pitchFamily="50" charset="-128"/>
               <a:ea typeface="BIZ UDPゴシック" panose="020B0400000000000000" pitchFamily="50" charset="-128"/>
             </a:endParaRPr>
@@ -5348,20 +5384,15 @@
               <a:buNone/>
             </a:pPr>
             <a:r>
-              <a:rPr kumimoji="1" lang="ja-JP" altLang="en-US" sz="2000" dirty="0">
-                <a:latin typeface="BIZ UDPゴシック" panose="020B0400000000000000" pitchFamily="50" charset="-128"/>
-                <a:ea typeface="BIZ UDPゴシック" panose="020B0400000000000000" pitchFamily="50" charset="-128"/>
-              </a:rPr>
-              <a:t>役職：</a:t>
-            </a:r>
-            <a:r>
               <a:rPr lang="ja-JP" altLang="en-US" sz="2000" dirty="0">
                 <a:latin typeface="BIZ UDPゴシック" panose="020B0400000000000000" pitchFamily="50" charset="-128"/>
                 <a:ea typeface="BIZ UDPゴシック" panose="020B0400000000000000" pitchFamily="50" charset="-128"/>
               </a:rPr>
-              <a:t>品質管理</a:t>
-            </a:r>
-            <a:endParaRPr kumimoji="1" lang="ja-JP" altLang="en-US" sz="2000" dirty="0">
+              <a:t>担当箇所：マイページ、ユーザー情報</a:t>
+            </a:r>
+          </a:p>
+          <a:p>
+            <a:endParaRPr lang="ja-JP" altLang="en-US" sz="2000" dirty="0">
               <a:latin typeface="BIZ UDPゴシック" panose="020B0400000000000000" pitchFamily="50" charset="-128"/>
               <a:ea typeface="BIZ UDPゴシック" panose="020B0400000000000000" pitchFamily="50" charset="-128"/>
             </a:endParaRPr>
@@ -5370,7 +5401,16 @@
             <a:pPr marL="0" indent="0">
               <a:buNone/>
             </a:pPr>
-            <a:endParaRPr kumimoji="1" lang="ja-JP" altLang="en-US" sz="2000" dirty="0">
+            <a:r>
+              <a:rPr lang="ja-JP" altLang="en-US" sz="2000" dirty="0">
+                <a:latin typeface="BIZ UDPゴシック" panose="020B0400000000000000" pitchFamily="50" charset="-128"/>
+                <a:ea typeface="BIZ UDPゴシック" panose="020B0400000000000000" pitchFamily="50" charset="-128"/>
+              </a:rPr>
+              <a:t>研修前：</a:t>
+            </a:r>
+          </a:p>
+          <a:p>
+            <a:endParaRPr lang="ja-JP" altLang="en-US" sz="2000" dirty="0">
               <a:latin typeface="BIZ UDPゴシック" panose="020B0400000000000000" pitchFamily="50" charset="-128"/>
               <a:ea typeface="BIZ UDPゴシック" panose="020B0400000000000000" pitchFamily="50" charset="-128"/>
             </a:endParaRPr>
@@ -5380,61 +5420,17 @@
               <a:buNone/>
             </a:pPr>
             <a:r>
-              <a:rPr kumimoji="1" lang="ja-JP" altLang="en-US" sz="2000" dirty="0">
-                <a:latin typeface="BIZ UDPゴシック" panose="020B0400000000000000" pitchFamily="50" charset="-128"/>
-                <a:ea typeface="BIZ UDPゴシック" panose="020B0400000000000000" pitchFamily="50" charset="-128"/>
-              </a:rPr>
-              <a:t>担当箇所：マイページ、</a:t>
-            </a:r>
-            <a:r>
               <a:rPr lang="ja-JP" altLang="en-US" sz="2000" dirty="0">
                 <a:latin typeface="BIZ UDPゴシック" panose="020B0400000000000000" pitchFamily="50" charset="-128"/>
                 <a:ea typeface="BIZ UDPゴシック" panose="020B0400000000000000" pitchFamily="50" charset="-128"/>
               </a:rPr>
-              <a:t>ユーザー情報</a:t>
-            </a:r>
-            <a:endParaRPr kumimoji="1" lang="ja-JP" altLang="en-US" sz="2000" dirty="0">
-              <a:latin typeface="BIZ UDPゴシック" panose="020B0400000000000000" pitchFamily="50" charset="-128"/>
-              <a:ea typeface="BIZ UDPゴシック" panose="020B0400000000000000" pitchFamily="50" charset="-128"/>
-            </a:endParaRPr>
-          </a:p>
-          <a:p>
-            <a:endParaRPr kumimoji="1" lang="ja-JP" altLang="en-US" sz="2000" dirty="0">
-              <a:latin typeface="BIZ UDPゴシック" panose="020B0400000000000000" pitchFamily="50" charset="-128"/>
-              <a:ea typeface="BIZ UDPゴシック" panose="020B0400000000000000" pitchFamily="50" charset="-128"/>
-            </a:endParaRPr>
+              <a:t>研修後：</a:t>
+            </a:r>
           </a:p>
           <a:p>
             <a:pPr marL="0" indent="0">
               <a:buNone/>
             </a:pPr>
-            <a:r>
-              <a:rPr kumimoji="1" lang="ja-JP" altLang="en-US" sz="2000" dirty="0">
-                <a:latin typeface="BIZ UDPゴシック" panose="020B0400000000000000" pitchFamily="50" charset="-128"/>
-                <a:ea typeface="BIZ UDPゴシック" panose="020B0400000000000000" pitchFamily="50" charset="-128"/>
-              </a:rPr>
-              <a:t>研修前：</a:t>
-            </a:r>
-          </a:p>
-          <a:p>
-            <a:endParaRPr kumimoji="1" lang="ja-JP" altLang="en-US" sz="2000" dirty="0">
-              <a:latin typeface="BIZ UDPゴシック" panose="020B0400000000000000" pitchFamily="50" charset="-128"/>
-              <a:ea typeface="BIZ UDPゴシック" panose="020B0400000000000000" pitchFamily="50" charset="-128"/>
-            </a:endParaRPr>
-          </a:p>
-          <a:p>
-            <a:pPr marL="0" indent="0">
-              <a:buNone/>
-            </a:pPr>
-            <a:r>
-              <a:rPr kumimoji="1" lang="ja-JP" altLang="en-US" sz="2000" dirty="0">
-                <a:latin typeface="BIZ UDPゴシック" panose="020B0400000000000000" pitchFamily="50" charset="-128"/>
-                <a:ea typeface="BIZ UDPゴシック" panose="020B0400000000000000" pitchFamily="50" charset="-128"/>
-              </a:rPr>
-              <a:t>研修後：</a:t>
-            </a:r>
-          </a:p>
-          <a:p>
             <a:endParaRPr kumimoji="1" lang="ja-JP" altLang="en-US" dirty="0"/>
           </a:p>
         </p:txBody>
@@ -5444,7 +5440,7 @@
           <p:cNvPr id="4" name="正方形/長方形 3">
             <a:extLst>
               <a:ext uri="{FF2B5EF4-FFF2-40B4-BE49-F238E27FC236}">
-                <a16:creationId xmlns:a16="http://schemas.microsoft.com/office/drawing/2014/main" id="{A77AAB70-EF71-00FD-DA7E-1AE62B1BEE69}"/>
+                <a16:creationId xmlns:a16="http://schemas.microsoft.com/office/drawing/2014/main" id="{AD6E4AAA-777A-FAB9-4B81-269C6EB51BFE}"/>
               </a:ext>
             </a:extLst>
           </p:cNvPr>
@@ -5510,7 +5506,7 @@
           <p:cNvPr id="5" name="楕円 4">
             <a:extLst>
               <a:ext uri="{FF2B5EF4-FFF2-40B4-BE49-F238E27FC236}">
-                <a16:creationId xmlns:a16="http://schemas.microsoft.com/office/drawing/2014/main" id="{F6E0E529-EB78-6B78-5248-4562EC4AD77B}"/>
+                <a16:creationId xmlns:a16="http://schemas.microsoft.com/office/drawing/2014/main" id="{C18F4BE3-5BCD-A596-6D4F-74AAAD13C2C2}"/>
               </a:ext>
             </a:extLst>
           </p:cNvPr>
@@ -5557,7 +5553,7 @@
     </p:spTree>
     <p:extLst>
       <p:ext uri="{BB962C8B-B14F-4D97-AF65-F5344CB8AC3E}">
-        <p14:creationId xmlns:p14="http://schemas.microsoft.com/office/powerpoint/2010/main" val="3398003747"/>
+        <p14:creationId xmlns:p14="http://schemas.microsoft.com/office/powerpoint/2010/main" val="716400089"/>
       </p:ext>
     </p:extLst>
   </p:cSld>
@@ -5575,7 +5571,7 @@
         <p:cNvPr id="1" name="">
           <a:extLst>
             <a:ext uri="{FF2B5EF4-FFF2-40B4-BE49-F238E27FC236}">
-              <a16:creationId xmlns:a16="http://schemas.microsoft.com/office/drawing/2014/main" id="{E3E691C3-E800-5ECE-B40C-341C959FD96A}"/>
+              <a16:creationId xmlns:a16="http://schemas.microsoft.com/office/drawing/2014/main" id="{44412BE9-4110-9478-8080-4EFCCEC79C1B}"/>
             </a:ext>
           </a:extLst>
         </p:cNvPr>
@@ -5592,10 +5588,10 @@
       </p:grpSpPr>
       <p:sp>
         <p:nvSpPr>
-          <p:cNvPr id="6" name="正方形/長方形 5">
-            <a:extLst>
-              <a:ext uri="{FF2B5EF4-FFF2-40B4-BE49-F238E27FC236}">
-                <a16:creationId xmlns:a16="http://schemas.microsoft.com/office/drawing/2014/main" id="{1A14DD6D-2AAD-3C4F-5DF3-B22134826FEB}"/>
+          <p:cNvPr id="7" name="正方形/長方形 6">
+            <a:extLst>
+              <a:ext uri="{FF2B5EF4-FFF2-40B4-BE49-F238E27FC236}">
+                <a16:creationId xmlns:a16="http://schemas.microsoft.com/office/drawing/2014/main" id="{3A946EC7-93B1-0B15-F115-016F695249C9}"/>
               </a:ext>
             </a:extLst>
           </p:cNvPr>
@@ -5647,7 +5643,7 @@
           <p:cNvPr id="2" name="タイトル 1">
             <a:extLst>
               <a:ext uri="{FF2B5EF4-FFF2-40B4-BE49-F238E27FC236}">
-                <a16:creationId xmlns:a16="http://schemas.microsoft.com/office/drawing/2014/main" id="{0375BFB4-9AB7-B75F-1E33-E5DD23C58743}"/>
+                <a16:creationId xmlns:a16="http://schemas.microsoft.com/office/drawing/2014/main" id="{2DED74B0-9D45-28EC-8536-C16DF65B4617}"/>
               </a:ext>
             </a:extLst>
           </p:cNvPr>
@@ -5660,8 +5656,8 @@
         </p:nvSpPr>
         <p:spPr>
           <a:xfrm>
-            <a:off x="2973601" y="375404"/>
-            <a:ext cx="6494585" cy="1207111"/>
+            <a:off x="2461847" y="375404"/>
+            <a:ext cx="7006340" cy="1207111"/>
           </a:xfrm>
         </p:spPr>
         <p:txBody>
@@ -5671,6 +5667,20 @@
           <a:lstStyle/>
           <a:p>
             <a:r>
+              <a:rPr kumimoji="1" lang="en-US" altLang="ja-JP" sz="3600" b="1" dirty="0">
+                <a:latin typeface="BIZ UDPゴシック" panose="020B0400000000000000" pitchFamily="50" charset="-128"/>
+                <a:ea typeface="BIZ UDPゴシック" panose="020B0400000000000000" pitchFamily="50" charset="-128"/>
+              </a:rPr>
+              <a:t>Ⅸ</a:t>
+            </a:r>
+            <a:r>
+              <a:rPr lang="ja-JP" altLang="en-US" sz="3600" b="1" dirty="0">
+                <a:latin typeface="BIZ UDPゴシック" panose="020B0400000000000000" pitchFamily="50" charset="-128"/>
+                <a:ea typeface="BIZ UDPゴシック" panose="020B0400000000000000" pitchFamily="50" charset="-128"/>
+              </a:rPr>
+              <a:t>．</a:t>
+            </a:r>
+            <a:r>
               <a:rPr kumimoji="1" lang="ja-JP" altLang="en-US" sz="3600" b="1" dirty="0">
                 <a:latin typeface="BIZ UDPゴシック" panose="020B0400000000000000" pitchFamily="50" charset="-128"/>
                 <a:ea typeface="BIZ UDPゴシック" panose="020B0400000000000000" pitchFamily="50" charset="-128"/>
@@ -5685,7 +5695,7 @@
           <p:cNvPr id="3" name="コンテンツ プレースホルダー 2">
             <a:extLst>
               <a:ext uri="{FF2B5EF4-FFF2-40B4-BE49-F238E27FC236}">
-                <a16:creationId xmlns:a16="http://schemas.microsoft.com/office/drawing/2014/main" id="{0DA3F4FF-D993-9DD9-5148-40BF614191BD}"/>
+                <a16:creationId xmlns:a16="http://schemas.microsoft.com/office/drawing/2014/main" id="{0F09A9F3-9127-4F79-3B90-D8DF2BA433A5}"/>
               </a:ext>
             </a:extLst>
           </p:cNvPr>
@@ -5712,26 +5722,36 @@
               <a:buNone/>
             </a:pPr>
             <a:r>
-              <a:rPr kumimoji="1" lang="ja-JP" altLang="en-US" sz="2000" dirty="0">
-                <a:latin typeface="BIZ UDPゴシック" panose="020B0400000000000000" pitchFamily="50" charset="-128"/>
-                <a:ea typeface="BIZ UDPゴシック" panose="020B0400000000000000" pitchFamily="50" charset="-128"/>
-              </a:rPr>
-              <a:t>名前：</a:t>
-            </a:r>
-            <a:r>
               <a:rPr lang="ja-JP" altLang="en-US" sz="2000" dirty="0">
                 <a:latin typeface="BIZ UDPゴシック" panose="020B0400000000000000" pitchFamily="50" charset="-128"/>
                 <a:ea typeface="BIZ UDPゴシック" panose="020B0400000000000000" pitchFamily="50" charset="-128"/>
               </a:rPr>
-              <a:t>中嶋</a:t>
-            </a:r>
-            <a:endParaRPr kumimoji="1" lang="ja-JP" altLang="en-US" sz="2000" dirty="0">
+              <a:t>名前：中嶋</a:t>
+            </a:r>
+          </a:p>
+          <a:p>
+            <a:endParaRPr lang="ja-JP" altLang="en-US" sz="2000" dirty="0">
               <a:latin typeface="BIZ UDPゴシック" panose="020B0400000000000000" pitchFamily="50" charset="-128"/>
               <a:ea typeface="BIZ UDPゴシック" panose="020B0400000000000000" pitchFamily="50" charset="-128"/>
             </a:endParaRPr>
           </a:p>
           <a:p>
-            <a:endParaRPr kumimoji="1" lang="ja-JP" altLang="en-US" sz="2000" dirty="0">
+            <a:pPr marL="0" indent="0">
+              <a:buNone/>
+            </a:pPr>
+            <a:r>
+              <a:rPr lang="ja-JP" altLang="en-US" sz="2000" dirty="0">
+                <a:latin typeface="BIZ UDPゴシック" panose="020B0400000000000000" pitchFamily="50" charset="-128"/>
+                <a:ea typeface="BIZ UDPゴシック" panose="020B0400000000000000" pitchFamily="50" charset="-128"/>
+              </a:rPr>
+              <a:t>役職：機能担当</a:t>
+            </a:r>
+          </a:p>
+          <a:p>
+            <a:pPr marL="0" indent="0">
+              <a:buNone/>
+            </a:pPr>
+            <a:endParaRPr lang="ja-JP" altLang="en-US" sz="2000" dirty="0">
               <a:latin typeface="BIZ UDPゴシック" panose="020B0400000000000000" pitchFamily="50" charset="-128"/>
               <a:ea typeface="BIZ UDPゴシック" panose="020B0400000000000000" pitchFamily="50" charset="-128"/>
             </a:endParaRPr>
@@ -5741,18 +5761,15 @@
               <a:buNone/>
             </a:pPr>
             <a:r>
-              <a:rPr kumimoji="1" lang="ja-JP" altLang="en-US" sz="2000" dirty="0">
+              <a:rPr lang="ja-JP" altLang="en-US" sz="2000" dirty="0">
                 <a:latin typeface="BIZ UDPゴシック" panose="020B0400000000000000" pitchFamily="50" charset="-128"/>
                 <a:ea typeface="BIZ UDPゴシック" panose="020B0400000000000000" pitchFamily="50" charset="-128"/>
               </a:rPr>
-              <a:t>役職：機能担当</a:t>
-            </a:r>
-          </a:p>
-          <a:p>
-            <a:pPr marL="0" indent="0">
-              <a:buNone/>
-            </a:pPr>
-            <a:endParaRPr kumimoji="1" lang="ja-JP" altLang="en-US" sz="2000" dirty="0">
+              <a:t>担当箇所：日記検索、タグ検索</a:t>
+            </a:r>
+          </a:p>
+          <a:p>
+            <a:endParaRPr lang="ja-JP" altLang="en-US" sz="2000" dirty="0">
               <a:latin typeface="BIZ UDPゴシック" panose="020B0400000000000000" pitchFamily="50" charset="-128"/>
               <a:ea typeface="BIZ UDPゴシック" panose="020B0400000000000000" pitchFamily="50" charset="-128"/>
             </a:endParaRPr>
@@ -5762,15 +5779,15 @@
               <a:buNone/>
             </a:pPr>
             <a:r>
-              <a:rPr kumimoji="1" lang="ja-JP" altLang="en-US" sz="2000" dirty="0">
+              <a:rPr lang="ja-JP" altLang="en-US" sz="2000" dirty="0">
                 <a:latin typeface="BIZ UDPゴシック" panose="020B0400000000000000" pitchFamily="50" charset="-128"/>
                 <a:ea typeface="BIZ UDPゴシック" panose="020B0400000000000000" pitchFamily="50" charset="-128"/>
               </a:rPr>
-              <a:t>担当箇所：日記検索、タグ検索</a:t>
-            </a:r>
-          </a:p>
-          <a:p>
-            <a:endParaRPr kumimoji="1" lang="ja-JP" altLang="en-US" sz="2000" dirty="0">
+              <a:t>研修前：</a:t>
+            </a:r>
+          </a:p>
+          <a:p>
+            <a:endParaRPr lang="ja-JP" altLang="en-US" sz="2000" dirty="0">
               <a:latin typeface="BIZ UDPゴシック" panose="020B0400000000000000" pitchFamily="50" charset="-128"/>
               <a:ea typeface="BIZ UDPゴシック" panose="020B0400000000000000" pitchFamily="50" charset="-128"/>
             </a:endParaRPr>
@@ -5780,32 +5797,17 @@
               <a:buNone/>
             </a:pPr>
             <a:r>
-              <a:rPr kumimoji="1" lang="ja-JP" altLang="en-US" sz="2000" dirty="0">
+              <a:rPr lang="ja-JP" altLang="en-US" sz="2000" dirty="0">
                 <a:latin typeface="BIZ UDPゴシック" panose="020B0400000000000000" pitchFamily="50" charset="-128"/>
                 <a:ea typeface="BIZ UDPゴシック" panose="020B0400000000000000" pitchFamily="50" charset="-128"/>
               </a:rPr>
-              <a:t>研修前：</a:t>
-            </a:r>
-          </a:p>
-          <a:p>
-            <a:endParaRPr kumimoji="1" lang="ja-JP" altLang="en-US" sz="2000" dirty="0">
-              <a:latin typeface="BIZ UDPゴシック" panose="020B0400000000000000" pitchFamily="50" charset="-128"/>
-              <a:ea typeface="BIZ UDPゴシック" panose="020B0400000000000000" pitchFamily="50" charset="-128"/>
-            </a:endParaRPr>
+              <a:t>研修後：</a:t>
+            </a:r>
           </a:p>
           <a:p>
             <a:pPr marL="0" indent="0">
               <a:buNone/>
             </a:pPr>
-            <a:r>
-              <a:rPr kumimoji="1" lang="ja-JP" altLang="en-US" sz="2000" dirty="0">
-                <a:latin typeface="BIZ UDPゴシック" panose="020B0400000000000000" pitchFamily="50" charset="-128"/>
-                <a:ea typeface="BIZ UDPゴシック" panose="020B0400000000000000" pitchFamily="50" charset="-128"/>
-              </a:rPr>
-              <a:t>研修後：</a:t>
-            </a:r>
-          </a:p>
-          <a:p>
             <a:endParaRPr kumimoji="1" lang="ja-JP" altLang="en-US" dirty="0"/>
           </a:p>
         </p:txBody>
@@ -5815,7 +5817,7 @@
           <p:cNvPr id="4" name="正方形/長方形 3">
             <a:extLst>
               <a:ext uri="{FF2B5EF4-FFF2-40B4-BE49-F238E27FC236}">
-                <a16:creationId xmlns:a16="http://schemas.microsoft.com/office/drawing/2014/main" id="{5BFBBF54-E02F-98A6-B40E-734CD31EFFD0}"/>
+                <a16:creationId xmlns:a16="http://schemas.microsoft.com/office/drawing/2014/main" id="{2635E2C6-5519-9B2E-EE8B-ABB7F009F86A}"/>
               </a:ext>
             </a:extLst>
           </p:cNvPr>
@@ -5881,7 +5883,7 @@
           <p:cNvPr id="5" name="楕円 4">
             <a:extLst>
               <a:ext uri="{FF2B5EF4-FFF2-40B4-BE49-F238E27FC236}">
-                <a16:creationId xmlns:a16="http://schemas.microsoft.com/office/drawing/2014/main" id="{860C2834-A7EF-9F0E-7D54-C49880C7E9AA}"/>
+                <a16:creationId xmlns:a16="http://schemas.microsoft.com/office/drawing/2014/main" id="{37257380-2433-3E6A-F707-D3F578188053}"/>
               </a:ext>
             </a:extLst>
           </p:cNvPr>
@@ -5928,7 +5930,7 @@
     </p:spTree>
     <p:extLst>
       <p:ext uri="{BB962C8B-B14F-4D97-AF65-F5344CB8AC3E}">
-        <p14:creationId xmlns:p14="http://schemas.microsoft.com/office/powerpoint/2010/main" val="1259817953"/>
+        <p14:creationId xmlns:p14="http://schemas.microsoft.com/office/powerpoint/2010/main" val="1324968619"/>
       </p:ext>
     </p:extLst>
   </p:cSld>
@@ -5946,7 +5948,7 @@
         <p:cNvPr id="1" name="">
           <a:extLst>
             <a:ext uri="{FF2B5EF4-FFF2-40B4-BE49-F238E27FC236}">
-              <a16:creationId xmlns:a16="http://schemas.microsoft.com/office/drawing/2014/main" id="{CD2A9EDF-5D2A-D7BA-0DB6-8654EE301225}"/>
+              <a16:creationId xmlns:a16="http://schemas.microsoft.com/office/drawing/2014/main" id="{2D97E880-196D-D897-0322-27941AC96938}"/>
             </a:ext>
           </a:extLst>
         </p:cNvPr>
@@ -5963,10 +5965,10 @@
       </p:grpSpPr>
       <p:sp>
         <p:nvSpPr>
-          <p:cNvPr id="6" name="正方形/長方形 5">
-            <a:extLst>
-              <a:ext uri="{FF2B5EF4-FFF2-40B4-BE49-F238E27FC236}">
-                <a16:creationId xmlns:a16="http://schemas.microsoft.com/office/drawing/2014/main" id="{4DAEB5AB-F616-7299-B1E7-E4EA717C6C65}"/>
+          <p:cNvPr id="7" name="正方形/長方形 6">
+            <a:extLst>
+              <a:ext uri="{FF2B5EF4-FFF2-40B4-BE49-F238E27FC236}">
+                <a16:creationId xmlns:a16="http://schemas.microsoft.com/office/drawing/2014/main" id="{2F066264-D8EB-56F2-B4FD-795C53D4CFC6}"/>
               </a:ext>
             </a:extLst>
           </p:cNvPr>
@@ -6018,7 +6020,7 @@
           <p:cNvPr id="2" name="タイトル 1">
             <a:extLst>
               <a:ext uri="{FF2B5EF4-FFF2-40B4-BE49-F238E27FC236}">
-                <a16:creationId xmlns:a16="http://schemas.microsoft.com/office/drawing/2014/main" id="{160CE525-79BE-3C97-247B-B459FEE33C62}"/>
+                <a16:creationId xmlns:a16="http://schemas.microsoft.com/office/drawing/2014/main" id="{DFA2C8C0-0539-1437-1636-953C0C2BBA57}"/>
               </a:ext>
             </a:extLst>
           </p:cNvPr>
@@ -6031,8 +6033,8 @@
         </p:nvSpPr>
         <p:spPr>
           <a:xfrm>
-            <a:off x="2973601" y="375404"/>
-            <a:ext cx="6494585" cy="1207111"/>
+            <a:off x="2461847" y="375404"/>
+            <a:ext cx="7006340" cy="1207111"/>
           </a:xfrm>
         </p:spPr>
         <p:txBody>
@@ -6042,6 +6044,20 @@
           <a:lstStyle/>
           <a:p>
             <a:r>
+              <a:rPr kumimoji="1" lang="en-US" altLang="ja-JP" sz="3600" b="1" dirty="0">
+                <a:latin typeface="BIZ UDPゴシック" panose="020B0400000000000000" pitchFamily="50" charset="-128"/>
+                <a:ea typeface="BIZ UDPゴシック" panose="020B0400000000000000" pitchFamily="50" charset="-128"/>
+              </a:rPr>
+              <a:t>Ⅸ</a:t>
+            </a:r>
+            <a:r>
+              <a:rPr lang="ja-JP" altLang="en-US" sz="3600" b="1" dirty="0">
+                <a:latin typeface="BIZ UDPゴシック" panose="020B0400000000000000" pitchFamily="50" charset="-128"/>
+                <a:ea typeface="BIZ UDPゴシック" panose="020B0400000000000000" pitchFamily="50" charset="-128"/>
+              </a:rPr>
+              <a:t>．</a:t>
+            </a:r>
+            <a:r>
               <a:rPr kumimoji="1" lang="ja-JP" altLang="en-US" sz="3600" b="1" dirty="0">
                 <a:latin typeface="BIZ UDPゴシック" panose="020B0400000000000000" pitchFamily="50" charset="-128"/>
                 <a:ea typeface="BIZ UDPゴシック" panose="020B0400000000000000" pitchFamily="50" charset="-128"/>
@@ -6056,7 +6072,7 @@
           <p:cNvPr id="3" name="コンテンツ プレースホルダー 2">
             <a:extLst>
               <a:ext uri="{FF2B5EF4-FFF2-40B4-BE49-F238E27FC236}">
-                <a16:creationId xmlns:a16="http://schemas.microsoft.com/office/drawing/2014/main" id="{12335A5A-3941-3E0F-DF89-96856D5E1B30}"/>
+                <a16:creationId xmlns:a16="http://schemas.microsoft.com/office/drawing/2014/main" id="{2DC59C8F-BCB1-BF06-76BE-6807C06E7358}"/>
               </a:ext>
             </a:extLst>
           </p:cNvPr>
@@ -6083,26 +6099,36 @@
               <a:buNone/>
             </a:pPr>
             <a:r>
-              <a:rPr kumimoji="1" lang="ja-JP" altLang="en-US" sz="2000" dirty="0">
-                <a:latin typeface="BIZ UDPゴシック" panose="020B0400000000000000" pitchFamily="50" charset="-128"/>
-                <a:ea typeface="BIZ UDPゴシック" panose="020B0400000000000000" pitchFamily="50" charset="-128"/>
-              </a:rPr>
-              <a:t>名前：</a:t>
-            </a:r>
-            <a:r>
               <a:rPr lang="ja-JP" altLang="en-US" sz="2000" dirty="0">
                 <a:latin typeface="BIZ UDPゴシック" panose="020B0400000000000000" pitchFamily="50" charset="-128"/>
                 <a:ea typeface="BIZ UDPゴシック" panose="020B0400000000000000" pitchFamily="50" charset="-128"/>
               </a:rPr>
-              <a:t>渡辺</a:t>
-            </a:r>
-            <a:endParaRPr kumimoji="1" lang="ja-JP" altLang="en-US" sz="2000" dirty="0">
+              <a:t>名前：渡辺</a:t>
+            </a:r>
+          </a:p>
+          <a:p>
+            <a:endParaRPr lang="ja-JP" altLang="en-US" sz="2000" dirty="0">
               <a:latin typeface="BIZ UDPゴシック" panose="020B0400000000000000" pitchFamily="50" charset="-128"/>
               <a:ea typeface="BIZ UDPゴシック" panose="020B0400000000000000" pitchFamily="50" charset="-128"/>
             </a:endParaRPr>
           </a:p>
           <a:p>
-            <a:endParaRPr kumimoji="1" lang="ja-JP" altLang="en-US" sz="2000" dirty="0">
+            <a:pPr marL="0" indent="0">
+              <a:buNone/>
+            </a:pPr>
+            <a:r>
+              <a:rPr lang="ja-JP" altLang="en-US" sz="2000" dirty="0">
+                <a:latin typeface="BIZ UDPゴシック" panose="020B0400000000000000" pitchFamily="50" charset="-128"/>
+                <a:ea typeface="BIZ UDPゴシック" panose="020B0400000000000000" pitchFamily="50" charset="-128"/>
+              </a:rPr>
+              <a:t>役職：機能担当</a:t>
+            </a:r>
+          </a:p>
+          <a:p>
+            <a:pPr marL="0" indent="0">
+              <a:buNone/>
+            </a:pPr>
+            <a:endParaRPr lang="ja-JP" altLang="en-US" sz="2000" dirty="0">
               <a:latin typeface="BIZ UDPゴシック" panose="020B0400000000000000" pitchFamily="50" charset="-128"/>
               <a:ea typeface="BIZ UDPゴシック" panose="020B0400000000000000" pitchFamily="50" charset="-128"/>
             </a:endParaRPr>
@@ -6112,20 +6138,15 @@
               <a:buNone/>
             </a:pPr>
             <a:r>
-              <a:rPr kumimoji="1" lang="ja-JP" altLang="en-US" sz="2000" dirty="0">
-                <a:latin typeface="BIZ UDPゴシック" panose="020B0400000000000000" pitchFamily="50" charset="-128"/>
-                <a:ea typeface="BIZ UDPゴシック" panose="020B0400000000000000" pitchFamily="50" charset="-128"/>
-              </a:rPr>
-              <a:t>役職：</a:t>
-            </a:r>
-            <a:r>
               <a:rPr lang="ja-JP" altLang="en-US" sz="2000" dirty="0">
                 <a:latin typeface="BIZ UDPゴシック" panose="020B0400000000000000" pitchFamily="50" charset="-128"/>
                 <a:ea typeface="BIZ UDPゴシック" panose="020B0400000000000000" pitchFamily="50" charset="-128"/>
               </a:rPr>
-              <a:t>機能担当</a:t>
-            </a:r>
-            <a:endParaRPr kumimoji="1" lang="ja-JP" altLang="en-US" sz="2000" dirty="0">
+              <a:t>担当箇所：タイムライン、コメント機能、日記詳細画面</a:t>
+            </a:r>
+          </a:p>
+          <a:p>
+            <a:endParaRPr lang="ja-JP" altLang="en-US" sz="2000" dirty="0">
               <a:latin typeface="BIZ UDPゴシック" panose="020B0400000000000000" pitchFamily="50" charset="-128"/>
               <a:ea typeface="BIZ UDPゴシック" panose="020B0400000000000000" pitchFamily="50" charset="-128"/>
             </a:endParaRPr>
@@ -6134,7 +6155,16 @@
             <a:pPr marL="0" indent="0">
               <a:buNone/>
             </a:pPr>
-            <a:endParaRPr kumimoji="1" lang="ja-JP" altLang="en-US" sz="2000" dirty="0">
+            <a:r>
+              <a:rPr lang="ja-JP" altLang="en-US" sz="2000" dirty="0">
+                <a:latin typeface="BIZ UDPゴシック" panose="020B0400000000000000" pitchFamily="50" charset="-128"/>
+                <a:ea typeface="BIZ UDPゴシック" panose="020B0400000000000000" pitchFamily="50" charset="-128"/>
+              </a:rPr>
+              <a:t>研修前：</a:t>
+            </a:r>
+          </a:p>
+          <a:p>
+            <a:endParaRPr lang="ja-JP" altLang="en-US" sz="2000" dirty="0">
               <a:latin typeface="BIZ UDPゴシック" panose="020B0400000000000000" pitchFamily="50" charset="-128"/>
               <a:ea typeface="BIZ UDPゴシック" panose="020B0400000000000000" pitchFamily="50" charset="-128"/>
             </a:endParaRPr>
@@ -6144,61 +6174,17 @@
               <a:buNone/>
             </a:pPr>
             <a:r>
-              <a:rPr kumimoji="1" lang="ja-JP" altLang="en-US" sz="2000" dirty="0">
-                <a:latin typeface="BIZ UDPゴシック" panose="020B0400000000000000" pitchFamily="50" charset="-128"/>
-                <a:ea typeface="BIZ UDPゴシック" panose="020B0400000000000000" pitchFamily="50" charset="-128"/>
-              </a:rPr>
-              <a:t>担当箇所：</a:t>
-            </a:r>
-            <a:r>
               <a:rPr lang="ja-JP" altLang="en-US" sz="2000" dirty="0">
                 <a:latin typeface="BIZ UDPゴシック" panose="020B0400000000000000" pitchFamily="50" charset="-128"/>
                 <a:ea typeface="BIZ UDPゴシック" panose="020B0400000000000000" pitchFamily="50" charset="-128"/>
               </a:rPr>
-              <a:t>タイムライン、コメント機能、日記詳細画面</a:t>
-            </a:r>
-            <a:endParaRPr kumimoji="1" lang="ja-JP" altLang="en-US" sz="2000" dirty="0">
-              <a:latin typeface="BIZ UDPゴシック" panose="020B0400000000000000" pitchFamily="50" charset="-128"/>
-              <a:ea typeface="BIZ UDPゴシック" panose="020B0400000000000000" pitchFamily="50" charset="-128"/>
-            </a:endParaRPr>
-          </a:p>
-          <a:p>
-            <a:endParaRPr kumimoji="1" lang="ja-JP" altLang="en-US" sz="2000" dirty="0">
-              <a:latin typeface="BIZ UDPゴシック" panose="020B0400000000000000" pitchFamily="50" charset="-128"/>
-              <a:ea typeface="BIZ UDPゴシック" panose="020B0400000000000000" pitchFamily="50" charset="-128"/>
-            </a:endParaRPr>
+              <a:t>研修後：</a:t>
+            </a:r>
           </a:p>
           <a:p>
             <a:pPr marL="0" indent="0">
               <a:buNone/>
             </a:pPr>
-            <a:r>
-              <a:rPr kumimoji="1" lang="ja-JP" altLang="en-US" sz="2000" dirty="0">
-                <a:latin typeface="BIZ UDPゴシック" panose="020B0400000000000000" pitchFamily="50" charset="-128"/>
-                <a:ea typeface="BIZ UDPゴシック" panose="020B0400000000000000" pitchFamily="50" charset="-128"/>
-              </a:rPr>
-              <a:t>研修前：</a:t>
-            </a:r>
-          </a:p>
-          <a:p>
-            <a:endParaRPr kumimoji="1" lang="ja-JP" altLang="en-US" sz="2000" dirty="0">
-              <a:latin typeface="BIZ UDPゴシック" panose="020B0400000000000000" pitchFamily="50" charset="-128"/>
-              <a:ea typeface="BIZ UDPゴシック" panose="020B0400000000000000" pitchFamily="50" charset="-128"/>
-            </a:endParaRPr>
-          </a:p>
-          <a:p>
-            <a:pPr marL="0" indent="0">
-              <a:buNone/>
-            </a:pPr>
-            <a:r>
-              <a:rPr kumimoji="1" lang="ja-JP" altLang="en-US" sz="2000" dirty="0">
-                <a:latin typeface="BIZ UDPゴシック" panose="020B0400000000000000" pitchFamily="50" charset="-128"/>
-                <a:ea typeface="BIZ UDPゴシック" panose="020B0400000000000000" pitchFamily="50" charset="-128"/>
-              </a:rPr>
-              <a:t>研修後：</a:t>
-            </a:r>
-          </a:p>
-          <a:p>
             <a:endParaRPr kumimoji="1" lang="ja-JP" altLang="en-US" dirty="0"/>
           </a:p>
         </p:txBody>
@@ -6208,7 +6194,7 @@
           <p:cNvPr id="4" name="正方形/長方形 3">
             <a:extLst>
               <a:ext uri="{FF2B5EF4-FFF2-40B4-BE49-F238E27FC236}">
-                <a16:creationId xmlns:a16="http://schemas.microsoft.com/office/drawing/2014/main" id="{F1266E84-8E7F-8B43-8587-9E4AE77BA76E}"/>
+                <a16:creationId xmlns:a16="http://schemas.microsoft.com/office/drawing/2014/main" id="{2AAACF0E-661B-9F99-F13F-83B5C2C67ABE}"/>
               </a:ext>
             </a:extLst>
           </p:cNvPr>
@@ -6274,7 +6260,7 @@
           <p:cNvPr id="5" name="楕円 4">
             <a:extLst>
               <a:ext uri="{FF2B5EF4-FFF2-40B4-BE49-F238E27FC236}">
-                <a16:creationId xmlns:a16="http://schemas.microsoft.com/office/drawing/2014/main" id="{36970359-5224-7131-0F33-78F7F53FAAE8}"/>
+                <a16:creationId xmlns:a16="http://schemas.microsoft.com/office/drawing/2014/main" id="{8419991C-32C6-D04D-DA59-A5F1111E048E}"/>
               </a:ext>
             </a:extLst>
           </p:cNvPr>
@@ -6321,7 +6307,7 @@
     </p:spTree>
     <p:extLst>
       <p:ext uri="{BB962C8B-B14F-4D97-AF65-F5344CB8AC3E}">
-        <p14:creationId xmlns:p14="http://schemas.microsoft.com/office/powerpoint/2010/main" val="2378843313"/>
+        <p14:creationId xmlns:p14="http://schemas.microsoft.com/office/powerpoint/2010/main" val="784679119"/>
       </p:ext>
     </p:extLst>
   </p:cSld>
@@ -6339,7 +6325,7 @@
         <p:cNvPr id="1" name="">
           <a:extLst>
             <a:ext uri="{FF2B5EF4-FFF2-40B4-BE49-F238E27FC236}">
-              <a16:creationId xmlns:a16="http://schemas.microsoft.com/office/drawing/2014/main" id="{F962EC79-10A1-986C-4E46-F37AAE90527B}"/>
+              <a16:creationId xmlns:a16="http://schemas.microsoft.com/office/drawing/2014/main" id="{75DCF633-0BF9-35F9-D2C4-B79B76B69270}"/>
             </a:ext>
           </a:extLst>
         </p:cNvPr>
@@ -6356,10 +6342,10 @@
       </p:grpSpPr>
       <p:sp>
         <p:nvSpPr>
-          <p:cNvPr id="6" name="正方形/長方形 5">
-            <a:extLst>
-              <a:ext uri="{FF2B5EF4-FFF2-40B4-BE49-F238E27FC236}">
-                <a16:creationId xmlns:a16="http://schemas.microsoft.com/office/drawing/2014/main" id="{3108D6DA-C6DE-9D69-5940-14BD74E8795F}"/>
+          <p:cNvPr id="7" name="正方形/長方形 6">
+            <a:extLst>
+              <a:ext uri="{FF2B5EF4-FFF2-40B4-BE49-F238E27FC236}">
+                <a16:creationId xmlns:a16="http://schemas.microsoft.com/office/drawing/2014/main" id="{8FE6ED34-8BCC-ACFB-3185-4E49C4111CBB}"/>
               </a:ext>
             </a:extLst>
           </p:cNvPr>
@@ -6411,7 +6397,7 @@
           <p:cNvPr id="2" name="タイトル 1">
             <a:extLst>
               <a:ext uri="{FF2B5EF4-FFF2-40B4-BE49-F238E27FC236}">
-                <a16:creationId xmlns:a16="http://schemas.microsoft.com/office/drawing/2014/main" id="{B0336C86-BB5E-5C03-CD4A-8EEBC6749D7F}"/>
+                <a16:creationId xmlns:a16="http://schemas.microsoft.com/office/drawing/2014/main" id="{65BD52FA-521A-5BE7-BC3E-43D198788ECE}"/>
               </a:ext>
             </a:extLst>
           </p:cNvPr>
@@ -6424,8 +6410,8 @@
         </p:nvSpPr>
         <p:spPr>
           <a:xfrm>
-            <a:off x="2973601" y="375404"/>
-            <a:ext cx="6494585" cy="1207111"/>
+            <a:off x="2461847" y="375404"/>
+            <a:ext cx="7006340" cy="1207111"/>
           </a:xfrm>
         </p:spPr>
         <p:txBody>
@@ -6435,6 +6421,20 @@
           <a:lstStyle/>
           <a:p>
             <a:r>
+              <a:rPr kumimoji="1" lang="en-US" altLang="ja-JP" sz="3600" b="1" dirty="0">
+                <a:latin typeface="BIZ UDPゴシック" panose="020B0400000000000000" pitchFamily="50" charset="-128"/>
+                <a:ea typeface="BIZ UDPゴシック" panose="020B0400000000000000" pitchFamily="50" charset="-128"/>
+              </a:rPr>
+              <a:t>Ⅸ</a:t>
+            </a:r>
+            <a:r>
+              <a:rPr lang="ja-JP" altLang="en-US" sz="3600" b="1" dirty="0">
+                <a:latin typeface="BIZ UDPゴシック" panose="020B0400000000000000" pitchFamily="50" charset="-128"/>
+                <a:ea typeface="BIZ UDPゴシック" panose="020B0400000000000000" pitchFamily="50" charset="-128"/>
+              </a:rPr>
+              <a:t>．</a:t>
+            </a:r>
+            <a:r>
               <a:rPr kumimoji="1" lang="ja-JP" altLang="en-US" sz="3600" b="1" dirty="0">
                 <a:latin typeface="BIZ UDPゴシック" panose="020B0400000000000000" pitchFamily="50" charset="-128"/>
                 <a:ea typeface="BIZ UDPゴシック" panose="020B0400000000000000" pitchFamily="50" charset="-128"/>
@@ -6449,7 +6449,7 @@
           <p:cNvPr id="3" name="コンテンツ プレースホルダー 2">
             <a:extLst>
               <a:ext uri="{FF2B5EF4-FFF2-40B4-BE49-F238E27FC236}">
-                <a16:creationId xmlns:a16="http://schemas.microsoft.com/office/drawing/2014/main" id="{C0EF3729-E400-4D2B-8E38-C9015AA1DE3A}"/>
+                <a16:creationId xmlns:a16="http://schemas.microsoft.com/office/drawing/2014/main" id="{D97FB519-BCDD-DBBD-F654-1F94ECFC1C50}"/>
               </a:ext>
             </a:extLst>
           </p:cNvPr>
@@ -6476,26 +6476,36 @@
               <a:buNone/>
             </a:pPr>
             <a:r>
-              <a:rPr kumimoji="1" lang="ja-JP" altLang="en-US" sz="2000" dirty="0">
-                <a:latin typeface="BIZ UDPゴシック" panose="020B0400000000000000" pitchFamily="50" charset="-128"/>
-                <a:ea typeface="BIZ UDPゴシック" panose="020B0400000000000000" pitchFamily="50" charset="-128"/>
-              </a:rPr>
-              <a:t>名前：</a:t>
-            </a:r>
-            <a:r>
               <a:rPr lang="ja-JP" altLang="en-US" sz="2000" dirty="0">
                 <a:latin typeface="BIZ UDPゴシック" panose="020B0400000000000000" pitchFamily="50" charset="-128"/>
                 <a:ea typeface="BIZ UDPゴシック" panose="020B0400000000000000" pitchFamily="50" charset="-128"/>
               </a:rPr>
-              <a:t>ウィン</a:t>
-            </a:r>
-            <a:endParaRPr kumimoji="1" lang="ja-JP" altLang="en-US" sz="2000" dirty="0">
+              <a:t>名前：ウィン</a:t>
+            </a:r>
+          </a:p>
+          <a:p>
+            <a:endParaRPr lang="ja-JP" altLang="en-US" sz="2000" dirty="0">
               <a:latin typeface="BIZ UDPゴシック" panose="020B0400000000000000" pitchFamily="50" charset="-128"/>
               <a:ea typeface="BIZ UDPゴシック" panose="020B0400000000000000" pitchFamily="50" charset="-128"/>
             </a:endParaRPr>
           </a:p>
           <a:p>
-            <a:endParaRPr kumimoji="1" lang="ja-JP" altLang="en-US" sz="2000" dirty="0">
+            <a:pPr marL="0" indent="0">
+              <a:buNone/>
+            </a:pPr>
+            <a:r>
+              <a:rPr lang="ja-JP" altLang="en-US" sz="2000" dirty="0">
+                <a:latin typeface="BIZ UDPゴシック" panose="020B0400000000000000" pitchFamily="50" charset="-128"/>
+                <a:ea typeface="BIZ UDPゴシック" panose="020B0400000000000000" pitchFamily="50" charset="-128"/>
+              </a:rPr>
+              <a:t>役職：機能担当</a:t>
+            </a:r>
+          </a:p>
+          <a:p>
+            <a:pPr marL="0" indent="0">
+              <a:buNone/>
+            </a:pPr>
+            <a:endParaRPr lang="ja-JP" altLang="en-US" sz="2000" dirty="0">
               <a:latin typeface="BIZ UDPゴシック" panose="020B0400000000000000" pitchFamily="50" charset="-128"/>
               <a:ea typeface="BIZ UDPゴシック" panose="020B0400000000000000" pitchFamily="50" charset="-128"/>
             </a:endParaRPr>
@@ -6505,20 +6515,15 @@
               <a:buNone/>
             </a:pPr>
             <a:r>
-              <a:rPr kumimoji="1" lang="ja-JP" altLang="en-US" sz="2000" dirty="0">
-                <a:latin typeface="BIZ UDPゴシック" panose="020B0400000000000000" pitchFamily="50" charset="-128"/>
-                <a:ea typeface="BIZ UDPゴシック" panose="020B0400000000000000" pitchFamily="50" charset="-128"/>
-              </a:rPr>
-              <a:t>役職：</a:t>
-            </a:r>
-            <a:r>
               <a:rPr lang="ja-JP" altLang="en-US" sz="2000" dirty="0">
                 <a:latin typeface="BIZ UDPゴシック" panose="020B0400000000000000" pitchFamily="50" charset="-128"/>
                 <a:ea typeface="BIZ UDPゴシック" panose="020B0400000000000000" pitchFamily="50" charset="-128"/>
               </a:rPr>
-              <a:t>機能担当</a:t>
-            </a:r>
-            <a:endParaRPr kumimoji="1" lang="ja-JP" altLang="en-US" sz="2000" dirty="0">
+              <a:t>担当箇所：日記登録画面、リアクション機能、投稿機能</a:t>
+            </a:r>
+          </a:p>
+          <a:p>
+            <a:endParaRPr lang="ja-JP" altLang="en-US" sz="2000" dirty="0">
               <a:latin typeface="BIZ UDPゴシック" panose="020B0400000000000000" pitchFamily="50" charset="-128"/>
               <a:ea typeface="BIZ UDPゴシック" panose="020B0400000000000000" pitchFamily="50" charset="-128"/>
             </a:endParaRPr>
@@ -6527,7 +6532,16 @@
             <a:pPr marL="0" indent="0">
               <a:buNone/>
             </a:pPr>
-            <a:endParaRPr kumimoji="1" lang="ja-JP" altLang="en-US" sz="2000" dirty="0">
+            <a:r>
+              <a:rPr lang="ja-JP" altLang="en-US" sz="2000" dirty="0">
+                <a:latin typeface="BIZ UDPゴシック" panose="020B0400000000000000" pitchFamily="50" charset="-128"/>
+                <a:ea typeface="BIZ UDPゴシック" panose="020B0400000000000000" pitchFamily="50" charset="-128"/>
+              </a:rPr>
+              <a:t>研修前：</a:t>
+            </a:r>
+          </a:p>
+          <a:p>
+            <a:endParaRPr lang="ja-JP" altLang="en-US" sz="2000" dirty="0">
               <a:latin typeface="BIZ UDPゴシック" panose="020B0400000000000000" pitchFamily="50" charset="-128"/>
               <a:ea typeface="BIZ UDPゴシック" panose="020B0400000000000000" pitchFamily="50" charset="-128"/>
             </a:endParaRPr>
@@ -6537,46 +6551,10 @@
               <a:buNone/>
             </a:pPr>
             <a:r>
-              <a:rPr kumimoji="1" lang="ja-JP" altLang="en-US" sz="2000" dirty="0">
+              <a:rPr lang="ja-JP" altLang="en-US" sz="2000" dirty="0">
                 <a:latin typeface="BIZ UDPゴシック" panose="020B0400000000000000" pitchFamily="50" charset="-128"/>
                 <a:ea typeface="BIZ UDPゴシック" panose="020B0400000000000000" pitchFamily="50" charset="-128"/>
               </a:rPr>
-              <a:t>担当箇所：日記登録画面、リアクション機能、投稿機能</a:t>
-            </a:r>
-          </a:p>
-          <a:p>
-            <a:endParaRPr kumimoji="1" lang="ja-JP" altLang="en-US" sz="2000" dirty="0">
-              <a:latin typeface="BIZ UDPゴシック" panose="020B0400000000000000" pitchFamily="50" charset="-128"/>
-              <a:ea typeface="BIZ UDPゴシック" panose="020B0400000000000000" pitchFamily="50" charset="-128"/>
-            </a:endParaRPr>
-          </a:p>
-          <a:p>
-            <a:pPr marL="0" indent="0">
-              <a:buNone/>
-            </a:pPr>
-            <a:r>
-              <a:rPr kumimoji="1" lang="ja-JP" altLang="en-US" sz="2000" dirty="0">
-                <a:latin typeface="BIZ UDPゴシック" panose="020B0400000000000000" pitchFamily="50" charset="-128"/>
-                <a:ea typeface="BIZ UDPゴシック" panose="020B0400000000000000" pitchFamily="50" charset="-128"/>
-              </a:rPr>
-              <a:t>研修前：</a:t>
-            </a:r>
-          </a:p>
-          <a:p>
-            <a:endParaRPr kumimoji="1" lang="ja-JP" altLang="en-US" sz="2000" dirty="0">
-              <a:latin typeface="BIZ UDPゴシック" panose="020B0400000000000000" pitchFamily="50" charset="-128"/>
-              <a:ea typeface="BIZ UDPゴシック" panose="020B0400000000000000" pitchFamily="50" charset="-128"/>
-            </a:endParaRPr>
-          </a:p>
-          <a:p>
-            <a:pPr marL="0" indent="0">
-              <a:buNone/>
-            </a:pPr>
-            <a:r>
-              <a:rPr kumimoji="1" lang="ja-JP" altLang="en-US" sz="2000" dirty="0">
-                <a:latin typeface="BIZ UDPゴシック" panose="020B0400000000000000" pitchFamily="50" charset="-128"/>
-                <a:ea typeface="BIZ UDPゴシック" panose="020B0400000000000000" pitchFamily="50" charset="-128"/>
-              </a:rPr>
               <a:t>研修後：</a:t>
             </a:r>
           </a:p>
@@ -6590,7 +6568,7 @@
           <p:cNvPr id="4" name="正方形/長方形 3">
             <a:extLst>
               <a:ext uri="{FF2B5EF4-FFF2-40B4-BE49-F238E27FC236}">
-                <a16:creationId xmlns:a16="http://schemas.microsoft.com/office/drawing/2014/main" id="{925AFEE1-EC8C-1526-12AC-A62083A9A15B}"/>
+                <a16:creationId xmlns:a16="http://schemas.microsoft.com/office/drawing/2014/main" id="{B91014D7-4D8A-1AEE-BE31-C7580140E5A3}"/>
               </a:ext>
             </a:extLst>
           </p:cNvPr>
@@ -6656,7 +6634,7 @@
           <p:cNvPr id="5" name="楕円 4">
             <a:extLst>
               <a:ext uri="{FF2B5EF4-FFF2-40B4-BE49-F238E27FC236}">
-                <a16:creationId xmlns:a16="http://schemas.microsoft.com/office/drawing/2014/main" id="{4C51C942-D193-97D3-922A-EBAFED0FEB95}"/>
+                <a16:creationId xmlns:a16="http://schemas.microsoft.com/office/drawing/2014/main" id="{DF47B5FA-BB14-5048-D825-17C453B09259}"/>
               </a:ext>
             </a:extLst>
           </p:cNvPr>
@@ -6703,7 +6681,7 @@
     </p:spTree>
     <p:extLst>
       <p:ext uri="{BB962C8B-B14F-4D97-AF65-F5344CB8AC3E}">
-        <p14:creationId xmlns:p14="http://schemas.microsoft.com/office/powerpoint/2010/main" val="2428015354"/>
+        <p14:creationId xmlns:p14="http://schemas.microsoft.com/office/powerpoint/2010/main" val="326516702"/>
       </p:ext>
     </p:extLst>
   </p:cSld>
@@ -7674,22 +7652,29 @@
         </p:nvSpPr>
         <p:spPr>
           <a:xfrm>
-            <a:off x="4432370" y="551213"/>
-            <a:ext cx="2933701" cy="970252"/>
+            <a:off x="4362032" y="528251"/>
+            <a:ext cx="3183774" cy="970252"/>
           </a:xfrm>
         </p:spPr>
         <p:txBody>
           <a:bodyPr>
-            <a:normAutofit/>
+            <a:normAutofit fontScale="90000"/>
           </a:bodyPr>
           <a:lstStyle/>
           <a:p>
+            <a:r>
+              <a:rPr lang="en-US" altLang="ja-JP" sz="3600" b="1" dirty="0">
+                <a:latin typeface="BIZ UDPゴシック" panose="020B0400000000000000" pitchFamily="50" charset="-128"/>
+                <a:ea typeface="BIZ UDPゴシック" panose="020B0400000000000000" pitchFamily="50" charset="-128"/>
+              </a:rPr>
+              <a:t>Ⅰ</a:t>
+            </a:r>
             <a:r>
               <a:rPr lang="ja-JP" altLang="en-US" sz="3600" b="1" dirty="0">
                 <a:latin typeface="BIZ UDPゴシック" panose="020B0400000000000000" pitchFamily="50" charset="-128"/>
                 <a:ea typeface="BIZ UDPゴシック" panose="020B0400000000000000" pitchFamily="50" charset="-128"/>
               </a:rPr>
-              <a:t>メンバー紹介</a:t>
+              <a:t>．メンバー紹介</a:t>
             </a:r>
           </a:p>
         </p:txBody>
@@ -8673,8 +8658,8 @@
         </p:nvSpPr>
         <p:spPr>
           <a:xfrm>
-            <a:off x="4908216" y="544817"/>
-            <a:ext cx="2116602" cy="970252"/>
+            <a:off x="4532022" y="443744"/>
+            <a:ext cx="2758676" cy="970252"/>
           </a:xfrm>
         </p:spPr>
         <p:txBody>
@@ -8684,11 +8669,18 @@
           <a:lstStyle/>
           <a:p>
             <a:r>
+              <a:rPr lang="en-US" altLang="ja-JP" sz="3600" b="1" dirty="0">
+                <a:latin typeface="BIZ UDPゴシック" panose="020B0400000000000000" pitchFamily="50" charset="-128"/>
+                <a:ea typeface="BIZ UDPゴシック" panose="020B0400000000000000" pitchFamily="50" charset="-128"/>
+              </a:rPr>
+              <a:t>Ⅱ</a:t>
+            </a:r>
+            <a:r>
               <a:rPr lang="ja-JP" altLang="en-US" sz="3600" b="1" dirty="0">
                 <a:latin typeface="BIZ UDPゴシック" panose="020B0400000000000000" pitchFamily="50" charset="-128"/>
                 <a:ea typeface="BIZ UDPゴシック" panose="020B0400000000000000" pitchFamily="50" charset="-128"/>
               </a:rPr>
-              <a:t>開発背景</a:t>
+              <a:t>．開発背景</a:t>
             </a:r>
           </a:p>
         </p:txBody>
@@ -9029,22 +9021,29 @@
         </p:nvSpPr>
         <p:spPr>
           <a:xfrm>
-            <a:off x="4764809" y="577956"/>
-            <a:ext cx="2662382" cy="970252"/>
+            <a:off x="3921370" y="560371"/>
+            <a:ext cx="4062045" cy="970252"/>
           </a:xfrm>
         </p:spPr>
         <p:txBody>
           <a:bodyPr>
-            <a:normAutofit fontScale="90000"/>
+            <a:noAutofit/>
           </a:bodyPr>
           <a:lstStyle/>
           <a:p>
+            <a:r>
+              <a:rPr lang="en-US" altLang="ja-JP" sz="3600" b="1" dirty="0">
+                <a:latin typeface="BIZ UDPゴシック" panose="020B0400000000000000" pitchFamily="50" charset="-128"/>
+                <a:ea typeface="BIZ UDPゴシック" panose="020B0400000000000000" pitchFamily="50" charset="-128"/>
+              </a:rPr>
+              <a:t>Ⅲ</a:t>
+            </a:r>
             <a:r>
               <a:rPr lang="ja-JP" altLang="en-US" sz="3600" b="1" dirty="0">
                 <a:latin typeface="BIZ UDPゴシック" panose="020B0400000000000000" pitchFamily="50" charset="-128"/>
                 <a:ea typeface="BIZ UDPゴシック" panose="020B0400000000000000" pitchFamily="50" charset="-128"/>
               </a:rPr>
-              <a:t>アプリの概要</a:t>
+              <a:t>．アプリの概要</a:t>
             </a:r>
           </a:p>
         </p:txBody>
@@ -9063,7 +9062,7 @@
         </p:nvSpPr>
         <p:spPr>
           <a:xfrm>
-            <a:off x="2786274" y="1762072"/>
+            <a:off x="3291255" y="1862355"/>
             <a:ext cx="7209692" cy="3693319"/>
           </a:xfrm>
           <a:prstGeom prst="rect">
@@ -9418,8 +9417,8 @@
         </p:nvSpPr>
         <p:spPr>
           <a:xfrm>
-            <a:off x="5004954" y="473513"/>
-            <a:ext cx="2182092" cy="1044143"/>
+            <a:off x="4264269" y="473513"/>
+            <a:ext cx="2922777" cy="1044143"/>
           </a:xfrm>
         </p:spPr>
         <p:txBody>
@@ -9429,11 +9428,18 @@
           <a:lstStyle/>
           <a:p>
             <a:r>
+              <a:rPr lang="en-US" altLang="ja-JP" sz="3600" b="1" dirty="0">
+                <a:latin typeface="BIZ UDPゴシック" panose="020B0400000000000000" pitchFamily="50" charset="-128"/>
+                <a:ea typeface="BIZ UDPゴシック" panose="020B0400000000000000" pitchFamily="50" charset="-128"/>
+              </a:rPr>
+              <a:t>Ⅳ</a:t>
+            </a:r>
+            <a:r>
               <a:rPr lang="ja-JP" altLang="en-US" sz="3600" b="1" dirty="0">
                 <a:latin typeface="BIZ UDPゴシック" panose="020B0400000000000000" pitchFamily="50" charset="-128"/>
                 <a:ea typeface="BIZ UDPゴシック" panose="020B0400000000000000" pitchFamily="50" charset="-128"/>
               </a:rPr>
-              <a:t>制作過程</a:t>
+              <a:t>．制作過程</a:t>
             </a:r>
           </a:p>
         </p:txBody>
@@ -9811,8 +9817,8 @@
         </p:nvSpPr>
         <p:spPr>
           <a:xfrm>
-            <a:off x="5490396" y="702113"/>
-            <a:ext cx="1211208" cy="1044143"/>
+            <a:off x="4800600" y="702113"/>
+            <a:ext cx="2118946" cy="1044143"/>
           </a:xfrm>
         </p:spPr>
         <p:txBody>
@@ -9822,11 +9828,18 @@
           <a:lstStyle/>
           <a:p>
             <a:r>
+              <a:rPr lang="en-US" altLang="ja-JP" sz="3600" b="1" dirty="0">
+                <a:latin typeface="BIZ UDPゴシック" panose="020B0400000000000000" pitchFamily="50" charset="-128"/>
+                <a:ea typeface="BIZ UDPゴシック" panose="020B0400000000000000" pitchFamily="50" charset="-128"/>
+              </a:rPr>
+              <a:t>Ⅴ</a:t>
+            </a:r>
+            <a:r>
               <a:rPr lang="ja-JP" altLang="en-US" sz="3600" b="1" dirty="0">
                 <a:latin typeface="BIZ UDPゴシック" panose="020B0400000000000000" pitchFamily="50" charset="-128"/>
                 <a:ea typeface="BIZ UDPゴシック" panose="020B0400000000000000" pitchFamily="50" charset="-128"/>
               </a:rPr>
-              <a:t>デモ</a:t>
+              <a:t>．デモ</a:t>
             </a:r>
           </a:p>
         </p:txBody>
@@ -10003,22 +10016,29 @@
         </p:nvSpPr>
         <p:spPr>
           <a:xfrm>
-            <a:off x="4478482" y="773190"/>
-            <a:ext cx="3235036" cy="970252"/>
+            <a:off x="4114800" y="773190"/>
+            <a:ext cx="3598718" cy="970252"/>
           </a:xfrm>
         </p:spPr>
         <p:txBody>
           <a:bodyPr>
-            <a:normAutofit/>
+            <a:normAutofit fontScale="90000"/>
           </a:bodyPr>
           <a:lstStyle/>
           <a:p>
+            <a:r>
+              <a:rPr lang="en-US" altLang="ja-JP" sz="3600" b="1" dirty="0">
+                <a:latin typeface="BIZ UDPゴシック" panose="020B0400000000000000" pitchFamily="50" charset="-128"/>
+                <a:ea typeface="BIZ UDPゴシック" panose="020B0400000000000000" pitchFamily="50" charset="-128"/>
+              </a:rPr>
+              <a:t>Ⅵ</a:t>
+            </a:r>
             <a:r>
               <a:rPr lang="ja-JP" altLang="en-US" sz="3600" b="1" dirty="0">
                 <a:latin typeface="BIZ UDPゴシック" panose="020B0400000000000000" pitchFamily="50" charset="-128"/>
                 <a:ea typeface="BIZ UDPゴシック" panose="020B0400000000000000" pitchFamily="50" charset="-128"/>
               </a:rPr>
-              <a:t>導入後の変化</a:t>
+              <a:t>．導入後の変化</a:t>
             </a:r>
           </a:p>
         </p:txBody>
@@ -10195,22 +10215,29 @@
         </p:nvSpPr>
         <p:spPr>
           <a:xfrm>
-            <a:off x="4743450" y="676474"/>
-            <a:ext cx="2705099" cy="970252"/>
+            <a:off x="4123592" y="676474"/>
+            <a:ext cx="3324957" cy="970252"/>
           </a:xfrm>
         </p:spPr>
         <p:txBody>
           <a:bodyPr>
-            <a:normAutofit/>
+            <a:noAutofit/>
           </a:bodyPr>
           <a:lstStyle/>
           <a:p>
+            <a:r>
+              <a:rPr lang="en-US" altLang="ja-JP" sz="3600" b="1" dirty="0">
+                <a:latin typeface="BIZ UDPゴシック" panose="020B0400000000000000" pitchFamily="50" charset="-128"/>
+                <a:ea typeface="BIZ UDPゴシック" panose="020B0400000000000000" pitchFamily="50" charset="-128"/>
+              </a:rPr>
+              <a:t>Ⅶ</a:t>
+            </a:r>
             <a:r>
               <a:rPr lang="ja-JP" altLang="en-US" sz="3600" b="1" dirty="0">
                 <a:latin typeface="BIZ UDPゴシック" panose="020B0400000000000000" pitchFamily="50" charset="-128"/>
                 <a:ea typeface="BIZ UDPゴシック" panose="020B0400000000000000" pitchFamily="50" charset="-128"/>
               </a:rPr>
-              <a:t>工夫した点</a:t>
+              <a:t>．工夫した点</a:t>
             </a:r>
           </a:p>
         </p:txBody>

--- a/発表準備/7月成果発表会.pptx
+++ b/発表準備/7月成果発表会.pptx
@@ -7428,6 +7428,627 @@
           </a:p>
         </p:txBody>
       </p:sp>
+      <p:sp>
+        <p:nvSpPr>
+          <p:cNvPr id="2" name="正方形/長方形 1">
+            <a:extLst>
+              <a:ext uri="{FF2B5EF4-FFF2-40B4-BE49-F238E27FC236}">
+                <a16:creationId xmlns:a16="http://schemas.microsoft.com/office/drawing/2014/main" id="{0FA06FCD-F23C-4F72-80C9-DA6837B101F0}"/>
+              </a:ext>
+            </a:extLst>
+          </p:cNvPr>
+          <p:cNvSpPr/>
+          <p:nvPr/>
+        </p:nvSpPr>
+        <p:spPr>
+          <a:xfrm>
+            <a:off x="2242039" y="1678595"/>
+            <a:ext cx="2576146" cy="762368"/>
+          </a:xfrm>
+          <a:prstGeom prst="rect">
+            <a:avLst/>
+          </a:prstGeom>
+          <a:noFill/>
+          <a:ln>
+            <a:noFill/>
+          </a:ln>
+        </p:spPr>
+        <p:style>
+          <a:lnRef idx="2">
+            <a:schemeClr val="accent1">
+              <a:shade val="15000"/>
+            </a:schemeClr>
+          </a:lnRef>
+          <a:fillRef idx="1">
+            <a:schemeClr val="accent1"/>
+          </a:fillRef>
+          <a:effectRef idx="0">
+            <a:schemeClr val="accent1"/>
+          </a:effectRef>
+          <a:fontRef idx="minor">
+            <a:schemeClr val="lt1"/>
+          </a:fontRef>
+        </p:style>
+        <p:txBody>
+          <a:bodyPr rtlCol="0" anchor="ctr"/>
+          <a:lstStyle/>
+          <a:p>
+            <a:pPr algn="ctr"/>
+            <a:r>
+              <a:rPr kumimoji="1" lang="en-US" altLang="ja-JP" sz="2400" b="1" dirty="0">
+                <a:solidFill>
+                  <a:schemeClr val="tx1"/>
+                </a:solidFill>
+                <a:latin typeface="BIZ UDPゴシック" panose="020B0400000000000000" pitchFamily="50" charset="-128"/>
+                <a:ea typeface="BIZ UDPゴシック" panose="020B0400000000000000" pitchFamily="50" charset="-128"/>
+              </a:rPr>
+              <a:t>Ⅰ</a:t>
+            </a:r>
+            <a:r>
+              <a:rPr kumimoji="1" lang="ja-JP" altLang="en-US" sz="2400" b="1" dirty="0">
+                <a:solidFill>
+                  <a:schemeClr val="tx1"/>
+                </a:solidFill>
+                <a:latin typeface="BIZ UDPゴシック" panose="020B0400000000000000" pitchFamily="50" charset="-128"/>
+                <a:ea typeface="BIZ UDPゴシック" panose="020B0400000000000000" pitchFamily="50" charset="-128"/>
+              </a:rPr>
+              <a:t>．メンバー紹介</a:t>
+            </a:r>
+          </a:p>
+        </p:txBody>
+      </p:sp>
+      <p:sp>
+        <p:nvSpPr>
+          <p:cNvPr id="6" name="正方形/長方形 5">
+            <a:extLst>
+              <a:ext uri="{FF2B5EF4-FFF2-40B4-BE49-F238E27FC236}">
+                <a16:creationId xmlns:a16="http://schemas.microsoft.com/office/drawing/2014/main" id="{5FD72EEC-3C22-B053-157C-37DB67067022}"/>
+              </a:ext>
+            </a:extLst>
+          </p:cNvPr>
+          <p:cNvSpPr/>
+          <p:nvPr/>
+        </p:nvSpPr>
+        <p:spPr>
+          <a:xfrm>
+            <a:off x="1960685" y="2545568"/>
+            <a:ext cx="2576146" cy="762368"/>
+          </a:xfrm>
+          <a:prstGeom prst="rect">
+            <a:avLst/>
+          </a:prstGeom>
+          <a:noFill/>
+          <a:ln>
+            <a:noFill/>
+          </a:ln>
+        </p:spPr>
+        <p:style>
+          <a:lnRef idx="2">
+            <a:schemeClr val="accent1">
+              <a:shade val="15000"/>
+            </a:schemeClr>
+          </a:lnRef>
+          <a:fillRef idx="1">
+            <a:schemeClr val="accent1"/>
+          </a:fillRef>
+          <a:effectRef idx="0">
+            <a:schemeClr val="accent1"/>
+          </a:effectRef>
+          <a:fontRef idx="minor">
+            <a:schemeClr val="lt1"/>
+          </a:fontRef>
+        </p:style>
+        <p:txBody>
+          <a:bodyPr rtlCol="0" anchor="ctr"/>
+          <a:lstStyle/>
+          <a:p>
+            <a:pPr algn="ctr"/>
+            <a:r>
+              <a:rPr lang="en-US" altLang="ja-JP" sz="2400" b="1" dirty="0">
+                <a:solidFill>
+                  <a:schemeClr val="tx1"/>
+                </a:solidFill>
+                <a:latin typeface="BIZ UDPゴシック" panose="020B0400000000000000" pitchFamily="50" charset="-128"/>
+                <a:ea typeface="BIZ UDPゴシック" panose="020B0400000000000000" pitchFamily="50" charset="-128"/>
+              </a:rPr>
+              <a:t>Ⅱ</a:t>
+            </a:r>
+            <a:r>
+              <a:rPr kumimoji="1" lang="ja-JP" altLang="en-US" sz="2400" b="1" dirty="0">
+                <a:solidFill>
+                  <a:schemeClr val="tx1"/>
+                </a:solidFill>
+                <a:latin typeface="BIZ UDPゴシック" panose="020B0400000000000000" pitchFamily="50" charset="-128"/>
+                <a:ea typeface="BIZ UDPゴシック" panose="020B0400000000000000" pitchFamily="50" charset="-128"/>
+              </a:rPr>
+              <a:t>．開発背景</a:t>
+            </a:r>
+          </a:p>
+        </p:txBody>
+      </p:sp>
+      <p:sp>
+        <p:nvSpPr>
+          <p:cNvPr id="7" name="正方形/長方形 6">
+            <a:extLst>
+              <a:ext uri="{FF2B5EF4-FFF2-40B4-BE49-F238E27FC236}">
+                <a16:creationId xmlns:a16="http://schemas.microsoft.com/office/drawing/2014/main" id="{6E23CD60-8552-9BD0-337B-B4BE69F30C40}"/>
+              </a:ext>
+            </a:extLst>
+          </p:cNvPr>
+          <p:cNvSpPr/>
+          <p:nvPr/>
+        </p:nvSpPr>
+        <p:spPr>
+          <a:xfrm>
+            <a:off x="2242039" y="3429000"/>
+            <a:ext cx="2576146" cy="762368"/>
+          </a:xfrm>
+          <a:prstGeom prst="rect">
+            <a:avLst/>
+          </a:prstGeom>
+          <a:noFill/>
+          <a:ln>
+            <a:noFill/>
+          </a:ln>
+        </p:spPr>
+        <p:style>
+          <a:lnRef idx="2">
+            <a:schemeClr val="accent1">
+              <a:shade val="15000"/>
+            </a:schemeClr>
+          </a:lnRef>
+          <a:fillRef idx="1">
+            <a:schemeClr val="accent1"/>
+          </a:fillRef>
+          <a:effectRef idx="0">
+            <a:schemeClr val="accent1"/>
+          </a:effectRef>
+          <a:fontRef idx="minor">
+            <a:schemeClr val="lt1"/>
+          </a:fontRef>
+        </p:style>
+        <p:txBody>
+          <a:bodyPr rtlCol="0" anchor="ctr"/>
+          <a:lstStyle/>
+          <a:p>
+            <a:pPr algn="ctr"/>
+            <a:r>
+              <a:rPr lang="en-US" altLang="ja-JP" sz="2400" b="1" dirty="0">
+                <a:solidFill>
+                  <a:schemeClr val="tx1"/>
+                </a:solidFill>
+                <a:latin typeface="BIZ UDPゴシック" panose="020B0400000000000000" pitchFamily="50" charset="-128"/>
+                <a:ea typeface="BIZ UDPゴシック" panose="020B0400000000000000" pitchFamily="50" charset="-128"/>
+              </a:rPr>
+              <a:t>Ⅲ</a:t>
+            </a:r>
+            <a:r>
+              <a:rPr kumimoji="1" lang="ja-JP" altLang="en-US" sz="2400" b="1" dirty="0">
+                <a:solidFill>
+                  <a:schemeClr val="tx1"/>
+                </a:solidFill>
+                <a:latin typeface="BIZ UDPゴシック" panose="020B0400000000000000" pitchFamily="50" charset="-128"/>
+                <a:ea typeface="BIZ UDPゴシック" panose="020B0400000000000000" pitchFamily="50" charset="-128"/>
+              </a:rPr>
+              <a:t>．アプリの概要</a:t>
+            </a:r>
+          </a:p>
+        </p:txBody>
+      </p:sp>
+      <p:sp>
+        <p:nvSpPr>
+          <p:cNvPr id="8" name="正方形/長方形 7">
+            <a:extLst>
+              <a:ext uri="{FF2B5EF4-FFF2-40B4-BE49-F238E27FC236}">
+                <a16:creationId xmlns:a16="http://schemas.microsoft.com/office/drawing/2014/main" id="{70C9DF1D-7D37-40E7-7D91-993275A53014}"/>
+              </a:ext>
+            </a:extLst>
+          </p:cNvPr>
+          <p:cNvSpPr/>
+          <p:nvPr/>
+        </p:nvSpPr>
+        <p:spPr>
+          <a:xfrm>
+            <a:off x="1960685" y="4320600"/>
+            <a:ext cx="2576146" cy="762368"/>
+          </a:xfrm>
+          <a:prstGeom prst="rect">
+            <a:avLst/>
+          </a:prstGeom>
+          <a:noFill/>
+          <a:ln>
+            <a:noFill/>
+          </a:ln>
+        </p:spPr>
+        <p:style>
+          <a:lnRef idx="2">
+            <a:schemeClr val="accent1">
+              <a:shade val="15000"/>
+            </a:schemeClr>
+          </a:lnRef>
+          <a:fillRef idx="1">
+            <a:schemeClr val="accent1"/>
+          </a:fillRef>
+          <a:effectRef idx="0">
+            <a:schemeClr val="accent1"/>
+          </a:effectRef>
+          <a:fontRef idx="minor">
+            <a:schemeClr val="lt1"/>
+          </a:fontRef>
+        </p:style>
+        <p:txBody>
+          <a:bodyPr rtlCol="0" anchor="ctr"/>
+          <a:lstStyle/>
+          <a:p>
+            <a:pPr algn="ctr"/>
+            <a:r>
+              <a:rPr lang="en-US" altLang="ja-JP" sz="2400" b="1" dirty="0">
+                <a:solidFill>
+                  <a:schemeClr val="tx1"/>
+                </a:solidFill>
+                <a:latin typeface="BIZ UDPゴシック" panose="020B0400000000000000" pitchFamily="50" charset="-128"/>
+                <a:ea typeface="BIZ UDPゴシック" panose="020B0400000000000000" pitchFamily="50" charset="-128"/>
+              </a:rPr>
+              <a:t>Ⅳ</a:t>
+            </a:r>
+            <a:r>
+              <a:rPr kumimoji="1" lang="ja-JP" altLang="en-US" sz="2400" b="1" dirty="0">
+                <a:solidFill>
+                  <a:schemeClr val="tx1"/>
+                </a:solidFill>
+                <a:latin typeface="BIZ UDPゴシック" panose="020B0400000000000000" pitchFamily="50" charset="-128"/>
+                <a:ea typeface="BIZ UDPゴシック" panose="020B0400000000000000" pitchFamily="50" charset="-128"/>
+              </a:rPr>
+              <a:t>．制作過程</a:t>
+            </a:r>
+          </a:p>
+        </p:txBody>
+      </p:sp>
+      <p:sp>
+        <p:nvSpPr>
+          <p:cNvPr id="9" name="正方形/長方形 8">
+            <a:extLst>
+              <a:ext uri="{FF2B5EF4-FFF2-40B4-BE49-F238E27FC236}">
+                <a16:creationId xmlns:a16="http://schemas.microsoft.com/office/drawing/2014/main" id="{A96146FF-3030-673D-A5C9-44DB69E0F1BA}"/>
+              </a:ext>
+            </a:extLst>
+          </p:cNvPr>
+          <p:cNvSpPr/>
+          <p:nvPr/>
+        </p:nvSpPr>
+        <p:spPr>
+          <a:xfrm>
+            <a:off x="1664678" y="5212200"/>
+            <a:ext cx="2576146" cy="762368"/>
+          </a:xfrm>
+          <a:prstGeom prst="rect">
+            <a:avLst/>
+          </a:prstGeom>
+          <a:noFill/>
+          <a:ln>
+            <a:noFill/>
+          </a:ln>
+        </p:spPr>
+        <p:style>
+          <a:lnRef idx="2">
+            <a:schemeClr val="accent1">
+              <a:shade val="15000"/>
+            </a:schemeClr>
+          </a:lnRef>
+          <a:fillRef idx="1">
+            <a:schemeClr val="accent1"/>
+          </a:fillRef>
+          <a:effectRef idx="0">
+            <a:schemeClr val="accent1"/>
+          </a:effectRef>
+          <a:fontRef idx="minor">
+            <a:schemeClr val="lt1"/>
+          </a:fontRef>
+        </p:style>
+        <p:txBody>
+          <a:bodyPr rtlCol="0" anchor="ctr"/>
+          <a:lstStyle/>
+          <a:p>
+            <a:pPr algn="ctr"/>
+            <a:r>
+              <a:rPr lang="en-US" altLang="ja-JP" sz="2400" b="1" dirty="0">
+                <a:solidFill>
+                  <a:schemeClr val="tx1"/>
+                </a:solidFill>
+                <a:latin typeface="BIZ UDPゴシック" panose="020B0400000000000000" pitchFamily="50" charset="-128"/>
+                <a:ea typeface="BIZ UDPゴシック" panose="020B0400000000000000" pitchFamily="50" charset="-128"/>
+              </a:rPr>
+              <a:t>Ⅴ</a:t>
+            </a:r>
+            <a:r>
+              <a:rPr kumimoji="1" lang="ja-JP" altLang="en-US" sz="2400" b="1" dirty="0">
+                <a:solidFill>
+                  <a:schemeClr val="tx1"/>
+                </a:solidFill>
+                <a:latin typeface="BIZ UDPゴシック" panose="020B0400000000000000" pitchFamily="50" charset="-128"/>
+                <a:ea typeface="BIZ UDPゴシック" panose="020B0400000000000000" pitchFamily="50" charset="-128"/>
+              </a:rPr>
+              <a:t>．デモ</a:t>
+            </a:r>
+          </a:p>
+        </p:txBody>
+      </p:sp>
+      <p:sp>
+        <p:nvSpPr>
+          <p:cNvPr id="10" name="正方形/長方形 9">
+            <a:extLst>
+              <a:ext uri="{FF2B5EF4-FFF2-40B4-BE49-F238E27FC236}">
+                <a16:creationId xmlns:a16="http://schemas.microsoft.com/office/drawing/2014/main" id="{B7A35816-50E9-D085-620E-6C0485C01A9E}"/>
+              </a:ext>
+            </a:extLst>
+          </p:cNvPr>
+          <p:cNvSpPr/>
+          <p:nvPr/>
+        </p:nvSpPr>
+        <p:spPr>
+          <a:xfrm>
+            <a:off x="6497516" y="1723820"/>
+            <a:ext cx="2576146" cy="762368"/>
+          </a:xfrm>
+          <a:prstGeom prst="rect">
+            <a:avLst/>
+          </a:prstGeom>
+          <a:noFill/>
+          <a:ln>
+            <a:noFill/>
+          </a:ln>
+        </p:spPr>
+        <p:style>
+          <a:lnRef idx="2">
+            <a:schemeClr val="accent1">
+              <a:shade val="15000"/>
+            </a:schemeClr>
+          </a:lnRef>
+          <a:fillRef idx="1">
+            <a:schemeClr val="accent1"/>
+          </a:fillRef>
+          <a:effectRef idx="0">
+            <a:schemeClr val="accent1"/>
+          </a:effectRef>
+          <a:fontRef idx="minor">
+            <a:schemeClr val="lt1"/>
+          </a:fontRef>
+        </p:style>
+        <p:txBody>
+          <a:bodyPr rtlCol="0" anchor="ctr"/>
+          <a:lstStyle/>
+          <a:p>
+            <a:pPr algn="ctr"/>
+            <a:r>
+              <a:rPr lang="en-US" altLang="ja-JP" sz="2400" b="1" dirty="0">
+                <a:solidFill>
+                  <a:schemeClr val="tx1"/>
+                </a:solidFill>
+                <a:latin typeface="BIZ UDPゴシック" panose="020B0400000000000000" pitchFamily="50" charset="-128"/>
+                <a:ea typeface="BIZ UDPゴシック" panose="020B0400000000000000" pitchFamily="50" charset="-128"/>
+              </a:rPr>
+              <a:t>Ⅵ</a:t>
+            </a:r>
+            <a:r>
+              <a:rPr kumimoji="1" lang="ja-JP" altLang="en-US" sz="2400" b="1" dirty="0">
+                <a:solidFill>
+                  <a:schemeClr val="tx1"/>
+                </a:solidFill>
+                <a:latin typeface="BIZ UDPゴシック" panose="020B0400000000000000" pitchFamily="50" charset="-128"/>
+                <a:ea typeface="BIZ UDPゴシック" panose="020B0400000000000000" pitchFamily="50" charset="-128"/>
+              </a:rPr>
+              <a:t>．導入後の変化</a:t>
+            </a:r>
+          </a:p>
+        </p:txBody>
+      </p:sp>
+      <p:sp>
+        <p:nvSpPr>
+          <p:cNvPr id="11" name="正方形/長方形 10">
+            <a:extLst>
+              <a:ext uri="{FF2B5EF4-FFF2-40B4-BE49-F238E27FC236}">
+                <a16:creationId xmlns:a16="http://schemas.microsoft.com/office/drawing/2014/main" id="{C5CCD8EF-E60F-1476-60B1-55C49ADC4A8D}"/>
+              </a:ext>
+            </a:extLst>
+          </p:cNvPr>
+          <p:cNvSpPr/>
+          <p:nvPr/>
+        </p:nvSpPr>
+        <p:spPr>
+          <a:xfrm>
+            <a:off x="6364899" y="2634667"/>
+            <a:ext cx="2576146" cy="762368"/>
+          </a:xfrm>
+          <a:prstGeom prst="rect">
+            <a:avLst/>
+          </a:prstGeom>
+          <a:noFill/>
+          <a:ln>
+            <a:noFill/>
+          </a:ln>
+        </p:spPr>
+        <p:style>
+          <a:lnRef idx="2">
+            <a:schemeClr val="accent1">
+              <a:shade val="15000"/>
+            </a:schemeClr>
+          </a:lnRef>
+          <a:fillRef idx="1">
+            <a:schemeClr val="accent1"/>
+          </a:fillRef>
+          <a:effectRef idx="0">
+            <a:schemeClr val="accent1"/>
+          </a:effectRef>
+          <a:fontRef idx="minor">
+            <a:schemeClr val="lt1"/>
+          </a:fontRef>
+        </p:style>
+        <p:txBody>
+          <a:bodyPr rtlCol="0" anchor="ctr"/>
+          <a:lstStyle/>
+          <a:p>
+            <a:pPr algn="ctr"/>
+            <a:r>
+              <a:rPr lang="en-US" altLang="ja-JP" sz="2400" b="1" dirty="0">
+                <a:solidFill>
+                  <a:schemeClr val="tx1"/>
+                </a:solidFill>
+                <a:latin typeface="BIZ UDPゴシック" panose="020B0400000000000000" pitchFamily="50" charset="-128"/>
+                <a:ea typeface="BIZ UDPゴシック" panose="020B0400000000000000" pitchFamily="50" charset="-128"/>
+              </a:rPr>
+              <a:t>Ⅶ</a:t>
+            </a:r>
+            <a:r>
+              <a:rPr kumimoji="1" lang="ja-JP" altLang="en-US" sz="2400" b="1" dirty="0">
+                <a:solidFill>
+                  <a:schemeClr val="tx1"/>
+                </a:solidFill>
+                <a:latin typeface="BIZ UDPゴシック" panose="020B0400000000000000" pitchFamily="50" charset="-128"/>
+                <a:ea typeface="BIZ UDPゴシック" panose="020B0400000000000000" pitchFamily="50" charset="-128"/>
+              </a:rPr>
+              <a:t>．工夫した点</a:t>
+            </a:r>
+          </a:p>
+        </p:txBody>
+      </p:sp>
+      <p:sp>
+        <p:nvSpPr>
+          <p:cNvPr id="12" name="正方形/長方形 11">
+            <a:extLst>
+              <a:ext uri="{FF2B5EF4-FFF2-40B4-BE49-F238E27FC236}">
+                <a16:creationId xmlns:a16="http://schemas.microsoft.com/office/drawing/2014/main" id="{6365ECD7-BBF4-8613-D06F-29A30DC5B730}"/>
+              </a:ext>
+            </a:extLst>
+          </p:cNvPr>
+          <p:cNvSpPr/>
+          <p:nvPr/>
+        </p:nvSpPr>
+        <p:spPr>
+          <a:xfrm>
+            <a:off x="6364899" y="3538352"/>
+            <a:ext cx="2576146" cy="762368"/>
+          </a:xfrm>
+          <a:prstGeom prst="rect">
+            <a:avLst/>
+          </a:prstGeom>
+          <a:noFill/>
+          <a:ln>
+            <a:noFill/>
+          </a:ln>
+        </p:spPr>
+        <p:style>
+          <a:lnRef idx="2">
+            <a:schemeClr val="accent1">
+              <a:shade val="15000"/>
+            </a:schemeClr>
+          </a:lnRef>
+          <a:fillRef idx="1">
+            <a:schemeClr val="accent1"/>
+          </a:fillRef>
+          <a:effectRef idx="0">
+            <a:schemeClr val="accent1"/>
+          </a:effectRef>
+          <a:fontRef idx="minor">
+            <a:schemeClr val="lt1"/>
+          </a:fontRef>
+        </p:style>
+        <p:txBody>
+          <a:bodyPr rtlCol="0" anchor="ctr"/>
+          <a:lstStyle/>
+          <a:p>
+            <a:pPr algn="ctr"/>
+            <a:r>
+              <a:rPr lang="en-US" altLang="ja-JP" sz="2400" b="1" dirty="0">
+                <a:solidFill>
+                  <a:schemeClr val="tx1"/>
+                </a:solidFill>
+                <a:latin typeface="BIZ UDPゴシック" panose="020B0400000000000000" pitchFamily="50" charset="-128"/>
+                <a:ea typeface="BIZ UDPゴシック" panose="020B0400000000000000" pitchFamily="50" charset="-128"/>
+              </a:rPr>
+              <a:t>Ⅷ</a:t>
+            </a:r>
+            <a:r>
+              <a:rPr kumimoji="1" lang="ja-JP" altLang="en-US" sz="2400" b="1" dirty="0">
+                <a:solidFill>
+                  <a:schemeClr val="tx1"/>
+                </a:solidFill>
+                <a:latin typeface="BIZ UDPゴシック" panose="020B0400000000000000" pitchFamily="50" charset="-128"/>
+                <a:ea typeface="BIZ UDPゴシック" panose="020B0400000000000000" pitchFamily="50" charset="-128"/>
+              </a:rPr>
+              <a:t>．苦労した点</a:t>
+            </a:r>
+          </a:p>
+        </p:txBody>
+      </p:sp>
+      <p:sp>
+        <p:nvSpPr>
+          <p:cNvPr id="13" name="正方形/長方形 12">
+            <a:extLst>
+              <a:ext uri="{FF2B5EF4-FFF2-40B4-BE49-F238E27FC236}">
+                <a16:creationId xmlns:a16="http://schemas.microsoft.com/office/drawing/2014/main" id="{6ED0326B-F3C4-1D8D-9FFA-114698EFD36E}"/>
+              </a:ext>
+            </a:extLst>
+          </p:cNvPr>
+          <p:cNvSpPr/>
+          <p:nvPr/>
+        </p:nvSpPr>
+        <p:spPr>
+          <a:xfrm>
+            <a:off x="6497516" y="4352193"/>
+            <a:ext cx="4887058" cy="762368"/>
+          </a:xfrm>
+          <a:prstGeom prst="rect">
+            <a:avLst/>
+          </a:prstGeom>
+          <a:noFill/>
+          <a:ln>
+            <a:noFill/>
+          </a:ln>
+        </p:spPr>
+        <p:style>
+          <a:lnRef idx="2">
+            <a:schemeClr val="accent1">
+              <a:shade val="15000"/>
+            </a:schemeClr>
+          </a:lnRef>
+          <a:fillRef idx="1">
+            <a:schemeClr val="accent1"/>
+          </a:fillRef>
+          <a:effectRef idx="0">
+            <a:schemeClr val="accent1"/>
+          </a:effectRef>
+          <a:fontRef idx="minor">
+            <a:schemeClr val="lt1"/>
+          </a:fontRef>
+        </p:style>
+        <p:txBody>
+          <a:bodyPr rtlCol="0" anchor="ctr"/>
+          <a:lstStyle/>
+          <a:p>
+            <a:pPr algn="ctr"/>
+            <a:r>
+              <a:rPr lang="en-US" altLang="ja-JP" sz="2400" b="1" dirty="0">
+                <a:solidFill>
+                  <a:schemeClr val="tx1"/>
+                </a:solidFill>
+                <a:latin typeface="BIZ UDPゴシック" panose="020B0400000000000000" pitchFamily="50" charset="-128"/>
+                <a:ea typeface="BIZ UDPゴシック" panose="020B0400000000000000" pitchFamily="50" charset="-128"/>
+              </a:rPr>
+              <a:t>Ⅸ</a:t>
+            </a:r>
+            <a:r>
+              <a:rPr kumimoji="1" lang="ja-JP" altLang="en-US" sz="2400" b="1" dirty="0">
+                <a:solidFill>
+                  <a:schemeClr val="tx1"/>
+                </a:solidFill>
+                <a:latin typeface="BIZ UDPゴシック" panose="020B0400000000000000" pitchFamily="50" charset="-128"/>
+                <a:ea typeface="BIZ UDPゴシック" panose="020B0400000000000000" pitchFamily="50" charset="-128"/>
+              </a:rPr>
+              <a:t>．研修前・研修後で成長したこと</a:t>
+            </a:r>
+          </a:p>
+        </p:txBody>
+      </p:sp>
     </p:spTree>
     <p:extLst>
       <p:ext uri="{BB962C8B-B14F-4D97-AF65-F5344CB8AC3E}">
@@ -10016,13 +10637,13 @@
         </p:nvSpPr>
         <p:spPr>
           <a:xfrm>
-            <a:off x="4114800" y="773190"/>
-            <a:ext cx="3598718" cy="970252"/>
+            <a:off x="4114799" y="773190"/>
+            <a:ext cx="4202723" cy="970252"/>
           </a:xfrm>
         </p:spPr>
         <p:txBody>
           <a:bodyPr>
-            <a:normAutofit fontScale="90000"/>
+            <a:noAutofit/>
           </a:bodyPr>
           <a:lstStyle/>
           <a:p>

--- a/発表準備/7月成果発表会.pptx
+++ b/発表準備/7月成果発表会.pptx
@@ -8678,7 +8678,7 @@
         </p:nvSpPr>
         <p:spPr>
           <a:xfrm>
-            <a:off x="2393961" y="1893246"/>
+            <a:off x="2402534" y="1897304"/>
             <a:ext cx="924291" cy="903808"/>
           </a:xfrm>
           <a:prstGeom prst="ellipse">
@@ -8767,7 +8767,7 @@
         </p:nvSpPr>
         <p:spPr>
           <a:xfrm>
-            <a:off x="2402535" y="3253338"/>
+            <a:off x="2436307" y="3235290"/>
             <a:ext cx="924291" cy="903808"/>
           </a:xfrm>
           <a:prstGeom prst="ellipse">
@@ -8816,7 +8816,7 @@
         </p:nvSpPr>
         <p:spPr>
           <a:xfrm>
-            <a:off x="2402535" y="4639984"/>
+            <a:off x="2436308" y="4639984"/>
             <a:ext cx="924291" cy="903808"/>
           </a:xfrm>
           <a:prstGeom prst="ellipse">
@@ -8914,7 +8914,7 @@
         </p:nvSpPr>
         <p:spPr>
           <a:xfrm>
-            <a:off x="6691854" y="3253338"/>
+            <a:off x="6691852" y="3235290"/>
             <a:ext cx="924291" cy="903808"/>
           </a:xfrm>
           <a:prstGeom prst="ellipse">

--- a/発表準備/7月成果発表会.pptx
+++ b/発表準備/7月成果発表会.pptx
@@ -9436,10 +9436,10 @@
       </p:sp>
       <p:pic>
         <p:nvPicPr>
-          <p:cNvPr id="11" name="図 10" descr="抽象 が含まれている画像&#10;&#10;AI 生成コンテンツは誤りを含む可能性があります。">
-            <a:extLst>
-              <a:ext uri="{FF2B5EF4-FFF2-40B4-BE49-F238E27FC236}">
-                <a16:creationId xmlns:a16="http://schemas.microsoft.com/office/drawing/2014/main" id="{4D6418C6-8225-4C0B-BD62-A8FDAE25AFA2}"/>
+          <p:cNvPr id="9" name="図 8" descr="抽象 が含まれている画像&#10;&#10;AI 生成コンテンツは誤りを含む可能性があります。">
+            <a:extLst>
+              <a:ext uri="{FF2B5EF4-FFF2-40B4-BE49-F238E27FC236}">
+                <a16:creationId xmlns:a16="http://schemas.microsoft.com/office/drawing/2014/main" id="{E51F6155-3724-AB88-BE4A-7550FB1245F6}"/>
               </a:ext>
             </a:extLst>
           </p:cNvPr>
@@ -9462,8 +9462,8 @@
         </p:blipFill>
         <p:spPr>
           <a:xfrm>
-            <a:off x="4478214" y="3931619"/>
-            <a:ext cx="2866292" cy="2866292"/>
+            <a:off x="4782980" y="4224686"/>
+            <a:ext cx="2417919" cy="2417919"/>
           </a:xfrm>
           <a:prstGeom prst="rect">
             <a:avLst/>

--- a/発表準備/7月成果発表会.pptx
+++ b/発表準備/7月成果発表会.pptx
@@ -13,8 +13,8 @@
     <p:sldId id="282" r:id="rId7"/>
     <p:sldId id="293" r:id="rId8"/>
     <p:sldId id="283" r:id="rId9"/>
-    <p:sldId id="284" r:id="rId10"/>
-    <p:sldId id="285" r:id="rId11"/>
+    <p:sldId id="300" r:id="rId10"/>
+    <p:sldId id="301" r:id="rId11"/>
     <p:sldId id="260" r:id="rId12"/>
     <p:sldId id="297" r:id="rId13"/>
     <p:sldId id="294" r:id="rId14"/>
@@ -4199,7 +4199,7 @@
         <p:cNvPr id="1" name="">
           <a:extLst>
             <a:ext uri="{FF2B5EF4-FFF2-40B4-BE49-F238E27FC236}">
-              <a16:creationId xmlns:a16="http://schemas.microsoft.com/office/drawing/2014/main" id="{CB3F45A9-9EA9-2D3E-827F-2727B8FCF5D1}"/>
+              <a16:creationId xmlns:a16="http://schemas.microsoft.com/office/drawing/2014/main" id="{8D9165EC-2B85-D18A-301F-1F872379184C}"/>
             </a:ext>
           </a:extLst>
         </p:cNvPr>
@@ -4219,7 +4219,7 @@
           <p:cNvPr id="3" name="正方形/長方形 2">
             <a:extLst>
               <a:ext uri="{FF2B5EF4-FFF2-40B4-BE49-F238E27FC236}">
-                <a16:creationId xmlns:a16="http://schemas.microsoft.com/office/drawing/2014/main" id="{64FC8A24-47A0-4847-EF59-9BDB1FF701F9}"/>
+                <a16:creationId xmlns:a16="http://schemas.microsoft.com/office/drawing/2014/main" id="{73382281-1B26-956A-854F-CACF197D89AD}"/>
               </a:ext>
             </a:extLst>
           </p:cNvPr>
@@ -4271,7 +4271,7 @@
           <p:cNvPr id="4" name="正方形/長方形 3">
             <a:extLst>
               <a:ext uri="{FF2B5EF4-FFF2-40B4-BE49-F238E27FC236}">
-                <a16:creationId xmlns:a16="http://schemas.microsoft.com/office/drawing/2014/main" id="{5FEE7B1C-E95B-E256-3EA5-22C327D45930}"/>
+                <a16:creationId xmlns:a16="http://schemas.microsoft.com/office/drawing/2014/main" id="{6FC77374-C1BE-C5CD-D14E-AFBEF7E95F13}"/>
               </a:ext>
             </a:extLst>
           </p:cNvPr>
@@ -4337,7 +4337,7 @@
           <p:cNvPr id="5" name="タイトル 4">
             <a:extLst>
               <a:ext uri="{FF2B5EF4-FFF2-40B4-BE49-F238E27FC236}">
-                <a16:creationId xmlns:a16="http://schemas.microsoft.com/office/drawing/2014/main" id="{D206875B-98AF-1BF0-0807-926996960178}"/>
+                <a16:creationId xmlns:a16="http://schemas.microsoft.com/office/drawing/2014/main" id="{EC77EC6A-1385-72F7-55FD-2FF5F2DB839B}"/>
               </a:ext>
             </a:extLst>
           </p:cNvPr>
@@ -4350,8 +4350,8 @@
         </p:nvSpPr>
         <p:spPr>
           <a:xfrm>
-            <a:off x="4440115" y="596457"/>
-            <a:ext cx="3235569" cy="988724"/>
+            <a:off x="4114799" y="773190"/>
+            <a:ext cx="4202723" cy="970252"/>
           </a:xfrm>
         </p:spPr>
         <p:txBody>
@@ -4380,7 +4380,7 @@
     </p:spTree>
     <p:extLst>
       <p:ext uri="{BB962C8B-B14F-4D97-AF65-F5344CB8AC3E}">
-        <p14:creationId xmlns:p14="http://schemas.microsoft.com/office/powerpoint/2010/main" val="3210008897"/>
+        <p14:creationId xmlns:p14="http://schemas.microsoft.com/office/powerpoint/2010/main" val="441681586"/>
       </p:ext>
     </p:extLst>
   </p:cSld>
@@ -6728,7 +6728,7 @@
         </p:nvSpPr>
         <p:spPr>
           <a:xfrm>
-            <a:off x="0" y="0"/>
+            <a:off x="-70338" y="0"/>
             <a:ext cx="12192000" cy="6858000"/>
           </a:xfrm>
           <a:prstGeom prst="rect">
@@ -6884,7 +6884,7 @@
         </p:nvSpPr>
         <p:spPr>
           <a:xfrm>
-            <a:off x="2567569" y="2253774"/>
+            <a:off x="2788720" y="2253774"/>
             <a:ext cx="7582424" cy="2350451"/>
           </a:xfrm>
           <a:prstGeom prst="rect">
@@ -8767,7 +8767,7 @@
         </p:nvSpPr>
         <p:spPr>
           <a:xfrm>
-            <a:off x="2436307" y="3235290"/>
+            <a:off x="2402534" y="3235290"/>
             <a:ext cx="924291" cy="903808"/>
           </a:xfrm>
           <a:prstGeom prst="ellipse">
@@ -8816,7 +8816,7 @@
         </p:nvSpPr>
         <p:spPr>
           <a:xfrm>
-            <a:off x="2436308" y="4639984"/>
+            <a:off x="2402533" y="4639984"/>
             <a:ext cx="924291" cy="903808"/>
           </a:xfrm>
           <a:prstGeom prst="ellipse">
@@ -10685,7 +10685,7 @@
         <p:cNvPr id="1" name="">
           <a:extLst>
             <a:ext uri="{FF2B5EF4-FFF2-40B4-BE49-F238E27FC236}">
-              <a16:creationId xmlns:a16="http://schemas.microsoft.com/office/drawing/2014/main" id="{ECF83E7D-5850-A681-71BD-2A94C39F8E4D}"/>
+              <a16:creationId xmlns:a16="http://schemas.microsoft.com/office/drawing/2014/main" id="{91EE89BE-E868-F896-DA81-F52FCA3514AD}"/>
             </a:ext>
           </a:extLst>
         </p:cNvPr>
@@ -10705,7 +10705,7 @@
           <p:cNvPr id="3" name="正方形/長方形 2">
             <a:extLst>
               <a:ext uri="{FF2B5EF4-FFF2-40B4-BE49-F238E27FC236}">
-                <a16:creationId xmlns:a16="http://schemas.microsoft.com/office/drawing/2014/main" id="{B09537F1-DB66-0837-548C-18E5F8F853C9}"/>
+                <a16:creationId xmlns:a16="http://schemas.microsoft.com/office/drawing/2014/main" id="{C81B3E16-88C8-F905-45AB-92994BE6EB22}"/>
               </a:ext>
             </a:extLst>
           </p:cNvPr>
@@ -10757,7 +10757,7 @@
           <p:cNvPr id="4" name="正方形/長方形 3">
             <a:extLst>
               <a:ext uri="{FF2B5EF4-FFF2-40B4-BE49-F238E27FC236}">
-                <a16:creationId xmlns:a16="http://schemas.microsoft.com/office/drawing/2014/main" id="{6153E903-4502-C830-E23B-AF11DA570931}"/>
+                <a16:creationId xmlns:a16="http://schemas.microsoft.com/office/drawing/2014/main" id="{859C2F9D-EA4C-583C-3448-995ADE8F7314}"/>
               </a:ext>
             </a:extLst>
           </p:cNvPr>
@@ -10823,7 +10823,7 @@
           <p:cNvPr id="5" name="タイトル 4">
             <a:extLst>
               <a:ext uri="{FF2B5EF4-FFF2-40B4-BE49-F238E27FC236}">
-                <a16:creationId xmlns:a16="http://schemas.microsoft.com/office/drawing/2014/main" id="{8B122C34-6679-3862-1840-E0586DDD1FAC}"/>
+                <a16:creationId xmlns:a16="http://schemas.microsoft.com/office/drawing/2014/main" id="{AD697775-E24E-E0FA-0AC5-757F6E874146}"/>
               </a:ext>
             </a:extLst>
           </p:cNvPr>
@@ -10836,8 +10836,8 @@
         </p:nvSpPr>
         <p:spPr>
           <a:xfrm>
-            <a:off x="4123592" y="676474"/>
-            <a:ext cx="3324957" cy="970252"/>
+            <a:off x="4114799" y="773190"/>
+            <a:ext cx="4202723" cy="970252"/>
           </a:xfrm>
         </p:spPr>
         <p:txBody>
@@ -10866,7 +10866,7 @@
     </p:spTree>
     <p:extLst>
       <p:ext uri="{BB962C8B-B14F-4D97-AF65-F5344CB8AC3E}">
-        <p14:creationId xmlns:p14="http://schemas.microsoft.com/office/powerpoint/2010/main" val="681833775"/>
+        <p14:creationId xmlns:p14="http://schemas.microsoft.com/office/powerpoint/2010/main" val="915356002"/>
       </p:ext>
     </p:extLst>
   </p:cSld>

--- a/発表準備/7月成果発表会.pptx
+++ b/発表準備/7月成果発表会.pptx
@@ -276,7 +276,7 @@
           <a:p>
             <a:fld id="{9CFFAD60-27D9-44AE-82D7-77B581F6BE63}" type="datetimeFigureOut">
               <a:rPr kumimoji="1" lang="ja-JP" altLang="en-US" smtClean="0"/>
-              <a:t>2025/7/22</a:t>
+              <a:t>2025/7/23</a:t>
             </a:fld>
             <a:endParaRPr kumimoji="1" lang="ja-JP" altLang="en-US"/>
           </a:p>
@@ -506,7 +506,7 @@
           <a:p>
             <a:fld id="{9CFFAD60-27D9-44AE-82D7-77B581F6BE63}" type="datetimeFigureOut">
               <a:rPr kumimoji="1" lang="ja-JP" altLang="en-US" smtClean="0"/>
-              <a:t>2025/7/22</a:t>
+              <a:t>2025/7/23</a:t>
             </a:fld>
             <a:endParaRPr kumimoji="1" lang="ja-JP" altLang="en-US"/>
           </a:p>
@@ -746,7 +746,7 @@
           <a:p>
             <a:fld id="{9CFFAD60-27D9-44AE-82D7-77B581F6BE63}" type="datetimeFigureOut">
               <a:rPr kumimoji="1" lang="ja-JP" altLang="en-US" smtClean="0"/>
-              <a:t>2025/7/22</a:t>
+              <a:t>2025/7/23</a:t>
             </a:fld>
             <a:endParaRPr kumimoji="1" lang="ja-JP" altLang="en-US"/>
           </a:p>
@@ -976,7 +976,7 @@
           <a:p>
             <a:fld id="{9CFFAD60-27D9-44AE-82D7-77B581F6BE63}" type="datetimeFigureOut">
               <a:rPr kumimoji="1" lang="ja-JP" altLang="en-US" smtClean="0"/>
-              <a:t>2025/7/22</a:t>
+              <a:t>2025/7/23</a:t>
             </a:fld>
             <a:endParaRPr kumimoji="1" lang="ja-JP" altLang="en-US"/>
           </a:p>
@@ -1251,7 +1251,7 @@
           <a:p>
             <a:fld id="{9CFFAD60-27D9-44AE-82D7-77B581F6BE63}" type="datetimeFigureOut">
               <a:rPr kumimoji="1" lang="ja-JP" altLang="en-US" smtClean="0"/>
-              <a:t>2025/7/22</a:t>
+              <a:t>2025/7/23</a:t>
             </a:fld>
             <a:endParaRPr kumimoji="1" lang="ja-JP" altLang="en-US"/>
           </a:p>
@@ -1580,7 +1580,7 @@
           <a:p>
             <a:fld id="{9CFFAD60-27D9-44AE-82D7-77B581F6BE63}" type="datetimeFigureOut">
               <a:rPr kumimoji="1" lang="ja-JP" altLang="en-US" smtClean="0"/>
-              <a:t>2025/7/22</a:t>
+              <a:t>2025/7/23</a:t>
             </a:fld>
             <a:endParaRPr kumimoji="1" lang="ja-JP" altLang="en-US"/>
           </a:p>
@@ -2056,7 +2056,7 @@
           <a:p>
             <a:fld id="{9CFFAD60-27D9-44AE-82D7-77B581F6BE63}" type="datetimeFigureOut">
               <a:rPr kumimoji="1" lang="ja-JP" altLang="en-US" smtClean="0"/>
-              <a:t>2025/7/22</a:t>
+              <a:t>2025/7/23</a:t>
             </a:fld>
             <a:endParaRPr kumimoji="1" lang="ja-JP" altLang="en-US"/>
           </a:p>
@@ -2197,7 +2197,7 @@
           <a:p>
             <a:fld id="{9CFFAD60-27D9-44AE-82D7-77B581F6BE63}" type="datetimeFigureOut">
               <a:rPr kumimoji="1" lang="ja-JP" altLang="en-US" smtClean="0"/>
-              <a:t>2025/7/22</a:t>
+              <a:t>2025/7/23</a:t>
             </a:fld>
             <a:endParaRPr kumimoji="1" lang="ja-JP" altLang="en-US"/>
           </a:p>
@@ -2310,7 +2310,7 @@
           <a:p>
             <a:fld id="{9CFFAD60-27D9-44AE-82D7-77B581F6BE63}" type="datetimeFigureOut">
               <a:rPr kumimoji="1" lang="ja-JP" altLang="en-US" smtClean="0"/>
-              <a:t>2025/7/22</a:t>
+              <a:t>2025/7/23</a:t>
             </a:fld>
             <a:endParaRPr kumimoji="1" lang="ja-JP" altLang="en-US"/>
           </a:p>
@@ -2653,7 +2653,7 @@
           <a:p>
             <a:fld id="{9CFFAD60-27D9-44AE-82D7-77B581F6BE63}" type="datetimeFigureOut">
               <a:rPr kumimoji="1" lang="ja-JP" altLang="en-US" smtClean="0"/>
-              <a:t>2025/7/22</a:t>
+              <a:t>2025/7/23</a:t>
             </a:fld>
             <a:endParaRPr kumimoji="1" lang="ja-JP" altLang="en-US"/>
           </a:p>
@@ -2941,7 +2941,7 @@
           <a:p>
             <a:fld id="{9CFFAD60-27D9-44AE-82D7-77B581F6BE63}" type="datetimeFigureOut">
               <a:rPr kumimoji="1" lang="ja-JP" altLang="en-US" smtClean="0"/>
-              <a:t>2025/7/22</a:t>
+              <a:t>2025/7/23</a:t>
             </a:fld>
             <a:endParaRPr kumimoji="1" lang="ja-JP" altLang="en-US"/>
           </a:p>
@@ -3214,7 +3214,7 @@
           <a:p>
             <a:fld id="{9CFFAD60-27D9-44AE-82D7-77B581F6BE63}" type="datetimeFigureOut">
               <a:rPr kumimoji="1" lang="ja-JP" altLang="en-US" smtClean="0"/>
-              <a:t>2025/7/22</a:t>
+              <a:t>2025/7/23</a:t>
             </a:fld>
             <a:endParaRPr kumimoji="1" lang="ja-JP" altLang="en-US"/>
           </a:p>
@@ -6884,7 +6884,7 @@
         </p:nvSpPr>
         <p:spPr>
           <a:xfrm>
-            <a:off x="2788720" y="2253774"/>
+            <a:off x="2674420" y="2253774"/>
             <a:ext cx="7582424" cy="2350451"/>
           </a:xfrm>
           <a:prstGeom prst="rect">
@@ -6923,7 +6923,8 @@
                   </a:schemeClr>
                 </a:solidFill>
                 <a:effectLst/>
-                <a:latin typeface="Courier New" panose="02070309020205020404" pitchFamily="49" charset="0"/>
+                <a:latin typeface="BIZ UDPゴシック" panose="020B0400000000000000" pitchFamily="50" charset="-128"/>
+                <a:ea typeface="BIZ UDPゴシック" panose="020B0400000000000000" pitchFamily="50" charset="-128"/>
               </a:rPr>
               <a:t>研修講師の皆様、ならびに研修事務局の皆様</a:t>
             </a:r>
@@ -6934,7 +6935,8 @@
                 </a:schemeClr>
               </a:solidFill>
               <a:effectLst/>
-              <a:latin typeface="Courier New" panose="02070309020205020404" pitchFamily="49" charset="0"/>
+              <a:latin typeface="BIZ UDPゴシック" panose="020B0400000000000000" pitchFamily="50" charset="-128"/>
+              <a:ea typeface="BIZ UDPゴシック" panose="020B0400000000000000" pitchFamily="50" charset="-128"/>
             </a:endParaRPr>
           </a:p>
           <a:p>
@@ -6945,6 +6947,8 @@
                     <a:lumMod val="25000"/>
                   </a:schemeClr>
                 </a:solidFill>
+                <a:latin typeface="BIZ UDPゴシック" panose="020B0400000000000000" pitchFamily="50" charset="-128"/>
+                <a:ea typeface="BIZ UDPゴシック" panose="020B0400000000000000" pitchFamily="50" charset="-128"/>
               </a:rPr>
             </a:br>
             <a:r>
@@ -6955,7 +6959,8 @@
                   </a:schemeClr>
                 </a:solidFill>
                 <a:effectLst/>
-                <a:latin typeface="Courier New" panose="02070309020205020404" pitchFamily="49" charset="0"/>
+                <a:latin typeface="BIZ UDPゴシック" panose="020B0400000000000000" pitchFamily="50" charset="-128"/>
+                <a:ea typeface="BIZ UDPゴシック" panose="020B0400000000000000" pitchFamily="50" charset="-128"/>
               </a:rPr>
               <a:t>一緒に学習してくれたクラスの仲間たち</a:t>
             </a:r>
@@ -6966,7 +6971,8 @@
                 </a:schemeClr>
               </a:solidFill>
               <a:effectLst/>
-              <a:latin typeface="Courier New" panose="02070309020205020404" pitchFamily="49" charset="0"/>
+              <a:latin typeface="BIZ UDPゴシック" panose="020B0400000000000000" pitchFamily="50" charset="-128"/>
+              <a:ea typeface="BIZ UDPゴシック" panose="020B0400000000000000" pitchFamily="50" charset="-128"/>
             </a:endParaRPr>
           </a:p>
           <a:p>
@@ -6977,6 +6983,8 @@
                     <a:lumMod val="25000"/>
                   </a:schemeClr>
                 </a:solidFill>
+                <a:latin typeface="BIZ UDPゴシック" panose="020B0400000000000000" pitchFamily="50" charset="-128"/>
+                <a:ea typeface="BIZ UDPゴシック" panose="020B0400000000000000" pitchFamily="50" charset="-128"/>
               </a:rPr>
             </a:br>
             <a:r>
@@ -6987,7 +6995,8 @@
                   </a:schemeClr>
                 </a:solidFill>
                 <a:effectLst/>
-                <a:latin typeface="Courier New" panose="02070309020205020404" pitchFamily="49" charset="0"/>
+                <a:latin typeface="BIZ UDPゴシック" panose="020B0400000000000000" pitchFamily="50" charset="-128"/>
+                <a:ea typeface="BIZ UDPゴシック" panose="020B0400000000000000" pitchFamily="50" charset="-128"/>
               </a:rPr>
               <a:t>研修に参加させてくれた</a:t>
             </a:r>
@@ -6998,7 +7007,8 @@
                     <a:lumMod val="25000"/>
                   </a:schemeClr>
                 </a:solidFill>
-                <a:latin typeface="Courier New" panose="02070309020205020404" pitchFamily="49" charset="0"/>
+                <a:latin typeface="BIZ UDPゴシック" panose="020B0400000000000000" pitchFamily="50" charset="-128"/>
+                <a:ea typeface="BIZ UDPゴシック" panose="020B0400000000000000" pitchFamily="50" charset="-128"/>
               </a:rPr>
               <a:t>企業</a:t>
             </a:r>
@@ -7010,7 +7020,8 @@
                   </a:schemeClr>
                 </a:solidFill>
                 <a:effectLst/>
-                <a:latin typeface="Courier New" panose="02070309020205020404" pitchFamily="49" charset="0"/>
+                <a:latin typeface="BIZ UDPゴシック" panose="020B0400000000000000" pitchFamily="50" charset="-128"/>
+                <a:ea typeface="BIZ UDPゴシック" panose="020B0400000000000000" pitchFamily="50" charset="-128"/>
               </a:rPr>
               <a:t>の皆様に御礼申し上げます。</a:t>
             </a:r>
@@ -7020,6 +7031,8 @@
                   <a:lumMod val="25000"/>
                 </a:schemeClr>
               </a:solidFill>
+              <a:latin typeface="BIZ UDPゴシック" panose="020B0400000000000000" pitchFamily="50" charset="-128"/>
+              <a:ea typeface="BIZ UDPゴシック" panose="020B0400000000000000" pitchFamily="50" charset="-128"/>
             </a:endParaRPr>
           </a:p>
         </p:txBody>
@@ -9320,8 +9333,8 @@
         </p:nvSpPr>
         <p:spPr>
           <a:xfrm>
-            <a:off x="3203329" y="1804363"/>
-            <a:ext cx="6063763" cy="1477328"/>
+            <a:off x="3344006" y="1936248"/>
+            <a:ext cx="6063763" cy="1323439"/>
           </a:xfrm>
           <a:prstGeom prst="rect">
             <a:avLst/>
@@ -9338,7 +9351,7 @@
               <a:buNone/>
             </a:pPr>
             <a:r>
-              <a:rPr lang="ja-JP" altLang="en-US" sz="1800" dirty="0">
+              <a:rPr lang="ja-JP" altLang="en-US" sz="1600" dirty="0">
                 <a:effectLst/>
                 <a:latin typeface="BIZ UDPゴシック" panose="020B0400000000000000" pitchFamily="50" charset="-128"/>
                 <a:ea typeface="BIZ UDPゴシック" panose="020B0400000000000000" pitchFamily="50" charset="-128"/>
@@ -9346,14 +9359,14 @@
               <a:t>・</a:t>
             </a:r>
             <a:r>
-              <a:rPr lang="ja-JP" altLang="en-US" sz="1800" b="1" dirty="0">
+              <a:rPr lang="ja-JP" altLang="en-US" sz="1600" b="1" dirty="0">
                 <a:effectLst/>
                 <a:latin typeface="BIZ UDPゴシック" panose="020B0400000000000000" pitchFamily="50" charset="-128"/>
                 <a:ea typeface="BIZ UDPゴシック" panose="020B0400000000000000" pitchFamily="50" charset="-128"/>
               </a:rPr>
               <a:t>「本音を表に出すのが苦手」</a:t>
             </a:r>
-            <a:endParaRPr lang="en-US" altLang="ja-JP" sz="1800" b="1" dirty="0">
+            <a:endParaRPr lang="en-US" altLang="ja-JP" sz="1600" b="1" dirty="0">
               <a:effectLst/>
               <a:latin typeface="BIZ UDPゴシック" panose="020B0400000000000000" pitchFamily="50" charset="-128"/>
               <a:ea typeface="BIZ UDPゴシック" panose="020B0400000000000000" pitchFamily="50" charset="-128"/>
@@ -9364,21 +9377,21 @@
               <a:buNone/>
             </a:pPr>
             <a:r>
-              <a:rPr lang="ja-JP" altLang="en-US" b="1" dirty="0">
+              <a:rPr lang="ja-JP" altLang="en-US" sz="1600" b="1" dirty="0">
                 <a:latin typeface="BIZ UDPゴシック" panose="020B0400000000000000" pitchFamily="50" charset="-128"/>
                 <a:ea typeface="BIZ UDPゴシック" panose="020B0400000000000000" pitchFamily="50" charset="-128"/>
               </a:rPr>
               <a:t>　　</a:t>
             </a:r>
             <a:r>
-              <a:rPr lang="ja-JP" altLang="en-US" sz="1800" dirty="0">
+              <a:rPr lang="ja-JP" altLang="en-US" sz="1600" dirty="0">
                 <a:effectLst/>
                 <a:latin typeface="BIZ UDPゴシック" panose="020B0400000000000000" pitchFamily="50" charset="-128"/>
                 <a:ea typeface="BIZ UDPゴシック" panose="020B0400000000000000" pitchFamily="50" charset="-128"/>
               </a:rPr>
-              <a:t>自分自身の気持ちの言語化、感情を整理する方法</a:t>
-            </a:r>
-            <a:endParaRPr lang="en-US" altLang="ja-JP" sz="1800" dirty="0">
+              <a:t>自分自身の気持ちの言語化、感情を整理する方法知りたい。</a:t>
+            </a:r>
+            <a:endParaRPr lang="en-US" altLang="ja-JP" sz="1600" dirty="0">
               <a:effectLst/>
               <a:latin typeface="BIZ UDPゴシック" panose="020B0400000000000000" pitchFamily="50" charset="-128"/>
               <a:ea typeface="BIZ UDPゴシック" panose="020B0400000000000000" pitchFamily="50" charset="-128"/>
@@ -9388,7 +9401,7 @@
             <a:pPr>
               <a:buNone/>
             </a:pPr>
-            <a:endParaRPr lang="ja-JP" altLang="en-US" sz="1800" dirty="0">
+            <a:endParaRPr lang="ja-JP" altLang="en-US" sz="1600" dirty="0">
               <a:effectLst/>
               <a:latin typeface="BIZ UDPゴシック" panose="020B0400000000000000" pitchFamily="50" charset="-128"/>
               <a:ea typeface="BIZ UDPゴシック" panose="020B0400000000000000" pitchFamily="50" charset="-128"/>
@@ -9399,21 +9412,21 @@
               <a:buNone/>
             </a:pPr>
             <a:r>
-              <a:rPr lang="ja-JP" altLang="en-US" dirty="0">
+              <a:rPr lang="ja-JP" altLang="en-US" sz="1600" dirty="0">
                 <a:latin typeface="BIZ UDPゴシック" panose="020B0400000000000000" pitchFamily="50" charset="-128"/>
                 <a:ea typeface="BIZ UDPゴシック" panose="020B0400000000000000" pitchFamily="50" charset="-128"/>
               </a:rPr>
               <a:t>・</a:t>
             </a:r>
             <a:r>
-              <a:rPr lang="ja-JP" altLang="en-US" sz="1800" b="1" dirty="0">
+              <a:rPr lang="ja-JP" altLang="en-US" sz="1600" b="1" dirty="0">
                 <a:effectLst/>
                 <a:latin typeface="BIZ UDPゴシック" panose="020B0400000000000000" pitchFamily="50" charset="-128"/>
                 <a:ea typeface="BIZ UDPゴシック" panose="020B0400000000000000" pitchFamily="50" charset="-128"/>
               </a:rPr>
               <a:t>「同世代との交流の少なさ」</a:t>
             </a:r>
-            <a:endParaRPr lang="en-US" altLang="ja-JP" sz="1800" b="1" dirty="0">
+            <a:endParaRPr lang="en-US" altLang="ja-JP" sz="1600" b="1" dirty="0">
               <a:effectLst/>
               <a:latin typeface="BIZ UDPゴシック" panose="020B0400000000000000" pitchFamily="50" charset="-128"/>
               <a:ea typeface="BIZ UDPゴシック" panose="020B0400000000000000" pitchFamily="50" charset="-128"/>
@@ -9424,7 +9437,7 @@
               <a:buNone/>
             </a:pPr>
             <a:r>
-              <a:rPr lang="ja-JP" altLang="en-US" sz="1800" dirty="0">
+              <a:rPr lang="ja-JP" altLang="en-US" sz="1600" dirty="0">
                 <a:effectLst/>
                 <a:latin typeface="BIZ UDPゴシック" panose="020B0400000000000000" pitchFamily="50" charset="-128"/>
                 <a:ea typeface="BIZ UDPゴシック" panose="020B0400000000000000" pitchFamily="50" charset="-128"/>
@@ -9436,10 +9449,10 @@
       </p:sp>
       <p:pic>
         <p:nvPicPr>
-          <p:cNvPr id="9" name="図 8" descr="抽象 が含まれている画像&#10;&#10;AI 生成コンテンツは誤りを含む可能性があります。">
-            <a:extLst>
-              <a:ext uri="{FF2B5EF4-FFF2-40B4-BE49-F238E27FC236}">
-                <a16:creationId xmlns:a16="http://schemas.microsoft.com/office/drawing/2014/main" id="{E51F6155-3724-AB88-BE4A-7550FB1245F6}"/>
+          <p:cNvPr id="12" name="図 11" descr="アイコン&#10;&#10;AI 生成コンテンツは誤りを含む可能性があります。">
+            <a:extLst>
+              <a:ext uri="{FF2B5EF4-FFF2-40B4-BE49-F238E27FC236}">
+                <a16:creationId xmlns:a16="http://schemas.microsoft.com/office/drawing/2014/main" id="{BCDA0E2B-78C5-19B2-9BCF-4B83530D42EF}"/>
               </a:ext>
             </a:extLst>
           </p:cNvPr>
@@ -9462,8 +9475,8 @@
         </p:blipFill>
         <p:spPr>
           <a:xfrm>
-            <a:off x="4782980" y="4224686"/>
-            <a:ext cx="2417919" cy="2417919"/>
+            <a:off x="4532022" y="4056117"/>
+            <a:ext cx="2926381" cy="2926381"/>
           </a:xfrm>
           <a:prstGeom prst="rect">
             <a:avLst/>

--- a/発表準備/7月成果発表会.pptx
+++ b/発表準備/7月成果発表会.pptx
@@ -4,25 +4,35 @@
   <p:sldMasterIdLst>
     <p:sldMasterId id="2147483648" r:id="rId1"/>
   </p:sldMasterIdLst>
+  <p:notesMasterIdLst>
+    <p:notesMasterId r:id="rId27"/>
+  </p:notesMasterIdLst>
   <p:sldIdLst>
     <p:sldId id="279" r:id="rId2"/>
     <p:sldId id="292" r:id="rId3"/>
     <p:sldId id="286" r:id="rId4"/>
     <p:sldId id="280" r:id="rId5"/>
     <p:sldId id="281" r:id="rId6"/>
-    <p:sldId id="282" r:id="rId7"/>
-    <p:sldId id="293" r:id="rId8"/>
-    <p:sldId id="283" r:id="rId9"/>
-    <p:sldId id="300" r:id="rId10"/>
-    <p:sldId id="301" r:id="rId11"/>
-    <p:sldId id="260" r:id="rId12"/>
-    <p:sldId id="297" r:id="rId13"/>
-    <p:sldId id="294" r:id="rId14"/>
-    <p:sldId id="295" r:id="rId15"/>
-    <p:sldId id="298" r:id="rId16"/>
-    <p:sldId id="299" r:id="rId17"/>
-    <p:sldId id="277" r:id="rId18"/>
-    <p:sldId id="278" r:id="rId19"/>
+    <p:sldId id="302" r:id="rId7"/>
+    <p:sldId id="303" r:id="rId8"/>
+    <p:sldId id="307" r:id="rId9"/>
+    <p:sldId id="308" r:id="rId10"/>
+    <p:sldId id="304" r:id="rId11"/>
+    <p:sldId id="305" r:id="rId12"/>
+    <p:sldId id="306" r:id="rId13"/>
+    <p:sldId id="282" r:id="rId14"/>
+    <p:sldId id="293" r:id="rId15"/>
+    <p:sldId id="283" r:id="rId16"/>
+    <p:sldId id="300" r:id="rId17"/>
+    <p:sldId id="301" r:id="rId18"/>
+    <p:sldId id="260" r:id="rId19"/>
+    <p:sldId id="297" r:id="rId20"/>
+    <p:sldId id="294" r:id="rId21"/>
+    <p:sldId id="295" r:id="rId22"/>
+    <p:sldId id="298" r:id="rId23"/>
+    <p:sldId id="299" r:id="rId24"/>
+    <p:sldId id="277" r:id="rId25"/>
+    <p:sldId id="278" r:id="rId26"/>
   </p:sldIdLst>
   <p:sldSz cx="12192000" cy="6858000"/>
   <p:notesSz cx="6858000" cy="9144000"/>
@@ -127,6 +137,659 @@
     </p:ext>
   </p:extLst>
 </p:presentation>
+</file>
+
+<file path=ppt/notesMasters/notesMaster1.xml><?xml version="1.0" encoding="utf-8"?>
+<p:notesMaster xmlns:a="http://schemas.openxmlformats.org/drawingml/2006/main" xmlns:r="http://schemas.openxmlformats.org/officeDocument/2006/relationships" xmlns:p="http://schemas.openxmlformats.org/presentationml/2006/main">
+  <p:cSld>
+    <p:bg>
+      <p:bgRef idx="1001">
+        <a:schemeClr val="bg1"/>
+      </p:bgRef>
+    </p:bg>
+    <p:spTree>
+      <p:nvGrpSpPr>
+        <p:cNvPr id="1" name=""/>
+        <p:cNvGrpSpPr/>
+        <p:nvPr/>
+      </p:nvGrpSpPr>
+      <p:grpSpPr>
+        <a:xfrm>
+          <a:off x="0" y="0"/>
+          <a:ext cx="0" cy="0"/>
+          <a:chOff x="0" y="0"/>
+          <a:chExt cx="0" cy="0"/>
+        </a:xfrm>
+      </p:grpSpPr>
+      <p:sp>
+        <p:nvSpPr>
+          <p:cNvPr id="2" name="ヘッダー プレースホルダー 1"/>
+          <p:cNvSpPr>
+            <a:spLocks noGrp="1"/>
+          </p:cNvSpPr>
+          <p:nvPr>
+            <p:ph type="hdr" sz="quarter"/>
+          </p:nvPr>
+        </p:nvSpPr>
+        <p:spPr>
+          <a:xfrm>
+            <a:off x="0" y="0"/>
+            <a:ext cx="2971800" cy="458788"/>
+          </a:xfrm>
+          <a:prstGeom prst="rect">
+            <a:avLst/>
+          </a:prstGeom>
+        </p:spPr>
+        <p:txBody>
+          <a:bodyPr vert="horz" lIns="91440" tIns="45720" rIns="91440" bIns="45720" rtlCol="0"/>
+          <a:lstStyle>
+            <a:lvl1pPr algn="l">
+              <a:defRPr sz="1200"/>
+            </a:lvl1pPr>
+          </a:lstStyle>
+          <a:p>
+            <a:endParaRPr kumimoji="1" lang="ja-JP" altLang="en-US"/>
+          </a:p>
+        </p:txBody>
+      </p:sp>
+      <p:sp>
+        <p:nvSpPr>
+          <p:cNvPr id="3" name="日付プレースホルダー 2"/>
+          <p:cNvSpPr>
+            <a:spLocks noGrp="1"/>
+          </p:cNvSpPr>
+          <p:nvPr>
+            <p:ph type="dt" idx="1"/>
+          </p:nvPr>
+        </p:nvSpPr>
+        <p:spPr>
+          <a:xfrm>
+            <a:off x="3884613" y="0"/>
+            <a:ext cx="2971800" cy="458788"/>
+          </a:xfrm>
+          <a:prstGeom prst="rect">
+            <a:avLst/>
+          </a:prstGeom>
+        </p:spPr>
+        <p:txBody>
+          <a:bodyPr vert="horz" lIns="91440" tIns="45720" rIns="91440" bIns="45720" rtlCol="0"/>
+          <a:lstStyle>
+            <a:lvl1pPr algn="r">
+              <a:defRPr sz="1200"/>
+            </a:lvl1pPr>
+          </a:lstStyle>
+          <a:p>
+            <a:fld id="{E415E668-72BD-48DC-B5D5-F37F0AA96029}" type="datetimeFigureOut">
+              <a:rPr kumimoji="1" lang="ja-JP" altLang="en-US" smtClean="0"/>
+              <a:t>2025/7/23</a:t>
+            </a:fld>
+            <a:endParaRPr kumimoji="1" lang="ja-JP" altLang="en-US"/>
+          </a:p>
+        </p:txBody>
+      </p:sp>
+      <p:sp>
+        <p:nvSpPr>
+          <p:cNvPr id="4" name="スライド イメージ プレースホルダー 3"/>
+          <p:cNvSpPr>
+            <a:spLocks noGrp="1" noRot="1" noChangeAspect="1"/>
+          </p:cNvSpPr>
+          <p:nvPr>
+            <p:ph type="sldImg" idx="2"/>
+          </p:nvPr>
+        </p:nvSpPr>
+        <p:spPr>
+          <a:xfrm>
+            <a:off x="685800" y="1143000"/>
+            <a:ext cx="5486400" cy="3086100"/>
+          </a:xfrm>
+          <a:prstGeom prst="rect">
+            <a:avLst/>
+          </a:prstGeom>
+          <a:noFill/>
+          <a:ln w="12700">
+            <a:solidFill>
+              <a:prstClr val="black"/>
+            </a:solidFill>
+          </a:ln>
+        </p:spPr>
+        <p:txBody>
+          <a:bodyPr vert="horz" lIns="91440" tIns="45720" rIns="91440" bIns="45720" rtlCol="0" anchor="ctr"/>
+          <a:lstStyle/>
+          <a:p>
+            <a:endParaRPr lang="ja-JP" altLang="en-US"/>
+          </a:p>
+        </p:txBody>
+      </p:sp>
+      <p:sp>
+        <p:nvSpPr>
+          <p:cNvPr id="5" name="ノート プレースホルダー 4"/>
+          <p:cNvSpPr>
+            <a:spLocks noGrp="1"/>
+          </p:cNvSpPr>
+          <p:nvPr>
+            <p:ph type="body" sz="quarter" idx="3"/>
+          </p:nvPr>
+        </p:nvSpPr>
+        <p:spPr>
+          <a:xfrm>
+            <a:off x="685800" y="4400550"/>
+            <a:ext cx="5486400" cy="3600450"/>
+          </a:xfrm>
+          <a:prstGeom prst="rect">
+            <a:avLst/>
+          </a:prstGeom>
+        </p:spPr>
+        <p:txBody>
+          <a:bodyPr vert="horz" lIns="91440" tIns="45720" rIns="91440" bIns="45720" rtlCol="0"/>
+          <a:lstStyle/>
+          <a:p>
+            <a:pPr lvl="0"/>
+            <a:r>
+              <a:rPr kumimoji="1" lang="ja-JP" altLang="en-US"/>
+              <a:t>マスター テキストの書式設定</a:t>
+            </a:r>
+          </a:p>
+          <a:p>
+            <a:pPr lvl="1"/>
+            <a:r>
+              <a:rPr kumimoji="1" lang="ja-JP" altLang="en-US"/>
+              <a:t>第 </a:t>
+            </a:r>
+            <a:r>
+              <a:rPr kumimoji="1" lang="en-US" altLang="ja-JP"/>
+              <a:t>2 </a:t>
+            </a:r>
+            <a:r>
+              <a:rPr kumimoji="1" lang="ja-JP" altLang="en-US"/>
+              <a:t>レベル</a:t>
+            </a:r>
+          </a:p>
+          <a:p>
+            <a:pPr lvl="2"/>
+            <a:r>
+              <a:rPr kumimoji="1" lang="ja-JP" altLang="en-US"/>
+              <a:t>第 </a:t>
+            </a:r>
+            <a:r>
+              <a:rPr kumimoji="1" lang="en-US" altLang="ja-JP"/>
+              <a:t>3 </a:t>
+            </a:r>
+            <a:r>
+              <a:rPr kumimoji="1" lang="ja-JP" altLang="en-US"/>
+              <a:t>レベル</a:t>
+            </a:r>
+          </a:p>
+          <a:p>
+            <a:pPr lvl="3"/>
+            <a:r>
+              <a:rPr kumimoji="1" lang="ja-JP" altLang="en-US"/>
+              <a:t>第 </a:t>
+            </a:r>
+            <a:r>
+              <a:rPr kumimoji="1" lang="en-US" altLang="ja-JP"/>
+              <a:t>4 </a:t>
+            </a:r>
+            <a:r>
+              <a:rPr kumimoji="1" lang="ja-JP" altLang="en-US"/>
+              <a:t>レベル</a:t>
+            </a:r>
+          </a:p>
+          <a:p>
+            <a:pPr lvl="4"/>
+            <a:r>
+              <a:rPr kumimoji="1" lang="ja-JP" altLang="en-US"/>
+              <a:t>第 </a:t>
+            </a:r>
+            <a:r>
+              <a:rPr kumimoji="1" lang="en-US" altLang="ja-JP"/>
+              <a:t>5 </a:t>
+            </a:r>
+            <a:r>
+              <a:rPr kumimoji="1" lang="ja-JP" altLang="en-US"/>
+              <a:t>レベル</a:t>
+            </a:r>
+          </a:p>
+        </p:txBody>
+      </p:sp>
+      <p:sp>
+        <p:nvSpPr>
+          <p:cNvPr id="6" name="フッター プレースホルダー 5"/>
+          <p:cNvSpPr>
+            <a:spLocks noGrp="1"/>
+          </p:cNvSpPr>
+          <p:nvPr>
+            <p:ph type="ftr" sz="quarter" idx="4"/>
+          </p:nvPr>
+        </p:nvSpPr>
+        <p:spPr>
+          <a:xfrm>
+            <a:off x="0" y="8685213"/>
+            <a:ext cx="2971800" cy="458787"/>
+          </a:xfrm>
+          <a:prstGeom prst="rect">
+            <a:avLst/>
+          </a:prstGeom>
+        </p:spPr>
+        <p:txBody>
+          <a:bodyPr vert="horz" lIns="91440" tIns="45720" rIns="91440" bIns="45720" rtlCol="0" anchor="b"/>
+          <a:lstStyle>
+            <a:lvl1pPr algn="l">
+              <a:defRPr sz="1200"/>
+            </a:lvl1pPr>
+          </a:lstStyle>
+          <a:p>
+            <a:endParaRPr kumimoji="1" lang="ja-JP" altLang="en-US"/>
+          </a:p>
+        </p:txBody>
+      </p:sp>
+      <p:sp>
+        <p:nvSpPr>
+          <p:cNvPr id="7" name="スライド番号プレースホルダー 6"/>
+          <p:cNvSpPr>
+            <a:spLocks noGrp="1"/>
+          </p:cNvSpPr>
+          <p:nvPr>
+            <p:ph type="sldNum" sz="quarter" idx="5"/>
+          </p:nvPr>
+        </p:nvSpPr>
+        <p:spPr>
+          <a:xfrm>
+            <a:off x="3884613" y="8685213"/>
+            <a:ext cx="2971800" cy="458787"/>
+          </a:xfrm>
+          <a:prstGeom prst="rect">
+            <a:avLst/>
+          </a:prstGeom>
+        </p:spPr>
+        <p:txBody>
+          <a:bodyPr vert="horz" lIns="91440" tIns="45720" rIns="91440" bIns="45720" rtlCol="0" anchor="b"/>
+          <a:lstStyle>
+            <a:lvl1pPr algn="r">
+              <a:defRPr sz="1200"/>
+            </a:lvl1pPr>
+          </a:lstStyle>
+          <a:p>
+            <a:fld id="{DB7DD6F2-B1E7-40D2-8A4F-5D4ACD9C90E1}" type="slidenum">
+              <a:rPr kumimoji="1" lang="ja-JP" altLang="en-US" smtClean="0"/>
+              <a:t>‹#›</a:t>
+            </a:fld>
+            <a:endParaRPr kumimoji="1" lang="ja-JP" altLang="en-US"/>
+          </a:p>
+        </p:txBody>
+      </p:sp>
+    </p:spTree>
+    <p:extLst>
+      <p:ext uri="{BB962C8B-B14F-4D97-AF65-F5344CB8AC3E}">
+        <p14:creationId xmlns:p14="http://schemas.microsoft.com/office/powerpoint/2010/main" val="1255549508"/>
+      </p:ext>
+    </p:extLst>
+  </p:cSld>
+  <p:clrMap bg1="lt1" tx1="dk1" bg2="lt2" tx2="dk2" accent1="accent1" accent2="accent2" accent3="accent3" accent4="accent4" accent5="accent5" accent6="accent6" hlink="hlink" folHlink="folHlink"/>
+  <p:notesStyle>
+    <a:lvl1pPr marL="0" algn="l" defTabSz="914400" rtl="0" eaLnBrk="1" latinLnBrk="0" hangingPunct="1">
+      <a:defRPr kumimoji="1" sz="1200" kern="1200">
+        <a:solidFill>
+          <a:schemeClr val="tx1"/>
+        </a:solidFill>
+        <a:latin typeface="+mn-lt"/>
+        <a:ea typeface="+mn-ea"/>
+        <a:cs typeface="+mn-cs"/>
+      </a:defRPr>
+    </a:lvl1pPr>
+    <a:lvl2pPr marL="457200" algn="l" defTabSz="914400" rtl="0" eaLnBrk="1" latinLnBrk="0" hangingPunct="1">
+      <a:defRPr kumimoji="1" sz="1200" kern="1200">
+        <a:solidFill>
+          <a:schemeClr val="tx1"/>
+        </a:solidFill>
+        <a:latin typeface="+mn-lt"/>
+        <a:ea typeface="+mn-ea"/>
+        <a:cs typeface="+mn-cs"/>
+      </a:defRPr>
+    </a:lvl2pPr>
+    <a:lvl3pPr marL="914400" algn="l" defTabSz="914400" rtl="0" eaLnBrk="1" latinLnBrk="0" hangingPunct="1">
+      <a:defRPr kumimoji="1" sz="1200" kern="1200">
+        <a:solidFill>
+          <a:schemeClr val="tx1"/>
+        </a:solidFill>
+        <a:latin typeface="+mn-lt"/>
+        <a:ea typeface="+mn-ea"/>
+        <a:cs typeface="+mn-cs"/>
+      </a:defRPr>
+    </a:lvl3pPr>
+    <a:lvl4pPr marL="1371600" algn="l" defTabSz="914400" rtl="0" eaLnBrk="1" latinLnBrk="0" hangingPunct="1">
+      <a:defRPr kumimoji="1" sz="1200" kern="1200">
+        <a:solidFill>
+          <a:schemeClr val="tx1"/>
+        </a:solidFill>
+        <a:latin typeface="+mn-lt"/>
+        <a:ea typeface="+mn-ea"/>
+        <a:cs typeface="+mn-cs"/>
+      </a:defRPr>
+    </a:lvl4pPr>
+    <a:lvl5pPr marL="1828800" algn="l" defTabSz="914400" rtl="0" eaLnBrk="1" latinLnBrk="0" hangingPunct="1">
+      <a:defRPr kumimoji="1" sz="1200" kern="1200">
+        <a:solidFill>
+          <a:schemeClr val="tx1"/>
+        </a:solidFill>
+        <a:latin typeface="+mn-lt"/>
+        <a:ea typeface="+mn-ea"/>
+        <a:cs typeface="+mn-cs"/>
+      </a:defRPr>
+    </a:lvl5pPr>
+    <a:lvl6pPr marL="2286000" algn="l" defTabSz="914400" rtl="0" eaLnBrk="1" latinLnBrk="0" hangingPunct="1">
+      <a:defRPr kumimoji="1" sz="1200" kern="1200">
+        <a:solidFill>
+          <a:schemeClr val="tx1"/>
+        </a:solidFill>
+        <a:latin typeface="+mn-lt"/>
+        <a:ea typeface="+mn-ea"/>
+        <a:cs typeface="+mn-cs"/>
+      </a:defRPr>
+    </a:lvl6pPr>
+    <a:lvl7pPr marL="2743200" algn="l" defTabSz="914400" rtl="0" eaLnBrk="1" latinLnBrk="0" hangingPunct="1">
+      <a:defRPr kumimoji="1" sz="1200" kern="1200">
+        <a:solidFill>
+          <a:schemeClr val="tx1"/>
+        </a:solidFill>
+        <a:latin typeface="+mn-lt"/>
+        <a:ea typeface="+mn-ea"/>
+        <a:cs typeface="+mn-cs"/>
+      </a:defRPr>
+    </a:lvl7pPr>
+    <a:lvl8pPr marL="3200400" algn="l" defTabSz="914400" rtl="0" eaLnBrk="1" latinLnBrk="0" hangingPunct="1">
+      <a:defRPr kumimoji="1" sz="1200" kern="1200">
+        <a:solidFill>
+          <a:schemeClr val="tx1"/>
+        </a:solidFill>
+        <a:latin typeface="+mn-lt"/>
+        <a:ea typeface="+mn-ea"/>
+        <a:cs typeface="+mn-cs"/>
+      </a:defRPr>
+    </a:lvl8pPr>
+    <a:lvl9pPr marL="3657600" algn="l" defTabSz="914400" rtl="0" eaLnBrk="1" latinLnBrk="0" hangingPunct="1">
+      <a:defRPr kumimoji="1" sz="1200" kern="1200">
+        <a:solidFill>
+          <a:schemeClr val="tx1"/>
+        </a:solidFill>
+        <a:latin typeface="+mn-lt"/>
+        <a:ea typeface="+mn-ea"/>
+        <a:cs typeface="+mn-cs"/>
+      </a:defRPr>
+    </a:lvl9pPr>
+  </p:notesStyle>
+</p:notesMaster>
+</file>
+
+<file path=ppt/notesSlides/notesSlide1.xml><?xml version="1.0" encoding="utf-8"?>
+<p:notes xmlns:a="http://schemas.openxmlformats.org/drawingml/2006/main" xmlns:r="http://schemas.openxmlformats.org/officeDocument/2006/relationships" xmlns:p="http://schemas.openxmlformats.org/presentationml/2006/main">
+  <p:cSld>
+    <p:spTree>
+      <p:nvGrpSpPr>
+        <p:cNvPr id="1" name=""/>
+        <p:cNvGrpSpPr/>
+        <p:nvPr/>
+      </p:nvGrpSpPr>
+      <p:grpSpPr>
+        <a:xfrm>
+          <a:off x="0" y="0"/>
+          <a:ext cx="0" cy="0"/>
+          <a:chOff x="0" y="0"/>
+          <a:chExt cx="0" cy="0"/>
+        </a:xfrm>
+      </p:grpSpPr>
+      <p:sp>
+        <p:nvSpPr>
+          <p:cNvPr id="2" name="スライド イメージ プレースホルダー 1"/>
+          <p:cNvSpPr>
+            <a:spLocks noGrp="1" noRot="1" noChangeAspect="1"/>
+          </p:cNvSpPr>
+          <p:nvPr>
+            <p:ph type="sldImg"/>
+          </p:nvPr>
+        </p:nvSpPr>
+        <p:spPr/>
+      </p:sp>
+      <p:sp>
+        <p:nvSpPr>
+          <p:cNvPr id="3" name="ノート プレースホルダー 2"/>
+          <p:cNvSpPr>
+            <a:spLocks noGrp="1"/>
+          </p:cNvSpPr>
+          <p:nvPr>
+            <p:ph type="body" idx="1"/>
+          </p:nvPr>
+        </p:nvSpPr>
+        <p:spPr/>
+        <p:txBody>
+          <a:bodyPr/>
+          <a:lstStyle/>
+          <a:p>
+            <a:r>
+              <a:rPr kumimoji="1" lang="ja-JP" altLang="en-US" dirty="0"/>
+              <a:t>これから発表を始め合させていただきます。</a:t>
+            </a:r>
+            <a:endParaRPr kumimoji="1" lang="en-US" altLang="ja-JP" dirty="0"/>
+          </a:p>
+          <a:p>
+            <a:r>
+              <a:rPr kumimoji="1" lang="ja-JP" altLang="en-US" dirty="0"/>
+              <a:t>よろしくお願い致します。</a:t>
+            </a:r>
+          </a:p>
+        </p:txBody>
+      </p:sp>
+      <p:sp>
+        <p:nvSpPr>
+          <p:cNvPr id="4" name="スライド番号プレースホルダー 3"/>
+          <p:cNvSpPr>
+            <a:spLocks noGrp="1"/>
+          </p:cNvSpPr>
+          <p:nvPr>
+            <p:ph type="sldNum" sz="quarter" idx="5"/>
+          </p:nvPr>
+        </p:nvSpPr>
+        <p:spPr/>
+        <p:txBody>
+          <a:bodyPr/>
+          <a:lstStyle/>
+          <a:p>
+            <a:fld id="{DB7DD6F2-B1E7-40D2-8A4F-5D4ACD9C90E1}" type="slidenum">
+              <a:rPr kumimoji="1" lang="ja-JP" altLang="en-US" smtClean="0"/>
+              <a:t>1</a:t>
+            </a:fld>
+            <a:endParaRPr kumimoji="1" lang="ja-JP" altLang="en-US"/>
+          </a:p>
+        </p:txBody>
+      </p:sp>
+    </p:spTree>
+    <p:extLst>
+      <p:ext uri="{BB962C8B-B14F-4D97-AF65-F5344CB8AC3E}">
+        <p14:creationId xmlns:p14="http://schemas.microsoft.com/office/powerpoint/2010/main" val="2815297715"/>
+      </p:ext>
+    </p:extLst>
+  </p:cSld>
+  <p:clrMapOvr>
+    <a:masterClrMapping/>
+  </p:clrMapOvr>
+</p:notes>
+</file>
+
+<file path=ppt/notesSlides/notesSlide2.xml><?xml version="1.0" encoding="utf-8"?>
+<p:notes xmlns:a="http://schemas.openxmlformats.org/drawingml/2006/main" xmlns:r="http://schemas.openxmlformats.org/officeDocument/2006/relationships" xmlns:p="http://schemas.openxmlformats.org/presentationml/2006/main">
+  <p:cSld>
+    <p:spTree>
+      <p:nvGrpSpPr>
+        <p:cNvPr id="1" name=""/>
+        <p:cNvGrpSpPr/>
+        <p:nvPr/>
+      </p:nvGrpSpPr>
+      <p:grpSpPr>
+        <a:xfrm>
+          <a:off x="0" y="0"/>
+          <a:ext cx="0" cy="0"/>
+          <a:chOff x="0" y="0"/>
+          <a:chExt cx="0" cy="0"/>
+        </a:xfrm>
+      </p:grpSpPr>
+      <p:sp>
+        <p:nvSpPr>
+          <p:cNvPr id="2" name="スライド イメージ プレースホルダー 1"/>
+          <p:cNvSpPr>
+            <a:spLocks noGrp="1" noRot="1" noChangeAspect="1"/>
+          </p:cNvSpPr>
+          <p:nvPr>
+            <p:ph type="sldImg"/>
+          </p:nvPr>
+        </p:nvSpPr>
+        <p:spPr/>
+      </p:sp>
+      <p:sp>
+        <p:nvSpPr>
+          <p:cNvPr id="3" name="ノート プレースホルダー 2"/>
+          <p:cNvSpPr>
+            <a:spLocks noGrp="1"/>
+          </p:cNvSpPr>
+          <p:nvPr>
+            <p:ph type="body" idx="1"/>
+          </p:nvPr>
+        </p:nvSpPr>
+        <p:spPr/>
+        <p:txBody>
+          <a:bodyPr/>
+          <a:lstStyle/>
+          <a:p>
+            <a:r>
+              <a:rPr kumimoji="1" lang="ja-JP" altLang="en-US" dirty="0"/>
+              <a:t>目次はこちらになります。</a:t>
+            </a:r>
+          </a:p>
+        </p:txBody>
+      </p:sp>
+      <p:sp>
+        <p:nvSpPr>
+          <p:cNvPr id="4" name="スライド番号プレースホルダー 3"/>
+          <p:cNvSpPr>
+            <a:spLocks noGrp="1"/>
+          </p:cNvSpPr>
+          <p:nvPr>
+            <p:ph type="sldNum" sz="quarter" idx="5"/>
+          </p:nvPr>
+        </p:nvSpPr>
+        <p:spPr/>
+        <p:txBody>
+          <a:bodyPr/>
+          <a:lstStyle/>
+          <a:p>
+            <a:fld id="{DB7DD6F2-B1E7-40D2-8A4F-5D4ACD9C90E1}" type="slidenum">
+              <a:rPr kumimoji="1" lang="ja-JP" altLang="en-US" smtClean="0"/>
+              <a:t>2</a:t>
+            </a:fld>
+            <a:endParaRPr kumimoji="1" lang="ja-JP" altLang="en-US"/>
+          </a:p>
+        </p:txBody>
+      </p:sp>
+    </p:spTree>
+    <p:extLst>
+      <p:ext uri="{BB962C8B-B14F-4D97-AF65-F5344CB8AC3E}">
+        <p14:creationId xmlns:p14="http://schemas.microsoft.com/office/powerpoint/2010/main" val="1808714977"/>
+      </p:ext>
+    </p:extLst>
+  </p:cSld>
+  <p:clrMapOvr>
+    <a:masterClrMapping/>
+  </p:clrMapOvr>
+</p:notes>
+</file>
+
+<file path=ppt/notesSlides/notesSlide3.xml><?xml version="1.0" encoding="utf-8"?>
+<p:notes xmlns:a="http://schemas.openxmlformats.org/drawingml/2006/main" xmlns:r="http://schemas.openxmlformats.org/officeDocument/2006/relationships" xmlns:p="http://schemas.openxmlformats.org/presentationml/2006/main">
+  <p:cSld>
+    <p:spTree>
+      <p:nvGrpSpPr>
+        <p:cNvPr id="1" name=""/>
+        <p:cNvGrpSpPr/>
+        <p:nvPr/>
+      </p:nvGrpSpPr>
+      <p:grpSpPr>
+        <a:xfrm>
+          <a:off x="0" y="0"/>
+          <a:ext cx="0" cy="0"/>
+          <a:chOff x="0" y="0"/>
+          <a:chExt cx="0" cy="0"/>
+        </a:xfrm>
+      </p:grpSpPr>
+      <p:sp>
+        <p:nvSpPr>
+          <p:cNvPr id="2" name="スライド イメージ プレースホルダー 1"/>
+          <p:cNvSpPr>
+            <a:spLocks noGrp="1" noRot="1" noChangeAspect="1"/>
+          </p:cNvSpPr>
+          <p:nvPr>
+            <p:ph type="sldImg"/>
+          </p:nvPr>
+        </p:nvSpPr>
+        <p:spPr/>
+      </p:sp>
+      <p:sp>
+        <p:nvSpPr>
+          <p:cNvPr id="3" name="ノート プレースホルダー 2"/>
+          <p:cNvSpPr>
+            <a:spLocks noGrp="1"/>
+          </p:cNvSpPr>
+          <p:nvPr>
+            <p:ph type="body" idx="1"/>
+          </p:nvPr>
+        </p:nvSpPr>
+        <p:spPr/>
+        <p:txBody>
+          <a:bodyPr/>
+          <a:lstStyle/>
+          <a:p>
+            <a:r>
+              <a:rPr kumimoji="1" lang="ja-JP" altLang="en-US" dirty="0"/>
+              <a:t>まず、メンバー紹介を行います。</a:t>
+            </a:r>
+            <a:endParaRPr kumimoji="1" lang="en-US" altLang="ja-JP" dirty="0"/>
+          </a:p>
+          <a:p>
+            <a:endParaRPr kumimoji="1" lang="ja-JP" altLang="en-US" dirty="0"/>
+          </a:p>
+        </p:txBody>
+      </p:sp>
+      <p:sp>
+        <p:nvSpPr>
+          <p:cNvPr id="4" name="スライド番号プレースホルダー 3"/>
+          <p:cNvSpPr>
+            <a:spLocks noGrp="1"/>
+          </p:cNvSpPr>
+          <p:nvPr>
+            <p:ph type="sldNum" sz="quarter" idx="5"/>
+          </p:nvPr>
+        </p:nvSpPr>
+        <p:spPr/>
+        <p:txBody>
+          <a:bodyPr/>
+          <a:lstStyle/>
+          <a:p>
+            <a:fld id="{DB7DD6F2-B1E7-40D2-8A4F-5D4ACD9C90E1}" type="slidenum">
+              <a:rPr kumimoji="1" lang="ja-JP" altLang="en-US" smtClean="0"/>
+              <a:t>3</a:t>
+            </a:fld>
+            <a:endParaRPr kumimoji="1" lang="ja-JP" altLang="en-US"/>
+          </a:p>
+        </p:txBody>
+      </p:sp>
+    </p:spTree>
+    <p:extLst>
+      <p:ext uri="{BB962C8B-B14F-4D97-AF65-F5344CB8AC3E}">
+        <p14:creationId xmlns:p14="http://schemas.microsoft.com/office/powerpoint/2010/main" val="162405576"/>
+      </p:ext>
+    </p:extLst>
+  </p:cSld>
+  <p:clrMapOvr>
+    <a:masterClrMapping/>
+  </p:clrMapOvr>
+</p:notes>
 </file>
 
 <file path=ppt/slideLayouts/slideLayout1.xml><?xml version="1.0" encoding="utf-8"?>
@@ -4199,7 +4862,7 @@
         <p:cNvPr id="1" name="">
           <a:extLst>
             <a:ext uri="{FF2B5EF4-FFF2-40B4-BE49-F238E27FC236}">
-              <a16:creationId xmlns:a16="http://schemas.microsoft.com/office/drawing/2014/main" id="{8D9165EC-2B85-D18A-301F-1F872379184C}"/>
+              <a16:creationId xmlns:a16="http://schemas.microsoft.com/office/drawing/2014/main" id="{23E75672-9EDF-E646-123F-3674CF195522}"/>
             </a:ext>
           </a:extLst>
         </p:cNvPr>
@@ -4219,7 +4882,7 @@
           <p:cNvPr id="3" name="正方形/長方形 2">
             <a:extLst>
               <a:ext uri="{FF2B5EF4-FFF2-40B4-BE49-F238E27FC236}">
-                <a16:creationId xmlns:a16="http://schemas.microsoft.com/office/drawing/2014/main" id="{73382281-1B26-956A-854F-CACF197D89AD}"/>
+                <a16:creationId xmlns:a16="http://schemas.microsoft.com/office/drawing/2014/main" id="{0AE50705-5811-3DE4-0C1D-0913A46874EF}"/>
               </a:ext>
             </a:extLst>
           </p:cNvPr>
@@ -4271,7 +4934,7 @@
           <p:cNvPr id="4" name="正方形/長方形 3">
             <a:extLst>
               <a:ext uri="{FF2B5EF4-FFF2-40B4-BE49-F238E27FC236}">
-                <a16:creationId xmlns:a16="http://schemas.microsoft.com/office/drawing/2014/main" id="{6FC77374-C1BE-C5CD-D14E-AFBEF7E95F13}"/>
+                <a16:creationId xmlns:a16="http://schemas.microsoft.com/office/drawing/2014/main" id="{A110DCAD-62D4-62B4-D967-BE53E642C4E1}"/>
               </a:ext>
             </a:extLst>
           </p:cNvPr>
@@ -4337,6 +5000,1816 @@
           <p:cNvPr id="5" name="タイトル 4">
             <a:extLst>
               <a:ext uri="{FF2B5EF4-FFF2-40B4-BE49-F238E27FC236}">
+                <a16:creationId xmlns:a16="http://schemas.microsoft.com/office/drawing/2014/main" id="{48951FDA-D122-A719-1B53-ED92AB912058}"/>
+              </a:ext>
+            </a:extLst>
+          </p:cNvPr>
+          <p:cNvSpPr>
+            <a:spLocks noGrp="1"/>
+          </p:cNvSpPr>
+          <p:nvPr>
+            <p:ph type="title"/>
+          </p:nvPr>
+        </p:nvSpPr>
+        <p:spPr>
+          <a:xfrm>
+            <a:off x="3921370" y="560371"/>
+            <a:ext cx="4062045" cy="970252"/>
+          </a:xfrm>
+        </p:spPr>
+        <p:txBody>
+          <a:bodyPr>
+            <a:noAutofit/>
+          </a:bodyPr>
+          <a:lstStyle/>
+          <a:p>
+            <a:r>
+              <a:rPr lang="en-US" altLang="ja-JP" sz="3600" b="1" dirty="0">
+                <a:latin typeface="BIZ UDPゴシック" panose="020B0400000000000000" pitchFamily="50" charset="-128"/>
+                <a:ea typeface="BIZ UDPゴシック" panose="020B0400000000000000" pitchFamily="50" charset="-128"/>
+              </a:rPr>
+              <a:t>Ⅲ</a:t>
+            </a:r>
+            <a:r>
+              <a:rPr lang="ja-JP" altLang="en-US" sz="3600" b="1" dirty="0">
+                <a:latin typeface="BIZ UDPゴシック" panose="020B0400000000000000" pitchFamily="50" charset="-128"/>
+                <a:ea typeface="BIZ UDPゴシック" panose="020B0400000000000000" pitchFamily="50" charset="-128"/>
+              </a:rPr>
+              <a:t>．アプリの概要</a:t>
+            </a:r>
+          </a:p>
+        </p:txBody>
+      </p:sp>
+      <p:sp>
+        <p:nvSpPr>
+          <p:cNvPr id="6" name="四角形: 角を丸くする 5">
+            <a:extLst>
+              <a:ext uri="{FF2B5EF4-FFF2-40B4-BE49-F238E27FC236}">
+                <a16:creationId xmlns:a16="http://schemas.microsoft.com/office/drawing/2014/main" id="{04AF5269-C5BA-D2EE-5A4D-4F10214ED54C}"/>
+              </a:ext>
+            </a:extLst>
+          </p:cNvPr>
+          <p:cNvSpPr/>
+          <p:nvPr/>
+        </p:nvSpPr>
+        <p:spPr>
+          <a:xfrm>
+            <a:off x="4580792" y="1530623"/>
+            <a:ext cx="2233246" cy="712175"/>
+          </a:xfrm>
+          <a:prstGeom prst="roundRect">
+            <a:avLst/>
+          </a:prstGeom>
+          <a:solidFill>
+            <a:srgbClr val="FFBF7F"/>
+          </a:solidFill>
+          <a:ln>
+            <a:solidFill>
+              <a:srgbClr val="FFBF7F"/>
+            </a:solidFill>
+          </a:ln>
+        </p:spPr>
+        <p:style>
+          <a:lnRef idx="2">
+            <a:schemeClr val="accent1">
+              <a:shade val="15000"/>
+            </a:schemeClr>
+          </a:lnRef>
+          <a:fillRef idx="1">
+            <a:schemeClr val="accent1"/>
+          </a:fillRef>
+          <a:effectRef idx="0">
+            <a:schemeClr val="accent1"/>
+          </a:effectRef>
+          <a:fontRef idx="minor">
+            <a:schemeClr val="lt1"/>
+          </a:fontRef>
+        </p:style>
+        <p:txBody>
+          <a:bodyPr rtlCol="0" anchor="ctr"/>
+          <a:lstStyle/>
+          <a:p>
+            <a:pPr>
+              <a:buNone/>
+            </a:pPr>
+            <a:r>
+              <a:rPr lang="ja-JP" altLang="en-US" b="1" dirty="0">
+                <a:solidFill>
+                  <a:schemeClr val="tx1"/>
+                </a:solidFill>
+                <a:latin typeface="BIZ UDPゴシック" panose="020B0400000000000000" pitchFamily="50" charset="-128"/>
+                <a:ea typeface="BIZ UDPゴシック" panose="020B0400000000000000" pitchFamily="50" charset="-128"/>
+              </a:rPr>
+              <a:t>タグ検索、日記検索</a:t>
+            </a:r>
+            <a:endParaRPr lang="en-US" altLang="ja-JP" b="1" dirty="0">
+              <a:solidFill>
+                <a:schemeClr val="tx1"/>
+              </a:solidFill>
+              <a:latin typeface="BIZ UDPゴシック" panose="020B0400000000000000" pitchFamily="50" charset="-128"/>
+              <a:ea typeface="BIZ UDPゴシック" panose="020B0400000000000000" pitchFamily="50" charset="-128"/>
+            </a:endParaRPr>
+          </a:p>
+        </p:txBody>
+      </p:sp>
+    </p:spTree>
+    <p:extLst>
+      <p:ext uri="{BB962C8B-B14F-4D97-AF65-F5344CB8AC3E}">
+        <p14:creationId xmlns:p14="http://schemas.microsoft.com/office/powerpoint/2010/main" val="3248528383"/>
+      </p:ext>
+    </p:extLst>
+  </p:cSld>
+  <p:clrMapOvr>
+    <a:masterClrMapping/>
+  </p:clrMapOvr>
+</p:sld>
+</file>
+
+<file path=ppt/slides/slide11.xml><?xml version="1.0" encoding="utf-8"?>
+<p:sld xmlns:a="http://schemas.openxmlformats.org/drawingml/2006/main" xmlns:r="http://schemas.openxmlformats.org/officeDocument/2006/relationships" xmlns:p="http://schemas.openxmlformats.org/presentationml/2006/main">
+  <p:cSld>
+    <p:spTree>
+      <p:nvGrpSpPr>
+        <p:cNvPr id="1" name="">
+          <a:extLst>
+            <a:ext uri="{FF2B5EF4-FFF2-40B4-BE49-F238E27FC236}">
+              <a16:creationId xmlns:a16="http://schemas.microsoft.com/office/drawing/2014/main" id="{009621EF-3E88-4790-D774-A04F84470C83}"/>
+            </a:ext>
+          </a:extLst>
+        </p:cNvPr>
+        <p:cNvGrpSpPr/>
+        <p:nvPr/>
+      </p:nvGrpSpPr>
+      <p:grpSpPr>
+        <a:xfrm>
+          <a:off x="0" y="0"/>
+          <a:ext cx="0" cy="0"/>
+          <a:chOff x="0" y="0"/>
+          <a:chExt cx="0" cy="0"/>
+        </a:xfrm>
+      </p:grpSpPr>
+      <p:sp>
+        <p:nvSpPr>
+          <p:cNvPr id="3" name="正方形/長方形 2">
+            <a:extLst>
+              <a:ext uri="{FF2B5EF4-FFF2-40B4-BE49-F238E27FC236}">
+                <a16:creationId xmlns:a16="http://schemas.microsoft.com/office/drawing/2014/main" id="{9842B5FD-CDF7-7A46-D1E7-EB8F6159FC60}"/>
+              </a:ext>
+            </a:extLst>
+          </p:cNvPr>
+          <p:cNvSpPr/>
+          <p:nvPr/>
+        </p:nvSpPr>
+        <p:spPr>
+          <a:xfrm>
+            <a:off x="0" y="0"/>
+            <a:ext cx="12192000" cy="6858000"/>
+          </a:xfrm>
+          <a:prstGeom prst="rect">
+            <a:avLst/>
+          </a:prstGeom>
+          <a:solidFill>
+            <a:srgbClr val="FFFFE0"/>
+          </a:solidFill>
+          <a:ln>
+            <a:noFill/>
+          </a:ln>
+        </p:spPr>
+        <p:style>
+          <a:lnRef idx="2">
+            <a:schemeClr val="accent1">
+              <a:shade val="15000"/>
+            </a:schemeClr>
+          </a:lnRef>
+          <a:fillRef idx="1">
+            <a:schemeClr val="accent1"/>
+          </a:fillRef>
+          <a:effectRef idx="0">
+            <a:schemeClr val="accent1"/>
+          </a:effectRef>
+          <a:fontRef idx="minor">
+            <a:schemeClr val="lt1"/>
+          </a:fontRef>
+        </p:style>
+        <p:txBody>
+          <a:bodyPr rtlCol="0" anchor="ctr"/>
+          <a:lstStyle/>
+          <a:p>
+            <a:pPr algn="ctr"/>
+            <a:endParaRPr kumimoji="1" lang="ja-JP" altLang="en-US"/>
+          </a:p>
+        </p:txBody>
+      </p:sp>
+      <p:sp>
+        <p:nvSpPr>
+          <p:cNvPr id="4" name="正方形/長方形 3">
+            <a:extLst>
+              <a:ext uri="{FF2B5EF4-FFF2-40B4-BE49-F238E27FC236}">
+                <a16:creationId xmlns:a16="http://schemas.microsoft.com/office/drawing/2014/main" id="{A075AE0D-FDB2-C141-5CE3-478EFA57F14A}"/>
+              </a:ext>
+            </a:extLst>
+          </p:cNvPr>
+          <p:cNvSpPr/>
+          <p:nvPr/>
+        </p:nvSpPr>
+        <p:spPr>
+          <a:xfrm>
+            <a:off x="10057512" y="5874328"/>
+            <a:ext cx="2134488" cy="665018"/>
+          </a:xfrm>
+          <a:prstGeom prst="rect">
+            <a:avLst/>
+          </a:prstGeom>
+          <a:solidFill>
+            <a:srgbClr val="FFFFE0"/>
+          </a:solidFill>
+          <a:ln>
+            <a:noFill/>
+          </a:ln>
+        </p:spPr>
+        <p:style>
+          <a:lnRef idx="2">
+            <a:schemeClr val="accent6"/>
+          </a:lnRef>
+          <a:fillRef idx="1">
+            <a:schemeClr val="lt1"/>
+          </a:fillRef>
+          <a:effectRef idx="0">
+            <a:schemeClr val="accent6"/>
+          </a:effectRef>
+          <a:fontRef idx="minor">
+            <a:schemeClr val="dk1"/>
+          </a:fontRef>
+        </p:style>
+        <p:txBody>
+          <a:bodyPr rtlCol="0" anchor="ctr"/>
+          <a:lstStyle/>
+          <a:p>
+            <a:pPr algn="ctr"/>
+            <a:r>
+              <a:rPr kumimoji="1" lang="en-US" altLang="ja-JP" dirty="0">
+                <a:solidFill>
+                  <a:schemeClr val="bg1">
+                    <a:lumMod val="75000"/>
+                  </a:schemeClr>
+                </a:solidFill>
+              </a:rPr>
+              <a:t>2025.7.31</a:t>
+            </a:r>
+            <a:endParaRPr kumimoji="1" lang="ja-JP" altLang="en-US" dirty="0">
+              <a:solidFill>
+                <a:schemeClr val="bg1">
+                  <a:lumMod val="75000"/>
+                </a:schemeClr>
+              </a:solidFill>
+            </a:endParaRPr>
+          </a:p>
+        </p:txBody>
+      </p:sp>
+      <p:sp>
+        <p:nvSpPr>
+          <p:cNvPr id="5" name="タイトル 4">
+            <a:extLst>
+              <a:ext uri="{FF2B5EF4-FFF2-40B4-BE49-F238E27FC236}">
+                <a16:creationId xmlns:a16="http://schemas.microsoft.com/office/drawing/2014/main" id="{6EFBE6D4-892D-01AA-7D16-6440D413D6F9}"/>
+              </a:ext>
+            </a:extLst>
+          </p:cNvPr>
+          <p:cNvSpPr>
+            <a:spLocks noGrp="1"/>
+          </p:cNvSpPr>
+          <p:nvPr>
+            <p:ph type="title"/>
+          </p:nvPr>
+        </p:nvSpPr>
+        <p:spPr>
+          <a:xfrm>
+            <a:off x="3921370" y="560371"/>
+            <a:ext cx="4062045" cy="970252"/>
+          </a:xfrm>
+        </p:spPr>
+        <p:txBody>
+          <a:bodyPr>
+            <a:noAutofit/>
+          </a:bodyPr>
+          <a:lstStyle/>
+          <a:p>
+            <a:r>
+              <a:rPr lang="en-US" altLang="ja-JP" sz="3600" b="1" dirty="0">
+                <a:latin typeface="BIZ UDPゴシック" panose="020B0400000000000000" pitchFamily="50" charset="-128"/>
+                <a:ea typeface="BIZ UDPゴシック" panose="020B0400000000000000" pitchFamily="50" charset="-128"/>
+              </a:rPr>
+              <a:t>Ⅲ</a:t>
+            </a:r>
+            <a:r>
+              <a:rPr lang="ja-JP" altLang="en-US" sz="3600" b="1" dirty="0">
+                <a:latin typeface="BIZ UDPゴシック" panose="020B0400000000000000" pitchFamily="50" charset="-128"/>
+                <a:ea typeface="BIZ UDPゴシック" panose="020B0400000000000000" pitchFamily="50" charset="-128"/>
+              </a:rPr>
+              <a:t>．アプリの概要</a:t>
+            </a:r>
+          </a:p>
+        </p:txBody>
+      </p:sp>
+      <p:sp>
+        <p:nvSpPr>
+          <p:cNvPr id="6" name="四角形: 角を丸くする 5">
+            <a:extLst>
+              <a:ext uri="{FF2B5EF4-FFF2-40B4-BE49-F238E27FC236}">
+                <a16:creationId xmlns:a16="http://schemas.microsoft.com/office/drawing/2014/main" id="{58D0AB03-F66C-E8D5-72D5-AB75919E44B5}"/>
+              </a:ext>
+            </a:extLst>
+          </p:cNvPr>
+          <p:cNvSpPr/>
+          <p:nvPr/>
+        </p:nvSpPr>
+        <p:spPr>
+          <a:xfrm>
+            <a:off x="3824654" y="1598625"/>
+            <a:ext cx="4158761" cy="791308"/>
+          </a:xfrm>
+          <a:prstGeom prst="roundRect">
+            <a:avLst/>
+          </a:prstGeom>
+          <a:solidFill>
+            <a:srgbClr val="FFBF7F"/>
+          </a:solidFill>
+          <a:ln>
+            <a:solidFill>
+              <a:srgbClr val="FFBF7F"/>
+            </a:solidFill>
+          </a:ln>
+        </p:spPr>
+        <p:style>
+          <a:lnRef idx="2">
+            <a:schemeClr val="accent1">
+              <a:shade val="15000"/>
+            </a:schemeClr>
+          </a:lnRef>
+          <a:fillRef idx="1">
+            <a:schemeClr val="accent1"/>
+          </a:fillRef>
+          <a:effectRef idx="0">
+            <a:schemeClr val="accent1"/>
+          </a:effectRef>
+          <a:fontRef idx="minor">
+            <a:schemeClr val="lt1"/>
+          </a:fontRef>
+        </p:style>
+        <p:txBody>
+          <a:bodyPr rtlCol="0" anchor="ctr"/>
+          <a:lstStyle/>
+          <a:p>
+            <a:pPr>
+              <a:buNone/>
+            </a:pPr>
+            <a:r>
+              <a:rPr lang="ja-JP" altLang="en-US" b="1" dirty="0">
+                <a:solidFill>
+                  <a:schemeClr val="tx1"/>
+                </a:solidFill>
+                <a:latin typeface="BIZ UDPゴシック" panose="020B0400000000000000" pitchFamily="50" charset="-128"/>
+                <a:ea typeface="BIZ UDPゴシック" panose="020B0400000000000000" pitchFamily="50" charset="-128"/>
+              </a:rPr>
+              <a:t>自己分析：グラフ分析、キーワード分析</a:t>
+            </a:r>
+            <a:endParaRPr lang="en-US" altLang="ja-JP" b="1" dirty="0">
+              <a:solidFill>
+                <a:schemeClr val="tx1"/>
+              </a:solidFill>
+              <a:latin typeface="BIZ UDPゴシック" panose="020B0400000000000000" pitchFamily="50" charset="-128"/>
+              <a:ea typeface="BIZ UDPゴシック" panose="020B0400000000000000" pitchFamily="50" charset="-128"/>
+            </a:endParaRPr>
+          </a:p>
+        </p:txBody>
+      </p:sp>
+    </p:spTree>
+    <p:extLst>
+      <p:ext uri="{BB962C8B-B14F-4D97-AF65-F5344CB8AC3E}">
+        <p14:creationId xmlns:p14="http://schemas.microsoft.com/office/powerpoint/2010/main" val="1761568981"/>
+      </p:ext>
+    </p:extLst>
+  </p:cSld>
+  <p:clrMapOvr>
+    <a:masterClrMapping/>
+  </p:clrMapOvr>
+</p:sld>
+</file>
+
+<file path=ppt/slides/slide12.xml><?xml version="1.0" encoding="utf-8"?>
+<p:sld xmlns:a="http://schemas.openxmlformats.org/drawingml/2006/main" xmlns:r="http://schemas.openxmlformats.org/officeDocument/2006/relationships" xmlns:p="http://schemas.openxmlformats.org/presentationml/2006/main">
+  <p:cSld>
+    <p:spTree>
+      <p:nvGrpSpPr>
+        <p:cNvPr id="1" name="">
+          <a:extLst>
+            <a:ext uri="{FF2B5EF4-FFF2-40B4-BE49-F238E27FC236}">
+              <a16:creationId xmlns:a16="http://schemas.microsoft.com/office/drawing/2014/main" id="{256237B3-813F-F25A-AA52-96F29AD9DA93}"/>
+            </a:ext>
+          </a:extLst>
+        </p:cNvPr>
+        <p:cNvGrpSpPr/>
+        <p:nvPr/>
+      </p:nvGrpSpPr>
+      <p:grpSpPr>
+        <a:xfrm>
+          <a:off x="0" y="0"/>
+          <a:ext cx="0" cy="0"/>
+          <a:chOff x="0" y="0"/>
+          <a:chExt cx="0" cy="0"/>
+        </a:xfrm>
+      </p:grpSpPr>
+      <p:sp>
+        <p:nvSpPr>
+          <p:cNvPr id="3" name="正方形/長方形 2">
+            <a:extLst>
+              <a:ext uri="{FF2B5EF4-FFF2-40B4-BE49-F238E27FC236}">
+                <a16:creationId xmlns:a16="http://schemas.microsoft.com/office/drawing/2014/main" id="{91D6147F-B0B4-8BB4-33D9-AF8E3B80AE1F}"/>
+              </a:ext>
+            </a:extLst>
+          </p:cNvPr>
+          <p:cNvSpPr/>
+          <p:nvPr/>
+        </p:nvSpPr>
+        <p:spPr>
+          <a:xfrm>
+            <a:off x="0" y="0"/>
+            <a:ext cx="12192000" cy="6858000"/>
+          </a:xfrm>
+          <a:prstGeom prst="rect">
+            <a:avLst/>
+          </a:prstGeom>
+          <a:solidFill>
+            <a:srgbClr val="FFFFE0"/>
+          </a:solidFill>
+          <a:ln>
+            <a:noFill/>
+          </a:ln>
+        </p:spPr>
+        <p:style>
+          <a:lnRef idx="2">
+            <a:schemeClr val="accent1">
+              <a:shade val="15000"/>
+            </a:schemeClr>
+          </a:lnRef>
+          <a:fillRef idx="1">
+            <a:schemeClr val="accent1"/>
+          </a:fillRef>
+          <a:effectRef idx="0">
+            <a:schemeClr val="accent1"/>
+          </a:effectRef>
+          <a:fontRef idx="minor">
+            <a:schemeClr val="lt1"/>
+          </a:fontRef>
+        </p:style>
+        <p:txBody>
+          <a:bodyPr rtlCol="0" anchor="ctr"/>
+          <a:lstStyle/>
+          <a:p>
+            <a:pPr algn="ctr"/>
+            <a:endParaRPr kumimoji="1" lang="ja-JP" altLang="en-US"/>
+          </a:p>
+        </p:txBody>
+      </p:sp>
+      <p:sp>
+        <p:nvSpPr>
+          <p:cNvPr id="4" name="正方形/長方形 3">
+            <a:extLst>
+              <a:ext uri="{FF2B5EF4-FFF2-40B4-BE49-F238E27FC236}">
+                <a16:creationId xmlns:a16="http://schemas.microsoft.com/office/drawing/2014/main" id="{4C2505D5-782C-23BC-5DF8-7F199B23E781}"/>
+              </a:ext>
+            </a:extLst>
+          </p:cNvPr>
+          <p:cNvSpPr/>
+          <p:nvPr/>
+        </p:nvSpPr>
+        <p:spPr>
+          <a:xfrm>
+            <a:off x="10057512" y="5874328"/>
+            <a:ext cx="2134488" cy="665018"/>
+          </a:xfrm>
+          <a:prstGeom prst="rect">
+            <a:avLst/>
+          </a:prstGeom>
+          <a:solidFill>
+            <a:srgbClr val="FFFFE0"/>
+          </a:solidFill>
+          <a:ln>
+            <a:noFill/>
+          </a:ln>
+        </p:spPr>
+        <p:style>
+          <a:lnRef idx="2">
+            <a:schemeClr val="accent6"/>
+          </a:lnRef>
+          <a:fillRef idx="1">
+            <a:schemeClr val="lt1"/>
+          </a:fillRef>
+          <a:effectRef idx="0">
+            <a:schemeClr val="accent6"/>
+          </a:effectRef>
+          <a:fontRef idx="minor">
+            <a:schemeClr val="dk1"/>
+          </a:fontRef>
+        </p:style>
+        <p:txBody>
+          <a:bodyPr rtlCol="0" anchor="ctr"/>
+          <a:lstStyle/>
+          <a:p>
+            <a:pPr algn="ctr"/>
+            <a:r>
+              <a:rPr kumimoji="1" lang="en-US" altLang="ja-JP" dirty="0">
+                <a:solidFill>
+                  <a:schemeClr val="bg1">
+                    <a:lumMod val="75000"/>
+                  </a:schemeClr>
+                </a:solidFill>
+              </a:rPr>
+              <a:t>2025.7.31</a:t>
+            </a:r>
+            <a:endParaRPr kumimoji="1" lang="ja-JP" altLang="en-US" dirty="0">
+              <a:solidFill>
+                <a:schemeClr val="bg1">
+                  <a:lumMod val="75000"/>
+                </a:schemeClr>
+              </a:solidFill>
+            </a:endParaRPr>
+          </a:p>
+        </p:txBody>
+      </p:sp>
+      <p:sp>
+        <p:nvSpPr>
+          <p:cNvPr id="5" name="タイトル 4">
+            <a:extLst>
+              <a:ext uri="{FF2B5EF4-FFF2-40B4-BE49-F238E27FC236}">
+                <a16:creationId xmlns:a16="http://schemas.microsoft.com/office/drawing/2014/main" id="{21EFF3C9-C20D-251D-7DF2-83917B9138DE}"/>
+              </a:ext>
+            </a:extLst>
+          </p:cNvPr>
+          <p:cNvSpPr>
+            <a:spLocks noGrp="1"/>
+          </p:cNvSpPr>
+          <p:nvPr>
+            <p:ph type="title"/>
+          </p:nvPr>
+        </p:nvSpPr>
+        <p:spPr>
+          <a:xfrm>
+            <a:off x="3921370" y="560371"/>
+            <a:ext cx="4062045" cy="970252"/>
+          </a:xfrm>
+        </p:spPr>
+        <p:txBody>
+          <a:bodyPr>
+            <a:noAutofit/>
+          </a:bodyPr>
+          <a:lstStyle/>
+          <a:p>
+            <a:r>
+              <a:rPr lang="en-US" altLang="ja-JP" sz="3600" b="1" dirty="0">
+                <a:latin typeface="BIZ UDPゴシック" panose="020B0400000000000000" pitchFamily="50" charset="-128"/>
+                <a:ea typeface="BIZ UDPゴシック" panose="020B0400000000000000" pitchFamily="50" charset="-128"/>
+              </a:rPr>
+              <a:t>Ⅲ</a:t>
+            </a:r>
+            <a:r>
+              <a:rPr lang="ja-JP" altLang="en-US" sz="3600" b="1" dirty="0">
+                <a:latin typeface="BIZ UDPゴシック" panose="020B0400000000000000" pitchFamily="50" charset="-128"/>
+                <a:ea typeface="BIZ UDPゴシック" panose="020B0400000000000000" pitchFamily="50" charset="-128"/>
+              </a:rPr>
+              <a:t>．アプリの概要</a:t>
+            </a:r>
+          </a:p>
+        </p:txBody>
+      </p:sp>
+      <p:sp>
+        <p:nvSpPr>
+          <p:cNvPr id="6" name="四角形: 角を丸くする 5">
+            <a:extLst>
+              <a:ext uri="{FF2B5EF4-FFF2-40B4-BE49-F238E27FC236}">
+                <a16:creationId xmlns:a16="http://schemas.microsoft.com/office/drawing/2014/main" id="{BD4F8F2E-C0F0-AE03-94E0-66746D62B84A}"/>
+              </a:ext>
+            </a:extLst>
+          </p:cNvPr>
+          <p:cNvSpPr/>
+          <p:nvPr/>
+        </p:nvSpPr>
+        <p:spPr>
+          <a:xfrm>
+            <a:off x="4387362" y="1626578"/>
+            <a:ext cx="2831123" cy="800100"/>
+          </a:xfrm>
+          <a:prstGeom prst="roundRect">
+            <a:avLst/>
+          </a:prstGeom>
+          <a:solidFill>
+            <a:srgbClr val="FFBF7F"/>
+          </a:solidFill>
+          <a:ln>
+            <a:solidFill>
+              <a:srgbClr val="FFBF7F"/>
+            </a:solidFill>
+          </a:ln>
+        </p:spPr>
+        <p:style>
+          <a:lnRef idx="2">
+            <a:schemeClr val="accent1">
+              <a:shade val="15000"/>
+            </a:schemeClr>
+          </a:lnRef>
+          <a:fillRef idx="1">
+            <a:schemeClr val="accent1"/>
+          </a:fillRef>
+          <a:effectRef idx="0">
+            <a:schemeClr val="accent1"/>
+          </a:effectRef>
+          <a:fontRef idx="minor">
+            <a:schemeClr val="lt1"/>
+          </a:fontRef>
+        </p:style>
+        <p:txBody>
+          <a:bodyPr rtlCol="0" anchor="ctr"/>
+          <a:lstStyle/>
+          <a:p>
+            <a:pPr>
+              <a:buNone/>
+            </a:pPr>
+            <a:r>
+              <a:rPr lang="ja-JP" altLang="en-US" b="1" dirty="0">
+                <a:solidFill>
+                  <a:schemeClr val="tx1"/>
+                </a:solidFill>
+                <a:latin typeface="BIZ UDPゴシック" panose="020B0400000000000000" pitchFamily="50" charset="-128"/>
+                <a:ea typeface="BIZ UDPゴシック" panose="020B0400000000000000" pitchFamily="50" charset="-128"/>
+              </a:rPr>
+              <a:t>コミュニティ：タイムライン</a:t>
+            </a:r>
+            <a:endParaRPr lang="en-US" altLang="ja-JP" b="1" dirty="0">
+              <a:solidFill>
+                <a:schemeClr val="tx1"/>
+              </a:solidFill>
+              <a:latin typeface="BIZ UDPゴシック" panose="020B0400000000000000" pitchFamily="50" charset="-128"/>
+              <a:ea typeface="BIZ UDPゴシック" panose="020B0400000000000000" pitchFamily="50" charset="-128"/>
+            </a:endParaRPr>
+          </a:p>
+        </p:txBody>
+      </p:sp>
+    </p:spTree>
+    <p:extLst>
+      <p:ext uri="{BB962C8B-B14F-4D97-AF65-F5344CB8AC3E}">
+        <p14:creationId xmlns:p14="http://schemas.microsoft.com/office/powerpoint/2010/main" val="2544867341"/>
+      </p:ext>
+    </p:extLst>
+  </p:cSld>
+  <p:clrMapOvr>
+    <a:masterClrMapping/>
+  </p:clrMapOvr>
+</p:sld>
+</file>
+
+<file path=ppt/slides/slide13.xml><?xml version="1.0" encoding="utf-8"?>
+<p:sld xmlns:a="http://schemas.openxmlformats.org/drawingml/2006/main" xmlns:r="http://schemas.openxmlformats.org/officeDocument/2006/relationships" xmlns:p="http://schemas.openxmlformats.org/presentationml/2006/main">
+  <p:cSld>
+    <p:spTree>
+      <p:nvGrpSpPr>
+        <p:cNvPr id="1" name="">
+          <a:extLst>
+            <a:ext uri="{FF2B5EF4-FFF2-40B4-BE49-F238E27FC236}">
+              <a16:creationId xmlns:a16="http://schemas.microsoft.com/office/drawing/2014/main" id="{2C138538-E94E-BE64-DA14-87C3A805CF27}"/>
+            </a:ext>
+          </a:extLst>
+        </p:cNvPr>
+        <p:cNvGrpSpPr/>
+        <p:nvPr/>
+      </p:nvGrpSpPr>
+      <p:grpSpPr>
+        <a:xfrm>
+          <a:off x="0" y="0"/>
+          <a:ext cx="0" cy="0"/>
+          <a:chOff x="0" y="0"/>
+          <a:chExt cx="0" cy="0"/>
+        </a:xfrm>
+      </p:grpSpPr>
+      <p:sp>
+        <p:nvSpPr>
+          <p:cNvPr id="10" name="正方形/長方形 9">
+            <a:extLst>
+              <a:ext uri="{FF2B5EF4-FFF2-40B4-BE49-F238E27FC236}">
+                <a16:creationId xmlns:a16="http://schemas.microsoft.com/office/drawing/2014/main" id="{B5E5B99F-3FCC-7859-6B1B-4F56598BC681}"/>
+              </a:ext>
+            </a:extLst>
+          </p:cNvPr>
+          <p:cNvSpPr/>
+          <p:nvPr/>
+        </p:nvSpPr>
+        <p:spPr>
+          <a:xfrm>
+            <a:off x="0" y="0"/>
+            <a:ext cx="12192000" cy="6858000"/>
+          </a:xfrm>
+          <a:prstGeom prst="rect">
+            <a:avLst/>
+          </a:prstGeom>
+          <a:solidFill>
+            <a:srgbClr val="FFFFE0"/>
+          </a:solidFill>
+          <a:ln>
+            <a:noFill/>
+          </a:ln>
+        </p:spPr>
+        <p:style>
+          <a:lnRef idx="2">
+            <a:schemeClr val="accent1">
+              <a:shade val="15000"/>
+            </a:schemeClr>
+          </a:lnRef>
+          <a:fillRef idx="1">
+            <a:schemeClr val="accent1"/>
+          </a:fillRef>
+          <a:effectRef idx="0">
+            <a:schemeClr val="accent1"/>
+          </a:effectRef>
+          <a:fontRef idx="minor">
+            <a:schemeClr val="lt1"/>
+          </a:fontRef>
+        </p:style>
+        <p:txBody>
+          <a:bodyPr rtlCol="0" anchor="ctr"/>
+          <a:lstStyle/>
+          <a:p>
+            <a:pPr algn="ctr"/>
+            <a:endParaRPr kumimoji="1" lang="ja-JP" altLang="en-US"/>
+          </a:p>
+        </p:txBody>
+      </p:sp>
+      <p:sp>
+        <p:nvSpPr>
+          <p:cNvPr id="4" name="正方形/長方形 3">
+            <a:extLst>
+              <a:ext uri="{FF2B5EF4-FFF2-40B4-BE49-F238E27FC236}">
+                <a16:creationId xmlns:a16="http://schemas.microsoft.com/office/drawing/2014/main" id="{BAB044F6-595B-A213-8E1C-4BCCD096E6AE}"/>
+              </a:ext>
+            </a:extLst>
+          </p:cNvPr>
+          <p:cNvSpPr/>
+          <p:nvPr/>
+        </p:nvSpPr>
+        <p:spPr>
+          <a:xfrm>
+            <a:off x="10057512" y="5874328"/>
+            <a:ext cx="2134488" cy="665018"/>
+          </a:xfrm>
+          <a:prstGeom prst="rect">
+            <a:avLst/>
+          </a:prstGeom>
+          <a:solidFill>
+            <a:srgbClr val="FFFFE0"/>
+          </a:solidFill>
+          <a:ln>
+            <a:noFill/>
+          </a:ln>
+        </p:spPr>
+        <p:style>
+          <a:lnRef idx="2">
+            <a:schemeClr val="accent6"/>
+          </a:lnRef>
+          <a:fillRef idx="1">
+            <a:schemeClr val="lt1"/>
+          </a:fillRef>
+          <a:effectRef idx="0">
+            <a:schemeClr val="accent6"/>
+          </a:effectRef>
+          <a:fontRef idx="minor">
+            <a:schemeClr val="dk1"/>
+          </a:fontRef>
+        </p:style>
+        <p:txBody>
+          <a:bodyPr rtlCol="0" anchor="ctr"/>
+          <a:lstStyle/>
+          <a:p>
+            <a:pPr algn="ctr"/>
+            <a:r>
+              <a:rPr kumimoji="1" lang="en-US" altLang="ja-JP" dirty="0">
+                <a:solidFill>
+                  <a:schemeClr val="bg1">
+                    <a:lumMod val="75000"/>
+                  </a:schemeClr>
+                </a:solidFill>
+              </a:rPr>
+              <a:t>2025.7.31</a:t>
+            </a:r>
+            <a:endParaRPr kumimoji="1" lang="ja-JP" altLang="en-US" dirty="0">
+              <a:solidFill>
+                <a:schemeClr val="bg1">
+                  <a:lumMod val="75000"/>
+                </a:schemeClr>
+              </a:solidFill>
+            </a:endParaRPr>
+          </a:p>
+        </p:txBody>
+      </p:sp>
+      <p:sp>
+        <p:nvSpPr>
+          <p:cNvPr id="5" name="タイトル 4">
+            <a:extLst>
+              <a:ext uri="{FF2B5EF4-FFF2-40B4-BE49-F238E27FC236}">
+                <a16:creationId xmlns:a16="http://schemas.microsoft.com/office/drawing/2014/main" id="{79C2DFEC-C09C-512F-F7BE-F1FE3B69F31D}"/>
+              </a:ext>
+            </a:extLst>
+          </p:cNvPr>
+          <p:cNvSpPr>
+            <a:spLocks noGrp="1"/>
+          </p:cNvSpPr>
+          <p:nvPr>
+            <p:ph type="title"/>
+          </p:nvPr>
+        </p:nvSpPr>
+        <p:spPr>
+          <a:xfrm>
+            <a:off x="4264269" y="473513"/>
+            <a:ext cx="2922777" cy="1044143"/>
+          </a:xfrm>
+        </p:spPr>
+        <p:txBody>
+          <a:bodyPr>
+            <a:normAutofit/>
+          </a:bodyPr>
+          <a:lstStyle/>
+          <a:p>
+            <a:r>
+              <a:rPr lang="en-US" altLang="ja-JP" sz="3600" b="1" dirty="0">
+                <a:latin typeface="BIZ UDPゴシック" panose="020B0400000000000000" pitchFamily="50" charset="-128"/>
+                <a:ea typeface="BIZ UDPゴシック" panose="020B0400000000000000" pitchFamily="50" charset="-128"/>
+              </a:rPr>
+              <a:t>Ⅳ</a:t>
+            </a:r>
+            <a:r>
+              <a:rPr lang="ja-JP" altLang="en-US" sz="3600" b="1" dirty="0">
+                <a:latin typeface="BIZ UDPゴシック" panose="020B0400000000000000" pitchFamily="50" charset="-128"/>
+                <a:ea typeface="BIZ UDPゴシック" panose="020B0400000000000000" pitchFamily="50" charset="-128"/>
+              </a:rPr>
+              <a:t>．制作過程</a:t>
+            </a:r>
+          </a:p>
+        </p:txBody>
+      </p:sp>
+      <p:pic>
+        <p:nvPicPr>
+          <p:cNvPr id="3" name="図 2" descr="ダイアグラム&#10;&#10;AI 生成コンテンツは誤りを含む可能性があります。">
+            <a:extLst>
+              <a:ext uri="{FF2B5EF4-FFF2-40B4-BE49-F238E27FC236}">
+                <a16:creationId xmlns:a16="http://schemas.microsoft.com/office/drawing/2014/main" id="{C22CF34B-3AEC-9F56-28D2-4644747EA914}"/>
+              </a:ext>
+            </a:extLst>
+          </p:cNvPr>
+          <p:cNvPicPr>
+            <a:picLocks noChangeAspect="1"/>
+          </p:cNvPicPr>
+          <p:nvPr/>
+        </p:nvPicPr>
+        <p:blipFill>
+          <a:blip r:embed="rId2">
+            <a:extLst>
+              <a:ext uri="{28A0092B-C50C-407E-A947-70E740481C1C}">
+                <a14:useLocalDpi xmlns:a14="http://schemas.microsoft.com/office/drawing/2010/main" val="0"/>
+              </a:ext>
+            </a:extLst>
+          </a:blip>
+          <a:stretch>
+            <a:fillRect/>
+          </a:stretch>
+        </p:blipFill>
+        <p:spPr>
+          <a:xfrm>
+            <a:off x="6251961" y="2656259"/>
+            <a:ext cx="4884979" cy="2769577"/>
+          </a:xfrm>
+          <a:prstGeom prst="rect">
+            <a:avLst/>
+          </a:prstGeom>
+        </p:spPr>
+      </p:pic>
+      <p:pic>
+        <p:nvPicPr>
+          <p:cNvPr id="7" name="図 6">
+            <a:extLst>
+              <a:ext uri="{FF2B5EF4-FFF2-40B4-BE49-F238E27FC236}">
+                <a16:creationId xmlns:a16="http://schemas.microsoft.com/office/drawing/2014/main" id="{4A10275E-D542-0E4B-8EAB-DBD7BD7BE559}"/>
+              </a:ext>
+            </a:extLst>
+          </p:cNvPr>
+          <p:cNvPicPr>
+            <a:picLocks noChangeAspect="1"/>
+          </p:cNvPicPr>
+          <p:nvPr/>
+        </p:nvPicPr>
+        <p:blipFill>
+          <a:blip r:embed="rId3">
+            <a:extLst>
+              <a:ext uri="{28A0092B-C50C-407E-A947-70E740481C1C}">
+                <a14:useLocalDpi xmlns:a14="http://schemas.microsoft.com/office/drawing/2010/main" val="0"/>
+              </a:ext>
+            </a:extLst>
+          </a:blip>
+          <a:stretch>
+            <a:fillRect/>
+          </a:stretch>
+        </p:blipFill>
+        <p:spPr>
+          <a:xfrm>
+            <a:off x="881548" y="2656259"/>
+            <a:ext cx="5130533" cy="2769577"/>
+          </a:xfrm>
+          <a:prstGeom prst="rect">
+            <a:avLst/>
+          </a:prstGeom>
+        </p:spPr>
+      </p:pic>
+      <p:sp>
+        <p:nvSpPr>
+          <p:cNvPr id="8" name="四角形: 角を丸くする 7">
+            <a:extLst>
+              <a:ext uri="{FF2B5EF4-FFF2-40B4-BE49-F238E27FC236}">
+                <a16:creationId xmlns:a16="http://schemas.microsoft.com/office/drawing/2014/main" id="{EFEB75FE-47EE-60DB-2E8A-36D2A1C7CB82}"/>
+              </a:ext>
+            </a:extLst>
+          </p:cNvPr>
+          <p:cNvSpPr/>
+          <p:nvPr/>
+        </p:nvSpPr>
+        <p:spPr>
+          <a:xfrm>
+            <a:off x="2137011" y="1900036"/>
+            <a:ext cx="2250831" cy="615462"/>
+          </a:xfrm>
+          <a:prstGeom prst="roundRect">
+            <a:avLst/>
+          </a:prstGeom>
+          <a:solidFill>
+            <a:srgbClr val="FFFFE0"/>
+          </a:solidFill>
+          <a:ln>
+            <a:noFill/>
+          </a:ln>
+        </p:spPr>
+        <p:style>
+          <a:lnRef idx="2">
+            <a:schemeClr val="accent1">
+              <a:shade val="15000"/>
+            </a:schemeClr>
+          </a:lnRef>
+          <a:fillRef idx="1">
+            <a:schemeClr val="accent1"/>
+          </a:fillRef>
+          <a:effectRef idx="0">
+            <a:schemeClr val="accent1"/>
+          </a:effectRef>
+          <a:fontRef idx="minor">
+            <a:schemeClr val="lt1"/>
+          </a:fontRef>
+        </p:style>
+        <p:txBody>
+          <a:bodyPr rtlCol="0" anchor="ctr"/>
+          <a:lstStyle/>
+          <a:p>
+            <a:pPr algn="ctr"/>
+            <a:r>
+              <a:rPr kumimoji="1" lang="ja-JP" altLang="en-US" b="1" dirty="0">
+                <a:solidFill>
+                  <a:schemeClr val="tx1"/>
+                </a:solidFill>
+                <a:latin typeface="BIZ UDPゴシック" panose="020B0400000000000000" pitchFamily="50" charset="-128"/>
+                <a:ea typeface="BIZ UDPゴシック" panose="020B0400000000000000" pitchFamily="50" charset="-128"/>
+              </a:rPr>
+              <a:t>スケジュール管理</a:t>
+            </a:r>
+          </a:p>
+        </p:txBody>
+      </p:sp>
+      <p:sp>
+        <p:nvSpPr>
+          <p:cNvPr id="9" name="四角形: 角を丸くする 8">
+            <a:extLst>
+              <a:ext uri="{FF2B5EF4-FFF2-40B4-BE49-F238E27FC236}">
+                <a16:creationId xmlns:a16="http://schemas.microsoft.com/office/drawing/2014/main" id="{66D2B006-F504-8A54-140E-6E1652FB8ADA}"/>
+              </a:ext>
+            </a:extLst>
+          </p:cNvPr>
+          <p:cNvSpPr/>
+          <p:nvPr/>
+        </p:nvSpPr>
+        <p:spPr>
+          <a:xfrm>
+            <a:off x="7464543" y="1900036"/>
+            <a:ext cx="2459813" cy="615462"/>
+          </a:xfrm>
+          <a:prstGeom prst="roundRect">
+            <a:avLst/>
+          </a:prstGeom>
+          <a:solidFill>
+            <a:srgbClr val="FFFFE0"/>
+          </a:solidFill>
+          <a:ln>
+            <a:noFill/>
+          </a:ln>
+        </p:spPr>
+        <p:style>
+          <a:lnRef idx="2">
+            <a:schemeClr val="accent1">
+              <a:shade val="15000"/>
+            </a:schemeClr>
+          </a:lnRef>
+          <a:fillRef idx="1">
+            <a:schemeClr val="accent1"/>
+          </a:fillRef>
+          <a:effectRef idx="0">
+            <a:schemeClr val="accent1"/>
+          </a:effectRef>
+          <a:fontRef idx="minor">
+            <a:schemeClr val="lt1"/>
+          </a:fontRef>
+        </p:style>
+        <p:txBody>
+          <a:bodyPr rtlCol="0" anchor="ctr"/>
+          <a:lstStyle/>
+          <a:p>
+            <a:pPr algn="ctr"/>
+            <a:r>
+              <a:rPr lang="ja-JP" altLang="en-US" b="1" dirty="0">
+                <a:solidFill>
+                  <a:schemeClr val="tx1"/>
+                </a:solidFill>
+                <a:latin typeface="BIZ UDPゴシック" panose="020B0400000000000000" pitchFamily="50" charset="-128"/>
+                <a:ea typeface="BIZ UDPゴシック" panose="020B0400000000000000" pitchFamily="50" charset="-128"/>
+              </a:rPr>
+              <a:t>アプリのイメージ図</a:t>
+            </a:r>
+            <a:endParaRPr kumimoji="1" lang="ja-JP" altLang="en-US" b="1" dirty="0">
+              <a:solidFill>
+                <a:schemeClr val="tx1"/>
+              </a:solidFill>
+              <a:latin typeface="BIZ UDPゴシック" panose="020B0400000000000000" pitchFamily="50" charset="-128"/>
+              <a:ea typeface="BIZ UDPゴシック" panose="020B0400000000000000" pitchFamily="50" charset="-128"/>
+            </a:endParaRPr>
+          </a:p>
+        </p:txBody>
+      </p:sp>
+    </p:spTree>
+    <p:extLst>
+      <p:ext uri="{BB962C8B-B14F-4D97-AF65-F5344CB8AC3E}">
+        <p14:creationId xmlns:p14="http://schemas.microsoft.com/office/powerpoint/2010/main" val="3041499655"/>
+      </p:ext>
+    </p:extLst>
+  </p:cSld>
+  <p:clrMapOvr>
+    <a:masterClrMapping/>
+  </p:clrMapOvr>
+</p:sld>
+</file>
+
+<file path=ppt/slides/slide14.xml><?xml version="1.0" encoding="utf-8"?>
+<p:sld xmlns:a="http://schemas.openxmlformats.org/drawingml/2006/main" xmlns:r="http://schemas.openxmlformats.org/officeDocument/2006/relationships" xmlns:p="http://schemas.openxmlformats.org/presentationml/2006/main">
+  <p:cSld>
+    <p:spTree>
+      <p:nvGrpSpPr>
+        <p:cNvPr id="1" name="">
+          <a:extLst>
+            <a:ext uri="{FF2B5EF4-FFF2-40B4-BE49-F238E27FC236}">
+              <a16:creationId xmlns:a16="http://schemas.microsoft.com/office/drawing/2014/main" id="{02B84DD7-846C-F327-5DCB-EC43A7D0CD4D}"/>
+            </a:ext>
+          </a:extLst>
+        </p:cNvPr>
+        <p:cNvGrpSpPr/>
+        <p:nvPr/>
+      </p:nvGrpSpPr>
+      <p:grpSpPr>
+        <a:xfrm>
+          <a:off x="0" y="0"/>
+          <a:ext cx="0" cy="0"/>
+          <a:chOff x="0" y="0"/>
+          <a:chExt cx="0" cy="0"/>
+        </a:xfrm>
+      </p:grpSpPr>
+      <p:sp>
+        <p:nvSpPr>
+          <p:cNvPr id="10" name="正方形/長方形 9">
+            <a:extLst>
+              <a:ext uri="{FF2B5EF4-FFF2-40B4-BE49-F238E27FC236}">
+                <a16:creationId xmlns:a16="http://schemas.microsoft.com/office/drawing/2014/main" id="{EC3E1487-92FD-A23D-B572-2628681007E5}"/>
+              </a:ext>
+            </a:extLst>
+          </p:cNvPr>
+          <p:cNvSpPr/>
+          <p:nvPr/>
+        </p:nvSpPr>
+        <p:spPr>
+          <a:xfrm>
+            <a:off x="0" y="0"/>
+            <a:ext cx="12192000" cy="6858000"/>
+          </a:xfrm>
+          <a:prstGeom prst="rect">
+            <a:avLst/>
+          </a:prstGeom>
+          <a:solidFill>
+            <a:srgbClr val="FFFFE0"/>
+          </a:solidFill>
+          <a:ln>
+            <a:noFill/>
+          </a:ln>
+        </p:spPr>
+        <p:style>
+          <a:lnRef idx="2">
+            <a:schemeClr val="accent1">
+              <a:shade val="15000"/>
+            </a:schemeClr>
+          </a:lnRef>
+          <a:fillRef idx="1">
+            <a:schemeClr val="accent1"/>
+          </a:fillRef>
+          <a:effectRef idx="0">
+            <a:schemeClr val="accent1"/>
+          </a:effectRef>
+          <a:fontRef idx="minor">
+            <a:schemeClr val="lt1"/>
+          </a:fontRef>
+        </p:style>
+        <p:txBody>
+          <a:bodyPr rtlCol="0" anchor="ctr"/>
+          <a:lstStyle/>
+          <a:p>
+            <a:pPr algn="ctr"/>
+            <a:endParaRPr kumimoji="1" lang="ja-JP" altLang="en-US"/>
+          </a:p>
+        </p:txBody>
+      </p:sp>
+      <p:sp>
+        <p:nvSpPr>
+          <p:cNvPr id="4" name="正方形/長方形 3">
+            <a:extLst>
+              <a:ext uri="{FF2B5EF4-FFF2-40B4-BE49-F238E27FC236}">
+                <a16:creationId xmlns:a16="http://schemas.microsoft.com/office/drawing/2014/main" id="{6BFD2770-5AE7-DCD2-1722-98043CD6A115}"/>
+              </a:ext>
+            </a:extLst>
+          </p:cNvPr>
+          <p:cNvSpPr/>
+          <p:nvPr/>
+        </p:nvSpPr>
+        <p:spPr>
+          <a:xfrm>
+            <a:off x="10057512" y="5874328"/>
+            <a:ext cx="2134488" cy="665018"/>
+          </a:xfrm>
+          <a:prstGeom prst="rect">
+            <a:avLst/>
+          </a:prstGeom>
+          <a:solidFill>
+            <a:srgbClr val="FFFFE0"/>
+          </a:solidFill>
+          <a:ln>
+            <a:noFill/>
+          </a:ln>
+        </p:spPr>
+        <p:style>
+          <a:lnRef idx="2">
+            <a:schemeClr val="accent6"/>
+          </a:lnRef>
+          <a:fillRef idx="1">
+            <a:schemeClr val="lt1"/>
+          </a:fillRef>
+          <a:effectRef idx="0">
+            <a:schemeClr val="accent6"/>
+          </a:effectRef>
+          <a:fontRef idx="minor">
+            <a:schemeClr val="dk1"/>
+          </a:fontRef>
+        </p:style>
+        <p:txBody>
+          <a:bodyPr rtlCol="0" anchor="ctr"/>
+          <a:lstStyle/>
+          <a:p>
+            <a:pPr algn="ctr"/>
+            <a:r>
+              <a:rPr kumimoji="1" lang="en-US" altLang="ja-JP" dirty="0">
+                <a:solidFill>
+                  <a:schemeClr val="bg1">
+                    <a:lumMod val="75000"/>
+                  </a:schemeClr>
+                </a:solidFill>
+              </a:rPr>
+              <a:t>2025.7.31</a:t>
+            </a:r>
+            <a:endParaRPr kumimoji="1" lang="ja-JP" altLang="en-US" dirty="0">
+              <a:solidFill>
+                <a:schemeClr val="bg1">
+                  <a:lumMod val="75000"/>
+                </a:schemeClr>
+              </a:solidFill>
+            </a:endParaRPr>
+          </a:p>
+        </p:txBody>
+      </p:sp>
+      <p:sp>
+        <p:nvSpPr>
+          <p:cNvPr id="5" name="タイトル 4">
+            <a:extLst>
+              <a:ext uri="{FF2B5EF4-FFF2-40B4-BE49-F238E27FC236}">
+                <a16:creationId xmlns:a16="http://schemas.microsoft.com/office/drawing/2014/main" id="{C4040132-DADF-8E06-6EE4-903E10B873D1}"/>
+              </a:ext>
+            </a:extLst>
+          </p:cNvPr>
+          <p:cNvSpPr>
+            <a:spLocks noGrp="1"/>
+          </p:cNvSpPr>
+          <p:nvPr>
+            <p:ph type="title"/>
+          </p:nvPr>
+        </p:nvSpPr>
+        <p:spPr>
+          <a:xfrm>
+            <a:off x="4800600" y="702113"/>
+            <a:ext cx="2118946" cy="1044143"/>
+          </a:xfrm>
+        </p:spPr>
+        <p:txBody>
+          <a:bodyPr>
+            <a:normAutofit/>
+          </a:bodyPr>
+          <a:lstStyle/>
+          <a:p>
+            <a:r>
+              <a:rPr lang="en-US" altLang="ja-JP" sz="3600" b="1" dirty="0">
+                <a:latin typeface="BIZ UDPゴシック" panose="020B0400000000000000" pitchFamily="50" charset="-128"/>
+                <a:ea typeface="BIZ UDPゴシック" panose="020B0400000000000000" pitchFamily="50" charset="-128"/>
+              </a:rPr>
+              <a:t>Ⅴ</a:t>
+            </a:r>
+            <a:r>
+              <a:rPr lang="ja-JP" altLang="en-US" sz="3600" b="1" dirty="0">
+                <a:latin typeface="BIZ UDPゴシック" panose="020B0400000000000000" pitchFamily="50" charset="-128"/>
+                <a:ea typeface="BIZ UDPゴシック" panose="020B0400000000000000" pitchFamily="50" charset="-128"/>
+              </a:rPr>
+              <a:t>．デモ</a:t>
+            </a:r>
+          </a:p>
+        </p:txBody>
+      </p:sp>
+    </p:spTree>
+    <p:extLst>
+      <p:ext uri="{BB962C8B-B14F-4D97-AF65-F5344CB8AC3E}">
+        <p14:creationId xmlns:p14="http://schemas.microsoft.com/office/powerpoint/2010/main" val="122833142"/>
+      </p:ext>
+    </p:extLst>
+  </p:cSld>
+  <p:clrMapOvr>
+    <a:masterClrMapping/>
+  </p:clrMapOvr>
+</p:sld>
+</file>
+
+<file path=ppt/slides/slide15.xml><?xml version="1.0" encoding="utf-8"?>
+<p:sld xmlns:a="http://schemas.openxmlformats.org/drawingml/2006/main" xmlns:r="http://schemas.openxmlformats.org/officeDocument/2006/relationships" xmlns:p="http://schemas.openxmlformats.org/presentationml/2006/main">
+  <p:cSld>
+    <p:spTree>
+      <p:nvGrpSpPr>
+        <p:cNvPr id="1" name="">
+          <a:extLst>
+            <a:ext uri="{FF2B5EF4-FFF2-40B4-BE49-F238E27FC236}">
+              <a16:creationId xmlns:a16="http://schemas.microsoft.com/office/drawing/2014/main" id="{9FA60A8C-EC57-CE58-195D-75F6BD7E55E5}"/>
+            </a:ext>
+          </a:extLst>
+        </p:cNvPr>
+        <p:cNvGrpSpPr/>
+        <p:nvPr/>
+      </p:nvGrpSpPr>
+      <p:grpSpPr>
+        <a:xfrm>
+          <a:off x="0" y="0"/>
+          <a:ext cx="0" cy="0"/>
+          <a:chOff x="0" y="0"/>
+          <a:chExt cx="0" cy="0"/>
+        </a:xfrm>
+      </p:grpSpPr>
+      <p:sp>
+        <p:nvSpPr>
+          <p:cNvPr id="3" name="正方形/長方形 2">
+            <a:extLst>
+              <a:ext uri="{FF2B5EF4-FFF2-40B4-BE49-F238E27FC236}">
+                <a16:creationId xmlns:a16="http://schemas.microsoft.com/office/drawing/2014/main" id="{83A4E471-F727-1AFF-5259-294CA8BCD7A7}"/>
+              </a:ext>
+            </a:extLst>
+          </p:cNvPr>
+          <p:cNvSpPr/>
+          <p:nvPr/>
+        </p:nvSpPr>
+        <p:spPr>
+          <a:xfrm>
+            <a:off x="0" y="0"/>
+            <a:ext cx="12192000" cy="6858000"/>
+          </a:xfrm>
+          <a:prstGeom prst="rect">
+            <a:avLst/>
+          </a:prstGeom>
+          <a:solidFill>
+            <a:srgbClr val="FFFFE0"/>
+          </a:solidFill>
+          <a:ln>
+            <a:noFill/>
+          </a:ln>
+        </p:spPr>
+        <p:style>
+          <a:lnRef idx="2">
+            <a:schemeClr val="accent1">
+              <a:shade val="15000"/>
+            </a:schemeClr>
+          </a:lnRef>
+          <a:fillRef idx="1">
+            <a:schemeClr val="accent1"/>
+          </a:fillRef>
+          <a:effectRef idx="0">
+            <a:schemeClr val="accent1"/>
+          </a:effectRef>
+          <a:fontRef idx="minor">
+            <a:schemeClr val="lt1"/>
+          </a:fontRef>
+        </p:style>
+        <p:txBody>
+          <a:bodyPr rtlCol="0" anchor="ctr"/>
+          <a:lstStyle/>
+          <a:p>
+            <a:pPr algn="ctr"/>
+            <a:endParaRPr kumimoji="1" lang="ja-JP" altLang="en-US"/>
+          </a:p>
+        </p:txBody>
+      </p:sp>
+      <p:sp>
+        <p:nvSpPr>
+          <p:cNvPr id="4" name="正方形/長方形 3">
+            <a:extLst>
+              <a:ext uri="{FF2B5EF4-FFF2-40B4-BE49-F238E27FC236}">
+                <a16:creationId xmlns:a16="http://schemas.microsoft.com/office/drawing/2014/main" id="{32F74D00-A85C-08C1-AE35-57BF2A9437A6}"/>
+              </a:ext>
+            </a:extLst>
+          </p:cNvPr>
+          <p:cNvSpPr/>
+          <p:nvPr/>
+        </p:nvSpPr>
+        <p:spPr>
+          <a:xfrm>
+            <a:off x="10057512" y="5874328"/>
+            <a:ext cx="2134488" cy="665018"/>
+          </a:xfrm>
+          <a:prstGeom prst="rect">
+            <a:avLst/>
+          </a:prstGeom>
+          <a:solidFill>
+            <a:srgbClr val="FFFFE0"/>
+          </a:solidFill>
+          <a:ln>
+            <a:noFill/>
+          </a:ln>
+        </p:spPr>
+        <p:style>
+          <a:lnRef idx="2">
+            <a:schemeClr val="accent6"/>
+          </a:lnRef>
+          <a:fillRef idx="1">
+            <a:schemeClr val="lt1"/>
+          </a:fillRef>
+          <a:effectRef idx="0">
+            <a:schemeClr val="accent6"/>
+          </a:effectRef>
+          <a:fontRef idx="minor">
+            <a:schemeClr val="dk1"/>
+          </a:fontRef>
+        </p:style>
+        <p:txBody>
+          <a:bodyPr rtlCol="0" anchor="ctr"/>
+          <a:lstStyle/>
+          <a:p>
+            <a:pPr algn="ctr"/>
+            <a:r>
+              <a:rPr kumimoji="1" lang="en-US" altLang="ja-JP" dirty="0">
+                <a:solidFill>
+                  <a:schemeClr val="bg1">
+                    <a:lumMod val="75000"/>
+                  </a:schemeClr>
+                </a:solidFill>
+              </a:rPr>
+              <a:t>2025.7.31</a:t>
+            </a:r>
+            <a:endParaRPr kumimoji="1" lang="ja-JP" altLang="en-US" dirty="0">
+              <a:solidFill>
+                <a:schemeClr val="bg1">
+                  <a:lumMod val="75000"/>
+                </a:schemeClr>
+              </a:solidFill>
+            </a:endParaRPr>
+          </a:p>
+        </p:txBody>
+      </p:sp>
+      <p:sp>
+        <p:nvSpPr>
+          <p:cNvPr id="5" name="タイトル 4">
+            <a:extLst>
+              <a:ext uri="{FF2B5EF4-FFF2-40B4-BE49-F238E27FC236}">
+                <a16:creationId xmlns:a16="http://schemas.microsoft.com/office/drawing/2014/main" id="{DCA0C097-7AA4-346B-B7A2-F5CB27419124}"/>
+              </a:ext>
+            </a:extLst>
+          </p:cNvPr>
+          <p:cNvSpPr>
+            <a:spLocks noGrp="1"/>
+          </p:cNvSpPr>
+          <p:nvPr>
+            <p:ph type="title"/>
+          </p:nvPr>
+        </p:nvSpPr>
+        <p:spPr>
+          <a:xfrm>
+            <a:off x="4114799" y="773190"/>
+            <a:ext cx="4202723" cy="970252"/>
+          </a:xfrm>
+        </p:spPr>
+        <p:txBody>
+          <a:bodyPr>
+            <a:noAutofit/>
+          </a:bodyPr>
+          <a:lstStyle/>
+          <a:p>
+            <a:r>
+              <a:rPr lang="en-US" altLang="ja-JP" sz="3600" b="1" dirty="0">
+                <a:latin typeface="BIZ UDPゴシック" panose="020B0400000000000000" pitchFamily="50" charset="-128"/>
+                <a:ea typeface="BIZ UDPゴシック" panose="020B0400000000000000" pitchFamily="50" charset="-128"/>
+              </a:rPr>
+              <a:t>Ⅵ</a:t>
+            </a:r>
+            <a:r>
+              <a:rPr lang="ja-JP" altLang="en-US" sz="3600" b="1" dirty="0">
+                <a:latin typeface="BIZ UDPゴシック" panose="020B0400000000000000" pitchFamily="50" charset="-128"/>
+                <a:ea typeface="BIZ UDPゴシック" panose="020B0400000000000000" pitchFamily="50" charset="-128"/>
+              </a:rPr>
+              <a:t>．導入後の変化</a:t>
+            </a:r>
+          </a:p>
+        </p:txBody>
+      </p:sp>
+    </p:spTree>
+    <p:extLst>
+      <p:ext uri="{BB962C8B-B14F-4D97-AF65-F5344CB8AC3E}">
+        <p14:creationId xmlns:p14="http://schemas.microsoft.com/office/powerpoint/2010/main" val="1058956343"/>
+      </p:ext>
+    </p:extLst>
+  </p:cSld>
+  <p:clrMapOvr>
+    <a:masterClrMapping/>
+  </p:clrMapOvr>
+</p:sld>
+</file>
+
+<file path=ppt/slides/slide16.xml><?xml version="1.0" encoding="utf-8"?>
+<p:sld xmlns:a="http://schemas.openxmlformats.org/drawingml/2006/main" xmlns:r="http://schemas.openxmlformats.org/officeDocument/2006/relationships" xmlns:p="http://schemas.openxmlformats.org/presentationml/2006/main">
+  <p:cSld>
+    <p:spTree>
+      <p:nvGrpSpPr>
+        <p:cNvPr id="1" name="">
+          <a:extLst>
+            <a:ext uri="{FF2B5EF4-FFF2-40B4-BE49-F238E27FC236}">
+              <a16:creationId xmlns:a16="http://schemas.microsoft.com/office/drawing/2014/main" id="{91EE89BE-E868-F896-DA81-F52FCA3514AD}"/>
+            </a:ext>
+          </a:extLst>
+        </p:cNvPr>
+        <p:cNvGrpSpPr/>
+        <p:nvPr/>
+      </p:nvGrpSpPr>
+      <p:grpSpPr>
+        <a:xfrm>
+          <a:off x="0" y="0"/>
+          <a:ext cx="0" cy="0"/>
+          <a:chOff x="0" y="0"/>
+          <a:chExt cx="0" cy="0"/>
+        </a:xfrm>
+      </p:grpSpPr>
+      <p:sp>
+        <p:nvSpPr>
+          <p:cNvPr id="3" name="正方形/長方形 2">
+            <a:extLst>
+              <a:ext uri="{FF2B5EF4-FFF2-40B4-BE49-F238E27FC236}">
+                <a16:creationId xmlns:a16="http://schemas.microsoft.com/office/drawing/2014/main" id="{C81B3E16-88C8-F905-45AB-92994BE6EB22}"/>
+              </a:ext>
+            </a:extLst>
+          </p:cNvPr>
+          <p:cNvSpPr/>
+          <p:nvPr/>
+        </p:nvSpPr>
+        <p:spPr>
+          <a:xfrm>
+            <a:off x="0" y="0"/>
+            <a:ext cx="12192000" cy="6858000"/>
+          </a:xfrm>
+          <a:prstGeom prst="rect">
+            <a:avLst/>
+          </a:prstGeom>
+          <a:solidFill>
+            <a:srgbClr val="FFFFE0"/>
+          </a:solidFill>
+          <a:ln>
+            <a:noFill/>
+          </a:ln>
+        </p:spPr>
+        <p:style>
+          <a:lnRef idx="2">
+            <a:schemeClr val="accent1">
+              <a:shade val="15000"/>
+            </a:schemeClr>
+          </a:lnRef>
+          <a:fillRef idx="1">
+            <a:schemeClr val="accent1"/>
+          </a:fillRef>
+          <a:effectRef idx="0">
+            <a:schemeClr val="accent1"/>
+          </a:effectRef>
+          <a:fontRef idx="minor">
+            <a:schemeClr val="lt1"/>
+          </a:fontRef>
+        </p:style>
+        <p:txBody>
+          <a:bodyPr rtlCol="0" anchor="ctr"/>
+          <a:lstStyle/>
+          <a:p>
+            <a:pPr algn="ctr"/>
+            <a:endParaRPr kumimoji="1" lang="ja-JP" altLang="en-US"/>
+          </a:p>
+        </p:txBody>
+      </p:sp>
+      <p:sp>
+        <p:nvSpPr>
+          <p:cNvPr id="4" name="正方形/長方形 3">
+            <a:extLst>
+              <a:ext uri="{FF2B5EF4-FFF2-40B4-BE49-F238E27FC236}">
+                <a16:creationId xmlns:a16="http://schemas.microsoft.com/office/drawing/2014/main" id="{859C2F9D-EA4C-583C-3448-995ADE8F7314}"/>
+              </a:ext>
+            </a:extLst>
+          </p:cNvPr>
+          <p:cNvSpPr/>
+          <p:nvPr/>
+        </p:nvSpPr>
+        <p:spPr>
+          <a:xfrm>
+            <a:off x="10057512" y="5874328"/>
+            <a:ext cx="2134488" cy="665018"/>
+          </a:xfrm>
+          <a:prstGeom prst="rect">
+            <a:avLst/>
+          </a:prstGeom>
+          <a:solidFill>
+            <a:srgbClr val="FFFFE0"/>
+          </a:solidFill>
+          <a:ln>
+            <a:noFill/>
+          </a:ln>
+        </p:spPr>
+        <p:style>
+          <a:lnRef idx="2">
+            <a:schemeClr val="accent6"/>
+          </a:lnRef>
+          <a:fillRef idx="1">
+            <a:schemeClr val="lt1"/>
+          </a:fillRef>
+          <a:effectRef idx="0">
+            <a:schemeClr val="accent6"/>
+          </a:effectRef>
+          <a:fontRef idx="minor">
+            <a:schemeClr val="dk1"/>
+          </a:fontRef>
+        </p:style>
+        <p:txBody>
+          <a:bodyPr rtlCol="0" anchor="ctr"/>
+          <a:lstStyle/>
+          <a:p>
+            <a:pPr algn="ctr"/>
+            <a:r>
+              <a:rPr kumimoji="1" lang="en-US" altLang="ja-JP" dirty="0">
+                <a:solidFill>
+                  <a:schemeClr val="bg1">
+                    <a:lumMod val="75000"/>
+                  </a:schemeClr>
+                </a:solidFill>
+              </a:rPr>
+              <a:t>2025.7.31</a:t>
+            </a:r>
+            <a:endParaRPr kumimoji="1" lang="ja-JP" altLang="en-US" dirty="0">
+              <a:solidFill>
+                <a:schemeClr val="bg1">
+                  <a:lumMod val="75000"/>
+                </a:schemeClr>
+              </a:solidFill>
+            </a:endParaRPr>
+          </a:p>
+        </p:txBody>
+      </p:sp>
+      <p:sp>
+        <p:nvSpPr>
+          <p:cNvPr id="5" name="タイトル 4">
+            <a:extLst>
+              <a:ext uri="{FF2B5EF4-FFF2-40B4-BE49-F238E27FC236}">
+                <a16:creationId xmlns:a16="http://schemas.microsoft.com/office/drawing/2014/main" id="{AD697775-E24E-E0FA-0AC5-757F6E874146}"/>
+              </a:ext>
+            </a:extLst>
+          </p:cNvPr>
+          <p:cNvSpPr>
+            <a:spLocks noGrp="1"/>
+          </p:cNvSpPr>
+          <p:nvPr>
+            <p:ph type="title"/>
+          </p:nvPr>
+        </p:nvSpPr>
+        <p:spPr>
+          <a:xfrm>
+            <a:off x="4114799" y="773190"/>
+            <a:ext cx="4202723" cy="970252"/>
+          </a:xfrm>
+        </p:spPr>
+        <p:txBody>
+          <a:bodyPr>
+            <a:noAutofit/>
+          </a:bodyPr>
+          <a:lstStyle/>
+          <a:p>
+            <a:r>
+              <a:rPr lang="en-US" altLang="ja-JP" sz="3600" b="1" dirty="0">
+                <a:latin typeface="BIZ UDPゴシック" panose="020B0400000000000000" pitchFamily="50" charset="-128"/>
+                <a:ea typeface="BIZ UDPゴシック" panose="020B0400000000000000" pitchFamily="50" charset="-128"/>
+              </a:rPr>
+              <a:t>Ⅶ</a:t>
+            </a:r>
+            <a:r>
+              <a:rPr lang="ja-JP" altLang="en-US" sz="3600" b="1" dirty="0">
+                <a:latin typeface="BIZ UDPゴシック" panose="020B0400000000000000" pitchFamily="50" charset="-128"/>
+                <a:ea typeface="BIZ UDPゴシック" panose="020B0400000000000000" pitchFamily="50" charset="-128"/>
+              </a:rPr>
+              <a:t>．工夫した点</a:t>
+            </a:r>
+          </a:p>
+        </p:txBody>
+      </p:sp>
+    </p:spTree>
+    <p:extLst>
+      <p:ext uri="{BB962C8B-B14F-4D97-AF65-F5344CB8AC3E}">
+        <p14:creationId xmlns:p14="http://schemas.microsoft.com/office/powerpoint/2010/main" val="915356002"/>
+      </p:ext>
+    </p:extLst>
+  </p:cSld>
+  <p:clrMapOvr>
+    <a:masterClrMapping/>
+  </p:clrMapOvr>
+</p:sld>
+</file>
+
+<file path=ppt/slides/slide17.xml><?xml version="1.0" encoding="utf-8"?>
+<p:sld xmlns:a="http://schemas.openxmlformats.org/drawingml/2006/main" xmlns:r="http://schemas.openxmlformats.org/officeDocument/2006/relationships" xmlns:p="http://schemas.openxmlformats.org/presentationml/2006/main">
+  <p:cSld>
+    <p:spTree>
+      <p:nvGrpSpPr>
+        <p:cNvPr id="1" name="">
+          <a:extLst>
+            <a:ext uri="{FF2B5EF4-FFF2-40B4-BE49-F238E27FC236}">
+              <a16:creationId xmlns:a16="http://schemas.microsoft.com/office/drawing/2014/main" id="{8D9165EC-2B85-D18A-301F-1F872379184C}"/>
+            </a:ext>
+          </a:extLst>
+        </p:cNvPr>
+        <p:cNvGrpSpPr/>
+        <p:nvPr/>
+      </p:nvGrpSpPr>
+      <p:grpSpPr>
+        <a:xfrm>
+          <a:off x="0" y="0"/>
+          <a:ext cx="0" cy="0"/>
+          <a:chOff x="0" y="0"/>
+          <a:chExt cx="0" cy="0"/>
+        </a:xfrm>
+      </p:grpSpPr>
+      <p:sp>
+        <p:nvSpPr>
+          <p:cNvPr id="3" name="正方形/長方形 2">
+            <a:extLst>
+              <a:ext uri="{FF2B5EF4-FFF2-40B4-BE49-F238E27FC236}">
+                <a16:creationId xmlns:a16="http://schemas.microsoft.com/office/drawing/2014/main" id="{73382281-1B26-956A-854F-CACF197D89AD}"/>
+              </a:ext>
+            </a:extLst>
+          </p:cNvPr>
+          <p:cNvSpPr/>
+          <p:nvPr/>
+        </p:nvSpPr>
+        <p:spPr>
+          <a:xfrm>
+            <a:off x="0" y="0"/>
+            <a:ext cx="12192000" cy="6858000"/>
+          </a:xfrm>
+          <a:prstGeom prst="rect">
+            <a:avLst/>
+          </a:prstGeom>
+          <a:solidFill>
+            <a:srgbClr val="FFFFE0"/>
+          </a:solidFill>
+          <a:ln>
+            <a:noFill/>
+          </a:ln>
+        </p:spPr>
+        <p:style>
+          <a:lnRef idx="2">
+            <a:schemeClr val="accent1">
+              <a:shade val="15000"/>
+            </a:schemeClr>
+          </a:lnRef>
+          <a:fillRef idx="1">
+            <a:schemeClr val="accent1"/>
+          </a:fillRef>
+          <a:effectRef idx="0">
+            <a:schemeClr val="accent1"/>
+          </a:effectRef>
+          <a:fontRef idx="minor">
+            <a:schemeClr val="lt1"/>
+          </a:fontRef>
+        </p:style>
+        <p:txBody>
+          <a:bodyPr rtlCol="0" anchor="ctr"/>
+          <a:lstStyle/>
+          <a:p>
+            <a:pPr algn="ctr"/>
+            <a:endParaRPr kumimoji="1" lang="ja-JP" altLang="en-US"/>
+          </a:p>
+        </p:txBody>
+      </p:sp>
+      <p:sp>
+        <p:nvSpPr>
+          <p:cNvPr id="4" name="正方形/長方形 3">
+            <a:extLst>
+              <a:ext uri="{FF2B5EF4-FFF2-40B4-BE49-F238E27FC236}">
+                <a16:creationId xmlns:a16="http://schemas.microsoft.com/office/drawing/2014/main" id="{6FC77374-C1BE-C5CD-D14E-AFBEF7E95F13}"/>
+              </a:ext>
+            </a:extLst>
+          </p:cNvPr>
+          <p:cNvSpPr/>
+          <p:nvPr/>
+        </p:nvSpPr>
+        <p:spPr>
+          <a:xfrm>
+            <a:off x="10057512" y="5874328"/>
+            <a:ext cx="2134488" cy="665018"/>
+          </a:xfrm>
+          <a:prstGeom prst="rect">
+            <a:avLst/>
+          </a:prstGeom>
+          <a:solidFill>
+            <a:srgbClr val="FFFFE0"/>
+          </a:solidFill>
+          <a:ln>
+            <a:noFill/>
+          </a:ln>
+        </p:spPr>
+        <p:style>
+          <a:lnRef idx="2">
+            <a:schemeClr val="accent6"/>
+          </a:lnRef>
+          <a:fillRef idx="1">
+            <a:schemeClr val="lt1"/>
+          </a:fillRef>
+          <a:effectRef idx="0">
+            <a:schemeClr val="accent6"/>
+          </a:effectRef>
+          <a:fontRef idx="minor">
+            <a:schemeClr val="dk1"/>
+          </a:fontRef>
+        </p:style>
+        <p:txBody>
+          <a:bodyPr rtlCol="0" anchor="ctr"/>
+          <a:lstStyle/>
+          <a:p>
+            <a:pPr algn="ctr"/>
+            <a:r>
+              <a:rPr kumimoji="1" lang="en-US" altLang="ja-JP" dirty="0">
+                <a:solidFill>
+                  <a:schemeClr val="bg1">
+                    <a:lumMod val="75000"/>
+                  </a:schemeClr>
+                </a:solidFill>
+              </a:rPr>
+              <a:t>2025.7.31</a:t>
+            </a:r>
+            <a:endParaRPr kumimoji="1" lang="ja-JP" altLang="en-US" dirty="0">
+              <a:solidFill>
+                <a:schemeClr val="bg1">
+                  <a:lumMod val="75000"/>
+                </a:schemeClr>
+              </a:solidFill>
+            </a:endParaRPr>
+          </a:p>
+        </p:txBody>
+      </p:sp>
+      <p:sp>
+        <p:nvSpPr>
+          <p:cNvPr id="5" name="タイトル 4">
+            <a:extLst>
+              <a:ext uri="{FF2B5EF4-FFF2-40B4-BE49-F238E27FC236}">
                 <a16:creationId xmlns:a16="http://schemas.microsoft.com/office/drawing/2014/main" id="{EC77EC6A-1385-72F7-55FD-2FF5F2DB839B}"/>
               </a:ext>
             </a:extLst>
@@ -4390,7 +6863,7 @@
 </p:sld>
 </file>
 
-<file path=ppt/slides/slide11.xml><?xml version="1.0" encoding="utf-8"?>
+<file path=ppt/slides/slide18.xml><?xml version="1.0" encoding="utf-8"?>
 <p:sld xmlns:a="http://schemas.openxmlformats.org/drawingml/2006/main" xmlns:r="http://schemas.openxmlformats.org/officeDocument/2006/relationships" xmlns:p="http://schemas.openxmlformats.org/presentationml/2006/main">
   <p:cSld>
     <p:spTree>
@@ -4795,7 +7268,7 @@
 </p:sld>
 </file>
 
-<file path=ppt/slides/slide12.xml><?xml version="1.0" encoding="utf-8"?>
+<file path=ppt/slides/slide19.xml><?xml version="1.0" encoding="utf-8"?>
 <p:sld xmlns:a="http://schemas.openxmlformats.org/drawingml/2006/main" xmlns:r="http://schemas.openxmlformats.org/officeDocument/2006/relationships" xmlns:p="http://schemas.openxmlformats.org/presentationml/2006/main">
   <p:cSld>
     <p:spTree>
@@ -5177,2082 +7650,6 @@
     <p:extLst>
       <p:ext uri="{BB962C8B-B14F-4D97-AF65-F5344CB8AC3E}">
         <p14:creationId xmlns:p14="http://schemas.microsoft.com/office/powerpoint/2010/main" val="574609492"/>
-      </p:ext>
-    </p:extLst>
-  </p:cSld>
-  <p:clrMapOvr>
-    <a:masterClrMapping/>
-  </p:clrMapOvr>
-</p:sld>
-</file>
-
-<file path=ppt/slides/slide13.xml><?xml version="1.0" encoding="utf-8"?>
-<p:sld xmlns:a="http://schemas.openxmlformats.org/drawingml/2006/main" xmlns:r="http://schemas.openxmlformats.org/officeDocument/2006/relationships" xmlns:p="http://schemas.openxmlformats.org/presentationml/2006/main">
-  <p:cSld>
-    <p:spTree>
-      <p:nvGrpSpPr>
-        <p:cNvPr id="1" name="">
-          <a:extLst>
-            <a:ext uri="{FF2B5EF4-FFF2-40B4-BE49-F238E27FC236}">
-              <a16:creationId xmlns:a16="http://schemas.microsoft.com/office/drawing/2014/main" id="{4C233C79-8AF9-E978-F601-33EFC5C7F5E5}"/>
-            </a:ext>
-          </a:extLst>
-        </p:cNvPr>
-        <p:cNvGrpSpPr/>
-        <p:nvPr/>
-      </p:nvGrpSpPr>
-      <p:grpSpPr>
-        <a:xfrm>
-          <a:off x="0" y="0"/>
-          <a:ext cx="0" cy="0"/>
-          <a:chOff x="0" y="0"/>
-          <a:chExt cx="0" cy="0"/>
-        </a:xfrm>
-      </p:grpSpPr>
-      <p:sp>
-        <p:nvSpPr>
-          <p:cNvPr id="7" name="正方形/長方形 6">
-            <a:extLst>
-              <a:ext uri="{FF2B5EF4-FFF2-40B4-BE49-F238E27FC236}">
-                <a16:creationId xmlns:a16="http://schemas.microsoft.com/office/drawing/2014/main" id="{62E14857-F835-4E99-B78A-B74A1B0ADCFF}"/>
-              </a:ext>
-            </a:extLst>
-          </p:cNvPr>
-          <p:cNvSpPr/>
-          <p:nvPr/>
-        </p:nvSpPr>
-        <p:spPr>
-          <a:xfrm>
-            <a:off x="0" y="0"/>
-            <a:ext cx="12192000" cy="6858000"/>
-          </a:xfrm>
-          <a:prstGeom prst="rect">
-            <a:avLst/>
-          </a:prstGeom>
-          <a:solidFill>
-            <a:srgbClr val="FFFFE0"/>
-          </a:solidFill>
-          <a:ln>
-            <a:noFill/>
-          </a:ln>
-        </p:spPr>
-        <p:style>
-          <a:lnRef idx="2">
-            <a:schemeClr val="accent1">
-              <a:shade val="15000"/>
-            </a:schemeClr>
-          </a:lnRef>
-          <a:fillRef idx="1">
-            <a:schemeClr val="accent1"/>
-          </a:fillRef>
-          <a:effectRef idx="0">
-            <a:schemeClr val="accent1"/>
-          </a:effectRef>
-          <a:fontRef idx="minor">
-            <a:schemeClr val="lt1"/>
-          </a:fontRef>
-        </p:style>
-        <p:txBody>
-          <a:bodyPr rtlCol="0" anchor="ctr"/>
-          <a:lstStyle/>
-          <a:p>
-            <a:pPr algn="ctr"/>
-            <a:endParaRPr kumimoji="1" lang="ja-JP" altLang="en-US"/>
-          </a:p>
-        </p:txBody>
-      </p:sp>
-      <p:sp>
-        <p:nvSpPr>
-          <p:cNvPr id="2" name="タイトル 1">
-            <a:extLst>
-              <a:ext uri="{FF2B5EF4-FFF2-40B4-BE49-F238E27FC236}">
-                <a16:creationId xmlns:a16="http://schemas.microsoft.com/office/drawing/2014/main" id="{B1AD4CC8-2B6E-C0DE-D4A3-96644E9CE34B}"/>
-              </a:ext>
-            </a:extLst>
-          </p:cNvPr>
-          <p:cNvSpPr>
-            <a:spLocks noGrp="1"/>
-          </p:cNvSpPr>
-          <p:nvPr>
-            <p:ph type="title"/>
-          </p:nvPr>
-        </p:nvSpPr>
-        <p:spPr>
-          <a:xfrm>
-            <a:off x="2461847" y="375404"/>
-            <a:ext cx="7006340" cy="1207111"/>
-          </a:xfrm>
-        </p:spPr>
-        <p:txBody>
-          <a:bodyPr>
-            <a:normAutofit/>
-          </a:bodyPr>
-          <a:lstStyle/>
-          <a:p>
-            <a:r>
-              <a:rPr kumimoji="1" lang="en-US" altLang="ja-JP" sz="3600" b="1" dirty="0">
-                <a:latin typeface="BIZ UDPゴシック" panose="020B0400000000000000" pitchFamily="50" charset="-128"/>
-                <a:ea typeface="BIZ UDPゴシック" panose="020B0400000000000000" pitchFamily="50" charset="-128"/>
-              </a:rPr>
-              <a:t>Ⅸ</a:t>
-            </a:r>
-            <a:r>
-              <a:rPr lang="ja-JP" altLang="en-US" sz="3600" b="1" dirty="0">
-                <a:latin typeface="BIZ UDPゴシック" panose="020B0400000000000000" pitchFamily="50" charset="-128"/>
-                <a:ea typeface="BIZ UDPゴシック" panose="020B0400000000000000" pitchFamily="50" charset="-128"/>
-              </a:rPr>
-              <a:t>．</a:t>
-            </a:r>
-            <a:r>
-              <a:rPr kumimoji="1" lang="ja-JP" altLang="en-US" sz="3600" b="1" dirty="0">
-                <a:latin typeface="BIZ UDPゴシック" panose="020B0400000000000000" pitchFamily="50" charset="-128"/>
-                <a:ea typeface="BIZ UDPゴシック" panose="020B0400000000000000" pitchFamily="50" charset="-128"/>
-              </a:rPr>
-              <a:t>研修前・研修後で成長したこと</a:t>
-            </a:r>
-          </a:p>
-        </p:txBody>
-      </p:sp>
-      <p:sp>
-        <p:nvSpPr>
-          <p:cNvPr id="3" name="コンテンツ プレースホルダー 2">
-            <a:extLst>
-              <a:ext uri="{FF2B5EF4-FFF2-40B4-BE49-F238E27FC236}">
-                <a16:creationId xmlns:a16="http://schemas.microsoft.com/office/drawing/2014/main" id="{868F9A1C-D74B-CF3D-FE96-D62483BD95AE}"/>
-              </a:ext>
-            </a:extLst>
-          </p:cNvPr>
-          <p:cNvSpPr>
-            <a:spLocks noGrp="1"/>
-          </p:cNvSpPr>
-          <p:nvPr>
-            <p:ph idx="1"/>
-          </p:nvPr>
-        </p:nvSpPr>
-        <p:spPr>
-          <a:xfrm>
-            <a:off x="4844561" y="1960685"/>
-            <a:ext cx="6796453" cy="3789484"/>
-          </a:xfrm>
-        </p:spPr>
-        <p:txBody>
-          <a:bodyPr>
-            <a:normAutofit/>
-          </a:bodyPr>
-          <a:lstStyle/>
-          <a:p>
-            <a:pPr marL="0" indent="0">
-              <a:buNone/>
-            </a:pPr>
-            <a:r>
-              <a:rPr lang="ja-JP" altLang="en-US" sz="2000" dirty="0">
-                <a:latin typeface="BIZ UDPゴシック" panose="020B0400000000000000" pitchFamily="50" charset="-128"/>
-                <a:ea typeface="BIZ UDPゴシック" panose="020B0400000000000000" pitchFamily="50" charset="-128"/>
-              </a:rPr>
-              <a:t>名前：安井</a:t>
-            </a:r>
-          </a:p>
-          <a:p>
-            <a:endParaRPr lang="ja-JP" altLang="en-US" sz="2000" dirty="0">
-              <a:latin typeface="BIZ UDPゴシック" panose="020B0400000000000000" pitchFamily="50" charset="-128"/>
-              <a:ea typeface="BIZ UDPゴシック" panose="020B0400000000000000" pitchFamily="50" charset="-128"/>
-            </a:endParaRPr>
-          </a:p>
-          <a:p>
-            <a:pPr marL="0" indent="0">
-              <a:buNone/>
-            </a:pPr>
-            <a:r>
-              <a:rPr lang="ja-JP" altLang="en-US" sz="2000" dirty="0">
-                <a:latin typeface="BIZ UDPゴシック" panose="020B0400000000000000" pitchFamily="50" charset="-128"/>
-                <a:ea typeface="BIZ UDPゴシック" panose="020B0400000000000000" pitchFamily="50" charset="-128"/>
-              </a:rPr>
-              <a:t>役職：品質管理</a:t>
-            </a:r>
-          </a:p>
-          <a:p>
-            <a:pPr marL="0" indent="0">
-              <a:buNone/>
-            </a:pPr>
-            <a:endParaRPr lang="ja-JP" altLang="en-US" sz="2000" dirty="0">
-              <a:latin typeface="BIZ UDPゴシック" panose="020B0400000000000000" pitchFamily="50" charset="-128"/>
-              <a:ea typeface="BIZ UDPゴシック" panose="020B0400000000000000" pitchFamily="50" charset="-128"/>
-            </a:endParaRPr>
-          </a:p>
-          <a:p>
-            <a:pPr marL="0" indent="0">
-              <a:buNone/>
-            </a:pPr>
-            <a:r>
-              <a:rPr lang="ja-JP" altLang="en-US" sz="2000" dirty="0">
-                <a:latin typeface="BIZ UDPゴシック" panose="020B0400000000000000" pitchFamily="50" charset="-128"/>
-                <a:ea typeface="BIZ UDPゴシック" panose="020B0400000000000000" pitchFamily="50" charset="-128"/>
-              </a:rPr>
-              <a:t>担当箇所：マイページ、ユーザー情報</a:t>
-            </a:r>
-          </a:p>
-          <a:p>
-            <a:endParaRPr lang="ja-JP" altLang="en-US" sz="2000" dirty="0">
-              <a:latin typeface="BIZ UDPゴシック" panose="020B0400000000000000" pitchFamily="50" charset="-128"/>
-              <a:ea typeface="BIZ UDPゴシック" panose="020B0400000000000000" pitchFamily="50" charset="-128"/>
-            </a:endParaRPr>
-          </a:p>
-          <a:p>
-            <a:pPr marL="0" indent="0">
-              <a:buNone/>
-            </a:pPr>
-            <a:r>
-              <a:rPr lang="ja-JP" altLang="en-US" sz="2000" dirty="0">
-                <a:latin typeface="BIZ UDPゴシック" panose="020B0400000000000000" pitchFamily="50" charset="-128"/>
-                <a:ea typeface="BIZ UDPゴシック" panose="020B0400000000000000" pitchFamily="50" charset="-128"/>
-              </a:rPr>
-              <a:t>研修前：</a:t>
-            </a:r>
-          </a:p>
-          <a:p>
-            <a:endParaRPr lang="ja-JP" altLang="en-US" sz="2000" dirty="0">
-              <a:latin typeface="BIZ UDPゴシック" panose="020B0400000000000000" pitchFamily="50" charset="-128"/>
-              <a:ea typeface="BIZ UDPゴシック" panose="020B0400000000000000" pitchFamily="50" charset="-128"/>
-            </a:endParaRPr>
-          </a:p>
-          <a:p>
-            <a:pPr marL="0" indent="0">
-              <a:buNone/>
-            </a:pPr>
-            <a:r>
-              <a:rPr lang="ja-JP" altLang="en-US" sz="2000" dirty="0">
-                <a:latin typeface="BIZ UDPゴシック" panose="020B0400000000000000" pitchFamily="50" charset="-128"/>
-                <a:ea typeface="BIZ UDPゴシック" panose="020B0400000000000000" pitchFamily="50" charset="-128"/>
-              </a:rPr>
-              <a:t>研修後：</a:t>
-            </a:r>
-          </a:p>
-          <a:p>
-            <a:pPr marL="0" indent="0">
-              <a:buNone/>
-            </a:pPr>
-            <a:endParaRPr kumimoji="1" lang="ja-JP" altLang="en-US" dirty="0"/>
-          </a:p>
-        </p:txBody>
-      </p:sp>
-      <p:sp>
-        <p:nvSpPr>
-          <p:cNvPr id="4" name="正方形/長方形 3">
-            <a:extLst>
-              <a:ext uri="{FF2B5EF4-FFF2-40B4-BE49-F238E27FC236}">
-                <a16:creationId xmlns:a16="http://schemas.microsoft.com/office/drawing/2014/main" id="{AD6E4AAA-777A-FAB9-4B81-269C6EB51BFE}"/>
-              </a:ext>
-            </a:extLst>
-          </p:cNvPr>
-          <p:cNvSpPr/>
-          <p:nvPr/>
-        </p:nvSpPr>
-        <p:spPr>
-          <a:xfrm>
-            <a:off x="10057512" y="5874328"/>
-            <a:ext cx="2134488" cy="665018"/>
-          </a:xfrm>
-          <a:prstGeom prst="rect">
-            <a:avLst/>
-          </a:prstGeom>
-          <a:solidFill>
-            <a:srgbClr val="FFFFE0"/>
-          </a:solidFill>
-          <a:ln>
-            <a:noFill/>
-          </a:ln>
-        </p:spPr>
-        <p:style>
-          <a:lnRef idx="2">
-            <a:schemeClr val="accent6"/>
-          </a:lnRef>
-          <a:fillRef idx="1">
-            <a:schemeClr val="lt1"/>
-          </a:fillRef>
-          <a:effectRef idx="0">
-            <a:schemeClr val="accent6"/>
-          </a:effectRef>
-          <a:fontRef idx="minor">
-            <a:schemeClr val="dk1"/>
-          </a:fontRef>
-        </p:style>
-        <p:txBody>
-          <a:bodyPr rtlCol="0" anchor="ctr"/>
-          <a:lstStyle/>
-          <a:p>
-            <a:pPr algn="ctr"/>
-            <a:r>
-              <a:rPr kumimoji="1" lang="en-US" altLang="ja-JP" dirty="0">
-                <a:solidFill>
-                  <a:schemeClr val="bg1">
-                    <a:lumMod val="75000"/>
-                  </a:schemeClr>
-                </a:solidFill>
-              </a:rPr>
-              <a:t>2025.7.31</a:t>
-            </a:r>
-            <a:endParaRPr kumimoji="1" lang="ja-JP" altLang="en-US" dirty="0">
-              <a:solidFill>
-                <a:schemeClr val="bg1">
-                  <a:lumMod val="75000"/>
-                </a:schemeClr>
-              </a:solidFill>
-            </a:endParaRPr>
-          </a:p>
-        </p:txBody>
-      </p:sp>
-      <p:sp>
-        <p:nvSpPr>
-          <p:cNvPr id="5" name="楕円 4">
-            <a:extLst>
-              <a:ext uri="{FF2B5EF4-FFF2-40B4-BE49-F238E27FC236}">
-                <a16:creationId xmlns:a16="http://schemas.microsoft.com/office/drawing/2014/main" id="{C18F4BE3-5BCD-A596-6D4F-74AAAD13C2C2}"/>
-              </a:ext>
-            </a:extLst>
-          </p:cNvPr>
-          <p:cNvSpPr/>
-          <p:nvPr/>
-        </p:nvSpPr>
-        <p:spPr>
-          <a:xfrm>
-            <a:off x="2039576" y="1960685"/>
-            <a:ext cx="1221769" cy="1207111"/>
-          </a:xfrm>
-          <a:prstGeom prst="ellipse">
-            <a:avLst/>
-          </a:prstGeom>
-          <a:ln>
-            <a:solidFill>
-              <a:schemeClr val="tx1"/>
-            </a:solidFill>
-          </a:ln>
-        </p:spPr>
-        <p:style>
-          <a:lnRef idx="2">
-            <a:schemeClr val="accent6"/>
-          </a:lnRef>
-          <a:fillRef idx="1">
-            <a:schemeClr val="lt1"/>
-          </a:fillRef>
-          <a:effectRef idx="0">
-            <a:schemeClr val="accent6"/>
-          </a:effectRef>
-          <a:fontRef idx="minor">
-            <a:schemeClr val="dk1"/>
-          </a:fontRef>
-        </p:style>
-        <p:txBody>
-          <a:bodyPr rtlCol="0" anchor="ctr"/>
-          <a:lstStyle/>
-          <a:p>
-            <a:pPr algn="ctr"/>
-            <a:endParaRPr kumimoji="1" lang="ja-JP" altLang="en-US"/>
-          </a:p>
-        </p:txBody>
-      </p:sp>
-    </p:spTree>
-    <p:extLst>
-      <p:ext uri="{BB962C8B-B14F-4D97-AF65-F5344CB8AC3E}">
-        <p14:creationId xmlns:p14="http://schemas.microsoft.com/office/powerpoint/2010/main" val="716400089"/>
-      </p:ext>
-    </p:extLst>
-  </p:cSld>
-  <p:clrMapOvr>
-    <a:masterClrMapping/>
-  </p:clrMapOvr>
-</p:sld>
-</file>
-
-<file path=ppt/slides/slide14.xml><?xml version="1.0" encoding="utf-8"?>
-<p:sld xmlns:a="http://schemas.openxmlformats.org/drawingml/2006/main" xmlns:r="http://schemas.openxmlformats.org/officeDocument/2006/relationships" xmlns:p="http://schemas.openxmlformats.org/presentationml/2006/main">
-  <p:cSld>
-    <p:spTree>
-      <p:nvGrpSpPr>
-        <p:cNvPr id="1" name="">
-          <a:extLst>
-            <a:ext uri="{FF2B5EF4-FFF2-40B4-BE49-F238E27FC236}">
-              <a16:creationId xmlns:a16="http://schemas.microsoft.com/office/drawing/2014/main" id="{44412BE9-4110-9478-8080-4EFCCEC79C1B}"/>
-            </a:ext>
-          </a:extLst>
-        </p:cNvPr>
-        <p:cNvGrpSpPr/>
-        <p:nvPr/>
-      </p:nvGrpSpPr>
-      <p:grpSpPr>
-        <a:xfrm>
-          <a:off x="0" y="0"/>
-          <a:ext cx="0" cy="0"/>
-          <a:chOff x="0" y="0"/>
-          <a:chExt cx="0" cy="0"/>
-        </a:xfrm>
-      </p:grpSpPr>
-      <p:sp>
-        <p:nvSpPr>
-          <p:cNvPr id="7" name="正方形/長方形 6">
-            <a:extLst>
-              <a:ext uri="{FF2B5EF4-FFF2-40B4-BE49-F238E27FC236}">
-                <a16:creationId xmlns:a16="http://schemas.microsoft.com/office/drawing/2014/main" id="{3A946EC7-93B1-0B15-F115-016F695249C9}"/>
-              </a:ext>
-            </a:extLst>
-          </p:cNvPr>
-          <p:cNvSpPr/>
-          <p:nvPr/>
-        </p:nvSpPr>
-        <p:spPr>
-          <a:xfrm>
-            <a:off x="0" y="0"/>
-            <a:ext cx="12192000" cy="6858000"/>
-          </a:xfrm>
-          <a:prstGeom prst="rect">
-            <a:avLst/>
-          </a:prstGeom>
-          <a:solidFill>
-            <a:srgbClr val="FFFFE0"/>
-          </a:solidFill>
-          <a:ln>
-            <a:noFill/>
-          </a:ln>
-        </p:spPr>
-        <p:style>
-          <a:lnRef idx="2">
-            <a:schemeClr val="accent1">
-              <a:shade val="15000"/>
-            </a:schemeClr>
-          </a:lnRef>
-          <a:fillRef idx="1">
-            <a:schemeClr val="accent1"/>
-          </a:fillRef>
-          <a:effectRef idx="0">
-            <a:schemeClr val="accent1"/>
-          </a:effectRef>
-          <a:fontRef idx="minor">
-            <a:schemeClr val="lt1"/>
-          </a:fontRef>
-        </p:style>
-        <p:txBody>
-          <a:bodyPr rtlCol="0" anchor="ctr"/>
-          <a:lstStyle/>
-          <a:p>
-            <a:pPr algn="ctr"/>
-            <a:endParaRPr kumimoji="1" lang="ja-JP" altLang="en-US"/>
-          </a:p>
-        </p:txBody>
-      </p:sp>
-      <p:sp>
-        <p:nvSpPr>
-          <p:cNvPr id="2" name="タイトル 1">
-            <a:extLst>
-              <a:ext uri="{FF2B5EF4-FFF2-40B4-BE49-F238E27FC236}">
-                <a16:creationId xmlns:a16="http://schemas.microsoft.com/office/drawing/2014/main" id="{2DED74B0-9D45-28EC-8536-C16DF65B4617}"/>
-              </a:ext>
-            </a:extLst>
-          </p:cNvPr>
-          <p:cNvSpPr>
-            <a:spLocks noGrp="1"/>
-          </p:cNvSpPr>
-          <p:nvPr>
-            <p:ph type="title"/>
-          </p:nvPr>
-        </p:nvSpPr>
-        <p:spPr>
-          <a:xfrm>
-            <a:off x="2461847" y="375404"/>
-            <a:ext cx="7006340" cy="1207111"/>
-          </a:xfrm>
-        </p:spPr>
-        <p:txBody>
-          <a:bodyPr>
-            <a:normAutofit/>
-          </a:bodyPr>
-          <a:lstStyle/>
-          <a:p>
-            <a:r>
-              <a:rPr kumimoji="1" lang="en-US" altLang="ja-JP" sz="3600" b="1" dirty="0">
-                <a:latin typeface="BIZ UDPゴシック" panose="020B0400000000000000" pitchFamily="50" charset="-128"/>
-                <a:ea typeface="BIZ UDPゴシック" panose="020B0400000000000000" pitchFamily="50" charset="-128"/>
-              </a:rPr>
-              <a:t>Ⅸ</a:t>
-            </a:r>
-            <a:r>
-              <a:rPr lang="ja-JP" altLang="en-US" sz="3600" b="1" dirty="0">
-                <a:latin typeface="BIZ UDPゴシック" panose="020B0400000000000000" pitchFamily="50" charset="-128"/>
-                <a:ea typeface="BIZ UDPゴシック" panose="020B0400000000000000" pitchFamily="50" charset="-128"/>
-              </a:rPr>
-              <a:t>．</a:t>
-            </a:r>
-            <a:r>
-              <a:rPr kumimoji="1" lang="ja-JP" altLang="en-US" sz="3600" b="1" dirty="0">
-                <a:latin typeface="BIZ UDPゴシック" panose="020B0400000000000000" pitchFamily="50" charset="-128"/>
-                <a:ea typeface="BIZ UDPゴシック" panose="020B0400000000000000" pitchFamily="50" charset="-128"/>
-              </a:rPr>
-              <a:t>研修前・研修後で成長したこと</a:t>
-            </a:r>
-          </a:p>
-        </p:txBody>
-      </p:sp>
-      <p:sp>
-        <p:nvSpPr>
-          <p:cNvPr id="3" name="コンテンツ プレースホルダー 2">
-            <a:extLst>
-              <a:ext uri="{FF2B5EF4-FFF2-40B4-BE49-F238E27FC236}">
-                <a16:creationId xmlns:a16="http://schemas.microsoft.com/office/drawing/2014/main" id="{0F09A9F3-9127-4F79-3B90-D8DF2BA433A5}"/>
-              </a:ext>
-            </a:extLst>
-          </p:cNvPr>
-          <p:cNvSpPr>
-            <a:spLocks noGrp="1"/>
-          </p:cNvSpPr>
-          <p:nvPr>
-            <p:ph idx="1"/>
-          </p:nvPr>
-        </p:nvSpPr>
-        <p:spPr>
-          <a:xfrm>
-            <a:off x="4844561" y="1960685"/>
-            <a:ext cx="6796453" cy="3789484"/>
-          </a:xfrm>
-        </p:spPr>
-        <p:txBody>
-          <a:bodyPr>
-            <a:normAutofit/>
-          </a:bodyPr>
-          <a:lstStyle/>
-          <a:p>
-            <a:pPr marL="0" indent="0">
-              <a:buNone/>
-            </a:pPr>
-            <a:r>
-              <a:rPr lang="ja-JP" altLang="en-US" sz="2000" dirty="0">
-                <a:latin typeface="BIZ UDPゴシック" panose="020B0400000000000000" pitchFamily="50" charset="-128"/>
-                <a:ea typeface="BIZ UDPゴシック" panose="020B0400000000000000" pitchFamily="50" charset="-128"/>
-              </a:rPr>
-              <a:t>名前：中嶋</a:t>
-            </a:r>
-          </a:p>
-          <a:p>
-            <a:endParaRPr lang="ja-JP" altLang="en-US" sz="2000" dirty="0">
-              <a:latin typeface="BIZ UDPゴシック" panose="020B0400000000000000" pitchFamily="50" charset="-128"/>
-              <a:ea typeface="BIZ UDPゴシック" panose="020B0400000000000000" pitchFamily="50" charset="-128"/>
-            </a:endParaRPr>
-          </a:p>
-          <a:p>
-            <a:pPr marL="0" indent="0">
-              <a:buNone/>
-            </a:pPr>
-            <a:r>
-              <a:rPr lang="ja-JP" altLang="en-US" sz="2000" dirty="0">
-                <a:latin typeface="BIZ UDPゴシック" panose="020B0400000000000000" pitchFamily="50" charset="-128"/>
-                <a:ea typeface="BIZ UDPゴシック" panose="020B0400000000000000" pitchFamily="50" charset="-128"/>
-              </a:rPr>
-              <a:t>役職：機能担当</a:t>
-            </a:r>
-          </a:p>
-          <a:p>
-            <a:pPr marL="0" indent="0">
-              <a:buNone/>
-            </a:pPr>
-            <a:endParaRPr lang="ja-JP" altLang="en-US" sz="2000" dirty="0">
-              <a:latin typeface="BIZ UDPゴシック" panose="020B0400000000000000" pitchFamily="50" charset="-128"/>
-              <a:ea typeface="BIZ UDPゴシック" panose="020B0400000000000000" pitchFamily="50" charset="-128"/>
-            </a:endParaRPr>
-          </a:p>
-          <a:p>
-            <a:pPr marL="0" indent="0">
-              <a:buNone/>
-            </a:pPr>
-            <a:r>
-              <a:rPr lang="ja-JP" altLang="en-US" sz="2000" dirty="0">
-                <a:latin typeface="BIZ UDPゴシック" panose="020B0400000000000000" pitchFamily="50" charset="-128"/>
-                <a:ea typeface="BIZ UDPゴシック" panose="020B0400000000000000" pitchFamily="50" charset="-128"/>
-              </a:rPr>
-              <a:t>担当箇所：日記検索、タグ検索</a:t>
-            </a:r>
-          </a:p>
-          <a:p>
-            <a:endParaRPr lang="ja-JP" altLang="en-US" sz="2000" dirty="0">
-              <a:latin typeface="BIZ UDPゴシック" panose="020B0400000000000000" pitchFamily="50" charset="-128"/>
-              <a:ea typeface="BIZ UDPゴシック" panose="020B0400000000000000" pitchFamily="50" charset="-128"/>
-            </a:endParaRPr>
-          </a:p>
-          <a:p>
-            <a:pPr marL="0" indent="0">
-              <a:buNone/>
-            </a:pPr>
-            <a:r>
-              <a:rPr lang="ja-JP" altLang="en-US" sz="2000" dirty="0">
-                <a:latin typeface="BIZ UDPゴシック" panose="020B0400000000000000" pitchFamily="50" charset="-128"/>
-                <a:ea typeface="BIZ UDPゴシック" panose="020B0400000000000000" pitchFamily="50" charset="-128"/>
-              </a:rPr>
-              <a:t>研修前：</a:t>
-            </a:r>
-          </a:p>
-          <a:p>
-            <a:endParaRPr lang="ja-JP" altLang="en-US" sz="2000" dirty="0">
-              <a:latin typeface="BIZ UDPゴシック" panose="020B0400000000000000" pitchFamily="50" charset="-128"/>
-              <a:ea typeface="BIZ UDPゴシック" panose="020B0400000000000000" pitchFamily="50" charset="-128"/>
-            </a:endParaRPr>
-          </a:p>
-          <a:p>
-            <a:pPr marL="0" indent="0">
-              <a:buNone/>
-            </a:pPr>
-            <a:r>
-              <a:rPr lang="ja-JP" altLang="en-US" sz="2000" dirty="0">
-                <a:latin typeface="BIZ UDPゴシック" panose="020B0400000000000000" pitchFamily="50" charset="-128"/>
-                <a:ea typeface="BIZ UDPゴシック" panose="020B0400000000000000" pitchFamily="50" charset="-128"/>
-              </a:rPr>
-              <a:t>研修後：</a:t>
-            </a:r>
-          </a:p>
-          <a:p>
-            <a:pPr marL="0" indent="0">
-              <a:buNone/>
-            </a:pPr>
-            <a:endParaRPr kumimoji="1" lang="ja-JP" altLang="en-US" dirty="0"/>
-          </a:p>
-        </p:txBody>
-      </p:sp>
-      <p:sp>
-        <p:nvSpPr>
-          <p:cNvPr id="4" name="正方形/長方形 3">
-            <a:extLst>
-              <a:ext uri="{FF2B5EF4-FFF2-40B4-BE49-F238E27FC236}">
-                <a16:creationId xmlns:a16="http://schemas.microsoft.com/office/drawing/2014/main" id="{2635E2C6-5519-9B2E-EE8B-ABB7F009F86A}"/>
-              </a:ext>
-            </a:extLst>
-          </p:cNvPr>
-          <p:cNvSpPr/>
-          <p:nvPr/>
-        </p:nvSpPr>
-        <p:spPr>
-          <a:xfrm>
-            <a:off x="10057512" y="5874328"/>
-            <a:ext cx="2134488" cy="665018"/>
-          </a:xfrm>
-          <a:prstGeom prst="rect">
-            <a:avLst/>
-          </a:prstGeom>
-          <a:solidFill>
-            <a:srgbClr val="FFFFE0"/>
-          </a:solidFill>
-          <a:ln>
-            <a:noFill/>
-          </a:ln>
-        </p:spPr>
-        <p:style>
-          <a:lnRef idx="2">
-            <a:schemeClr val="accent6"/>
-          </a:lnRef>
-          <a:fillRef idx="1">
-            <a:schemeClr val="lt1"/>
-          </a:fillRef>
-          <a:effectRef idx="0">
-            <a:schemeClr val="accent6"/>
-          </a:effectRef>
-          <a:fontRef idx="minor">
-            <a:schemeClr val="dk1"/>
-          </a:fontRef>
-        </p:style>
-        <p:txBody>
-          <a:bodyPr rtlCol="0" anchor="ctr"/>
-          <a:lstStyle/>
-          <a:p>
-            <a:pPr algn="ctr"/>
-            <a:r>
-              <a:rPr kumimoji="1" lang="en-US" altLang="ja-JP" dirty="0">
-                <a:solidFill>
-                  <a:schemeClr val="bg1">
-                    <a:lumMod val="75000"/>
-                  </a:schemeClr>
-                </a:solidFill>
-              </a:rPr>
-              <a:t>2025.7.31</a:t>
-            </a:r>
-            <a:endParaRPr kumimoji="1" lang="ja-JP" altLang="en-US" dirty="0">
-              <a:solidFill>
-                <a:schemeClr val="bg1">
-                  <a:lumMod val="75000"/>
-                </a:schemeClr>
-              </a:solidFill>
-            </a:endParaRPr>
-          </a:p>
-        </p:txBody>
-      </p:sp>
-      <p:sp>
-        <p:nvSpPr>
-          <p:cNvPr id="5" name="楕円 4">
-            <a:extLst>
-              <a:ext uri="{FF2B5EF4-FFF2-40B4-BE49-F238E27FC236}">
-                <a16:creationId xmlns:a16="http://schemas.microsoft.com/office/drawing/2014/main" id="{37257380-2433-3E6A-F707-D3F578188053}"/>
-              </a:ext>
-            </a:extLst>
-          </p:cNvPr>
-          <p:cNvSpPr/>
-          <p:nvPr/>
-        </p:nvSpPr>
-        <p:spPr>
-          <a:xfrm>
-            <a:off x="2039576" y="1960685"/>
-            <a:ext cx="1221769" cy="1207111"/>
-          </a:xfrm>
-          <a:prstGeom prst="ellipse">
-            <a:avLst/>
-          </a:prstGeom>
-          <a:ln>
-            <a:solidFill>
-              <a:schemeClr val="tx1"/>
-            </a:solidFill>
-          </a:ln>
-        </p:spPr>
-        <p:style>
-          <a:lnRef idx="2">
-            <a:schemeClr val="accent6"/>
-          </a:lnRef>
-          <a:fillRef idx="1">
-            <a:schemeClr val="lt1"/>
-          </a:fillRef>
-          <a:effectRef idx="0">
-            <a:schemeClr val="accent6"/>
-          </a:effectRef>
-          <a:fontRef idx="minor">
-            <a:schemeClr val="dk1"/>
-          </a:fontRef>
-        </p:style>
-        <p:txBody>
-          <a:bodyPr rtlCol="0" anchor="ctr"/>
-          <a:lstStyle/>
-          <a:p>
-            <a:pPr algn="ctr"/>
-            <a:endParaRPr kumimoji="1" lang="ja-JP" altLang="en-US"/>
-          </a:p>
-        </p:txBody>
-      </p:sp>
-    </p:spTree>
-    <p:extLst>
-      <p:ext uri="{BB962C8B-B14F-4D97-AF65-F5344CB8AC3E}">
-        <p14:creationId xmlns:p14="http://schemas.microsoft.com/office/powerpoint/2010/main" val="1324968619"/>
-      </p:ext>
-    </p:extLst>
-  </p:cSld>
-  <p:clrMapOvr>
-    <a:masterClrMapping/>
-  </p:clrMapOvr>
-</p:sld>
-</file>
-
-<file path=ppt/slides/slide15.xml><?xml version="1.0" encoding="utf-8"?>
-<p:sld xmlns:a="http://schemas.openxmlformats.org/drawingml/2006/main" xmlns:r="http://schemas.openxmlformats.org/officeDocument/2006/relationships" xmlns:p="http://schemas.openxmlformats.org/presentationml/2006/main">
-  <p:cSld>
-    <p:spTree>
-      <p:nvGrpSpPr>
-        <p:cNvPr id="1" name="">
-          <a:extLst>
-            <a:ext uri="{FF2B5EF4-FFF2-40B4-BE49-F238E27FC236}">
-              <a16:creationId xmlns:a16="http://schemas.microsoft.com/office/drawing/2014/main" id="{2D97E880-196D-D897-0322-27941AC96938}"/>
-            </a:ext>
-          </a:extLst>
-        </p:cNvPr>
-        <p:cNvGrpSpPr/>
-        <p:nvPr/>
-      </p:nvGrpSpPr>
-      <p:grpSpPr>
-        <a:xfrm>
-          <a:off x="0" y="0"/>
-          <a:ext cx="0" cy="0"/>
-          <a:chOff x="0" y="0"/>
-          <a:chExt cx="0" cy="0"/>
-        </a:xfrm>
-      </p:grpSpPr>
-      <p:sp>
-        <p:nvSpPr>
-          <p:cNvPr id="7" name="正方形/長方形 6">
-            <a:extLst>
-              <a:ext uri="{FF2B5EF4-FFF2-40B4-BE49-F238E27FC236}">
-                <a16:creationId xmlns:a16="http://schemas.microsoft.com/office/drawing/2014/main" id="{2F066264-D8EB-56F2-B4FD-795C53D4CFC6}"/>
-              </a:ext>
-            </a:extLst>
-          </p:cNvPr>
-          <p:cNvSpPr/>
-          <p:nvPr/>
-        </p:nvSpPr>
-        <p:spPr>
-          <a:xfrm>
-            <a:off x="0" y="0"/>
-            <a:ext cx="12192000" cy="6858000"/>
-          </a:xfrm>
-          <a:prstGeom prst="rect">
-            <a:avLst/>
-          </a:prstGeom>
-          <a:solidFill>
-            <a:srgbClr val="FFFFE0"/>
-          </a:solidFill>
-          <a:ln>
-            <a:noFill/>
-          </a:ln>
-        </p:spPr>
-        <p:style>
-          <a:lnRef idx="2">
-            <a:schemeClr val="accent1">
-              <a:shade val="15000"/>
-            </a:schemeClr>
-          </a:lnRef>
-          <a:fillRef idx="1">
-            <a:schemeClr val="accent1"/>
-          </a:fillRef>
-          <a:effectRef idx="0">
-            <a:schemeClr val="accent1"/>
-          </a:effectRef>
-          <a:fontRef idx="minor">
-            <a:schemeClr val="lt1"/>
-          </a:fontRef>
-        </p:style>
-        <p:txBody>
-          <a:bodyPr rtlCol="0" anchor="ctr"/>
-          <a:lstStyle/>
-          <a:p>
-            <a:pPr algn="ctr"/>
-            <a:endParaRPr kumimoji="1" lang="ja-JP" altLang="en-US"/>
-          </a:p>
-        </p:txBody>
-      </p:sp>
-      <p:sp>
-        <p:nvSpPr>
-          <p:cNvPr id="2" name="タイトル 1">
-            <a:extLst>
-              <a:ext uri="{FF2B5EF4-FFF2-40B4-BE49-F238E27FC236}">
-                <a16:creationId xmlns:a16="http://schemas.microsoft.com/office/drawing/2014/main" id="{DFA2C8C0-0539-1437-1636-953C0C2BBA57}"/>
-              </a:ext>
-            </a:extLst>
-          </p:cNvPr>
-          <p:cNvSpPr>
-            <a:spLocks noGrp="1"/>
-          </p:cNvSpPr>
-          <p:nvPr>
-            <p:ph type="title"/>
-          </p:nvPr>
-        </p:nvSpPr>
-        <p:spPr>
-          <a:xfrm>
-            <a:off x="2461847" y="375404"/>
-            <a:ext cx="7006340" cy="1207111"/>
-          </a:xfrm>
-        </p:spPr>
-        <p:txBody>
-          <a:bodyPr>
-            <a:normAutofit/>
-          </a:bodyPr>
-          <a:lstStyle/>
-          <a:p>
-            <a:r>
-              <a:rPr kumimoji="1" lang="en-US" altLang="ja-JP" sz="3600" b="1" dirty="0">
-                <a:latin typeface="BIZ UDPゴシック" panose="020B0400000000000000" pitchFamily="50" charset="-128"/>
-                <a:ea typeface="BIZ UDPゴシック" panose="020B0400000000000000" pitchFamily="50" charset="-128"/>
-              </a:rPr>
-              <a:t>Ⅸ</a:t>
-            </a:r>
-            <a:r>
-              <a:rPr lang="ja-JP" altLang="en-US" sz="3600" b="1" dirty="0">
-                <a:latin typeface="BIZ UDPゴシック" panose="020B0400000000000000" pitchFamily="50" charset="-128"/>
-                <a:ea typeface="BIZ UDPゴシック" panose="020B0400000000000000" pitchFamily="50" charset="-128"/>
-              </a:rPr>
-              <a:t>．</a:t>
-            </a:r>
-            <a:r>
-              <a:rPr kumimoji="1" lang="ja-JP" altLang="en-US" sz="3600" b="1" dirty="0">
-                <a:latin typeface="BIZ UDPゴシック" panose="020B0400000000000000" pitchFamily="50" charset="-128"/>
-                <a:ea typeface="BIZ UDPゴシック" panose="020B0400000000000000" pitchFamily="50" charset="-128"/>
-              </a:rPr>
-              <a:t>研修前・研修後で成長したこと</a:t>
-            </a:r>
-          </a:p>
-        </p:txBody>
-      </p:sp>
-      <p:sp>
-        <p:nvSpPr>
-          <p:cNvPr id="3" name="コンテンツ プレースホルダー 2">
-            <a:extLst>
-              <a:ext uri="{FF2B5EF4-FFF2-40B4-BE49-F238E27FC236}">
-                <a16:creationId xmlns:a16="http://schemas.microsoft.com/office/drawing/2014/main" id="{2DC59C8F-BCB1-BF06-76BE-6807C06E7358}"/>
-              </a:ext>
-            </a:extLst>
-          </p:cNvPr>
-          <p:cNvSpPr>
-            <a:spLocks noGrp="1"/>
-          </p:cNvSpPr>
-          <p:nvPr>
-            <p:ph idx="1"/>
-          </p:nvPr>
-        </p:nvSpPr>
-        <p:spPr>
-          <a:xfrm>
-            <a:off x="4844561" y="1960685"/>
-            <a:ext cx="6796453" cy="3789484"/>
-          </a:xfrm>
-        </p:spPr>
-        <p:txBody>
-          <a:bodyPr>
-            <a:normAutofit/>
-          </a:bodyPr>
-          <a:lstStyle/>
-          <a:p>
-            <a:pPr marL="0" indent="0">
-              <a:buNone/>
-            </a:pPr>
-            <a:r>
-              <a:rPr lang="ja-JP" altLang="en-US" sz="2000" dirty="0">
-                <a:latin typeface="BIZ UDPゴシック" panose="020B0400000000000000" pitchFamily="50" charset="-128"/>
-                <a:ea typeface="BIZ UDPゴシック" panose="020B0400000000000000" pitchFamily="50" charset="-128"/>
-              </a:rPr>
-              <a:t>名前：渡辺</a:t>
-            </a:r>
-          </a:p>
-          <a:p>
-            <a:endParaRPr lang="ja-JP" altLang="en-US" sz="2000" dirty="0">
-              <a:latin typeface="BIZ UDPゴシック" panose="020B0400000000000000" pitchFamily="50" charset="-128"/>
-              <a:ea typeface="BIZ UDPゴシック" panose="020B0400000000000000" pitchFamily="50" charset="-128"/>
-            </a:endParaRPr>
-          </a:p>
-          <a:p>
-            <a:pPr marL="0" indent="0">
-              <a:buNone/>
-            </a:pPr>
-            <a:r>
-              <a:rPr lang="ja-JP" altLang="en-US" sz="2000" dirty="0">
-                <a:latin typeface="BIZ UDPゴシック" panose="020B0400000000000000" pitchFamily="50" charset="-128"/>
-                <a:ea typeface="BIZ UDPゴシック" panose="020B0400000000000000" pitchFamily="50" charset="-128"/>
-              </a:rPr>
-              <a:t>役職：機能担当</a:t>
-            </a:r>
-          </a:p>
-          <a:p>
-            <a:pPr marL="0" indent="0">
-              <a:buNone/>
-            </a:pPr>
-            <a:endParaRPr lang="ja-JP" altLang="en-US" sz="2000" dirty="0">
-              <a:latin typeface="BIZ UDPゴシック" panose="020B0400000000000000" pitchFamily="50" charset="-128"/>
-              <a:ea typeface="BIZ UDPゴシック" panose="020B0400000000000000" pitchFamily="50" charset="-128"/>
-            </a:endParaRPr>
-          </a:p>
-          <a:p>
-            <a:pPr marL="0" indent="0">
-              <a:buNone/>
-            </a:pPr>
-            <a:r>
-              <a:rPr lang="ja-JP" altLang="en-US" sz="2000" dirty="0">
-                <a:latin typeface="BIZ UDPゴシック" panose="020B0400000000000000" pitchFamily="50" charset="-128"/>
-                <a:ea typeface="BIZ UDPゴシック" panose="020B0400000000000000" pitchFamily="50" charset="-128"/>
-              </a:rPr>
-              <a:t>担当箇所：タイムライン、コメント機能、日記詳細画面</a:t>
-            </a:r>
-          </a:p>
-          <a:p>
-            <a:endParaRPr lang="ja-JP" altLang="en-US" sz="2000" dirty="0">
-              <a:latin typeface="BIZ UDPゴシック" panose="020B0400000000000000" pitchFamily="50" charset="-128"/>
-              <a:ea typeface="BIZ UDPゴシック" panose="020B0400000000000000" pitchFamily="50" charset="-128"/>
-            </a:endParaRPr>
-          </a:p>
-          <a:p>
-            <a:pPr marL="0" indent="0">
-              <a:buNone/>
-            </a:pPr>
-            <a:r>
-              <a:rPr lang="ja-JP" altLang="en-US" sz="2000" dirty="0">
-                <a:latin typeface="BIZ UDPゴシック" panose="020B0400000000000000" pitchFamily="50" charset="-128"/>
-                <a:ea typeface="BIZ UDPゴシック" panose="020B0400000000000000" pitchFamily="50" charset="-128"/>
-              </a:rPr>
-              <a:t>研修前：</a:t>
-            </a:r>
-          </a:p>
-          <a:p>
-            <a:endParaRPr lang="ja-JP" altLang="en-US" sz="2000" dirty="0">
-              <a:latin typeface="BIZ UDPゴシック" panose="020B0400000000000000" pitchFamily="50" charset="-128"/>
-              <a:ea typeface="BIZ UDPゴシック" panose="020B0400000000000000" pitchFamily="50" charset="-128"/>
-            </a:endParaRPr>
-          </a:p>
-          <a:p>
-            <a:pPr marL="0" indent="0">
-              <a:buNone/>
-            </a:pPr>
-            <a:r>
-              <a:rPr lang="ja-JP" altLang="en-US" sz="2000" dirty="0">
-                <a:latin typeface="BIZ UDPゴシック" panose="020B0400000000000000" pitchFamily="50" charset="-128"/>
-                <a:ea typeface="BIZ UDPゴシック" panose="020B0400000000000000" pitchFamily="50" charset="-128"/>
-              </a:rPr>
-              <a:t>研修後：</a:t>
-            </a:r>
-          </a:p>
-          <a:p>
-            <a:pPr marL="0" indent="0">
-              <a:buNone/>
-            </a:pPr>
-            <a:endParaRPr kumimoji="1" lang="ja-JP" altLang="en-US" dirty="0"/>
-          </a:p>
-        </p:txBody>
-      </p:sp>
-      <p:sp>
-        <p:nvSpPr>
-          <p:cNvPr id="4" name="正方形/長方形 3">
-            <a:extLst>
-              <a:ext uri="{FF2B5EF4-FFF2-40B4-BE49-F238E27FC236}">
-                <a16:creationId xmlns:a16="http://schemas.microsoft.com/office/drawing/2014/main" id="{2AAACF0E-661B-9F99-F13F-83B5C2C67ABE}"/>
-              </a:ext>
-            </a:extLst>
-          </p:cNvPr>
-          <p:cNvSpPr/>
-          <p:nvPr/>
-        </p:nvSpPr>
-        <p:spPr>
-          <a:xfrm>
-            <a:off x="10057512" y="5874328"/>
-            <a:ext cx="2134488" cy="665018"/>
-          </a:xfrm>
-          <a:prstGeom prst="rect">
-            <a:avLst/>
-          </a:prstGeom>
-          <a:solidFill>
-            <a:srgbClr val="FFFFE0"/>
-          </a:solidFill>
-          <a:ln>
-            <a:noFill/>
-          </a:ln>
-        </p:spPr>
-        <p:style>
-          <a:lnRef idx="2">
-            <a:schemeClr val="accent6"/>
-          </a:lnRef>
-          <a:fillRef idx="1">
-            <a:schemeClr val="lt1"/>
-          </a:fillRef>
-          <a:effectRef idx="0">
-            <a:schemeClr val="accent6"/>
-          </a:effectRef>
-          <a:fontRef idx="minor">
-            <a:schemeClr val="dk1"/>
-          </a:fontRef>
-        </p:style>
-        <p:txBody>
-          <a:bodyPr rtlCol="0" anchor="ctr"/>
-          <a:lstStyle/>
-          <a:p>
-            <a:pPr algn="ctr"/>
-            <a:r>
-              <a:rPr kumimoji="1" lang="en-US" altLang="ja-JP" dirty="0">
-                <a:solidFill>
-                  <a:schemeClr val="bg1">
-                    <a:lumMod val="75000"/>
-                  </a:schemeClr>
-                </a:solidFill>
-              </a:rPr>
-              <a:t>2025.7.31</a:t>
-            </a:r>
-            <a:endParaRPr kumimoji="1" lang="ja-JP" altLang="en-US" dirty="0">
-              <a:solidFill>
-                <a:schemeClr val="bg1">
-                  <a:lumMod val="75000"/>
-                </a:schemeClr>
-              </a:solidFill>
-            </a:endParaRPr>
-          </a:p>
-        </p:txBody>
-      </p:sp>
-      <p:sp>
-        <p:nvSpPr>
-          <p:cNvPr id="5" name="楕円 4">
-            <a:extLst>
-              <a:ext uri="{FF2B5EF4-FFF2-40B4-BE49-F238E27FC236}">
-                <a16:creationId xmlns:a16="http://schemas.microsoft.com/office/drawing/2014/main" id="{8419991C-32C6-D04D-DA59-A5F1111E048E}"/>
-              </a:ext>
-            </a:extLst>
-          </p:cNvPr>
-          <p:cNvSpPr/>
-          <p:nvPr/>
-        </p:nvSpPr>
-        <p:spPr>
-          <a:xfrm>
-            <a:off x="2039576" y="1960685"/>
-            <a:ext cx="1221769" cy="1207111"/>
-          </a:xfrm>
-          <a:prstGeom prst="ellipse">
-            <a:avLst/>
-          </a:prstGeom>
-          <a:ln>
-            <a:solidFill>
-              <a:schemeClr val="tx1"/>
-            </a:solidFill>
-          </a:ln>
-        </p:spPr>
-        <p:style>
-          <a:lnRef idx="2">
-            <a:schemeClr val="accent6"/>
-          </a:lnRef>
-          <a:fillRef idx="1">
-            <a:schemeClr val="lt1"/>
-          </a:fillRef>
-          <a:effectRef idx="0">
-            <a:schemeClr val="accent6"/>
-          </a:effectRef>
-          <a:fontRef idx="minor">
-            <a:schemeClr val="dk1"/>
-          </a:fontRef>
-        </p:style>
-        <p:txBody>
-          <a:bodyPr rtlCol="0" anchor="ctr"/>
-          <a:lstStyle/>
-          <a:p>
-            <a:pPr algn="ctr"/>
-            <a:endParaRPr kumimoji="1" lang="ja-JP" altLang="en-US"/>
-          </a:p>
-        </p:txBody>
-      </p:sp>
-    </p:spTree>
-    <p:extLst>
-      <p:ext uri="{BB962C8B-B14F-4D97-AF65-F5344CB8AC3E}">
-        <p14:creationId xmlns:p14="http://schemas.microsoft.com/office/powerpoint/2010/main" val="784679119"/>
-      </p:ext>
-    </p:extLst>
-  </p:cSld>
-  <p:clrMapOvr>
-    <a:masterClrMapping/>
-  </p:clrMapOvr>
-</p:sld>
-</file>
-
-<file path=ppt/slides/slide16.xml><?xml version="1.0" encoding="utf-8"?>
-<p:sld xmlns:a="http://schemas.openxmlformats.org/drawingml/2006/main" xmlns:r="http://schemas.openxmlformats.org/officeDocument/2006/relationships" xmlns:p="http://schemas.openxmlformats.org/presentationml/2006/main">
-  <p:cSld>
-    <p:spTree>
-      <p:nvGrpSpPr>
-        <p:cNvPr id="1" name="">
-          <a:extLst>
-            <a:ext uri="{FF2B5EF4-FFF2-40B4-BE49-F238E27FC236}">
-              <a16:creationId xmlns:a16="http://schemas.microsoft.com/office/drawing/2014/main" id="{75DCF633-0BF9-35F9-D2C4-B79B76B69270}"/>
-            </a:ext>
-          </a:extLst>
-        </p:cNvPr>
-        <p:cNvGrpSpPr/>
-        <p:nvPr/>
-      </p:nvGrpSpPr>
-      <p:grpSpPr>
-        <a:xfrm>
-          <a:off x="0" y="0"/>
-          <a:ext cx="0" cy="0"/>
-          <a:chOff x="0" y="0"/>
-          <a:chExt cx="0" cy="0"/>
-        </a:xfrm>
-      </p:grpSpPr>
-      <p:sp>
-        <p:nvSpPr>
-          <p:cNvPr id="7" name="正方形/長方形 6">
-            <a:extLst>
-              <a:ext uri="{FF2B5EF4-FFF2-40B4-BE49-F238E27FC236}">
-                <a16:creationId xmlns:a16="http://schemas.microsoft.com/office/drawing/2014/main" id="{8FE6ED34-8BCC-ACFB-3185-4E49C4111CBB}"/>
-              </a:ext>
-            </a:extLst>
-          </p:cNvPr>
-          <p:cNvSpPr/>
-          <p:nvPr/>
-        </p:nvSpPr>
-        <p:spPr>
-          <a:xfrm>
-            <a:off x="0" y="0"/>
-            <a:ext cx="12192000" cy="6858000"/>
-          </a:xfrm>
-          <a:prstGeom prst="rect">
-            <a:avLst/>
-          </a:prstGeom>
-          <a:solidFill>
-            <a:srgbClr val="FFFFE0"/>
-          </a:solidFill>
-          <a:ln>
-            <a:noFill/>
-          </a:ln>
-        </p:spPr>
-        <p:style>
-          <a:lnRef idx="2">
-            <a:schemeClr val="accent1">
-              <a:shade val="15000"/>
-            </a:schemeClr>
-          </a:lnRef>
-          <a:fillRef idx="1">
-            <a:schemeClr val="accent1"/>
-          </a:fillRef>
-          <a:effectRef idx="0">
-            <a:schemeClr val="accent1"/>
-          </a:effectRef>
-          <a:fontRef idx="minor">
-            <a:schemeClr val="lt1"/>
-          </a:fontRef>
-        </p:style>
-        <p:txBody>
-          <a:bodyPr rtlCol="0" anchor="ctr"/>
-          <a:lstStyle/>
-          <a:p>
-            <a:pPr algn="ctr"/>
-            <a:endParaRPr kumimoji="1" lang="ja-JP" altLang="en-US"/>
-          </a:p>
-        </p:txBody>
-      </p:sp>
-      <p:sp>
-        <p:nvSpPr>
-          <p:cNvPr id="2" name="タイトル 1">
-            <a:extLst>
-              <a:ext uri="{FF2B5EF4-FFF2-40B4-BE49-F238E27FC236}">
-                <a16:creationId xmlns:a16="http://schemas.microsoft.com/office/drawing/2014/main" id="{65BD52FA-521A-5BE7-BC3E-43D198788ECE}"/>
-              </a:ext>
-            </a:extLst>
-          </p:cNvPr>
-          <p:cNvSpPr>
-            <a:spLocks noGrp="1"/>
-          </p:cNvSpPr>
-          <p:nvPr>
-            <p:ph type="title"/>
-          </p:nvPr>
-        </p:nvSpPr>
-        <p:spPr>
-          <a:xfrm>
-            <a:off x="2461847" y="375404"/>
-            <a:ext cx="7006340" cy="1207111"/>
-          </a:xfrm>
-        </p:spPr>
-        <p:txBody>
-          <a:bodyPr>
-            <a:normAutofit/>
-          </a:bodyPr>
-          <a:lstStyle/>
-          <a:p>
-            <a:r>
-              <a:rPr kumimoji="1" lang="en-US" altLang="ja-JP" sz="3600" b="1" dirty="0">
-                <a:latin typeface="BIZ UDPゴシック" panose="020B0400000000000000" pitchFamily="50" charset="-128"/>
-                <a:ea typeface="BIZ UDPゴシック" panose="020B0400000000000000" pitchFamily="50" charset="-128"/>
-              </a:rPr>
-              <a:t>Ⅸ</a:t>
-            </a:r>
-            <a:r>
-              <a:rPr lang="ja-JP" altLang="en-US" sz="3600" b="1" dirty="0">
-                <a:latin typeface="BIZ UDPゴシック" panose="020B0400000000000000" pitchFamily="50" charset="-128"/>
-                <a:ea typeface="BIZ UDPゴシック" panose="020B0400000000000000" pitchFamily="50" charset="-128"/>
-              </a:rPr>
-              <a:t>．</a:t>
-            </a:r>
-            <a:r>
-              <a:rPr kumimoji="1" lang="ja-JP" altLang="en-US" sz="3600" b="1" dirty="0">
-                <a:latin typeface="BIZ UDPゴシック" panose="020B0400000000000000" pitchFamily="50" charset="-128"/>
-                <a:ea typeface="BIZ UDPゴシック" panose="020B0400000000000000" pitchFamily="50" charset="-128"/>
-              </a:rPr>
-              <a:t>研修前・研修後で成長したこと</a:t>
-            </a:r>
-          </a:p>
-        </p:txBody>
-      </p:sp>
-      <p:sp>
-        <p:nvSpPr>
-          <p:cNvPr id="3" name="コンテンツ プレースホルダー 2">
-            <a:extLst>
-              <a:ext uri="{FF2B5EF4-FFF2-40B4-BE49-F238E27FC236}">
-                <a16:creationId xmlns:a16="http://schemas.microsoft.com/office/drawing/2014/main" id="{D97FB519-BCDD-DBBD-F654-1F94ECFC1C50}"/>
-              </a:ext>
-            </a:extLst>
-          </p:cNvPr>
-          <p:cNvSpPr>
-            <a:spLocks noGrp="1"/>
-          </p:cNvSpPr>
-          <p:nvPr>
-            <p:ph idx="1"/>
-          </p:nvPr>
-        </p:nvSpPr>
-        <p:spPr>
-          <a:xfrm>
-            <a:off x="4844561" y="1960685"/>
-            <a:ext cx="6796453" cy="3789484"/>
-          </a:xfrm>
-        </p:spPr>
-        <p:txBody>
-          <a:bodyPr>
-            <a:normAutofit/>
-          </a:bodyPr>
-          <a:lstStyle/>
-          <a:p>
-            <a:pPr marL="0" indent="0">
-              <a:buNone/>
-            </a:pPr>
-            <a:r>
-              <a:rPr lang="ja-JP" altLang="en-US" sz="2000" dirty="0">
-                <a:latin typeface="BIZ UDPゴシック" panose="020B0400000000000000" pitchFamily="50" charset="-128"/>
-                <a:ea typeface="BIZ UDPゴシック" panose="020B0400000000000000" pitchFamily="50" charset="-128"/>
-              </a:rPr>
-              <a:t>名前：ウィン</a:t>
-            </a:r>
-          </a:p>
-          <a:p>
-            <a:endParaRPr lang="ja-JP" altLang="en-US" sz="2000" dirty="0">
-              <a:latin typeface="BIZ UDPゴシック" panose="020B0400000000000000" pitchFamily="50" charset="-128"/>
-              <a:ea typeface="BIZ UDPゴシック" panose="020B0400000000000000" pitchFamily="50" charset="-128"/>
-            </a:endParaRPr>
-          </a:p>
-          <a:p>
-            <a:pPr marL="0" indent="0">
-              <a:buNone/>
-            </a:pPr>
-            <a:r>
-              <a:rPr lang="ja-JP" altLang="en-US" sz="2000" dirty="0">
-                <a:latin typeface="BIZ UDPゴシック" panose="020B0400000000000000" pitchFamily="50" charset="-128"/>
-                <a:ea typeface="BIZ UDPゴシック" panose="020B0400000000000000" pitchFamily="50" charset="-128"/>
-              </a:rPr>
-              <a:t>役職：機能担当</a:t>
-            </a:r>
-          </a:p>
-          <a:p>
-            <a:pPr marL="0" indent="0">
-              <a:buNone/>
-            </a:pPr>
-            <a:endParaRPr lang="ja-JP" altLang="en-US" sz="2000" dirty="0">
-              <a:latin typeface="BIZ UDPゴシック" panose="020B0400000000000000" pitchFamily="50" charset="-128"/>
-              <a:ea typeface="BIZ UDPゴシック" panose="020B0400000000000000" pitchFamily="50" charset="-128"/>
-            </a:endParaRPr>
-          </a:p>
-          <a:p>
-            <a:pPr marL="0" indent="0">
-              <a:buNone/>
-            </a:pPr>
-            <a:r>
-              <a:rPr lang="ja-JP" altLang="en-US" sz="2000" dirty="0">
-                <a:latin typeface="BIZ UDPゴシック" panose="020B0400000000000000" pitchFamily="50" charset="-128"/>
-                <a:ea typeface="BIZ UDPゴシック" panose="020B0400000000000000" pitchFamily="50" charset="-128"/>
-              </a:rPr>
-              <a:t>担当箇所：日記登録画面、リアクション機能、投稿機能</a:t>
-            </a:r>
-          </a:p>
-          <a:p>
-            <a:endParaRPr lang="ja-JP" altLang="en-US" sz="2000" dirty="0">
-              <a:latin typeface="BIZ UDPゴシック" panose="020B0400000000000000" pitchFamily="50" charset="-128"/>
-              <a:ea typeface="BIZ UDPゴシック" panose="020B0400000000000000" pitchFamily="50" charset="-128"/>
-            </a:endParaRPr>
-          </a:p>
-          <a:p>
-            <a:pPr marL="0" indent="0">
-              <a:buNone/>
-            </a:pPr>
-            <a:r>
-              <a:rPr lang="ja-JP" altLang="en-US" sz="2000" dirty="0">
-                <a:latin typeface="BIZ UDPゴシック" panose="020B0400000000000000" pitchFamily="50" charset="-128"/>
-                <a:ea typeface="BIZ UDPゴシック" panose="020B0400000000000000" pitchFamily="50" charset="-128"/>
-              </a:rPr>
-              <a:t>研修前：</a:t>
-            </a:r>
-          </a:p>
-          <a:p>
-            <a:endParaRPr lang="ja-JP" altLang="en-US" sz="2000" dirty="0">
-              <a:latin typeface="BIZ UDPゴシック" panose="020B0400000000000000" pitchFamily="50" charset="-128"/>
-              <a:ea typeface="BIZ UDPゴシック" panose="020B0400000000000000" pitchFamily="50" charset="-128"/>
-            </a:endParaRPr>
-          </a:p>
-          <a:p>
-            <a:pPr marL="0" indent="0">
-              <a:buNone/>
-            </a:pPr>
-            <a:r>
-              <a:rPr lang="ja-JP" altLang="en-US" sz="2000" dirty="0">
-                <a:latin typeface="BIZ UDPゴシック" panose="020B0400000000000000" pitchFamily="50" charset="-128"/>
-                <a:ea typeface="BIZ UDPゴシック" panose="020B0400000000000000" pitchFamily="50" charset="-128"/>
-              </a:rPr>
-              <a:t>研修後：</a:t>
-            </a:r>
-          </a:p>
-          <a:p>
-            <a:endParaRPr kumimoji="1" lang="ja-JP" altLang="en-US" dirty="0"/>
-          </a:p>
-        </p:txBody>
-      </p:sp>
-      <p:sp>
-        <p:nvSpPr>
-          <p:cNvPr id="4" name="正方形/長方形 3">
-            <a:extLst>
-              <a:ext uri="{FF2B5EF4-FFF2-40B4-BE49-F238E27FC236}">
-                <a16:creationId xmlns:a16="http://schemas.microsoft.com/office/drawing/2014/main" id="{B91014D7-4D8A-1AEE-BE31-C7580140E5A3}"/>
-              </a:ext>
-            </a:extLst>
-          </p:cNvPr>
-          <p:cNvSpPr/>
-          <p:nvPr/>
-        </p:nvSpPr>
-        <p:spPr>
-          <a:xfrm>
-            <a:off x="10057512" y="5874328"/>
-            <a:ext cx="2134488" cy="665018"/>
-          </a:xfrm>
-          <a:prstGeom prst="rect">
-            <a:avLst/>
-          </a:prstGeom>
-          <a:solidFill>
-            <a:srgbClr val="FFFFE0"/>
-          </a:solidFill>
-          <a:ln>
-            <a:noFill/>
-          </a:ln>
-        </p:spPr>
-        <p:style>
-          <a:lnRef idx="2">
-            <a:schemeClr val="accent6"/>
-          </a:lnRef>
-          <a:fillRef idx="1">
-            <a:schemeClr val="lt1"/>
-          </a:fillRef>
-          <a:effectRef idx="0">
-            <a:schemeClr val="accent6"/>
-          </a:effectRef>
-          <a:fontRef idx="minor">
-            <a:schemeClr val="dk1"/>
-          </a:fontRef>
-        </p:style>
-        <p:txBody>
-          <a:bodyPr rtlCol="0" anchor="ctr"/>
-          <a:lstStyle/>
-          <a:p>
-            <a:pPr algn="ctr"/>
-            <a:r>
-              <a:rPr kumimoji="1" lang="en-US" altLang="ja-JP" dirty="0">
-                <a:solidFill>
-                  <a:schemeClr val="bg1">
-                    <a:lumMod val="75000"/>
-                  </a:schemeClr>
-                </a:solidFill>
-              </a:rPr>
-              <a:t>2025.7.31</a:t>
-            </a:r>
-            <a:endParaRPr kumimoji="1" lang="ja-JP" altLang="en-US" dirty="0">
-              <a:solidFill>
-                <a:schemeClr val="bg1">
-                  <a:lumMod val="75000"/>
-                </a:schemeClr>
-              </a:solidFill>
-            </a:endParaRPr>
-          </a:p>
-        </p:txBody>
-      </p:sp>
-      <p:sp>
-        <p:nvSpPr>
-          <p:cNvPr id="5" name="楕円 4">
-            <a:extLst>
-              <a:ext uri="{FF2B5EF4-FFF2-40B4-BE49-F238E27FC236}">
-                <a16:creationId xmlns:a16="http://schemas.microsoft.com/office/drawing/2014/main" id="{DF47B5FA-BB14-5048-D825-17C453B09259}"/>
-              </a:ext>
-            </a:extLst>
-          </p:cNvPr>
-          <p:cNvSpPr/>
-          <p:nvPr/>
-        </p:nvSpPr>
-        <p:spPr>
-          <a:xfrm>
-            <a:off x="2039576" y="1960685"/>
-            <a:ext cx="1221769" cy="1207111"/>
-          </a:xfrm>
-          <a:prstGeom prst="ellipse">
-            <a:avLst/>
-          </a:prstGeom>
-          <a:ln>
-            <a:solidFill>
-              <a:schemeClr val="tx1"/>
-            </a:solidFill>
-          </a:ln>
-        </p:spPr>
-        <p:style>
-          <a:lnRef idx="2">
-            <a:schemeClr val="accent6"/>
-          </a:lnRef>
-          <a:fillRef idx="1">
-            <a:schemeClr val="lt1"/>
-          </a:fillRef>
-          <a:effectRef idx="0">
-            <a:schemeClr val="accent6"/>
-          </a:effectRef>
-          <a:fontRef idx="minor">
-            <a:schemeClr val="dk1"/>
-          </a:fontRef>
-        </p:style>
-        <p:txBody>
-          <a:bodyPr rtlCol="0" anchor="ctr"/>
-          <a:lstStyle/>
-          <a:p>
-            <a:pPr algn="ctr"/>
-            <a:endParaRPr kumimoji="1" lang="ja-JP" altLang="en-US"/>
-          </a:p>
-        </p:txBody>
-      </p:sp>
-    </p:spTree>
-    <p:extLst>
-      <p:ext uri="{BB962C8B-B14F-4D97-AF65-F5344CB8AC3E}">
-        <p14:creationId xmlns:p14="http://schemas.microsoft.com/office/powerpoint/2010/main" val="326516702"/>
-      </p:ext>
-    </p:extLst>
-  </p:cSld>
-  <p:clrMapOvr>
-    <a:masterClrMapping/>
-  </p:clrMapOvr>
-</p:sld>
-</file>
-
-<file path=ppt/slides/slide17.xml><?xml version="1.0" encoding="utf-8"?>
-<p:sld xmlns:a="http://schemas.openxmlformats.org/drawingml/2006/main" xmlns:r="http://schemas.openxmlformats.org/officeDocument/2006/relationships" xmlns:p="http://schemas.openxmlformats.org/presentationml/2006/main">
-  <p:cSld>
-    <p:spTree>
-      <p:nvGrpSpPr>
-        <p:cNvPr id="1" name="">
-          <a:extLst>
-            <a:ext uri="{FF2B5EF4-FFF2-40B4-BE49-F238E27FC236}">
-              <a16:creationId xmlns:a16="http://schemas.microsoft.com/office/drawing/2014/main" id="{85626C81-84CA-0888-7879-12B69E761761}"/>
-            </a:ext>
-          </a:extLst>
-        </p:cNvPr>
-        <p:cNvGrpSpPr/>
-        <p:nvPr/>
-      </p:nvGrpSpPr>
-      <p:grpSpPr>
-        <a:xfrm>
-          <a:off x="0" y="0"/>
-          <a:ext cx="0" cy="0"/>
-          <a:chOff x="0" y="0"/>
-          <a:chExt cx="0" cy="0"/>
-        </a:xfrm>
-      </p:grpSpPr>
-      <p:sp>
-        <p:nvSpPr>
-          <p:cNvPr id="3" name="正方形/長方形 2">
-            <a:extLst>
-              <a:ext uri="{FF2B5EF4-FFF2-40B4-BE49-F238E27FC236}">
-                <a16:creationId xmlns:a16="http://schemas.microsoft.com/office/drawing/2014/main" id="{F9306798-2B9B-C90E-F7D4-3A00E9E5A4FA}"/>
-              </a:ext>
-            </a:extLst>
-          </p:cNvPr>
-          <p:cNvSpPr/>
-          <p:nvPr/>
-        </p:nvSpPr>
-        <p:spPr>
-          <a:xfrm>
-            <a:off x="-70338" y="0"/>
-            <a:ext cx="12192000" cy="6858000"/>
-          </a:xfrm>
-          <a:prstGeom prst="rect">
-            <a:avLst/>
-          </a:prstGeom>
-          <a:solidFill>
-            <a:srgbClr val="FFFFE0"/>
-          </a:solidFill>
-          <a:ln>
-            <a:noFill/>
-          </a:ln>
-        </p:spPr>
-        <p:style>
-          <a:lnRef idx="2">
-            <a:schemeClr val="accent1">
-              <a:shade val="15000"/>
-            </a:schemeClr>
-          </a:lnRef>
-          <a:fillRef idx="1">
-            <a:schemeClr val="accent1"/>
-          </a:fillRef>
-          <a:effectRef idx="0">
-            <a:schemeClr val="accent1"/>
-          </a:effectRef>
-          <a:fontRef idx="minor">
-            <a:schemeClr val="lt1"/>
-          </a:fontRef>
-        </p:style>
-        <p:txBody>
-          <a:bodyPr rtlCol="0" anchor="ctr"/>
-          <a:lstStyle/>
-          <a:p>
-            <a:pPr algn="ctr"/>
-            <a:endParaRPr kumimoji="1" lang="ja-JP" altLang="en-US"/>
-          </a:p>
-        </p:txBody>
-      </p:sp>
-      <p:sp>
-        <p:nvSpPr>
-          <p:cNvPr id="2" name="タイトル 1">
-            <a:extLst>
-              <a:ext uri="{FF2B5EF4-FFF2-40B4-BE49-F238E27FC236}">
-                <a16:creationId xmlns:a16="http://schemas.microsoft.com/office/drawing/2014/main" id="{13FDBD43-FD0C-7270-A59C-E145168691B0}"/>
-              </a:ext>
-            </a:extLst>
-          </p:cNvPr>
-          <p:cNvSpPr>
-            <a:spLocks noGrp="1"/>
-          </p:cNvSpPr>
-          <p:nvPr>
-            <p:ph type="title"/>
-          </p:nvPr>
-        </p:nvSpPr>
-        <p:spPr>
-          <a:xfrm>
-            <a:off x="5471391" y="753918"/>
-            <a:ext cx="1249218" cy="1062614"/>
-          </a:xfrm>
-        </p:spPr>
-        <p:txBody>
-          <a:bodyPr>
-            <a:normAutofit/>
-          </a:bodyPr>
-          <a:lstStyle/>
-          <a:p>
-            <a:r>
-              <a:rPr kumimoji="1" lang="ja-JP" altLang="en-US" sz="3600" b="1" dirty="0">
-                <a:latin typeface="BIZ UDPゴシック" panose="020B0400000000000000" pitchFamily="50" charset="-128"/>
-                <a:ea typeface="BIZ UDPゴシック" panose="020B0400000000000000" pitchFamily="50" charset="-128"/>
-              </a:rPr>
-              <a:t>謝辞</a:t>
-            </a:r>
-          </a:p>
-        </p:txBody>
-      </p:sp>
-      <p:sp>
-        <p:nvSpPr>
-          <p:cNvPr id="4" name="正方形/長方形 3">
-            <a:extLst>
-              <a:ext uri="{FF2B5EF4-FFF2-40B4-BE49-F238E27FC236}">
-                <a16:creationId xmlns:a16="http://schemas.microsoft.com/office/drawing/2014/main" id="{5AB19DC7-029E-6BDB-0DCF-07597F6F79CF}"/>
-              </a:ext>
-            </a:extLst>
-          </p:cNvPr>
-          <p:cNvSpPr/>
-          <p:nvPr/>
-        </p:nvSpPr>
-        <p:spPr>
-          <a:xfrm>
-            <a:off x="10057512" y="5874328"/>
-            <a:ext cx="2134488" cy="665018"/>
-          </a:xfrm>
-          <a:prstGeom prst="rect">
-            <a:avLst/>
-          </a:prstGeom>
-          <a:solidFill>
-            <a:srgbClr val="FFFFE0"/>
-          </a:solidFill>
-          <a:ln>
-            <a:noFill/>
-          </a:ln>
-        </p:spPr>
-        <p:style>
-          <a:lnRef idx="2">
-            <a:schemeClr val="accent6"/>
-          </a:lnRef>
-          <a:fillRef idx="1">
-            <a:schemeClr val="lt1"/>
-          </a:fillRef>
-          <a:effectRef idx="0">
-            <a:schemeClr val="accent6"/>
-          </a:effectRef>
-          <a:fontRef idx="minor">
-            <a:schemeClr val="dk1"/>
-          </a:fontRef>
-        </p:style>
-        <p:txBody>
-          <a:bodyPr rtlCol="0" anchor="ctr"/>
-          <a:lstStyle/>
-          <a:p>
-            <a:pPr algn="ctr"/>
-            <a:r>
-              <a:rPr kumimoji="1" lang="en-US" altLang="ja-JP" dirty="0">
-                <a:solidFill>
-                  <a:schemeClr val="bg1">
-                    <a:lumMod val="75000"/>
-                  </a:schemeClr>
-                </a:solidFill>
-              </a:rPr>
-              <a:t>2025.7.31</a:t>
-            </a:r>
-            <a:endParaRPr kumimoji="1" lang="ja-JP" altLang="en-US" dirty="0">
-              <a:solidFill>
-                <a:schemeClr val="bg1">
-                  <a:lumMod val="75000"/>
-                </a:schemeClr>
-              </a:solidFill>
-            </a:endParaRPr>
-          </a:p>
-        </p:txBody>
-      </p:sp>
-      <p:sp>
-        <p:nvSpPr>
-          <p:cNvPr id="7" name="正方形/長方形 6">
-            <a:extLst>
-              <a:ext uri="{FF2B5EF4-FFF2-40B4-BE49-F238E27FC236}">
-                <a16:creationId xmlns:a16="http://schemas.microsoft.com/office/drawing/2014/main" id="{0FFAEF7A-E5C0-A4C9-4664-82F867DBAAD6}"/>
-              </a:ext>
-            </a:extLst>
-          </p:cNvPr>
-          <p:cNvSpPr/>
-          <p:nvPr/>
-        </p:nvSpPr>
-        <p:spPr>
-          <a:xfrm>
-            <a:off x="2674420" y="2253774"/>
-            <a:ext cx="7582424" cy="2350451"/>
-          </a:xfrm>
-          <a:prstGeom prst="rect">
-            <a:avLst/>
-          </a:prstGeom>
-          <a:noFill/>
-          <a:ln>
-            <a:noFill/>
-          </a:ln>
-        </p:spPr>
-        <p:style>
-          <a:lnRef idx="2">
-            <a:schemeClr val="accent1">
-              <a:shade val="15000"/>
-            </a:schemeClr>
-          </a:lnRef>
-          <a:fillRef idx="1">
-            <a:schemeClr val="accent1"/>
-          </a:fillRef>
-          <a:effectRef idx="0">
-            <a:schemeClr val="accent1"/>
-          </a:effectRef>
-          <a:fontRef idx="minor">
-            <a:schemeClr val="lt1"/>
-          </a:fontRef>
-        </p:style>
-        <p:txBody>
-          <a:bodyPr rtlCol="0" anchor="ctr"/>
-          <a:lstStyle/>
-          <a:p>
-            <a:r>
-              <a:rPr lang="ja-JP" altLang="en-US" sz="2200" b="1" i="0" dirty="0">
-                <a:solidFill>
-                  <a:schemeClr val="bg2">
-                    <a:lumMod val="25000"/>
-                  </a:schemeClr>
-                </a:solidFill>
-                <a:effectLst/>
-                <a:latin typeface="BIZ UDPゴシック" panose="020B0400000000000000" pitchFamily="50" charset="-128"/>
-                <a:ea typeface="BIZ UDPゴシック" panose="020B0400000000000000" pitchFamily="50" charset="-128"/>
-              </a:rPr>
-              <a:t>研修講師の皆様、ならびに研修事務局の皆様</a:t>
-            </a:r>
-            <a:endParaRPr lang="en-US" altLang="ja-JP" sz="2200" b="1" i="0" dirty="0">
-              <a:solidFill>
-                <a:schemeClr val="bg2">
-                  <a:lumMod val="25000"/>
-                </a:schemeClr>
-              </a:solidFill>
-              <a:effectLst/>
-              <a:latin typeface="BIZ UDPゴシック" panose="020B0400000000000000" pitchFamily="50" charset="-128"/>
-              <a:ea typeface="BIZ UDPゴシック" panose="020B0400000000000000" pitchFamily="50" charset="-128"/>
-            </a:endParaRPr>
-          </a:p>
-          <a:p>
-            <a:br>
-              <a:rPr lang="ja-JP" altLang="en-US" sz="2200" b="1" dirty="0">
-                <a:solidFill>
-                  <a:schemeClr val="bg2">
-                    <a:lumMod val="25000"/>
-                  </a:schemeClr>
-                </a:solidFill>
-                <a:latin typeface="BIZ UDPゴシック" panose="020B0400000000000000" pitchFamily="50" charset="-128"/>
-                <a:ea typeface="BIZ UDPゴシック" panose="020B0400000000000000" pitchFamily="50" charset="-128"/>
-              </a:rPr>
-            </a:br>
-            <a:r>
-              <a:rPr lang="ja-JP" altLang="en-US" sz="2200" b="1" i="0" dirty="0">
-                <a:solidFill>
-                  <a:schemeClr val="bg2">
-                    <a:lumMod val="25000"/>
-                  </a:schemeClr>
-                </a:solidFill>
-                <a:effectLst/>
-                <a:latin typeface="BIZ UDPゴシック" panose="020B0400000000000000" pitchFamily="50" charset="-128"/>
-                <a:ea typeface="BIZ UDPゴシック" panose="020B0400000000000000" pitchFamily="50" charset="-128"/>
-              </a:rPr>
-              <a:t>一緒に学習してくれたクラスの仲間たち</a:t>
-            </a:r>
-            <a:endParaRPr lang="en-US" altLang="ja-JP" sz="2200" b="1" i="0" dirty="0">
-              <a:solidFill>
-                <a:schemeClr val="bg2">
-                  <a:lumMod val="25000"/>
-                </a:schemeClr>
-              </a:solidFill>
-              <a:effectLst/>
-              <a:latin typeface="BIZ UDPゴシック" panose="020B0400000000000000" pitchFamily="50" charset="-128"/>
-              <a:ea typeface="BIZ UDPゴシック" panose="020B0400000000000000" pitchFamily="50" charset="-128"/>
-            </a:endParaRPr>
-          </a:p>
-          <a:p>
-            <a:br>
-              <a:rPr lang="ja-JP" altLang="en-US" sz="2200" b="1" dirty="0">
-                <a:solidFill>
-                  <a:schemeClr val="bg2">
-                    <a:lumMod val="25000"/>
-                  </a:schemeClr>
-                </a:solidFill>
-                <a:latin typeface="BIZ UDPゴシック" panose="020B0400000000000000" pitchFamily="50" charset="-128"/>
-                <a:ea typeface="BIZ UDPゴシック" panose="020B0400000000000000" pitchFamily="50" charset="-128"/>
-              </a:rPr>
-            </a:br>
-            <a:r>
-              <a:rPr lang="ja-JP" altLang="en-US" sz="2200" b="1" i="0" dirty="0">
-                <a:solidFill>
-                  <a:schemeClr val="bg2">
-                    <a:lumMod val="25000"/>
-                  </a:schemeClr>
-                </a:solidFill>
-                <a:effectLst/>
-                <a:latin typeface="BIZ UDPゴシック" panose="020B0400000000000000" pitchFamily="50" charset="-128"/>
-                <a:ea typeface="BIZ UDPゴシック" panose="020B0400000000000000" pitchFamily="50" charset="-128"/>
-              </a:rPr>
-              <a:t>研修に参加させてくれた</a:t>
-            </a:r>
-            <a:r>
-              <a:rPr lang="ja-JP" altLang="en-US" sz="2200" b="1" dirty="0">
-                <a:solidFill>
-                  <a:schemeClr val="bg2">
-                    <a:lumMod val="25000"/>
-                  </a:schemeClr>
-                </a:solidFill>
-                <a:latin typeface="BIZ UDPゴシック" panose="020B0400000000000000" pitchFamily="50" charset="-128"/>
-                <a:ea typeface="BIZ UDPゴシック" panose="020B0400000000000000" pitchFamily="50" charset="-128"/>
-              </a:rPr>
-              <a:t>企業</a:t>
-            </a:r>
-            <a:r>
-              <a:rPr lang="ja-JP" altLang="en-US" sz="2200" b="1" i="0" dirty="0">
-                <a:solidFill>
-                  <a:schemeClr val="bg2">
-                    <a:lumMod val="25000"/>
-                  </a:schemeClr>
-                </a:solidFill>
-                <a:effectLst/>
-                <a:latin typeface="BIZ UDPゴシック" panose="020B0400000000000000" pitchFamily="50" charset="-128"/>
-                <a:ea typeface="BIZ UDPゴシック" panose="020B0400000000000000" pitchFamily="50" charset="-128"/>
-              </a:rPr>
-              <a:t>の皆様に御礼申し上げます。</a:t>
-            </a:r>
-            <a:endParaRPr kumimoji="1" lang="ja-JP" altLang="en-US" sz="2200" b="1" dirty="0">
-              <a:solidFill>
-                <a:schemeClr val="bg2">
-                  <a:lumMod val="25000"/>
-                </a:schemeClr>
-              </a:solidFill>
-              <a:latin typeface="BIZ UDPゴシック" panose="020B0400000000000000" pitchFamily="50" charset="-128"/>
-              <a:ea typeface="BIZ UDPゴシック" panose="020B0400000000000000" pitchFamily="50" charset="-128"/>
-            </a:endParaRPr>
-          </a:p>
-        </p:txBody>
-      </p:sp>
-    </p:spTree>
-    <p:extLst>
-      <p:ext uri="{BB962C8B-B14F-4D97-AF65-F5344CB8AC3E}">
-        <p14:creationId xmlns:p14="http://schemas.microsoft.com/office/powerpoint/2010/main" val="1761700708"/>
-      </p:ext>
-    </p:extLst>
-  </p:cSld>
-  <p:clrMapOvr>
-    <a:masterClrMapping/>
-  </p:clrMapOvr>
-</p:sld>
-</file>
-
-<file path=ppt/slides/slide18.xml><?xml version="1.0" encoding="utf-8"?>
-<p:sld xmlns:a="http://schemas.openxmlformats.org/drawingml/2006/main" xmlns:r="http://schemas.openxmlformats.org/officeDocument/2006/relationships" xmlns:p="http://schemas.openxmlformats.org/presentationml/2006/main">
-  <p:cSld>
-    <p:spTree>
-      <p:nvGrpSpPr>
-        <p:cNvPr id="1" name="">
-          <a:extLst>
-            <a:ext uri="{FF2B5EF4-FFF2-40B4-BE49-F238E27FC236}">
-              <a16:creationId xmlns:a16="http://schemas.microsoft.com/office/drawing/2014/main" id="{BE910F90-0610-0FF8-5063-CB0471949DBD}"/>
-            </a:ext>
-          </a:extLst>
-        </p:cNvPr>
-        <p:cNvGrpSpPr/>
-        <p:nvPr/>
-      </p:nvGrpSpPr>
-      <p:grpSpPr>
-        <a:xfrm>
-          <a:off x="0" y="0"/>
-          <a:ext cx="0" cy="0"/>
-          <a:chOff x="0" y="0"/>
-          <a:chExt cx="0" cy="0"/>
-        </a:xfrm>
-      </p:grpSpPr>
-      <p:sp>
-        <p:nvSpPr>
-          <p:cNvPr id="2" name="正方形/長方形 1">
-            <a:extLst>
-              <a:ext uri="{FF2B5EF4-FFF2-40B4-BE49-F238E27FC236}">
-                <a16:creationId xmlns:a16="http://schemas.microsoft.com/office/drawing/2014/main" id="{4893F8C4-0C39-137F-64F7-34E9F62F5E00}"/>
-              </a:ext>
-            </a:extLst>
-          </p:cNvPr>
-          <p:cNvSpPr/>
-          <p:nvPr/>
-        </p:nvSpPr>
-        <p:spPr>
-          <a:xfrm>
-            <a:off x="0" y="0"/>
-            <a:ext cx="12192000" cy="6858000"/>
-          </a:xfrm>
-          <a:prstGeom prst="rect">
-            <a:avLst/>
-          </a:prstGeom>
-          <a:solidFill>
-            <a:srgbClr val="FFFFE0"/>
-          </a:solidFill>
-          <a:ln>
-            <a:noFill/>
-          </a:ln>
-        </p:spPr>
-        <p:style>
-          <a:lnRef idx="2">
-            <a:schemeClr val="accent1">
-              <a:shade val="15000"/>
-            </a:schemeClr>
-          </a:lnRef>
-          <a:fillRef idx="1">
-            <a:schemeClr val="accent1"/>
-          </a:fillRef>
-          <a:effectRef idx="0">
-            <a:schemeClr val="accent1"/>
-          </a:effectRef>
-          <a:fontRef idx="minor">
-            <a:schemeClr val="lt1"/>
-          </a:fontRef>
-        </p:style>
-        <p:txBody>
-          <a:bodyPr rtlCol="0" anchor="ctr"/>
-          <a:lstStyle/>
-          <a:p>
-            <a:pPr algn="ctr"/>
-            <a:endParaRPr kumimoji="1" lang="ja-JP" altLang="en-US"/>
-          </a:p>
-        </p:txBody>
-      </p:sp>
-      <p:sp>
-        <p:nvSpPr>
-          <p:cNvPr id="4" name="正方形/長方形 3">
-            <a:extLst>
-              <a:ext uri="{FF2B5EF4-FFF2-40B4-BE49-F238E27FC236}">
-                <a16:creationId xmlns:a16="http://schemas.microsoft.com/office/drawing/2014/main" id="{90711750-0E4B-FA23-3B6E-DC5F8ADC1312}"/>
-              </a:ext>
-            </a:extLst>
-          </p:cNvPr>
-          <p:cNvSpPr/>
-          <p:nvPr/>
-        </p:nvSpPr>
-        <p:spPr>
-          <a:xfrm>
-            <a:off x="10057512" y="5874328"/>
-            <a:ext cx="2134488" cy="665018"/>
-          </a:xfrm>
-          <a:prstGeom prst="rect">
-            <a:avLst/>
-          </a:prstGeom>
-          <a:solidFill>
-            <a:srgbClr val="FFFFE0"/>
-          </a:solidFill>
-          <a:ln>
-            <a:noFill/>
-          </a:ln>
-        </p:spPr>
-        <p:style>
-          <a:lnRef idx="2">
-            <a:schemeClr val="accent6"/>
-          </a:lnRef>
-          <a:fillRef idx="1">
-            <a:schemeClr val="lt1"/>
-          </a:fillRef>
-          <a:effectRef idx="0">
-            <a:schemeClr val="accent6"/>
-          </a:effectRef>
-          <a:fontRef idx="minor">
-            <a:schemeClr val="dk1"/>
-          </a:fontRef>
-        </p:style>
-        <p:txBody>
-          <a:bodyPr rtlCol="0" anchor="ctr"/>
-          <a:lstStyle/>
-          <a:p>
-            <a:pPr algn="ctr"/>
-            <a:r>
-              <a:rPr kumimoji="1" lang="en-US" altLang="ja-JP" dirty="0">
-                <a:solidFill>
-                  <a:schemeClr val="bg1">
-                    <a:lumMod val="75000"/>
-                  </a:schemeClr>
-                </a:solidFill>
-              </a:rPr>
-              <a:t>2025.7.31</a:t>
-            </a:r>
-            <a:endParaRPr kumimoji="1" lang="ja-JP" altLang="en-US" dirty="0">
-              <a:solidFill>
-                <a:schemeClr val="bg1">
-                  <a:lumMod val="75000"/>
-                </a:schemeClr>
-              </a:solidFill>
-            </a:endParaRPr>
-          </a:p>
-        </p:txBody>
-      </p:sp>
-      <p:sp>
-        <p:nvSpPr>
-          <p:cNvPr id="7" name="正方形/長方形 6">
-            <a:extLst>
-              <a:ext uri="{FF2B5EF4-FFF2-40B4-BE49-F238E27FC236}">
-                <a16:creationId xmlns:a16="http://schemas.microsoft.com/office/drawing/2014/main" id="{B325477A-AAD9-B1BD-CCEC-54721EBC090A}"/>
-              </a:ext>
-            </a:extLst>
-          </p:cNvPr>
-          <p:cNvSpPr/>
-          <p:nvPr/>
-        </p:nvSpPr>
-        <p:spPr>
-          <a:xfrm>
-            <a:off x="3472615" y="2422236"/>
-            <a:ext cx="5403530" cy="1104843"/>
-          </a:xfrm>
-          <a:prstGeom prst="rect">
-            <a:avLst/>
-          </a:prstGeom>
-          <a:noFill/>
-          <a:ln>
-            <a:noFill/>
-          </a:ln>
-        </p:spPr>
-        <p:style>
-          <a:lnRef idx="2">
-            <a:schemeClr val="accent1">
-              <a:shade val="15000"/>
-            </a:schemeClr>
-          </a:lnRef>
-          <a:fillRef idx="1">
-            <a:schemeClr val="accent1"/>
-          </a:fillRef>
-          <a:effectRef idx="0">
-            <a:schemeClr val="accent1"/>
-          </a:effectRef>
-          <a:fontRef idx="minor">
-            <a:schemeClr val="lt1"/>
-          </a:fontRef>
-        </p:style>
-        <p:txBody>
-          <a:bodyPr rtlCol="0" anchor="ctr"/>
-          <a:lstStyle/>
-          <a:p>
-            <a:r>
-              <a:rPr kumimoji="1" lang="ja-JP" altLang="en-US" sz="2800" b="1" dirty="0">
-                <a:solidFill>
-                  <a:schemeClr val="bg2">
-                    <a:lumMod val="25000"/>
-                  </a:schemeClr>
-                </a:solidFill>
-              </a:rPr>
-              <a:t>ご清聴ありがとうございました</a:t>
-            </a:r>
-          </a:p>
-        </p:txBody>
-      </p:sp>
-    </p:spTree>
-    <p:extLst>
-      <p:ext uri="{BB962C8B-B14F-4D97-AF65-F5344CB8AC3E}">
-        <p14:creationId xmlns:p14="http://schemas.microsoft.com/office/powerpoint/2010/main" val="1635450372"/>
       </p:ext>
     </p:extLst>
   </p:cSld>
@@ -8075,6 +8472,2082 @@
 </p:sld>
 </file>
 
+<file path=ppt/slides/slide20.xml><?xml version="1.0" encoding="utf-8"?>
+<p:sld xmlns:a="http://schemas.openxmlformats.org/drawingml/2006/main" xmlns:r="http://schemas.openxmlformats.org/officeDocument/2006/relationships" xmlns:p="http://schemas.openxmlformats.org/presentationml/2006/main">
+  <p:cSld>
+    <p:spTree>
+      <p:nvGrpSpPr>
+        <p:cNvPr id="1" name="">
+          <a:extLst>
+            <a:ext uri="{FF2B5EF4-FFF2-40B4-BE49-F238E27FC236}">
+              <a16:creationId xmlns:a16="http://schemas.microsoft.com/office/drawing/2014/main" id="{4C233C79-8AF9-E978-F601-33EFC5C7F5E5}"/>
+            </a:ext>
+          </a:extLst>
+        </p:cNvPr>
+        <p:cNvGrpSpPr/>
+        <p:nvPr/>
+      </p:nvGrpSpPr>
+      <p:grpSpPr>
+        <a:xfrm>
+          <a:off x="0" y="0"/>
+          <a:ext cx="0" cy="0"/>
+          <a:chOff x="0" y="0"/>
+          <a:chExt cx="0" cy="0"/>
+        </a:xfrm>
+      </p:grpSpPr>
+      <p:sp>
+        <p:nvSpPr>
+          <p:cNvPr id="7" name="正方形/長方形 6">
+            <a:extLst>
+              <a:ext uri="{FF2B5EF4-FFF2-40B4-BE49-F238E27FC236}">
+                <a16:creationId xmlns:a16="http://schemas.microsoft.com/office/drawing/2014/main" id="{62E14857-F835-4E99-B78A-B74A1B0ADCFF}"/>
+              </a:ext>
+            </a:extLst>
+          </p:cNvPr>
+          <p:cNvSpPr/>
+          <p:nvPr/>
+        </p:nvSpPr>
+        <p:spPr>
+          <a:xfrm>
+            <a:off x="0" y="0"/>
+            <a:ext cx="12192000" cy="6858000"/>
+          </a:xfrm>
+          <a:prstGeom prst="rect">
+            <a:avLst/>
+          </a:prstGeom>
+          <a:solidFill>
+            <a:srgbClr val="FFFFE0"/>
+          </a:solidFill>
+          <a:ln>
+            <a:noFill/>
+          </a:ln>
+        </p:spPr>
+        <p:style>
+          <a:lnRef idx="2">
+            <a:schemeClr val="accent1">
+              <a:shade val="15000"/>
+            </a:schemeClr>
+          </a:lnRef>
+          <a:fillRef idx="1">
+            <a:schemeClr val="accent1"/>
+          </a:fillRef>
+          <a:effectRef idx="0">
+            <a:schemeClr val="accent1"/>
+          </a:effectRef>
+          <a:fontRef idx="minor">
+            <a:schemeClr val="lt1"/>
+          </a:fontRef>
+        </p:style>
+        <p:txBody>
+          <a:bodyPr rtlCol="0" anchor="ctr"/>
+          <a:lstStyle/>
+          <a:p>
+            <a:pPr algn="ctr"/>
+            <a:endParaRPr kumimoji="1" lang="ja-JP" altLang="en-US"/>
+          </a:p>
+        </p:txBody>
+      </p:sp>
+      <p:sp>
+        <p:nvSpPr>
+          <p:cNvPr id="2" name="タイトル 1">
+            <a:extLst>
+              <a:ext uri="{FF2B5EF4-FFF2-40B4-BE49-F238E27FC236}">
+                <a16:creationId xmlns:a16="http://schemas.microsoft.com/office/drawing/2014/main" id="{B1AD4CC8-2B6E-C0DE-D4A3-96644E9CE34B}"/>
+              </a:ext>
+            </a:extLst>
+          </p:cNvPr>
+          <p:cNvSpPr>
+            <a:spLocks noGrp="1"/>
+          </p:cNvSpPr>
+          <p:nvPr>
+            <p:ph type="title"/>
+          </p:nvPr>
+        </p:nvSpPr>
+        <p:spPr>
+          <a:xfrm>
+            <a:off x="2461847" y="375404"/>
+            <a:ext cx="7006340" cy="1207111"/>
+          </a:xfrm>
+        </p:spPr>
+        <p:txBody>
+          <a:bodyPr>
+            <a:normAutofit/>
+          </a:bodyPr>
+          <a:lstStyle/>
+          <a:p>
+            <a:r>
+              <a:rPr kumimoji="1" lang="en-US" altLang="ja-JP" sz="3600" b="1" dirty="0">
+                <a:latin typeface="BIZ UDPゴシック" panose="020B0400000000000000" pitchFamily="50" charset="-128"/>
+                <a:ea typeface="BIZ UDPゴシック" panose="020B0400000000000000" pitchFamily="50" charset="-128"/>
+              </a:rPr>
+              <a:t>Ⅸ</a:t>
+            </a:r>
+            <a:r>
+              <a:rPr lang="ja-JP" altLang="en-US" sz="3600" b="1" dirty="0">
+                <a:latin typeface="BIZ UDPゴシック" panose="020B0400000000000000" pitchFamily="50" charset="-128"/>
+                <a:ea typeface="BIZ UDPゴシック" panose="020B0400000000000000" pitchFamily="50" charset="-128"/>
+              </a:rPr>
+              <a:t>．</a:t>
+            </a:r>
+            <a:r>
+              <a:rPr kumimoji="1" lang="ja-JP" altLang="en-US" sz="3600" b="1" dirty="0">
+                <a:latin typeface="BIZ UDPゴシック" panose="020B0400000000000000" pitchFamily="50" charset="-128"/>
+                <a:ea typeface="BIZ UDPゴシック" panose="020B0400000000000000" pitchFamily="50" charset="-128"/>
+              </a:rPr>
+              <a:t>研修前・研修後で成長したこと</a:t>
+            </a:r>
+          </a:p>
+        </p:txBody>
+      </p:sp>
+      <p:sp>
+        <p:nvSpPr>
+          <p:cNvPr id="3" name="コンテンツ プレースホルダー 2">
+            <a:extLst>
+              <a:ext uri="{FF2B5EF4-FFF2-40B4-BE49-F238E27FC236}">
+                <a16:creationId xmlns:a16="http://schemas.microsoft.com/office/drawing/2014/main" id="{868F9A1C-D74B-CF3D-FE96-D62483BD95AE}"/>
+              </a:ext>
+            </a:extLst>
+          </p:cNvPr>
+          <p:cNvSpPr>
+            <a:spLocks noGrp="1"/>
+          </p:cNvSpPr>
+          <p:nvPr>
+            <p:ph idx="1"/>
+          </p:nvPr>
+        </p:nvSpPr>
+        <p:spPr>
+          <a:xfrm>
+            <a:off x="4844561" y="1960685"/>
+            <a:ext cx="6796453" cy="3789484"/>
+          </a:xfrm>
+        </p:spPr>
+        <p:txBody>
+          <a:bodyPr>
+            <a:normAutofit/>
+          </a:bodyPr>
+          <a:lstStyle/>
+          <a:p>
+            <a:pPr marL="0" indent="0">
+              <a:buNone/>
+            </a:pPr>
+            <a:r>
+              <a:rPr lang="ja-JP" altLang="en-US" sz="2000" dirty="0">
+                <a:latin typeface="BIZ UDPゴシック" panose="020B0400000000000000" pitchFamily="50" charset="-128"/>
+                <a:ea typeface="BIZ UDPゴシック" panose="020B0400000000000000" pitchFamily="50" charset="-128"/>
+              </a:rPr>
+              <a:t>名前：安井</a:t>
+            </a:r>
+          </a:p>
+          <a:p>
+            <a:endParaRPr lang="ja-JP" altLang="en-US" sz="2000" dirty="0">
+              <a:latin typeface="BIZ UDPゴシック" panose="020B0400000000000000" pitchFamily="50" charset="-128"/>
+              <a:ea typeface="BIZ UDPゴシック" panose="020B0400000000000000" pitchFamily="50" charset="-128"/>
+            </a:endParaRPr>
+          </a:p>
+          <a:p>
+            <a:pPr marL="0" indent="0">
+              <a:buNone/>
+            </a:pPr>
+            <a:r>
+              <a:rPr lang="ja-JP" altLang="en-US" sz="2000" dirty="0">
+                <a:latin typeface="BIZ UDPゴシック" panose="020B0400000000000000" pitchFamily="50" charset="-128"/>
+                <a:ea typeface="BIZ UDPゴシック" panose="020B0400000000000000" pitchFamily="50" charset="-128"/>
+              </a:rPr>
+              <a:t>役職：品質管理</a:t>
+            </a:r>
+          </a:p>
+          <a:p>
+            <a:pPr marL="0" indent="0">
+              <a:buNone/>
+            </a:pPr>
+            <a:endParaRPr lang="ja-JP" altLang="en-US" sz="2000" dirty="0">
+              <a:latin typeface="BIZ UDPゴシック" panose="020B0400000000000000" pitchFamily="50" charset="-128"/>
+              <a:ea typeface="BIZ UDPゴシック" panose="020B0400000000000000" pitchFamily="50" charset="-128"/>
+            </a:endParaRPr>
+          </a:p>
+          <a:p>
+            <a:pPr marL="0" indent="0">
+              <a:buNone/>
+            </a:pPr>
+            <a:r>
+              <a:rPr lang="ja-JP" altLang="en-US" sz="2000" dirty="0">
+                <a:latin typeface="BIZ UDPゴシック" panose="020B0400000000000000" pitchFamily="50" charset="-128"/>
+                <a:ea typeface="BIZ UDPゴシック" panose="020B0400000000000000" pitchFamily="50" charset="-128"/>
+              </a:rPr>
+              <a:t>担当箇所：マイページ、ユーザー情報</a:t>
+            </a:r>
+          </a:p>
+          <a:p>
+            <a:endParaRPr lang="ja-JP" altLang="en-US" sz="2000" dirty="0">
+              <a:latin typeface="BIZ UDPゴシック" panose="020B0400000000000000" pitchFamily="50" charset="-128"/>
+              <a:ea typeface="BIZ UDPゴシック" panose="020B0400000000000000" pitchFamily="50" charset="-128"/>
+            </a:endParaRPr>
+          </a:p>
+          <a:p>
+            <a:pPr marL="0" indent="0">
+              <a:buNone/>
+            </a:pPr>
+            <a:r>
+              <a:rPr lang="ja-JP" altLang="en-US" sz="2000" dirty="0">
+                <a:latin typeface="BIZ UDPゴシック" panose="020B0400000000000000" pitchFamily="50" charset="-128"/>
+                <a:ea typeface="BIZ UDPゴシック" panose="020B0400000000000000" pitchFamily="50" charset="-128"/>
+              </a:rPr>
+              <a:t>研修前：</a:t>
+            </a:r>
+          </a:p>
+          <a:p>
+            <a:endParaRPr lang="ja-JP" altLang="en-US" sz="2000" dirty="0">
+              <a:latin typeface="BIZ UDPゴシック" panose="020B0400000000000000" pitchFamily="50" charset="-128"/>
+              <a:ea typeface="BIZ UDPゴシック" panose="020B0400000000000000" pitchFamily="50" charset="-128"/>
+            </a:endParaRPr>
+          </a:p>
+          <a:p>
+            <a:pPr marL="0" indent="0">
+              <a:buNone/>
+            </a:pPr>
+            <a:r>
+              <a:rPr lang="ja-JP" altLang="en-US" sz="2000" dirty="0">
+                <a:latin typeface="BIZ UDPゴシック" panose="020B0400000000000000" pitchFamily="50" charset="-128"/>
+                <a:ea typeface="BIZ UDPゴシック" panose="020B0400000000000000" pitchFamily="50" charset="-128"/>
+              </a:rPr>
+              <a:t>研修後：</a:t>
+            </a:r>
+          </a:p>
+          <a:p>
+            <a:pPr marL="0" indent="0">
+              <a:buNone/>
+            </a:pPr>
+            <a:endParaRPr kumimoji="1" lang="ja-JP" altLang="en-US" dirty="0"/>
+          </a:p>
+        </p:txBody>
+      </p:sp>
+      <p:sp>
+        <p:nvSpPr>
+          <p:cNvPr id="4" name="正方形/長方形 3">
+            <a:extLst>
+              <a:ext uri="{FF2B5EF4-FFF2-40B4-BE49-F238E27FC236}">
+                <a16:creationId xmlns:a16="http://schemas.microsoft.com/office/drawing/2014/main" id="{AD6E4AAA-777A-FAB9-4B81-269C6EB51BFE}"/>
+              </a:ext>
+            </a:extLst>
+          </p:cNvPr>
+          <p:cNvSpPr/>
+          <p:nvPr/>
+        </p:nvSpPr>
+        <p:spPr>
+          <a:xfrm>
+            <a:off x="10057512" y="5874328"/>
+            <a:ext cx="2134488" cy="665018"/>
+          </a:xfrm>
+          <a:prstGeom prst="rect">
+            <a:avLst/>
+          </a:prstGeom>
+          <a:solidFill>
+            <a:srgbClr val="FFFFE0"/>
+          </a:solidFill>
+          <a:ln>
+            <a:noFill/>
+          </a:ln>
+        </p:spPr>
+        <p:style>
+          <a:lnRef idx="2">
+            <a:schemeClr val="accent6"/>
+          </a:lnRef>
+          <a:fillRef idx="1">
+            <a:schemeClr val="lt1"/>
+          </a:fillRef>
+          <a:effectRef idx="0">
+            <a:schemeClr val="accent6"/>
+          </a:effectRef>
+          <a:fontRef idx="minor">
+            <a:schemeClr val="dk1"/>
+          </a:fontRef>
+        </p:style>
+        <p:txBody>
+          <a:bodyPr rtlCol="0" anchor="ctr"/>
+          <a:lstStyle/>
+          <a:p>
+            <a:pPr algn="ctr"/>
+            <a:r>
+              <a:rPr kumimoji="1" lang="en-US" altLang="ja-JP" dirty="0">
+                <a:solidFill>
+                  <a:schemeClr val="bg1">
+                    <a:lumMod val="75000"/>
+                  </a:schemeClr>
+                </a:solidFill>
+              </a:rPr>
+              <a:t>2025.7.31</a:t>
+            </a:r>
+            <a:endParaRPr kumimoji="1" lang="ja-JP" altLang="en-US" dirty="0">
+              <a:solidFill>
+                <a:schemeClr val="bg1">
+                  <a:lumMod val="75000"/>
+                </a:schemeClr>
+              </a:solidFill>
+            </a:endParaRPr>
+          </a:p>
+        </p:txBody>
+      </p:sp>
+      <p:sp>
+        <p:nvSpPr>
+          <p:cNvPr id="5" name="楕円 4">
+            <a:extLst>
+              <a:ext uri="{FF2B5EF4-FFF2-40B4-BE49-F238E27FC236}">
+                <a16:creationId xmlns:a16="http://schemas.microsoft.com/office/drawing/2014/main" id="{C18F4BE3-5BCD-A596-6D4F-74AAAD13C2C2}"/>
+              </a:ext>
+            </a:extLst>
+          </p:cNvPr>
+          <p:cNvSpPr/>
+          <p:nvPr/>
+        </p:nvSpPr>
+        <p:spPr>
+          <a:xfrm>
+            <a:off x="2039576" y="1960685"/>
+            <a:ext cx="1221769" cy="1207111"/>
+          </a:xfrm>
+          <a:prstGeom prst="ellipse">
+            <a:avLst/>
+          </a:prstGeom>
+          <a:ln>
+            <a:solidFill>
+              <a:schemeClr val="tx1"/>
+            </a:solidFill>
+          </a:ln>
+        </p:spPr>
+        <p:style>
+          <a:lnRef idx="2">
+            <a:schemeClr val="accent6"/>
+          </a:lnRef>
+          <a:fillRef idx="1">
+            <a:schemeClr val="lt1"/>
+          </a:fillRef>
+          <a:effectRef idx="0">
+            <a:schemeClr val="accent6"/>
+          </a:effectRef>
+          <a:fontRef idx="minor">
+            <a:schemeClr val="dk1"/>
+          </a:fontRef>
+        </p:style>
+        <p:txBody>
+          <a:bodyPr rtlCol="0" anchor="ctr"/>
+          <a:lstStyle/>
+          <a:p>
+            <a:pPr algn="ctr"/>
+            <a:endParaRPr kumimoji="1" lang="ja-JP" altLang="en-US"/>
+          </a:p>
+        </p:txBody>
+      </p:sp>
+    </p:spTree>
+    <p:extLst>
+      <p:ext uri="{BB962C8B-B14F-4D97-AF65-F5344CB8AC3E}">
+        <p14:creationId xmlns:p14="http://schemas.microsoft.com/office/powerpoint/2010/main" val="716400089"/>
+      </p:ext>
+    </p:extLst>
+  </p:cSld>
+  <p:clrMapOvr>
+    <a:masterClrMapping/>
+  </p:clrMapOvr>
+</p:sld>
+</file>
+
+<file path=ppt/slides/slide21.xml><?xml version="1.0" encoding="utf-8"?>
+<p:sld xmlns:a="http://schemas.openxmlformats.org/drawingml/2006/main" xmlns:r="http://schemas.openxmlformats.org/officeDocument/2006/relationships" xmlns:p="http://schemas.openxmlformats.org/presentationml/2006/main">
+  <p:cSld>
+    <p:spTree>
+      <p:nvGrpSpPr>
+        <p:cNvPr id="1" name="">
+          <a:extLst>
+            <a:ext uri="{FF2B5EF4-FFF2-40B4-BE49-F238E27FC236}">
+              <a16:creationId xmlns:a16="http://schemas.microsoft.com/office/drawing/2014/main" id="{44412BE9-4110-9478-8080-4EFCCEC79C1B}"/>
+            </a:ext>
+          </a:extLst>
+        </p:cNvPr>
+        <p:cNvGrpSpPr/>
+        <p:nvPr/>
+      </p:nvGrpSpPr>
+      <p:grpSpPr>
+        <a:xfrm>
+          <a:off x="0" y="0"/>
+          <a:ext cx="0" cy="0"/>
+          <a:chOff x="0" y="0"/>
+          <a:chExt cx="0" cy="0"/>
+        </a:xfrm>
+      </p:grpSpPr>
+      <p:sp>
+        <p:nvSpPr>
+          <p:cNvPr id="7" name="正方形/長方形 6">
+            <a:extLst>
+              <a:ext uri="{FF2B5EF4-FFF2-40B4-BE49-F238E27FC236}">
+                <a16:creationId xmlns:a16="http://schemas.microsoft.com/office/drawing/2014/main" id="{3A946EC7-93B1-0B15-F115-016F695249C9}"/>
+              </a:ext>
+            </a:extLst>
+          </p:cNvPr>
+          <p:cNvSpPr/>
+          <p:nvPr/>
+        </p:nvSpPr>
+        <p:spPr>
+          <a:xfrm>
+            <a:off x="0" y="0"/>
+            <a:ext cx="12192000" cy="6858000"/>
+          </a:xfrm>
+          <a:prstGeom prst="rect">
+            <a:avLst/>
+          </a:prstGeom>
+          <a:solidFill>
+            <a:srgbClr val="FFFFE0"/>
+          </a:solidFill>
+          <a:ln>
+            <a:noFill/>
+          </a:ln>
+        </p:spPr>
+        <p:style>
+          <a:lnRef idx="2">
+            <a:schemeClr val="accent1">
+              <a:shade val="15000"/>
+            </a:schemeClr>
+          </a:lnRef>
+          <a:fillRef idx="1">
+            <a:schemeClr val="accent1"/>
+          </a:fillRef>
+          <a:effectRef idx="0">
+            <a:schemeClr val="accent1"/>
+          </a:effectRef>
+          <a:fontRef idx="minor">
+            <a:schemeClr val="lt1"/>
+          </a:fontRef>
+        </p:style>
+        <p:txBody>
+          <a:bodyPr rtlCol="0" anchor="ctr"/>
+          <a:lstStyle/>
+          <a:p>
+            <a:pPr algn="ctr"/>
+            <a:endParaRPr kumimoji="1" lang="ja-JP" altLang="en-US"/>
+          </a:p>
+        </p:txBody>
+      </p:sp>
+      <p:sp>
+        <p:nvSpPr>
+          <p:cNvPr id="2" name="タイトル 1">
+            <a:extLst>
+              <a:ext uri="{FF2B5EF4-FFF2-40B4-BE49-F238E27FC236}">
+                <a16:creationId xmlns:a16="http://schemas.microsoft.com/office/drawing/2014/main" id="{2DED74B0-9D45-28EC-8536-C16DF65B4617}"/>
+              </a:ext>
+            </a:extLst>
+          </p:cNvPr>
+          <p:cNvSpPr>
+            <a:spLocks noGrp="1"/>
+          </p:cNvSpPr>
+          <p:nvPr>
+            <p:ph type="title"/>
+          </p:nvPr>
+        </p:nvSpPr>
+        <p:spPr>
+          <a:xfrm>
+            <a:off x="2461847" y="375404"/>
+            <a:ext cx="7006340" cy="1207111"/>
+          </a:xfrm>
+        </p:spPr>
+        <p:txBody>
+          <a:bodyPr>
+            <a:normAutofit/>
+          </a:bodyPr>
+          <a:lstStyle/>
+          <a:p>
+            <a:r>
+              <a:rPr kumimoji="1" lang="en-US" altLang="ja-JP" sz="3600" b="1" dirty="0">
+                <a:latin typeface="BIZ UDPゴシック" panose="020B0400000000000000" pitchFamily="50" charset="-128"/>
+                <a:ea typeface="BIZ UDPゴシック" panose="020B0400000000000000" pitchFamily="50" charset="-128"/>
+              </a:rPr>
+              <a:t>Ⅸ</a:t>
+            </a:r>
+            <a:r>
+              <a:rPr lang="ja-JP" altLang="en-US" sz="3600" b="1" dirty="0">
+                <a:latin typeface="BIZ UDPゴシック" panose="020B0400000000000000" pitchFamily="50" charset="-128"/>
+                <a:ea typeface="BIZ UDPゴシック" panose="020B0400000000000000" pitchFamily="50" charset="-128"/>
+              </a:rPr>
+              <a:t>．</a:t>
+            </a:r>
+            <a:r>
+              <a:rPr kumimoji="1" lang="ja-JP" altLang="en-US" sz="3600" b="1" dirty="0">
+                <a:latin typeface="BIZ UDPゴシック" panose="020B0400000000000000" pitchFamily="50" charset="-128"/>
+                <a:ea typeface="BIZ UDPゴシック" panose="020B0400000000000000" pitchFamily="50" charset="-128"/>
+              </a:rPr>
+              <a:t>研修前・研修後で成長したこと</a:t>
+            </a:r>
+          </a:p>
+        </p:txBody>
+      </p:sp>
+      <p:sp>
+        <p:nvSpPr>
+          <p:cNvPr id="3" name="コンテンツ プレースホルダー 2">
+            <a:extLst>
+              <a:ext uri="{FF2B5EF4-FFF2-40B4-BE49-F238E27FC236}">
+                <a16:creationId xmlns:a16="http://schemas.microsoft.com/office/drawing/2014/main" id="{0F09A9F3-9127-4F79-3B90-D8DF2BA433A5}"/>
+              </a:ext>
+            </a:extLst>
+          </p:cNvPr>
+          <p:cNvSpPr>
+            <a:spLocks noGrp="1"/>
+          </p:cNvSpPr>
+          <p:nvPr>
+            <p:ph idx="1"/>
+          </p:nvPr>
+        </p:nvSpPr>
+        <p:spPr>
+          <a:xfrm>
+            <a:off x="4844561" y="1960685"/>
+            <a:ext cx="6796453" cy="3789484"/>
+          </a:xfrm>
+        </p:spPr>
+        <p:txBody>
+          <a:bodyPr>
+            <a:normAutofit/>
+          </a:bodyPr>
+          <a:lstStyle/>
+          <a:p>
+            <a:pPr marL="0" indent="0">
+              <a:buNone/>
+            </a:pPr>
+            <a:r>
+              <a:rPr lang="ja-JP" altLang="en-US" sz="2000" dirty="0">
+                <a:latin typeface="BIZ UDPゴシック" panose="020B0400000000000000" pitchFamily="50" charset="-128"/>
+                <a:ea typeface="BIZ UDPゴシック" panose="020B0400000000000000" pitchFamily="50" charset="-128"/>
+              </a:rPr>
+              <a:t>名前：中嶋</a:t>
+            </a:r>
+          </a:p>
+          <a:p>
+            <a:endParaRPr lang="ja-JP" altLang="en-US" sz="2000" dirty="0">
+              <a:latin typeface="BIZ UDPゴシック" panose="020B0400000000000000" pitchFamily="50" charset="-128"/>
+              <a:ea typeface="BIZ UDPゴシック" panose="020B0400000000000000" pitchFamily="50" charset="-128"/>
+            </a:endParaRPr>
+          </a:p>
+          <a:p>
+            <a:pPr marL="0" indent="0">
+              <a:buNone/>
+            </a:pPr>
+            <a:r>
+              <a:rPr lang="ja-JP" altLang="en-US" sz="2000" dirty="0">
+                <a:latin typeface="BIZ UDPゴシック" panose="020B0400000000000000" pitchFamily="50" charset="-128"/>
+                <a:ea typeface="BIZ UDPゴシック" panose="020B0400000000000000" pitchFamily="50" charset="-128"/>
+              </a:rPr>
+              <a:t>役職：機能担当</a:t>
+            </a:r>
+          </a:p>
+          <a:p>
+            <a:pPr marL="0" indent="0">
+              <a:buNone/>
+            </a:pPr>
+            <a:endParaRPr lang="ja-JP" altLang="en-US" sz="2000" dirty="0">
+              <a:latin typeface="BIZ UDPゴシック" panose="020B0400000000000000" pitchFamily="50" charset="-128"/>
+              <a:ea typeface="BIZ UDPゴシック" panose="020B0400000000000000" pitchFamily="50" charset="-128"/>
+            </a:endParaRPr>
+          </a:p>
+          <a:p>
+            <a:pPr marL="0" indent="0">
+              <a:buNone/>
+            </a:pPr>
+            <a:r>
+              <a:rPr lang="ja-JP" altLang="en-US" sz="2000" dirty="0">
+                <a:latin typeface="BIZ UDPゴシック" panose="020B0400000000000000" pitchFamily="50" charset="-128"/>
+                <a:ea typeface="BIZ UDPゴシック" panose="020B0400000000000000" pitchFamily="50" charset="-128"/>
+              </a:rPr>
+              <a:t>担当箇所：日記検索、タグ検索</a:t>
+            </a:r>
+          </a:p>
+          <a:p>
+            <a:endParaRPr lang="ja-JP" altLang="en-US" sz="2000" dirty="0">
+              <a:latin typeface="BIZ UDPゴシック" panose="020B0400000000000000" pitchFamily="50" charset="-128"/>
+              <a:ea typeface="BIZ UDPゴシック" panose="020B0400000000000000" pitchFamily="50" charset="-128"/>
+            </a:endParaRPr>
+          </a:p>
+          <a:p>
+            <a:pPr marL="0" indent="0">
+              <a:buNone/>
+            </a:pPr>
+            <a:r>
+              <a:rPr lang="ja-JP" altLang="en-US" sz="2000" dirty="0">
+                <a:latin typeface="BIZ UDPゴシック" panose="020B0400000000000000" pitchFamily="50" charset="-128"/>
+                <a:ea typeface="BIZ UDPゴシック" panose="020B0400000000000000" pitchFamily="50" charset="-128"/>
+              </a:rPr>
+              <a:t>研修前：</a:t>
+            </a:r>
+          </a:p>
+          <a:p>
+            <a:endParaRPr lang="ja-JP" altLang="en-US" sz="2000" dirty="0">
+              <a:latin typeface="BIZ UDPゴシック" panose="020B0400000000000000" pitchFamily="50" charset="-128"/>
+              <a:ea typeface="BIZ UDPゴシック" panose="020B0400000000000000" pitchFamily="50" charset="-128"/>
+            </a:endParaRPr>
+          </a:p>
+          <a:p>
+            <a:pPr marL="0" indent="0">
+              <a:buNone/>
+            </a:pPr>
+            <a:r>
+              <a:rPr lang="ja-JP" altLang="en-US" sz="2000" dirty="0">
+                <a:latin typeface="BIZ UDPゴシック" panose="020B0400000000000000" pitchFamily="50" charset="-128"/>
+                <a:ea typeface="BIZ UDPゴシック" panose="020B0400000000000000" pitchFamily="50" charset="-128"/>
+              </a:rPr>
+              <a:t>研修後：</a:t>
+            </a:r>
+          </a:p>
+          <a:p>
+            <a:pPr marL="0" indent="0">
+              <a:buNone/>
+            </a:pPr>
+            <a:endParaRPr kumimoji="1" lang="ja-JP" altLang="en-US" dirty="0"/>
+          </a:p>
+        </p:txBody>
+      </p:sp>
+      <p:sp>
+        <p:nvSpPr>
+          <p:cNvPr id="4" name="正方形/長方形 3">
+            <a:extLst>
+              <a:ext uri="{FF2B5EF4-FFF2-40B4-BE49-F238E27FC236}">
+                <a16:creationId xmlns:a16="http://schemas.microsoft.com/office/drawing/2014/main" id="{2635E2C6-5519-9B2E-EE8B-ABB7F009F86A}"/>
+              </a:ext>
+            </a:extLst>
+          </p:cNvPr>
+          <p:cNvSpPr/>
+          <p:nvPr/>
+        </p:nvSpPr>
+        <p:spPr>
+          <a:xfrm>
+            <a:off x="10057512" y="5874328"/>
+            <a:ext cx="2134488" cy="665018"/>
+          </a:xfrm>
+          <a:prstGeom prst="rect">
+            <a:avLst/>
+          </a:prstGeom>
+          <a:solidFill>
+            <a:srgbClr val="FFFFE0"/>
+          </a:solidFill>
+          <a:ln>
+            <a:noFill/>
+          </a:ln>
+        </p:spPr>
+        <p:style>
+          <a:lnRef idx="2">
+            <a:schemeClr val="accent6"/>
+          </a:lnRef>
+          <a:fillRef idx="1">
+            <a:schemeClr val="lt1"/>
+          </a:fillRef>
+          <a:effectRef idx="0">
+            <a:schemeClr val="accent6"/>
+          </a:effectRef>
+          <a:fontRef idx="minor">
+            <a:schemeClr val="dk1"/>
+          </a:fontRef>
+        </p:style>
+        <p:txBody>
+          <a:bodyPr rtlCol="0" anchor="ctr"/>
+          <a:lstStyle/>
+          <a:p>
+            <a:pPr algn="ctr"/>
+            <a:r>
+              <a:rPr kumimoji="1" lang="en-US" altLang="ja-JP" dirty="0">
+                <a:solidFill>
+                  <a:schemeClr val="bg1">
+                    <a:lumMod val="75000"/>
+                  </a:schemeClr>
+                </a:solidFill>
+              </a:rPr>
+              <a:t>2025.7.31</a:t>
+            </a:r>
+            <a:endParaRPr kumimoji="1" lang="ja-JP" altLang="en-US" dirty="0">
+              <a:solidFill>
+                <a:schemeClr val="bg1">
+                  <a:lumMod val="75000"/>
+                </a:schemeClr>
+              </a:solidFill>
+            </a:endParaRPr>
+          </a:p>
+        </p:txBody>
+      </p:sp>
+      <p:sp>
+        <p:nvSpPr>
+          <p:cNvPr id="5" name="楕円 4">
+            <a:extLst>
+              <a:ext uri="{FF2B5EF4-FFF2-40B4-BE49-F238E27FC236}">
+                <a16:creationId xmlns:a16="http://schemas.microsoft.com/office/drawing/2014/main" id="{37257380-2433-3E6A-F707-D3F578188053}"/>
+              </a:ext>
+            </a:extLst>
+          </p:cNvPr>
+          <p:cNvSpPr/>
+          <p:nvPr/>
+        </p:nvSpPr>
+        <p:spPr>
+          <a:xfrm>
+            <a:off x="2039576" y="1960685"/>
+            <a:ext cx="1221769" cy="1207111"/>
+          </a:xfrm>
+          <a:prstGeom prst="ellipse">
+            <a:avLst/>
+          </a:prstGeom>
+          <a:ln>
+            <a:solidFill>
+              <a:schemeClr val="tx1"/>
+            </a:solidFill>
+          </a:ln>
+        </p:spPr>
+        <p:style>
+          <a:lnRef idx="2">
+            <a:schemeClr val="accent6"/>
+          </a:lnRef>
+          <a:fillRef idx="1">
+            <a:schemeClr val="lt1"/>
+          </a:fillRef>
+          <a:effectRef idx="0">
+            <a:schemeClr val="accent6"/>
+          </a:effectRef>
+          <a:fontRef idx="minor">
+            <a:schemeClr val="dk1"/>
+          </a:fontRef>
+        </p:style>
+        <p:txBody>
+          <a:bodyPr rtlCol="0" anchor="ctr"/>
+          <a:lstStyle/>
+          <a:p>
+            <a:pPr algn="ctr"/>
+            <a:endParaRPr kumimoji="1" lang="ja-JP" altLang="en-US"/>
+          </a:p>
+        </p:txBody>
+      </p:sp>
+    </p:spTree>
+    <p:extLst>
+      <p:ext uri="{BB962C8B-B14F-4D97-AF65-F5344CB8AC3E}">
+        <p14:creationId xmlns:p14="http://schemas.microsoft.com/office/powerpoint/2010/main" val="1324968619"/>
+      </p:ext>
+    </p:extLst>
+  </p:cSld>
+  <p:clrMapOvr>
+    <a:masterClrMapping/>
+  </p:clrMapOvr>
+</p:sld>
+</file>
+
+<file path=ppt/slides/slide22.xml><?xml version="1.0" encoding="utf-8"?>
+<p:sld xmlns:a="http://schemas.openxmlformats.org/drawingml/2006/main" xmlns:r="http://schemas.openxmlformats.org/officeDocument/2006/relationships" xmlns:p="http://schemas.openxmlformats.org/presentationml/2006/main">
+  <p:cSld>
+    <p:spTree>
+      <p:nvGrpSpPr>
+        <p:cNvPr id="1" name="">
+          <a:extLst>
+            <a:ext uri="{FF2B5EF4-FFF2-40B4-BE49-F238E27FC236}">
+              <a16:creationId xmlns:a16="http://schemas.microsoft.com/office/drawing/2014/main" id="{2D97E880-196D-D897-0322-27941AC96938}"/>
+            </a:ext>
+          </a:extLst>
+        </p:cNvPr>
+        <p:cNvGrpSpPr/>
+        <p:nvPr/>
+      </p:nvGrpSpPr>
+      <p:grpSpPr>
+        <a:xfrm>
+          <a:off x="0" y="0"/>
+          <a:ext cx="0" cy="0"/>
+          <a:chOff x="0" y="0"/>
+          <a:chExt cx="0" cy="0"/>
+        </a:xfrm>
+      </p:grpSpPr>
+      <p:sp>
+        <p:nvSpPr>
+          <p:cNvPr id="7" name="正方形/長方形 6">
+            <a:extLst>
+              <a:ext uri="{FF2B5EF4-FFF2-40B4-BE49-F238E27FC236}">
+                <a16:creationId xmlns:a16="http://schemas.microsoft.com/office/drawing/2014/main" id="{2F066264-D8EB-56F2-B4FD-795C53D4CFC6}"/>
+              </a:ext>
+            </a:extLst>
+          </p:cNvPr>
+          <p:cNvSpPr/>
+          <p:nvPr/>
+        </p:nvSpPr>
+        <p:spPr>
+          <a:xfrm>
+            <a:off x="0" y="0"/>
+            <a:ext cx="12192000" cy="6858000"/>
+          </a:xfrm>
+          <a:prstGeom prst="rect">
+            <a:avLst/>
+          </a:prstGeom>
+          <a:solidFill>
+            <a:srgbClr val="FFFFE0"/>
+          </a:solidFill>
+          <a:ln>
+            <a:noFill/>
+          </a:ln>
+        </p:spPr>
+        <p:style>
+          <a:lnRef idx="2">
+            <a:schemeClr val="accent1">
+              <a:shade val="15000"/>
+            </a:schemeClr>
+          </a:lnRef>
+          <a:fillRef idx="1">
+            <a:schemeClr val="accent1"/>
+          </a:fillRef>
+          <a:effectRef idx="0">
+            <a:schemeClr val="accent1"/>
+          </a:effectRef>
+          <a:fontRef idx="minor">
+            <a:schemeClr val="lt1"/>
+          </a:fontRef>
+        </p:style>
+        <p:txBody>
+          <a:bodyPr rtlCol="0" anchor="ctr"/>
+          <a:lstStyle/>
+          <a:p>
+            <a:pPr algn="ctr"/>
+            <a:endParaRPr kumimoji="1" lang="ja-JP" altLang="en-US"/>
+          </a:p>
+        </p:txBody>
+      </p:sp>
+      <p:sp>
+        <p:nvSpPr>
+          <p:cNvPr id="2" name="タイトル 1">
+            <a:extLst>
+              <a:ext uri="{FF2B5EF4-FFF2-40B4-BE49-F238E27FC236}">
+                <a16:creationId xmlns:a16="http://schemas.microsoft.com/office/drawing/2014/main" id="{DFA2C8C0-0539-1437-1636-953C0C2BBA57}"/>
+              </a:ext>
+            </a:extLst>
+          </p:cNvPr>
+          <p:cNvSpPr>
+            <a:spLocks noGrp="1"/>
+          </p:cNvSpPr>
+          <p:nvPr>
+            <p:ph type="title"/>
+          </p:nvPr>
+        </p:nvSpPr>
+        <p:spPr>
+          <a:xfrm>
+            <a:off x="2461847" y="375404"/>
+            <a:ext cx="7006340" cy="1207111"/>
+          </a:xfrm>
+        </p:spPr>
+        <p:txBody>
+          <a:bodyPr>
+            <a:normAutofit/>
+          </a:bodyPr>
+          <a:lstStyle/>
+          <a:p>
+            <a:r>
+              <a:rPr kumimoji="1" lang="en-US" altLang="ja-JP" sz="3600" b="1" dirty="0">
+                <a:latin typeface="BIZ UDPゴシック" panose="020B0400000000000000" pitchFamily="50" charset="-128"/>
+                <a:ea typeface="BIZ UDPゴシック" panose="020B0400000000000000" pitchFamily="50" charset="-128"/>
+              </a:rPr>
+              <a:t>Ⅸ</a:t>
+            </a:r>
+            <a:r>
+              <a:rPr lang="ja-JP" altLang="en-US" sz="3600" b="1" dirty="0">
+                <a:latin typeface="BIZ UDPゴシック" panose="020B0400000000000000" pitchFamily="50" charset="-128"/>
+                <a:ea typeface="BIZ UDPゴシック" panose="020B0400000000000000" pitchFamily="50" charset="-128"/>
+              </a:rPr>
+              <a:t>．</a:t>
+            </a:r>
+            <a:r>
+              <a:rPr kumimoji="1" lang="ja-JP" altLang="en-US" sz="3600" b="1" dirty="0">
+                <a:latin typeface="BIZ UDPゴシック" panose="020B0400000000000000" pitchFamily="50" charset="-128"/>
+                <a:ea typeface="BIZ UDPゴシック" panose="020B0400000000000000" pitchFamily="50" charset="-128"/>
+              </a:rPr>
+              <a:t>研修前・研修後で成長したこと</a:t>
+            </a:r>
+          </a:p>
+        </p:txBody>
+      </p:sp>
+      <p:sp>
+        <p:nvSpPr>
+          <p:cNvPr id="3" name="コンテンツ プレースホルダー 2">
+            <a:extLst>
+              <a:ext uri="{FF2B5EF4-FFF2-40B4-BE49-F238E27FC236}">
+                <a16:creationId xmlns:a16="http://schemas.microsoft.com/office/drawing/2014/main" id="{2DC59C8F-BCB1-BF06-76BE-6807C06E7358}"/>
+              </a:ext>
+            </a:extLst>
+          </p:cNvPr>
+          <p:cNvSpPr>
+            <a:spLocks noGrp="1"/>
+          </p:cNvSpPr>
+          <p:nvPr>
+            <p:ph idx="1"/>
+          </p:nvPr>
+        </p:nvSpPr>
+        <p:spPr>
+          <a:xfrm>
+            <a:off x="4844561" y="1960685"/>
+            <a:ext cx="6796453" cy="3789484"/>
+          </a:xfrm>
+        </p:spPr>
+        <p:txBody>
+          <a:bodyPr>
+            <a:normAutofit/>
+          </a:bodyPr>
+          <a:lstStyle/>
+          <a:p>
+            <a:pPr marL="0" indent="0">
+              <a:buNone/>
+            </a:pPr>
+            <a:r>
+              <a:rPr lang="ja-JP" altLang="en-US" sz="2000" dirty="0">
+                <a:latin typeface="BIZ UDPゴシック" panose="020B0400000000000000" pitchFamily="50" charset="-128"/>
+                <a:ea typeface="BIZ UDPゴシック" panose="020B0400000000000000" pitchFamily="50" charset="-128"/>
+              </a:rPr>
+              <a:t>名前：渡辺</a:t>
+            </a:r>
+          </a:p>
+          <a:p>
+            <a:endParaRPr lang="ja-JP" altLang="en-US" sz="2000" dirty="0">
+              <a:latin typeface="BIZ UDPゴシック" panose="020B0400000000000000" pitchFamily="50" charset="-128"/>
+              <a:ea typeface="BIZ UDPゴシック" panose="020B0400000000000000" pitchFamily="50" charset="-128"/>
+            </a:endParaRPr>
+          </a:p>
+          <a:p>
+            <a:pPr marL="0" indent="0">
+              <a:buNone/>
+            </a:pPr>
+            <a:r>
+              <a:rPr lang="ja-JP" altLang="en-US" sz="2000" dirty="0">
+                <a:latin typeface="BIZ UDPゴシック" panose="020B0400000000000000" pitchFamily="50" charset="-128"/>
+                <a:ea typeface="BIZ UDPゴシック" panose="020B0400000000000000" pitchFamily="50" charset="-128"/>
+              </a:rPr>
+              <a:t>役職：機能担当</a:t>
+            </a:r>
+          </a:p>
+          <a:p>
+            <a:pPr marL="0" indent="0">
+              <a:buNone/>
+            </a:pPr>
+            <a:endParaRPr lang="ja-JP" altLang="en-US" sz="2000" dirty="0">
+              <a:latin typeface="BIZ UDPゴシック" panose="020B0400000000000000" pitchFamily="50" charset="-128"/>
+              <a:ea typeface="BIZ UDPゴシック" panose="020B0400000000000000" pitchFamily="50" charset="-128"/>
+            </a:endParaRPr>
+          </a:p>
+          <a:p>
+            <a:pPr marL="0" indent="0">
+              <a:buNone/>
+            </a:pPr>
+            <a:r>
+              <a:rPr lang="ja-JP" altLang="en-US" sz="2000" dirty="0">
+                <a:latin typeface="BIZ UDPゴシック" panose="020B0400000000000000" pitchFamily="50" charset="-128"/>
+                <a:ea typeface="BIZ UDPゴシック" panose="020B0400000000000000" pitchFamily="50" charset="-128"/>
+              </a:rPr>
+              <a:t>担当箇所：タイムライン、コメント機能、日記詳細画面</a:t>
+            </a:r>
+          </a:p>
+          <a:p>
+            <a:endParaRPr lang="ja-JP" altLang="en-US" sz="2000" dirty="0">
+              <a:latin typeface="BIZ UDPゴシック" panose="020B0400000000000000" pitchFamily="50" charset="-128"/>
+              <a:ea typeface="BIZ UDPゴシック" panose="020B0400000000000000" pitchFamily="50" charset="-128"/>
+            </a:endParaRPr>
+          </a:p>
+          <a:p>
+            <a:pPr marL="0" indent="0">
+              <a:buNone/>
+            </a:pPr>
+            <a:r>
+              <a:rPr lang="ja-JP" altLang="en-US" sz="2000" dirty="0">
+                <a:latin typeface="BIZ UDPゴシック" panose="020B0400000000000000" pitchFamily="50" charset="-128"/>
+                <a:ea typeface="BIZ UDPゴシック" panose="020B0400000000000000" pitchFamily="50" charset="-128"/>
+              </a:rPr>
+              <a:t>研修前：</a:t>
+            </a:r>
+          </a:p>
+          <a:p>
+            <a:endParaRPr lang="ja-JP" altLang="en-US" sz="2000" dirty="0">
+              <a:latin typeface="BIZ UDPゴシック" panose="020B0400000000000000" pitchFamily="50" charset="-128"/>
+              <a:ea typeface="BIZ UDPゴシック" panose="020B0400000000000000" pitchFamily="50" charset="-128"/>
+            </a:endParaRPr>
+          </a:p>
+          <a:p>
+            <a:pPr marL="0" indent="0">
+              <a:buNone/>
+            </a:pPr>
+            <a:r>
+              <a:rPr lang="ja-JP" altLang="en-US" sz="2000" dirty="0">
+                <a:latin typeface="BIZ UDPゴシック" panose="020B0400000000000000" pitchFamily="50" charset="-128"/>
+                <a:ea typeface="BIZ UDPゴシック" panose="020B0400000000000000" pitchFamily="50" charset="-128"/>
+              </a:rPr>
+              <a:t>研修後：</a:t>
+            </a:r>
+          </a:p>
+          <a:p>
+            <a:pPr marL="0" indent="0">
+              <a:buNone/>
+            </a:pPr>
+            <a:endParaRPr kumimoji="1" lang="ja-JP" altLang="en-US" dirty="0"/>
+          </a:p>
+        </p:txBody>
+      </p:sp>
+      <p:sp>
+        <p:nvSpPr>
+          <p:cNvPr id="4" name="正方形/長方形 3">
+            <a:extLst>
+              <a:ext uri="{FF2B5EF4-FFF2-40B4-BE49-F238E27FC236}">
+                <a16:creationId xmlns:a16="http://schemas.microsoft.com/office/drawing/2014/main" id="{2AAACF0E-661B-9F99-F13F-83B5C2C67ABE}"/>
+              </a:ext>
+            </a:extLst>
+          </p:cNvPr>
+          <p:cNvSpPr/>
+          <p:nvPr/>
+        </p:nvSpPr>
+        <p:spPr>
+          <a:xfrm>
+            <a:off x="10057512" y="5874328"/>
+            <a:ext cx="2134488" cy="665018"/>
+          </a:xfrm>
+          <a:prstGeom prst="rect">
+            <a:avLst/>
+          </a:prstGeom>
+          <a:solidFill>
+            <a:srgbClr val="FFFFE0"/>
+          </a:solidFill>
+          <a:ln>
+            <a:noFill/>
+          </a:ln>
+        </p:spPr>
+        <p:style>
+          <a:lnRef idx="2">
+            <a:schemeClr val="accent6"/>
+          </a:lnRef>
+          <a:fillRef idx="1">
+            <a:schemeClr val="lt1"/>
+          </a:fillRef>
+          <a:effectRef idx="0">
+            <a:schemeClr val="accent6"/>
+          </a:effectRef>
+          <a:fontRef idx="minor">
+            <a:schemeClr val="dk1"/>
+          </a:fontRef>
+        </p:style>
+        <p:txBody>
+          <a:bodyPr rtlCol="0" anchor="ctr"/>
+          <a:lstStyle/>
+          <a:p>
+            <a:pPr algn="ctr"/>
+            <a:r>
+              <a:rPr kumimoji="1" lang="en-US" altLang="ja-JP" dirty="0">
+                <a:solidFill>
+                  <a:schemeClr val="bg1">
+                    <a:lumMod val="75000"/>
+                  </a:schemeClr>
+                </a:solidFill>
+              </a:rPr>
+              <a:t>2025.7.31</a:t>
+            </a:r>
+            <a:endParaRPr kumimoji="1" lang="ja-JP" altLang="en-US" dirty="0">
+              <a:solidFill>
+                <a:schemeClr val="bg1">
+                  <a:lumMod val="75000"/>
+                </a:schemeClr>
+              </a:solidFill>
+            </a:endParaRPr>
+          </a:p>
+        </p:txBody>
+      </p:sp>
+      <p:sp>
+        <p:nvSpPr>
+          <p:cNvPr id="5" name="楕円 4">
+            <a:extLst>
+              <a:ext uri="{FF2B5EF4-FFF2-40B4-BE49-F238E27FC236}">
+                <a16:creationId xmlns:a16="http://schemas.microsoft.com/office/drawing/2014/main" id="{8419991C-32C6-D04D-DA59-A5F1111E048E}"/>
+              </a:ext>
+            </a:extLst>
+          </p:cNvPr>
+          <p:cNvSpPr/>
+          <p:nvPr/>
+        </p:nvSpPr>
+        <p:spPr>
+          <a:xfrm>
+            <a:off x="2039576" y="1960685"/>
+            <a:ext cx="1221769" cy="1207111"/>
+          </a:xfrm>
+          <a:prstGeom prst="ellipse">
+            <a:avLst/>
+          </a:prstGeom>
+          <a:ln>
+            <a:solidFill>
+              <a:schemeClr val="tx1"/>
+            </a:solidFill>
+          </a:ln>
+        </p:spPr>
+        <p:style>
+          <a:lnRef idx="2">
+            <a:schemeClr val="accent6"/>
+          </a:lnRef>
+          <a:fillRef idx="1">
+            <a:schemeClr val="lt1"/>
+          </a:fillRef>
+          <a:effectRef idx="0">
+            <a:schemeClr val="accent6"/>
+          </a:effectRef>
+          <a:fontRef idx="minor">
+            <a:schemeClr val="dk1"/>
+          </a:fontRef>
+        </p:style>
+        <p:txBody>
+          <a:bodyPr rtlCol="0" anchor="ctr"/>
+          <a:lstStyle/>
+          <a:p>
+            <a:pPr algn="ctr"/>
+            <a:endParaRPr kumimoji="1" lang="ja-JP" altLang="en-US"/>
+          </a:p>
+        </p:txBody>
+      </p:sp>
+    </p:spTree>
+    <p:extLst>
+      <p:ext uri="{BB962C8B-B14F-4D97-AF65-F5344CB8AC3E}">
+        <p14:creationId xmlns:p14="http://schemas.microsoft.com/office/powerpoint/2010/main" val="784679119"/>
+      </p:ext>
+    </p:extLst>
+  </p:cSld>
+  <p:clrMapOvr>
+    <a:masterClrMapping/>
+  </p:clrMapOvr>
+</p:sld>
+</file>
+
+<file path=ppt/slides/slide23.xml><?xml version="1.0" encoding="utf-8"?>
+<p:sld xmlns:a="http://schemas.openxmlformats.org/drawingml/2006/main" xmlns:r="http://schemas.openxmlformats.org/officeDocument/2006/relationships" xmlns:p="http://schemas.openxmlformats.org/presentationml/2006/main">
+  <p:cSld>
+    <p:spTree>
+      <p:nvGrpSpPr>
+        <p:cNvPr id="1" name="">
+          <a:extLst>
+            <a:ext uri="{FF2B5EF4-FFF2-40B4-BE49-F238E27FC236}">
+              <a16:creationId xmlns:a16="http://schemas.microsoft.com/office/drawing/2014/main" id="{75DCF633-0BF9-35F9-D2C4-B79B76B69270}"/>
+            </a:ext>
+          </a:extLst>
+        </p:cNvPr>
+        <p:cNvGrpSpPr/>
+        <p:nvPr/>
+      </p:nvGrpSpPr>
+      <p:grpSpPr>
+        <a:xfrm>
+          <a:off x="0" y="0"/>
+          <a:ext cx="0" cy="0"/>
+          <a:chOff x="0" y="0"/>
+          <a:chExt cx="0" cy="0"/>
+        </a:xfrm>
+      </p:grpSpPr>
+      <p:sp>
+        <p:nvSpPr>
+          <p:cNvPr id="7" name="正方形/長方形 6">
+            <a:extLst>
+              <a:ext uri="{FF2B5EF4-FFF2-40B4-BE49-F238E27FC236}">
+                <a16:creationId xmlns:a16="http://schemas.microsoft.com/office/drawing/2014/main" id="{8FE6ED34-8BCC-ACFB-3185-4E49C4111CBB}"/>
+              </a:ext>
+            </a:extLst>
+          </p:cNvPr>
+          <p:cNvSpPr/>
+          <p:nvPr/>
+        </p:nvSpPr>
+        <p:spPr>
+          <a:xfrm>
+            <a:off x="0" y="0"/>
+            <a:ext cx="12192000" cy="6858000"/>
+          </a:xfrm>
+          <a:prstGeom prst="rect">
+            <a:avLst/>
+          </a:prstGeom>
+          <a:solidFill>
+            <a:srgbClr val="FFFFE0"/>
+          </a:solidFill>
+          <a:ln>
+            <a:noFill/>
+          </a:ln>
+        </p:spPr>
+        <p:style>
+          <a:lnRef idx="2">
+            <a:schemeClr val="accent1">
+              <a:shade val="15000"/>
+            </a:schemeClr>
+          </a:lnRef>
+          <a:fillRef idx="1">
+            <a:schemeClr val="accent1"/>
+          </a:fillRef>
+          <a:effectRef idx="0">
+            <a:schemeClr val="accent1"/>
+          </a:effectRef>
+          <a:fontRef idx="minor">
+            <a:schemeClr val="lt1"/>
+          </a:fontRef>
+        </p:style>
+        <p:txBody>
+          <a:bodyPr rtlCol="0" anchor="ctr"/>
+          <a:lstStyle/>
+          <a:p>
+            <a:pPr algn="ctr"/>
+            <a:endParaRPr kumimoji="1" lang="ja-JP" altLang="en-US"/>
+          </a:p>
+        </p:txBody>
+      </p:sp>
+      <p:sp>
+        <p:nvSpPr>
+          <p:cNvPr id="2" name="タイトル 1">
+            <a:extLst>
+              <a:ext uri="{FF2B5EF4-FFF2-40B4-BE49-F238E27FC236}">
+                <a16:creationId xmlns:a16="http://schemas.microsoft.com/office/drawing/2014/main" id="{65BD52FA-521A-5BE7-BC3E-43D198788ECE}"/>
+              </a:ext>
+            </a:extLst>
+          </p:cNvPr>
+          <p:cNvSpPr>
+            <a:spLocks noGrp="1"/>
+          </p:cNvSpPr>
+          <p:nvPr>
+            <p:ph type="title"/>
+          </p:nvPr>
+        </p:nvSpPr>
+        <p:spPr>
+          <a:xfrm>
+            <a:off x="2461847" y="375404"/>
+            <a:ext cx="7006340" cy="1207111"/>
+          </a:xfrm>
+        </p:spPr>
+        <p:txBody>
+          <a:bodyPr>
+            <a:normAutofit/>
+          </a:bodyPr>
+          <a:lstStyle/>
+          <a:p>
+            <a:r>
+              <a:rPr kumimoji="1" lang="en-US" altLang="ja-JP" sz="3600" b="1" dirty="0">
+                <a:latin typeface="BIZ UDPゴシック" panose="020B0400000000000000" pitchFamily="50" charset="-128"/>
+                <a:ea typeface="BIZ UDPゴシック" panose="020B0400000000000000" pitchFamily="50" charset="-128"/>
+              </a:rPr>
+              <a:t>Ⅸ</a:t>
+            </a:r>
+            <a:r>
+              <a:rPr lang="ja-JP" altLang="en-US" sz="3600" b="1" dirty="0">
+                <a:latin typeface="BIZ UDPゴシック" panose="020B0400000000000000" pitchFamily="50" charset="-128"/>
+                <a:ea typeface="BIZ UDPゴシック" panose="020B0400000000000000" pitchFamily="50" charset="-128"/>
+              </a:rPr>
+              <a:t>．</a:t>
+            </a:r>
+            <a:r>
+              <a:rPr kumimoji="1" lang="ja-JP" altLang="en-US" sz="3600" b="1" dirty="0">
+                <a:latin typeface="BIZ UDPゴシック" panose="020B0400000000000000" pitchFamily="50" charset="-128"/>
+                <a:ea typeface="BIZ UDPゴシック" panose="020B0400000000000000" pitchFamily="50" charset="-128"/>
+              </a:rPr>
+              <a:t>研修前・研修後で成長したこと</a:t>
+            </a:r>
+          </a:p>
+        </p:txBody>
+      </p:sp>
+      <p:sp>
+        <p:nvSpPr>
+          <p:cNvPr id="3" name="コンテンツ プレースホルダー 2">
+            <a:extLst>
+              <a:ext uri="{FF2B5EF4-FFF2-40B4-BE49-F238E27FC236}">
+                <a16:creationId xmlns:a16="http://schemas.microsoft.com/office/drawing/2014/main" id="{D97FB519-BCDD-DBBD-F654-1F94ECFC1C50}"/>
+              </a:ext>
+            </a:extLst>
+          </p:cNvPr>
+          <p:cNvSpPr>
+            <a:spLocks noGrp="1"/>
+          </p:cNvSpPr>
+          <p:nvPr>
+            <p:ph idx="1"/>
+          </p:nvPr>
+        </p:nvSpPr>
+        <p:spPr>
+          <a:xfrm>
+            <a:off x="4844561" y="1960685"/>
+            <a:ext cx="6796453" cy="3789484"/>
+          </a:xfrm>
+        </p:spPr>
+        <p:txBody>
+          <a:bodyPr>
+            <a:normAutofit/>
+          </a:bodyPr>
+          <a:lstStyle/>
+          <a:p>
+            <a:pPr marL="0" indent="0">
+              <a:buNone/>
+            </a:pPr>
+            <a:r>
+              <a:rPr lang="ja-JP" altLang="en-US" sz="2000" dirty="0">
+                <a:latin typeface="BIZ UDPゴシック" panose="020B0400000000000000" pitchFamily="50" charset="-128"/>
+                <a:ea typeface="BIZ UDPゴシック" panose="020B0400000000000000" pitchFamily="50" charset="-128"/>
+              </a:rPr>
+              <a:t>名前：ウィン</a:t>
+            </a:r>
+          </a:p>
+          <a:p>
+            <a:endParaRPr lang="ja-JP" altLang="en-US" sz="2000" dirty="0">
+              <a:latin typeface="BIZ UDPゴシック" panose="020B0400000000000000" pitchFamily="50" charset="-128"/>
+              <a:ea typeface="BIZ UDPゴシック" panose="020B0400000000000000" pitchFamily="50" charset="-128"/>
+            </a:endParaRPr>
+          </a:p>
+          <a:p>
+            <a:pPr marL="0" indent="0">
+              <a:buNone/>
+            </a:pPr>
+            <a:r>
+              <a:rPr lang="ja-JP" altLang="en-US" sz="2000" dirty="0">
+                <a:latin typeface="BIZ UDPゴシック" panose="020B0400000000000000" pitchFamily="50" charset="-128"/>
+                <a:ea typeface="BIZ UDPゴシック" panose="020B0400000000000000" pitchFamily="50" charset="-128"/>
+              </a:rPr>
+              <a:t>役職：機能担当</a:t>
+            </a:r>
+          </a:p>
+          <a:p>
+            <a:pPr marL="0" indent="0">
+              <a:buNone/>
+            </a:pPr>
+            <a:endParaRPr lang="ja-JP" altLang="en-US" sz="2000" dirty="0">
+              <a:latin typeface="BIZ UDPゴシック" panose="020B0400000000000000" pitchFamily="50" charset="-128"/>
+              <a:ea typeface="BIZ UDPゴシック" panose="020B0400000000000000" pitchFamily="50" charset="-128"/>
+            </a:endParaRPr>
+          </a:p>
+          <a:p>
+            <a:pPr marL="0" indent="0">
+              <a:buNone/>
+            </a:pPr>
+            <a:r>
+              <a:rPr lang="ja-JP" altLang="en-US" sz="2000" dirty="0">
+                <a:latin typeface="BIZ UDPゴシック" panose="020B0400000000000000" pitchFamily="50" charset="-128"/>
+                <a:ea typeface="BIZ UDPゴシック" panose="020B0400000000000000" pitchFamily="50" charset="-128"/>
+              </a:rPr>
+              <a:t>担当箇所：日記登録画面、リアクション機能、投稿機能</a:t>
+            </a:r>
+          </a:p>
+          <a:p>
+            <a:endParaRPr lang="ja-JP" altLang="en-US" sz="2000" dirty="0">
+              <a:latin typeface="BIZ UDPゴシック" panose="020B0400000000000000" pitchFamily="50" charset="-128"/>
+              <a:ea typeface="BIZ UDPゴシック" panose="020B0400000000000000" pitchFamily="50" charset="-128"/>
+            </a:endParaRPr>
+          </a:p>
+          <a:p>
+            <a:pPr marL="0" indent="0">
+              <a:buNone/>
+            </a:pPr>
+            <a:r>
+              <a:rPr lang="ja-JP" altLang="en-US" sz="2000" dirty="0">
+                <a:latin typeface="BIZ UDPゴシック" panose="020B0400000000000000" pitchFamily="50" charset="-128"/>
+                <a:ea typeface="BIZ UDPゴシック" panose="020B0400000000000000" pitchFamily="50" charset="-128"/>
+              </a:rPr>
+              <a:t>研修前：</a:t>
+            </a:r>
+          </a:p>
+          <a:p>
+            <a:endParaRPr lang="ja-JP" altLang="en-US" sz="2000" dirty="0">
+              <a:latin typeface="BIZ UDPゴシック" panose="020B0400000000000000" pitchFamily="50" charset="-128"/>
+              <a:ea typeface="BIZ UDPゴシック" panose="020B0400000000000000" pitchFamily="50" charset="-128"/>
+            </a:endParaRPr>
+          </a:p>
+          <a:p>
+            <a:pPr marL="0" indent="0">
+              <a:buNone/>
+            </a:pPr>
+            <a:r>
+              <a:rPr lang="ja-JP" altLang="en-US" sz="2000" dirty="0">
+                <a:latin typeface="BIZ UDPゴシック" panose="020B0400000000000000" pitchFamily="50" charset="-128"/>
+                <a:ea typeface="BIZ UDPゴシック" panose="020B0400000000000000" pitchFamily="50" charset="-128"/>
+              </a:rPr>
+              <a:t>研修後：</a:t>
+            </a:r>
+          </a:p>
+          <a:p>
+            <a:endParaRPr kumimoji="1" lang="ja-JP" altLang="en-US" dirty="0"/>
+          </a:p>
+        </p:txBody>
+      </p:sp>
+      <p:sp>
+        <p:nvSpPr>
+          <p:cNvPr id="4" name="正方形/長方形 3">
+            <a:extLst>
+              <a:ext uri="{FF2B5EF4-FFF2-40B4-BE49-F238E27FC236}">
+                <a16:creationId xmlns:a16="http://schemas.microsoft.com/office/drawing/2014/main" id="{B91014D7-4D8A-1AEE-BE31-C7580140E5A3}"/>
+              </a:ext>
+            </a:extLst>
+          </p:cNvPr>
+          <p:cNvSpPr/>
+          <p:nvPr/>
+        </p:nvSpPr>
+        <p:spPr>
+          <a:xfrm>
+            <a:off x="10057512" y="5874328"/>
+            <a:ext cx="2134488" cy="665018"/>
+          </a:xfrm>
+          <a:prstGeom prst="rect">
+            <a:avLst/>
+          </a:prstGeom>
+          <a:solidFill>
+            <a:srgbClr val="FFFFE0"/>
+          </a:solidFill>
+          <a:ln>
+            <a:noFill/>
+          </a:ln>
+        </p:spPr>
+        <p:style>
+          <a:lnRef idx="2">
+            <a:schemeClr val="accent6"/>
+          </a:lnRef>
+          <a:fillRef idx="1">
+            <a:schemeClr val="lt1"/>
+          </a:fillRef>
+          <a:effectRef idx="0">
+            <a:schemeClr val="accent6"/>
+          </a:effectRef>
+          <a:fontRef idx="minor">
+            <a:schemeClr val="dk1"/>
+          </a:fontRef>
+        </p:style>
+        <p:txBody>
+          <a:bodyPr rtlCol="0" anchor="ctr"/>
+          <a:lstStyle/>
+          <a:p>
+            <a:pPr algn="ctr"/>
+            <a:r>
+              <a:rPr kumimoji="1" lang="en-US" altLang="ja-JP" dirty="0">
+                <a:solidFill>
+                  <a:schemeClr val="bg1">
+                    <a:lumMod val="75000"/>
+                  </a:schemeClr>
+                </a:solidFill>
+              </a:rPr>
+              <a:t>2025.7.31</a:t>
+            </a:r>
+            <a:endParaRPr kumimoji="1" lang="ja-JP" altLang="en-US" dirty="0">
+              <a:solidFill>
+                <a:schemeClr val="bg1">
+                  <a:lumMod val="75000"/>
+                </a:schemeClr>
+              </a:solidFill>
+            </a:endParaRPr>
+          </a:p>
+        </p:txBody>
+      </p:sp>
+      <p:sp>
+        <p:nvSpPr>
+          <p:cNvPr id="5" name="楕円 4">
+            <a:extLst>
+              <a:ext uri="{FF2B5EF4-FFF2-40B4-BE49-F238E27FC236}">
+                <a16:creationId xmlns:a16="http://schemas.microsoft.com/office/drawing/2014/main" id="{DF47B5FA-BB14-5048-D825-17C453B09259}"/>
+              </a:ext>
+            </a:extLst>
+          </p:cNvPr>
+          <p:cNvSpPr/>
+          <p:nvPr/>
+        </p:nvSpPr>
+        <p:spPr>
+          <a:xfrm>
+            <a:off x="2039576" y="1960685"/>
+            <a:ext cx="1221769" cy="1207111"/>
+          </a:xfrm>
+          <a:prstGeom prst="ellipse">
+            <a:avLst/>
+          </a:prstGeom>
+          <a:ln>
+            <a:solidFill>
+              <a:schemeClr val="tx1"/>
+            </a:solidFill>
+          </a:ln>
+        </p:spPr>
+        <p:style>
+          <a:lnRef idx="2">
+            <a:schemeClr val="accent6"/>
+          </a:lnRef>
+          <a:fillRef idx="1">
+            <a:schemeClr val="lt1"/>
+          </a:fillRef>
+          <a:effectRef idx="0">
+            <a:schemeClr val="accent6"/>
+          </a:effectRef>
+          <a:fontRef idx="minor">
+            <a:schemeClr val="dk1"/>
+          </a:fontRef>
+        </p:style>
+        <p:txBody>
+          <a:bodyPr rtlCol="0" anchor="ctr"/>
+          <a:lstStyle/>
+          <a:p>
+            <a:pPr algn="ctr"/>
+            <a:endParaRPr kumimoji="1" lang="ja-JP" altLang="en-US"/>
+          </a:p>
+        </p:txBody>
+      </p:sp>
+    </p:spTree>
+    <p:extLst>
+      <p:ext uri="{BB962C8B-B14F-4D97-AF65-F5344CB8AC3E}">
+        <p14:creationId xmlns:p14="http://schemas.microsoft.com/office/powerpoint/2010/main" val="326516702"/>
+      </p:ext>
+    </p:extLst>
+  </p:cSld>
+  <p:clrMapOvr>
+    <a:masterClrMapping/>
+  </p:clrMapOvr>
+</p:sld>
+</file>
+
+<file path=ppt/slides/slide24.xml><?xml version="1.0" encoding="utf-8"?>
+<p:sld xmlns:a="http://schemas.openxmlformats.org/drawingml/2006/main" xmlns:r="http://schemas.openxmlformats.org/officeDocument/2006/relationships" xmlns:p="http://schemas.openxmlformats.org/presentationml/2006/main">
+  <p:cSld>
+    <p:spTree>
+      <p:nvGrpSpPr>
+        <p:cNvPr id="1" name="">
+          <a:extLst>
+            <a:ext uri="{FF2B5EF4-FFF2-40B4-BE49-F238E27FC236}">
+              <a16:creationId xmlns:a16="http://schemas.microsoft.com/office/drawing/2014/main" id="{85626C81-84CA-0888-7879-12B69E761761}"/>
+            </a:ext>
+          </a:extLst>
+        </p:cNvPr>
+        <p:cNvGrpSpPr/>
+        <p:nvPr/>
+      </p:nvGrpSpPr>
+      <p:grpSpPr>
+        <a:xfrm>
+          <a:off x="0" y="0"/>
+          <a:ext cx="0" cy="0"/>
+          <a:chOff x="0" y="0"/>
+          <a:chExt cx="0" cy="0"/>
+        </a:xfrm>
+      </p:grpSpPr>
+      <p:sp>
+        <p:nvSpPr>
+          <p:cNvPr id="3" name="正方形/長方形 2">
+            <a:extLst>
+              <a:ext uri="{FF2B5EF4-FFF2-40B4-BE49-F238E27FC236}">
+                <a16:creationId xmlns:a16="http://schemas.microsoft.com/office/drawing/2014/main" id="{F9306798-2B9B-C90E-F7D4-3A00E9E5A4FA}"/>
+              </a:ext>
+            </a:extLst>
+          </p:cNvPr>
+          <p:cNvSpPr/>
+          <p:nvPr/>
+        </p:nvSpPr>
+        <p:spPr>
+          <a:xfrm>
+            <a:off x="-70338" y="0"/>
+            <a:ext cx="12192000" cy="6858000"/>
+          </a:xfrm>
+          <a:prstGeom prst="rect">
+            <a:avLst/>
+          </a:prstGeom>
+          <a:solidFill>
+            <a:srgbClr val="FFFFE0"/>
+          </a:solidFill>
+          <a:ln>
+            <a:noFill/>
+          </a:ln>
+        </p:spPr>
+        <p:style>
+          <a:lnRef idx="2">
+            <a:schemeClr val="accent1">
+              <a:shade val="15000"/>
+            </a:schemeClr>
+          </a:lnRef>
+          <a:fillRef idx="1">
+            <a:schemeClr val="accent1"/>
+          </a:fillRef>
+          <a:effectRef idx="0">
+            <a:schemeClr val="accent1"/>
+          </a:effectRef>
+          <a:fontRef idx="minor">
+            <a:schemeClr val="lt1"/>
+          </a:fontRef>
+        </p:style>
+        <p:txBody>
+          <a:bodyPr rtlCol="0" anchor="ctr"/>
+          <a:lstStyle/>
+          <a:p>
+            <a:pPr algn="ctr"/>
+            <a:endParaRPr kumimoji="1" lang="ja-JP" altLang="en-US"/>
+          </a:p>
+        </p:txBody>
+      </p:sp>
+      <p:sp>
+        <p:nvSpPr>
+          <p:cNvPr id="2" name="タイトル 1">
+            <a:extLst>
+              <a:ext uri="{FF2B5EF4-FFF2-40B4-BE49-F238E27FC236}">
+                <a16:creationId xmlns:a16="http://schemas.microsoft.com/office/drawing/2014/main" id="{13FDBD43-FD0C-7270-A59C-E145168691B0}"/>
+              </a:ext>
+            </a:extLst>
+          </p:cNvPr>
+          <p:cNvSpPr>
+            <a:spLocks noGrp="1"/>
+          </p:cNvSpPr>
+          <p:nvPr>
+            <p:ph type="title"/>
+          </p:nvPr>
+        </p:nvSpPr>
+        <p:spPr>
+          <a:xfrm>
+            <a:off x="5471391" y="753918"/>
+            <a:ext cx="1249218" cy="1062614"/>
+          </a:xfrm>
+        </p:spPr>
+        <p:txBody>
+          <a:bodyPr>
+            <a:normAutofit/>
+          </a:bodyPr>
+          <a:lstStyle/>
+          <a:p>
+            <a:r>
+              <a:rPr kumimoji="1" lang="ja-JP" altLang="en-US" sz="3600" b="1" dirty="0">
+                <a:latin typeface="BIZ UDPゴシック" panose="020B0400000000000000" pitchFamily="50" charset="-128"/>
+                <a:ea typeface="BIZ UDPゴシック" panose="020B0400000000000000" pitchFamily="50" charset="-128"/>
+              </a:rPr>
+              <a:t>謝辞</a:t>
+            </a:r>
+          </a:p>
+        </p:txBody>
+      </p:sp>
+      <p:sp>
+        <p:nvSpPr>
+          <p:cNvPr id="4" name="正方形/長方形 3">
+            <a:extLst>
+              <a:ext uri="{FF2B5EF4-FFF2-40B4-BE49-F238E27FC236}">
+                <a16:creationId xmlns:a16="http://schemas.microsoft.com/office/drawing/2014/main" id="{5AB19DC7-029E-6BDB-0DCF-07597F6F79CF}"/>
+              </a:ext>
+            </a:extLst>
+          </p:cNvPr>
+          <p:cNvSpPr/>
+          <p:nvPr/>
+        </p:nvSpPr>
+        <p:spPr>
+          <a:xfrm>
+            <a:off x="10057512" y="5874328"/>
+            <a:ext cx="2134488" cy="665018"/>
+          </a:xfrm>
+          <a:prstGeom prst="rect">
+            <a:avLst/>
+          </a:prstGeom>
+          <a:solidFill>
+            <a:srgbClr val="FFFFE0"/>
+          </a:solidFill>
+          <a:ln>
+            <a:noFill/>
+          </a:ln>
+        </p:spPr>
+        <p:style>
+          <a:lnRef idx="2">
+            <a:schemeClr val="accent6"/>
+          </a:lnRef>
+          <a:fillRef idx="1">
+            <a:schemeClr val="lt1"/>
+          </a:fillRef>
+          <a:effectRef idx="0">
+            <a:schemeClr val="accent6"/>
+          </a:effectRef>
+          <a:fontRef idx="minor">
+            <a:schemeClr val="dk1"/>
+          </a:fontRef>
+        </p:style>
+        <p:txBody>
+          <a:bodyPr rtlCol="0" anchor="ctr"/>
+          <a:lstStyle/>
+          <a:p>
+            <a:pPr algn="ctr"/>
+            <a:r>
+              <a:rPr kumimoji="1" lang="en-US" altLang="ja-JP" dirty="0">
+                <a:solidFill>
+                  <a:schemeClr val="bg1">
+                    <a:lumMod val="75000"/>
+                  </a:schemeClr>
+                </a:solidFill>
+              </a:rPr>
+              <a:t>2025.7.31</a:t>
+            </a:r>
+            <a:endParaRPr kumimoji="1" lang="ja-JP" altLang="en-US" dirty="0">
+              <a:solidFill>
+                <a:schemeClr val="bg1">
+                  <a:lumMod val="75000"/>
+                </a:schemeClr>
+              </a:solidFill>
+            </a:endParaRPr>
+          </a:p>
+        </p:txBody>
+      </p:sp>
+      <p:sp>
+        <p:nvSpPr>
+          <p:cNvPr id="7" name="正方形/長方形 6">
+            <a:extLst>
+              <a:ext uri="{FF2B5EF4-FFF2-40B4-BE49-F238E27FC236}">
+                <a16:creationId xmlns:a16="http://schemas.microsoft.com/office/drawing/2014/main" id="{0FFAEF7A-E5C0-A4C9-4664-82F867DBAAD6}"/>
+              </a:ext>
+            </a:extLst>
+          </p:cNvPr>
+          <p:cNvSpPr/>
+          <p:nvPr/>
+        </p:nvSpPr>
+        <p:spPr>
+          <a:xfrm>
+            <a:off x="2674420" y="2253774"/>
+            <a:ext cx="7582424" cy="2350451"/>
+          </a:xfrm>
+          <a:prstGeom prst="rect">
+            <a:avLst/>
+          </a:prstGeom>
+          <a:noFill/>
+          <a:ln>
+            <a:noFill/>
+          </a:ln>
+        </p:spPr>
+        <p:style>
+          <a:lnRef idx="2">
+            <a:schemeClr val="accent1">
+              <a:shade val="15000"/>
+            </a:schemeClr>
+          </a:lnRef>
+          <a:fillRef idx="1">
+            <a:schemeClr val="accent1"/>
+          </a:fillRef>
+          <a:effectRef idx="0">
+            <a:schemeClr val="accent1"/>
+          </a:effectRef>
+          <a:fontRef idx="minor">
+            <a:schemeClr val="lt1"/>
+          </a:fontRef>
+        </p:style>
+        <p:txBody>
+          <a:bodyPr rtlCol="0" anchor="ctr"/>
+          <a:lstStyle/>
+          <a:p>
+            <a:r>
+              <a:rPr lang="ja-JP" altLang="en-US" sz="2200" b="1" i="0" dirty="0">
+                <a:solidFill>
+                  <a:schemeClr val="bg2">
+                    <a:lumMod val="25000"/>
+                  </a:schemeClr>
+                </a:solidFill>
+                <a:effectLst/>
+                <a:latin typeface="BIZ UDPゴシック" panose="020B0400000000000000" pitchFamily="50" charset="-128"/>
+                <a:ea typeface="BIZ UDPゴシック" panose="020B0400000000000000" pitchFamily="50" charset="-128"/>
+              </a:rPr>
+              <a:t>研修講師の皆様、ならびに研修事務局の皆様</a:t>
+            </a:r>
+            <a:endParaRPr lang="en-US" altLang="ja-JP" sz="2200" b="1" i="0" dirty="0">
+              <a:solidFill>
+                <a:schemeClr val="bg2">
+                  <a:lumMod val="25000"/>
+                </a:schemeClr>
+              </a:solidFill>
+              <a:effectLst/>
+              <a:latin typeface="BIZ UDPゴシック" panose="020B0400000000000000" pitchFamily="50" charset="-128"/>
+              <a:ea typeface="BIZ UDPゴシック" panose="020B0400000000000000" pitchFamily="50" charset="-128"/>
+            </a:endParaRPr>
+          </a:p>
+          <a:p>
+            <a:br>
+              <a:rPr lang="ja-JP" altLang="en-US" sz="2200" b="1" dirty="0">
+                <a:solidFill>
+                  <a:schemeClr val="bg2">
+                    <a:lumMod val="25000"/>
+                  </a:schemeClr>
+                </a:solidFill>
+                <a:latin typeface="BIZ UDPゴシック" panose="020B0400000000000000" pitchFamily="50" charset="-128"/>
+                <a:ea typeface="BIZ UDPゴシック" panose="020B0400000000000000" pitchFamily="50" charset="-128"/>
+              </a:rPr>
+            </a:br>
+            <a:r>
+              <a:rPr lang="ja-JP" altLang="en-US" sz="2200" b="1" i="0" dirty="0">
+                <a:solidFill>
+                  <a:schemeClr val="bg2">
+                    <a:lumMod val="25000"/>
+                  </a:schemeClr>
+                </a:solidFill>
+                <a:effectLst/>
+                <a:latin typeface="BIZ UDPゴシック" panose="020B0400000000000000" pitchFamily="50" charset="-128"/>
+                <a:ea typeface="BIZ UDPゴシック" panose="020B0400000000000000" pitchFamily="50" charset="-128"/>
+              </a:rPr>
+              <a:t>一緒に学習してくれたクラスの仲間たち</a:t>
+            </a:r>
+            <a:endParaRPr lang="en-US" altLang="ja-JP" sz="2200" b="1" i="0" dirty="0">
+              <a:solidFill>
+                <a:schemeClr val="bg2">
+                  <a:lumMod val="25000"/>
+                </a:schemeClr>
+              </a:solidFill>
+              <a:effectLst/>
+              <a:latin typeface="BIZ UDPゴシック" panose="020B0400000000000000" pitchFamily="50" charset="-128"/>
+              <a:ea typeface="BIZ UDPゴシック" panose="020B0400000000000000" pitchFamily="50" charset="-128"/>
+            </a:endParaRPr>
+          </a:p>
+          <a:p>
+            <a:br>
+              <a:rPr lang="ja-JP" altLang="en-US" sz="2200" b="1" dirty="0">
+                <a:solidFill>
+                  <a:schemeClr val="bg2">
+                    <a:lumMod val="25000"/>
+                  </a:schemeClr>
+                </a:solidFill>
+                <a:latin typeface="BIZ UDPゴシック" panose="020B0400000000000000" pitchFamily="50" charset="-128"/>
+                <a:ea typeface="BIZ UDPゴシック" panose="020B0400000000000000" pitchFamily="50" charset="-128"/>
+              </a:rPr>
+            </a:br>
+            <a:r>
+              <a:rPr lang="ja-JP" altLang="en-US" sz="2200" b="1" i="0" dirty="0">
+                <a:solidFill>
+                  <a:schemeClr val="bg2">
+                    <a:lumMod val="25000"/>
+                  </a:schemeClr>
+                </a:solidFill>
+                <a:effectLst/>
+                <a:latin typeface="BIZ UDPゴシック" panose="020B0400000000000000" pitchFamily="50" charset="-128"/>
+                <a:ea typeface="BIZ UDPゴシック" panose="020B0400000000000000" pitchFamily="50" charset="-128"/>
+              </a:rPr>
+              <a:t>研修に参加させてくれた</a:t>
+            </a:r>
+            <a:r>
+              <a:rPr lang="ja-JP" altLang="en-US" sz="2200" b="1" dirty="0">
+                <a:solidFill>
+                  <a:schemeClr val="bg2">
+                    <a:lumMod val="25000"/>
+                  </a:schemeClr>
+                </a:solidFill>
+                <a:latin typeface="BIZ UDPゴシック" panose="020B0400000000000000" pitchFamily="50" charset="-128"/>
+                <a:ea typeface="BIZ UDPゴシック" panose="020B0400000000000000" pitchFamily="50" charset="-128"/>
+              </a:rPr>
+              <a:t>企業</a:t>
+            </a:r>
+            <a:r>
+              <a:rPr lang="ja-JP" altLang="en-US" sz="2200" b="1" i="0" dirty="0">
+                <a:solidFill>
+                  <a:schemeClr val="bg2">
+                    <a:lumMod val="25000"/>
+                  </a:schemeClr>
+                </a:solidFill>
+                <a:effectLst/>
+                <a:latin typeface="BIZ UDPゴシック" panose="020B0400000000000000" pitchFamily="50" charset="-128"/>
+                <a:ea typeface="BIZ UDPゴシック" panose="020B0400000000000000" pitchFamily="50" charset="-128"/>
+              </a:rPr>
+              <a:t>の皆様に御礼申し上げます。</a:t>
+            </a:r>
+            <a:endParaRPr kumimoji="1" lang="ja-JP" altLang="en-US" sz="2200" b="1" dirty="0">
+              <a:solidFill>
+                <a:schemeClr val="bg2">
+                  <a:lumMod val="25000"/>
+                </a:schemeClr>
+              </a:solidFill>
+              <a:latin typeface="BIZ UDPゴシック" panose="020B0400000000000000" pitchFamily="50" charset="-128"/>
+              <a:ea typeface="BIZ UDPゴシック" panose="020B0400000000000000" pitchFamily="50" charset="-128"/>
+            </a:endParaRPr>
+          </a:p>
+        </p:txBody>
+      </p:sp>
+    </p:spTree>
+    <p:extLst>
+      <p:ext uri="{BB962C8B-B14F-4D97-AF65-F5344CB8AC3E}">
+        <p14:creationId xmlns:p14="http://schemas.microsoft.com/office/powerpoint/2010/main" val="1761700708"/>
+      </p:ext>
+    </p:extLst>
+  </p:cSld>
+  <p:clrMapOvr>
+    <a:masterClrMapping/>
+  </p:clrMapOvr>
+</p:sld>
+</file>
+
+<file path=ppt/slides/slide25.xml><?xml version="1.0" encoding="utf-8"?>
+<p:sld xmlns:a="http://schemas.openxmlformats.org/drawingml/2006/main" xmlns:r="http://schemas.openxmlformats.org/officeDocument/2006/relationships" xmlns:p="http://schemas.openxmlformats.org/presentationml/2006/main">
+  <p:cSld>
+    <p:spTree>
+      <p:nvGrpSpPr>
+        <p:cNvPr id="1" name="">
+          <a:extLst>
+            <a:ext uri="{FF2B5EF4-FFF2-40B4-BE49-F238E27FC236}">
+              <a16:creationId xmlns:a16="http://schemas.microsoft.com/office/drawing/2014/main" id="{BE910F90-0610-0FF8-5063-CB0471949DBD}"/>
+            </a:ext>
+          </a:extLst>
+        </p:cNvPr>
+        <p:cNvGrpSpPr/>
+        <p:nvPr/>
+      </p:nvGrpSpPr>
+      <p:grpSpPr>
+        <a:xfrm>
+          <a:off x="0" y="0"/>
+          <a:ext cx="0" cy="0"/>
+          <a:chOff x="0" y="0"/>
+          <a:chExt cx="0" cy="0"/>
+        </a:xfrm>
+      </p:grpSpPr>
+      <p:sp>
+        <p:nvSpPr>
+          <p:cNvPr id="2" name="正方形/長方形 1">
+            <a:extLst>
+              <a:ext uri="{FF2B5EF4-FFF2-40B4-BE49-F238E27FC236}">
+                <a16:creationId xmlns:a16="http://schemas.microsoft.com/office/drawing/2014/main" id="{4893F8C4-0C39-137F-64F7-34E9F62F5E00}"/>
+              </a:ext>
+            </a:extLst>
+          </p:cNvPr>
+          <p:cNvSpPr/>
+          <p:nvPr/>
+        </p:nvSpPr>
+        <p:spPr>
+          <a:xfrm>
+            <a:off x="0" y="0"/>
+            <a:ext cx="12192000" cy="6858000"/>
+          </a:xfrm>
+          <a:prstGeom prst="rect">
+            <a:avLst/>
+          </a:prstGeom>
+          <a:solidFill>
+            <a:srgbClr val="FFFFE0"/>
+          </a:solidFill>
+          <a:ln>
+            <a:noFill/>
+          </a:ln>
+        </p:spPr>
+        <p:style>
+          <a:lnRef idx="2">
+            <a:schemeClr val="accent1">
+              <a:shade val="15000"/>
+            </a:schemeClr>
+          </a:lnRef>
+          <a:fillRef idx="1">
+            <a:schemeClr val="accent1"/>
+          </a:fillRef>
+          <a:effectRef idx="0">
+            <a:schemeClr val="accent1"/>
+          </a:effectRef>
+          <a:fontRef idx="minor">
+            <a:schemeClr val="lt1"/>
+          </a:fontRef>
+        </p:style>
+        <p:txBody>
+          <a:bodyPr rtlCol="0" anchor="ctr"/>
+          <a:lstStyle/>
+          <a:p>
+            <a:pPr algn="ctr"/>
+            <a:endParaRPr kumimoji="1" lang="ja-JP" altLang="en-US"/>
+          </a:p>
+        </p:txBody>
+      </p:sp>
+      <p:sp>
+        <p:nvSpPr>
+          <p:cNvPr id="4" name="正方形/長方形 3">
+            <a:extLst>
+              <a:ext uri="{FF2B5EF4-FFF2-40B4-BE49-F238E27FC236}">
+                <a16:creationId xmlns:a16="http://schemas.microsoft.com/office/drawing/2014/main" id="{90711750-0E4B-FA23-3B6E-DC5F8ADC1312}"/>
+              </a:ext>
+            </a:extLst>
+          </p:cNvPr>
+          <p:cNvSpPr/>
+          <p:nvPr/>
+        </p:nvSpPr>
+        <p:spPr>
+          <a:xfrm>
+            <a:off x="10057512" y="5874328"/>
+            <a:ext cx="2134488" cy="665018"/>
+          </a:xfrm>
+          <a:prstGeom prst="rect">
+            <a:avLst/>
+          </a:prstGeom>
+          <a:solidFill>
+            <a:srgbClr val="FFFFE0"/>
+          </a:solidFill>
+          <a:ln>
+            <a:noFill/>
+          </a:ln>
+        </p:spPr>
+        <p:style>
+          <a:lnRef idx="2">
+            <a:schemeClr val="accent6"/>
+          </a:lnRef>
+          <a:fillRef idx="1">
+            <a:schemeClr val="lt1"/>
+          </a:fillRef>
+          <a:effectRef idx="0">
+            <a:schemeClr val="accent6"/>
+          </a:effectRef>
+          <a:fontRef idx="minor">
+            <a:schemeClr val="dk1"/>
+          </a:fontRef>
+        </p:style>
+        <p:txBody>
+          <a:bodyPr rtlCol="0" anchor="ctr"/>
+          <a:lstStyle/>
+          <a:p>
+            <a:pPr algn="ctr"/>
+            <a:r>
+              <a:rPr kumimoji="1" lang="en-US" altLang="ja-JP" dirty="0">
+                <a:solidFill>
+                  <a:schemeClr val="bg1">
+                    <a:lumMod val="75000"/>
+                  </a:schemeClr>
+                </a:solidFill>
+              </a:rPr>
+              <a:t>2025.7.31</a:t>
+            </a:r>
+            <a:endParaRPr kumimoji="1" lang="ja-JP" altLang="en-US" dirty="0">
+              <a:solidFill>
+                <a:schemeClr val="bg1">
+                  <a:lumMod val="75000"/>
+                </a:schemeClr>
+              </a:solidFill>
+            </a:endParaRPr>
+          </a:p>
+        </p:txBody>
+      </p:sp>
+      <p:sp>
+        <p:nvSpPr>
+          <p:cNvPr id="7" name="正方形/長方形 6">
+            <a:extLst>
+              <a:ext uri="{FF2B5EF4-FFF2-40B4-BE49-F238E27FC236}">
+                <a16:creationId xmlns:a16="http://schemas.microsoft.com/office/drawing/2014/main" id="{B325477A-AAD9-B1BD-CCEC-54721EBC090A}"/>
+              </a:ext>
+            </a:extLst>
+          </p:cNvPr>
+          <p:cNvSpPr/>
+          <p:nvPr/>
+        </p:nvSpPr>
+        <p:spPr>
+          <a:xfrm>
+            <a:off x="3472615" y="2422236"/>
+            <a:ext cx="5403530" cy="1104843"/>
+          </a:xfrm>
+          <a:prstGeom prst="rect">
+            <a:avLst/>
+          </a:prstGeom>
+          <a:noFill/>
+          <a:ln>
+            <a:noFill/>
+          </a:ln>
+        </p:spPr>
+        <p:style>
+          <a:lnRef idx="2">
+            <a:schemeClr val="accent1">
+              <a:shade val="15000"/>
+            </a:schemeClr>
+          </a:lnRef>
+          <a:fillRef idx="1">
+            <a:schemeClr val="accent1"/>
+          </a:fillRef>
+          <a:effectRef idx="0">
+            <a:schemeClr val="accent1"/>
+          </a:effectRef>
+          <a:fontRef idx="minor">
+            <a:schemeClr val="lt1"/>
+          </a:fontRef>
+        </p:style>
+        <p:txBody>
+          <a:bodyPr rtlCol="0" anchor="ctr"/>
+          <a:lstStyle/>
+          <a:p>
+            <a:r>
+              <a:rPr kumimoji="1" lang="ja-JP" altLang="en-US" sz="2800" b="1" dirty="0">
+                <a:solidFill>
+                  <a:schemeClr val="bg2">
+                    <a:lumMod val="25000"/>
+                  </a:schemeClr>
+                </a:solidFill>
+              </a:rPr>
+              <a:t>ご清聴ありがとうございました</a:t>
+            </a:r>
+          </a:p>
+        </p:txBody>
+      </p:sp>
+    </p:spTree>
+    <p:extLst>
+      <p:ext uri="{BB962C8B-B14F-4D97-AF65-F5344CB8AC3E}">
+        <p14:creationId xmlns:p14="http://schemas.microsoft.com/office/powerpoint/2010/main" val="1635450372"/>
+      </p:ext>
+    </p:extLst>
+  </p:cSld>
+  <p:clrMapOvr>
+    <a:masterClrMapping/>
+  </p:clrMapOvr>
+</p:sld>
+</file>
+
 <file path=ppt/slides/slide3.xml><?xml version="1.0" encoding="utf-8"?>
 <p:sld xmlns:a="http://schemas.openxmlformats.org/drawingml/2006/main" xmlns:r="http://schemas.openxmlformats.org/officeDocument/2006/relationships" xmlns:p="http://schemas.openxmlformats.org/presentationml/2006/main">
   <p:cSld>
@@ -8744,7 +11217,7 @@
           <p:nvPr/>
         </p:nvPicPr>
         <p:blipFill>
-          <a:blip r:embed="rId2">
+          <a:blip r:embed="rId3">
             <a:extLst>
               <a:ext uri="{28A0092B-C50C-407E-A947-70E740481C1C}">
                 <a14:useLocalDpi xmlns:a14="http://schemas.microsoft.com/office/drawing/2010/main" val="0"/>
@@ -9900,7 +12373,7 @@
         <p:cNvPr id="1" name="">
           <a:extLst>
             <a:ext uri="{FF2B5EF4-FFF2-40B4-BE49-F238E27FC236}">
-              <a16:creationId xmlns:a16="http://schemas.microsoft.com/office/drawing/2014/main" id="{2C138538-E94E-BE64-DA14-87C3A805CF27}"/>
+              <a16:creationId xmlns:a16="http://schemas.microsoft.com/office/drawing/2014/main" id="{A377F56D-460C-3D07-90F7-3373898AAC51}"/>
             </a:ext>
           </a:extLst>
         </p:cNvPr>
@@ -9917,10 +12390,10 @@
       </p:grpSpPr>
       <p:sp>
         <p:nvSpPr>
-          <p:cNvPr id="10" name="正方形/長方形 9">
-            <a:extLst>
-              <a:ext uri="{FF2B5EF4-FFF2-40B4-BE49-F238E27FC236}">
-                <a16:creationId xmlns:a16="http://schemas.microsoft.com/office/drawing/2014/main" id="{B5E5B99F-3FCC-7859-6B1B-4F56598BC681}"/>
+          <p:cNvPr id="3" name="正方形/長方形 2">
+            <a:extLst>
+              <a:ext uri="{FF2B5EF4-FFF2-40B4-BE49-F238E27FC236}">
+                <a16:creationId xmlns:a16="http://schemas.microsoft.com/office/drawing/2014/main" id="{61E744E7-2DCA-FAC2-9007-46A0F4E80B29}"/>
               </a:ext>
             </a:extLst>
           </p:cNvPr>
@@ -9972,7 +12445,7 @@
           <p:cNvPr id="4" name="正方形/長方形 3">
             <a:extLst>
               <a:ext uri="{FF2B5EF4-FFF2-40B4-BE49-F238E27FC236}">
-                <a16:creationId xmlns:a16="http://schemas.microsoft.com/office/drawing/2014/main" id="{BAB044F6-595B-A213-8E1C-4BCCD096E6AE}"/>
+                <a16:creationId xmlns:a16="http://schemas.microsoft.com/office/drawing/2014/main" id="{89620052-E274-9D7A-0962-3A4C86138998}"/>
               </a:ext>
             </a:extLst>
           </p:cNvPr>
@@ -10038,7 +12511,7 @@
           <p:cNvPr id="5" name="タイトル 4">
             <a:extLst>
               <a:ext uri="{FF2B5EF4-FFF2-40B4-BE49-F238E27FC236}">
-                <a16:creationId xmlns:a16="http://schemas.microsoft.com/office/drawing/2014/main" id="{79C2DFEC-C09C-512F-F7BE-F1FE3B69F31D}"/>
+                <a16:creationId xmlns:a16="http://schemas.microsoft.com/office/drawing/2014/main" id="{4BF857F3-5673-86F9-C475-0242C531A31D}"/>
               </a:ext>
             </a:extLst>
           </p:cNvPr>
@@ -10051,13 +12524,13 @@
         </p:nvSpPr>
         <p:spPr>
           <a:xfrm>
-            <a:off x="4264269" y="473513"/>
-            <a:ext cx="2922777" cy="1044143"/>
+            <a:off x="3921370" y="560371"/>
+            <a:ext cx="4062045" cy="970252"/>
           </a:xfrm>
         </p:spPr>
         <p:txBody>
           <a:bodyPr>
-            <a:normAutofit/>
+            <a:noAutofit/>
           </a:bodyPr>
           <a:lstStyle/>
           <a:p>
@@ -10066,24 +12539,24 @@
                 <a:latin typeface="BIZ UDPゴシック" panose="020B0400000000000000" pitchFamily="50" charset="-128"/>
                 <a:ea typeface="BIZ UDPゴシック" panose="020B0400000000000000" pitchFamily="50" charset="-128"/>
               </a:rPr>
-              <a:t>Ⅳ</a:t>
+              <a:t>Ⅲ</a:t>
             </a:r>
             <a:r>
               <a:rPr lang="ja-JP" altLang="en-US" sz="3600" b="1" dirty="0">
                 <a:latin typeface="BIZ UDPゴシック" panose="020B0400000000000000" pitchFamily="50" charset="-128"/>
                 <a:ea typeface="BIZ UDPゴシック" panose="020B0400000000000000" pitchFamily="50" charset="-128"/>
               </a:rPr>
-              <a:t>．制作過程</a:t>
+              <a:t>．アプリの概要</a:t>
             </a:r>
           </a:p>
         </p:txBody>
       </p:sp>
       <p:pic>
         <p:nvPicPr>
-          <p:cNvPr id="3" name="図 2" descr="ダイアグラム&#10;&#10;AI 生成コンテンツは誤りを含む可能性があります。">
-            <a:extLst>
-              <a:ext uri="{FF2B5EF4-FFF2-40B4-BE49-F238E27FC236}">
-                <a16:creationId xmlns:a16="http://schemas.microsoft.com/office/drawing/2014/main" id="{C22CF34B-3AEC-9F56-28D2-4644747EA914}"/>
+          <p:cNvPr id="7" name="図 6" descr="カレンダー&#10;&#10;AI 生成コンテンツは誤りを含む可能性があります。">
+            <a:extLst>
+              <a:ext uri="{FF2B5EF4-FFF2-40B4-BE49-F238E27FC236}">
+                <a16:creationId xmlns:a16="http://schemas.microsoft.com/office/drawing/2014/main" id="{18EE7718-B21E-BC61-B2E9-795F96740B95}"/>
               </a:ext>
             </a:extLst>
           </p:cNvPr>
@@ -10106,56 +12579,27 @@
         </p:blipFill>
         <p:spPr>
           <a:xfrm>
-            <a:off x="6251961" y="2656259"/>
-            <a:ext cx="4884979" cy="2769577"/>
+            <a:off x="2755447" y="2358687"/>
+            <a:ext cx="6681105" cy="3671248"/>
           </a:xfrm>
           <a:prstGeom prst="rect">
             <a:avLst/>
           </a:prstGeom>
+          <a:ln>
+            <a:solidFill>
+              <a:schemeClr val="bg1">
+                <a:lumMod val="65000"/>
+              </a:schemeClr>
+            </a:solidFill>
+          </a:ln>
         </p:spPr>
       </p:pic>
-      <p:pic>
-        <p:nvPicPr>
-          <p:cNvPr id="7" name="図 6">
-            <a:extLst>
-              <a:ext uri="{FF2B5EF4-FFF2-40B4-BE49-F238E27FC236}">
-                <a16:creationId xmlns:a16="http://schemas.microsoft.com/office/drawing/2014/main" id="{4A10275E-D542-0E4B-8EAB-DBD7BD7BE559}"/>
-              </a:ext>
-            </a:extLst>
-          </p:cNvPr>
-          <p:cNvPicPr>
-            <a:picLocks noChangeAspect="1"/>
-          </p:cNvPicPr>
-          <p:nvPr/>
-        </p:nvPicPr>
-        <p:blipFill>
-          <a:blip r:embed="rId3">
-            <a:extLst>
-              <a:ext uri="{28A0092B-C50C-407E-A947-70E740481C1C}">
-                <a14:useLocalDpi xmlns:a14="http://schemas.microsoft.com/office/drawing/2010/main" val="0"/>
-              </a:ext>
-            </a:extLst>
-          </a:blip>
-          <a:stretch>
-            <a:fillRect/>
-          </a:stretch>
-        </p:blipFill>
-        <p:spPr>
-          <a:xfrm>
-            <a:off x="881548" y="2656259"/>
-            <a:ext cx="5130533" cy="2769577"/>
-          </a:xfrm>
-          <a:prstGeom prst="rect">
-            <a:avLst/>
-          </a:prstGeom>
-        </p:spPr>
-      </p:pic>
       <p:sp>
         <p:nvSpPr>
           <p:cNvPr id="8" name="四角形: 角を丸くする 7">
             <a:extLst>
               <a:ext uri="{FF2B5EF4-FFF2-40B4-BE49-F238E27FC236}">
-                <a16:creationId xmlns:a16="http://schemas.microsoft.com/office/drawing/2014/main" id="{EFEB75FE-47EE-60DB-2E8A-36D2A1C7CB82}"/>
+                <a16:creationId xmlns:a16="http://schemas.microsoft.com/office/drawing/2014/main" id="{C7CC1428-0492-1161-0005-7583B6368778}"/>
               </a:ext>
             </a:extLst>
           </p:cNvPr>
@@ -10164,17 +12608,19 @@
         </p:nvSpPr>
         <p:spPr>
           <a:xfrm>
-            <a:off x="2137011" y="1900036"/>
-            <a:ext cx="2250831" cy="615462"/>
+            <a:off x="5114013" y="1566836"/>
+            <a:ext cx="1726402" cy="622449"/>
           </a:xfrm>
           <a:prstGeom prst="roundRect">
             <a:avLst/>
           </a:prstGeom>
           <a:solidFill>
-            <a:srgbClr val="FFFFE0"/>
+            <a:srgbClr val="FFBF7F"/>
           </a:solidFill>
           <a:ln>
-            <a:noFill/>
+            <a:solidFill>
+              <a:srgbClr val="FFBF7F"/>
+            </a:solidFill>
           </a:ln>
         </p:spPr>
         <p:style>
@@ -10206,83 +12652,15 @@
                 <a:latin typeface="BIZ UDPゴシック" panose="020B0400000000000000" pitchFamily="50" charset="-128"/>
                 <a:ea typeface="BIZ UDPゴシック" panose="020B0400000000000000" pitchFamily="50" charset="-128"/>
               </a:rPr>
-              <a:t>スケジュール管理</a:t>
-            </a:r>
-          </a:p>
-        </p:txBody>
-      </p:sp>
-      <p:sp>
-        <p:nvSpPr>
-          <p:cNvPr id="9" name="四角形: 角を丸くする 8">
-            <a:extLst>
-              <a:ext uri="{FF2B5EF4-FFF2-40B4-BE49-F238E27FC236}">
-                <a16:creationId xmlns:a16="http://schemas.microsoft.com/office/drawing/2014/main" id="{66D2B006-F504-8A54-140E-6E1652FB8ADA}"/>
-              </a:ext>
-            </a:extLst>
-          </p:cNvPr>
-          <p:cNvSpPr/>
-          <p:nvPr/>
-        </p:nvSpPr>
-        <p:spPr>
-          <a:xfrm>
-            <a:off x="7464543" y="1900036"/>
-            <a:ext cx="2459813" cy="615462"/>
-          </a:xfrm>
-          <a:prstGeom prst="roundRect">
-            <a:avLst/>
-          </a:prstGeom>
-          <a:solidFill>
-            <a:srgbClr val="FFFFE0"/>
-          </a:solidFill>
-          <a:ln>
-            <a:noFill/>
-          </a:ln>
-        </p:spPr>
-        <p:style>
-          <a:lnRef idx="2">
-            <a:schemeClr val="accent1">
-              <a:shade val="15000"/>
-            </a:schemeClr>
-          </a:lnRef>
-          <a:fillRef idx="1">
-            <a:schemeClr val="accent1"/>
-          </a:fillRef>
-          <a:effectRef idx="0">
-            <a:schemeClr val="accent1"/>
-          </a:effectRef>
-          <a:fontRef idx="minor">
-            <a:schemeClr val="lt1"/>
-          </a:fontRef>
-        </p:style>
-        <p:txBody>
-          <a:bodyPr rtlCol="0" anchor="ctr"/>
-          <a:lstStyle/>
-          <a:p>
-            <a:pPr algn="ctr"/>
-            <a:r>
-              <a:rPr lang="ja-JP" altLang="en-US" b="1" dirty="0">
-                <a:solidFill>
-                  <a:schemeClr val="tx1"/>
-                </a:solidFill>
-                <a:latin typeface="BIZ UDPゴシック" panose="020B0400000000000000" pitchFamily="50" charset="-128"/>
-                <a:ea typeface="BIZ UDPゴシック" panose="020B0400000000000000" pitchFamily="50" charset="-128"/>
-              </a:rPr>
-              <a:t>アプリのイメージ図</a:t>
-            </a:r>
-            <a:endParaRPr kumimoji="1" lang="ja-JP" altLang="en-US" b="1" dirty="0">
-              <a:solidFill>
-                <a:schemeClr val="tx1"/>
-              </a:solidFill>
-              <a:latin typeface="BIZ UDPゴシック" panose="020B0400000000000000" pitchFamily="50" charset="-128"/>
-              <a:ea typeface="BIZ UDPゴシック" panose="020B0400000000000000" pitchFamily="50" charset="-128"/>
-            </a:endParaRPr>
+              <a:t>ホーム画面</a:t>
+            </a:r>
           </a:p>
         </p:txBody>
       </p:sp>
     </p:spTree>
     <p:extLst>
       <p:ext uri="{BB962C8B-B14F-4D97-AF65-F5344CB8AC3E}">
-        <p14:creationId xmlns:p14="http://schemas.microsoft.com/office/powerpoint/2010/main" val="3041499655"/>
+        <p14:creationId xmlns:p14="http://schemas.microsoft.com/office/powerpoint/2010/main" val="30773841"/>
       </p:ext>
     </p:extLst>
   </p:cSld>
@@ -10300,7 +12678,7 @@
         <p:cNvPr id="1" name="">
           <a:extLst>
             <a:ext uri="{FF2B5EF4-FFF2-40B4-BE49-F238E27FC236}">
-              <a16:creationId xmlns:a16="http://schemas.microsoft.com/office/drawing/2014/main" id="{02B84DD7-846C-F327-5DCB-EC43A7D0CD4D}"/>
+              <a16:creationId xmlns:a16="http://schemas.microsoft.com/office/drawing/2014/main" id="{2BDFE78E-F4C6-56C7-47E8-346549C24A7A}"/>
             </a:ext>
           </a:extLst>
         </p:cNvPr>
@@ -10317,10 +12695,10 @@
       </p:grpSpPr>
       <p:sp>
         <p:nvSpPr>
-          <p:cNvPr id="10" name="正方形/長方形 9">
-            <a:extLst>
-              <a:ext uri="{FF2B5EF4-FFF2-40B4-BE49-F238E27FC236}">
-                <a16:creationId xmlns:a16="http://schemas.microsoft.com/office/drawing/2014/main" id="{EC3E1487-92FD-A23D-B572-2628681007E5}"/>
+          <p:cNvPr id="3" name="正方形/長方形 2">
+            <a:extLst>
+              <a:ext uri="{FF2B5EF4-FFF2-40B4-BE49-F238E27FC236}">
+                <a16:creationId xmlns:a16="http://schemas.microsoft.com/office/drawing/2014/main" id="{2A6DFF2D-0C5D-935E-F937-B0A13D1240E5}"/>
               </a:ext>
             </a:extLst>
           </p:cNvPr>
@@ -10372,7 +12750,7 @@
           <p:cNvPr id="4" name="正方形/長方形 3">
             <a:extLst>
               <a:ext uri="{FF2B5EF4-FFF2-40B4-BE49-F238E27FC236}">
-                <a16:creationId xmlns:a16="http://schemas.microsoft.com/office/drawing/2014/main" id="{6BFD2770-5AE7-DCD2-1722-98043CD6A115}"/>
+                <a16:creationId xmlns:a16="http://schemas.microsoft.com/office/drawing/2014/main" id="{736B201B-8EEF-7C8C-0A78-FB22833C1BAE}"/>
               </a:ext>
             </a:extLst>
           </p:cNvPr>
@@ -10438,7 +12816,7 @@
           <p:cNvPr id="5" name="タイトル 4">
             <a:extLst>
               <a:ext uri="{FF2B5EF4-FFF2-40B4-BE49-F238E27FC236}">
-                <a16:creationId xmlns:a16="http://schemas.microsoft.com/office/drawing/2014/main" id="{C4040132-DADF-8E06-6EE4-903E10B873D1}"/>
+                <a16:creationId xmlns:a16="http://schemas.microsoft.com/office/drawing/2014/main" id="{24D7AA15-BDFB-5305-BC44-328E3FE88229}"/>
               </a:ext>
             </a:extLst>
           </p:cNvPr>
@@ -10451,13 +12829,13 @@
         </p:nvSpPr>
         <p:spPr>
           <a:xfrm>
-            <a:off x="4800600" y="702113"/>
-            <a:ext cx="2118946" cy="1044143"/>
+            <a:off x="3921370" y="560371"/>
+            <a:ext cx="4062045" cy="970252"/>
           </a:xfrm>
         </p:spPr>
         <p:txBody>
           <a:bodyPr>
-            <a:normAutofit/>
+            <a:noAutofit/>
           </a:bodyPr>
           <a:lstStyle/>
           <a:p>
@@ -10466,22 +12844,94 @@
                 <a:latin typeface="BIZ UDPゴシック" panose="020B0400000000000000" pitchFamily="50" charset="-128"/>
                 <a:ea typeface="BIZ UDPゴシック" panose="020B0400000000000000" pitchFamily="50" charset="-128"/>
               </a:rPr>
-              <a:t>Ⅴ</a:t>
+              <a:t>Ⅲ</a:t>
             </a:r>
             <a:r>
               <a:rPr lang="ja-JP" altLang="en-US" sz="3600" b="1" dirty="0">
                 <a:latin typeface="BIZ UDPゴシック" panose="020B0400000000000000" pitchFamily="50" charset="-128"/>
                 <a:ea typeface="BIZ UDPゴシック" panose="020B0400000000000000" pitchFamily="50" charset="-128"/>
               </a:rPr>
-              <a:t>．デモ</a:t>
-            </a:r>
+              <a:t>．アプリの概要</a:t>
+            </a:r>
+          </a:p>
+        </p:txBody>
+      </p:sp>
+      <p:sp>
+        <p:nvSpPr>
+          <p:cNvPr id="6" name="四角形: 角を丸くする 5">
+            <a:extLst>
+              <a:ext uri="{FF2B5EF4-FFF2-40B4-BE49-F238E27FC236}">
+                <a16:creationId xmlns:a16="http://schemas.microsoft.com/office/drawing/2014/main" id="{8F1E4DCA-60BB-892C-FC6D-A671E67D8300}"/>
+              </a:ext>
+            </a:extLst>
+          </p:cNvPr>
+          <p:cNvSpPr/>
+          <p:nvPr/>
+        </p:nvSpPr>
+        <p:spPr>
+          <a:xfrm>
+            <a:off x="4552859" y="1676514"/>
+            <a:ext cx="2823887" cy="662240"/>
+          </a:xfrm>
+          <a:prstGeom prst="roundRect">
+            <a:avLst/>
+          </a:prstGeom>
+          <a:solidFill>
+            <a:srgbClr val="FFBF7F"/>
+          </a:solidFill>
+          <a:ln>
+            <a:solidFill>
+              <a:srgbClr val="FFBF7F"/>
+            </a:solidFill>
+          </a:ln>
+        </p:spPr>
+        <p:style>
+          <a:lnRef idx="2">
+            <a:schemeClr val="accent1">
+              <a:shade val="15000"/>
+            </a:schemeClr>
+          </a:lnRef>
+          <a:fillRef idx="1">
+            <a:schemeClr val="accent1"/>
+          </a:fillRef>
+          <a:effectRef idx="0">
+            <a:schemeClr val="accent1"/>
+          </a:effectRef>
+          <a:fontRef idx="minor">
+            <a:schemeClr val="lt1"/>
+          </a:fontRef>
+        </p:style>
+        <p:txBody>
+          <a:bodyPr rtlCol="0" anchor="ctr"/>
+          <a:lstStyle/>
+          <a:p>
+            <a:pPr>
+              <a:buNone/>
+            </a:pPr>
+            <a:r>
+              <a:rPr lang="ja-JP" altLang="en-US" b="1" dirty="0">
+                <a:solidFill>
+                  <a:schemeClr val="tx1"/>
+                </a:solidFill>
+                <a:latin typeface="BIZ UDPゴシック" panose="020B0400000000000000" pitchFamily="50" charset="-128"/>
+                <a:ea typeface="BIZ UDPゴシック" panose="020B0400000000000000" pitchFamily="50" charset="-128"/>
+              </a:rPr>
+              <a:t>マイページ、ユーザー登録</a:t>
+            </a:r>
+            <a:endParaRPr lang="en-US" altLang="ja-JP" b="1" dirty="0">
+              <a:solidFill>
+                <a:schemeClr val="tx1"/>
+              </a:solidFill>
+              <a:latin typeface="BIZ UDPゴシック" panose="020B0400000000000000" pitchFamily="50" charset="-128"/>
+              <a:ea typeface="BIZ UDPゴシック" panose="020B0400000000000000" pitchFamily="50" charset="-128"/>
+            </a:endParaRPr>
           </a:p>
         </p:txBody>
       </p:sp>
     </p:spTree>
     <p:extLst>
       <p:ext uri="{BB962C8B-B14F-4D97-AF65-F5344CB8AC3E}">
-        <p14:creationId xmlns:p14="http://schemas.microsoft.com/office/powerpoint/2010/main" val="122833142"/>
+        <p14:creationId xmlns:p14="http://schemas.microsoft.com/office/powerpoint/2010/main" val="2960808678"/>
       </p:ext>
     </p:extLst>
   </p:cSld>
@@ -10499,7 +12949,7 @@
         <p:cNvPr id="1" name="">
           <a:extLst>
             <a:ext uri="{FF2B5EF4-FFF2-40B4-BE49-F238E27FC236}">
-              <a16:creationId xmlns:a16="http://schemas.microsoft.com/office/drawing/2014/main" id="{9FA60A8C-EC57-CE58-195D-75F6BD7E55E5}"/>
+              <a16:creationId xmlns:a16="http://schemas.microsoft.com/office/drawing/2014/main" id="{DC28D8F5-F1B7-D181-21CD-09139D79F233}"/>
             </a:ext>
           </a:extLst>
         </p:cNvPr>
@@ -10519,7 +12969,7 @@
           <p:cNvPr id="3" name="正方形/長方形 2">
             <a:extLst>
               <a:ext uri="{FF2B5EF4-FFF2-40B4-BE49-F238E27FC236}">
-                <a16:creationId xmlns:a16="http://schemas.microsoft.com/office/drawing/2014/main" id="{83A4E471-F727-1AFF-5259-294CA8BCD7A7}"/>
+                <a16:creationId xmlns:a16="http://schemas.microsoft.com/office/drawing/2014/main" id="{278CDBA8-47B2-8210-F990-276D01EDD187}"/>
               </a:ext>
             </a:extLst>
           </p:cNvPr>
@@ -10571,7 +13021,7 @@
           <p:cNvPr id="4" name="正方形/長方形 3">
             <a:extLst>
               <a:ext uri="{FF2B5EF4-FFF2-40B4-BE49-F238E27FC236}">
-                <a16:creationId xmlns:a16="http://schemas.microsoft.com/office/drawing/2014/main" id="{32F74D00-A85C-08C1-AE35-57BF2A9437A6}"/>
+                <a16:creationId xmlns:a16="http://schemas.microsoft.com/office/drawing/2014/main" id="{F38088A6-4EA0-A0E1-FEDE-9E64603E65AA}"/>
               </a:ext>
             </a:extLst>
           </p:cNvPr>
@@ -10637,7 +13087,7 @@
           <p:cNvPr id="5" name="タイトル 4">
             <a:extLst>
               <a:ext uri="{FF2B5EF4-FFF2-40B4-BE49-F238E27FC236}">
-                <a16:creationId xmlns:a16="http://schemas.microsoft.com/office/drawing/2014/main" id="{DCA0C097-7AA4-346B-B7A2-F5CB27419124}"/>
+                <a16:creationId xmlns:a16="http://schemas.microsoft.com/office/drawing/2014/main" id="{0928EA69-EF38-5D42-084B-335C1632F59C}"/>
               </a:ext>
             </a:extLst>
           </p:cNvPr>
@@ -10650,8 +13100,8 @@
         </p:nvSpPr>
         <p:spPr>
           <a:xfrm>
-            <a:off x="4114799" y="773190"/>
-            <a:ext cx="4202723" cy="970252"/>
+            <a:off x="3921370" y="560371"/>
+            <a:ext cx="4062045" cy="970252"/>
           </a:xfrm>
         </p:spPr>
         <p:txBody>
@@ -10665,22 +13115,94 @@
                 <a:latin typeface="BIZ UDPゴシック" panose="020B0400000000000000" pitchFamily="50" charset="-128"/>
                 <a:ea typeface="BIZ UDPゴシック" panose="020B0400000000000000" pitchFamily="50" charset="-128"/>
               </a:rPr>
-              <a:t>Ⅵ</a:t>
+              <a:t>Ⅲ</a:t>
             </a:r>
             <a:r>
               <a:rPr lang="ja-JP" altLang="en-US" sz="3600" b="1" dirty="0">
                 <a:latin typeface="BIZ UDPゴシック" panose="020B0400000000000000" pitchFamily="50" charset="-128"/>
                 <a:ea typeface="BIZ UDPゴシック" panose="020B0400000000000000" pitchFamily="50" charset="-128"/>
               </a:rPr>
-              <a:t>．導入後の変化</a:t>
-            </a:r>
+              <a:t>．アプリの概要</a:t>
+            </a:r>
+          </a:p>
+        </p:txBody>
+      </p:sp>
+      <p:sp>
+        <p:nvSpPr>
+          <p:cNvPr id="6" name="四角形: 角を丸くする 5">
+            <a:extLst>
+              <a:ext uri="{FF2B5EF4-FFF2-40B4-BE49-F238E27FC236}">
+                <a16:creationId xmlns:a16="http://schemas.microsoft.com/office/drawing/2014/main" id="{03EF53FB-6E49-C636-97EB-C9605D8CAE58}"/>
+              </a:ext>
+            </a:extLst>
+          </p:cNvPr>
+          <p:cNvSpPr/>
+          <p:nvPr/>
+        </p:nvSpPr>
+        <p:spPr>
+          <a:xfrm>
+            <a:off x="4826977" y="1644163"/>
+            <a:ext cx="1644161" cy="747346"/>
+          </a:xfrm>
+          <a:prstGeom prst="roundRect">
+            <a:avLst/>
+          </a:prstGeom>
+          <a:solidFill>
+            <a:srgbClr val="FFBF7F"/>
+          </a:solidFill>
+          <a:ln>
+            <a:solidFill>
+              <a:srgbClr val="FFBF7F"/>
+            </a:solidFill>
+          </a:ln>
+        </p:spPr>
+        <p:style>
+          <a:lnRef idx="2">
+            <a:schemeClr val="accent1">
+              <a:shade val="15000"/>
+            </a:schemeClr>
+          </a:lnRef>
+          <a:fillRef idx="1">
+            <a:schemeClr val="accent1"/>
+          </a:fillRef>
+          <a:effectRef idx="0">
+            <a:schemeClr val="accent1"/>
+          </a:effectRef>
+          <a:fontRef idx="minor">
+            <a:schemeClr val="lt1"/>
+          </a:fontRef>
+        </p:style>
+        <p:txBody>
+          <a:bodyPr rtlCol="0" anchor="ctr"/>
+          <a:lstStyle/>
+          <a:p>
+            <a:pPr>
+              <a:buNone/>
+            </a:pPr>
+            <a:r>
+              <a:rPr lang="ja-JP" altLang="en-US" b="1" dirty="0">
+                <a:solidFill>
+                  <a:schemeClr val="tx1"/>
+                </a:solidFill>
+                <a:latin typeface="BIZ UDPゴシック" panose="020B0400000000000000" pitchFamily="50" charset="-128"/>
+                <a:ea typeface="BIZ UDPゴシック" panose="020B0400000000000000" pitchFamily="50" charset="-128"/>
+              </a:rPr>
+              <a:t>日記詳細画面</a:t>
+            </a:r>
+            <a:endParaRPr lang="en-US" altLang="ja-JP" b="1" dirty="0">
+              <a:solidFill>
+                <a:schemeClr val="tx1"/>
+              </a:solidFill>
+              <a:latin typeface="BIZ UDPゴシック" panose="020B0400000000000000" pitchFamily="50" charset="-128"/>
+              <a:ea typeface="BIZ UDPゴシック" panose="020B0400000000000000" pitchFamily="50" charset="-128"/>
+            </a:endParaRPr>
           </a:p>
         </p:txBody>
       </p:sp>
     </p:spTree>
     <p:extLst>
       <p:ext uri="{BB962C8B-B14F-4D97-AF65-F5344CB8AC3E}">
-        <p14:creationId xmlns:p14="http://schemas.microsoft.com/office/powerpoint/2010/main" val="1058956343"/>
+        <p14:creationId xmlns:p14="http://schemas.microsoft.com/office/powerpoint/2010/main" val="3038273594"/>
       </p:ext>
     </p:extLst>
   </p:cSld>
@@ -10698,7 +13220,7 @@
         <p:cNvPr id="1" name="">
           <a:extLst>
             <a:ext uri="{FF2B5EF4-FFF2-40B4-BE49-F238E27FC236}">
-              <a16:creationId xmlns:a16="http://schemas.microsoft.com/office/drawing/2014/main" id="{91EE89BE-E868-F896-DA81-F52FCA3514AD}"/>
+              <a16:creationId xmlns:a16="http://schemas.microsoft.com/office/drawing/2014/main" id="{C54FA1DA-EF09-DA6E-3B3E-F859CFDB0065}"/>
             </a:ext>
           </a:extLst>
         </p:cNvPr>
@@ -10718,7 +13240,7 @@
           <p:cNvPr id="3" name="正方形/長方形 2">
             <a:extLst>
               <a:ext uri="{FF2B5EF4-FFF2-40B4-BE49-F238E27FC236}">
-                <a16:creationId xmlns:a16="http://schemas.microsoft.com/office/drawing/2014/main" id="{C81B3E16-88C8-F905-45AB-92994BE6EB22}"/>
+                <a16:creationId xmlns:a16="http://schemas.microsoft.com/office/drawing/2014/main" id="{593FFF6B-B06B-69D3-0AD6-929D5CBE4E11}"/>
               </a:ext>
             </a:extLst>
           </p:cNvPr>
@@ -10770,7 +13292,7 @@
           <p:cNvPr id="4" name="正方形/長方形 3">
             <a:extLst>
               <a:ext uri="{FF2B5EF4-FFF2-40B4-BE49-F238E27FC236}">
-                <a16:creationId xmlns:a16="http://schemas.microsoft.com/office/drawing/2014/main" id="{859C2F9D-EA4C-583C-3448-995ADE8F7314}"/>
+                <a16:creationId xmlns:a16="http://schemas.microsoft.com/office/drawing/2014/main" id="{ED5CF80F-4C52-7BD7-ACAE-B8FCFDF6AB9D}"/>
               </a:ext>
             </a:extLst>
           </p:cNvPr>
@@ -10836,7 +13358,7 @@
           <p:cNvPr id="5" name="タイトル 4">
             <a:extLst>
               <a:ext uri="{FF2B5EF4-FFF2-40B4-BE49-F238E27FC236}">
-                <a16:creationId xmlns:a16="http://schemas.microsoft.com/office/drawing/2014/main" id="{AD697775-E24E-E0FA-0AC5-757F6E874146}"/>
+                <a16:creationId xmlns:a16="http://schemas.microsoft.com/office/drawing/2014/main" id="{ED2821B0-E6A2-F90C-0E2A-7D1BEA7F2FA5}"/>
               </a:ext>
             </a:extLst>
           </p:cNvPr>
@@ -10849,8 +13371,8 @@
         </p:nvSpPr>
         <p:spPr>
           <a:xfrm>
-            <a:off x="4114799" y="773190"/>
-            <a:ext cx="4202723" cy="970252"/>
+            <a:off x="3921370" y="560371"/>
+            <a:ext cx="4062045" cy="970252"/>
           </a:xfrm>
         </p:spPr>
         <p:txBody>
@@ -10864,22 +13386,94 @@
                 <a:latin typeface="BIZ UDPゴシック" panose="020B0400000000000000" pitchFamily="50" charset="-128"/>
                 <a:ea typeface="BIZ UDPゴシック" panose="020B0400000000000000" pitchFamily="50" charset="-128"/>
               </a:rPr>
-              <a:t>Ⅶ</a:t>
+              <a:t>Ⅲ</a:t>
             </a:r>
             <a:r>
               <a:rPr lang="ja-JP" altLang="en-US" sz="3600" b="1" dirty="0">
                 <a:latin typeface="BIZ UDPゴシック" panose="020B0400000000000000" pitchFamily="50" charset="-128"/>
                 <a:ea typeface="BIZ UDPゴシック" panose="020B0400000000000000" pitchFamily="50" charset="-128"/>
               </a:rPr>
-              <a:t>．工夫した点</a:t>
-            </a:r>
+              <a:t>．アプリの概要</a:t>
+            </a:r>
+          </a:p>
+        </p:txBody>
+      </p:sp>
+      <p:sp>
+        <p:nvSpPr>
+          <p:cNvPr id="6" name="四角形: 角を丸くする 5">
+            <a:extLst>
+              <a:ext uri="{FF2B5EF4-FFF2-40B4-BE49-F238E27FC236}">
+                <a16:creationId xmlns:a16="http://schemas.microsoft.com/office/drawing/2014/main" id="{52A1A40C-0570-40FC-CF8E-CAFC211F60F3}"/>
+              </a:ext>
+            </a:extLst>
+          </p:cNvPr>
+          <p:cNvSpPr/>
+          <p:nvPr/>
+        </p:nvSpPr>
+        <p:spPr>
+          <a:xfrm>
+            <a:off x="4958863" y="1590887"/>
+            <a:ext cx="1661745" cy="747867"/>
+          </a:xfrm>
+          <a:prstGeom prst="roundRect">
+            <a:avLst/>
+          </a:prstGeom>
+          <a:solidFill>
+            <a:srgbClr val="FFBF7F"/>
+          </a:solidFill>
+          <a:ln>
+            <a:solidFill>
+              <a:srgbClr val="FFBF7F"/>
+            </a:solidFill>
+          </a:ln>
+        </p:spPr>
+        <p:style>
+          <a:lnRef idx="2">
+            <a:schemeClr val="accent1">
+              <a:shade val="15000"/>
+            </a:schemeClr>
+          </a:lnRef>
+          <a:fillRef idx="1">
+            <a:schemeClr val="accent1"/>
+          </a:fillRef>
+          <a:effectRef idx="0">
+            <a:schemeClr val="accent1"/>
+          </a:effectRef>
+          <a:fontRef idx="minor">
+            <a:schemeClr val="lt1"/>
+          </a:fontRef>
+        </p:style>
+        <p:txBody>
+          <a:bodyPr rtlCol="0" anchor="ctr"/>
+          <a:lstStyle/>
+          <a:p>
+            <a:pPr>
+              <a:buNone/>
+            </a:pPr>
+            <a:r>
+              <a:rPr lang="ja-JP" altLang="en-US" b="1" dirty="0">
+                <a:solidFill>
+                  <a:schemeClr val="tx1"/>
+                </a:solidFill>
+                <a:latin typeface="BIZ UDPゴシック" panose="020B0400000000000000" pitchFamily="50" charset="-128"/>
+                <a:ea typeface="BIZ UDPゴシック" panose="020B0400000000000000" pitchFamily="50" charset="-128"/>
+              </a:rPr>
+              <a:t>日記登録画面</a:t>
+            </a:r>
+            <a:endParaRPr lang="en-US" altLang="ja-JP" b="1" dirty="0">
+              <a:solidFill>
+                <a:schemeClr val="tx1"/>
+              </a:solidFill>
+              <a:latin typeface="BIZ UDPゴシック" panose="020B0400000000000000" pitchFamily="50" charset="-128"/>
+              <a:ea typeface="BIZ UDPゴシック" panose="020B0400000000000000" pitchFamily="50" charset="-128"/>
+            </a:endParaRPr>
           </a:p>
         </p:txBody>
       </p:sp>
     </p:spTree>
     <p:extLst>
       <p:ext uri="{BB962C8B-B14F-4D97-AF65-F5344CB8AC3E}">
-        <p14:creationId xmlns:p14="http://schemas.microsoft.com/office/powerpoint/2010/main" val="915356002"/>
+        <p14:creationId xmlns:p14="http://schemas.microsoft.com/office/powerpoint/2010/main" val="4289090766"/>
       </p:ext>
     </p:extLst>
   </p:cSld>
@@ -11202,4 +13796,319 @@
     </a:ext>
   </a:extLst>
 </a:theme>
+</file>
+
+<file path=ppt/theme/theme2.xml><?xml version="1.0" encoding="utf-8"?>
+<a:theme xmlns:a="http://schemas.openxmlformats.org/drawingml/2006/main" name="Office テーマ">
+  <a:themeElements>
+    <a:clrScheme name="Office">
+      <a:dk1>
+        <a:sysClr val="windowText" lastClr="000000"/>
+      </a:dk1>
+      <a:lt1>
+        <a:sysClr val="window" lastClr="FFFFFF"/>
+      </a:lt1>
+      <a:dk2>
+        <a:srgbClr val="0E2841"/>
+      </a:dk2>
+      <a:lt2>
+        <a:srgbClr val="E8E8E8"/>
+      </a:lt2>
+      <a:accent1>
+        <a:srgbClr val="156082"/>
+      </a:accent1>
+      <a:accent2>
+        <a:srgbClr val="E97132"/>
+      </a:accent2>
+      <a:accent3>
+        <a:srgbClr val="196B24"/>
+      </a:accent3>
+      <a:accent4>
+        <a:srgbClr val="0F9ED5"/>
+      </a:accent4>
+      <a:accent5>
+        <a:srgbClr val="A02B93"/>
+      </a:accent5>
+      <a:accent6>
+        <a:srgbClr val="4EA72E"/>
+      </a:accent6>
+      <a:hlink>
+        <a:srgbClr val="467886"/>
+      </a:hlink>
+      <a:folHlink>
+        <a:srgbClr val="96607D"/>
+      </a:folHlink>
+    </a:clrScheme>
+    <a:fontScheme name="Office">
+      <a:majorFont>
+        <a:latin typeface="游ゴシック Light" panose="02110004020202020204"/>
+        <a:ea typeface=""/>
+        <a:cs typeface=""/>
+        <a:font script="Jpan" typeface="游ゴシック Light"/>
+        <a:font script="Hang" typeface="맑은 고딕"/>
+        <a:font script="Hans" typeface="等线 Light"/>
+        <a:font script="Hant" typeface="新細明體"/>
+        <a:font script="Arab" typeface="Times New Roman"/>
+        <a:font script="Hebr" typeface="Times New Roman"/>
+        <a:font script="Thai" typeface="Angsana New"/>
+        <a:font script="Ethi" typeface="Nyala"/>
+        <a:font script="Beng" typeface="Vrinda"/>
+        <a:font script="Gujr" typeface="Shruti"/>
+        <a:font script="Khmr" typeface="MoolBoran"/>
+        <a:font script="Knda" typeface="Tunga"/>
+        <a:font script="Guru" typeface="Raavi"/>
+        <a:font script="Cans" typeface="Euphemia"/>
+        <a:font script="Cher" typeface="Plantagenet Cherokee"/>
+        <a:font script="Yiii" typeface="Microsoft Yi Baiti"/>
+        <a:font script="Tibt" typeface="Microsoft Himalaya"/>
+        <a:font script="Thaa" typeface="MV Boli"/>
+        <a:font script="Deva" typeface="Mangal"/>
+        <a:font script="Telu" typeface="Gautami"/>
+        <a:font script="Taml" typeface="Latha"/>
+        <a:font script="Syrc" typeface="Estrangelo Edessa"/>
+        <a:font script="Orya" typeface="Kalinga"/>
+        <a:font script="Mlym" typeface="Kartika"/>
+        <a:font script="Laoo" typeface="DokChampa"/>
+        <a:font script="Sinh" typeface="Iskoola Pota"/>
+        <a:font script="Mong" typeface="Mongolian Baiti"/>
+        <a:font script="Viet" typeface="Times New Roman"/>
+        <a:font script="Uigh" typeface="Microsoft Uighur"/>
+        <a:font script="Geor" typeface="Sylfaen"/>
+        <a:font script="Armn" typeface="Arial"/>
+        <a:font script="Bugi" typeface="Leelawadee UI"/>
+        <a:font script="Bopo" typeface="Microsoft JhengHei"/>
+        <a:font script="Java" typeface="Javanese Text"/>
+        <a:font script="Lisu" typeface="Segoe UI"/>
+        <a:font script="Mymr" typeface="Myanmar Text"/>
+        <a:font script="Nkoo" typeface="Ebrima"/>
+        <a:font script="Olck" typeface="Nirmala UI"/>
+        <a:font script="Osma" typeface="Ebrima"/>
+        <a:font script="Phag" typeface="Phagspa"/>
+        <a:font script="Syrn" typeface="Estrangelo Edessa"/>
+        <a:font script="Syrj" typeface="Estrangelo Edessa"/>
+        <a:font script="Syre" typeface="Estrangelo Edessa"/>
+        <a:font script="Sora" typeface="Nirmala UI"/>
+        <a:font script="Tale" typeface="Microsoft Tai Le"/>
+        <a:font script="Talu" typeface="Microsoft New Tai Lue"/>
+        <a:font script="Tfng" typeface="Ebrima"/>
+      </a:majorFont>
+      <a:minorFont>
+        <a:latin typeface="游ゴシック" panose="02110004020202020204"/>
+        <a:ea typeface=""/>
+        <a:cs typeface=""/>
+        <a:font script="Jpan" typeface="游ゴシック"/>
+        <a:font script="Hang" typeface="맑은 고딕"/>
+        <a:font script="Hans" typeface="等线"/>
+        <a:font script="Hant" typeface="新細明體"/>
+        <a:font script="Arab" typeface="Arial"/>
+        <a:font script="Hebr" typeface="Arial"/>
+        <a:font script="Thai" typeface="Cordia New"/>
+        <a:font script="Ethi" typeface="Nyala"/>
+        <a:font script="Beng" typeface="Vrinda"/>
+        <a:font script="Gujr" typeface="Shruti"/>
+        <a:font script="Khmr" typeface="DaunPenh"/>
+        <a:font script="Knda" typeface="Tunga"/>
+        <a:font script="Guru" typeface="Raavi"/>
+        <a:font script="Cans" typeface="Euphemia"/>
+        <a:font script="Cher" typeface="Plantagenet Cherokee"/>
+        <a:font script="Yiii" typeface="Microsoft Yi Baiti"/>
+        <a:font script="Tibt" typeface="Microsoft Himalaya"/>
+        <a:font script="Thaa" typeface="MV Boli"/>
+        <a:font script="Deva" typeface="Mangal"/>
+        <a:font script="Telu" typeface="Gautami"/>
+        <a:font script="Taml" typeface="Latha"/>
+        <a:font script="Syrc" typeface="Estrangelo Edessa"/>
+        <a:font script="Orya" typeface="Kalinga"/>
+        <a:font script="Mlym" typeface="Kartika"/>
+        <a:font script="Laoo" typeface="DokChampa"/>
+        <a:font script="Sinh" typeface="Iskoola Pota"/>
+        <a:font script="Mong" typeface="Mongolian Baiti"/>
+        <a:font script="Viet" typeface="Arial"/>
+        <a:font script="Uigh" typeface="Microsoft Uighur"/>
+        <a:font script="Geor" typeface="Sylfaen"/>
+        <a:font script="Armn" typeface="Arial"/>
+        <a:font script="Bugi" typeface="Leelawadee UI"/>
+        <a:font script="Bopo" typeface="Microsoft JhengHei"/>
+        <a:font script="Java" typeface="Javanese Text"/>
+        <a:font script="Lisu" typeface="Segoe UI"/>
+        <a:font script="Mymr" typeface="Myanmar Text"/>
+        <a:font script="Nkoo" typeface="Ebrima"/>
+        <a:font script="Olck" typeface="Nirmala UI"/>
+        <a:font script="Osma" typeface="Ebrima"/>
+        <a:font script="Phag" typeface="Phagspa"/>
+        <a:font script="Syrn" typeface="Estrangelo Edessa"/>
+        <a:font script="Syrj" typeface="Estrangelo Edessa"/>
+        <a:font script="Syre" typeface="Estrangelo Edessa"/>
+        <a:font script="Sora" typeface="Nirmala UI"/>
+        <a:font script="Tale" typeface="Microsoft Tai Le"/>
+        <a:font script="Talu" typeface="Microsoft New Tai Lue"/>
+        <a:font script="Tfng" typeface="Ebrima"/>
+      </a:minorFont>
+    </a:fontScheme>
+    <a:fmtScheme name="Office">
+      <a:fillStyleLst>
+        <a:solidFill>
+          <a:schemeClr val="phClr"/>
+        </a:solidFill>
+        <a:gradFill rotWithShape="1">
+          <a:gsLst>
+            <a:gs pos="0">
+              <a:schemeClr val="phClr">
+                <a:lumMod val="110000"/>
+                <a:satMod val="105000"/>
+                <a:tint val="67000"/>
+              </a:schemeClr>
+            </a:gs>
+            <a:gs pos="50000">
+              <a:schemeClr val="phClr">
+                <a:lumMod val="105000"/>
+                <a:satMod val="103000"/>
+                <a:tint val="73000"/>
+              </a:schemeClr>
+            </a:gs>
+            <a:gs pos="100000">
+              <a:schemeClr val="phClr">
+                <a:lumMod val="105000"/>
+                <a:satMod val="109000"/>
+                <a:tint val="81000"/>
+              </a:schemeClr>
+            </a:gs>
+          </a:gsLst>
+          <a:lin ang="5400000" scaled="0"/>
+        </a:gradFill>
+        <a:gradFill rotWithShape="1">
+          <a:gsLst>
+            <a:gs pos="0">
+              <a:schemeClr val="phClr">
+                <a:satMod val="103000"/>
+                <a:lumMod val="102000"/>
+                <a:tint val="94000"/>
+              </a:schemeClr>
+            </a:gs>
+            <a:gs pos="50000">
+              <a:schemeClr val="phClr">
+                <a:satMod val="110000"/>
+                <a:lumMod val="100000"/>
+                <a:shade val="100000"/>
+              </a:schemeClr>
+            </a:gs>
+            <a:gs pos="100000">
+              <a:schemeClr val="phClr">
+                <a:lumMod val="99000"/>
+                <a:satMod val="120000"/>
+                <a:shade val="78000"/>
+              </a:schemeClr>
+            </a:gs>
+          </a:gsLst>
+          <a:lin ang="5400000" scaled="0"/>
+        </a:gradFill>
+      </a:fillStyleLst>
+      <a:lnStyleLst>
+        <a:ln w="12700" cap="flat" cmpd="sng" algn="ctr">
+          <a:solidFill>
+            <a:schemeClr val="phClr"/>
+          </a:solidFill>
+          <a:prstDash val="solid"/>
+          <a:miter lim="800000"/>
+        </a:ln>
+        <a:ln w="19050" cap="flat" cmpd="sng" algn="ctr">
+          <a:solidFill>
+            <a:schemeClr val="phClr"/>
+          </a:solidFill>
+          <a:prstDash val="solid"/>
+          <a:miter lim="800000"/>
+        </a:ln>
+        <a:ln w="25400" cap="flat" cmpd="sng" algn="ctr">
+          <a:solidFill>
+            <a:schemeClr val="phClr"/>
+          </a:solidFill>
+          <a:prstDash val="solid"/>
+          <a:miter lim="800000"/>
+        </a:ln>
+      </a:lnStyleLst>
+      <a:effectStyleLst>
+        <a:effectStyle>
+          <a:effectLst/>
+        </a:effectStyle>
+        <a:effectStyle>
+          <a:effectLst/>
+        </a:effectStyle>
+        <a:effectStyle>
+          <a:effectLst>
+            <a:outerShdw blurRad="57150" dist="19050" dir="5400000" algn="ctr" rotWithShape="0">
+              <a:srgbClr val="000000">
+                <a:alpha val="63000"/>
+              </a:srgbClr>
+            </a:outerShdw>
+          </a:effectLst>
+        </a:effectStyle>
+      </a:effectStyleLst>
+      <a:bgFillStyleLst>
+        <a:solidFill>
+          <a:schemeClr val="phClr"/>
+        </a:solidFill>
+        <a:solidFill>
+          <a:schemeClr val="phClr">
+            <a:tint val="95000"/>
+            <a:satMod val="170000"/>
+          </a:schemeClr>
+        </a:solidFill>
+        <a:gradFill rotWithShape="1">
+          <a:gsLst>
+            <a:gs pos="0">
+              <a:schemeClr val="phClr">
+                <a:tint val="93000"/>
+                <a:satMod val="150000"/>
+                <a:shade val="98000"/>
+                <a:lumMod val="102000"/>
+              </a:schemeClr>
+            </a:gs>
+            <a:gs pos="50000">
+              <a:schemeClr val="phClr">
+                <a:tint val="98000"/>
+                <a:satMod val="130000"/>
+                <a:shade val="90000"/>
+                <a:lumMod val="103000"/>
+              </a:schemeClr>
+            </a:gs>
+            <a:gs pos="100000">
+              <a:schemeClr val="phClr">
+                <a:shade val="63000"/>
+                <a:satMod val="120000"/>
+              </a:schemeClr>
+            </a:gs>
+          </a:gsLst>
+          <a:lin ang="5400000" scaled="0"/>
+        </a:gradFill>
+      </a:bgFillStyleLst>
+    </a:fmtScheme>
+  </a:themeElements>
+  <a:objectDefaults>
+    <a:lnDef>
+      <a:spPr/>
+      <a:bodyPr/>
+      <a:lstStyle/>
+      <a:style>
+        <a:lnRef idx="2">
+          <a:schemeClr val="accent1"/>
+        </a:lnRef>
+        <a:fillRef idx="0">
+          <a:schemeClr val="accent1"/>
+        </a:fillRef>
+        <a:effectRef idx="1">
+          <a:schemeClr val="accent1"/>
+        </a:effectRef>
+        <a:fontRef idx="minor">
+          <a:schemeClr val="tx1"/>
+        </a:fontRef>
+      </a:style>
+    </a:lnDef>
+  </a:objectDefaults>
+  <a:extraClrSchemeLst/>
+  <a:extLst>
+    <a:ext uri="{05A4C25C-085E-4340-85A3-A5531E510DB2}">
+      <thm15:themeFamily xmlns:thm15="http://schemas.microsoft.com/office/thememl/2012/main" name="Office Theme" id="{2E142A2C-CD16-42D6-873A-C26D2A0506FA}" vid="{1BDDFF52-6CD6-40A5-AB3C-68EB2F1E4D0A}"/>
+    </a:ext>
+  </a:extLst>
+</a:theme>
 </file>
--- a/発表準備/7月成果発表会.pptx
+++ b/発表準備/7月成果発表会.pptx
@@ -12169,8 +12169,8 @@
         </p:nvSpPr>
         <p:spPr>
           <a:xfrm>
-            <a:off x="3291255" y="1862355"/>
-            <a:ext cx="7209692" cy="3693319"/>
+            <a:off x="3029998" y="1655155"/>
+            <a:ext cx="7209692" cy="5078313"/>
           </a:xfrm>
           <a:prstGeom prst="rect">
             <a:avLst/>
@@ -12230,7 +12230,7 @@
                 <a:latin typeface="BIZ UDPゴシック" panose="020B0400000000000000" pitchFamily="50" charset="-128"/>
                 <a:ea typeface="BIZ UDPゴシック" panose="020B0400000000000000" pitchFamily="50" charset="-128"/>
               </a:rPr>
-              <a:t>・マイページ</a:t>
+              <a:t>・マイページ、ユーザー登録</a:t>
             </a:r>
             <a:endParaRPr lang="en-US" altLang="ja-JP" b="1" dirty="0">
               <a:effectLst/>
@@ -12267,7 +12267,70 @@
                 <a:latin typeface="BIZ UDPゴシック" panose="020B0400000000000000" pitchFamily="50" charset="-128"/>
                 <a:ea typeface="BIZ UDPゴシック" panose="020B0400000000000000" pitchFamily="50" charset="-128"/>
               </a:rPr>
-              <a:t>・日記：日記検索・日記登録、タグ検索、感情スタンプ</a:t>
+              <a:t>・タグ検索、日記検索</a:t>
+            </a:r>
+            <a:endParaRPr lang="en-US" altLang="ja-JP" b="1" dirty="0">
+              <a:effectLst/>
+              <a:latin typeface="BIZ UDPゴシック" panose="020B0400000000000000" pitchFamily="50" charset="-128"/>
+              <a:ea typeface="BIZ UDPゴシック" panose="020B0400000000000000" pitchFamily="50" charset="-128"/>
+            </a:endParaRPr>
+          </a:p>
+          <a:p>
+            <a:pPr>
+              <a:buNone/>
+            </a:pPr>
+            <a:endParaRPr lang="en-US" altLang="ja-JP" b="1" dirty="0">
+              <a:latin typeface="BIZ UDPゴシック" panose="020B0400000000000000" pitchFamily="50" charset="-128"/>
+              <a:ea typeface="BIZ UDPゴシック" panose="020B0400000000000000" pitchFamily="50" charset="-128"/>
+            </a:endParaRPr>
+          </a:p>
+          <a:p>
+            <a:pPr>
+              <a:buNone/>
+            </a:pPr>
+            <a:r>
+              <a:rPr lang="ja-JP" altLang="en-US" b="1" dirty="0">
+                <a:effectLst/>
+                <a:latin typeface="BIZ UDPゴシック" panose="020B0400000000000000" pitchFamily="50" charset="-128"/>
+                <a:ea typeface="BIZ UDPゴシック" panose="020B0400000000000000" pitchFamily="50" charset="-128"/>
+              </a:rPr>
+              <a:t>・日記詳細画面</a:t>
+            </a:r>
+            <a:endParaRPr lang="en-US" altLang="ja-JP" b="1" dirty="0">
+              <a:effectLst/>
+              <a:latin typeface="BIZ UDPゴシック" panose="020B0400000000000000" pitchFamily="50" charset="-128"/>
+              <a:ea typeface="BIZ UDPゴシック" panose="020B0400000000000000" pitchFamily="50" charset="-128"/>
+            </a:endParaRPr>
+          </a:p>
+          <a:p>
+            <a:pPr>
+              <a:buNone/>
+            </a:pPr>
+            <a:endParaRPr lang="en-US" altLang="ja-JP" b="1" dirty="0">
+              <a:latin typeface="BIZ UDPゴシック" panose="020B0400000000000000" pitchFamily="50" charset="-128"/>
+              <a:ea typeface="BIZ UDPゴシック" panose="020B0400000000000000" pitchFamily="50" charset="-128"/>
+            </a:endParaRPr>
+          </a:p>
+          <a:p>
+            <a:pPr>
+              <a:buNone/>
+            </a:pPr>
+            <a:endParaRPr lang="en-US" altLang="ja-JP" b="1" dirty="0">
+              <a:latin typeface="BIZ UDPゴシック" panose="020B0400000000000000" pitchFamily="50" charset="-128"/>
+              <a:ea typeface="BIZ UDPゴシック" panose="020B0400000000000000" pitchFamily="50" charset="-128"/>
+            </a:endParaRPr>
+          </a:p>
+          <a:p>
+            <a:pPr>
+              <a:buNone/>
+            </a:pPr>
+            <a:r>
+              <a:rPr lang="ja-JP" altLang="en-US" b="1" dirty="0">
+                <a:effectLst/>
+                <a:latin typeface="BIZ UDPゴシック" panose="020B0400000000000000" pitchFamily="50" charset="-128"/>
+                <a:ea typeface="BIZ UDPゴシック" panose="020B0400000000000000" pitchFamily="50" charset="-128"/>
+              </a:rPr>
+              <a:t>・日記登録画面</a:t>
             </a:r>
             <a:endParaRPr lang="en-US" altLang="ja-JP" b="1" dirty="0">
               <a:effectLst/>

--- a/発表準備/7月成果発表会.pptx
+++ b/発表準備/7月成果発表会.pptx
@@ -12157,45 +12157,80 @@
       </p:sp>
       <p:sp>
         <p:nvSpPr>
-          <p:cNvPr id="2" name="テキスト ボックス 1">
-            <a:extLst>
-              <a:ext uri="{FF2B5EF4-FFF2-40B4-BE49-F238E27FC236}">
-                <a16:creationId xmlns:a16="http://schemas.microsoft.com/office/drawing/2014/main" id="{27348338-0781-28D7-0C6D-4592281A4C05}"/>
-              </a:ext>
-            </a:extLst>
-          </p:cNvPr>
-          <p:cNvSpPr txBox="1"/>
+          <p:cNvPr id="6" name="四角形: 角を丸くする 5">
+            <a:extLst>
+              <a:ext uri="{FF2B5EF4-FFF2-40B4-BE49-F238E27FC236}">
+                <a16:creationId xmlns:a16="http://schemas.microsoft.com/office/drawing/2014/main" id="{0407E21B-5A98-A39F-8871-1CF000F43835}"/>
+              </a:ext>
+            </a:extLst>
+          </p:cNvPr>
+          <p:cNvSpPr/>
           <p:nvPr/>
         </p:nvSpPr>
         <p:spPr>
           <a:xfrm>
-            <a:off x="3029998" y="1655155"/>
-            <a:ext cx="7209692" cy="5078313"/>
-          </a:xfrm>
-          <a:prstGeom prst="rect">
+            <a:off x="3130794" y="1652954"/>
+            <a:ext cx="5643196" cy="4221374"/>
+          </a:xfrm>
+          <a:prstGeom prst="roundRect">
             <a:avLst/>
           </a:prstGeom>
-          <a:noFill/>
-        </p:spPr>
-        <p:txBody>
-          <a:bodyPr wrap="square">
-            <a:spAutoFit/>
-          </a:bodyPr>
+          <a:solidFill>
+            <a:srgbClr val="FFBF7F"/>
+          </a:solidFill>
+          <a:ln>
+            <a:solidFill>
+              <a:schemeClr val="bg1"/>
+            </a:solidFill>
+          </a:ln>
+        </p:spPr>
+        <p:style>
+          <a:lnRef idx="2">
+            <a:schemeClr val="accent1">
+              <a:shade val="15000"/>
+            </a:schemeClr>
+          </a:lnRef>
+          <a:fillRef idx="1">
+            <a:schemeClr val="accent1"/>
+          </a:fillRef>
+          <a:effectRef idx="0">
+            <a:schemeClr val="accent1"/>
+          </a:effectRef>
+          <a:fontRef idx="minor">
+            <a:schemeClr val="lt1"/>
+          </a:fontRef>
+        </p:style>
+        <p:txBody>
+          <a:bodyPr rtlCol="0" anchor="ctr"/>
           <a:lstStyle/>
           <a:p>
             <a:pPr>
               <a:buNone/>
             </a:pPr>
             <a:r>
+              <a:rPr lang="en-US" altLang="ja-JP" b="1" dirty="0">
+                <a:solidFill>
+                  <a:schemeClr val="tx1"/>
+                </a:solidFill>
+                <a:latin typeface="BIZ UDPゴシック" panose="020B0400000000000000" pitchFamily="50" charset="-128"/>
+                <a:ea typeface="BIZ UDPゴシック" panose="020B0400000000000000" pitchFamily="50" charset="-128"/>
+              </a:rPr>
+              <a:t>	</a:t>
+            </a:r>
+            <a:r>
               <a:rPr lang="ja-JP" altLang="en-US" b="1" dirty="0">
-                <a:effectLst/>
+                <a:solidFill>
+                  <a:schemeClr val="tx1"/>
+                </a:solidFill>
                 <a:latin typeface="BIZ UDPゴシック" panose="020B0400000000000000" pitchFamily="50" charset="-128"/>
                 <a:ea typeface="BIZ UDPゴシック" panose="020B0400000000000000" pitchFamily="50" charset="-128"/>
               </a:rPr>
               <a:t>・ホーム画面</a:t>
             </a:r>
             <a:endParaRPr lang="en-US" altLang="ja-JP" b="1" dirty="0">
-              <a:effectLst/>
+              <a:solidFill>
+                <a:schemeClr val="tx1"/>
+              </a:solidFill>
               <a:latin typeface="BIZ UDPゴシック" panose="020B0400000000000000" pitchFamily="50" charset="-128"/>
               <a:ea typeface="BIZ UDPゴシック" panose="020B0400000000000000" pitchFamily="50" charset="-128"/>
             </a:endParaRPr>
@@ -12205,7 +12240,41 @@
               <a:buNone/>
             </a:pPr>
             <a:endParaRPr lang="en-US" altLang="ja-JP" b="1" dirty="0">
-              <a:effectLst/>
+              <a:solidFill>
+                <a:schemeClr val="tx1"/>
+              </a:solidFill>
+              <a:latin typeface="BIZ UDPゴシック" panose="020B0400000000000000" pitchFamily="50" charset="-128"/>
+              <a:ea typeface="BIZ UDPゴシック" panose="020B0400000000000000" pitchFamily="50" charset="-128"/>
+            </a:endParaRPr>
+          </a:p>
+          <a:p>
+            <a:pPr>
+              <a:buNone/>
+            </a:pPr>
+            <a:r>
+              <a:rPr lang="en-US" altLang="ja-JP" b="1" dirty="0">
+                <a:solidFill>
+                  <a:schemeClr val="tx1"/>
+                </a:solidFill>
+                <a:latin typeface="BIZ UDPゴシック" panose="020B0400000000000000" pitchFamily="50" charset="-128"/>
+                <a:ea typeface="BIZ UDPゴシック" panose="020B0400000000000000" pitchFamily="50" charset="-128"/>
+              </a:rPr>
+              <a:t>	</a:t>
+            </a:r>
+            <a:r>
+              <a:rPr lang="ja-JP" altLang="en-US" b="1" dirty="0">
+                <a:solidFill>
+                  <a:schemeClr val="tx1"/>
+                </a:solidFill>
+                <a:latin typeface="BIZ UDPゴシック" panose="020B0400000000000000" pitchFamily="50" charset="-128"/>
+                <a:ea typeface="BIZ UDPゴシック" panose="020B0400000000000000" pitchFamily="50" charset="-128"/>
+              </a:rPr>
+              <a:t>・マイページ、ユーザー登録</a:t>
+            </a:r>
+            <a:endParaRPr lang="en-US" altLang="ja-JP" b="1" dirty="0">
+              <a:solidFill>
+                <a:schemeClr val="tx1"/>
+              </a:solidFill>
               <a:latin typeface="BIZ UDPゴシック" panose="020B0400000000000000" pitchFamily="50" charset="-128"/>
               <a:ea typeface="BIZ UDPゴシック" panose="020B0400000000000000" pitchFamily="50" charset="-128"/>
             </a:endParaRPr>
@@ -12215,7 +12284,9 @@
               <a:buNone/>
             </a:pPr>
             <a:endParaRPr lang="en-US" altLang="ja-JP" b="1" dirty="0">
-              <a:effectLst/>
+              <a:solidFill>
+                <a:schemeClr val="tx1"/>
+              </a:solidFill>
               <a:latin typeface="BIZ UDPゴシック" panose="020B0400000000000000" pitchFamily="50" charset="-128"/>
               <a:ea typeface="BIZ UDPゴシック" panose="020B0400000000000000" pitchFamily="50" charset="-128"/>
             </a:endParaRPr>
@@ -12225,15 +12296,29 @@
               <a:buNone/>
             </a:pPr>
             <a:r>
+              <a:rPr lang="en-US" altLang="ja-JP" b="1" dirty="0">
+                <a:solidFill>
+                  <a:schemeClr val="tx1"/>
+                </a:solidFill>
+                <a:latin typeface="BIZ UDPゴシック" panose="020B0400000000000000" pitchFamily="50" charset="-128"/>
+                <a:ea typeface="BIZ UDPゴシック" panose="020B0400000000000000" pitchFamily="50" charset="-128"/>
+              </a:rPr>
+              <a:t>	</a:t>
+            </a:r>
+            <a:r>
               <a:rPr lang="ja-JP" altLang="en-US" b="1" dirty="0">
-                <a:effectLst/>
-                <a:latin typeface="BIZ UDPゴシック" panose="020B0400000000000000" pitchFamily="50" charset="-128"/>
-                <a:ea typeface="BIZ UDPゴシック" panose="020B0400000000000000" pitchFamily="50" charset="-128"/>
-              </a:rPr>
-              <a:t>・マイページ、ユーザー登録</a:t>
+                <a:solidFill>
+                  <a:schemeClr val="tx1"/>
+                </a:solidFill>
+                <a:latin typeface="BIZ UDPゴシック" panose="020B0400000000000000" pitchFamily="50" charset="-128"/>
+                <a:ea typeface="BIZ UDPゴシック" panose="020B0400000000000000" pitchFamily="50" charset="-128"/>
+              </a:rPr>
+              <a:t>・タグ検索、日記検索</a:t>
             </a:r>
             <a:endParaRPr lang="en-US" altLang="ja-JP" b="1" dirty="0">
-              <a:effectLst/>
+              <a:solidFill>
+                <a:schemeClr val="tx1"/>
+              </a:solidFill>
               <a:latin typeface="BIZ UDPゴシック" panose="020B0400000000000000" pitchFamily="50" charset="-128"/>
               <a:ea typeface="BIZ UDPゴシック" panose="020B0400000000000000" pitchFamily="50" charset="-128"/>
             </a:endParaRPr>
@@ -12243,7 +12328,41 @@
               <a:buNone/>
             </a:pPr>
             <a:endParaRPr lang="en-US" altLang="ja-JP" b="1" dirty="0">
-              <a:effectLst/>
+              <a:solidFill>
+                <a:schemeClr val="tx1"/>
+              </a:solidFill>
+              <a:latin typeface="BIZ UDPゴシック" panose="020B0400000000000000" pitchFamily="50" charset="-128"/>
+              <a:ea typeface="BIZ UDPゴシック" panose="020B0400000000000000" pitchFamily="50" charset="-128"/>
+            </a:endParaRPr>
+          </a:p>
+          <a:p>
+            <a:pPr>
+              <a:buNone/>
+            </a:pPr>
+            <a:r>
+              <a:rPr lang="en-US" altLang="ja-JP" b="1" dirty="0">
+                <a:solidFill>
+                  <a:schemeClr val="tx1"/>
+                </a:solidFill>
+                <a:latin typeface="BIZ UDPゴシック" panose="020B0400000000000000" pitchFamily="50" charset="-128"/>
+                <a:ea typeface="BIZ UDPゴシック" panose="020B0400000000000000" pitchFamily="50" charset="-128"/>
+              </a:rPr>
+              <a:t>	</a:t>
+            </a:r>
+            <a:r>
+              <a:rPr lang="ja-JP" altLang="en-US" b="1" dirty="0">
+                <a:solidFill>
+                  <a:schemeClr val="tx1"/>
+                </a:solidFill>
+                <a:latin typeface="BIZ UDPゴシック" panose="020B0400000000000000" pitchFamily="50" charset="-128"/>
+                <a:ea typeface="BIZ UDPゴシック" panose="020B0400000000000000" pitchFamily="50" charset="-128"/>
+              </a:rPr>
+              <a:t>・日記詳細画面</a:t>
+            </a:r>
+            <a:endParaRPr lang="en-US" altLang="ja-JP" b="1" dirty="0">
+              <a:solidFill>
+                <a:schemeClr val="tx1"/>
+              </a:solidFill>
               <a:latin typeface="BIZ UDPゴシック" panose="020B0400000000000000" pitchFamily="50" charset="-128"/>
               <a:ea typeface="BIZ UDPゴシック" panose="020B0400000000000000" pitchFamily="50" charset="-128"/>
             </a:endParaRPr>
@@ -12253,6 +12372,9 @@
               <a:buNone/>
             </a:pPr>
             <a:endParaRPr lang="en-US" altLang="ja-JP" b="1" dirty="0">
+              <a:solidFill>
+                <a:schemeClr val="tx1"/>
+              </a:solidFill>
               <a:latin typeface="BIZ UDPゴシック" panose="020B0400000000000000" pitchFamily="50" charset="-128"/>
               <a:ea typeface="BIZ UDPゴシック" panose="020B0400000000000000" pitchFamily="50" charset="-128"/>
             </a:endParaRPr>
@@ -12262,15 +12384,29 @@
               <a:buNone/>
             </a:pPr>
             <a:r>
+              <a:rPr lang="en-US" altLang="ja-JP" b="1" dirty="0">
+                <a:solidFill>
+                  <a:schemeClr val="tx1"/>
+                </a:solidFill>
+                <a:latin typeface="BIZ UDPゴシック" panose="020B0400000000000000" pitchFamily="50" charset="-128"/>
+                <a:ea typeface="BIZ UDPゴシック" panose="020B0400000000000000" pitchFamily="50" charset="-128"/>
+              </a:rPr>
+              <a:t>	</a:t>
+            </a:r>
+            <a:r>
               <a:rPr lang="ja-JP" altLang="en-US" b="1" dirty="0">
-                <a:effectLst/>
-                <a:latin typeface="BIZ UDPゴシック" panose="020B0400000000000000" pitchFamily="50" charset="-128"/>
-                <a:ea typeface="BIZ UDPゴシック" panose="020B0400000000000000" pitchFamily="50" charset="-128"/>
-              </a:rPr>
-              <a:t>・タグ検索、日記検索</a:t>
+                <a:solidFill>
+                  <a:schemeClr val="tx1"/>
+                </a:solidFill>
+                <a:latin typeface="BIZ UDPゴシック" panose="020B0400000000000000" pitchFamily="50" charset="-128"/>
+                <a:ea typeface="BIZ UDPゴシック" panose="020B0400000000000000" pitchFamily="50" charset="-128"/>
+              </a:rPr>
+              <a:t>・日記登録画面</a:t>
             </a:r>
             <a:endParaRPr lang="en-US" altLang="ja-JP" b="1" dirty="0">
-              <a:effectLst/>
+              <a:solidFill>
+                <a:schemeClr val="tx1"/>
+              </a:solidFill>
               <a:latin typeface="BIZ UDPゴシック" panose="020B0400000000000000" pitchFamily="50" charset="-128"/>
               <a:ea typeface="BIZ UDPゴシック" panose="020B0400000000000000" pitchFamily="50" charset="-128"/>
             </a:endParaRPr>
@@ -12280,6 +12416,9 @@
               <a:buNone/>
             </a:pPr>
             <a:endParaRPr lang="en-US" altLang="ja-JP" b="1" dirty="0">
+              <a:solidFill>
+                <a:schemeClr val="tx1"/>
+              </a:solidFill>
               <a:latin typeface="BIZ UDPゴシック" panose="020B0400000000000000" pitchFamily="50" charset="-128"/>
               <a:ea typeface="BIZ UDPゴシック" panose="020B0400000000000000" pitchFamily="50" charset="-128"/>
             </a:endParaRPr>
@@ -12289,88 +12428,29 @@
               <a:buNone/>
             </a:pPr>
             <a:r>
+              <a:rPr lang="en-US" altLang="ja-JP" b="1" dirty="0">
+                <a:solidFill>
+                  <a:schemeClr val="tx1"/>
+                </a:solidFill>
+                <a:latin typeface="BIZ UDPゴシック" panose="020B0400000000000000" pitchFamily="50" charset="-128"/>
+                <a:ea typeface="BIZ UDPゴシック" panose="020B0400000000000000" pitchFamily="50" charset="-128"/>
+              </a:rPr>
+              <a:t>	</a:t>
+            </a:r>
+            <a:r>
               <a:rPr lang="ja-JP" altLang="en-US" b="1" dirty="0">
-                <a:effectLst/>
-                <a:latin typeface="BIZ UDPゴシック" panose="020B0400000000000000" pitchFamily="50" charset="-128"/>
-                <a:ea typeface="BIZ UDPゴシック" panose="020B0400000000000000" pitchFamily="50" charset="-128"/>
-              </a:rPr>
-              <a:t>・日記詳細画面</a:t>
+                <a:solidFill>
+                  <a:schemeClr val="tx1"/>
+                </a:solidFill>
+                <a:latin typeface="BIZ UDPゴシック" panose="020B0400000000000000" pitchFamily="50" charset="-128"/>
+                <a:ea typeface="BIZ UDPゴシック" panose="020B0400000000000000" pitchFamily="50" charset="-128"/>
+              </a:rPr>
+              <a:t>・自己分析：グラフ分析、キーワード分析</a:t>
             </a:r>
             <a:endParaRPr lang="en-US" altLang="ja-JP" b="1" dirty="0">
-              <a:effectLst/>
-              <a:latin typeface="BIZ UDPゴシック" panose="020B0400000000000000" pitchFamily="50" charset="-128"/>
-              <a:ea typeface="BIZ UDPゴシック" panose="020B0400000000000000" pitchFamily="50" charset="-128"/>
-            </a:endParaRPr>
-          </a:p>
-          <a:p>
-            <a:pPr>
-              <a:buNone/>
-            </a:pPr>
-            <a:endParaRPr lang="en-US" altLang="ja-JP" b="1" dirty="0">
-              <a:latin typeface="BIZ UDPゴシック" panose="020B0400000000000000" pitchFamily="50" charset="-128"/>
-              <a:ea typeface="BIZ UDPゴシック" panose="020B0400000000000000" pitchFamily="50" charset="-128"/>
-            </a:endParaRPr>
-          </a:p>
-          <a:p>
-            <a:pPr>
-              <a:buNone/>
-            </a:pPr>
-            <a:endParaRPr lang="en-US" altLang="ja-JP" b="1" dirty="0">
-              <a:latin typeface="BIZ UDPゴシック" panose="020B0400000000000000" pitchFamily="50" charset="-128"/>
-              <a:ea typeface="BIZ UDPゴシック" panose="020B0400000000000000" pitchFamily="50" charset="-128"/>
-            </a:endParaRPr>
-          </a:p>
-          <a:p>
-            <a:pPr>
-              <a:buNone/>
-            </a:pPr>
-            <a:r>
-              <a:rPr lang="ja-JP" altLang="en-US" b="1" dirty="0">
-                <a:effectLst/>
-                <a:latin typeface="BIZ UDPゴシック" panose="020B0400000000000000" pitchFamily="50" charset="-128"/>
-                <a:ea typeface="BIZ UDPゴシック" panose="020B0400000000000000" pitchFamily="50" charset="-128"/>
-              </a:rPr>
-              <a:t>・日記登録画面</a:t>
-            </a:r>
-            <a:endParaRPr lang="en-US" altLang="ja-JP" b="1" dirty="0">
-              <a:effectLst/>
-              <a:latin typeface="BIZ UDPゴシック" panose="020B0400000000000000" pitchFamily="50" charset="-128"/>
-              <a:ea typeface="BIZ UDPゴシック" panose="020B0400000000000000" pitchFamily="50" charset="-128"/>
-            </a:endParaRPr>
-          </a:p>
-          <a:p>
-            <a:pPr>
-              <a:buNone/>
-            </a:pPr>
-            <a:endParaRPr lang="en-US" altLang="ja-JP" b="1" dirty="0">
-              <a:effectLst/>
-              <a:latin typeface="BIZ UDPゴシック" panose="020B0400000000000000" pitchFamily="50" charset="-128"/>
-              <a:ea typeface="BIZ UDPゴシック" panose="020B0400000000000000" pitchFamily="50" charset="-128"/>
-            </a:endParaRPr>
-          </a:p>
-          <a:p>
-            <a:pPr>
-              <a:buNone/>
-            </a:pPr>
-            <a:endParaRPr lang="en-US" altLang="ja-JP" b="1" dirty="0">
-              <a:latin typeface="BIZ UDPゴシック" panose="020B0400000000000000" pitchFamily="50" charset="-128"/>
-              <a:ea typeface="BIZ UDPゴシック" panose="020B0400000000000000" pitchFamily="50" charset="-128"/>
-            </a:endParaRPr>
-          </a:p>
-          <a:p>
-            <a:pPr>
-              <a:buNone/>
-            </a:pPr>
-            <a:r>
-              <a:rPr lang="ja-JP" altLang="en-US" b="1" dirty="0">
-                <a:effectLst/>
-                <a:latin typeface="BIZ UDPゴシック" panose="020B0400000000000000" pitchFamily="50" charset="-128"/>
-                <a:ea typeface="BIZ UDPゴシック" panose="020B0400000000000000" pitchFamily="50" charset="-128"/>
-              </a:rPr>
-              <a:t>・自己分析：グラフ分析、キーワード分析</a:t>
-            </a:r>
-            <a:endParaRPr lang="en-US" altLang="ja-JP" b="1" dirty="0">
-              <a:effectLst/>
+              <a:solidFill>
+                <a:schemeClr val="tx1"/>
+              </a:solidFill>
               <a:latin typeface="BIZ UDPゴシック" panose="020B0400000000000000" pitchFamily="50" charset="-128"/>
               <a:ea typeface="BIZ UDPゴシック" panose="020B0400000000000000" pitchFamily="50" charset="-128"/>
             </a:endParaRPr>
@@ -12380,7 +12460,9 @@
               <a:buNone/>
             </a:pPr>
             <a:endParaRPr lang="ja-JP" altLang="en-US" b="1" dirty="0">
-              <a:effectLst/>
+              <a:solidFill>
+                <a:schemeClr val="tx1"/>
+              </a:solidFill>
               <a:latin typeface="BIZ UDPゴシック" panose="020B0400000000000000" pitchFamily="50" charset="-128"/>
               <a:ea typeface="BIZ UDPゴシック" panose="020B0400000000000000" pitchFamily="50" charset="-128"/>
             </a:endParaRPr>
@@ -12389,26 +12471,30 @@
             <a:pPr>
               <a:buNone/>
             </a:pPr>
-            <a:endParaRPr lang="ja-JP" altLang="en-US" b="1" dirty="0">
-              <a:effectLst/>
-              <a:latin typeface="BIZ UDPゴシック" panose="020B0400000000000000" pitchFamily="50" charset="-128"/>
-              <a:ea typeface="BIZ UDPゴシック" panose="020B0400000000000000" pitchFamily="50" charset="-128"/>
-            </a:endParaRPr>
-          </a:p>
-          <a:p>
-            <a:pPr>
-              <a:buNone/>
-            </a:pPr>
+            <a:r>
+              <a:rPr lang="en-US" altLang="ja-JP" b="1" dirty="0">
+                <a:solidFill>
+                  <a:schemeClr val="tx1"/>
+                </a:solidFill>
+                <a:latin typeface="BIZ UDPゴシック" panose="020B0400000000000000" pitchFamily="50" charset="-128"/>
+                <a:ea typeface="BIZ UDPゴシック" panose="020B0400000000000000" pitchFamily="50" charset="-128"/>
+              </a:rPr>
+              <a:t>	</a:t>
+            </a:r>
             <a:r>
               <a:rPr lang="ja-JP" altLang="en-US" b="1" dirty="0">
-                <a:effectLst/>
+                <a:solidFill>
+                  <a:schemeClr val="tx1"/>
+                </a:solidFill>
                 <a:latin typeface="BIZ UDPゴシック" panose="020B0400000000000000" pitchFamily="50" charset="-128"/>
                 <a:ea typeface="BIZ UDPゴシック" panose="020B0400000000000000" pitchFamily="50" charset="-128"/>
               </a:rPr>
               <a:t>・コミュニティ：タイムライン</a:t>
             </a:r>
             <a:endParaRPr lang="en-US" altLang="ja-JP" b="1" dirty="0">
-              <a:effectLst/>
+              <a:solidFill>
+                <a:schemeClr val="tx1"/>
+              </a:solidFill>
               <a:latin typeface="BIZ UDPゴシック" panose="020B0400000000000000" pitchFamily="50" charset="-128"/>
               <a:ea typeface="BIZ UDPゴシック" panose="020B0400000000000000" pitchFamily="50" charset="-128"/>
             </a:endParaRPr>

--- a/発表準備/7月成果発表会.pptx
+++ b/発表準備/7月成果発表会.pptx
@@ -5054,19 +5054,17 @@
         </p:nvSpPr>
         <p:spPr>
           <a:xfrm>
-            <a:off x="4580792" y="1530623"/>
+            <a:off x="4721469" y="1496215"/>
             <a:ext cx="2233246" cy="712175"/>
           </a:xfrm>
           <a:prstGeom prst="roundRect">
             <a:avLst/>
           </a:prstGeom>
           <a:solidFill>
-            <a:srgbClr val="FFBF7F"/>
+            <a:srgbClr val="FFE5B4"/>
           </a:solidFill>
           <a:ln>
-            <a:solidFill>
-              <a:srgbClr val="FFBF7F"/>
-            </a:solidFill>
+            <a:noFill/>
           </a:ln>
         </p:spPr>
         <p:style>
@@ -5325,19 +5323,17 @@
         </p:nvSpPr>
         <p:spPr>
           <a:xfrm>
-            <a:off x="3824654" y="1598625"/>
+            <a:off x="3736731" y="1598625"/>
             <a:ext cx="4158761" cy="791308"/>
           </a:xfrm>
           <a:prstGeom prst="roundRect">
             <a:avLst/>
           </a:prstGeom>
           <a:solidFill>
-            <a:srgbClr val="FFBF7F"/>
+            <a:srgbClr val="FFE5B4"/>
           </a:solidFill>
           <a:ln>
-            <a:solidFill>
-              <a:srgbClr val="FFBF7F"/>
-            </a:solidFill>
+            <a:noFill/>
           </a:ln>
         </p:spPr>
         <p:style>
@@ -5360,7 +5356,7 @@
           <a:bodyPr rtlCol="0" anchor="ctr"/>
           <a:lstStyle/>
           <a:p>
-            <a:pPr>
+            <a:pPr algn="ctr">
               <a:buNone/>
             </a:pPr>
             <a:r>
@@ -5371,7 +5367,7 @@
                 <a:latin typeface="BIZ UDPゴシック" panose="020B0400000000000000" pitchFamily="50" charset="-128"/>
                 <a:ea typeface="BIZ UDPゴシック" panose="020B0400000000000000" pitchFamily="50" charset="-128"/>
               </a:rPr>
-              <a:t>自己分析：グラフ分析、キーワード分析</a:t>
+              <a:t>グラフ分析、キーワード分析</a:t>
             </a:r>
             <a:endParaRPr lang="en-US" altLang="ja-JP" b="1" dirty="0">
               <a:solidFill>
@@ -5596,19 +5592,17 @@
         </p:nvSpPr>
         <p:spPr>
           <a:xfrm>
-            <a:off x="4387362" y="1626578"/>
+            <a:off x="4387362" y="1600201"/>
             <a:ext cx="2831123" cy="800100"/>
           </a:xfrm>
           <a:prstGeom prst="roundRect">
             <a:avLst/>
           </a:prstGeom>
           <a:solidFill>
-            <a:srgbClr val="FFBF7F"/>
+            <a:srgbClr val="FFE5B4"/>
           </a:solidFill>
           <a:ln>
-            <a:solidFill>
-              <a:srgbClr val="FFBF7F"/>
-            </a:solidFill>
+            <a:noFill/>
           </a:ln>
         </p:spPr>
         <p:style>
@@ -5631,7 +5625,7 @@
           <a:bodyPr rtlCol="0" anchor="ctr"/>
           <a:lstStyle/>
           <a:p>
-            <a:pPr>
+            <a:pPr algn="ctr">
               <a:buNone/>
             </a:pPr>
             <a:r>
@@ -5642,7 +5636,7 @@
                 <a:latin typeface="BIZ UDPゴシック" panose="020B0400000000000000" pitchFamily="50" charset="-128"/>
                 <a:ea typeface="BIZ UDPゴシック" panose="020B0400000000000000" pitchFamily="50" charset="-128"/>
               </a:rPr>
-              <a:t>コミュニティ：タイムライン</a:t>
+              <a:t>タイムライン</a:t>
             </a:r>
             <a:endParaRPr lang="en-US" altLang="ja-JP" b="1" dirty="0">
               <a:solidFill>
@@ -12176,12 +12170,10 @@
             <a:avLst/>
           </a:prstGeom>
           <a:solidFill>
-            <a:srgbClr val="FFBF7F"/>
+            <a:srgbClr val="FFE5B4"/>
           </a:solidFill>
           <a:ln>
-            <a:solidFill>
-              <a:schemeClr val="bg1"/>
-            </a:solidFill>
+            <a:noFill/>
           </a:ln>
         </p:spPr>
         <p:style>
@@ -12445,7 +12437,7 @@
                 <a:latin typeface="BIZ UDPゴシック" panose="020B0400000000000000" pitchFamily="50" charset="-128"/>
                 <a:ea typeface="BIZ UDPゴシック" panose="020B0400000000000000" pitchFamily="50" charset="-128"/>
               </a:rPr>
-              <a:t>・自己分析：グラフ分析、キーワード分析</a:t>
+              <a:t>・グラフ分析、キーワード分析</a:t>
             </a:r>
             <a:endParaRPr lang="en-US" altLang="ja-JP" b="1" dirty="0">
               <a:solidFill>
@@ -12489,7 +12481,7 @@
                 <a:latin typeface="BIZ UDPゴシック" panose="020B0400000000000000" pitchFamily="50" charset="-128"/>
                 <a:ea typeface="BIZ UDPゴシック" panose="020B0400000000000000" pitchFamily="50" charset="-128"/>
               </a:rPr>
-              <a:t>・コミュニティ：タイムライン</a:t>
+              <a:t>・タイムライン</a:t>
             </a:r>
             <a:endParaRPr lang="en-US" altLang="ja-JP" b="1" dirty="0">
               <a:solidFill>
@@ -12764,12 +12756,10 @@
             <a:avLst/>
           </a:prstGeom>
           <a:solidFill>
-            <a:srgbClr val="FFBF7F"/>
+            <a:srgbClr val="FFE5B4"/>
           </a:solidFill>
           <a:ln>
-            <a:solidFill>
-              <a:srgbClr val="FFBF7F"/>
-            </a:solidFill>
+            <a:noFill/>
           </a:ln>
         </p:spPr>
         <p:style>
@@ -13026,12 +13016,10 @@
             <a:avLst/>
           </a:prstGeom>
           <a:solidFill>
-            <a:srgbClr val="FFBF7F"/>
+            <a:srgbClr val="FFE5B4"/>
           </a:solidFill>
           <a:ln>
-            <a:solidFill>
-              <a:srgbClr val="FFBF7F"/>
-            </a:solidFill>
+            <a:noFill/>
           </a:ln>
         </p:spPr>
         <p:style>
@@ -13290,19 +13278,17 @@
         </p:nvSpPr>
         <p:spPr>
           <a:xfrm>
-            <a:off x="4826977" y="1644163"/>
+            <a:off x="5130311" y="1608994"/>
             <a:ext cx="1644161" cy="747346"/>
           </a:xfrm>
           <a:prstGeom prst="roundRect">
             <a:avLst/>
           </a:prstGeom>
           <a:solidFill>
-            <a:srgbClr val="FFBF7F"/>
+            <a:srgbClr val="FFE5B4"/>
           </a:solidFill>
           <a:ln>
-            <a:solidFill>
-              <a:srgbClr val="FFBF7F"/>
-            </a:solidFill>
+            <a:noFill/>
           </a:ln>
         </p:spPr>
         <p:style>
@@ -13561,19 +13547,17 @@
         </p:nvSpPr>
         <p:spPr>
           <a:xfrm>
-            <a:off x="4958863" y="1590887"/>
+            <a:off x="5121519" y="1627338"/>
             <a:ext cx="1661745" cy="747867"/>
           </a:xfrm>
           <a:prstGeom prst="roundRect">
             <a:avLst/>
           </a:prstGeom>
           <a:solidFill>
-            <a:srgbClr val="FFBF7F"/>
+            <a:srgbClr val="FFE5B4"/>
           </a:solidFill>
           <a:ln>
-            <a:solidFill>
-              <a:srgbClr val="FFBF7F"/>
-            </a:solidFill>
+            <a:noFill/>
           </a:ln>
         </p:spPr>
         <p:style>

--- a/発表準備/7月成果発表会.pptx
+++ b/発表準備/7月成果発表会.pptx
@@ -10853,7 +10853,7 @@
         </p:nvSpPr>
         <p:spPr>
           <a:xfrm>
-            <a:off x="3753763" y="3414997"/>
+            <a:off x="3768681" y="3414997"/>
             <a:ext cx="1954820" cy="597877"/>
           </a:xfrm>
           <a:prstGeom prst="roundRect">
@@ -13009,7 +13009,7 @@
         </p:nvSpPr>
         <p:spPr>
           <a:xfrm>
-            <a:off x="4552859" y="1676514"/>
+            <a:off x="4464935" y="1667721"/>
             <a:ext cx="2823887" cy="662240"/>
           </a:xfrm>
           <a:prstGeom prst="roundRect">

--- a/発表準備/7月成果発表会.pptx
+++ b/発表準備/7月成果発表会.pptx
@@ -12210,14 +12210,14 @@
               <a:t>	</a:t>
             </a:r>
             <a:r>
-              <a:rPr lang="ja-JP" altLang="en-US" b="1" dirty="0">
+              <a:rPr lang="ja-JP" altLang="en-US" b="1">
                 <a:solidFill>
                   <a:schemeClr val="tx1"/>
                 </a:solidFill>
                 <a:latin typeface="BIZ UDPゴシック" panose="020B0400000000000000" pitchFamily="50" charset="-128"/>
                 <a:ea typeface="BIZ UDPゴシック" panose="020B0400000000000000" pitchFamily="50" charset="-128"/>
               </a:rPr>
-              <a:t>・ホーム画面</a:t>
+              <a:t>・ホーム</a:t>
             </a:r>
             <a:endParaRPr lang="en-US" altLang="ja-JP" b="1" dirty="0">
               <a:solidFill>

--- a/発表準備/7月成果発表会.pptx
+++ b/発表準備/7月成果発表会.pptx
@@ -221,7 +221,7 @@
           <a:p>
             <a:fld id="{E415E668-72BD-48DC-B5D5-F37F0AA96029}" type="datetimeFigureOut">
               <a:rPr kumimoji="1" lang="ja-JP" altLang="en-US" smtClean="0"/>
-              <a:t>2025/7/23</a:t>
+              <a:t>2025/7/24</a:t>
             </a:fld>
             <a:endParaRPr kumimoji="1" lang="ja-JP" altLang="en-US"/>
           </a:p>
@@ -939,7 +939,7 @@
           <a:p>
             <a:fld id="{9CFFAD60-27D9-44AE-82D7-77B581F6BE63}" type="datetimeFigureOut">
               <a:rPr kumimoji="1" lang="ja-JP" altLang="en-US" smtClean="0"/>
-              <a:t>2025/7/23</a:t>
+              <a:t>2025/7/24</a:t>
             </a:fld>
             <a:endParaRPr kumimoji="1" lang="ja-JP" altLang="en-US"/>
           </a:p>
@@ -1169,7 +1169,7 @@
           <a:p>
             <a:fld id="{9CFFAD60-27D9-44AE-82D7-77B581F6BE63}" type="datetimeFigureOut">
               <a:rPr kumimoji="1" lang="ja-JP" altLang="en-US" smtClean="0"/>
-              <a:t>2025/7/23</a:t>
+              <a:t>2025/7/24</a:t>
             </a:fld>
             <a:endParaRPr kumimoji="1" lang="ja-JP" altLang="en-US"/>
           </a:p>
@@ -1409,7 +1409,7 @@
           <a:p>
             <a:fld id="{9CFFAD60-27D9-44AE-82D7-77B581F6BE63}" type="datetimeFigureOut">
               <a:rPr kumimoji="1" lang="ja-JP" altLang="en-US" smtClean="0"/>
-              <a:t>2025/7/23</a:t>
+              <a:t>2025/7/24</a:t>
             </a:fld>
             <a:endParaRPr kumimoji="1" lang="ja-JP" altLang="en-US"/>
           </a:p>
@@ -1639,7 +1639,7 @@
           <a:p>
             <a:fld id="{9CFFAD60-27D9-44AE-82D7-77B581F6BE63}" type="datetimeFigureOut">
               <a:rPr kumimoji="1" lang="ja-JP" altLang="en-US" smtClean="0"/>
-              <a:t>2025/7/23</a:t>
+              <a:t>2025/7/24</a:t>
             </a:fld>
             <a:endParaRPr kumimoji="1" lang="ja-JP" altLang="en-US"/>
           </a:p>
@@ -1914,7 +1914,7 @@
           <a:p>
             <a:fld id="{9CFFAD60-27D9-44AE-82D7-77B581F6BE63}" type="datetimeFigureOut">
               <a:rPr kumimoji="1" lang="ja-JP" altLang="en-US" smtClean="0"/>
-              <a:t>2025/7/23</a:t>
+              <a:t>2025/7/24</a:t>
             </a:fld>
             <a:endParaRPr kumimoji="1" lang="ja-JP" altLang="en-US"/>
           </a:p>
@@ -2243,7 +2243,7 @@
           <a:p>
             <a:fld id="{9CFFAD60-27D9-44AE-82D7-77B581F6BE63}" type="datetimeFigureOut">
               <a:rPr kumimoji="1" lang="ja-JP" altLang="en-US" smtClean="0"/>
-              <a:t>2025/7/23</a:t>
+              <a:t>2025/7/24</a:t>
             </a:fld>
             <a:endParaRPr kumimoji="1" lang="ja-JP" altLang="en-US"/>
           </a:p>
@@ -2719,7 +2719,7 @@
           <a:p>
             <a:fld id="{9CFFAD60-27D9-44AE-82D7-77B581F6BE63}" type="datetimeFigureOut">
               <a:rPr kumimoji="1" lang="ja-JP" altLang="en-US" smtClean="0"/>
-              <a:t>2025/7/23</a:t>
+              <a:t>2025/7/24</a:t>
             </a:fld>
             <a:endParaRPr kumimoji="1" lang="ja-JP" altLang="en-US"/>
           </a:p>
@@ -2860,7 +2860,7 @@
           <a:p>
             <a:fld id="{9CFFAD60-27D9-44AE-82D7-77B581F6BE63}" type="datetimeFigureOut">
               <a:rPr kumimoji="1" lang="ja-JP" altLang="en-US" smtClean="0"/>
-              <a:t>2025/7/23</a:t>
+              <a:t>2025/7/24</a:t>
             </a:fld>
             <a:endParaRPr kumimoji="1" lang="ja-JP" altLang="en-US"/>
           </a:p>
@@ -2973,7 +2973,7 @@
           <a:p>
             <a:fld id="{9CFFAD60-27D9-44AE-82D7-77B581F6BE63}" type="datetimeFigureOut">
               <a:rPr kumimoji="1" lang="ja-JP" altLang="en-US" smtClean="0"/>
-              <a:t>2025/7/23</a:t>
+              <a:t>2025/7/24</a:t>
             </a:fld>
             <a:endParaRPr kumimoji="1" lang="ja-JP" altLang="en-US"/>
           </a:p>
@@ -3316,7 +3316,7 @@
           <a:p>
             <a:fld id="{9CFFAD60-27D9-44AE-82D7-77B581F6BE63}" type="datetimeFigureOut">
               <a:rPr kumimoji="1" lang="ja-JP" altLang="en-US" smtClean="0"/>
-              <a:t>2025/7/23</a:t>
+              <a:t>2025/7/24</a:t>
             </a:fld>
             <a:endParaRPr kumimoji="1" lang="ja-JP" altLang="en-US"/>
           </a:p>
@@ -3604,7 +3604,7 @@
           <a:p>
             <a:fld id="{9CFFAD60-27D9-44AE-82D7-77B581F6BE63}" type="datetimeFigureOut">
               <a:rPr kumimoji="1" lang="ja-JP" altLang="en-US" smtClean="0"/>
-              <a:t>2025/7/23</a:t>
+              <a:t>2025/7/24</a:t>
             </a:fld>
             <a:endParaRPr kumimoji="1" lang="ja-JP" altLang="en-US"/>
           </a:p>
@@ -3877,7 +3877,7 @@
           <a:p>
             <a:fld id="{9CFFAD60-27D9-44AE-82D7-77B581F6BE63}" type="datetimeFigureOut">
               <a:rPr kumimoji="1" lang="ja-JP" altLang="en-US" smtClean="0"/>
-              <a:t>2025/7/23</a:t>
+              <a:t>2025/7/24</a:t>
             </a:fld>
             <a:endParaRPr kumimoji="1" lang="ja-JP" altLang="en-US"/>
           </a:p>
@@ -9584,6 +9584,43 @@
           </a:p>
         </p:txBody>
       </p:sp>
+      <p:pic>
+        <p:nvPicPr>
+          <p:cNvPr id="6" name="図 5" descr="アイコン&#10;&#10;AI 生成コンテンツは誤りを含む可能性があります。">
+            <a:extLst>
+              <a:ext uri="{FF2B5EF4-FFF2-40B4-BE49-F238E27FC236}">
+                <a16:creationId xmlns:a16="http://schemas.microsoft.com/office/drawing/2014/main" id="{F99668A5-8BF2-033E-A196-02F0DB5DED2C}"/>
+              </a:ext>
+            </a:extLst>
+          </p:cNvPr>
+          <p:cNvPicPr>
+            <a:picLocks noChangeAspect="1"/>
+          </p:cNvPicPr>
+          <p:nvPr/>
+        </p:nvPicPr>
+        <p:blipFill>
+          <a:blip r:embed="rId2">
+            <a:extLst>
+              <a:ext uri="{28A0092B-C50C-407E-A947-70E740481C1C}">
+                <a14:useLocalDpi xmlns:a14="http://schemas.microsoft.com/office/drawing/2010/main" val="0"/>
+              </a:ext>
+            </a:extLst>
+          </a:blip>
+          <a:srcRect l="36296" t="65555" r="36016" b="6029"/>
+          <a:stretch>
+            <a:fillRect/>
+          </a:stretch>
+        </p:blipFill>
+        <p:spPr>
+          <a:xfrm>
+            <a:off x="2123098" y="2023009"/>
+            <a:ext cx="1054724" cy="1082461"/>
+          </a:xfrm>
+          <a:prstGeom prst="rect">
+            <a:avLst/>
+          </a:prstGeom>
+        </p:spPr>
+      </p:pic>
     </p:spTree>
     <p:extLst>
       <p:ext uri="{BB962C8B-B14F-4D97-AF65-F5344CB8AC3E}">
@@ -11478,6 +11515,43 @@
           </a:p>
         </p:txBody>
       </p:sp>
+      <p:pic>
+        <p:nvPicPr>
+          <p:cNvPr id="16" name="図 15" descr="アイコン&#10;&#10;AI 生成コンテンツは誤りを含む可能性があります。">
+            <a:extLst>
+              <a:ext uri="{FF2B5EF4-FFF2-40B4-BE49-F238E27FC236}">
+                <a16:creationId xmlns:a16="http://schemas.microsoft.com/office/drawing/2014/main" id="{1BC35C13-13D3-2593-28E2-4F683F7427BA}"/>
+              </a:ext>
+            </a:extLst>
+          </p:cNvPr>
+          <p:cNvPicPr>
+            <a:picLocks noChangeAspect="1"/>
+          </p:cNvPicPr>
+          <p:nvPr/>
+        </p:nvPicPr>
+        <p:blipFill>
+          <a:blip r:embed="rId4">
+            <a:extLst>
+              <a:ext uri="{28A0092B-C50C-407E-A947-70E740481C1C}">
+                <a14:useLocalDpi xmlns:a14="http://schemas.microsoft.com/office/drawing/2010/main" val="0"/>
+              </a:ext>
+            </a:extLst>
+          </a:blip>
+          <a:srcRect l="36296" t="65555" r="36016" b="6029"/>
+          <a:stretch>
+            <a:fillRect/>
+          </a:stretch>
+        </p:blipFill>
+        <p:spPr>
+          <a:xfrm>
+            <a:off x="6726460" y="3202270"/>
+            <a:ext cx="855073" cy="877559"/>
+          </a:xfrm>
+          <a:prstGeom prst="rect">
+            <a:avLst/>
+          </a:prstGeom>
+        </p:spPr>
+      </p:pic>
     </p:spTree>
     <p:extLst>
       <p:ext uri="{BB962C8B-B14F-4D97-AF65-F5344CB8AC3E}">

--- a/発表準備/7月成果発表会.pptx
+++ b/発表準備/7月成果発表会.pptx
@@ -783,6 +783,181 @@
     <p:extLst>
       <p:ext uri="{BB962C8B-B14F-4D97-AF65-F5344CB8AC3E}">
         <p14:creationId xmlns:p14="http://schemas.microsoft.com/office/powerpoint/2010/main" val="162405576"/>
+      </p:ext>
+    </p:extLst>
+  </p:cSld>
+  <p:clrMapOvr>
+    <a:masterClrMapping/>
+  </p:clrMapOvr>
+</p:notes>
+</file>
+
+<file path=ppt/notesSlides/notesSlide4.xml><?xml version="1.0" encoding="utf-8"?>
+<p:notes xmlns:a="http://schemas.openxmlformats.org/drawingml/2006/main" xmlns:r="http://schemas.openxmlformats.org/officeDocument/2006/relationships" xmlns:p="http://schemas.openxmlformats.org/presentationml/2006/main">
+  <p:cSld>
+    <p:spTree>
+      <p:nvGrpSpPr>
+        <p:cNvPr id="1" name=""/>
+        <p:cNvGrpSpPr/>
+        <p:nvPr/>
+      </p:nvGrpSpPr>
+      <p:grpSpPr>
+        <a:xfrm>
+          <a:off x="0" y="0"/>
+          <a:ext cx="0" cy="0"/>
+          <a:chOff x="0" y="0"/>
+          <a:chExt cx="0" cy="0"/>
+        </a:xfrm>
+      </p:grpSpPr>
+      <p:sp>
+        <p:nvSpPr>
+          <p:cNvPr id="2" name="スライド イメージ プレースホルダー 1"/>
+          <p:cNvSpPr>
+            <a:spLocks noGrp="1" noRot="1" noChangeAspect="1"/>
+          </p:cNvSpPr>
+          <p:nvPr>
+            <p:ph type="sldImg"/>
+          </p:nvPr>
+        </p:nvSpPr>
+        <p:spPr/>
+      </p:sp>
+      <p:sp>
+        <p:nvSpPr>
+          <p:cNvPr id="3" name="ノート プレースホルダー 2"/>
+          <p:cNvSpPr>
+            <a:spLocks noGrp="1"/>
+          </p:cNvSpPr>
+          <p:nvPr>
+            <p:ph type="body" idx="1"/>
+          </p:nvPr>
+        </p:nvSpPr>
+        <p:spPr/>
+        <p:txBody>
+          <a:bodyPr/>
+          <a:lstStyle/>
+          <a:p>
+            <a:r>
+              <a:rPr kumimoji="1" lang="ja-JP" altLang="en-US"/>
+              <a:t>先月の班の反省を踏まえて、お互いの班のいいところを吸収した（ガントチャートや内部レビューなど）</a:t>
+            </a:r>
+            <a:endParaRPr kumimoji="1" lang="ja-JP" altLang="en-US" dirty="0"/>
+          </a:p>
+        </p:txBody>
+      </p:sp>
+      <p:sp>
+        <p:nvSpPr>
+          <p:cNvPr id="4" name="スライド番号プレースホルダー 3"/>
+          <p:cNvSpPr>
+            <a:spLocks noGrp="1"/>
+          </p:cNvSpPr>
+          <p:nvPr>
+            <p:ph type="sldNum" sz="quarter" idx="5"/>
+          </p:nvPr>
+        </p:nvSpPr>
+        <p:spPr/>
+        <p:txBody>
+          <a:bodyPr/>
+          <a:lstStyle/>
+          <a:p>
+            <a:fld id="{DB7DD6F2-B1E7-40D2-8A4F-5D4ACD9C90E1}" type="slidenum">
+              <a:rPr kumimoji="1" lang="ja-JP" altLang="en-US" smtClean="0"/>
+              <a:t>16</a:t>
+            </a:fld>
+            <a:endParaRPr kumimoji="1" lang="ja-JP" altLang="en-US"/>
+          </a:p>
+        </p:txBody>
+      </p:sp>
+    </p:spTree>
+    <p:extLst>
+      <p:ext uri="{BB962C8B-B14F-4D97-AF65-F5344CB8AC3E}">
+        <p14:creationId xmlns:p14="http://schemas.microsoft.com/office/powerpoint/2010/main" val="1440796006"/>
+      </p:ext>
+    </p:extLst>
+  </p:cSld>
+  <p:clrMapOvr>
+    <a:masterClrMapping/>
+  </p:clrMapOvr>
+</p:notes>
+</file>
+
+<file path=ppt/notesSlides/notesSlide5.xml><?xml version="1.0" encoding="utf-8"?>
+<p:notes xmlns:a="http://schemas.openxmlformats.org/drawingml/2006/main" xmlns:r="http://schemas.openxmlformats.org/officeDocument/2006/relationships" xmlns:p="http://schemas.openxmlformats.org/presentationml/2006/main">
+  <p:cSld>
+    <p:spTree>
+      <p:nvGrpSpPr>
+        <p:cNvPr id="1" name=""/>
+        <p:cNvGrpSpPr/>
+        <p:nvPr/>
+      </p:nvGrpSpPr>
+      <p:grpSpPr>
+        <a:xfrm>
+          <a:off x="0" y="0"/>
+          <a:ext cx="0" cy="0"/>
+          <a:chOff x="0" y="0"/>
+          <a:chExt cx="0" cy="0"/>
+        </a:xfrm>
+      </p:grpSpPr>
+      <p:sp>
+        <p:nvSpPr>
+          <p:cNvPr id="2" name="スライド イメージ プレースホルダー 1"/>
+          <p:cNvSpPr>
+            <a:spLocks noGrp="1" noRot="1" noChangeAspect="1"/>
+          </p:cNvSpPr>
+          <p:nvPr>
+            <p:ph type="sldImg"/>
+          </p:nvPr>
+        </p:nvSpPr>
+        <p:spPr/>
+      </p:sp>
+      <p:sp>
+        <p:nvSpPr>
+          <p:cNvPr id="3" name="ノート プレースホルダー 2"/>
+          <p:cNvSpPr>
+            <a:spLocks noGrp="1"/>
+          </p:cNvSpPr>
+          <p:nvPr>
+            <p:ph type="body" idx="1"/>
+          </p:nvPr>
+        </p:nvSpPr>
+        <p:spPr/>
+        <p:txBody>
+          <a:bodyPr/>
+          <a:lstStyle/>
+          <a:p>
+            <a:r>
+              <a:rPr kumimoji="1" lang="ja-JP" altLang="en-US" dirty="0"/>
+              <a:t>・新しい知識を学んだため、開発の仕様に慣れるまで苦労した</a:t>
+            </a:r>
+          </a:p>
+        </p:txBody>
+      </p:sp>
+      <p:sp>
+        <p:nvSpPr>
+          <p:cNvPr id="4" name="スライド番号プレースホルダー 3"/>
+          <p:cNvSpPr>
+            <a:spLocks noGrp="1"/>
+          </p:cNvSpPr>
+          <p:nvPr>
+            <p:ph type="sldNum" sz="quarter" idx="5"/>
+          </p:nvPr>
+        </p:nvSpPr>
+        <p:spPr/>
+        <p:txBody>
+          <a:bodyPr/>
+          <a:lstStyle/>
+          <a:p>
+            <a:fld id="{DB7DD6F2-B1E7-40D2-8A4F-5D4ACD9C90E1}" type="slidenum">
+              <a:rPr kumimoji="1" lang="ja-JP" altLang="en-US" smtClean="0"/>
+              <a:t>17</a:t>
+            </a:fld>
+            <a:endParaRPr kumimoji="1" lang="ja-JP" altLang="en-US"/>
+          </a:p>
+        </p:txBody>
+      </p:sp>
+    </p:spTree>
+    <p:extLst>
+      <p:ext uri="{BB962C8B-B14F-4D97-AF65-F5344CB8AC3E}">
+        <p14:creationId xmlns:p14="http://schemas.microsoft.com/office/powerpoint/2010/main" val="347570421"/>
       </p:ext>
     </p:extLst>
   </p:cSld>

--- a/発表準備/7月成果発表会.pptx
+++ b/発表準備/7月成果発表会.pptx
@@ -783,6 +783,90 @@
     <p:extLst>
       <p:ext uri="{BB962C8B-B14F-4D97-AF65-F5344CB8AC3E}">
         <p14:creationId xmlns:p14="http://schemas.microsoft.com/office/powerpoint/2010/main" val="162405576"/>
+      </p:ext>
+    </p:extLst>
+  </p:cSld>
+  <p:clrMapOvr>
+    <a:masterClrMapping/>
+  </p:clrMapOvr>
+</p:notes>
+</file>
+
+<file path=ppt/notesSlides/notesSlide4.xml><?xml version="1.0" encoding="utf-8"?>
+<p:notes xmlns:a="http://schemas.openxmlformats.org/drawingml/2006/main" xmlns:r="http://schemas.openxmlformats.org/officeDocument/2006/relationships" xmlns:p="http://schemas.openxmlformats.org/presentationml/2006/main">
+  <p:cSld>
+    <p:spTree>
+      <p:nvGrpSpPr>
+        <p:cNvPr id="1" name=""/>
+        <p:cNvGrpSpPr/>
+        <p:nvPr/>
+      </p:nvGrpSpPr>
+      <p:grpSpPr>
+        <a:xfrm>
+          <a:off x="0" y="0"/>
+          <a:ext cx="0" cy="0"/>
+          <a:chOff x="0" y="0"/>
+          <a:chExt cx="0" cy="0"/>
+        </a:xfrm>
+      </p:grpSpPr>
+      <p:sp>
+        <p:nvSpPr>
+          <p:cNvPr id="2" name="スライド イメージ プレースホルダー 1"/>
+          <p:cNvSpPr>
+            <a:spLocks noGrp="1" noRot="1" noChangeAspect="1"/>
+          </p:cNvSpPr>
+          <p:nvPr>
+            <p:ph type="sldImg"/>
+          </p:nvPr>
+        </p:nvSpPr>
+        <p:spPr/>
+      </p:sp>
+      <p:sp>
+        <p:nvSpPr>
+          <p:cNvPr id="3" name="ノート プレースホルダー 2"/>
+          <p:cNvSpPr>
+            <a:spLocks noGrp="1"/>
+          </p:cNvSpPr>
+          <p:nvPr>
+            <p:ph type="body" idx="1"/>
+          </p:nvPr>
+        </p:nvSpPr>
+        <p:spPr/>
+        <p:txBody>
+          <a:bodyPr/>
+          <a:lstStyle/>
+          <a:p>
+            <a:endParaRPr kumimoji="1" lang="ja-JP" altLang="en-US"/>
+          </a:p>
+        </p:txBody>
+      </p:sp>
+      <p:sp>
+        <p:nvSpPr>
+          <p:cNvPr id="4" name="スライド番号プレースホルダー 3"/>
+          <p:cNvSpPr>
+            <a:spLocks noGrp="1"/>
+          </p:cNvSpPr>
+          <p:nvPr>
+            <p:ph type="sldNum" sz="quarter" idx="5"/>
+          </p:nvPr>
+        </p:nvSpPr>
+        <p:spPr/>
+        <p:txBody>
+          <a:bodyPr/>
+          <a:lstStyle/>
+          <a:p>
+            <a:fld id="{DB7DD6F2-B1E7-40D2-8A4F-5D4ACD9C90E1}" type="slidenum">
+              <a:rPr kumimoji="1" lang="ja-JP" altLang="en-US" smtClean="0"/>
+              <a:t>9</a:t>
+            </a:fld>
+            <a:endParaRPr kumimoji="1" lang="ja-JP" altLang="en-US"/>
+          </a:p>
+        </p:txBody>
+      </p:sp>
+    </p:spTree>
+    <p:extLst>
+      <p:ext uri="{BB962C8B-B14F-4D97-AF65-F5344CB8AC3E}">
+        <p14:creationId xmlns:p14="http://schemas.microsoft.com/office/powerpoint/2010/main" val="3855676508"/>
       </p:ext>
     </p:extLst>
   </p:cSld>
@@ -13547,8 +13631,8 @@
         </p:nvSpPr>
         <p:spPr>
           <a:xfrm>
-            <a:off x="5121519" y="1627338"/>
-            <a:ext cx="1661745" cy="747867"/>
+            <a:off x="5121520" y="1642534"/>
+            <a:ext cx="1626414" cy="732672"/>
           </a:xfrm>
           <a:prstGeom prst="roundRect">
             <a:avLst/>
@@ -13603,6 +13687,42 @@
           </a:p>
         </p:txBody>
       </p:sp>
+      <p:pic>
+        <p:nvPicPr>
+          <p:cNvPr id="7" name="図 6" descr="グラフィカル ユーザー インターフェイス, テキスト, アプリケーション, チャットまたはテキスト メッセージ&#10;&#10;AI 生成コンテンツは誤りを含む可能性があります。">
+            <a:extLst>
+              <a:ext uri="{FF2B5EF4-FFF2-40B4-BE49-F238E27FC236}">
+                <a16:creationId xmlns:a16="http://schemas.microsoft.com/office/drawing/2014/main" id="{CDD8A597-2990-8C11-1004-72FE550C696D}"/>
+              </a:ext>
+            </a:extLst>
+          </p:cNvPr>
+          <p:cNvPicPr>
+            <a:picLocks noChangeAspect="1"/>
+          </p:cNvPicPr>
+          <p:nvPr/>
+        </p:nvPicPr>
+        <p:blipFill>
+          <a:blip r:embed="rId3">
+            <a:extLst>
+              <a:ext uri="{28A0092B-C50C-407E-A947-70E740481C1C}">
+                <a14:useLocalDpi xmlns:a14="http://schemas.microsoft.com/office/drawing/2010/main" val="0"/>
+              </a:ext>
+            </a:extLst>
+          </a:blip>
+          <a:stretch>
+            <a:fillRect/>
+          </a:stretch>
+        </p:blipFill>
+        <p:spPr>
+          <a:xfrm>
+            <a:off x="3257100" y="2487117"/>
+            <a:ext cx="5677799" cy="3646487"/>
+          </a:xfrm>
+          <a:prstGeom prst="rect">
+            <a:avLst/>
+          </a:prstGeom>
+        </p:spPr>
+      </p:pic>
     </p:spTree>
     <p:extLst>
       <p:ext uri="{BB962C8B-B14F-4D97-AF65-F5344CB8AC3E}">

--- a/発表準備/7月成果発表会.pptx
+++ b/発表準備/7月成果発表会.pptx
@@ -221,7 +221,7 @@
           <a:p>
             <a:fld id="{E415E668-72BD-48DC-B5D5-F37F0AA96029}" type="datetimeFigureOut">
               <a:rPr kumimoji="1" lang="ja-JP" altLang="en-US" smtClean="0"/>
-              <a:t>2025/7/23</a:t>
+              <a:t>2025/7/24</a:t>
             </a:fld>
             <a:endParaRPr kumimoji="1" lang="ja-JP" altLang="en-US"/>
           </a:p>
@@ -939,7 +939,7 @@
           <a:p>
             <a:fld id="{9CFFAD60-27D9-44AE-82D7-77B581F6BE63}" type="datetimeFigureOut">
               <a:rPr kumimoji="1" lang="ja-JP" altLang="en-US" smtClean="0"/>
-              <a:t>2025/7/23</a:t>
+              <a:t>2025/7/24</a:t>
             </a:fld>
             <a:endParaRPr kumimoji="1" lang="ja-JP" altLang="en-US"/>
           </a:p>
@@ -1169,7 +1169,7 @@
           <a:p>
             <a:fld id="{9CFFAD60-27D9-44AE-82D7-77B581F6BE63}" type="datetimeFigureOut">
               <a:rPr kumimoji="1" lang="ja-JP" altLang="en-US" smtClean="0"/>
-              <a:t>2025/7/23</a:t>
+              <a:t>2025/7/24</a:t>
             </a:fld>
             <a:endParaRPr kumimoji="1" lang="ja-JP" altLang="en-US"/>
           </a:p>
@@ -1409,7 +1409,7 @@
           <a:p>
             <a:fld id="{9CFFAD60-27D9-44AE-82D7-77B581F6BE63}" type="datetimeFigureOut">
               <a:rPr kumimoji="1" lang="ja-JP" altLang="en-US" smtClean="0"/>
-              <a:t>2025/7/23</a:t>
+              <a:t>2025/7/24</a:t>
             </a:fld>
             <a:endParaRPr kumimoji="1" lang="ja-JP" altLang="en-US"/>
           </a:p>
@@ -1639,7 +1639,7 @@
           <a:p>
             <a:fld id="{9CFFAD60-27D9-44AE-82D7-77B581F6BE63}" type="datetimeFigureOut">
               <a:rPr kumimoji="1" lang="ja-JP" altLang="en-US" smtClean="0"/>
-              <a:t>2025/7/23</a:t>
+              <a:t>2025/7/24</a:t>
             </a:fld>
             <a:endParaRPr kumimoji="1" lang="ja-JP" altLang="en-US"/>
           </a:p>
@@ -1914,7 +1914,7 @@
           <a:p>
             <a:fld id="{9CFFAD60-27D9-44AE-82D7-77B581F6BE63}" type="datetimeFigureOut">
               <a:rPr kumimoji="1" lang="ja-JP" altLang="en-US" smtClean="0"/>
-              <a:t>2025/7/23</a:t>
+              <a:t>2025/7/24</a:t>
             </a:fld>
             <a:endParaRPr kumimoji="1" lang="ja-JP" altLang="en-US"/>
           </a:p>
@@ -2243,7 +2243,7 @@
           <a:p>
             <a:fld id="{9CFFAD60-27D9-44AE-82D7-77B581F6BE63}" type="datetimeFigureOut">
               <a:rPr kumimoji="1" lang="ja-JP" altLang="en-US" smtClean="0"/>
-              <a:t>2025/7/23</a:t>
+              <a:t>2025/7/24</a:t>
             </a:fld>
             <a:endParaRPr kumimoji="1" lang="ja-JP" altLang="en-US"/>
           </a:p>
@@ -2719,7 +2719,7 @@
           <a:p>
             <a:fld id="{9CFFAD60-27D9-44AE-82D7-77B581F6BE63}" type="datetimeFigureOut">
               <a:rPr kumimoji="1" lang="ja-JP" altLang="en-US" smtClean="0"/>
-              <a:t>2025/7/23</a:t>
+              <a:t>2025/7/24</a:t>
             </a:fld>
             <a:endParaRPr kumimoji="1" lang="ja-JP" altLang="en-US"/>
           </a:p>
@@ -2860,7 +2860,7 @@
           <a:p>
             <a:fld id="{9CFFAD60-27D9-44AE-82D7-77B581F6BE63}" type="datetimeFigureOut">
               <a:rPr kumimoji="1" lang="ja-JP" altLang="en-US" smtClean="0"/>
-              <a:t>2025/7/23</a:t>
+              <a:t>2025/7/24</a:t>
             </a:fld>
             <a:endParaRPr kumimoji="1" lang="ja-JP" altLang="en-US"/>
           </a:p>
@@ -2973,7 +2973,7 @@
           <a:p>
             <a:fld id="{9CFFAD60-27D9-44AE-82D7-77B581F6BE63}" type="datetimeFigureOut">
               <a:rPr kumimoji="1" lang="ja-JP" altLang="en-US" smtClean="0"/>
-              <a:t>2025/7/23</a:t>
+              <a:t>2025/7/24</a:t>
             </a:fld>
             <a:endParaRPr kumimoji="1" lang="ja-JP" altLang="en-US"/>
           </a:p>
@@ -3316,7 +3316,7 @@
           <a:p>
             <a:fld id="{9CFFAD60-27D9-44AE-82D7-77B581F6BE63}" type="datetimeFigureOut">
               <a:rPr kumimoji="1" lang="ja-JP" altLang="en-US" smtClean="0"/>
-              <a:t>2025/7/23</a:t>
+              <a:t>2025/7/24</a:t>
             </a:fld>
             <a:endParaRPr kumimoji="1" lang="ja-JP" altLang="en-US"/>
           </a:p>
@@ -3604,7 +3604,7 @@
           <a:p>
             <a:fld id="{9CFFAD60-27D9-44AE-82D7-77B581F6BE63}" type="datetimeFigureOut">
               <a:rPr kumimoji="1" lang="ja-JP" altLang="en-US" smtClean="0"/>
-              <a:t>2025/7/23</a:t>
+              <a:t>2025/7/24</a:t>
             </a:fld>
             <a:endParaRPr kumimoji="1" lang="ja-JP" altLang="en-US"/>
           </a:p>
@@ -3877,7 +3877,7 @@
           <a:p>
             <a:fld id="{9CFFAD60-27D9-44AE-82D7-77B581F6BE63}" type="datetimeFigureOut">
               <a:rPr kumimoji="1" lang="ja-JP" altLang="en-US" smtClean="0"/>
-              <a:t>2025/7/23</a:t>
+              <a:t>2025/7/24</a:t>
             </a:fld>
             <a:endParaRPr kumimoji="1" lang="ja-JP" altLang="en-US"/>
           </a:p>
@@ -4997,51 +4997,6 @@
       </p:sp>
       <p:sp>
         <p:nvSpPr>
-          <p:cNvPr id="5" name="タイトル 4">
-            <a:extLst>
-              <a:ext uri="{FF2B5EF4-FFF2-40B4-BE49-F238E27FC236}">
-                <a16:creationId xmlns:a16="http://schemas.microsoft.com/office/drawing/2014/main" id="{48951FDA-D122-A719-1B53-ED92AB912058}"/>
-              </a:ext>
-            </a:extLst>
-          </p:cNvPr>
-          <p:cNvSpPr>
-            <a:spLocks noGrp="1"/>
-          </p:cNvSpPr>
-          <p:nvPr>
-            <p:ph type="title"/>
-          </p:nvPr>
-        </p:nvSpPr>
-        <p:spPr>
-          <a:xfrm>
-            <a:off x="3921370" y="560371"/>
-            <a:ext cx="4062045" cy="970252"/>
-          </a:xfrm>
-        </p:spPr>
-        <p:txBody>
-          <a:bodyPr>
-            <a:noAutofit/>
-          </a:bodyPr>
-          <a:lstStyle/>
-          <a:p>
-            <a:r>
-              <a:rPr lang="en-US" altLang="ja-JP" sz="3600" b="1" dirty="0">
-                <a:latin typeface="BIZ UDPゴシック" panose="020B0400000000000000" pitchFamily="50" charset="-128"/>
-                <a:ea typeface="BIZ UDPゴシック" panose="020B0400000000000000" pitchFamily="50" charset="-128"/>
-              </a:rPr>
-              <a:t>Ⅲ</a:t>
-            </a:r>
-            <a:r>
-              <a:rPr lang="ja-JP" altLang="en-US" sz="3600" b="1" dirty="0">
-                <a:latin typeface="BIZ UDPゴシック" panose="020B0400000000000000" pitchFamily="50" charset="-128"/>
-                <a:ea typeface="BIZ UDPゴシック" panose="020B0400000000000000" pitchFamily="50" charset="-128"/>
-              </a:rPr>
-              <a:t>．アプリの概要</a:t>
-            </a:r>
-          </a:p>
-        </p:txBody>
-      </p:sp>
-      <p:sp>
-        <p:nvSpPr>
           <p:cNvPr id="6" name="四角形: 角を丸くする 5">
             <a:extLst>
               <a:ext uri="{FF2B5EF4-FFF2-40B4-BE49-F238E27FC236}">
@@ -5054,7 +5009,7 @@
         </p:nvSpPr>
         <p:spPr>
           <a:xfrm>
-            <a:off x="4721469" y="1496215"/>
+            <a:off x="4703884" y="863169"/>
             <a:ext cx="2233246" cy="712175"/>
           </a:xfrm>
           <a:prstGeom prst="roundRect">
@@ -5266,51 +5221,6 @@
       </p:sp>
       <p:sp>
         <p:nvSpPr>
-          <p:cNvPr id="5" name="タイトル 4">
-            <a:extLst>
-              <a:ext uri="{FF2B5EF4-FFF2-40B4-BE49-F238E27FC236}">
-                <a16:creationId xmlns:a16="http://schemas.microsoft.com/office/drawing/2014/main" id="{6EFBE6D4-892D-01AA-7D16-6440D413D6F9}"/>
-              </a:ext>
-            </a:extLst>
-          </p:cNvPr>
-          <p:cNvSpPr>
-            <a:spLocks noGrp="1"/>
-          </p:cNvSpPr>
-          <p:nvPr>
-            <p:ph type="title"/>
-          </p:nvPr>
-        </p:nvSpPr>
-        <p:spPr>
-          <a:xfrm>
-            <a:off x="3921370" y="560371"/>
-            <a:ext cx="4062045" cy="970252"/>
-          </a:xfrm>
-        </p:spPr>
-        <p:txBody>
-          <a:bodyPr>
-            <a:noAutofit/>
-          </a:bodyPr>
-          <a:lstStyle/>
-          <a:p>
-            <a:r>
-              <a:rPr lang="en-US" altLang="ja-JP" sz="3600" b="1" dirty="0">
-                <a:latin typeface="BIZ UDPゴシック" panose="020B0400000000000000" pitchFamily="50" charset="-128"/>
-                <a:ea typeface="BIZ UDPゴシック" panose="020B0400000000000000" pitchFamily="50" charset="-128"/>
-              </a:rPr>
-              <a:t>Ⅲ</a:t>
-            </a:r>
-            <a:r>
-              <a:rPr lang="ja-JP" altLang="en-US" sz="3600" b="1" dirty="0">
-                <a:latin typeface="BIZ UDPゴシック" panose="020B0400000000000000" pitchFamily="50" charset="-128"/>
-                <a:ea typeface="BIZ UDPゴシック" panose="020B0400000000000000" pitchFamily="50" charset="-128"/>
-              </a:rPr>
-              <a:t>．アプリの概要</a:t>
-            </a:r>
-          </a:p>
-        </p:txBody>
-      </p:sp>
-      <p:sp>
-        <p:nvSpPr>
           <p:cNvPr id="6" name="四角形: 角を丸くする 5">
             <a:extLst>
               <a:ext uri="{FF2B5EF4-FFF2-40B4-BE49-F238E27FC236}">
@@ -5535,51 +5445,6 @@
       </p:sp>
       <p:sp>
         <p:nvSpPr>
-          <p:cNvPr id="5" name="タイトル 4">
-            <a:extLst>
-              <a:ext uri="{FF2B5EF4-FFF2-40B4-BE49-F238E27FC236}">
-                <a16:creationId xmlns:a16="http://schemas.microsoft.com/office/drawing/2014/main" id="{21EFF3C9-C20D-251D-7DF2-83917B9138DE}"/>
-              </a:ext>
-            </a:extLst>
-          </p:cNvPr>
-          <p:cNvSpPr>
-            <a:spLocks noGrp="1"/>
-          </p:cNvSpPr>
-          <p:nvPr>
-            <p:ph type="title"/>
-          </p:nvPr>
-        </p:nvSpPr>
-        <p:spPr>
-          <a:xfrm>
-            <a:off x="3921370" y="560371"/>
-            <a:ext cx="4062045" cy="970252"/>
-          </a:xfrm>
-        </p:spPr>
-        <p:txBody>
-          <a:bodyPr>
-            <a:noAutofit/>
-          </a:bodyPr>
-          <a:lstStyle/>
-          <a:p>
-            <a:r>
-              <a:rPr lang="en-US" altLang="ja-JP" sz="3600" b="1" dirty="0">
-                <a:latin typeface="BIZ UDPゴシック" panose="020B0400000000000000" pitchFamily="50" charset="-128"/>
-                <a:ea typeface="BIZ UDPゴシック" panose="020B0400000000000000" pitchFamily="50" charset="-128"/>
-              </a:rPr>
-              <a:t>Ⅲ</a:t>
-            </a:r>
-            <a:r>
-              <a:rPr lang="ja-JP" altLang="en-US" sz="3600" b="1" dirty="0">
-                <a:latin typeface="BIZ UDPゴシック" panose="020B0400000000000000" pitchFamily="50" charset="-128"/>
-                <a:ea typeface="BIZ UDPゴシック" panose="020B0400000000000000" pitchFamily="50" charset="-128"/>
-              </a:rPr>
-              <a:t>．アプリの概要</a:t>
-            </a:r>
-          </a:p>
-        </p:txBody>
-      </p:sp>
-      <p:sp>
-        <p:nvSpPr>
           <p:cNvPr id="6" name="四角形: 角を丸くする 5">
             <a:extLst>
               <a:ext uri="{FF2B5EF4-FFF2-40B4-BE49-F238E27FC236}">
@@ -5592,7 +5457,7 @@
         </p:nvSpPr>
         <p:spPr>
           <a:xfrm>
-            <a:off x="4387362" y="1600201"/>
+            <a:off x="4343401" y="835271"/>
             <a:ext cx="2831123" cy="800100"/>
           </a:xfrm>
           <a:prstGeom prst="roundRect">
@@ -12122,7 +11987,7 @@
         </p:nvSpPr>
         <p:spPr>
           <a:xfrm>
-            <a:off x="3921370" y="560371"/>
+            <a:off x="4158762" y="560371"/>
             <a:ext cx="4062045" cy="970252"/>
           </a:xfrm>
         </p:spPr>
@@ -12163,7 +12028,7 @@
         </p:nvSpPr>
         <p:spPr>
           <a:xfrm>
-            <a:off x="3130794" y="1652954"/>
+            <a:off x="7641248" y="1652954"/>
             <a:ext cx="5643196" cy="4221374"/>
           </a:xfrm>
           <a:prstGeom prst="roundRect">
@@ -12209,15 +12074,30 @@
               </a:rPr>
               <a:t>	</a:t>
             </a:r>
-            <a:r>
-              <a:rPr lang="ja-JP" altLang="en-US" b="1">
+          </a:p>
+          <a:p>
+            <a:pPr>
+              <a:buNone/>
+            </a:pPr>
+            <a:r>
+              <a:rPr lang="en-US" altLang="ja-JP" b="1" dirty="0">
                 <a:solidFill>
                   <a:schemeClr val="tx1"/>
                 </a:solidFill>
                 <a:latin typeface="BIZ UDPゴシック" panose="020B0400000000000000" pitchFamily="50" charset="-128"/>
                 <a:ea typeface="BIZ UDPゴシック" panose="020B0400000000000000" pitchFamily="50" charset="-128"/>
               </a:rPr>
-              <a:t>・ホーム</a:t>
+              <a:t>	</a:t>
+            </a:r>
+            <a:r>
+              <a:rPr lang="ja-JP" altLang="en-US" b="1" dirty="0">
+                <a:solidFill>
+                  <a:schemeClr val="tx1"/>
+                </a:solidFill>
+                <a:latin typeface="BIZ UDPゴシック" panose="020B0400000000000000" pitchFamily="50" charset="-128"/>
+                <a:ea typeface="BIZ UDPゴシック" panose="020B0400000000000000" pitchFamily="50" charset="-128"/>
+              </a:rPr>
+              <a:t>・タグ検索、日記検索</a:t>
             </a:r>
             <a:endParaRPr lang="en-US" altLang="ja-JP" b="1" dirty="0">
               <a:solidFill>
@@ -12261,7 +12141,7 @@
                 <a:latin typeface="BIZ UDPゴシック" panose="020B0400000000000000" pitchFamily="50" charset="-128"/>
                 <a:ea typeface="BIZ UDPゴシック" panose="020B0400000000000000" pitchFamily="50" charset="-128"/>
               </a:rPr>
-              <a:t>・マイページ、ユーザー登録</a:t>
+              <a:t>・日記詳細画面</a:t>
             </a:r>
             <a:endParaRPr lang="en-US" altLang="ja-JP" b="1" dirty="0">
               <a:solidFill>
@@ -12305,7 +12185,7 @@
                 <a:latin typeface="BIZ UDPゴシック" panose="020B0400000000000000" pitchFamily="50" charset="-128"/>
                 <a:ea typeface="BIZ UDPゴシック" panose="020B0400000000000000" pitchFamily="50" charset="-128"/>
               </a:rPr>
-              <a:t>・タグ検索、日記検索</a:t>
+              <a:t>・日記登録画面</a:t>
             </a:r>
             <a:endParaRPr lang="en-US" altLang="ja-JP" b="1" dirty="0">
               <a:solidFill>
@@ -12349,94 +12229,6 @@
                 <a:latin typeface="BIZ UDPゴシック" panose="020B0400000000000000" pitchFamily="50" charset="-128"/>
                 <a:ea typeface="BIZ UDPゴシック" panose="020B0400000000000000" pitchFamily="50" charset="-128"/>
               </a:rPr>
-              <a:t>・日記詳細画面</a:t>
-            </a:r>
-            <a:endParaRPr lang="en-US" altLang="ja-JP" b="1" dirty="0">
-              <a:solidFill>
-                <a:schemeClr val="tx1"/>
-              </a:solidFill>
-              <a:latin typeface="BIZ UDPゴシック" panose="020B0400000000000000" pitchFamily="50" charset="-128"/>
-              <a:ea typeface="BIZ UDPゴシック" panose="020B0400000000000000" pitchFamily="50" charset="-128"/>
-            </a:endParaRPr>
-          </a:p>
-          <a:p>
-            <a:pPr>
-              <a:buNone/>
-            </a:pPr>
-            <a:endParaRPr lang="en-US" altLang="ja-JP" b="1" dirty="0">
-              <a:solidFill>
-                <a:schemeClr val="tx1"/>
-              </a:solidFill>
-              <a:latin typeface="BIZ UDPゴシック" panose="020B0400000000000000" pitchFamily="50" charset="-128"/>
-              <a:ea typeface="BIZ UDPゴシック" panose="020B0400000000000000" pitchFamily="50" charset="-128"/>
-            </a:endParaRPr>
-          </a:p>
-          <a:p>
-            <a:pPr>
-              <a:buNone/>
-            </a:pPr>
-            <a:r>
-              <a:rPr lang="en-US" altLang="ja-JP" b="1" dirty="0">
-                <a:solidFill>
-                  <a:schemeClr val="tx1"/>
-                </a:solidFill>
-                <a:latin typeface="BIZ UDPゴシック" panose="020B0400000000000000" pitchFamily="50" charset="-128"/>
-                <a:ea typeface="BIZ UDPゴシック" panose="020B0400000000000000" pitchFamily="50" charset="-128"/>
-              </a:rPr>
-              <a:t>	</a:t>
-            </a:r>
-            <a:r>
-              <a:rPr lang="ja-JP" altLang="en-US" b="1" dirty="0">
-                <a:solidFill>
-                  <a:schemeClr val="tx1"/>
-                </a:solidFill>
-                <a:latin typeface="BIZ UDPゴシック" panose="020B0400000000000000" pitchFamily="50" charset="-128"/>
-                <a:ea typeface="BIZ UDPゴシック" panose="020B0400000000000000" pitchFamily="50" charset="-128"/>
-              </a:rPr>
-              <a:t>・日記登録画面</a:t>
-            </a:r>
-            <a:endParaRPr lang="en-US" altLang="ja-JP" b="1" dirty="0">
-              <a:solidFill>
-                <a:schemeClr val="tx1"/>
-              </a:solidFill>
-              <a:latin typeface="BIZ UDPゴシック" panose="020B0400000000000000" pitchFamily="50" charset="-128"/>
-              <a:ea typeface="BIZ UDPゴシック" panose="020B0400000000000000" pitchFamily="50" charset="-128"/>
-            </a:endParaRPr>
-          </a:p>
-          <a:p>
-            <a:pPr>
-              <a:buNone/>
-            </a:pPr>
-            <a:endParaRPr lang="en-US" altLang="ja-JP" b="1" dirty="0">
-              <a:solidFill>
-                <a:schemeClr val="tx1"/>
-              </a:solidFill>
-              <a:latin typeface="BIZ UDPゴシック" panose="020B0400000000000000" pitchFamily="50" charset="-128"/>
-              <a:ea typeface="BIZ UDPゴシック" panose="020B0400000000000000" pitchFamily="50" charset="-128"/>
-            </a:endParaRPr>
-          </a:p>
-          <a:p>
-            <a:pPr>
-              <a:buNone/>
-            </a:pPr>
-            <a:r>
-              <a:rPr lang="en-US" altLang="ja-JP" b="1" dirty="0">
-                <a:solidFill>
-                  <a:schemeClr val="tx1"/>
-                </a:solidFill>
-                <a:latin typeface="BIZ UDPゴシック" panose="020B0400000000000000" pitchFamily="50" charset="-128"/>
-                <a:ea typeface="BIZ UDPゴシック" panose="020B0400000000000000" pitchFamily="50" charset="-128"/>
-              </a:rPr>
-              <a:t>	</a:t>
-            </a:r>
-            <a:r>
-              <a:rPr lang="ja-JP" altLang="en-US" b="1" dirty="0">
-                <a:solidFill>
-                  <a:schemeClr val="tx1"/>
-                </a:solidFill>
-                <a:latin typeface="BIZ UDPゴシック" panose="020B0400000000000000" pitchFamily="50" charset="-128"/>
-                <a:ea typeface="BIZ UDPゴシック" panose="020B0400000000000000" pitchFamily="50" charset="-128"/>
-              </a:rPr>
               <a:t>・グラフ分析、キーワード分析</a:t>
             </a:r>
             <a:endParaRPr lang="en-US" altLang="ja-JP" b="1" dirty="0">
@@ -12482,6 +12274,210 @@
                 <a:ea typeface="BIZ UDPゴシック" panose="020B0400000000000000" pitchFamily="50" charset="-128"/>
               </a:rPr>
               <a:t>・タイムライン</a:t>
+            </a:r>
+            <a:endParaRPr lang="en-US" altLang="ja-JP" b="1" dirty="0">
+              <a:solidFill>
+                <a:schemeClr val="tx1"/>
+              </a:solidFill>
+              <a:latin typeface="BIZ UDPゴシック" panose="020B0400000000000000" pitchFamily="50" charset="-128"/>
+              <a:ea typeface="BIZ UDPゴシック" panose="020B0400000000000000" pitchFamily="50" charset="-128"/>
+            </a:endParaRPr>
+          </a:p>
+        </p:txBody>
+      </p:sp>
+      <p:pic>
+        <p:nvPicPr>
+          <p:cNvPr id="11" name="図 10" descr="カレンダー&#10;&#10;AI 生成コンテンツは誤りを含む可能性があります。">
+            <a:extLst>
+              <a:ext uri="{FF2B5EF4-FFF2-40B4-BE49-F238E27FC236}">
+                <a16:creationId xmlns:a16="http://schemas.microsoft.com/office/drawing/2014/main" id="{019CF2EE-5166-4C87-EBED-DEB801A8792F}"/>
+              </a:ext>
+            </a:extLst>
+          </p:cNvPr>
+          <p:cNvPicPr>
+            <a:picLocks noChangeAspect="1"/>
+          </p:cNvPicPr>
+          <p:nvPr/>
+        </p:nvPicPr>
+        <p:blipFill>
+          <a:blip r:embed="rId2">
+            <a:extLst>
+              <a:ext uri="{28A0092B-C50C-407E-A947-70E740481C1C}">
+                <a14:useLocalDpi xmlns:a14="http://schemas.microsoft.com/office/drawing/2010/main" val="0"/>
+              </a:ext>
+            </a:extLst>
+          </a:blip>
+          <a:stretch>
+            <a:fillRect/>
+          </a:stretch>
+        </p:blipFill>
+        <p:spPr>
+          <a:xfrm>
+            <a:off x="3979513" y="1301262"/>
+            <a:ext cx="1475976" cy="1475976"/>
+          </a:xfrm>
+          <a:prstGeom prst="rect">
+            <a:avLst/>
+          </a:prstGeom>
+        </p:spPr>
+      </p:pic>
+      <p:sp>
+        <p:nvSpPr>
+          <p:cNvPr id="12" name="四角形: 角を丸くする 11">
+            <a:extLst>
+              <a:ext uri="{FF2B5EF4-FFF2-40B4-BE49-F238E27FC236}">
+                <a16:creationId xmlns:a16="http://schemas.microsoft.com/office/drawing/2014/main" id="{72F8451D-5A85-46B1-CB90-89DF1D9BC8AF}"/>
+              </a:ext>
+            </a:extLst>
+          </p:cNvPr>
+          <p:cNvSpPr/>
+          <p:nvPr/>
+        </p:nvSpPr>
+        <p:spPr>
+          <a:xfrm>
+            <a:off x="3729087" y="2931395"/>
+            <a:ext cx="1726402" cy="690222"/>
+          </a:xfrm>
+          <a:prstGeom prst="roundRect">
+            <a:avLst/>
+          </a:prstGeom>
+          <a:solidFill>
+            <a:srgbClr val="FFE5B4"/>
+          </a:solidFill>
+          <a:ln>
+            <a:noFill/>
+          </a:ln>
+        </p:spPr>
+        <p:style>
+          <a:lnRef idx="2">
+            <a:schemeClr val="accent1">
+              <a:shade val="15000"/>
+            </a:schemeClr>
+          </a:lnRef>
+          <a:fillRef idx="1">
+            <a:schemeClr val="accent1"/>
+          </a:fillRef>
+          <a:effectRef idx="0">
+            <a:schemeClr val="accent1"/>
+          </a:effectRef>
+          <a:fontRef idx="minor">
+            <a:schemeClr val="lt1"/>
+          </a:fontRef>
+        </p:style>
+        <p:txBody>
+          <a:bodyPr rtlCol="0" anchor="ctr"/>
+          <a:lstStyle/>
+          <a:p>
+            <a:pPr algn="ctr"/>
+            <a:r>
+              <a:rPr kumimoji="1" lang="ja-JP" altLang="en-US" b="1" dirty="0">
+                <a:solidFill>
+                  <a:schemeClr val="tx1"/>
+                </a:solidFill>
+                <a:latin typeface="BIZ UDPゴシック" panose="020B0400000000000000" pitchFamily="50" charset="-128"/>
+                <a:ea typeface="BIZ UDPゴシック" panose="020B0400000000000000" pitchFamily="50" charset="-128"/>
+              </a:rPr>
+              <a:t>ホーム画面</a:t>
+            </a:r>
+          </a:p>
+        </p:txBody>
+      </p:sp>
+      <p:pic>
+        <p:nvPicPr>
+          <p:cNvPr id="14" name="図 13" descr="アイコン&#10;&#10;AI 生成コンテンツは誤りを含む可能性があります。">
+            <a:extLst>
+              <a:ext uri="{FF2B5EF4-FFF2-40B4-BE49-F238E27FC236}">
+                <a16:creationId xmlns:a16="http://schemas.microsoft.com/office/drawing/2014/main" id="{0C22AC2A-7625-F4DB-F34D-4FDDAA1EB15D}"/>
+              </a:ext>
+            </a:extLst>
+          </p:cNvPr>
+          <p:cNvPicPr>
+            <a:picLocks noChangeAspect="1"/>
+          </p:cNvPicPr>
+          <p:nvPr/>
+        </p:nvPicPr>
+        <p:blipFill>
+          <a:blip r:embed="rId3">
+            <a:extLst>
+              <a:ext uri="{28A0092B-C50C-407E-A947-70E740481C1C}">
+                <a14:useLocalDpi xmlns:a14="http://schemas.microsoft.com/office/drawing/2010/main" val="0"/>
+              </a:ext>
+            </a:extLst>
+          </a:blip>
+          <a:srcRect t="53675" r="50175" b="3544"/>
+          <a:stretch>
+            <a:fillRect/>
+          </a:stretch>
+        </p:blipFill>
+        <p:spPr>
+          <a:xfrm>
+            <a:off x="1074450" y="1301262"/>
+            <a:ext cx="1566676" cy="1345224"/>
+          </a:xfrm>
+          <a:prstGeom prst="rect">
+            <a:avLst/>
+          </a:prstGeom>
+        </p:spPr>
+      </p:pic>
+      <p:sp>
+        <p:nvSpPr>
+          <p:cNvPr id="15" name="四角形: 角を丸くする 14">
+            <a:extLst>
+              <a:ext uri="{FF2B5EF4-FFF2-40B4-BE49-F238E27FC236}">
+                <a16:creationId xmlns:a16="http://schemas.microsoft.com/office/drawing/2014/main" id="{57B66553-F478-0BFE-381B-D71BAB18EF5B}"/>
+              </a:ext>
+            </a:extLst>
+          </p:cNvPr>
+          <p:cNvSpPr/>
+          <p:nvPr/>
+        </p:nvSpPr>
+        <p:spPr>
+          <a:xfrm>
+            <a:off x="445844" y="2931394"/>
+            <a:ext cx="2823887" cy="662240"/>
+          </a:xfrm>
+          <a:prstGeom prst="roundRect">
+            <a:avLst/>
+          </a:prstGeom>
+          <a:solidFill>
+            <a:srgbClr val="FFE5B4"/>
+          </a:solidFill>
+          <a:ln>
+            <a:noFill/>
+          </a:ln>
+        </p:spPr>
+        <p:style>
+          <a:lnRef idx="2">
+            <a:schemeClr val="accent1">
+              <a:shade val="15000"/>
+            </a:schemeClr>
+          </a:lnRef>
+          <a:fillRef idx="1">
+            <a:schemeClr val="accent1"/>
+          </a:fillRef>
+          <a:effectRef idx="0">
+            <a:schemeClr val="accent1"/>
+          </a:effectRef>
+          <a:fontRef idx="minor">
+            <a:schemeClr val="lt1"/>
+          </a:fontRef>
+        </p:style>
+        <p:txBody>
+          <a:bodyPr rtlCol="0" anchor="ctr"/>
+          <a:lstStyle/>
+          <a:p>
+            <a:pPr>
+              <a:buNone/>
+            </a:pPr>
+            <a:r>
+              <a:rPr lang="ja-JP" altLang="en-US" b="1" dirty="0">
+                <a:solidFill>
+                  <a:schemeClr val="tx1"/>
+                </a:solidFill>
+                <a:latin typeface="BIZ UDPゴシック" panose="020B0400000000000000" pitchFamily="50" charset="-128"/>
+                <a:ea typeface="BIZ UDPゴシック" panose="020B0400000000000000" pitchFamily="50" charset="-128"/>
+              </a:rPr>
+              <a:t>マイページ、ユーザー登録</a:t>
             </a:r>
             <a:endParaRPr lang="en-US" altLang="ja-JP" b="1" dirty="0">
               <a:solidFill>
@@ -12647,51 +12643,6 @@
           </a:p>
         </p:txBody>
       </p:sp>
-      <p:sp>
-        <p:nvSpPr>
-          <p:cNvPr id="5" name="タイトル 4">
-            <a:extLst>
-              <a:ext uri="{FF2B5EF4-FFF2-40B4-BE49-F238E27FC236}">
-                <a16:creationId xmlns:a16="http://schemas.microsoft.com/office/drawing/2014/main" id="{4BF857F3-5673-86F9-C475-0242C531A31D}"/>
-              </a:ext>
-            </a:extLst>
-          </p:cNvPr>
-          <p:cNvSpPr>
-            <a:spLocks noGrp="1"/>
-          </p:cNvSpPr>
-          <p:nvPr>
-            <p:ph type="title"/>
-          </p:nvPr>
-        </p:nvSpPr>
-        <p:spPr>
-          <a:xfrm>
-            <a:off x="3921370" y="560371"/>
-            <a:ext cx="4062045" cy="970252"/>
-          </a:xfrm>
-        </p:spPr>
-        <p:txBody>
-          <a:bodyPr>
-            <a:noAutofit/>
-          </a:bodyPr>
-          <a:lstStyle/>
-          <a:p>
-            <a:r>
-              <a:rPr lang="en-US" altLang="ja-JP" sz="3600" b="1" dirty="0">
-                <a:latin typeface="BIZ UDPゴシック" panose="020B0400000000000000" pitchFamily="50" charset="-128"/>
-                <a:ea typeface="BIZ UDPゴシック" panose="020B0400000000000000" pitchFamily="50" charset="-128"/>
-              </a:rPr>
-              <a:t>Ⅲ</a:t>
-            </a:r>
-            <a:r>
-              <a:rPr lang="ja-JP" altLang="en-US" sz="3600" b="1" dirty="0">
-                <a:latin typeface="BIZ UDPゴシック" panose="020B0400000000000000" pitchFamily="50" charset="-128"/>
-                <a:ea typeface="BIZ UDPゴシック" panose="020B0400000000000000" pitchFamily="50" charset="-128"/>
-              </a:rPr>
-              <a:t>．アプリの概要</a:t>
-            </a:r>
-          </a:p>
-        </p:txBody>
-      </p:sp>
       <p:pic>
         <p:nvPicPr>
           <p:cNvPr id="7" name="図 6" descr="カレンダー&#10;&#10;AI 生成コンテンツは誤りを含む可能性があります。">
@@ -12952,51 +12903,6 @@
       </p:sp>
       <p:sp>
         <p:nvSpPr>
-          <p:cNvPr id="5" name="タイトル 4">
-            <a:extLst>
-              <a:ext uri="{FF2B5EF4-FFF2-40B4-BE49-F238E27FC236}">
-                <a16:creationId xmlns:a16="http://schemas.microsoft.com/office/drawing/2014/main" id="{24D7AA15-BDFB-5305-BC44-328E3FE88229}"/>
-              </a:ext>
-            </a:extLst>
-          </p:cNvPr>
-          <p:cNvSpPr>
-            <a:spLocks noGrp="1"/>
-          </p:cNvSpPr>
-          <p:nvPr>
-            <p:ph type="title"/>
-          </p:nvPr>
-        </p:nvSpPr>
-        <p:spPr>
-          <a:xfrm>
-            <a:off x="3921370" y="560371"/>
-            <a:ext cx="4062045" cy="970252"/>
-          </a:xfrm>
-        </p:spPr>
-        <p:txBody>
-          <a:bodyPr>
-            <a:noAutofit/>
-          </a:bodyPr>
-          <a:lstStyle/>
-          <a:p>
-            <a:r>
-              <a:rPr lang="en-US" altLang="ja-JP" sz="3600" b="1" dirty="0">
-                <a:latin typeface="BIZ UDPゴシック" panose="020B0400000000000000" pitchFamily="50" charset="-128"/>
-                <a:ea typeface="BIZ UDPゴシック" panose="020B0400000000000000" pitchFamily="50" charset="-128"/>
-              </a:rPr>
-              <a:t>Ⅲ</a:t>
-            </a:r>
-            <a:r>
-              <a:rPr lang="ja-JP" altLang="en-US" sz="3600" b="1" dirty="0">
-                <a:latin typeface="BIZ UDPゴシック" panose="020B0400000000000000" pitchFamily="50" charset="-128"/>
-                <a:ea typeface="BIZ UDPゴシック" panose="020B0400000000000000" pitchFamily="50" charset="-128"/>
-              </a:rPr>
-              <a:t>．アプリの概要</a:t>
-            </a:r>
-          </a:p>
-        </p:txBody>
-      </p:sp>
-      <p:sp>
-        <p:nvSpPr>
           <p:cNvPr id="6" name="四角形: 角を丸くする 5">
             <a:extLst>
               <a:ext uri="{FF2B5EF4-FFF2-40B4-BE49-F238E27FC236}">
@@ -13009,7 +12915,7 @@
         </p:nvSpPr>
         <p:spPr>
           <a:xfrm>
-            <a:off x="4464935" y="1667721"/>
+            <a:off x="4526481" y="788490"/>
             <a:ext cx="2823887" cy="662240"/>
           </a:xfrm>
           <a:prstGeom prst="roundRect">
@@ -13221,51 +13127,6 @@
       </p:sp>
       <p:sp>
         <p:nvSpPr>
-          <p:cNvPr id="5" name="タイトル 4">
-            <a:extLst>
-              <a:ext uri="{FF2B5EF4-FFF2-40B4-BE49-F238E27FC236}">
-                <a16:creationId xmlns:a16="http://schemas.microsoft.com/office/drawing/2014/main" id="{0928EA69-EF38-5D42-084B-335C1632F59C}"/>
-              </a:ext>
-            </a:extLst>
-          </p:cNvPr>
-          <p:cNvSpPr>
-            <a:spLocks noGrp="1"/>
-          </p:cNvSpPr>
-          <p:nvPr>
-            <p:ph type="title"/>
-          </p:nvPr>
-        </p:nvSpPr>
-        <p:spPr>
-          <a:xfrm>
-            <a:off x="3921370" y="560371"/>
-            <a:ext cx="4062045" cy="970252"/>
-          </a:xfrm>
-        </p:spPr>
-        <p:txBody>
-          <a:bodyPr>
-            <a:noAutofit/>
-          </a:bodyPr>
-          <a:lstStyle/>
-          <a:p>
-            <a:r>
-              <a:rPr lang="en-US" altLang="ja-JP" sz="3600" b="1" dirty="0">
-                <a:latin typeface="BIZ UDPゴシック" panose="020B0400000000000000" pitchFamily="50" charset="-128"/>
-                <a:ea typeface="BIZ UDPゴシック" panose="020B0400000000000000" pitchFamily="50" charset="-128"/>
-              </a:rPr>
-              <a:t>Ⅲ</a:t>
-            </a:r>
-            <a:r>
-              <a:rPr lang="ja-JP" altLang="en-US" sz="3600" b="1" dirty="0">
-                <a:latin typeface="BIZ UDPゴシック" panose="020B0400000000000000" pitchFamily="50" charset="-128"/>
-                <a:ea typeface="BIZ UDPゴシック" panose="020B0400000000000000" pitchFamily="50" charset="-128"/>
-              </a:rPr>
-              <a:t>．アプリの概要</a:t>
-            </a:r>
-          </a:p>
-        </p:txBody>
-      </p:sp>
-      <p:sp>
-        <p:nvSpPr>
           <p:cNvPr id="6" name="四角形: 角を丸くする 5">
             <a:extLst>
               <a:ext uri="{FF2B5EF4-FFF2-40B4-BE49-F238E27FC236}">
@@ -13485,51 +13346,6 @@
                 </a:schemeClr>
               </a:solidFill>
             </a:endParaRPr>
-          </a:p>
-        </p:txBody>
-      </p:sp>
-      <p:sp>
-        <p:nvSpPr>
-          <p:cNvPr id="5" name="タイトル 4">
-            <a:extLst>
-              <a:ext uri="{FF2B5EF4-FFF2-40B4-BE49-F238E27FC236}">
-                <a16:creationId xmlns:a16="http://schemas.microsoft.com/office/drawing/2014/main" id="{ED2821B0-E6A2-F90C-0E2A-7D1BEA7F2FA5}"/>
-              </a:ext>
-            </a:extLst>
-          </p:cNvPr>
-          <p:cNvSpPr>
-            <a:spLocks noGrp="1"/>
-          </p:cNvSpPr>
-          <p:nvPr>
-            <p:ph type="title"/>
-          </p:nvPr>
-        </p:nvSpPr>
-        <p:spPr>
-          <a:xfrm>
-            <a:off x="3921370" y="560371"/>
-            <a:ext cx="4062045" cy="970252"/>
-          </a:xfrm>
-        </p:spPr>
-        <p:txBody>
-          <a:bodyPr>
-            <a:noAutofit/>
-          </a:bodyPr>
-          <a:lstStyle/>
-          <a:p>
-            <a:r>
-              <a:rPr lang="en-US" altLang="ja-JP" sz="3600" b="1" dirty="0">
-                <a:latin typeface="BIZ UDPゴシック" panose="020B0400000000000000" pitchFamily="50" charset="-128"/>
-                <a:ea typeface="BIZ UDPゴシック" panose="020B0400000000000000" pitchFamily="50" charset="-128"/>
-              </a:rPr>
-              <a:t>Ⅲ</a:t>
-            </a:r>
-            <a:r>
-              <a:rPr lang="ja-JP" altLang="en-US" sz="3600" b="1" dirty="0">
-                <a:latin typeface="BIZ UDPゴシック" panose="020B0400000000000000" pitchFamily="50" charset="-128"/>
-                <a:ea typeface="BIZ UDPゴシック" panose="020B0400000000000000" pitchFamily="50" charset="-128"/>
-              </a:rPr>
-              <a:t>．アプリの概要</a:t>
-            </a:r>
           </a:p>
         </p:txBody>
       </p:sp>

--- a/発表準備/7月成果発表会.pptx
+++ b/発表準備/7月成果発表会.pptx
@@ -12434,7 +12434,7 @@
         <p:spPr>
           <a:xfrm>
             <a:off x="445844" y="2931394"/>
-            <a:ext cx="2823887" cy="662240"/>
+            <a:ext cx="2974364" cy="662240"/>
           </a:xfrm>
           <a:prstGeom prst="roundRect">
             <a:avLst/>
@@ -12477,7 +12477,7 @@
                 <a:latin typeface="BIZ UDPゴシック" panose="020B0400000000000000" pitchFamily="50" charset="-128"/>
                 <a:ea typeface="BIZ UDPゴシック" panose="020B0400000000000000" pitchFamily="50" charset="-128"/>
               </a:rPr>
-              <a:t>マイページ、ユーザー登録</a:t>
+              <a:t>マイページ、パスワード変更</a:t>
             </a:r>
             <a:endParaRPr lang="en-US" altLang="ja-JP" b="1" dirty="0">
               <a:solidFill>

--- a/発表準備/7月成果発表会.pptx
+++ b/発表準備/7月成果発表会.pptx
@@ -13,13 +13,13 @@
     <p:sldId id="286" r:id="rId4"/>
     <p:sldId id="280" r:id="rId5"/>
     <p:sldId id="281" r:id="rId6"/>
-    <p:sldId id="302" r:id="rId7"/>
-    <p:sldId id="303" r:id="rId8"/>
-    <p:sldId id="307" r:id="rId9"/>
-    <p:sldId id="308" r:id="rId10"/>
-    <p:sldId id="304" r:id="rId11"/>
-    <p:sldId id="305" r:id="rId12"/>
-    <p:sldId id="306" r:id="rId13"/>
+    <p:sldId id="309" r:id="rId7"/>
+    <p:sldId id="302" r:id="rId8"/>
+    <p:sldId id="310" r:id="rId9"/>
+    <p:sldId id="311" r:id="rId10"/>
+    <p:sldId id="312" r:id="rId11"/>
+    <p:sldId id="313" r:id="rId12"/>
+    <p:sldId id="314" r:id="rId13"/>
     <p:sldId id="282" r:id="rId14"/>
     <p:sldId id="293" r:id="rId15"/>
     <p:sldId id="283" r:id="rId16"/>
@@ -4862,7 +4862,7 @@
         <p:cNvPr id="1" name="">
           <a:extLst>
             <a:ext uri="{FF2B5EF4-FFF2-40B4-BE49-F238E27FC236}">
-              <a16:creationId xmlns:a16="http://schemas.microsoft.com/office/drawing/2014/main" id="{23E75672-9EDF-E646-123F-3674CF195522}"/>
+              <a16:creationId xmlns:a16="http://schemas.microsoft.com/office/drawing/2014/main" id="{1DF61E78-50CD-E070-0A73-9E219BD17B99}"/>
             </a:ext>
           </a:extLst>
         </p:cNvPr>
@@ -4882,7 +4882,7 @@
           <p:cNvPr id="3" name="正方形/長方形 2">
             <a:extLst>
               <a:ext uri="{FF2B5EF4-FFF2-40B4-BE49-F238E27FC236}">
-                <a16:creationId xmlns:a16="http://schemas.microsoft.com/office/drawing/2014/main" id="{0AE50705-5811-3DE4-0C1D-0913A46874EF}"/>
+                <a16:creationId xmlns:a16="http://schemas.microsoft.com/office/drawing/2014/main" id="{FB34C0CB-E776-53CA-8853-158A576CC78A}"/>
               </a:ext>
             </a:extLst>
           </p:cNvPr>
@@ -4934,7 +4934,7 @@
           <p:cNvPr id="4" name="正方形/長方形 3">
             <a:extLst>
               <a:ext uri="{FF2B5EF4-FFF2-40B4-BE49-F238E27FC236}">
-                <a16:creationId xmlns:a16="http://schemas.microsoft.com/office/drawing/2014/main" id="{A110DCAD-62D4-62B4-D967-BE53E642C4E1}"/>
+                <a16:creationId xmlns:a16="http://schemas.microsoft.com/office/drawing/2014/main" id="{7FC35686-D328-C37D-5694-5DDB5EB927C6}"/>
               </a:ext>
             </a:extLst>
           </p:cNvPr>
@@ -4997,10 +4997,10 @@
       </p:sp>
       <p:sp>
         <p:nvSpPr>
-          <p:cNvPr id="6" name="四角形: 角を丸くする 5">
-            <a:extLst>
-              <a:ext uri="{FF2B5EF4-FFF2-40B4-BE49-F238E27FC236}">
-                <a16:creationId xmlns:a16="http://schemas.microsoft.com/office/drawing/2014/main" id="{04AF5269-C5BA-D2EE-5A4D-4F10214ED54C}"/>
+          <p:cNvPr id="2" name="四角形: 角を丸くする 1">
+            <a:extLst>
+              <a:ext uri="{FF2B5EF4-FFF2-40B4-BE49-F238E27FC236}">
+                <a16:creationId xmlns:a16="http://schemas.microsoft.com/office/drawing/2014/main" id="{C06FA45A-5D59-0C58-DD34-E35B65834673}"/>
               </a:ext>
             </a:extLst>
           </p:cNvPr>
@@ -5009,8 +5009,8 @@
         </p:nvSpPr>
         <p:spPr>
           <a:xfrm>
-            <a:off x="4703884" y="863169"/>
-            <a:ext cx="2233246" cy="712175"/>
+            <a:off x="4466494" y="695754"/>
+            <a:ext cx="3097780" cy="677434"/>
           </a:xfrm>
           <a:prstGeom prst="roundRect">
             <a:avLst/>
@@ -5042,7 +5042,7 @@
           <a:bodyPr rtlCol="0" anchor="ctr"/>
           <a:lstStyle/>
           <a:p>
-            <a:pPr>
+            <a:pPr algn="ctr">
               <a:buNone/>
             </a:pPr>
             <a:r>
@@ -5053,7 +5053,7 @@
                 <a:latin typeface="BIZ UDPゴシック" panose="020B0400000000000000" pitchFamily="50" charset="-128"/>
                 <a:ea typeface="BIZ UDPゴシック" panose="020B0400000000000000" pitchFamily="50" charset="-128"/>
               </a:rPr>
-              <a:t>タグ検索、日記検索</a:t>
+              <a:t>日記登録画面</a:t>
             </a:r>
             <a:endParaRPr lang="en-US" altLang="ja-JP" b="1" dirty="0">
               <a:solidFill>
@@ -5068,7 +5068,7 @@
     </p:spTree>
     <p:extLst>
       <p:ext uri="{BB962C8B-B14F-4D97-AF65-F5344CB8AC3E}">
-        <p14:creationId xmlns:p14="http://schemas.microsoft.com/office/powerpoint/2010/main" val="3248528383"/>
+        <p14:creationId xmlns:p14="http://schemas.microsoft.com/office/powerpoint/2010/main" val="486767044"/>
       </p:ext>
     </p:extLst>
   </p:cSld>
@@ -5086,7 +5086,7 @@
         <p:cNvPr id="1" name="">
           <a:extLst>
             <a:ext uri="{FF2B5EF4-FFF2-40B4-BE49-F238E27FC236}">
-              <a16:creationId xmlns:a16="http://schemas.microsoft.com/office/drawing/2014/main" id="{009621EF-3E88-4790-D774-A04F84470C83}"/>
+              <a16:creationId xmlns:a16="http://schemas.microsoft.com/office/drawing/2014/main" id="{C2E7E9BD-21BB-7BAE-19A1-16B58FE02883}"/>
             </a:ext>
           </a:extLst>
         </p:cNvPr>
@@ -5106,7 +5106,7 @@
           <p:cNvPr id="3" name="正方形/長方形 2">
             <a:extLst>
               <a:ext uri="{FF2B5EF4-FFF2-40B4-BE49-F238E27FC236}">
-                <a16:creationId xmlns:a16="http://schemas.microsoft.com/office/drawing/2014/main" id="{9842B5FD-CDF7-7A46-D1E7-EB8F6159FC60}"/>
+                <a16:creationId xmlns:a16="http://schemas.microsoft.com/office/drawing/2014/main" id="{078CFE5E-10F8-94C8-881A-707F04324C62}"/>
               </a:ext>
             </a:extLst>
           </p:cNvPr>
@@ -5158,7 +5158,7 @@
           <p:cNvPr id="4" name="正方形/長方形 3">
             <a:extLst>
               <a:ext uri="{FF2B5EF4-FFF2-40B4-BE49-F238E27FC236}">
-                <a16:creationId xmlns:a16="http://schemas.microsoft.com/office/drawing/2014/main" id="{A075AE0D-FDB2-C141-5CE3-478EFA57F14A}"/>
+                <a16:creationId xmlns:a16="http://schemas.microsoft.com/office/drawing/2014/main" id="{65EC8926-2741-5C36-4643-00385A49CC44}"/>
               </a:ext>
             </a:extLst>
           </p:cNvPr>
@@ -5221,10 +5221,10 @@
       </p:sp>
       <p:sp>
         <p:nvSpPr>
-          <p:cNvPr id="6" name="四角形: 角を丸くする 5">
-            <a:extLst>
-              <a:ext uri="{FF2B5EF4-FFF2-40B4-BE49-F238E27FC236}">
-                <a16:creationId xmlns:a16="http://schemas.microsoft.com/office/drawing/2014/main" id="{58D0AB03-F66C-E8D5-72D5-AB75919E44B5}"/>
+          <p:cNvPr id="2" name="四角形: 角を丸くする 1">
+            <a:extLst>
+              <a:ext uri="{FF2B5EF4-FFF2-40B4-BE49-F238E27FC236}">
+                <a16:creationId xmlns:a16="http://schemas.microsoft.com/office/drawing/2014/main" id="{9F14B539-A9CF-3B65-8D4F-23BF9F3D3E55}"/>
               </a:ext>
             </a:extLst>
           </p:cNvPr>
@@ -5233,8 +5233,8 @@
         </p:nvSpPr>
         <p:spPr>
           <a:xfrm>
-            <a:off x="3736731" y="1598625"/>
-            <a:ext cx="4158761" cy="791308"/>
+            <a:off x="4466494" y="695754"/>
+            <a:ext cx="3097780" cy="677434"/>
           </a:xfrm>
           <a:prstGeom prst="roundRect">
             <a:avLst/>
@@ -5292,7 +5292,7 @@
     </p:spTree>
     <p:extLst>
       <p:ext uri="{BB962C8B-B14F-4D97-AF65-F5344CB8AC3E}">
-        <p14:creationId xmlns:p14="http://schemas.microsoft.com/office/powerpoint/2010/main" val="1761568981"/>
+        <p14:creationId xmlns:p14="http://schemas.microsoft.com/office/powerpoint/2010/main" val="1261644176"/>
       </p:ext>
     </p:extLst>
   </p:cSld>
@@ -5310,7 +5310,7 @@
         <p:cNvPr id="1" name="">
           <a:extLst>
             <a:ext uri="{FF2B5EF4-FFF2-40B4-BE49-F238E27FC236}">
-              <a16:creationId xmlns:a16="http://schemas.microsoft.com/office/drawing/2014/main" id="{256237B3-813F-F25A-AA52-96F29AD9DA93}"/>
+              <a16:creationId xmlns:a16="http://schemas.microsoft.com/office/drawing/2014/main" id="{E69B3CC8-02B9-3EBA-97A7-2B52DDC0EBD0}"/>
             </a:ext>
           </a:extLst>
         </p:cNvPr>
@@ -5330,7 +5330,7 @@
           <p:cNvPr id="3" name="正方形/長方形 2">
             <a:extLst>
               <a:ext uri="{FF2B5EF4-FFF2-40B4-BE49-F238E27FC236}">
-                <a16:creationId xmlns:a16="http://schemas.microsoft.com/office/drawing/2014/main" id="{91D6147F-B0B4-8BB4-33D9-AF8E3B80AE1F}"/>
+                <a16:creationId xmlns:a16="http://schemas.microsoft.com/office/drawing/2014/main" id="{67B0FE54-FBD4-A9F5-636B-E897BD6BD15C}"/>
               </a:ext>
             </a:extLst>
           </p:cNvPr>
@@ -5382,7 +5382,7 @@
           <p:cNvPr id="4" name="正方形/長方形 3">
             <a:extLst>
               <a:ext uri="{FF2B5EF4-FFF2-40B4-BE49-F238E27FC236}">
-                <a16:creationId xmlns:a16="http://schemas.microsoft.com/office/drawing/2014/main" id="{4C2505D5-782C-23BC-5DF8-7F199B23E781}"/>
+                <a16:creationId xmlns:a16="http://schemas.microsoft.com/office/drawing/2014/main" id="{0569079C-B8DA-A842-8DAB-BC817D9B75B9}"/>
               </a:ext>
             </a:extLst>
           </p:cNvPr>
@@ -5445,10 +5445,10 @@
       </p:sp>
       <p:sp>
         <p:nvSpPr>
-          <p:cNvPr id="6" name="四角形: 角を丸くする 5">
-            <a:extLst>
-              <a:ext uri="{FF2B5EF4-FFF2-40B4-BE49-F238E27FC236}">
-                <a16:creationId xmlns:a16="http://schemas.microsoft.com/office/drawing/2014/main" id="{BD4F8F2E-C0F0-AE03-94E0-66746D62B84A}"/>
+          <p:cNvPr id="2" name="四角形: 角を丸くする 1">
+            <a:extLst>
+              <a:ext uri="{FF2B5EF4-FFF2-40B4-BE49-F238E27FC236}">
+                <a16:creationId xmlns:a16="http://schemas.microsoft.com/office/drawing/2014/main" id="{393F83E4-D94F-ABE1-3A39-895430CD2C30}"/>
               </a:ext>
             </a:extLst>
           </p:cNvPr>
@@ -5457,8 +5457,8 @@
         </p:nvSpPr>
         <p:spPr>
           <a:xfrm>
-            <a:off x="4343401" y="835271"/>
-            <a:ext cx="2831123" cy="800100"/>
+            <a:off x="4466494" y="695754"/>
+            <a:ext cx="3097780" cy="677434"/>
           </a:xfrm>
           <a:prstGeom prst="roundRect">
             <a:avLst/>
@@ -5516,7 +5516,7 @@
     </p:spTree>
     <p:extLst>
       <p:ext uri="{BB962C8B-B14F-4D97-AF65-F5344CB8AC3E}">
-        <p14:creationId xmlns:p14="http://schemas.microsoft.com/office/powerpoint/2010/main" val="2544867341"/>
+        <p14:creationId xmlns:p14="http://schemas.microsoft.com/office/powerpoint/2010/main" val="4242609015"/>
       </p:ext>
     </p:extLst>
   </p:cSld>
@@ -11987,7 +11987,7 @@
         </p:nvSpPr>
         <p:spPr>
           <a:xfrm>
-            <a:off x="4158762" y="560371"/>
+            <a:off x="4127944" y="368822"/>
             <a:ext cx="4062045" cy="970252"/>
           </a:xfrm>
         </p:spPr>
@@ -12014,12 +12014,49 @@
           </a:p>
         </p:txBody>
       </p:sp>
-      <p:sp>
-        <p:nvSpPr>
-          <p:cNvPr id="6" name="四角形: 角を丸くする 5">
-            <a:extLst>
-              <a:ext uri="{FF2B5EF4-FFF2-40B4-BE49-F238E27FC236}">
-                <a16:creationId xmlns:a16="http://schemas.microsoft.com/office/drawing/2014/main" id="{0407E21B-5A98-A39F-8871-1CF000F43835}"/>
+      <p:pic>
+        <p:nvPicPr>
+          <p:cNvPr id="14" name="図 13" descr="アイコン&#10;&#10;AI 生成コンテンツは誤りを含む可能性があります。">
+            <a:extLst>
+              <a:ext uri="{FF2B5EF4-FFF2-40B4-BE49-F238E27FC236}">
+                <a16:creationId xmlns:a16="http://schemas.microsoft.com/office/drawing/2014/main" id="{0C22AC2A-7625-F4DB-F34D-4FDDAA1EB15D}"/>
+              </a:ext>
+            </a:extLst>
+          </p:cNvPr>
+          <p:cNvPicPr>
+            <a:picLocks noChangeAspect="1"/>
+          </p:cNvPicPr>
+          <p:nvPr/>
+        </p:nvPicPr>
+        <p:blipFill>
+          <a:blip r:embed="rId2">
+            <a:extLst>
+              <a:ext uri="{28A0092B-C50C-407E-A947-70E740481C1C}">
+                <a14:useLocalDpi xmlns:a14="http://schemas.microsoft.com/office/drawing/2010/main" val="0"/>
+              </a:ext>
+            </a:extLst>
+          </a:blip>
+          <a:srcRect t="53675" r="50175" b="3544"/>
+          <a:stretch>
+            <a:fillRect/>
+          </a:stretch>
+        </p:blipFill>
+        <p:spPr>
+          <a:xfrm>
+            <a:off x="1872697" y="1355040"/>
+            <a:ext cx="1439181" cy="1235751"/>
+          </a:xfrm>
+          <a:prstGeom prst="rect">
+            <a:avLst/>
+          </a:prstGeom>
+        </p:spPr>
+      </p:pic>
+      <p:sp>
+        <p:nvSpPr>
+          <p:cNvPr id="15" name="四角形: 角を丸くする 14">
+            <a:extLst>
+              <a:ext uri="{FF2B5EF4-FFF2-40B4-BE49-F238E27FC236}">
+                <a16:creationId xmlns:a16="http://schemas.microsoft.com/office/drawing/2014/main" id="{57B66553-F478-0BFE-381B-D71BAB18EF5B}"/>
               </a:ext>
             </a:extLst>
           </p:cNvPr>
@@ -12028,8 +12065,8 @@
         </p:nvSpPr>
         <p:spPr>
           <a:xfrm>
-            <a:off x="7641248" y="1652954"/>
-            <a:ext cx="5643196" cy="4221374"/>
+            <a:off x="987278" y="2751566"/>
+            <a:ext cx="3288758" cy="671924"/>
           </a:xfrm>
           <a:prstGeom prst="roundRect">
             <a:avLst/>
@@ -12061,34 +12098,9 @@
           <a:bodyPr rtlCol="0" anchor="ctr"/>
           <a:lstStyle/>
           <a:p>
-            <a:pPr>
+            <a:pPr algn="ctr">
               <a:buNone/>
             </a:pPr>
-            <a:r>
-              <a:rPr lang="en-US" altLang="ja-JP" b="1" dirty="0">
-                <a:solidFill>
-                  <a:schemeClr val="tx1"/>
-                </a:solidFill>
-                <a:latin typeface="BIZ UDPゴシック" panose="020B0400000000000000" pitchFamily="50" charset="-128"/>
-                <a:ea typeface="BIZ UDPゴシック" panose="020B0400000000000000" pitchFamily="50" charset="-128"/>
-              </a:rPr>
-              <a:t>	</a:t>
-            </a:r>
-          </a:p>
-          <a:p>
-            <a:pPr>
-              <a:buNone/>
-            </a:pPr>
-            <a:r>
-              <a:rPr lang="en-US" altLang="ja-JP" b="1" dirty="0">
-                <a:solidFill>
-                  <a:schemeClr val="tx1"/>
-                </a:solidFill>
-                <a:latin typeface="BIZ UDPゴシック" panose="020B0400000000000000" pitchFamily="50" charset="-128"/>
-                <a:ea typeface="BIZ UDPゴシック" panose="020B0400000000000000" pitchFamily="50" charset="-128"/>
-              </a:rPr>
-              <a:t>	</a:t>
-            </a:r>
             <a:r>
               <a:rPr lang="ja-JP" altLang="en-US" b="1" dirty="0">
                 <a:solidFill>
@@ -12097,7 +12109,7 @@
                 <a:latin typeface="BIZ UDPゴシック" panose="020B0400000000000000" pitchFamily="50" charset="-128"/>
                 <a:ea typeface="BIZ UDPゴシック" panose="020B0400000000000000" pitchFamily="50" charset="-128"/>
               </a:rPr>
-              <a:t>・タグ検索、日記検索</a:t>
+              <a:t>マイページ、パスワード変更</a:t>
             </a:r>
             <a:endParaRPr lang="en-US" altLang="ja-JP" b="1" dirty="0">
               <a:solidFill>
@@ -12107,190 +12119,14 @@
               <a:ea typeface="BIZ UDPゴシック" panose="020B0400000000000000" pitchFamily="50" charset="-128"/>
             </a:endParaRPr>
           </a:p>
-          <a:p>
-            <a:pPr>
-              <a:buNone/>
-            </a:pPr>
-            <a:endParaRPr lang="en-US" altLang="ja-JP" b="1" dirty="0">
-              <a:solidFill>
-                <a:schemeClr val="tx1"/>
-              </a:solidFill>
-              <a:latin typeface="BIZ UDPゴシック" panose="020B0400000000000000" pitchFamily="50" charset="-128"/>
-              <a:ea typeface="BIZ UDPゴシック" panose="020B0400000000000000" pitchFamily="50" charset="-128"/>
-            </a:endParaRPr>
-          </a:p>
-          <a:p>
-            <a:pPr>
-              <a:buNone/>
-            </a:pPr>
-            <a:r>
-              <a:rPr lang="en-US" altLang="ja-JP" b="1" dirty="0">
-                <a:solidFill>
-                  <a:schemeClr val="tx1"/>
-                </a:solidFill>
-                <a:latin typeface="BIZ UDPゴシック" panose="020B0400000000000000" pitchFamily="50" charset="-128"/>
-                <a:ea typeface="BIZ UDPゴシック" panose="020B0400000000000000" pitchFamily="50" charset="-128"/>
-              </a:rPr>
-              <a:t>	</a:t>
-            </a:r>
-            <a:r>
-              <a:rPr lang="ja-JP" altLang="en-US" b="1" dirty="0">
-                <a:solidFill>
-                  <a:schemeClr val="tx1"/>
-                </a:solidFill>
-                <a:latin typeface="BIZ UDPゴシック" panose="020B0400000000000000" pitchFamily="50" charset="-128"/>
-                <a:ea typeface="BIZ UDPゴシック" panose="020B0400000000000000" pitchFamily="50" charset="-128"/>
-              </a:rPr>
-              <a:t>・日記詳細画面</a:t>
-            </a:r>
-            <a:endParaRPr lang="en-US" altLang="ja-JP" b="1" dirty="0">
-              <a:solidFill>
-                <a:schemeClr val="tx1"/>
-              </a:solidFill>
-              <a:latin typeface="BIZ UDPゴシック" panose="020B0400000000000000" pitchFamily="50" charset="-128"/>
-              <a:ea typeface="BIZ UDPゴシック" panose="020B0400000000000000" pitchFamily="50" charset="-128"/>
-            </a:endParaRPr>
-          </a:p>
-          <a:p>
-            <a:pPr>
-              <a:buNone/>
-            </a:pPr>
-            <a:endParaRPr lang="en-US" altLang="ja-JP" b="1" dirty="0">
-              <a:solidFill>
-                <a:schemeClr val="tx1"/>
-              </a:solidFill>
-              <a:latin typeface="BIZ UDPゴシック" panose="020B0400000000000000" pitchFamily="50" charset="-128"/>
-              <a:ea typeface="BIZ UDPゴシック" panose="020B0400000000000000" pitchFamily="50" charset="-128"/>
-            </a:endParaRPr>
-          </a:p>
-          <a:p>
-            <a:pPr>
-              <a:buNone/>
-            </a:pPr>
-            <a:r>
-              <a:rPr lang="en-US" altLang="ja-JP" b="1" dirty="0">
-                <a:solidFill>
-                  <a:schemeClr val="tx1"/>
-                </a:solidFill>
-                <a:latin typeface="BIZ UDPゴシック" panose="020B0400000000000000" pitchFamily="50" charset="-128"/>
-                <a:ea typeface="BIZ UDPゴシック" panose="020B0400000000000000" pitchFamily="50" charset="-128"/>
-              </a:rPr>
-              <a:t>	</a:t>
-            </a:r>
-            <a:r>
-              <a:rPr lang="ja-JP" altLang="en-US" b="1" dirty="0">
-                <a:solidFill>
-                  <a:schemeClr val="tx1"/>
-                </a:solidFill>
-                <a:latin typeface="BIZ UDPゴシック" panose="020B0400000000000000" pitchFamily="50" charset="-128"/>
-                <a:ea typeface="BIZ UDPゴシック" panose="020B0400000000000000" pitchFamily="50" charset="-128"/>
-              </a:rPr>
-              <a:t>・日記登録画面</a:t>
-            </a:r>
-            <a:endParaRPr lang="en-US" altLang="ja-JP" b="1" dirty="0">
-              <a:solidFill>
-                <a:schemeClr val="tx1"/>
-              </a:solidFill>
-              <a:latin typeface="BIZ UDPゴシック" panose="020B0400000000000000" pitchFamily="50" charset="-128"/>
-              <a:ea typeface="BIZ UDPゴシック" panose="020B0400000000000000" pitchFamily="50" charset="-128"/>
-            </a:endParaRPr>
-          </a:p>
-          <a:p>
-            <a:pPr>
-              <a:buNone/>
-            </a:pPr>
-            <a:endParaRPr lang="en-US" altLang="ja-JP" b="1" dirty="0">
-              <a:solidFill>
-                <a:schemeClr val="tx1"/>
-              </a:solidFill>
-              <a:latin typeface="BIZ UDPゴシック" panose="020B0400000000000000" pitchFamily="50" charset="-128"/>
-              <a:ea typeface="BIZ UDPゴシック" panose="020B0400000000000000" pitchFamily="50" charset="-128"/>
-            </a:endParaRPr>
-          </a:p>
-          <a:p>
-            <a:pPr>
-              <a:buNone/>
-            </a:pPr>
-            <a:r>
-              <a:rPr lang="en-US" altLang="ja-JP" b="1" dirty="0">
-                <a:solidFill>
-                  <a:schemeClr val="tx1"/>
-                </a:solidFill>
-                <a:latin typeface="BIZ UDPゴシック" panose="020B0400000000000000" pitchFamily="50" charset="-128"/>
-                <a:ea typeface="BIZ UDPゴシック" panose="020B0400000000000000" pitchFamily="50" charset="-128"/>
-              </a:rPr>
-              <a:t>	</a:t>
-            </a:r>
-            <a:r>
-              <a:rPr lang="ja-JP" altLang="en-US" b="1" dirty="0">
-                <a:solidFill>
-                  <a:schemeClr val="tx1"/>
-                </a:solidFill>
-                <a:latin typeface="BIZ UDPゴシック" panose="020B0400000000000000" pitchFamily="50" charset="-128"/>
-                <a:ea typeface="BIZ UDPゴシック" panose="020B0400000000000000" pitchFamily="50" charset="-128"/>
-              </a:rPr>
-              <a:t>・グラフ分析、キーワード分析</a:t>
-            </a:r>
-            <a:endParaRPr lang="en-US" altLang="ja-JP" b="1" dirty="0">
-              <a:solidFill>
-                <a:schemeClr val="tx1"/>
-              </a:solidFill>
-              <a:latin typeface="BIZ UDPゴシック" panose="020B0400000000000000" pitchFamily="50" charset="-128"/>
-              <a:ea typeface="BIZ UDPゴシック" panose="020B0400000000000000" pitchFamily="50" charset="-128"/>
-            </a:endParaRPr>
-          </a:p>
-          <a:p>
-            <a:pPr>
-              <a:buNone/>
-            </a:pPr>
-            <a:endParaRPr lang="ja-JP" altLang="en-US" b="1" dirty="0">
-              <a:solidFill>
-                <a:schemeClr val="tx1"/>
-              </a:solidFill>
-              <a:latin typeface="BIZ UDPゴシック" panose="020B0400000000000000" pitchFamily="50" charset="-128"/>
-              <a:ea typeface="BIZ UDPゴシック" panose="020B0400000000000000" pitchFamily="50" charset="-128"/>
-            </a:endParaRPr>
-          </a:p>
-          <a:p>
-            <a:pPr>
-              <a:buNone/>
-            </a:pPr>
-            <a:r>
-              <a:rPr lang="en-US" altLang="ja-JP" b="1" dirty="0">
-                <a:solidFill>
-                  <a:schemeClr val="tx1"/>
-                </a:solidFill>
-                <a:latin typeface="BIZ UDPゴシック" panose="020B0400000000000000" pitchFamily="50" charset="-128"/>
-                <a:ea typeface="BIZ UDPゴシック" panose="020B0400000000000000" pitchFamily="50" charset="-128"/>
-              </a:rPr>
-              <a:t>	</a:t>
-            </a:r>
-            <a:r>
-              <a:rPr lang="ja-JP" altLang="en-US" b="1" dirty="0">
-                <a:solidFill>
-                  <a:schemeClr val="tx1"/>
-                </a:solidFill>
-                <a:latin typeface="BIZ UDPゴシック" panose="020B0400000000000000" pitchFamily="50" charset="-128"/>
-                <a:ea typeface="BIZ UDPゴシック" panose="020B0400000000000000" pitchFamily="50" charset="-128"/>
-              </a:rPr>
-              <a:t>・タイムライン</a:t>
-            </a:r>
-            <a:endParaRPr lang="en-US" altLang="ja-JP" b="1" dirty="0">
-              <a:solidFill>
-                <a:schemeClr val="tx1"/>
-              </a:solidFill>
-              <a:latin typeface="BIZ UDPゴシック" panose="020B0400000000000000" pitchFamily="50" charset="-128"/>
-              <a:ea typeface="BIZ UDPゴシック" panose="020B0400000000000000" pitchFamily="50" charset="-128"/>
-            </a:endParaRPr>
-          </a:p>
         </p:txBody>
       </p:sp>
       <p:pic>
         <p:nvPicPr>
-          <p:cNvPr id="11" name="図 10" descr="カレンダー&#10;&#10;AI 生成コンテンツは誤りを含む可能性があります。">
-            <a:extLst>
-              <a:ext uri="{FF2B5EF4-FFF2-40B4-BE49-F238E27FC236}">
-                <a16:creationId xmlns:a16="http://schemas.microsoft.com/office/drawing/2014/main" id="{019CF2EE-5166-4C87-EBED-DEB801A8792F}"/>
+          <p:cNvPr id="7" name="図 6" descr="カレンダー&#10;&#10;AI 生成コンテンツは誤りを含む可能性があります。">
+            <a:extLst>
+              <a:ext uri="{FF2B5EF4-FFF2-40B4-BE49-F238E27FC236}">
+                <a16:creationId xmlns:a16="http://schemas.microsoft.com/office/drawing/2014/main" id="{1E8C0916-6A0E-78A3-8ED5-2147F8054075}"/>
               </a:ext>
             </a:extLst>
           </p:cNvPr>
@@ -12300,7 +12136,7 @@
           <p:nvPr/>
         </p:nvPicPr>
         <p:blipFill>
-          <a:blip r:embed="rId2">
+          <a:blip r:embed="rId3">
             <a:extLst>
               <a:ext uri="{28A0092B-C50C-407E-A947-70E740481C1C}">
                 <a14:useLocalDpi xmlns:a14="http://schemas.microsoft.com/office/drawing/2010/main" val="0"/>
@@ -12313,20 +12149,164 @@
         </p:blipFill>
         <p:spPr>
           <a:xfrm>
-            <a:off x="3979513" y="1301262"/>
-            <a:ext cx="1475976" cy="1475976"/>
+            <a:off x="5706754" y="1485318"/>
+            <a:ext cx="1276700" cy="1049599"/>
           </a:xfrm>
           <a:prstGeom prst="rect">
             <a:avLst/>
           </a:prstGeom>
         </p:spPr>
       </p:pic>
-      <p:sp>
-        <p:nvSpPr>
-          <p:cNvPr id="12" name="四角形: 角を丸くする 11">
-            <a:extLst>
-              <a:ext uri="{FF2B5EF4-FFF2-40B4-BE49-F238E27FC236}">
-                <a16:creationId xmlns:a16="http://schemas.microsoft.com/office/drawing/2014/main" id="{72F8451D-5A85-46B1-CB90-89DF1D9BC8AF}"/>
+      <p:pic>
+        <p:nvPicPr>
+          <p:cNvPr id="33" name="図 32" descr="アイコン&#10;&#10;AI 生成コンテンツは誤りを含む可能性があります。">
+            <a:extLst>
+              <a:ext uri="{FF2B5EF4-FFF2-40B4-BE49-F238E27FC236}">
+                <a16:creationId xmlns:a16="http://schemas.microsoft.com/office/drawing/2014/main" id="{1549663F-EC84-8A3E-7AC9-832B3FFEDBCD}"/>
+              </a:ext>
+            </a:extLst>
+          </p:cNvPr>
+          <p:cNvPicPr>
+            <a:picLocks noChangeAspect="1"/>
+          </p:cNvPicPr>
+          <p:nvPr/>
+        </p:nvPicPr>
+        <p:blipFill>
+          <a:blip r:embed="rId4">
+            <a:extLst>
+              <a:ext uri="{28A0092B-C50C-407E-A947-70E740481C1C}">
+                <a14:useLocalDpi xmlns:a14="http://schemas.microsoft.com/office/drawing/2010/main" val="0"/>
+              </a:ext>
+            </a:extLst>
+          </a:blip>
+          <a:stretch>
+            <a:fillRect/>
+          </a:stretch>
+        </p:blipFill>
+        <p:spPr>
+          <a:xfrm>
+            <a:off x="8880050" y="1355040"/>
+            <a:ext cx="1688479" cy="1193368"/>
+          </a:xfrm>
+          <a:prstGeom prst="rect">
+            <a:avLst/>
+          </a:prstGeom>
+        </p:spPr>
+      </p:pic>
+      <p:pic>
+        <p:nvPicPr>
+          <p:cNvPr id="36" name="図 35" descr="文字の書かれた紙&#10;&#10;AI 生成コンテンツは誤りを含む可能性があります。">
+            <a:extLst>
+              <a:ext uri="{FF2B5EF4-FFF2-40B4-BE49-F238E27FC236}">
+                <a16:creationId xmlns:a16="http://schemas.microsoft.com/office/drawing/2014/main" id="{89DB28C4-1ABE-5835-1FAC-E9F4B8DE6DAB}"/>
+              </a:ext>
+            </a:extLst>
+          </p:cNvPr>
+          <p:cNvPicPr>
+            <a:picLocks noChangeAspect="1"/>
+          </p:cNvPicPr>
+          <p:nvPr/>
+        </p:nvPicPr>
+        <p:blipFill>
+          <a:blip r:embed="rId5">
+            <a:extLst>
+              <a:ext uri="{28A0092B-C50C-407E-A947-70E740481C1C}">
+                <a14:useLocalDpi xmlns:a14="http://schemas.microsoft.com/office/drawing/2010/main" val="0"/>
+              </a:ext>
+            </a:extLst>
+          </a:blip>
+          <a:stretch>
+            <a:fillRect/>
+          </a:stretch>
+        </p:blipFill>
+        <p:spPr>
+          <a:xfrm rot="528377">
+            <a:off x="1906240" y="3695727"/>
+            <a:ext cx="1450834" cy="1450834"/>
+          </a:xfrm>
+          <a:prstGeom prst="rect">
+            <a:avLst/>
+          </a:prstGeom>
+        </p:spPr>
+      </p:pic>
+      <p:pic>
+        <p:nvPicPr>
+          <p:cNvPr id="40" name="図 39" descr="グラフ, 円グラフ&#10;&#10;AI 生成コンテンツは誤りを含む可能性があります。">
+            <a:extLst>
+              <a:ext uri="{FF2B5EF4-FFF2-40B4-BE49-F238E27FC236}">
+                <a16:creationId xmlns:a16="http://schemas.microsoft.com/office/drawing/2014/main" id="{6811B64A-3060-9D94-921C-9A127B5C97A5}"/>
+              </a:ext>
+            </a:extLst>
+          </p:cNvPr>
+          <p:cNvPicPr>
+            <a:picLocks noChangeAspect="1"/>
+          </p:cNvPicPr>
+          <p:nvPr/>
+        </p:nvPicPr>
+        <p:blipFill>
+          <a:blip r:embed="rId6">
+            <a:extLst>
+              <a:ext uri="{28A0092B-C50C-407E-A947-70E740481C1C}">
+                <a14:useLocalDpi xmlns:a14="http://schemas.microsoft.com/office/drawing/2010/main" val="0"/>
+              </a:ext>
+            </a:extLst>
+          </a:blip>
+          <a:stretch>
+            <a:fillRect/>
+          </a:stretch>
+        </p:blipFill>
+        <p:spPr>
+          <a:xfrm>
+            <a:off x="5411440" y="3649935"/>
+            <a:ext cx="2107945" cy="1475561"/>
+          </a:xfrm>
+          <a:prstGeom prst="rect">
+            <a:avLst/>
+          </a:prstGeom>
+        </p:spPr>
+      </p:pic>
+      <p:pic>
+        <p:nvPicPr>
+          <p:cNvPr id="50" name="図 49" descr="アイコン&#10;&#10;AI 生成コンテンツは誤りを含む可能性があります。">
+            <a:extLst>
+              <a:ext uri="{FF2B5EF4-FFF2-40B4-BE49-F238E27FC236}">
+                <a16:creationId xmlns:a16="http://schemas.microsoft.com/office/drawing/2014/main" id="{9AE8D241-032D-9816-0C6C-3A2185C77402}"/>
+              </a:ext>
+            </a:extLst>
+          </p:cNvPr>
+          <p:cNvPicPr>
+            <a:picLocks noChangeAspect="1"/>
+          </p:cNvPicPr>
+          <p:nvPr/>
+        </p:nvPicPr>
+        <p:blipFill>
+          <a:blip r:embed="rId7">
+            <a:extLst>
+              <a:ext uri="{28A0092B-C50C-407E-A947-70E740481C1C}">
+                <a14:useLocalDpi xmlns:a14="http://schemas.microsoft.com/office/drawing/2010/main" val="0"/>
+              </a:ext>
+            </a:extLst>
+          </a:blip>
+          <a:stretch>
+            <a:fillRect/>
+          </a:stretch>
+        </p:blipFill>
+        <p:spPr>
+          <a:xfrm>
+            <a:off x="9485075" y="3593221"/>
+            <a:ext cx="903191" cy="1477539"/>
+          </a:xfrm>
+          <a:prstGeom prst="rect">
+            <a:avLst/>
+          </a:prstGeom>
+        </p:spPr>
+      </p:pic>
+      <p:sp>
+        <p:nvSpPr>
+          <p:cNvPr id="51" name="四角形: 角を丸くする 50">
+            <a:extLst>
+              <a:ext uri="{FF2B5EF4-FFF2-40B4-BE49-F238E27FC236}">
+                <a16:creationId xmlns:a16="http://schemas.microsoft.com/office/drawing/2014/main" id="{2C3DFD78-A24B-F5F8-53AF-ED289C90C1BD}"/>
               </a:ext>
             </a:extLst>
           </p:cNvPr>
@@ -12335,8 +12315,8 @@
         </p:nvSpPr>
         <p:spPr>
           <a:xfrm>
-            <a:off x="3729087" y="2931395"/>
-            <a:ext cx="1726402" cy="690222"/>
+            <a:off x="4818186" y="2751566"/>
+            <a:ext cx="3097780" cy="677434"/>
           </a:xfrm>
           <a:prstGeom prst="roundRect">
             <a:avLst/>
@@ -12368,9 +12348,11 @@
           <a:bodyPr rtlCol="0" anchor="ctr"/>
           <a:lstStyle/>
           <a:p>
-            <a:pPr algn="ctr"/>
-            <a:r>
-              <a:rPr kumimoji="1" lang="ja-JP" altLang="en-US" b="1" dirty="0">
+            <a:pPr algn="ctr">
+              <a:buNone/>
+            </a:pPr>
+            <a:r>
+              <a:rPr lang="ja-JP" altLang="en-US" b="1" dirty="0">
                 <a:solidFill>
                   <a:schemeClr val="tx1"/>
                 </a:solidFill>
@@ -12379,52 +12361,22 @@
               </a:rPr>
               <a:t>ホーム画面</a:t>
             </a:r>
-          </a:p>
-        </p:txBody>
-      </p:sp>
-      <p:pic>
-        <p:nvPicPr>
-          <p:cNvPr id="14" name="図 13" descr="アイコン&#10;&#10;AI 生成コンテンツは誤りを含む可能性があります。">
-            <a:extLst>
-              <a:ext uri="{FF2B5EF4-FFF2-40B4-BE49-F238E27FC236}">
-                <a16:creationId xmlns:a16="http://schemas.microsoft.com/office/drawing/2014/main" id="{0C22AC2A-7625-F4DB-F34D-4FDDAA1EB15D}"/>
-              </a:ext>
-            </a:extLst>
-          </p:cNvPr>
-          <p:cNvPicPr>
-            <a:picLocks noChangeAspect="1"/>
-          </p:cNvPicPr>
-          <p:nvPr/>
-        </p:nvPicPr>
-        <p:blipFill>
-          <a:blip r:embed="rId3">
-            <a:extLst>
-              <a:ext uri="{28A0092B-C50C-407E-A947-70E740481C1C}">
-                <a14:useLocalDpi xmlns:a14="http://schemas.microsoft.com/office/drawing/2010/main" val="0"/>
-              </a:ext>
-            </a:extLst>
-          </a:blip>
-          <a:srcRect t="53675" r="50175" b="3544"/>
-          <a:stretch>
-            <a:fillRect/>
-          </a:stretch>
-        </p:blipFill>
-        <p:spPr>
-          <a:xfrm>
-            <a:off x="1074450" y="1301262"/>
-            <a:ext cx="1566676" cy="1345224"/>
-          </a:xfrm>
-          <a:prstGeom prst="rect">
-            <a:avLst/>
-          </a:prstGeom>
-        </p:spPr>
-      </p:pic>
-      <p:sp>
-        <p:nvSpPr>
-          <p:cNvPr id="15" name="四角形: 角を丸くする 14">
-            <a:extLst>
-              <a:ext uri="{FF2B5EF4-FFF2-40B4-BE49-F238E27FC236}">
-                <a16:creationId xmlns:a16="http://schemas.microsoft.com/office/drawing/2014/main" id="{57B66553-F478-0BFE-381B-D71BAB18EF5B}"/>
+            <a:endParaRPr lang="en-US" altLang="ja-JP" b="1" dirty="0">
+              <a:solidFill>
+                <a:schemeClr val="tx1"/>
+              </a:solidFill>
+              <a:latin typeface="BIZ UDPゴシック" panose="020B0400000000000000" pitchFamily="50" charset="-128"/>
+              <a:ea typeface="BIZ UDPゴシック" panose="020B0400000000000000" pitchFamily="50" charset="-128"/>
+            </a:endParaRPr>
+          </a:p>
+        </p:txBody>
+      </p:sp>
+      <p:sp>
+        <p:nvSpPr>
+          <p:cNvPr id="52" name="四角形: 角を丸くする 51">
+            <a:extLst>
+              <a:ext uri="{FF2B5EF4-FFF2-40B4-BE49-F238E27FC236}">
+                <a16:creationId xmlns:a16="http://schemas.microsoft.com/office/drawing/2014/main" id="{CCBC8052-DF0D-D4D6-1EA5-15194D4C8384}"/>
               </a:ext>
             </a:extLst>
           </p:cNvPr>
@@ -12433,8 +12385,8 @@
         </p:nvSpPr>
         <p:spPr>
           <a:xfrm>
-            <a:off x="445844" y="2931394"/>
-            <a:ext cx="2974364" cy="662240"/>
+            <a:off x="8561230" y="2757076"/>
+            <a:ext cx="2723097" cy="671924"/>
           </a:xfrm>
           <a:prstGeom prst="roundRect">
             <a:avLst/>
@@ -12466,7 +12418,7 @@
           <a:bodyPr rtlCol="0" anchor="ctr"/>
           <a:lstStyle/>
           <a:p>
-            <a:pPr>
+            <a:pPr algn="ctr">
               <a:buNone/>
             </a:pPr>
             <a:r>
@@ -12477,7 +12429,217 @@
                 <a:latin typeface="BIZ UDPゴシック" panose="020B0400000000000000" pitchFamily="50" charset="-128"/>
                 <a:ea typeface="BIZ UDPゴシック" panose="020B0400000000000000" pitchFamily="50" charset="-128"/>
               </a:rPr>
-              <a:t>マイページ、パスワード変更</a:t>
+              <a:t>タグ検索、日記検索</a:t>
+            </a:r>
+            <a:endParaRPr lang="en-US" altLang="ja-JP" b="1" dirty="0">
+              <a:solidFill>
+                <a:schemeClr val="tx1"/>
+              </a:solidFill>
+              <a:latin typeface="BIZ UDPゴシック" panose="020B0400000000000000" pitchFamily="50" charset="-128"/>
+              <a:ea typeface="BIZ UDPゴシック" panose="020B0400000000000000" pitchFamily="50" charset="-128"/>
+            </a:endParaRPr>
+          </a:p>
+        </p:txBody>
+      </p:sp>
+      <p:sp>
+        <p:nvSpPr>
+          <p:cNvPr id="53" name="四角形: 角を丸くする 52">
+            <a:extLst>
+              <a:ext uri="{FF2B5EF4-FFF2-40B4-BE49-F238E27FC236}">
+                <a16:creationId xmlns:a16="http://schemas.microsoft.com/office/drawing/2014/main" id="{CF458D2D-A97D-C973-3630-18202B92B9F1}"/>
+              </a:ext>
+            </a:extLst>
+          </p:cNvPr>
+          <p:cNvSpPr/>
+          <p:nvPr/>
+        </p:nvSpPr>
+        <p:spPr>
+          <a:xfrm>
+            <a:off x="987278" y="5249067"/>
+            <a:ext cx="3288758" cy="671924"/>
+          </a:xfrm>
+          <a:prstGeom prst="roundRect">
+            <a:avLst/>
+          </a:prstGeom>
+          <a:solidFill>
+            <a:srgbClr val="FFE5B4"/>
+          </a:solidFill>
+          <a:ln>
+            <a:noFill/>
+          </a:ln>
+        </p:spPr>
+        <p:style>
+          <a:lnRef idx="2">
+            <a:schemeClr val="accent1">
+              <a:shade val="15000"/>
+            </a:schemeClr>
+          </a:lnRef>
+          <a:fillRef idx="1">
+            <a:schemeClr val="accent1"/>
+          </a:fillRef>
+          <a:effectRef idx="0">
+            <a:schemeClr val="accent1"/>
+          </a:effectRef>
+          <a:fontRef idx="minor">
+            <a:schemeClr val="lt1"/>
+          </a:fontRef>
+        </p:style>
+        <p:txBody>
+          <a:bodyPr rtlCol="0" anchor="ctr"/>
+          <a:lstStyle/>
+          <a:p>
+            <a:pPr algn="ctr">
+              <a:buNone/>
+            </a:pPr>
+            <a:r>
+              <a:rPr lang="ja-JP" altLang="en-US" b="1" dirty="0">
+                <a:solidFill>
+                  <a:schemeClr val="tx1"/>
+                </a:solidFill>
+                <a:latin typeface="BIZ UDPゴシック" panose="020B0400000000000000" pitchFamily="50" charset="-128"/>
+                <a:ea typeface="BIZ UDPゴシック" panose="020B0400000000000000" pitchFamily="50" charset="-128"/>
+              </a:rPr>
+              <a:t>日記登録、日記詳細画面</a:t>
+            </a:r>
+            <a:endParaRPr lang="en-US" altLang="ja-JP" b="1" dirty="0">
+              <a:solidFill>
+                <a:schemeClr val="tx1"/>
+              </a:solidFill>
+              <a:latin typeface="BIZ UDPゴシック" panose="020B0400000000000000" pitchFamily="50" charset="-128"/>
+              <a:ea typeface="BIZ UDPゴシック" panose="020B0400000000000000" pitchFamily="50" charset="-128"/>
+            </a:endParaRPr>
+          </a:p>
+        </p:txBody>
+      </p:sp>
+      <p:sp>
+        <p:nvSpPr>
+          <p:cNvPr id="54" name="四角形: 角を丸くする 53">
+            <a:extLst>
+              <a:ext uri="{FF2B5EF4-FFF2-40B4-BE49-F238E27FC236}">
+                <a16:creationId xmlns:a16="http://schemas.microsoft.com/office/drawing/2014/main" id="{A163B1B0-07E5-4B91-1A57-14957A221B03}"/>
+              </a:ext>
+            </a:extLst>
+          </p:cNvPr>
+          <p:cNvSpPr/>
+          <p:nvPr/>
+        </p:nvSpPr>
+        <p:spPr>
+          <a:xfrm>
+            <a:off x="4746542" y="5249067"/>
+            <a:ext cx="3288758" cy="671924"/>
+          </a:xfrm>
+          <a:prstGeom prst="roundRect">
+            <a:avLst/>
+          </a:prstGeom>
+          <a:solidFill>
+            <a:srgbClr val="FFE5B4"/>
+          </a:solidFill>
+          <a:ln>
+            <a:noFill/>
+          </a:ln>
+        </p:spPr>
+        <p:style>
+          <a:lnRef idx="2">
+            <a:schemeClr val="accent1">
+              <a:shade val="15000"/>
+            </a:schemeClr>
+          </a:lnRef>
+          <a:fillRef idx="1">
+            <a:schemeClr val="accent1"/>
+          </a:fillRef>
+          <a:effectRef idx="0">
+            <a:schemeClr val="accent1"/>
+          </a:effectRef>
+          <a:fontRef idx="minor">
+            <a:schemeClr val="lt1"/>
+          </a:fontRef>
+        </p:style>
+        <p:txBody>
+          <a:bodyPr rtlCol="0" anchor="ctr"/>
+          <a:lstStyle/>
+          <a:p>
+            <a:pPr algn="ctr">
+              <a:buNone/>
+            </a:pPr>
+            <a:r>
+              <a:rPr lang="ja-JP" altLang="en-US" b="1" dirty="0">
+                <a:solidFill>
+                  <a:schemeClr val="tx1"/>
+                </a:solidFill>
+                <a:latin typeface="BIZ UDPゴシック" panose="020B0400000000000000" pitchFamily="50" charset="-128"/>
+                <a:ea typeface="BIZ UDPゴシック" panose="020B0400000000000000" pitchFamily="50" charset="-128"/>
+              </a:rPr>
+              <a:t>グラフ分析、キーワード分析</a:t>
+            </a:r>
+            <a:endParaRPr lang="en-US" altLang="ja-JP" b="1" dirty="0">
+              <a:solidFill>
+                <a:schemeClr val="tx1"/>
+              </a:solidFill>
+              <a:latin typeface="BIZ UDPゴシック" panose="020B0400000000000000" pitchFamily="50" charset="-128"/>
+              <a:ea typeface="BIZ UDPゴシック" panose="020B0400000000000000" pitchFamily="50" charset="-128"/>
+            </a:endParaRPr>
+          </a:p>
+        </p:txBody>
+      </p:sp>
+      <p:sp>
+        <p:nvSpPr>
+          <p:cNvPr id="55" name="四角形: 角を丸くする 54">
+            <a:extLst>
+              <a:ext uri="{FF2B5EF4-FFF2-40B4-BE49-F238E27FC236}">
+                <a16:creationId xmlns:a16="http://schemas.microsoft.com/office/drawing/2014/main" id="{16BCF04D-9CB0-9E24-FB6C-CD4CC9E051DB}"/>
+              </a:ext>
+            </a:extLst>
+          </p:cNvPr>
+          <p:cNvSpPr/>
+          <p:nvPr/>
+        </p:nvSpPr>
+        <p:spPr>
+          <a:xfrm>
+            <a:off x="8599374" y="5249067"/>
+            <a:ext cx="2786664" cy="671923"/>
+          </a:xfrm>
+          <a:prstGeom prst="roundRect">
+            <a:avLst/>
+          </a:prstGeom>
+          <a:solidFill>
+            <a:srgbClr val="FFE5B4"/>
+          </a:solidFill>
+          <a:ln>
+            <a:noFill/>
+          </a:ln>
+        </p:spPr>
+        <p:style>
+          <a:lnRef idx="2">
+            <a:schemeClr val="accent1">
+              <a:shade val="15000"/>
+            </a:schemeClr>
+          </a:lnRef>
+          <a:fillRef idx="1">
+            <a:schemeClr val="accent1"/>
+          </a:fillRef>
+          <a:effectRef idx="0">
+            <a:schemeClr val="accent1"/>
+          </a:effectRef>
+          <a:fontRef idx="minor">
+            <a:schemeClr val="lt1"/>
+          </a:fontRef>
+        </p:style>
+        <p:txBody>
+          <a:bodyPr rtlCol="0" anchor="ctr"/>
+          <a:lstStyle/>
+          <a:p>
+            <a:pPr algn="ctr">
+              <a:buNone/>
+            </a:pPr>
+            <a:r>
+              <a:rPr lang="ja-JP" altLang="en-US" b="1" dirty="0">
+                <a:solidFill>
+                  <a:schemeClr val="tx1"/>
+                </a:solidFill>
+                <a:latin typeface="BIZ UDPゴシック" panose="020B0400000000000000" pitchFamily="50" charset="-128"/>
+                <a:ea typeface="BIZ UDPゴシック" panose="020B0400000000000000" pitchFamily="50" charset="-128"/>
+              </a:rPr>
+              <a:t>タイムライン</a:t>
             </a:r>
             <a:endParaRPr lang="en-US" altLang="ja-JP" b="1" dirty="0">
               <a:solidFill>
@@ -12503,6 +12665,230 @@
 </file>
 
 <file path=ppt/slides/slide6.xml><?xml version="1.0" encoding="utf-8"?>
+<p:sld xmlns:a="http://schemas.openxmlformats.org/drawingml/2006/main" xmlns:r="http://schemas.openxmlformats.org/officeDocument/2006/relationships" xmlns:p="http://schemas.openxmlformats.org/presentationml/2006/main">
+  <p:cSld>
+    <p:spTree>
+      <p:nvGrpSpPr>
+        <p:cNvPr id="1" name="">
+          <a:extLst>
+            <a:ext uri="{FF2B5EF4-FFF2-40B4-BE49-F238E27FC236}">
+              <a16:creationId xmlns:a16="http://schemas.microsoft.com/office/drawing/2014/main" id="{91162F90-D0E9-E9AE-B367-F0F12108B6AE}"/>
+            </a:ext>
+          </a:extLst>
+        </p:cNvPr>
+        <p:cNvGrpSpPr/>
+        <p:nvPr/>
+      </p:nvGrpSpPr>
+      <p:grpSpPr>
+        <a:xfrm>
+          <a:off x="0" y="0"/>
+          <a:ext cx="0" cy="0"/>
+          <a:chOff x="0" y="0"/>
+          <a:chExt cx="0" cy="0"/>
+        </a:xfrm>
+      </p:grpSpPr>
+      <p:sp>
+        <p:nvSpPr>
+          <p:cNvPr id="3" name="正方形/長方形 2">
+            <a:extLst>
+              <a:ext uri="{FF2B5EF4-FFF2-40B4-BE49-F238E27FC236}">
+                <a16:creationId xmlns:a16="http://schemas.microsoft.com/office/drawing/2014/main" id="{CB561493-6311-DD5C-6FE0-9BE8C08005E6}"/>
+              </a:ext>
+            </a:extLst>
+          </p:cNvPr>
+          <p:cNvSpPr/>
+          <p:nvPr/>
+        </p:nvSpPr>
+        <p:spPr>
+          <a:xfrm>
+            <a:off x="0" y="0"/>
+            <a:ext cx="12192000" cy="6858000"/>
+          </a:xfrm>
+          <a:prstGeom prst="rect">
+            <a:avLst/>
+          </a:prstGeom>
+          <a:solidFill>
+            <a:srgbClr val="FFFFE0"/>
+          </a:solidFill>
+          <a:ln>
+            <a:noFill/>
+          </a:ln>
+        </p:spPr>
+        <p:style>
+          <a:lnRef idx="2">
+            <a:schemeClr val="accent1">
+              <a:shade val="15000"/>
+            </a:schemeClr>
+          </a:lnRef>
+          <a:fillRef idx="1">
+            <a:schemeClr val="accent1"/>
+          </a:fillRef>
+          <a:effectRef idx="0">
+            <a:schemeClr val="accent1"/>
+          </a:effectRef>
+          <a:fontRef idx="minor">
+            <a:schemeClr val="lt1"/>
+          </a:fontRef>
+        </p:style>
+        <p:txBody>
+          <a:bodyPr rtlCol="0" anchor="ctr"/>
+          <a:lstStyle/>
+          <a:p>
+            <a:pPr algn="ctr"/>
+            <a:endParaRPr kumimoji="1" lang="ja-JP" altLang="en-US"/>
+          </a:p>
+        </p:txBody>
+      </p:sp>
+      <p:sp>
+        <p:nvSpPr>
+          <p:cNvPr id="4" name="正方形/長方形 3">
+            <a:extLst>
+              <a:ext uri="{FF2B5EF4-FFF2-40B4-BE49-F238E27FC236}">
+                <a16:creationId xmlns:a16="http://schemas.microsoft.com/office/drawing/2014/main" id="{698F0640-ED6C-2871-30FC-D78D63E24AD6}"/>
+              </a:ext>
+            </a:extLst>
+          </p:cNvPr>
+          <p:cNvSpPr/>
+          <p:nvPr/>
+        </p:nvSpPr>
+        <p:spPr>
+          <a:xfrm>
+            <a:off x="10057512" y="5874328"/>
+            <a:ext cx="2134488" cy="665018"/>
+          </a:xfrm>
+          <a:prstGeom prst="rect">
+            <a:avLst/>
+          </a:prstGeom>
+          <a:solidFill>
+            <a:srgbClr val="FFFFE0"/>
+          </a:solidFill>
+          <a:ln>
+            <a:noFill/>
+          </a:ln>
+        </p:spPr>
+        <p:style>
+          <a:lnRef idx="2">
+            <a:schemeClr val="accent6"/>
+          </a:lnRef>
+          <a:fillRef idx="1">
+            <a:schemeClr val="lt1"/>
+          </a:fillRef>
+          <a:effectRef idx="0">
+            <a:schemeClr val="accent6"/>
+          </a:effectRef>
+          <a:fontRef idx="minor">
+            <a:schemeClr val="dk1"/>
+          </a:fontRef>
+        </p:style>
+        <p:txBody>
+          <a:bodyPr rtlCol="0" anchor="ctr"/>
+          <a:lstStyle/>
+          <a:p>
+            <a:pPr algn="ctr"/>
+            <a:r>
+              <a:rPr kumimoji="1" lang="en-US" altLang="ja-JP" dirty="0">
+                <a:solidFill>
+                  <a:schemeClr val="bg1">
+                    <a:lumMod val="75000"/>
+                  </a:schemeClr>
+                </a:solidFill>
+              </a:rPr>
+              <a:t>2025.7.31</a:t>
+            </a:r>
+            <a:endParaRPr kumimoji="1" lang="ja-JP" altLang="en-US" dirty="0">
+              <a:solidFill>
+                <a:schemeClr val="bg1">
+                  <a:lumMod val="75000"/>
+                </a:schemeClr>
+              </a:solidFill>
+            </a:endParaRPr>
+          </a:p>
+        </p:txBody>
+      </p:sp>
+      <p:sp>
+        <p:nvSpPr>
+          <p:cNvPr id="2" name="四角形: 角を丸くする 1">
+            <a:extLst>
+              <a:ext uri="{FF2B5EF4-FFF2-40B4-BE49-F238E27FC236}">
+                <a16:creationId xmlns:a16="http://schemas.microsoft.com/office/drawing/2014/main" id="{2E2004C4-9B16-2B6A-3043-0440F84DB7D4}"/>
+              </a:ext>
+            </a:extLst>
+          </p:cNvPr>
+          <p:cNvSpPr/>
+          <p:nvPr/>
+        </p:nvSpPr>
+        <p:spPr>
+          <a:xfrm>
+            <a:off x="4466494" y="695754"/>
+            <a:ext cx="3097780" cy="677434"/>
+          </a:xfrm>
+          <a:prstGeom prst="roundRect">
+            <a:avLst/>
+          </a:prstGeom>
+          <a:solidFill>
+            <a:srgbClr val="FFE5B4"/>
+          </a:solidFill>
+          <a:ln>
+            <a:noFill/>
+          </a:ln>
+        </p:spPr>
+        <p:style>
+          <a:lnRef idx="2">
+            <a:schemeClr val="accent1">
+              <a:shade val="15000"/>
+            </a:schemeClr>
+          </a:lnRef>
+          <a:fillRef idx="1">
+            <a:schemeClr val="accent1"/>
+          </a:fillRef>
+          <a:effectRef idx="0">
+            <a:schemeClr val="accent1"/>
+          </a:effectRef>
+          <a:fontRef idx="minor">
+            <a:schemeClr val="lt1"/>
+          </a:fontRef>
+        </p:style>
+        <p:txBody>
+          <a:bodyPr rtlCol="0" anchor="ctr"/>
+          <a:lstStyle/>
+          <a:p>
+            <a:pPr algn="ctr">
+              <a:buNone/>
+            </a:pPr>
+            <a:r>
+              <a:rPr lang="ja-JP" altLang="en-US" b="1" dirty="0">
+                <a:solidFill>
+                  <a:schemeClr val="tx1"/>
+                </a:solidFill>
+                <a:latin typeface="BIZ UDPゴシック" panose="020B0400000000000000" pitchFamily="50" charset="-128"/>
+                <a:ea typeface="BIZ UDPゴシック" panose="020B0400000000000000" pitchFamily="50" charset="-128"/>
+              </a:rPr>
+              <a:t>マイページ、パスワード変更</a:t>
+            </a:r>
+            <a:endParaRPr lang="en-US" altLang="ja-JP" b="1" dirty="0">
+              <a:solidFill>
+                <a:schemeClr val="tx1"/>
+              </a:solidFill>
+              <a:latin typeface="BIZ UDPゴシック" panose="020B0400000000000000" pitchFamily="50" charset="-128"/>
+              <a:ea typeface="BIZ UDPゴシック" panose="020B0400000000000000" pitchFamily="50" charset="-128"/>
+            </a:endParaRPr>
+          </a:p>
+        </p:txBody>
+      </p:sp>
+    </p:spTree>
+    <p:extLst>
+      <p:ext uri="{BB962C8B-B14F-4D97-AF65-F5344CB8AC3E}">
+        <p14:creationId xmlns:p14="http://schemas.microsoft.com/office/powerpoint/2010/main" val="1177397205"/>
+      </p:ext>
+    </p:extLst>
+  </p:cSld>
+  <p:clrMapOvr>
+    <a:masterClrMapping/>
+  </p:clrMapOvr>
+</p:sld>
+</file>
+
+<file path=ppt/slides/slide7.xml><?xml version="1.0" encoding="utf-8"?>
 <p:sld xmlns:a="http://schemas.openxmlformats.org/drawingml/2006/main" xmlns:r="http://schemas.openxmlformats.org/officeDocument/2006/relationships" xmlns:p="http://schemas.openxmlformats.org/presentationml/2006/main">
   <p:cSld>
     <p:spTree>
@@ -12671,7 +13057,7 @@
         </p:blipFill>
         <p:spPr>
           <a:xfrm>
-            <a:off x="2755447" y="2358687"/>
+            <a:off x="2674831" y="1901488"/>
             <a:ext cx="6681105" cy="3671248"/>
           </a:xfrm>
           <a:prstGeom prst="rect">
@@ -12688,10 +13074,10 @@
       </p:pic>
       <p:sp>
         <p:nvSpPr>
-          <p:cNvPr id="8" name="四角形: 角を丸くする 7">
-            <a:extLst>
-              <a:ext uri="{FF2B5EF4-FFF2-40B4-BE49-F238E27FC236}">
-                <a16:creationId xmlns:a16="http://schemas.microsoft.com/office/drawing/2014/main" id="{C7CC1428-0492-1161-0005-7583B6368778}"/>
+          <p:cNvPr id="2" name="四角形: 角を丸くする 1">
+            <a:extLst>
+              <a:ext uri="{FF2B5EF4-FFF2-40B4-BE49-F238E27FC236}">
+                <a16:creationId xmlns:a16="http://schemas.microsoft.com/office/drawing/2014/main" id="{482CA09E-8273-7F6B-E66E-0F9454F6B8CD}"/>
               </a:ext>
             </a:extLst>
           </p:cNvPr>
@@ -12700,8 +13086,8 @@
         </p:nvSpPr>
         <p:spPr>
           <a:xfrm>
-            <a:off x="5114013" y="1566836"/>
-            <a:ext cx="1726402" cy="622449"/>
+            <a:off x="4466494" y="695754"/>
+            <a:ext cx="3097780" cy="677434"/>
           </a:xfrm>
           <a:prstGeom prst="roundRect">
             <a:avLst/>
@@ -12733,222 +13119,7 @@
           <a:bodyPr rtlCol="0" anchor="ctr"/>
           <a:lstStyle/>
           <a:p>
-            <a:pPr algn="ctr"/>
-            <a:r>
-              <a:rPr kumimoji="1" lang="ja-JP" altLang="en-US" b="1" dirty="0">
-                <a:solidFill>
-                  <a:schemeClr val="tx1"/>
-                </a:solidFill>
-                <a:latin typeface="BIZ UDPゴシック" panose="020B0400000000000000" pitchFamily="50" charset="-128"/>
-                <a:ea typeface="BIZ UDPゴシック" panose="020B0400000000000000" pitchFamily="50" charset="-128"/>
-              </a:rPr>
-              <a:t>ホーム画面</a:t>
-            </a:r>
-          </a:p>
-        </p:txBody>
-      </p:sp>
-    </p:spTree>
-    <p:extLst>
-      <p:ext uri="{BB962C8B-B14F-4D97-AF65-F5344CB8AC3E}">
-        <p14:creationId xmlns:p14="http://schemas.microsoft.com/office/powerpoint/2010/main" val="30773841"/>
-      </p:ext>
-    </p:extLst>
-  </p:cSld>
-  <p:clrMapOvr>
-    <a:masterClrMapping/>
-  </p:clrMapOvr>
-</p:sld>
-</file>
-
-<file path=ppt/slides/slide7.xml><?xml version="1.0" encoding="utf-8"?>
-<p:sld xmlns:a="http://schemas.openxmlformats.org/drawingml/2006/main" xmlns:r="http://schemas.openxmlformats.org/officeDocument/2006/relationships" xmlns:p="http://schemas.openxmlformats.org/presentationml/2006/main">
-  <p:cSld>
-    <p:spTree>
-      <p:nvGrpSpPr>
-        <p:cNvPr id="1" name="">
-          <a:extLst>
-            <a:ext uri="{FF2B5EF4-FFF2-40B4-BE49-F238E27FC236}">
-              <a16:creationId xmlns:a16="http://schemas.microsoft.com/office/drawing/2014/main" id="{2BDFE78E-F4C6-56C7-47E8-346549C24A7A}"/>
-            </a:ext>
-          </a:extLst>
-        </p:cNvPr>
-        <p:cNvGrpSpPr/>
-        <p:nvPr/>
-      </p:nvGrpSpPr>
-      <p:grpSpPr>
-        <a:xfrm>
-          <a:off x="0" y="0"/>
-          <a:ext cx="0" cy="0"/>
-          <a:chOff x="0" y="0"/>
-          <a:chExt cx="0" cy="0"/>
-        </a:xfrm>
-      </p:grpSpPr>
-      <p:sp>
-        <p:nvSpPr>
-          <p:cNvPr id="3" name="正方形/長方形 2">
-            <a:extLst>
-              <a:ext uri="{FF2B5EF4-FFF2-40B4-BE49-F238E27FC236}">
-                <a16:creationId xmlns:a16="http://schemas.microsoft.com/office/drawing/2014/main" id="{2A6DFF2D-0C5D-935E-F937-B0A13D1240E5}"/>
-              </a:ext>
-            </a:extLst>
-          </p:cNvPr>
-          <p:cNvSpPr/>
-          <p:nvPr/>
-        </p:nvSpPr>
-        <p:spPr>
-          <a:xfrm>
-            <a:off x="0" y="0"/>
-            <a:ext cx="12192000" cy="6858000"/>
-          </a:xfrm>
-          <a:prstGeom prst="rect">
-            <a:avLst/>
-          </a:prstGeom>
-          <a:solidFill>
-            <a:srgbClr val="FFFFE0"/>
-          </a:solidFill>
-          <a:ln>
-            <a:noFill/>
-          </a:ln>
-        </p:spPr>
-        <p:style>
-          <a:lnRef idx="2">
-            <a:schemeClr val="accent1">
-              <a:shade val="15000"/>
-            </a:schemeClr>
-          </a:lnRef>
-          <a:fillRef idx="1">
-            <a:schemeClr val="accent1"/>
-          </a:fillRef>
-          <a:effectRef idx="0">
-            <a:schemeClr val="accent1"/>
-          </a:effectRef>
-          <a:fontRef idx="minor">
-            <a:schemeClr val="lt1"/>
-          </a:fontRef>
-        </p:style>
-        <p:txBody>
-          <a:bodyPr rtlCol="0" anchor="ctr"/>
-          <a:lstStyle/>
-          <a:p>
-            <a:pPr algn="ctr"/>
-            <a:endParaRPr kumimoji="1" lang="ja-JP" altLang="en-US"/>
-          </a:p>
-        </p:txBody>
-      </p:sp>
-      <p:sp>
-        <p:nvSpPr>
-          <p:cNvPr id="4" name="正方形/長方形 3">
-            <a:extLst>
-              <a:ext uri="{FF2B5EF4-FFF2-40B4-BE49-F238E27FC236}">
-                <a16:creationId xmlns:a16="http://schemas.microsoft.com/office/drawing/2014/main" id="{736B201B-8EEF-7C8C-0A78-FB22833C1BAE}"/>
-              </a:ext>
-            </a:extLst>
-          </p:cNvPr>
-          <p:cNvSpPr/>
-          <p:nvPr/>
-        </p:nvSpPr>
-        <p:spPr>
-          <a:xfrm>
-            <a:off x="10057512" y="5874328"/>
-            <a:ext cx="2134488" cy="665018"/>
-          </a:xfrm>
-          <a:prstGeom prst="rect">
-            <a:avLst/>
-          </a:prstGeom>
-          <a:solidFill>
-            <a:srgbClr val="FFFFE0"/>
-          </a:solidFill>
-          <a:ln>
-            <a:noFill/>
-          </a:ln>
-        </p:spPr>
-        <p:style>
-          <a:lnRef idx="2">
-            <a:schemeClr val="accent6"/>
-          </a:lnRef>
-          <a:fillRef idx="1">
-            <a:schemeClr val="lt1"/>
-          </a:fillRef>
-          <a:effectRef idx="0">
-            <a:schemeClr val="accent6"/>
-          </a:effectRef>
-          <a:fontRef idx="minor">
-            <a:schemeClr val="dk1"/>
-          </a:fontRef>
-        </p:style>
-        <p:txBody>
-          <a:bodyPr rtlCol="0" anchor="ctr"/>
-          <a:lstStyle/>
-          <a:p>
-            <a:pPr algn="ctr"/>
-            <a:r>
-              <a:rPr kumimoji="1" lang="en-US" altLang="ja-JP" dirty="0">
-                <a:solidFill>
-                  <a:schemeClr val="bg1">
-                    <a:lumMod val="75000"/>
-                  </a:schemeClr>
-                </a:solidFill>
-              </a:rPr>
-              <a:t>2025.7.31</a:t>
-            </a:r>
-            <a:endParaRPr kumimoji="1" lang="ja-JP" altLang="en-US" dirty="0">
-              <a:solidFill>
-                <a:schemeClr val="bg1">
-                  <a:lumMod val="75000"/>
-                </a:schemeClr>
-              </a:solidFill>
-            </a:endParaRPr>
-          </a:p>
-        </p:txBody>
-      </p:sp>
-      <p:sp>
-        <p:nvSpPr>
-          <p:cNvPr id="6" name="四角形: 角を丸くする 5">
-            <a:extLst>
-              <a:ext uri="{FF2B5EF4-FFF2-40B4-BE49-F238E27FC236}">
-                <a16:creationId xmlns:a16="http://schemas.microsoft.com/office/drawing/2014/main" id="{8F1E4DCA-60BB-892C-FC6D-A671E67D8300}"/>
-              </a:ext>
-            </a:extLst>
-          </p:cNvPr>
-          <p:cNvSpPr/>
-          <p:nvPr/>
-        </p:nvSpPr>
-        <p:spPr>
-          <a:xfrm>
-            <a:off x="4526481" y="788490"/>
-            <a:ext cx="2823887" cy="662240"/>
-          </a:xfrm>
-          <a:prstGeom prst="roundRect">
-            <a:avLst/>
-          </a:prstGeom>
-          <a:solidFill>
-            <a:srgbClr val="FFE5B4"/>
-          </a:solidFill>
-          <a:ln>
-            <a:noFill/>
-          </a:ln>
-        </p:spPr>
-        <p:style>
-          <a:lnRef idx="2">
-            <a:schemeClr val="accent1">
-              <a:shade val="15000"/>
-            </a:schemeClr>
-          </a:lnRef>
-          <a:fillRef idx="1">
-            <a:schemeClr val="accent1"/>
-          </a:fillRef>
-          <a:effectRef idx="0">
-            <a:schemeClr val="accent1"/>
-          </a:effectRef>
-          <a:fontRef idx="minor">
-            <a:schemeClr val="lt1"/>
-          </a:fontRef>
-        </p:style>
-        <p:txBody>
-          <a:bodyPr rtlCol="0" anchor="ctr"/>
-          <a:lstStyle/>
-          <a:p>
-            <a:pPr>
+            <a:pPr algn="ctr">
               <a:buNone/>
             </a:pPr>
             <a:r>
@@ -12959,7 +13130,7 @@
                 <a:latin typeface="BIZ UDPゴシック" panose="020B0400000000000000" pitchFamily="50" charset="-128"/>
                 <a:ea typeface="BIZ UDPゴシック" panose="020B0400000000000000" pitchFamily="50" charset="-128"/>
               </a:rPr>
-              <a:t>マイページ、ユーザー登録</a:t>
+              <a:t>ホーム画面</a:t>
             </a:r>
             <a:endParaRPr lang="en-US" altLang="ja-JP" b="1" dirty="0">
               <a:solidFill>
@@ -12974,7 +13145,7 @@
     </p:spTree>
     <p:extLst>
       <p:ext uri="{BB962C8B-B14F-4D97-AF65-F5344CB8AC3E}">
-        <p14:creationId xmlns:p14="http://schemas.microsoft.com/office/powerpoint/2010/main" val="2960808678"/>
+        <p14:creationId xmlns:p14="http://schemas.microsoft.com/office/powerpoint/2010/main" val="30773841"/>
       </p:ext>
     </p:extLst>
   </p:cSld>
@@ -12992,7 +13163,7 @@
         <p:cNvPr id="1" name="">
           <a:extLst>
             <a:ext uri="{FF2B5EF4-FFF2-40B4-BE49-F238E27FC236}">
-              <a16:creationId xmlns:a16="http://schemas.microsoft.com/office/drawing/2014/main" id="{DC28D8F5-F1B7-D181-21CD-09139D79F233}"/>
+              <a16:creationId xmlns:a16="http://schemas.microsoft.com/office/drawing/2014/main" id="{8ECC146D-E744-A114-C89C-D77F005B8FD7}"/>
             </a:ext>
           </a:extLst>
         </p:cNvPr>
@@ -13012,7 +13183,7 @@
           <p:cNvPr id="3" name="正方形/長方形 2">
             <a:extLst>
               <a:ext uri="{FF2B5EF4-FFF2-40B4-BE49-F238E27FC236}">
-                <a16:creationId xmlns:a16="http://schemas.microsoft.com/office/drawing/2014/main" id="{278CDBA8-47B2-8210-F990-276D01EDD187}"/>
+                <a16:creationId xmlns:a16="http://schemas.microsoft.com/office/drawing/2014/main" id="{04E9180F-7B33-2506-3E21-3533A3AC7B65}"/>
               </a:ext>
             </a:extLst>
           </p:cNvPr>
@@ -13064,7 +13235,7 @@
           <p:cNvPr id="4" name="正方形/長方形 3">
             <a:extLst>
               <a:ext uri="{FF2B5EF4-FFF2-40B4-BE49-F238E27FC236}">
-                <a16:creationId xmlns:a16="http://schemas.microsoft.com/office/drawing/2014/main" id="{F38088A6-4EA0-A0E1-FEDE-9E64603E65AA}"/>
+                <a16:creationId xmlns:a16="http://schemas.microsoft.com/office/drawing/2014/main" id="{C6A0FC9D-3D44-2DB3-BD8C-B9FF620DCDBB}"/>
               </a:ext>
             </a:extLst>
           </p:cNvPr>
@@ -13127,10 +13298,10 @@
       </p:sp>
       <p:sp>
         <p:nvSpPr>
-          <p:cNvPr id="6" name="四角形: 角を丸くする 5">
-            <a:extLst>
-              <a:ext uri="{FF2B5EF4-FFF2-40B4-BE49-F238E27FC236}">
-                <a16:creationId xmlns:a16="http://schemas.microsoft.com/office/drawing/2014/main" id="{03EF53FB-6E49-C636-97EB-C9605D8CAE58}"/>
+          <p:cNvPr id="2" name="四角形: 角を丸くする 1">
+            <a:extLst>
+              <a:ext uri="{FF2B5EF4-FFF2-40B4-BE49-F238E27FC236}">
+                <a16:creationId xmlns:a16="http://schemas.microsoft.com/office/drawing/2014/main" id="{425DF485-63ED-6A77-E47C-0AB559C4EBB6}"/>
               </a:ext>
             </a:extLst>
           </p:cNvPr>
@@ -13139,8 +13310,8 @@
         </p:nvSpPr>
         <p:spPr>
           <a:xfrm>
-            <a:off x="5130311" y="1608994"/>
-            <a:ext cx="1644161" cy="747346"/>
+            <a:off x="4466494" y="695754"/>
+            <a:ext cx="3097780" cy="677434"/>
           </a:xfrm>
           <a:prstGeom prst="roundRect">
             <a:avLst/>
@@ -13172,7 +13343,7 @@
           <a:bodyPr rtlCol="0" anchor="ctr"/>
           <a:lstStyle/>
           <a:p>
-            <a:pPr>
+            <a:pPr algn="ctr">
               <a:buNone/>
             </a:pPr>
             <a:r>
@@ -13183,7 +13354,7 @@
                 <a:latin typeface="BIZ UDPゴシック" panose="020B0400000000000000" pitchFamily="50" charset="-128"/>
                 <a:ea typeface="BIZ UDPゴシック" panose="020B0400000000000000" pitchFamily="50" charset="-128"/>
               </a:rPr>
-              <a:t>日記詳細画面</a:t>
+              <a:t>タグ検索、日記検索</a:t>
             </a:r>
             <a:endParaRPr lang="en-US" altLang="ja-JP" b="1" dirty="0">
               <a:solidFill>
@@ -13198,7 +13369,7 @@
     </p:spTree>
     <p:extLst>
       <p:ext uri="{BB962C8B-B14F-4D97-AF65-F5344CB8AC3E}">
-        <p14:creationId xmlns:p14="http://schemas.microsoft.com/office/powerpoint/2010/main" val="3038273594"/>
+        <p14:creationId xmlns:p14="http://schemas.microsoft.com/office/powerpoint/2010/main" val="1028935248"/>
       </p:ext>
     </p:extLst>
   </p:cSld>
@@ -13216,7 +13387,7 @@
         <p:cNvPr id="1" name="">
           <a:extLst>
             <a:ext uri="{FF2B5EF4-FFF2-40B4-BE49-F238E27FC236}">
-              <a16:creationId xmlns:a16="http://schemas.microsoft.com/office/drawing/2014/main" id="{C54FA1DA-EF09-DA6E-3B3E-F859CFDB0065}"/>
+              <a16:creationId xmlns:a16="http://schemas.microsoft.com/office/drawing/2014/main" id="{A89B8475-91A6-74F6-662B-FF0447BAE49C}"/>
             </a:ext>
           </a:extLst>
         </p:cNvPr>
@@ -13236,7 +13407,7 @@
           <p:cNvPr id="3" name="正方形/長方形 2">
             <a:extLst>
               <a:ext uri="{FF2B5EF4-FFF2-40B4-BE49-F238E27FC236}">
-                <a16:creationId xmlns:a16="http://schemas.microsoft.com/office/drawing/2014/main" id="{593FFF6B-B06B-69D3-0AD6-929D5CBE4E11}"/>
+                <a16:creationId xmlns:a16="http://schemas.microsoft.com/office/drawing/2014/main" id="{81EC53DD-46F2-0511-5364-5C16CC8F35FA}"/>
               </a:ext>
             </a:extLst>
           </p:cNvPr>
@@ -13288,7 +13459,7 @@
           <p:cNvPr id="4" name="正方形/長方形 3">
             <a:extLst>
               <a:ext uri="{FF2B5EF4-FFF2-40B4-BE49-F238E27FC236}">
-                <a16:creationId xmlns:a16="http://schemas.microsoft.com/office/drawing/2014/main" id="{ED5CF80F-4C52-7BD7-ACAE-B8FCFDF6AB9D}"/>
+                <a16:creationId xmlns:a16="http://schemas.microsoft.com/office/drawing/2014/main" id="{5B637564-041D-5207-9868-003A1C18C013}"/>
               </a:ext>
             </a:extLst>
           </p:cNvPr>
@@ -13351,10 +13522,10 @@
       </p:sp>
       <p:sp>
         <p:nvSpPr>
-          <p:cNvPr id="6" name="四角形: 角を丸くする 5">
-            <a:extLst>
-              <a:ext uri="{FF2B5EF4-FFF2-40B4-BE49-F238E27FC236}">
-                <a16:creationId xmlns:a16="http://schemas.microsoft.com/office/drawing/2014/main" id="{52A1A40C-0570-40FC-CF8E-CAFC211F60F3}"/>
+          <p:cNvPr id="2" name="四角形: 角を丸くする 1">
+            <a:extLst>
+              <a:ext uri="{FF2B5EF4-FFF2-40B4-BE49-F238E27FC236}">
+                <a16:creationId xmlns:a16="http://schemas.microsoft.com/office/drawing/2014/main" id="{1974D64E-6881-D55C-7079-166F982E5209}"/>
               </a:ext>
             </a:extLst>
           </p:cNvPr>
@@ -13363,8 +13534,8 @@
         </p:nvSpPr>
         <p:spPr>
           <a:xfrm>
-            <a:off x="5121519" y="1627338"/>
-            <a:ext cx="1661745" cy="747867"/>
+            <a:off x="4466494" y="695754"/>
+            <a:ext cx="3097780" cy="677434"/>
           </a:xfrm>
           <a:prstGeom prst="roundRect">
             <a:avLst/>
@@ -13396,7 +13567,7 @@
           <a:bodyPr rtlCol="0" anchor="ctr"/>
           <a:lstStyle/>
           <a:p>
-            <a:pPr>
+            <a:pPr algn="ctr">
               <a:buNone/>
             </a:pPr>
             <a:r>
@@ -13407,7 +13578,7 @@
                 <a:latin typeface="BIZ UDPゴシック" panose="020B0400000000000000" pitchFamily="50" charset="-128"/>
                 <a:ea typeface="BIZ UDPゴシック" panose="020B0400000000000000" pitchFamily="50" charset="-128"/>
               </a:rPr>
-              <a:t>日記登録画面</a:t>
+              <a:t>日記詳細画面</a:t>
             </a:r>
             <a:endParaRPr lang="en-US" altLang="ja-JP" b="1" dirty="0">
               <a:solidFill>
@@ -13422,7 +13593,7 @@
     </p:spTree>
     <p:extLst>
       <p:ext uri="{BB962C8B-B14F-4D97-AF65-F5344CB8AC3E}">
-        <p14:creationId xmlns:p14="http://schemas.microsoft.com/office/powerpoint/2010/main" val="4289090766"/>
+        <p14:creationId xmlns:p14="http://schemas.microsoft.com/office/powerpoint/2010/main" val="1211979799"/>
       </p:ext>
     </p:extLst>
   </p:cSld>

--- a/発表準備/7月成果発表会.pptx
+++ b/発表準備/7月成果発表会.pptx
@@ -12315,8 +12315,8 @@
         </p:nvSpPr>
         <p:spPr>
           <a:xfrm>
-            <a:off x="4818186" y="2751566"/>
-            <a:ext cx="3097780" cy="677434"/>
+            <a:off x="4746542" y="2751566"/>
+            <a:ext cx="3288758" cy="677434"/>
           </a:xfrm>
           <a:prstGeom prst="roundRect">
             <a:avLst/>
@@ -12385,7 +12385,7 @@
         </p:nvSpPr>
         <p:spPr>
           <a:xfrm>
-            <a:off x="8561230" y="2757076"/>
+            <a:off x="8575121" y="2751566"/>
             <a:ext cx="2723097" cy="671924"/>
           </a:xfrm>
           <a:prstGeom prst="roundRect">
@@ -12456,7 +12456,7 @@
         <p:spPr>
           <a:xfrm>
             <a:off x="987278" y="5249067"/>
-            <a:ext cx="3288758" cy="671924"/>
+            <a:ext cx="3288758" cy="671923"/>
           </a:xfrm>
           <a:prstGeom prst="roundRect">
             <a:avLst/>
@@ -12525,7 +12525,7 @@
         </p:nvSpPr>
         <p:spPr>
           <a:xfrm>
-            <a:off x="4746542" y="5249067"/>
+            <a:off x="4746542" y="5249066"/>
             <a:ext cx="3288758" cy="671924"/>
           </a:xfrm>
           <a:prstGeom prst="roundRect">

--- a/発表準備/7月成果発表会.pptx
+++ b/発表準備/7月成果発表会.pptx
@@ -12316,7 +12316,7 @@
         <p:spPr>
           <a:xfrm>
             <a:off x="4746542" y="2751566"/>
-            <a:ext cx="3288758" cy="677434"/>
+            <a:ext cx="3288758" cy="671924"/>
           </a:xfrm>
           <a:prstGeom prst="roundRect">
             <a:avLst/>

--- a/発表準備/7月成果発表会.pptx
+++ b/発表準備/7月成果発表会.pptx
@@ -11502,8 +11502,8 @@
           </a:xfrm>
           <a:prstGeom prst="cloudCallout">
             <a:avLst>
-              <a:gd name="adj1" fmla="val -7704"/>
-              <a:gd name="adj2" fmla="val 68632"/>
+              <a:gd name="adj1" fmla="val -6643"/>
+              <a:gd name="adj2" fmla="val 70385"/>
             </a:avLst>
           </a:prstGeom>
           <a:solidFill>
@@ -11807,8 +11807,8 @@
         </p:blipFill>
         <p:spPr>
           <a:xfrm>
-            <a:off x="4532022" y="4056117"/>
-            <a:ext cx="2926381" cy="2926381"/>
+            <a:off x="4860211" y="3838427"/>
+            <a:ext cx="2430487" cy="2430487"/>
           </a:xfrm>
           <a:prstGeom prst="rect">
             <a:avLst/>
@@ -12185,7 +12185,7 @@
         </p:blipFill>
         <p:spPr>
           <a:xfrm>
-            <a:off x="8880050" y="1355040"/>
+            <a:off x="9011934" y="1376231"/>
             <a:ext cx="1688479" cy="1193368"/>
           </a:xfrm>
           <a:prstGeom prst="rect">
@@ -12221,7 +12221,7 @@
         </p:blipFill>
         <p:spPr>
           <a:xfrm rot="528377">
-            <a:off x="1906240" y="3695727"/>
+            <a:off x="1906240" y="3686770"/>
             <a:ext cx="1450834" cy="1450834"/>
           </a:xfrm>
           <a:prstGeom prst="rect">
@@ -12293,7 +12293,7 @@
         </p:blipFill>
         <p:spPr>
           <a:xfrm>
-            <a:off x="9485075" y="3593221"/>
+            <a:off x="9541110" y="3597509"/>
             <a:ext cx="903191" cy="1477539"/>
           </a:xfrm>
           <a:prstGeom prst="rect">
@@ -13057,7 +13057,7 @@
         </p:blipFill>
         <p:spPr>
           <a:xfrm>
-            <a:off x="2674831" y="1901488"/>
+            <a:off x="2755447" y="1901488"/>
             <a:ext cx="6681105" cy="3671248"/>
           </a:xfrm>
           <a:prstGeom prst="rect">

--- a/発表準備/7月成果発表会.pptx
+++ b/発表準備/7月成果発表会.pptx
@@ -10388,6 +10388,8 @@
                     <a:lumMod val="25000"/>
                   </a:schemeClr>
                 </a:solidFill>
+                <a:latin typeface="BIZ UDPゴシック" panose="020B0400000000000000" pitchFamily="50" charset="-128"/>
+                <a:ea typeface="BIZ UDPゴシック" panose="020B0400000000000000" pitchFamily="50" charset="-128"/>
               </a:rPr>
               <a:t>ご清聴ありがとうございました</a:t>
             </a:r>

--- a/発表準備/7月成果発表会.pptx
+++ b/発表準備/7月成果発表会.pptx
@@ -221,7 +221,7 @@
           <a:p>
             <a:fld id="{E415E668-72BD-48DC-B5D5-F37F0AA96029}" type="datetimeFigureOut">
               <a:rPr kumimoji="1" lang="ja-JP" altLang="en-US" smtClean="0"/>
-              <a:t>2025/7/24</a:t>
+              <a:t>2025/7/25</a:t>
             </a:fld>
             <a:endParaRPr kumimoji="1" lang="ja-JP" altLang="en-US"/>
           </a:p>
@@ -939,7 +939,7 @@
           <a:p>
             <a:fld id="{9CFFAD60-27D9-44AE-82D7-77B581F6BE63}" type="datetimeFigureOut">
               <a:rPr kumimoji="1" lang="ja-JP" altLang="en-US" smtClean="0"/>
-              <a:t>2025/7/24</a:t>
+              <a:t>2025/7/25</a:t>
             </a:fld>
             <a:endParaRPr kumimoji="1" lang="ja-JP" altLang="en-US"/>
           </a:p>
@@ -1169,7 +1169,7 @@
           <a:p>
             <a:fld id="{9CFFAD60-27D9-44AE-82D7-77B581F6BE63}" type="datetimeFigureOut">
               <a:rPr kumimoji="1" lang="ja-JP" altLang="en-US" smtClean="0"/>
-              <a:t>2025/7/24</a:t>
+              <a:t>2025/7/25</a:t>
             </a:fld>
             <a:endParaRPr kumimoji="1" lang="ja-JP" altLang="en-US"/>
           </a:p>
@@ -1409,7 +1409,7 @@
           <a:p>
             <a:fld id="{9CFFAD60-27D9-44AE-82D7-77B581F6BE63}" type="datetimeFigureOut">
               <a:rPr kumimoji="1" lang="ja-JP" altLang="en-US" smtClean="0"/>
-              <a:t>2025/7/24</a:t>
+              <a:t>2025/7/25</a:t>
             </a:fld>
             <a:endParaRPr kumimoji="1" lang="ja-JP" altLang="en-US"/>
           </a:p>
@@ -1639,7 +1639,7 @@
           <a:p>
             <a:fld id="{9CFFAD60-27D9-44AE-82D7-77B581F6BE63}" type="datetimeFigureOut">
               <a:rPr kumimoji="1" lang="ja-JP" altLang="en-US" smtClean="0"/>
-              <a:t>2025/7/24</a:t>
+              <a:t>2025/7/25</a:t>
             </a:fld>
             <a:endParaRPr kumimoji="1" lang="ja-JP" altLang="en-US"/>
           </a:p>
@@ -1914,7 +1914,7 @@
           <a:p>
             <a:fld id="{9CFFAD60-27D9-44AE-82D7-77B581F6BE63}" type="datetimeFigureOut">
               <a:rPr kumimoji="1" lang="ja-JP" altLang="en-US" smtClean="0"/>
-              <a:t>2025/7/24</a:t>
+              <a:t>2025/7/25</a:t>
             </a:fld>
             <a:endParaRPr kumimoji="1" lang="ja-JP" altLang="en-US"/>
           </a:p>
@@ -2243,7 +2243,7 @@
           <a:p>
             <a:fld id="{9CFFAD60-27D9-44AE-82D7-77B581F6BE63}" type="datetimeFigureOut">
               <a:rPr kumimoji="1" lang="ja-JP" altLang="en-US" smtClean="0"/>
-              <a:t>2025/7/24</a:t>
+              <a:t>2025/7/25</a:t>
             </a:fld>
             <a:endParaRPr kumimoji="1" lang="ja-JP" altLang="en-US"/>
           </a:p>
@@ -2719,7 +2719,7 @@
           <a:p>
             <a:fld id="{9CFFAD60-27D9-44AE-82D7-77B581F6BE63}" type="datetimeFigureOut">
               <a:rPr kumimoji="1" lang="ja-JP" altLang="en-US" smtClean="0"/>
-              <a:t>2025/7/24</a:t>
+              <a:t>2025/7/25</a:t>
             </a:fld>
             <a:endParaRPr kumimoji="1" lang="ja-JP" altLang="en-US"/>
           </a:p>
@@ -2860,7 +2860,7 @@
           <a:p>
             <a:fld id="{9CFFAD60-27D9-44AE-82D7-77B581F6BE63}" type="datetimeFigureOut">
               <a:rPr kumimoji="1" lang="ja-JP" altLang="en-US" smtClean="0"/>
-              <a:t>2025/7/24</a:t>
+              <a:t>2025/7/25</a:t>
             </a:fld>
             <a:endParaRPr kumimoji="1" lang="ja-JP" altLang="en-US"/>
           </a:p>
@@ -2973,7 +2973,7 @@
           <a:p>
             <a:fld id="{9CFFAD60-27D9-44AE-82D7-77B581F6BE63}" type="datetimeFigureOut">
               <a:rPr kumimoji="1" lang="ja-JP" altLang="en-US" smtClean="0"/>
-              <a:t>2025/7/24</a:t>
+              <a:t>2025/7/25</a:t>
             </a:fld>
             <a:endParaRPr kumimoji="1" lang="ja-JP" altLang="en-US"/>
           </a:p>
@@ -3316,7 +3316,7 @@
           <a:p>
             <a:fld id="{9CFFAD60-27D9-44AE-82D7-77B581F6BE63}" type="datetimeFigureOut">
               <a:rPr kumimoji="1" lang="ja-JP" altLang="en-US" smtClean="0"/>
-              <a:t>2025/7/24</a:t>
+              <a:t>2025/7/25</a:t>
             </a:fld>
             <a:endParaRPr kumimoji="1" lang="ja-JP" altLang="en-US"/>
           </a:p>
@@ -3604,7 +3604,7 @@
           <a:p>
             <a:fld id="{9CFFAD60-27D9-44AE-82D7-77B581F6BE63}" type="datetimeFigureOut">
               <a:rPr kumimoji="1" lang="ja-JP" altLang="en-US" smtClean="0"/>
-              <a:t>2025/7/24</a:t>
+              <a:t>2025/7/25</a:t>
             </a:fld>
             <a:endParaRPr kumimoji="1" lang="ja-JP" altLang="en-US"/>
           </a:p>
@@ -3877,7 +3877,7 @@
           <a:p>
             <a:fld id="{9CFFAD60-27D9-44AE-82D7-77B581F6BE63}" type="datetimeFigureOut">
               <a:rPr kumimoji="1" lang="ja-JP" altLang="en-US" smtClean="0"/>
-              <a:t>2025/7/24</a:t>
+              <a:t>2025/7/25</a:t>
             </a:fld>
             <a:endParaRPr kumimoji="1" lang="ja-JP" altLang="en-US"/>
           </a:p>
@@ -8910,7 +8910,7 @@
                 <a:latin typeface="BIZ UDPゴシック" panose="020B0400000000000000" pitchFamily="50" charset="-128"/>
                 <a:ea typeface="BIZ UDPゴシック" panose="020B0400000000000000" pitchFamily="50" charset="-128"/>
               </a:rPr>
-              <a:t>担当箇所：日記検索、タグ検索</a:t>
+              <a:t>担当箇所：日記検索</a:t>
             </a:r>
           </a:p>
           <a:p>
@@ -12431,7 +12431,7 @@
                 <a:latin typeface="BIZ UDPゴシック" panose="020B0400000000000000" pitchFamily="50" charset="-128"/>
                 <a:ea typeface="BIZ UDPゴシック" panose="020B0400000000000000" pitchFamily="50" charset="-128"/>
               </a:rPr>
-              <a:t>タグ検索、日記検索</a:t>
+              <a:t>日記検索</a:t>
             </a:r>
             <a:endParaRPr lang="en-US" altLang="ja-JP" b="1" dirty="0">
               <a:solidFill>

--- a/発表準備/7月成果発表会.pptx
+++ b/発表準備/7月成果発表会.pptx
@@ -783,6 +783,90 @@
     <p:extLst>
       <p:ext uri="{BB962C8B-B14F-4D97-AF65-F5344CB8AC3E}">
         <p14:creationId xmlns:p14="http://schemas.microsoft.com/office/powerpoint/2010/main" val="162405576"/>
+      </p:ext>
+    </p:extLst>
+  </p:cSld>
+  <p:clrMapOvr>
+    <a:masterClrMapping/>
+  </p:clrMapOvr>
+</p:notes>
+</file>
+
+<file path=ppt/notesSlides/notesSlide4.xml><?xml version="1.0" encoding="utf-8"?>
+<p:notes xmlns:a="http://schemas.openxmlformats.org/drawingml/2006/main" xmlns:r="http://schemas.openxmlformats.org/officeDocument/2006/relationships" xmlns:p="http://schemas.openxmlformats.org/presentationml/2006/main">
+  <p:cSld>
+    <p:spTree>
+      <p:nvGrpSpPr>
+        <p:cNvPr id="1" name=""/>
+        <p:cNvGrpSpPr/>
+        <p:nvPr/>
+      </p:nvGrpSpPr>
+      <p:grpSpPr>
+        <a:xfrm>
+          <a:off x="0" y="0"/>
+          <a:ext cx="0" cy="0"/>
+          <a:chOff x="0" y="0"/>
+          <a:chExt cx="0" cy="0"/>
+        </a:xfrm>
+      </p:grpSpPr>
+      <p:sp>
+        <p:nvSpPr>
+          <p:cNvPr id="2" name="スライド イメージ プレースホルダー 1"/>
+          <p:cNvSpPr>
+            <a:spLocks noGrp="1" noRot="1" noChangeAspect="1"/>
+          </p:cNvSpPr>
+          <p:nvPr>
+            <p:ph type="sldImg"/>
+          </p:nvPr>
+        </p:nvSpPr>
+        <p:spPr/>
+      </p:sp>
+      <p:sp>
+        <p:nvSpPr>
+          <p:cNvPr id="3" name="ノート プレースホルダー 2"/>
+          <p:cNvSpPr>
+            <a:spLocks noGrp="1"/>
+          </p:cNvSpPr>
+          <p:nvPr>
+            <p:ph type="body" idx="1"/>
+          </p:nvPr>
+        </p:nvSpPr>
+        <p:spPr/>
+        <p:txBody>
+          <a:bodyPr/>
+          <a:lstStyle/>
+          <a:p>
+            <a:endParaRPr kumimoji="1" lang="ja-JP" altLang="en-US" dirty="0"/>
+          </a:p>
+        </p:txBody>
+      </p:sp>
+      <p:sp>
+        <p:nvSpPr>
+          <p:cNvPr id="4" name="スライド番号プレースホルダー 3"/>
+          <p:cNvSpPr>
+            <a:spLocks noGrp="1"/>
+          </p:cNvSpPr>
+          <p:nvPr>
+            <p:ph type="sldNum" sz="quarter" idx="5"/>
+          </p:nvPr>
+        </p:nvSpPr>
+        <p:spPr/>
+        <p:txBody>
+          <a:bodyPr/>
+          <a:lstStyle/>
+          <a:p>
+            <a:fld id="{DB7DD6F2-B1E7-40D2-8A4F-5D4ACD9C90E1}" type="slidenum">
+              <a:rPr kumimoji="1" lang="ja-JP" altLang="en-US" smtClean="0"/>
+              <a:t>10</a:t>
+            </a:fld>
+            <a:endParaRPr kumimoji="1" lang="ja-JP" altLang="en-US"/>
+          </a:p>
+        </p:txBody>
+      </p:sp>
+    </p:spTree>
+    <p:extLst>
+      <p:ext uri="{BB962C8B-B14F-4D97-AF65-F5344CB8AC3E}">
+        <p14:creationId xmlns:p14="http://schemas.microsoft.com/office/powerpoint/2010/main" val="1909082696"/>
       </p:ext>
     </p:extLst>
   </p:cSld>
@@ -9823,6 +9907,42 @@
           </a:p>
         </p:txBody>
       </p:sp>
+      <p:pic>
+        <p:nvPicPr>
+          <p:cNvPr id="8" name="図 7" descr="アイコン&#10;&#10;AI 生成コンテンツは誤りを含む可能性があります。">
+            <a:extLst>
+              <a:ext uri="{FF2B5EF4-FFF2-40B4-BE49-F238E27FC236}">
+                <a16:creationId xmlns:a16="http://schemas.microsoft.com/office/drawing/2014/main" id="{41314651-E41F-3075-3632-0735C8245CFA}"/>
+              </a:ext>
+            </a:extLst>
+          </p:cNvPr>
+          <p:cNvPicPr>
+            <a:picLocks noChangeAspect="1"/>
+          </p:cNvPicPr>
+          <p:nvPr/>
+        </p:nvPicPr>
+        <p:blipFill>
+          <a:blip r:embed="rId2">
+            <a:extLst>
+              <a:ext uri="{28A0092B-C50C-407E-A947-70E740481C1C}">
+                <a14:useLocalDpi xmlns:a14="http://schemas.microsoft.com/office/drawing/2010/main" val="0"/>
+              </a:ext>
+            </a:extLst>
+          </a:blip>
+          <a:stretch>
+            <a:fillRect/>
+          </a:stretch>
+        </p:blipFill>
+        <p:spPr>
+          <a:xfrm>
+            <a:off x="2235150" y="2157804"/>
+            <a:ext cx="822376" cy="808343"/>
+          </a:xfrm>
+          <a:prstGeom prst="rect">
+            <a:avLst/>
+          </a:prstGeom>
+        </p:spPr>
+      </p:pic>
     </p:spTree>
     <p:extLst>
       <p:ext uri="{BB962C8B-B14F-4D97-AF65-F5344CB8AC3E}">
